--- a/FeaturesVsLayers.pptx
+++ b/FeaturesVsLayers.pptx
@@ -5,14 +5,17 @@
     <p:sldMasterId id="2147483660" r:id="rId1"/>
   </p:sldMasterIdLst>
   <p:notesMasterIdLst>
-    <p:notesMasterId r:id="rId7"/>
+    <p:notesMasterId r:id="rId10"/>
   </p:notesMasterIdLst>
   <p:sldIdLst>
     <p:sldId id="256" r:id="rId2"/>
-    <p:sldId id="257" r:id="rId3"/>
-    <p:sldId id="258" r:id="rId4"/>
-    <p:sldId id="259" r:id="rId5"/>
-    <p:sldId id="260" r:id="rId6"/>
+    <p:sldId id="261" r:id="rId3"/>
+    <p:sldId id="262" r:id="rId4"/>
+    <p:sldId id="263" r:id="rId5"/>
+    <p:sldId id="257" r:id="rId6"/>
+    <p:sldId id="258" r:id="rId7"/>
+    <p:sldId id="259" r:id="rId8"/>
+    <p:sldId id="260" r:id="rId9"/>
   </p:sldIdLst>
   <p:sldSz cx="9144000" cy="6858000" type="screen4x3"/>
   <p:notesSz cx="6858000" cy="9144000"/>
@@ -111,6 +114,22 @@
       </a:defRPr>
     </a:lvl9pPr>
   </p:defaultTextStyle>
+  <p:extLst>
+    <p:ext uri="{EFAFB233-063F-42B5-8137-9DF3F51BA10A}">
+      <p15:sldGuideLst xmlns:p15="http://schemas.microsoft.com/office/powerpoint/2012/main">
+        <p15:guide id="1" orient="horz" pos="2160">
+          <p15:clr>
+            <a:srgbClr val="A4A3A4"/>
+          </p15:clr>
+        </p15:guide>
+        <p15:guide id="2" pos="2880">
+          <p15:clr>
+            <a:srgbClr val="A4A3A4"/>
+          </p15:clr>
+        </p15:guide>
+      </p15:sldGuideLst>
+    </p:ext>
+  </p:extLst>
 </p:presentation>
 </file>
 
@@ -196,7 +215,7 @@
           <a:p>
             <a:fld id="{42140A06-DE53-954F-B7AB-07F13EFF4F14}" type="datetimeFigureOut">
               <a:rPr lang="en-US" smtClean="0"/>
-              <a:t>04/02/16</a:t>
+              <a:t>2/12/2016</a:t>
             </a:fld>
             <a:endParaRPr lang="en-US"/>
           </a:p>
@@ -596,7 +615,35 @@
             </a:pPr>
             <a:r>
               <a:rPr lang="en-US" baseline="0" dirty="0" smtClean="0"/>
-              <a:t>And then I learned about Algebraic Data Types and the Maybe Monad on functional languages. Oh the breeze, so much easier to deal with mistakes and errors.</a:t>
+              <a:t>And then I learned about Algebraic Data Types and the Maybe Monad on functional languages. Oh the breeze, so much easier to deal with mistakes and errors</a:t>
+            </a:r>
+            <a:r>
+              <a:rPr lang="en-US" baseline="0" dirty="0" smtClean="0"/>
+              <a:t>.</a:t>
+            </a:r>
+          </a:p>
+          <a:p>
+            <a:pPr marL="0" indent="0">
+              <a:buFontTx/>
+              <a:buNone/>
+            </a:pPr>
+            <a:endParaRPr lang="en-GB" baseline="0" dirty="0" smtClean="0"/>
+          </a:p>
+          <a:p>
+            <a:pPr marL="0" indent="0">
+              <a:buFontTx/>
+              <a:buNone/>
+            </a:pPr>
+            <a:endParaRPr lang="en-GB" baseline="0" dirty="0" smtClean="0"/>
+          </a:p>
+          <a:p>
+            <a:pPr marL="0" indent="0">
+              <a:buFontTx/>
+              <a:buNone/>
+            </a:pPr>
+            <a:r>
+              <a:rPr lang="en-GB" baseline="0" dirty="0" smtClean="0"/>
+              <a:t>So, now I’m going to introduce you to my assistant: Bill (click)</a:t>
             </a:r>
             <a:endParaRPr lang="en-US" dirty="0"/>
           </a:p>
@@ -683,107 +730,24 @@
           <a:lstStyle/>
           <a:p>
             <a:r>
-              <a:rPr lang="en-US" dirty="0" smtClean="0"/>
-              <a:t>Here show</a:t>
-            </a:r>
-            <a:r>
-              <a:rPr lang="en-US" baseline="0" dirty="0" smtClean="0"/>
-              <a:t> a traditional layered architecture being written. Maybe use a sticky man and big rectangles.</a:t>
-            </a:r>
-          </a:p>
-          <a:p>
-            <a:endParaRPr lang="en-US" baseline="0" dirty="0" smtClean="0"/>
-          </a:p>
-          <a:p>
-            <a:r>
-              <a:rPr lang="en-US" baseline="0" dirty="0" smtClean="0"/>
-              <a:t>Header Validation</a:t>
-            </a:r>
-          </a:p>
-          <a:p>
-            <a:r>
-              <a:rPr lang="en-US" baseline="0" dirty="0" smtClean="0"/>
-              <a:t>Controller (MVC – API)</a:t>
-            </a:r>
-          </a:p>
-          <a:p>
-            <a:r>
-              <a:rPr lang="en-US" baseline="0" dirty="0" smtClean="0"/>
-              <a:t>Validator</a:t>
-            </a:r>
-          </a:p>
-          <a:p>
-            <a:r>
-              <a:rPr lang="en-US" baseline="0" dirty="0" smtClean="0"/>
-              <a:t>Logic</a:t>
-            </a:r>
-          </a:p>
-          <a:p>
-            <a:endParaRPr lang="en-US" baseline="0" dirty="0" smtClean="0"/>
-          </a:p>
-          <a:p>
-            <a:r>
-              <a:rPr lang="en-US" baseline="0" dirty="0" smtClean="0"/>
-              <a:t>Business Logic</a:t>
-            </a:r>
-          </a:p>
-          <a:p>
-            <a:endParaRPr lang="en-US" baseline="0" dirty="0" smtClean="0"/>
-          </a:p>
-          <a:p>
-            <a:r>
-              <a:rPr lang="en-US" baseline="0" dirty="0" smtClean="0"/>
-              <a:t>Adapter</a:t>
-            </a:r>
-          </a:p>
-          <a:p>
-            <a:endParaRPr lang="en-US" baseline="0" dirty="0" smtClean="0"/>
-          </a:p>
-          <a:p>
-            <a:r>
-              <a:rPr lang="en-US" baseline="0" dirty="0" smtClean="0"/>
-              <a:t>Data</a:t>
-            </a:r>
-          </a:p>
-          <a:p>
-            <a:endParaRPr lang="en-US" baseline="0" dirty="0" smtClean="0"/>
-          </a:p>
-          <a:p>
-            <a:endParaRPr lang="en-US" baseline="0" dirty="0" smtClean="0"/>
-          </a:p>
-          <a:p>
-            <a:r>
-              <a:rPr lang="en-US" baseline="0" dirty="0" smtClean="0"/>
-              <a:t>Usually setup as separate objects.</a:t>
-            </a:r>
-          </a:p>
-          <a:p>
-            <a:endParaRPr lang="en-US" baseline="0" dirty="0" smtClean="0"/>
-          </a:p>
-          <a:p>
-            <a:r>
-              <a:rPr lang="en-US" baseline="0" dirty="0" smtClean="0"/>
-              <a:t>But layers are logical, not the actual separation of projects on your code.</a:t>
-            </a:r>
-          </a:p>
-          <a:p>
-            <a:endParaRPr lang="en-US" dirty="0" smtClean="0"/>
-          </a:p>
-          <a:p>
-            <a:endParaRPr lang="en-US" dirty="0" smtClean="0"/>
-          </a:p>
-          <a:p>
-            <a:r>
-              <a:rPr lang="en-US" dirty="0" smtClean="0"/>
-              <a:t>Show </a:t>
-            </a:r>
-            <a:r>
-              <a:rPr lang="en-US" dirty="0" err="1" smtClean="0"/>
-              <a:t>Promocode</a:t>
-            </a:r>
-            <a:r>
-              <a:rPr lang="en-US" dirty="0" smtClean="0"/>
-              <a:t> before any change</a:t>
+              <a:rPr lang="en-GB" dirty="0" smtClean="0"/>
+              <a:t>He will be helping us on getting this through.</a:t>
+            </a:r>
+          </a:p>
+          <a:p>
+            <a:endParaRPr lang="en-GB" dirty="0" smtClean="0"/>
+          </a:p>
+          <a:p>
+            <a:endParaRPr lang="en-GB" dirty="0" smtClean="0"/>
+          </a:p>
+          <a:p>
+            <a:r>
+              <a:rPr lang="en-GB" dirty="0" smtClean="0"/>
+              <a:t>Say</a:t>
+            </a:r>
+            <a:r>
+              <a:rPr lang="en-GB" baseline="0" dirty="0" smtClean="0"/>
+              <a:t> Hello Bill (click)</a:t>
             </a:r>
             <a:endParaRPr lang="en-US" dirty="0"/>
           </a:p>
@@ -815,7 +779,7 @@
     </p:spTree>
     <p:extLst>
       <p:ext uri="{BB962C8B-B14F-4D97-AF65-F5344CB8AC3E}">
-        <p14:creationId xmlns:p14="http://schemas.microsoft.com/office/powerpoint/2010/main" val="748940058"/>
+        <p14:creationId xmlns:p14="http://schemas.microsoft.com/office/powerpoint/2010/main" val="1108041516"/>
       </p:ext>
     </p:extLst>
   </p:cSld>
@@ -870,33 +834,14 @@
           <a:lstStyle/>
           <a:p>
             <a:r>
-              <a:rPr lang="en-US" dirty="0" smtClean="0"/>
-              <a:t>But what you</a:t>
-            </a:r>
-            <a:r>
-              <a:rPr lang="en-US" baseline="0" dirty="0" smtClean="0"/>
-              <a:t> do when a </a:t>
-            </a:r>
-            <a:r>
-              <a:rPr lang="en-US" dirty="0" smtClean="0"/>
-              <a:t>change comes? A</a:t>
-            </a:r>
-            <a:r>
-              <a:rPr lang="en-US" baseline="0" dirty="0" smtClean="0"/>
-              <a:t> new endpoint, a new page.</a:t>
-            </a:r>
-          </a:p>
-          <a:p>
-            <a:endParaRPr lang="en-US" baseline="0" dirty="0" smtClean="0"/>
-          </a:p>
-          <a:p>
-            <a:r>
-              <a:rPr lang="en-US" baseline="0" dirty="0" smtClean="0"/>
-              <a:t>Then we have to go an modify all layers/projects.</a:t>
-            </a:r>
-          </a:p>
-          <a:p>
-            <a:endParaRPr lang="en-US" baseline="0" dirty="0" smtClean="0"/>
+              <a:rPr lang="en-GB" dirty="0" smtClean="0"/>
+              <a:t>Time to</a:t>
+            </a:r>
+            <a:r>
+              <a:rPr lang="en-GB" baseline="0" dirty="0" smtClean="0"/>
+              <a:t> start working on this (click)</a:t>
+            </a:r>
+            <a:endParaRPr lang="en-US" dirty="0"/>
           </a:p>
         </p:txBody>
       </p:sp>
@@ -926,7 +871,7 @@
     </p:spTree>
     <p:extLst>
       <p:ext uri="{BB962C8B-B14F-4D97-AF65-F5344CB8AC3E}">
-        <p14:creationId xmlns:p14="http://schemas.microsoft.com/office/powerpoint/2010/main" val="3696014370"/>
+        <p14:creationId xmlns:p14="http://schemas.microsoft.com/office/powerpoint/2010/main" val="277764061"/>
       </p:ext>
     </p:extLst>
   </p:cSld>
@@ -981,89 +926,12 @@
           <a:lstStyle/>
           <a:p>
             <a:r>
-              <a:rPr lang="en-US" dirty="0" smtClean="0"/>
-              <a:t>There</a:t>
-            </a:r>
-            <a:r>
-              <a:rPr lang="en-US" baseline="0" dirty="0" smtClean="0"/>
-              <a:t> is this alternative, using feature projects. Which are just vertical slices instead of horizontal ones.</a:t>
-            </a:r>
-          </a:p>
-          <a:p>
-            <a:endParaRPr lang="en-US" baseline="0" dirty="0" smtClean="0"/>
-          </a:p>
-          <a:p>
-            <a:r>
-              <a:rPr lang="en-US" baseline="0" dirty="0" smtClean="0"/>
-              <a:t>Header Validation</a:t>
-            </a:r>
-          </a:p>
-          <a:p>
-            <a:r>
-              <a:rPr lang="en-US" baseline="0" dirty="0" smtClean="0"/>
-              <a:t>Controllers (MVC, API)</a:t>
-            </a:r>
-          </a:p>
-          <a:p>
-            <a:r>
-              <a:rPr lang="en-US" dirty="0" smtClean="0"/>
-              <a:t>Feature1 Feature2</a:t>
-            </a:r>
-            <a:r>
-              <a:rPr lang="en-US" baseline="0" dirty="0" smtClean="0"/>
-              <a:t> Feature3</a:t>
-            </a:r>
-          </a:p>
-          <a:p>
-            <a:r>
-              <a:rPr lang="en-US" baseline="0" dirty="0" smtClean="0"/>
-              <a:t>Data</a:t>
-            </a:r>
-            <a:endParaRPr lang="en-US" dirty="0" smtClean="0"/>
-          </a:p>
-          <a:p>
-            <a:endParaRPr lang="en-US" dirty="0" smtClean="0"/>
-          </a:p>
-          <a:p>
-            <a:r>
-              <a:rPr lang="en-US" dirty="0" smtClean="0"/>
-              <a:t>To be truthful,</a:t>
-            </a:r>
-            <a:r>
-              <a:rPr lang="en-US" baseline="0" dirty="0" smtClean="0"/>
-              <a:t> the layers are still present, but only from a logical point of view. Is much easier to skip unneeded layers. And when you want to add new functionality, you will not be affecting other features functionality</a:t>
-            </a:r>
-            <a:endParaRPr lang="en-US" dirty="0" smtClean="0"/>
-          </a:p>
-          <a:p>
-            <a:endParaRPr lang="en-US" dirty="0" smtClean="0"/>
-          </a:p>
-          <a:p>
-            <a:r>
-              <a:rPr lang="en-US" dirty="0" smtClean="0"/>
-              <a:t>But,</a:t>
-            </a:r>
-            <a:r>
-              <a:rPr lang="en-US" baseline="0" dirty="0" smtClean="0"/>
-              <a:t> are we duplicating code? Duplicating code is only hurtful when two pieces of code that are equal have to change for the same reason. If that is the case</a:t>
-            </a:r>
-            <a:endParaRPr lang="en-US" dirty="0" smtClean="0"/>
-          </a:p>
-          <a:p>
-            <a:endParaRPr lang="en-US" dirty="0" smtClean="0"/>
-          </a:p>
-          <a:p>
-            <a:r>
-              <a:rPr lang="en-US" dirty="0" smtClean="0"/>
-              <a:t>Show </a:t>
-            </a:r>
-            <a:r>
-              <a:rPr lang="en-US" dirty="0" err="1" smtClean="0"/>
-              <a:t>Promocode</a:t>
-            </a:r>
-            <a:r>
-              <a:rPr lang="en-US" baseline="0" dirty="0" smtClean="0"/>
-              <a:t> after</a:t>
+              <a:rPr lang="en-GB" dirty="0" smtClean="0"/>
+              <a:t>The first thing that</a:t>
+            </a:r>
+            <a:r>
+              <a:rPr lang="en-GB" baseline="0" dirty="0" smtClean="0"/>
+              <a:t> we need is always to make something work. How it works is not as important.</a:t>
             </a:r>
             <a:endParaRPr lang="en-US" dirty="0"/>
           </a:p>
@@ -1095,7 +963,7 @@
     </p:spTree>
     <p:extLst>
       <p:ext uri="{BB962C8B-B14F-4D97-AF65-F5344CB8AC3E}">
-        <p14:creationId xmlns:p14="http://schemas.microsoft.com/office/powerpoint/2010/main" val="3748840372"/>
+        <p14:creationId xmlns:p14="http://schemas.microsoft.com/office/powerpoint/2010/main" val="796270880"/>
       </p:ext>
     </p:extLst>
   </p:cSld>
@@ -1151,15 +1019,106 @@
           <a:p>
             <a:r>
               <a:rPr lang="en-US" dirty="0" smtClean="0"/>
-              <a:t>Add twitter </a:t>
+              <a:t>Here show</a:t>
+            </a:r>
+            <a:r>
+              <a:rPr lang="en-US" baseline="0" dirty="0" smtClean="0"/>
+              <a:t> a traditional layered architecture being written. Maybe use a sticky man and big rectangles.</a:t>
+            </a:r>
+          </a:p>
+          <a:p>
+            <a:endParaRPr lang="en-US" baseline="0" dirty="0" smtClean="0"/>
+          </a:p>
+          <a:p>
+            <a:r>
+              <a:rPr lang="en-US" baseline="0" dirty="0" smtClean="0"/>
+              <a:t>Header Validation</a:t>
+            </a:r>
+          </a:p>
+          <a:p>
+            <a:r>
+              <a:rPr lang="en-US" baseline="0" dirty="0" smtClean="0"/>
+              <a:t>Controller (MVC – API)</a:t>
+            </a:r>
+          </a:p>
+          <a:p>
+            <a:r>
+              <a:rPr lang="en-US" baseline="0" dirty="0" smtClean="0"/>
+              <a:t>Validator</a:t>
+            </a:r>
+          </a:p>
+          <a:p>
+            <a:r>
+              <a:rPr lang="en-US" baseline="0" dirty="0" smtClean="0"/>
+              <a:t>Logic</a:t>
+            </a:r>
+          </a:p>
+          <a:p>
+            <a:endParaRPr lang="en-US" baseline="0" dirty="0" smtClean="0"/>
+          </a:p>
+          <a:p>
+            <a:r>
+              <a:rPr lang="en-US" baseline="0" dirty="0" smtClean="0"/>
+              <a:t>Business Logic</a:t>
+            </a:r>
+          </a:p>
+          <a:p>
+            <a:endParaRPr lang="en-US" baseline="0" dirty="0" smtClean="0"/>
+          </a:p>
+          <a:p>
+            <a:r>
+              <a:rPr lang="en-US" baseline="0" dirty="0" smtClean="0"/>
+              <a:t>Adapter</a:t>
+            </a:r>
+          </a:p>
+          <a:p>
+            <a:endParaRPr lang="en-US" baseline="0" dirty="0" smtClean="0"/>
+          </a:p>
+          <a:p>
+            <a:r>
+              <a:rPr lang="en-US" baseline="0" dirty="0" smtClean="0"/>
+              <a:t>Data</a:t>
+            </a:r>
+          </a:p>
+          <a:p>
+            <a:endParaRPr lang="en-US" baseline="0" dirty="0" smtClean="0"/>
+          </a:p>
+          <a:p>
+            <a:endParaRPr lang="en-US" baseline="0" dirty="0" smtClean="0"/>
+          </a:p>
+          <a:p>
+            <a:r>
+              <a:rPr lang="en-US" baseline="0" dirty="0" smtClean="0"/>
+              <a:t>Usually setup as separate objects.</a:t>
+            </a:r>
+          </a:p>
+          <a:p>
+            <a:endParaRPr lang="en-US" baseline="0" dirty="0" smtClean="0"/>
+          </a:p>
+          <a:p>
+            <a:r>
+              <a:rPr lang="en-US" baseline="0" dirty="0" smtClean="0"/>
+              <a:t>But layers are logical, not the actual separation of projects on your code.</a:t>
+            </a:r>
+          </a:p>
+          <a:p>
+            <a:endParaRPr lang="en-US" dirty="0" smtClean="0"/>
+          </a:p>
+          <a:p>
+            <a:endParaRPr lang="en-US" dirty="0" smtClean="0"/>
+          </a:p>
+          <a:p>
+            <a:r>
+              <a:rPr lang="en-US" dirty="0" smtClean="0"/>
+              <a:t>Show </a:t>
             </a:r>
             <a:r>
               <a:rPr lang="en-US" dirty="0" err="1" smtClean="0"/>
-              <a:t>github</a:t>
-            </a:r>
-            <a:r>
-              <a:rPr lang="en-US" baseline="0" dirty="0" smtClean="0"/>
-              <a:t> and blog</a:t>
+              <a:t>Promocode</a:t>
+            </a:r>
+            <a:r>
+              <a:rPr lang="en-US" dirty="0" smtClean="0"/>
+              <a:t> before any change</a:t>
             </a:r>
             <a:endParaRPr lang="en-US" dirty="0"/>
           </a:p>
@@ -1183,6 +1142,382 @@
             <a:fld id="{2345002C-B4C8-0744-B509-29A3CA95BDFE}" type="slidenum">
               <a:rPr lang="en-US" smtClean="0"/>
               <a:t>5</a:t>
+            </a:fld>
+            <a:endParaRPr lang="en-US"/>
+          </a:p>
+        </p:txBody>
+      </p:sp>
+    </p:spTree>
+    <p:extLst>
+      <p:ext uri="{BB962C8B-B14F-4D97-AF65-F5344CB8AC3E}">
+        <p14:creationId xmlns:p14="http://schemas.microsoft.com/office/powerpoint/2010/main" val="748940058"/>
+      </p:ext>
+    </p:extLst>
+  </p:cSld>
+  <p:clrMapOvr>
+    <a:masterClrMapping/>
+  </p:clrMapOvr>
+</p:notes>
+</file>
+
+<file path=ppt/notesSlides/notesSlide6.xml><?xml version="1.0" encoding="utf-8"?>
+<p:notes xmlns:a="http://schemas.openxmlformats.org/drawingml/2006/main" xmlns:r="http://schemas.openxmlformats.org/officeDocument/2006/relationships" xmlns:p="http://schemas.openxmlformats.org/presentationml/2006/main">
+  <p:cSld>
+    <p:spTree>
+      <p:nvGrpSpPr>
+        <p:cNvPr id="1" name=""/>
+        <p:cNvGrpSpPr/>
+        <p:nvPr/>
+      </p:nvGrpSpPr>
+      <p:grpSpPr>
+        <a:xfrm>
+          <a:off x="0" y="0"/>
+          <a:ext cx="0" cy="0"/>
+          <a:chOff x="0" y="0"/>
+          <a:chExt cx="0" cy="0"/>
+        </a:xfrm>
+      </p:grpSpPr>
+      <p:sp>
+        <p:nvSpPr>
+          <p:cNvPr id="2" name="Slide Image Placeholder 1"/>
+          <p:cNvSpPr>
+            <a:spLocks noGrp="1" noRot="1" noChangeAspect="1"/>
+          </p:cNvSpPr>
+          <p:nvPr>
+            <p:ph type="sldImg"/>
+          </p:nvPr>
+        </p:nvSpPr>
+        <p:spPr/>
+      </p:sp>
+      <p:sp>
+        <p:nvSpPr>
+          <p:cNvPr id="3" name="Notes Placeholder 2"/>
+          <p:cNvSpPr>
+            <a:spLocks noGrp="1"/>
+          </p:cNvSpPr>
+          <p:nvPr>
+            <p:ph type="body" idx="1"/>
+          </p:nvPr>
+        </p:nvSpPr>
+        <p:spPr/>
+        <p:txBody>
+          <a:bodyPr/>
+          <a:lstStyle/>
+          <a:p>
+            <a:r>
+              <a:rPr lang="en-US" dirty="0" smtClean="0"/>
+              <a:t>But what you</a:t>
+            </a:r>
+            <a:r>
+              <a:rPr lang="en-US" baseline="0" dirty="0" smtClean="0"/>
+              <a:t> do when a </a:t>
+            </a:r>
+            <a:r>
+              <a:rPr lang="en-US" dirty="0" smtClean="0"/>
+              <a:t>change comes? A</a:t>
+            </a:r>
+            <a:r>
+              <a:rPr lang="en-US" baseline="0" dirty="0" smtClean="0"/>
+              <a:t> new endpoint, a new page.</a:t>
+            </a:r>
+          </a:p>
+          <a:p>
+            <a:endParaRPr lang="en-US" baseline="0" dirty="0" smtClean="0"/>
+          </a:p>
+          <a:p>
+            <a:r>
+              <a:rPr lang="en-US" baseline="0" dirty="0" smtClean="0"/>
+              <a:t>Then we have to go an modify all layers/projects.</a:t>
+            </a:r>
+          </a:p>
+          <a:p>
+            <a:endParaRPr lang="en-US" baseline="0" dirty="0" smtClean="0"/>
+          </a:p>
+        </p:txBody>
+      </p:sp>
+      <p:sp>
+        <p:nvSpPr>
+          <p:cNvPr id="4" name="Slide Number Placeholder 3"/>
+          <p:cNvSpPr>
+            <a:spLocks noGrp="1"/>
+          </p:cNvSpPr>
+          <p:nvPr>
+            <p:ph type="sldNum" sz="quarter" idx="10"/>
+          </p:nvPr>
+        </p:nvSpPr>
+        <p:spPr/>
+        <p:txBody>
+          <a:bodyPr/>
+          <a:lstStyle/>
+          <a:p>
+            <a:fld id="{2345002C-B4C8-0744-B509-29A3CA95BDFE}" type="slidenum">
+              <a:rPr lang="en-US" smtClean="0"/>
+              <a:t>6</a:t>
+            </a:fld>
+            <a:endParaRPr lang="en-US"/>
+          </a:p>
+        </p:txBody>
+      </p:sp>
+    </p:spTree>
+    <p:extLst>
+      <p:ext uri="{BB962C8B-B14F-4D97-AF65-F5344CB8AC3E}">
+        <p14:creationId xmlns:p14="http://schemas.microsoft.com/office/powerpoint/2010/main" val="3696014370"/>
+      </p:ext>
+    </p:extLst>
+  </p:cSld>
+  <p:clrMapOvr>
+    <a:masterClrMapping/>
+  </p:clrMapOvr>
+</p:notes>
+</file>
+
+<file path=ppt/notesSlides/notesSlide7.xml><?xml version="1.0" encoding="utf-8"?>
+<p:notes xmlns:a="http://schemas.openxmlformats.org/drawingml/2006/main" xmlns:r="http://schemas.openxmlformats.org/officeDocument/2006/relationships" xmlns:p="http://schemas.openxmlformats.org/presentationml/2006/main">
+  <p:cSld>
+    <p:spTree>
+      <p:nvGrpSpPr>
+        <p:cNvPr id="1" name=""/>
+        <p:cNvGrpSpPr/>
+        <p:nvPr/>
+      </p:nvGrpSpPr>
+      <p:grpSpPr>
+        <a:xfrm>
+          <a:off x="0" y="0"/>
+          <a:ext cx="0" cy="0"/>
+          <a:chOff x="0" y="0"/>
+          <a:chExt cx="0" cy="0"/>
+        </a:xfrm>
+      </p:grpSpPr>
+      <p:sp>
+        <p:nvSpPr>
+          <p:cNvPr id="2" name="Slide Image Placeholder 1"/>
+          <p:cNvSpPr>
+            <a:spLocks noGrp="1" noRot="1" noChangeAspect="1"/>
+          </p:cNvSpPr>
+          <p:nvPr>
+            <p:ph type="sldImg"/>
+          </p:nvPr>
+        </p:nvSpPr>
+        <p:spPr/>
+      </p:sp>
+      <p:sp>
+        <p:nvSpPr>
+          <p:cNvPr id="3" name="Notes Placeholder 2"/>
+          <p:cNvSpPr>
+            <a:spLocks noGrp="1"/>
+          </p:cNvSpPr>
+          <p:nvPr>
+            <p:ph type="body" idx="1"/>
+          </p:nvPr>
+        </p:nvSpPr>
+        <p:spPr/>
+        <p:txBody>
+          <a:bodyPr/>
+          <a:lstStyle/>
+          <a:p>
+            <a:r>
+              <a:rPr lang="en-US" dirty="0" smtClean="0"/>
+              <a:t>There</a:t>
+            </a:r>
+            <a:r>
+              <a:rPr lang="en-US" baseline="0" dirty="0" smtClean="0"/>
+              <a:t> is this alternative, using feature projects. Which are just vertical slices instead of horizontal ones.</a:t>
+            </a:r>
+          </a:p>
+          <a:p>
+            <a:endParaRPr lang="en-US" baseline="0" dirty="0" smtClean="0"/>
+          </a:p>
+          <a:p>
+            <a:r>
+              <a:rPr lang="en-US" baseline="0" dirty="0" smtClean="0"/>
+              <a:t>Header Validation</a:t>
+            </a:r>
+          </a:p>
+          <a:p>
+            <a:r>
+              <a:rPr lang="en-US" baseline="0" dirty="0" smtClean="0"/>
+              <a:t>Controllers (MVC, API)</a:t>
+            </a:r>
+          </a:p>
+          <a:p>
+            <a:r>
+              <a:rPr lang="en-US" dirty="0" smtClean="0"/>
+              <a:t>Feature1 Feature2</a:t>
+            </a:r>
+            <a:r>
+              <a:rPr lang="en-US" baseline="0" dirty="0" smtClean="0"/>
+              <a:t> Feature3</a:t>
+            </a:r>
+          </a:p>
+          <a:p>
+            <a:r>
+              <a:rPr lang="en-US" baseline="0" dirty="0" smtClean="0"/>
+              <a:t>Data</a:t>
+            </a:r>
+            <a:endParaRPr lang="en-US" dirty="0" smtClean="0"/>
+          </a:p>
+          <a:p>
+            <a:endParaRPr lang="en-US" dirty="0" smtClean="0"/>
+          </a:p>
+          <a:p>
+            <a:r>
+              <a:rPr lang="en-US" dirty="0" smtClean="0"/>
+              <a:t>To be truthful,</a:t>
+            </a:r>
+            <a:r>
+              <a:rPr lang="en-US" baseline="0" dirty="0" smtClean="0"/>
+              <a:t> the layers are still present, but only from a logical point of view. Is much easier to skip unneeded layers. And when you want to add new functionality, you will not be affecting other features functionality</a:t>
+            </a:r>
+            <a:endParaRPr lang="en-US" dirty="0" smtClean="0"/>
+          </a:p>
+          <a:p>
+            <a:endParaRPr lang="en-US" dirty="0" smtClean="0"/>
+          </a:p>
+          <a:p>
+            <a:r>
+              <a:rPr lang="en-US" dirty="0" smtClean="0"/>
+              <a:t>But,</a:t>
+            </a:r>
+            <a:r>
+              <a:rPr lang="en-US" baseline="0" dirty="0" smtClean="0"/>
+              <a:t> are we duplicating code? Duplicating code is only hurtful when two pieces of code that are equal have to change for the same reason. If that is the case</a:t>
+            </a:r>
+            <a:endParaRPr lang="en-US" dirty="0" smtClean="0"/>
+          </a:p>
+          <a:p>
+            <a:endParaRPr lang="en-US" dirty="0" smtClean="0"/>
+          </a:p>
+          <a:p>
+            <a:r>
+              <a:rPr lang="en-US" dirty="0" smtClean="0"/>
+              <a:t>Show </a:t>
+            </a:r>
+            <a:r>
+              <a:rPr lang="en-US" dirty="0" err="1" smtClean="0"/>
+              <a:t>Promocode</a:t>
+            </a:r>
+            <a:r>
+              <a:rPr lang="en-US" baseline="0" dirty="0" smtClean="0"/>
+              <a:t> after</a:t>
+            </a:r>
+            <a:endParaRPr lang="en-US" dirty="0"/>
+          </a:p>
+        </p:txBody>
+      </p:sp>
+      <p:sp>
+        <p:nvSpPr>
+          <p:cNvPr id="4" name="Slide Number Placeholder 3"/>
+          <p:cNvSpPr>
+            <a:spLocks noGrp="1"/>
+          </p:cNvSpPr>
+          <p:nvPr>
+            <p:ph type="sldNum" sz="quarter" idx="10"/>
+          </p:nvPr>
+        </p:nvSpPr>
+        <p:spPr/>
+        <p:txBody>
+          <a:bodyPr/>
+          <a:lstStyle/>
+          <a:p>
+            <a:fld id="{2345002C-B4C8-0744-B509-29A3CA95BDFE}" type="slidenum">
+              <a:rPr lang="en-US" smtClean="0"/>
+              <a:t>7</a:t>
+            </a:fld>
+            <a:endParaRPr lang="en-US"/>
+          </a:p>
+        </p:txBody>
+      </p:sp>
+    </p:spTree>
+    <p:extLst>
+      <p:ext uri="{BB962C8B-B14F-4D97-AF65-F5344CB8AC3E}">
+        <p14:creationId xmlns:p14="http://schemas.microsoft.com/office/powerpoint/2010/main" val="3748840372"/>
+      </p:ext>
+    </p:extLst>
+  </p:cSld>
+  <p:clrMapOvr>
+    <a:masterClrMapping/>
+  </p:clrMapOvr>
+</p:notes>
+</file>
+
+<file path=ppt/notesSlides/notesSlide8.xml><?xml version="1.0" encoding="utf-8"?>
+<p:notes xmlns:a="http://schemas.openxmlformats.org/drawingml/2006/main" xmlns:r="http://schemas.openxmlformats.org/officeDocument/2006/relationships" xmlns:p="http://schemas.openxmlformats.org/presentationml/2006/main">
+  <p:cSld>
+    <p:spTree>
+      <p:nvGrpSpPr>
+        <p:cNvPr id="1" name=""/>
+        <p:cNvGrpSpPr/>
+        <p:nvPr/>
+      </p:nvGrpSpPr>
+      <p:grpSpPr>
+        <a:xfrm>
+          <a:off x="0" y="0"/>
+          <a:ext cx="0" cy="0"/>
+          <a:chOff x="0" y="0"/>
+          <a:chExt cx="0" cy="0"/>
+        </a:xfrm>
+      </p:grpSpPr>
+      <p:sp>
+        <p:nvSpPr>
+          <p:cNvPr id="2" name="Slide Image Placeholder 1"/>
+          <p:cNvSpPr>
+            <a:spLocks noGrp="1" noRot="1" noChangeAspect="1"/>
+          </p:cNvSpPr>
+          <p:nvPr>
+            <p:ph type="sldImg"/>
+          </p:nvPr>
+        </p:nvSpPr>
+        <p:spPr/>
+      </p:sp>
+      <p:sp>
+        <p:nvSpPr>
+          <p:cNvPr id="3" name="Notes Placeholder 2"/>
+          <p:cNvSpPr>
+            <a:spLocks noGrp="1"/>
+          </p:cNvSpPr>
+          <p:nvPr>
+            <p:ph type="body" idx="1"/>
+          </p:nvPr>
+        </p:nvSpPr>
+        <p:spPr/>
+        <p:txBody>
+          <a:bodyPr/>
+          <a:lstStyle/>
+          <a:p>
+            <a:r>
+              <a:rPr lang="en-US" dirty="0" smtClean="0"/>
+              <a:t>Add twitter </a:t>
+            </a:r>
+            <a:r>
+              <a:rPr lang="en-US" dirty="0" err="1" smtClean="0"/>
+              <a:t>github</a:t>
+            </a:r>
+            <a:r>
+              <a:rPr lang="en-US" baseline="0" dirty="0" smtClean="0"/>
+              <a:t> and blog</a:t>
+            </a:r>
+            <a:endParaRPr lang="en-US" dirty="0"/>
+          </a:p>
+        </p:txBody>
+      </p:sp>
+      <p:sp>
+        <p:nvSpPr>
+          <p:cNvPr id="4" name="Slide Number Placeholder 3"/>
+          <p:cNvSpPr>
+            <a:spLocks noGrp="1"/>
+          </p:cNvSpPr>
+          <p:nvPr>
+            <p:ph type="sldNum" sz="quarter" idx="10"/>
+          </p:nvPr>
+        </p:nvSpPr>
+        <p:spPr/>
+        <p:txBody>
+          <a:bodyPr/>
+          <a:lstStyle/>
+          <a:p>
+            <a:fld id="{2345002C-B4C8-0744-B509-29A3CA95BDFE}" type="slidenum">
+              <a:rPr lang="en-US" smtClean="0"/>
+              <a:t>8</a:t>
             </a:fld>
             <a:endParaRPr lang="en-US"/>
           </a:p>
@@ -1484,7 +1819,7 @@
           <a:p>
             <a:fld id="{B01F9CA3-105E-4857-9057-6DB6197DA786}" type="datetimeFigureOut">
               <a:rPr lang="en-US" smtClean="0"/>
-              <a:t>04/02/16</a:t>
+              <a:t>2/12/2016</a:t>
             </a:fld>
             <a:endParaRPr lang="en-US"/>
           </a:p>
@@ -1676,7 +2011,7 @@
           <a:p>
             <a:fld id="{B01F9CA3-105E-4857-9057-6DB6197DA786}" type="datetimeFigureOut">
               <a:rPr lang="en-US" smtClean="0"/>
-              <a:t>04/02/16</a:t>
+              <a:t>2/12/2016</a:t>
             </a:fld>
             <a:endParaRPr lang="en-US"/>
           </a:p>
@@ -1945,7 +2280,7 @@
           <a:p>
             <a:fld id="{B01F9CA3-105E-4857-9057-6DB6197DA786}" type="datetimeFigureOut">
               <a:rPr lang="en-US" smtClean="0"/>
-              <a:t>04/02/16</a:t>
+              <a:t>2/12/2016</a:t>
             </a:fld>
             <a:endParaRPr lang="en-US"/>
           </a:p>
@@ -2124,7 +2459,7 @@
           <a:p>
             <a:fld id="{B01F9CA3-105E-4857-9057-6DB6197DA786}" type="datetimeFigureOut">
               <a:rPr lang="en-US" smtClean="0"/>
-              <a:t>04/02/16</a:t>
+              <a:t>2/12/2016</a:t>
             </a:fld>
             <a:endParaRPr lang="en-US"/>
           </a:p>
@@ -2293,7 +2628,7 @@
           <a:p>
             <a:fld id="{B01F9CA3-105E-4857-9057-6DB6197DA786}" type="datetimeFigureOut">
               <a:rPr lang="en-US" smtClean="0"/>
-              <a:t>04/02/16</a:t>
+              <a:t>2/12/2016</a:t>
             </a:fld>
             <a:endParaRPr lang="en-US"/>
           </a:p>
@@ -2535,7 +2870,7 @@
           <a:p>
             <a:fld id="{B01F9CA3-105E-4857-9057-6DB6197DA786}" type="datetimeFigureOut">
               <a:rPr lang="en-US" smtClean="0"/>
-              <a:t>04/02/16</a:t>
+              <a:t>2/12/2016</a:t>
             </a:fld>
             <a:endParaRPr lang="en-US"/>
           </a:p>
@@ -2858,7 +3193,7 @@
           <a:p>
             <a:fld id="{B01F9CA3-105E-4857-9057-6DB6197DA786}" type="datetimeFigureOut">
               <a:rPr lang="en-US" smtClean="0"/>
-              <a:t>04/02/16</a:t>
+              <a:t>2/12/2016</a:t>
             </a:fld>
             <a:endParaRPr lang="en-US"/>
           </a:p>
@@ -3156,7 +3491,7 @@
           <a:p>
             <a:fld id="{B01F9CA3-105E-4857-9057-6DB6197DA786}" type="datetimeFigureOut">
               <a:rPr lang="en-US" smtClean="0"/>
-              <a:t>04/02/16</a:t>
+              <a:t>2/12/2016</a:t>
             </a:fld>
             <a:endParaRPr lang="en-US"/>
           </a:p>
@@ -3612,7 +3947,7 @@
           <a:p>
             <a:fld id="{B01F9CA3-105E-4857-9057-6DB6197DA786}" type="datetimeFigureOut">
               <a:rPr lang="en-US" smtClean="0"/>
-              <a:t>04/02/16</a:t>
+              <a:t>2/12/2016</a:t>
             </a:fld>
             <a:endParaRPr lang="en-US"/>
           </a:p>
@@ -3725,7 +4060,7 @@
           <a:p>
             <a:fld id="{B01F9CA3-105E-4857-9057-6DB6197DA786}" type="datetimeFigureOut">
               <a:rPr lang="en-US" smtClean="0"/>
-              <a:t>04/02/16</a:t>
+              <a:t>2/12/2016</a:t>
             </a:fld>
             <a:endParaRPr lang="en-US"/>
           </a:p>
@@ -3815,7 +4150,7 @@
           <a:p>
             <a:fld id="{B01F9CA3-105E-4857-9057-6DB6197DA786}" type="datetimeFigureOut">
               <a:rPr lang="en-US" smtClean="0"/>
-              <a:t>04/02/16</a:t>
+              <a:t>2/12/2016</a:t>
             </a:fld>
             <a:endParaRPr lang="en-US"/>
           </a:p>
@@ -4097,7 +4432,7 @@
           <a:p>
             <a:fld id="{B01F9CA3-105E-4857-9057-6DB6197DA786}" type="datetimeFigureOut">
               <a:rPr lang="en-US" smtClean="0"/>
-              <a:t>04/02/16</a:t>
+              <a:t>2/12/2016</a:t>
             </a:fld>
             <a:endParaRPr lang="en-US"/>
           </a:p>
@@ -4303,7 +4638,7 @@
           <a:p>
             <a:fld id="{B01F9CA3-105E-4857-9057-6DB6197DA786}" type="datetimeFigureOut">
               <a:rPr lang="en-US" smtClean="0"/>
-              <a:t>04/02/16</a:t>
+              <a:t>2/12/2016</a:t>
             </a:fld>
             <a:endParaRPr lang="en-US"/>
           </a:p>
@@ -4843,52 +5178,40 @@
           <a:chExt cx="0" cy="0"/>
         </a:xfrm>
       </p:grpSpPr>
-      <p:sp>
-        <p:nvSpPr>
-          <p:cNvPr id="2" name="Title 1"/>
-          <p:cNvSpPr>
-            <a:spLocks noGrp="1"/>
-          </p:cNvSpPr>
-          <p:nvPr>
-            <p:ph type="title"/>
-          </p:nvPr>
-        </p:nvSpPr>
-        <p:spPr/>
-        <p:txBody>
-          <a:bodyPr/>
-          <a:lstStyle/>
-          <a:p>
-            <a:r>
-              <a:rPr lang="en-US" dirty="0" smtClean="0"/>
-              <a:t>Layering up</a:t>
-            </a:r>
-            <a:endParaRPr lang="en-US" dirty="0"/>
-          </a:p>
-        </p:txBody>
-      </p:sp>
-      <p:sp>
-        <p:nvSpPr>
-          <p:cNvPr id="3" name="Content Placeholder 2"/>
-          <p:cNvSpPr>
-            <a:spLocks noGrp="1"/>
-          </p:cNvSpPr>
-          <p:nvPr>
-            <p:ph idx="1"/>
-          </p:nvPr>
-        </p:nvSpPr>
-        <p:spPr/>
-        <p:txBody>
-          <a:bodyPr/>
-          <a:lstStyle/>
-          <a:p>
-            <a:endParaRPr lang="en-US"/>
-          </a:p>
-        </p:txBody>
-      </p:sp>
+      <p:pic>
+        <p:nvPicPr>
+          <p:cNvPr id="2" name="Picture 1"/>
+          <p:cNvPicPr>
+            <a:picLocks noChangeAspect="1"/>
+          </p:cNvPicPr>
+          <p:nvPr/>
+        </p:nvPicPr>
+        <p:blipFill>
+          <a:blip r:embed="rId3">
+            <a:extLst>
+              <a:ext uri="{28A0092B-C50C-407E-A947-70E740481C1C}">
+                <a14:useLocalDpi xmlns:a14="http://schemas.microsoft.com/office/drawing/2010/main" val="0"/>
+              </a:ext>
+            </a:extLst>
+          </a:blip>
+          <a:stretch>
+            <a:fillRect/>
+          </a:stretch>
+        </p:blipFill>
+        <p:spPr>
+          <a:xfrm>
+            <a:off x="761468" y="571101"/>
+            <a:ext cx="7621064" cy="5715798"/>
+          </a:xfrm>
+          <a:prstGeom prst="rect">
+            <a:avLst/>
+          </a:prstGeom>
+        </p:spPr>
+      </p:pic>
     </p:spTree>
     <p:extLst>
       <p:ext uri="{BB962C8B-B14F-4D97-AF65-F5344CB8AC3E}">
-        <p14:creationId xmlns:p14="http://schemas.microsoft.com/office/powerpoint/2010/main" val="962134168"/>
+        <p14:creationId xmlns:p14="http://schemas.microsoft.com/office/powerpoint/2010/main" val="30317324"/>
       </p:ext>
     </p:extLst>
   </p:cSld>
@@ -4915,58 +5238,868 @@
           <a:chExt cx="0" cy="0"/>
         </a:xfrm>
       </p:grpSpPr>
-      <p:sp>
-        <p:nvSpPr>
-          <p:cNvPr id="2" name="Title 1"/>
-          <p:cNvSpPr>
-            <a:spLocks noGrp="1"/>
-          </p:cNvSpPr>
-          <p:nvPr>
-            <p:ph type="title"/>
-          </p:nvPr>
-        </p:nvSpPr>
-        <p:spPr/>
-        <p:txBody>
-          <a:bodyPr/>
-          <a:lstStyle/>
-          <a:p>
-            <a:r>
-              <a:rPr lang="en-US" dirty="0" smtClean="0"/>
-              <a:t>Time to Change</a:t>
-            </a:r>
-            <a:endParaRPr lang="en-US" dirty="0"/>
-          </a:p>
-        </p:txBody>
-      </p:sp>
-      <p:sp>
-        <p:nvSpPr>
-          <p:cNvPr id="3" name="Content Placeholder 2"/>
-          <p:cNvSpPr>
-            <a:spLocks noGrp="1"/>
-          </p:cNvSpPr>
-          <p:nvPr>
-            <p:ph idx="1"/>
-          </p:nvPr>
-        </p:nvSpPr>
-        <p:spPr/>
-        <p:txBody>
-          <a:bodyPr/>
-          <a:lstStyle/>
-          <a:p>
-            <a:endParaRPr lang="en-US"/>
-          </a:p>
-        </p:txBody>
-      </p:sp>
+      <p:pic>
+        <p:nvPicPr>
+          <p:cNvPr id="6" name="Picture 5"/>
+          <p:cNvPicPr>
+            <a:picLocks noChangeAspect="1"/>
+          </p:cNvPicPr>
+          <p:nvPr/>
+        </p:nvPicPr>
+        <p:blipFill>
+          <a:blip r:embed="rId3">
+            <a:extLst>
+              <a:ext uri="{28A0092B-C50C-407E-A947-70E740481C1C}">
+                <a14:useLocalDpi xmlns:a14="http://schemas.microsoft.com/office/drawing/2010/main" val="0"/>
+              </a:ext>
+            </a:extLst>
+          </a:blip>
+          <a:stretch>
+            <a:fillRect/>
+          </a:stretch>
+        </p:blipFill>
+        <p:spPr>
+          <a:xfrm>
+            <a:off x="761468" y="571101"/>
+            <a:ext cx="7621064" cy="5715798"/>
+          </a:xfrm>
+          <a:prstGeom prst="rect">
+            <a:avLst/>
+          </a:prstGeom>
+        </p:spPr>
+      </p:pic>
+      <p:pic>
+        <p:nvPicPr>
+          <p:cNvPr id="7" name="Picture 6"/>
+          <p:cNvPicPr>
+            <a:picLocks noChangeAspect="1"/>
+          </p:cNvPicPr>
+          <p:nvPr/>
+        </p:nvPicPr>
+        <p:blipFill>
+          <a:blip r:embed="rId4">
+            <a:extLst>
+              <a:ext uri="{28A0092B-C50C-407E-A947-70E740481C1C}">
+                <a14:useLocalDpi xmlns:a14="http://schemas.microsoft.com/office/drawing/2010/main" val="0"/>
+              </a:ext>
+            </a:extLst>
+          </a:blip>
+          <a:stretch>
+            <a:fillRect/>
+          </a:stretch>
+        </p:blipFill>
+        <p:spPr>
+          <a:xfrm>
+            <a:off x="761468" y="571101"/>
+            <a:ext cx="7621064" cy="5715798"/>
+          </a:xfrm>
+          <a:prstGeom prst="rect">
+            <a:avLst/>
+          </a:prstGeom>
+        </p:spPr>
+      </p:pic>
+      <p:pic>
+        <p:nvPicPr>
+          <p:cNvPr id="8" name="Picture 7"/>
+          <p:cNvPicPr>
+            <a:picLocks noChangeAspect="1"/>
+          </p:cNvPicPr>
+          <p:nvPr/>
+        </p:nvPicPr>
+        <p:blipFill>
+          <a:blip r:embed="rId5">
+            <a:extLst>
+              <a:ext uri="{28A0092B-C50C-407E-A947-70E740481C1C}">
+                <a14:useLocalDpi xmlns:a14="http://schemas.microsoft.com/office/drawing/2010/main" val="0"/>
+              </a:ext>
+            </a:extLst>
+          </a:blip>
+          <a:stretch>
+            <a:fillRect/>
+          </a:stretch>
+        </p:blipFill>
+        <p:spPr>
+          <a:xfrm>
+            <a:off x="761468" y="571101"/>
+            <a:ext cx="7621064" cy="5715798"/>
+          </a:xfrm>
+          <a:prstGeom prst="rect">
+            <a:avLst/>
+          </a:prstGeom>
+        </p:spPr>
+      </p:pic>
     </p:spTree>
     <p:extLst>
       <p:ext uri="{BB962C8B-B14F-4D97-AF65-F5344CB8AC3E}">
-        <p14:creationId xmlns:p14="http://schemas.microsoft.com/office/powerpoint/2010/main" val="2377351050"/>
+        <p14:creationId xmlns:p14="http://schemas.microsoft.com/office/powerpoint/2010/main" val="2820811984"/>
       </p:ext>
     </p:extLst>
   </p:cSld>
   <p:clrMapOvr>
     <a:masterClrMapping/>
   </p:clrMapOvr>
+  <p:timing>
+    <p:tnLst>
+      <p:par>
+        <p:cTn id="1" dur="indefinite" restart="never" nodeType="tmRoot">
+          <p:childTnLst>
+            <p:seq concurrent="1" nextAc="seek">
+              <p:cTn id="2" dur="indefinite" nodeType="mainSeq">
+                <p:childTnLst>
+                  <p:par>
+                    <p:cTn id="3" fill="hold">
+                      <p:stCondLst>
+                        <p:cond delay="indefinite"/>
+                        <p:cond evt="onBegin" delay="0">
+                          <p:tn val="2"/>
+                        </p:cond>
+                      </p:stCondLst>
+                      <p:childTnLst>
+                        <p:par>
+                          <p:cTn id="4" fill="hold">
+                            <p:stCondLst>
+                              <p:cond delay="0"/>
+                            </p:stCondLst>
+                            <p:childTnLst>
+                              <p:par>
+                                <p:cTn id="5" presetID="1" presetClass="entr" presetSubtype="0" fill="hold" nodeType="withEffect">
+                                  <p:stCondLst>
+                                    <p:cond delay="0"/>
+                                  </p:stCondLst>
+                                  <p:childTnLst>
+                                    <p:set>
+                                      <p:cBhvr>
+                                        <p:cTn id="6" dur="1" fill="hold">
+                                          <p:stCondLst>
+                                            <p:cond delay="0"/>
+                                          </p:stCondLst>
+                                        </p:cTn>
+                                        <p:tgtEl>
+                                          <p:spTgt spid="7"/>
+                                        </p:tgtEl>
+                                        <p:attrNameLst>
+                                          <p:attrName>style.visibility</p:attrName>
+                                        </p:attrNameLst>
+                                      </p:cBhvr>
+                                      <p:to>
+                                        <p:strVal val="visible"/>
+                                      </p:to>
+                                    </p:set>
+                                  </p:childTnLst>
+                                </p:cTn>
+                              </p:par>
+                              <p:par>
+                                <p:cTn id="7" presetID="1" presetClass="exit" presetSubtype="0" fill="hold" nodeType="withEffect">
+                                  <p:stCondLst>
+                                    <p:cond delay="0"/>
+                                  </p:stCondLst>
+                                  <p:childTnLst>
+                                    <p:set>
+                                      <p:cBhvr>
+                                        <p:cTn id="8" dur="1" fill="hold">
+                                          <p:stCondLst>
+                                            <p:cond delay="0"/>
+                                          </p:stCondLst>
+                                        </p:cTn>
+                                        <p:tgtEl>
+                                          <p:spTgt spid="8"/>
+                                        </p:tgtEl>
+                                        <p:attrNameLst>
+                                          <p:attrName>style.visibility</p:attrName>
+                                        </p:attrNameLst>
+                                      </p:cBhvr>
+                                      <p:to>
+                                        <p:strVal val="hidden"/>
+                                      </p:to>
+                                    </p:set>
+                                  </p:childTnLst>
+                                </p:cTn>
+                              </p:par>
+                              <p:par>
+                                <p:cTn id="9" presetID="1" presetClass="exit" presetSubtype="0" fill="hold" nodeType="withEffect">
+                                  <p:stCondLst>
+                                    <p:cond delay="0"/>
+                                  </p:stCondLst>
+                                  <p:childTnLst>
+                                    <p:set>
+                                      <p:cBhvr>
+                                        <p:cTn id="10" dur="1" fill="hold">
+                                          <p:stCondLst>
+                                            <p:cond delay="0"/>
+                                          </p:stCondLst>
+                                        </p:cTn>
+                                        <p:tgtEl>
+                                          <p:spTgt spid="6"/>
+                                        </p:tgtEl>
+                                        <p:attrNameLst>
+                                          <p:attrName>style.visibility</p:attrName>
+                                        </p:attrNameLst>
+                                      </p:cBhvr>
+                                      <p:to>
+                                        <p:strVal val="hidden"/>
+                                      </p:to>
+                                    </p:set>
+                                  </p:childTnLst>
+                                </p:cTn>
+                              </p:par>
+                            </p:childTnLst>
+                          </p:cTn>
+                        </p:par>
+                        <p:par>
+                          <p:cTn id="11" fill="hold">
+                            <p:stCondLst>
+                              <p:cond delay="0"/>
+                            </p:stCondLst>
+                            <p:childTnLst>
+                              <p:par>
+                                <p:cTn id="12" presetID="1" presetClass="entr" presetSubtype="0" fill="hold" nodeType="afterEffect">
+                                  <p:stCondLst>
+                                    <p:cond delay="250"/>
+                                  </p:stCondLst>
+                                  <p:childTnLst>
+                                    <p:set>
+                                      <p:cBhvr>
+                                        <p:cTn id="13" dur="1" fill="hold">
+                                          <p:stCondLst>
+                                            <p:cond delay="0"/>
+                                          </p:stCondLst>
+                                        </p:cTn>
+                                        <p:tgtEl>
+                                          <p:spTgt spid="6"/>
+                                        </p:tgtEl>
+                                        <p:attrNameLst>
+                                          <p:attrName>style.visibility</p:attrName>
+                                        </p:attrNameLst>
+                                      </p:cBhvr>
+                                      <p:to>
+                                        <p:strVal val="visible"/>
+                                      </p:to>
+                                    </p:set>
+                                  </p:childTnLst>
+                                </p:cTn>
+                              </p:par>
+                              <p:par>
+                                <p:cTn id="14" presetID="1" presetClass="exit" presetSubtype="0" fill="hold" nodeType="withEffect">
+                                  <p:stCondLst>
+                                    <p:cond delay="250"/>
+                                  </p:stCondLst>
+                                  <p:childTnLst>
+                                    <p:set>
+                                      <p:cBhvr>
+                                        <p:cTn id="15" dur="1" fill="hold">
+                                          <p:stCondLst>
+                                            <p:cond delay="0"/>
+                                          </p:stCondLst>
+                                        </p:cTn>
+                                        <p:tgtEl>
+                                          <p:spTgt spid="7"/>
+                                        </p:tgtEl>
+                                        <p:attrNameLst>
+                                          <p:attrName>style.visibility</p:attrName>
+                                        </p:attrNameLst>
+                                      </p:cBhvr>
+                                      <p:to>
+                                        <p:strVal val="hidden"/>
+                                      </p:to>
+                                    </p:set>
+                                  </p:childTnLst>
+                                </p:cTn>
+                              </p:par>
+                            </p:childTnLst>
+                          </p:cTn>
+                        </p:par>
+                        <p:par>
+                          <p:cTn id="16" fill="hold">
+                            <p:stCondLst>
+                              <p:cond delay="250"/>
+                            </p:stCondLst>
+                            <p:childTnLst>
+                              <p:par>
+                                <p:cTn id="17" presetID="1" presetClass="entr" presetSubtype="0" fill="hold" nodeType="afterEffect">
+                                  <p:stCondLst>
+                                    <p:cond delay="250"/>
+                                  </p:stCondLst>
+                                  <p:childTnLst>
+                                    <p:set>
+                                      <p:cBhvr>
+                                        <p:cTn id="18" dur="1" fill="hold">
+                                          <p:stCondLst>
+                                            <p:cond delay="0"/>
+                                          </p:stCondLst>
+                                        </p:cTn>
+                                        <p:tgtEl>
+                                          <p:spTgt spid="7"/>
+                                        </p:tgtEl>
+                                        <p:attrNameLst>
+                                          <p:attrName>style.visibility</p:attrName>
+                                        </p:attrNameLst>
+                                      </p:cBhvr>
+                                      <p:to>
+                                        <p:strVal val="visible"/>
+                                      </p:to>
+                                    </p:set>
+                                  </p:childTnLst>
+                                </p:cTn>
+                              </p:par>
+                              <p:par>
+                                <p:cTn id="19" presetID="1" presetClass="exit" presetSubtype="0" fill="hold" nodeType="withEffect">
+                                  <p:stCondLst>
+                                    <p:cond delay="250"/>
+                                  </p:stCondLst>
+                                  <p:childTnLst>
+                                    <p:set>
+                                      <p:cBhvr>
+                                        <p:cTn id="20" dur="1" fill="hold">
+                                          <p:stCondLst>
+                                            <p:cond delay="0"/>
+                                          </p:stCondLst>
+                                        </p:cTn>
+                                        <p:tgtEl>
+                                          <p:spTgt spid="6"/>
+                                        </p:tgtEl>
+                                        <p:attrNameLst>
+                                          <p:attrName>style.visibility</p:attrName>
+                                        </p:attrNameLst>
+                                      </p:cBhvr>
+                                      <p:to>
+                                        <p:strVal val="hidden"/>
+                                      </p:to>
+                                    </p:set>
+                                  </p:childTnLst>
+                                </p:cTn>
+                              </p:par>
+                            </p:childTnLst>
+                          </p:cTn>
+                        </p:par>
+                        <p:par>
+                          <p:cTn id="21" fill="hold">
+                            <p:stCondLst>
+                              <p:cond delay="500"/>
+                            </p:stCondLst>
+                            <p:childTnLst>
+                              <p:par>
+                                <p:cTn id="22" presetID="1" presetClass="entr" presetSubtype="0" fill="hold" nodeType="afterEffect">
+                                  <p:stCondLst>
+                                    <p:cond delay="250"/>
+                                  </p:stCondLst>
+                                  <p:childTnLst>
+                                    <p:set>
+                                      <p:cBhvr>
+                                        <p:cTn id="23" dur="1" fill="hold">
+                                          <p:stCondLst>
+                                            <p:cond delay="0"/>
+                                          </p:stCondLst>
+                                        </p:cTn>
+                                        <p:tgtEl>
+                                          <p:spTgt spid="6"/>
+                                        </p:tgtEl>
+                                        <p:attrNameLst>
+                                          <p:attrName>style.visibility</p:attrName>
+                                        </p:attrNameLst>
+                                      </p:cBhvr>
+                                      <p:to>
+                                        <p:strVal val="visible"/>
+                                      </p:to>
+                                    </p:set>
+                                  </p:childTnLst>
+                                </p:cTn>
+                              </p:par>
+                              <p:par>
+                                <p:cTn id="24" presetID="1" presetClass="exit" presetSubtype="0" fill="hold" nodeType="withEffect">
+                                  <p:stCondLst>
+                                    <p:cond delay="250"/>
+                                  </p:stCondLst>
+                                  <p:childTnLst>
+                                    <p:set>
+                                      <p:cBhvr>
+                                        <p:cTn id="25" dur="1" fill="hold">
+                                          <p:stCondLst>
+                                            <p:cond delay="0"/>
+                                          </p:stCondLst>
+                                        </p:cTn>
+                                        <p:tgtEl>
+                                          <p:spTgt spid="7"/>
+                                        </p:tgtEl>
+                                        <p:attrNameLst>
+                                          <p:attrName>style.visibility</p:attrName>
+                                        </p:attrNameLst>
+                                      </p:cBhvr>
+                                      <p:to>
+                                        <p:strVal val="hidden"/>
+                                      </p:to>
+                                    </p:set>
+                                  </p:childTnLst>
+                                </p:cTn>
+                              </p:par>
+                            </p:childTnLst>
+                          </p:cTn>
+                        </p:par>
+                        <p:par>
+                          <p:cTn id="26" fill="hold">
+                            <p:stCondLst>
+                              <p:cond delay="750"/>
+                            </p:stCondLst>
+                            <p:childTnLst>
+                              <p:par>
+                                <p:cTn id="27" presetID="1" presetClass="entr" presetSubtype="0" fill="hold" nodeType="afterEffect">
+                                  <p:stCondLst>
+                                    <p:cond delay="250"/>
+                                  </p:stCondLst>
+                                  <p:childTnLst>
+                                    <p:set>
+                                      <p:cBhvr>
+                                        <p:cTn id="28" dur="1" fill="hold">
+                                          <p:stCondLst>
+                                            <p:cond delay="0"/>
+                                          </p:stCondLst>
+                                        </p:cTn>
+                                        <p:tgtEl>
+                                          <p:spTgt spid="7"/>
+                                        </p:tgtEl>
+                                        <p:attrNameLst>
+                                          <p:attrName>style.visibility</p:attrName>
+                                        </p:attrNameLst>
+                                      </p:cBhvr>
+                                      <p:to>
+                                        <p:strVal val="visible"/>
+                                      </p:to>
+                                    </p:set>
+                                  </p:childTnLst>
+                                </p:cTn>
+                              </p:par>
+                              <p:par>
+                                <p:cTn id="29" presetID="1" presetClass="exit" presetSubtype="0" fill="hold" nodeType="withEffect">
+                                  <p:stCondLst>
+                                    <p:cond delay="250"/>
+                                  </p:stCondLst>
+                                  <p:childTnLst>
+                                    <p:set>
+                                      <p:cBhvr>
+                                        <p:cTn id="30" dur="1" fill="hold">
+                                          <p:stCondLst>
+                                            <p:cond delay="0"/>
+                                          </p:stCondLst>
+                                        </p:cTn>
+                                        <p:tgtEl>
+                                          <p:spTgt spid="6"/>
+                                        </p:tgtEl>
+                                        <p:attrNameLst>
+                                          <p:attrName>style.visibility</p:attrName>
+                                        </p:attrNameLst>
+                                      </p:cBhvr>
+                                      <p:to>
+                                        <p:strVal val="hidden"/>
+                                      </p:to>
+                                    </p:set>
+                                  </p:childTnLst>
+                                </p:cTn>
+                              </p:par>
+                            </p:childTnLst>
+                          </p:cTn>
+                        </p:par>
+                        <p:par>
+                          <p:cTn id="31" fill="hold">
+                            <p:stCondLst>
+                              <p:cond delay="1000"/>
+                            </p:stCondLst>
+                            <p:childTnLst>
+                              <p:par>
+                                <p:cTn id="32" presetID="1" presetClass="entr" presetSubtype="0" fill="hold" nodeType="afterEffect">
+                                  <p:stCondLst>
+                                    <p:cond delay="250"/>
+                                  </p:stCondLst>
+                                  <p:childTnLst>
+                                    <p:set>
+                                      <p:cBhvr>
+                                        <p:cTn id="33" dur="1" fill="hold">
+                                          <p:stCondLst>
+                                            <p:cond delay="0"/>
+                                          </p:stCondLst>
+                                        </p:cTn>
+                                        <p:tgtEl>
+                                          <p:spTgt spid="6"/>
+                                        </p:tgtEl>
+                                        <p:attrNameLst>
+                                          <p:attrName>style.visibility</p:attrName>
+                                        </p:attrNameLst>
+                                      </p:cBhvr>
+                                      <p:to>
+                                        <p:strVal val="visible"/>
+                                      </p:to>
+                                    </p:set>
+                                  </p:childTnLst>
+                                </p:cTn>
+                              </p:par>
+                              <p:par>
+                                <p:cTn id="34" presetID="1" presetClass="exit" presetSubtype="0" fill="hold" nodeType="withEffect">
+                                  <p:stCondLst>
+                                    <p:cond delay="250"/>
+                                  </p:stCondLst>
+                                  <p:childTnLst>
+                                    <p:set>
+                                      <p:cBhvr>
+                                        <p:cTn id="35" dur="1" fill="hold">
+                                          <p:stCondLst>
+                                            <p:cond delay="0"/>
+                                          </p:stCondLst>
+                                        </p:cTn>
+                                        <p:tgtEl>
+                                          <p:spTgt spid="7"/>
+                                        </p:tgtEl>
+                                        <p:attrNameLst>
+                                          <p:attrName>style.visibility</p:attrName>
+                                        </p:attrNameLst>
+                                      </p:cBhvr>
+                                      <p:to>
+                                        <p:strVal val="hidden"/>
+                                      </p:to>
+                                    </p:set>
+                                  </p:childTnLst>
+                                </p:cTn>
+                              </p:par>
+                            </p:childTnLst>
+                          </p:cTn>
+                        </p:par>
+                        <p:par>
+                          <p:cTn id="36" fill="hold">
+                            <p:stCondLst>
+                              <p:cond delay="1250"/>
+                            </p:stCondLst>
+                            <p:childTnLst>
+                              <p:par>
+                                <p:cTn id="37" presetID="1" presetClass="entr" presetSubtype="0" fill="hold" nodeType="afterEffect">
+                                  <p:stCondLst>
+                                    <p:cond delay="250"/>
+                                  </p:stCondLst>
+                                  <p:childTnLst>
+                                    <p:set>
+                                      <p:cBhvr>
+                                        <p:cTn id="38" dur="1" fill="hold">
+                                          <p:stCondLst>
+                                            <p:cond delay="0"/>
+                                          </p:stCondLst>
+                                        </p:cTn>
+                                        <p:tgtEl>
+                                          <p:spTgt spid="7"/>
+                                        </p:tgtEl>
+                                        <p:attrNameLst>
+                                          <p:attrName>style.visibility</p:attrName>
+                                        </p:attrNameLst>
+                                      </p:cBhvr>
+                                      <p:to>
+                                        <p:strVal val="visible"/>
+                                      </p:to>
+                                    </p:set>
+                                  </p:childTnLst>
+                                </p:cTn>
+                              </p:par>
+                              <p:par>
+                                <p:cTn id="39" presetID="1" presetClass="exit" presetSubtype="0" fill="hold" nodeType="withEffect">
+                                  <p:stCondLst>
+                                    <p:cond delay="250"/>
+                                  </p:stCondLst>
+                                  <p:childTnLst>
+                                    <p:set>
+                                      <p:cBhvr>
+                                        <p:cTn id="40" dur="1" fill="hold">
+                                          <p:stCondLst>
+                                            <p:cond delay="0"/>
+                                          </p:stCondLst>
+                                        </p:cTn>
+                                        <p:tgtEl>
+                                          <p:spTgt spid="6"/>
+                                        </p:tgtEl>
+                                        <p:attrNameLst>
+                                          <p:attrName>style.visibility</p:attrName>
+                                        </p:attrNameLst>
+                                      </p:cBhvr>
+                                      <p:to>
+                                        <p:strVal val="hidden"/>
+                                      </p:to>
+                                    </p:set>
+                                  </p:childTnLst>
+                                </p:cTn>
+                              </p:par>
+                            </p:childTnLst>
+                          </p:cTn>
+                        </p:par>
+                        <p:par>
+                          <p:cTn id="41" fill="hold">
+                            <p:stCondLst>
+                              <p:cond delay="1500"/>
+                            </p:stCondLst>
+                            <p:childTnLst>
+                              <p:par>
+                                <p:cTn id="42" presetID="1" presetClass="entr" presetSubtype="0" fill="hold" nodeType="afterEffect">
+                                  <p:stCondLst>
+                                    <p:cond delay="250"/>
+                                  </p:stCondLst>
+                                  <p:childTnLst>
+                                    <p:set>
+                                      <p:cBhvr>
+                                        <p:cTn id="43" dur="1" fill="hold">
+                                          <p:stCondLst>
+                                            <p:cond delay="0"/>
+                                          </p:stCondLst>
+                                        </p:cTn>
+                                        <p:tgtEl>
+                                          <p:spTgt spid="6"/>
+                                        </p:tgtEl>
+                                        <p:attrNameLst>
+                                          <p:attrName>style.visibility</p:attrName>
+                                        </p:attrNameLst>
+                                      </p:cBhvr>
+                                      <p:to>
+                                        <p:strVal val="visible"/>
+                                      </p:to>
+                                    </p:set>
+                                  </p:childTnLst>
+                                </p:cTn>
+                              </p:par>
+                              <p:par>
+                                <p:cTn id="44" presetID="1" presetClass="exit" presetSubtype="0" fill="hold" nodeType="withEffect">
+                                  <p:stCondLst>
+                                    <p:cond delay="250"/>
+                                  </p:stCondLst>
+                                  <p:childTnLst>
+                                    <p:set>
+                                      <p:cBhvr>
+                                        <p:cTn id="45" dur="1" fill="hold">
+                                          <p:stCondLst>
+                                            <p:cond delay="0"/>
+                                          </p:stCondLst>
+                                        </p:cTn>
+                                        <p:tgtEl>
+                                          <p:spTgt spid="7"/>
+                                        </p:tgtEl>
+                                        <p:attrNameLst>
+                                          <p:attrName>style.visibility</p:attrName>
+                                        </p:attrNameLst>
+                                      </p:cBhvr>
+                                      <p:to>
+                                        <p:strVal val="hidden"/>
+                                      </p:to>
+                                    </p:set>
+                                  </p:childTnLst>
+                                </p:cTn>
+                              </p:par>
+                            </p:childTnLst>
+                          </p:cTn>
+                        </p:par>
+                        <p:par>
+                          <p:cTn id="46" fill="hold">
+                            <p:stCondLst>
+                              <p:cond delay="1750"/>
+                            </p:stCondLst>
+                            <p:childTnLst>
+                              <p:par>
+                                <p:cTn id="47" presetID="1" presetClass="entr" presetSubtype="0" fill="hold" nodeType="afterEffect">
+                                  <p:stCondLst>
+                                    <p:cond delay="250"/>
+                                  </p:stCondLst>
+                                  <p:childTnLst>
+                                    <p:set>
+                                      <p:cBhvr>
+                                        <p:cTn id="48" dur="1" fill="hold">
+                                          <p:stCondLst>
+                                            <p:cond delay="0"/>
+                                          </p:stCondLst>
+                                        </p:cTn>
+                                        <p:tgtEl>
+                                          <p:spTgt spid="7"/>
+                                        </p:tgtEl>
+                                        <p:attrNameLst>
+                                          <p:attrName>style.visibility</p:attrName>
+                                        </p:attrNameLst>
+                                      </p:cBhvr>
+                                      <p:to>
+                                        <p:strVal val="visible"/>
+                                      </p:to>
+                                    </p:set>
+                                  </p:childTnLst>
+                                </p:cTn>
+                              </p:par>
+                              <p:par>
+                                <p:cTn id="49" presetID="1" presetClass="exit" presetSubtype="0" fill="hold" nodeType="withEffect">
+                                  <p:stCondLst>
+                                    <p:cond delay="250"/>
+                                  </p:stCondLst>
+                                  <p:childTnLst>
+                                    <p:set>
+                                      <p:cBhvr>
+                                        <p:cTn id="50" dur="1" fill="hold">
+                                          <p:stCondLst>
+                                            <p:cond delay="0"/>
+                                          </p:stCondLst>
+                                        </p:cTn>
+                                        <p:tgtEl>
+                                          <p:spTgt spid="6"/>
+                                        </p:tgtEl>
+                                        <p:attrNameLst>
+                                          <p:attrName>style.visibility</p:attrName>
+                                        </p:attrNameLst>
+                                      </p:cBhvr>
+                                      <p:to>
+                                        <p:strVal val="hidden"/>
+                                      </p:to>
+                                    </p:set>
+                                  </p:childTnLst>
+                                </p:cTn>
+                              </p:par>
+                            </p:childTnLst>
+                          </p:cTn>
+                        </p:par>
+                        <p:par>
+                          <p:cTn id="51" fill="hold">
+                            <p:stCondLst>
+                              <p:cond delay="2000"/>
+                            </p:stCondLst>
+                            <p:childTnLst>
+                              <p:par>
+                                <p:cTn id="52" presetID="1" presetClass="entr" presetSubtype="0" fill="hold" nodeType="afterEffect">
+                                  <p:stCondLst>
+                                    <p:cond delay="250"/>
+                                  </p:stCondLst>
+                                  <p:childTnLst>
+                                    <p:set>
+                                      <p:cBhvr>
+                                        <p:cTn id="53" dur="1" fill="hold">
+                                          <p:stCondLst>
+                                            <p:cond delay="0"/>
+                                          </p:stCondLst>
+                                        </p:cTn>
+                                        <p:tgtEl>
+                                          <p:spTgt spid="6"/>
+                                        </p:tgtEl>
+                                        <p:attrNameLst>
+                                          <p:attrName>style.visibility</p:attrName>
+                                        </p:attrNameLst>
+                                      </p:cBhvr>
+                                      <p:to>
+                                        <p:strVal val="visible"/>
+                                      </p:to>
+                                    </p:set>
+                                  </p:childTnLst>
+                                </p:cTn>
+                              </p:par>
+                              <p:par>
+                                <p:cTn id="54" presetID="1" presetClass="exit" presetSubtype="0" fill="hold" nodeType="withEffect">
+                                  <p:stCondLst>
+                                    <p:cond delay="250"/>
+                                  </p:stCondLst>
+                                  <p:childTnLst>
+                                    <p:set>
+                                      <p:cBhvr>
+                                        <p:cTn id="55" dur="1" fill="hold">
+                                          <p:stCondLst>
+                                            <p:cond delay="0"/>
+                                          </p:stCondLst>
+                                        </p:cTn>
+                                        <p:tgtEl>
+                                          <p:spTgt spid="7"/>
+                                        </p:tgtEl>
+                                        <p:attrNameLst>
+                                          <p:attrName>style.visibility</p:attrName>
+                                        </p:attrNameLst>
+                                      </p:cBhvr>
+                                      <p:to>
+                                        <p:strVal val="hidden"/>
+                                      </p:to>
+                                    </p:set>
+                                  </p:childTnLst>
+                                </p:cTn>
+                              </p:par>
+                            </p:childTnLst>
+                          </p:cTn>
+                        </p:par>
+                        <p:par>
+                          <p:cTn id="56" fill="hold">
+                            <p:stCondLst>
+                              <p:cond delay="2250"/>
+                            </p:stCondLst>
+                            <p:childTnLst>
+                              <p:par>
+                                <p:cTn id="57" presetID="1" presetClass="entr" presetSubtype="0" fill="hold" nodeType="afterEffect">
+                                  <p:stCondLst>
+                                    <p:cond delay="250"/>
+                                  </p:stCondLst>
+                                  <p:childTnLst>
+                                    <p:set>
+                                      <p:cBhvr>
+                                        <p:cTn id="58" dur="1" fill="hold">
+                                          <p:stCondLst>
+                                            <p:cond delay="0"/>
+                                          </p:stCondLst>
+                                        </p:cTn>
+                                        <p:tgtEl>
+                                          <p:spTgt spid="8"/>
+                                        </p:tgtEl>
+                                        <p:attrNameLst>
+                                          <p:attrName>style.visibility</p:attrName>
+                                        </p:attrNameLst>
+                                      </p:cBhvr>
+                                      <p:to>
+                                        <p:strVal val="visible"/>
+                                      </p:to>
+                                    </p:set>
+                                  </p:childTnLst>
+                                </p:cTn>
+                              </p:par>
+                              <p:par>
+                                <p:cTn id="59" presetID="1" presetClass="exit" presetSubtype="0" fill="hold" nodeType="withEffect">
+                                  <p:stCondLst>
+                                    <p:cond delay="250"/>
+                                  </p:stCondLst>
+                                  <p:childTnLst>
+                                    <p:set>
+                                      <p:cBhvr>
+                                        <p:cTn id="60" dur="1" fill="hold">
+                                          <p:stCondLst>
+                                            <p:cond delay="0"/>
+                                          </p:stCondLst>
+                                        </p:cTn>
+                                        <p:tgtEl>
+                                          <p:spTgt spid="6"/>
+                                        </p:tgtEl>
+                                        <p:attrNameLst>
+                                          <p:attrName>style.visibility</p:attrName>
+                                        </p:attrNameLst>
+                                      </p:cBhvr>
+                                      <p:to>
+                                        <p:strVal val="hidden"/>
+                                      </p:to>
+                                    </p:set>
+                                  </p:childTnLst>
+                                </p:cTn>
+                              </p:par>
+                            </p:childTnLst>
+                          </p:cTn>
+                        </p:par>
+                      </p:childTnLst>
+                    </p:cTn>
+                  </p:par>
+                </p:childTnLst>
+              </p:cTn>
+              <p:prevCondLst>
+                <p:cond evt="onPrev" delay="0">
+                  <p:tgtEl>
+                    <p:sldTgt/>
+                  </p:tgtEl>
+                </p:cond>
+              </p:prevCondLst>
+              <p:nextCondLst>
+                <p:cond evt="onNext" delay="0">
+                  <p:tgtEl>
+                    <p:sldTgt/>
+                  </p:tgtEl>
+                </p:cond>
+              </p:nextCondLst>
+            </p:seq>
+          </p:childTnLst>
+        </p:cTn>
+      </p:par>
+    </p:tnLst>
+  </p:timing>
 </p:sld>
 </file>
 
@@ -5003,6 +6136,301 @@
           <a:lstStyle/>
           <a:p>
             <a:r>
+              <a:rPr lang="en-GB" dirty="0" smtClean="0"/>
+              <a:t>An Initial Approach</a:t>
+            </a:r>
+            <a:endParaRPr lang="en-US" dirty="0"/>
+          </a:p>
+        </p:txBody>
+      </p:sp>
+      <p:pic>
+        <p:nvPicPr>
+          <p:cNvPr id="4" name="Picture 3"/>
+          <p:cNvPicPr>
+            <a:picLocks noChangeAspect="1"/>
+          </p:cNvPicPr>
+          <p:nvPr/>
+        </p:nvPicPr>
+        <p:blipFill>
+          <a:blip r:embed="rId3" cstate="email">
+            <a:extLst>
+              <a:ext uri="{28A0092B-C50C-407E-A947-70E740481C1C}">
+                <a14:useLocalDpi xmlns:a14="http://schemas.microsoft.com/office/drawing/2010/main" val="0"/>
+              </a:ext>
+            </a:extLst>
+          </a:blip>
+          <a:stretch>
+            <a:fillRect/>
+          </a:stretch>
+        </p:blipFill>
+        <p:spPr>
+          <a:xfrm>
+            <a:off x="-642030" y="2539686"/>
+            <a:ext cx="3962400" cy="2971800"/>
+          </a:xfrm>
+          <a:prstGeom prst="rect">
+            <a:avLst/>
+          </a:prstGeom>
+        </p:spPr>
+      </p:pic>
+      <p:sp>
+        <p:nvSpPr>
+          <p:cNvPr id="5" name="Rectangle 4"/>
+          <p:cNvSpPr/>
+          <p:nvPr/>
+        </p:nvSpPr>
+        <p:spPr>
+          <a:xfrm>
+            <a:off x="4880344" y="1840595"/>
+            <a:ext cx="3147237" cy="4369982"/>
+          </a:xfrm>
+          <a:prstGeom prst="rect">
+            <a:avLst/>
+          </a:prstGeom>
+        </p:spPr>
+        <p:style>
+          <a:lnRef idx="1">
+            <a:schemeClr val="dk1"/>
+          </a:lnRef>
+          <a:fillRef idx="3">
+            <a:schemeClr val="dk1"/>
+          </a:fillRef>
+          <a:effectRef idx="2">
+            <a:schemeClr val="dk1"/>
+          </a:effectRef>
+          <a:fontRef idx="minor">
+            <a:schemeClr val="lt1"/>
+          </a:fontRef>
+        </p:style>
+        <p:txBody>
+          <a:bodyPr rtlCol="0" anchor="ctr"/>
+          <a:lstStyle/>
+          <a:p>
+            <a:pPr algn="ctr"/>
+            <a:endParaRPr lang="en-US"/>
+          </a:p>
+        </p:txBody>
+      </p:sp>
+      <p:pic>
+        <p:nvPicPr>
+          <p:cNvPr id="6" name="Picture 5"/>
+          <p:cNvPicPr>
+            <a:picLocks noChangeAspect="1"/>
+          </p:cNvPicPr>
+          <p:nvPr/>
+        </p:nvPicPr>
+        <p:blipFill>
+          <a:blip r:embed="rId4" cstate="email">
+            <a:extLst>
+              <a:ext uri="{28A0092B-C50C-407E-A947-70E740481C1C}">
+                <a14:useLocalDpi xmlns:a14="http://schemas.microsoft.com/office/drawing/2010/main" val="0"/>
+              </a:ext>
+            </a:extLst>
+          </a:blip>
+          <a:stretch>
+            <a:fillRect/>
+          </a:stretch>
+        </p:blipFill>
+        <p:spPr>
+          <a:xfrm>
+            <a:off x="-642030" y="2539686"/>
+            <a:ext cx="3962400" cy="2971800"/>
+          </a:xfrm>
+          <a:prstGeom prst="rect">
+            <a:avLst/>
+          </a:prstGeom>
+        </p:spPr>
+      </p:pic>
+    </p:spTree>
+    <p:extLst>
+      <p:ext uri="{BB962C8B-B14F-4D97-AF65-F5344CB8AC3E}">
+        <p14:creationId xmlns:p14="http://schemas.microsoft.com/office/powerpoint/2010/main" val="4194819802"/>
+      </p:ext>
+    </p:extLst>
+  </p:cSld>
+  <p:clrMapOvr>
+    <a:masterClrMapping/>
+  </p:clrMapOvr>
+</p:sld>
+</file>
+
+<file path=ppt/slides/slide5.xml><?xml version="1.0" encoding="utf-8"?>
+<p:sld xmlns:a="http://schemas.openxmlformats.org/drawingml/2006/main" xmlns:r="http://schemas.openxmlformats.org/officeDocument/2006/relationships" xmlns:p="http://schemas.openxmlformats.org/presentationml/2006/main">
+  <p:cSld>
+    <p:spTree>
+      <p:nvGrpSpPr>
+        <p:cNvPr id="1" name=""/>
+        <p:cNvGrpSpPr/>
+        <p:nvPr/>
+      </p:nvGrpSpPr>
+      <p:grpSpPr>
+        <a:xfrm>
+          <a:off x="0" y="0"/>
+          <a:ext cx="0" cy="0"/>
+          <a:chOff x="0" y="0"/>
+          <a:chExt cx="0" cy="0"/>
+        </a:xfrm>
+      </p:grpSpPr>
+      <p:sp>
+        <p:nvSpPr>
+          <p:cNvPr id="2" name="Title 1"/>
+          <p:cNvSpPr>
+            <a:spLocks noGrp="1"/>
+          </p:cNvSpPr>
+          <p:nvPr>
+            <p:ph type="title"/>
+          </p:nvPr>
+        </p:nvSpPr>
+        <p:spPr/>
+        <p:txBody>
+          <a:bodyPr/>
+          <a:lstStyle/>
+          <a:p>
+            <a:r>
+              <a:rPr lang="en-US" dirty="0" smtClean="0"/>
+              <a:t>Layering up</a:t>
+            </a:r>
+            <a:endParaRPr lang="en-US" dirty="0"/>
+          </a:p>
+        </p:txBody>
+      </p:sp>
+      <p:sp>
+        <p:nvSpPr>
+          <p:cNvPr id="3" name="Content Placeholder 2"/>
+          <p:cNvSpPr>
+            <a:spLocks noGrp="1"/>
+          </p:cNvSpPr>
+          <p:nvPr>
+            <p:ph idx="1"/>
+          </p:nvPr>
+        </p:nvSpPr>
+        <p:spPr/>
+        <p:txBody>
+          <a:bodyPr/>
+          <a:lstStyle/>
+          <a:p>
+            <a:endParaRPr lang="en-US"/>
+          </a:p>
+        </p:txBody>
+      </p:sp>
+    </p:spTree>
+    <p:extLst>
+      <p:ext uri="{BB962C8B-B14F-4D97-AF65-F5344CB8AC3E}">
+        <p14:creationId xmlns:p14="http://schemas.microsoft.com/office/powerpoint/2010/main" val="962134168"/>
+      </p:ext>
+    </p:extLst>
+  </p:cSld>
+  <p:clrMapOvr>
+    <a:masterClrMapping/>
+  </p:clrMapOvr>
+</p:sld>
+</file>
+
+<file path=ppt/slides/slide6.xml><?xml version="1.0" encoding="utf-8"?>
+<p:sld xmlns:a="http://schemas.openxmlformats.org/drawingml/2006/main" xmlns:r="http://schemas.openxmlformats.org/officeDocument/2006/relationships" xmlns:p="http://schemas.openxmlformats.org/presentationml/2006/main">
+  <p:cSld>
+    <p:spTree>
+      <p:nvGrpSpPr>
+        <p:cNvPr id="1" name=""/>
+        <p:cNvGrpSpPr/>
+        <p:nvPr/>
+      </p:nvGrpSpPr>
+      <p:grpSpPr>
+        <a:xfrm>
+          <a:off x="0" y="0"/>
+          <a:ext cx="0" cy="0"/>
+          <a:chOff x="0" y="0"/>
+          <a:chExt cx="0" cy="0"/>
+        </a:xfrm>
+      </p:grpSpPr>
+      <p:sp>
+        <p:nvSpPr>
+          <p:cNvPr id="2" name="Title 1"/>
+          <p:cNvSpPr>
+            <a:spLocks noGrp="1"/>
+          </p:cNvSpPr>
+          <p:nvPr>
+            <p:ph type="title"/>
+          </p:nvPr>
+        </p:nvSpPr>
+        <p:spPr/>
+        <p:txBody>
+          <a:bodyPr/>
+          <a:lstStyle/>
+          <a:p>
+            <a:r>
+              <a:rPr lang="en-US" dirty="0" smtClean="0"/>
+              <a:t>Time to Change</a:t>
+            </a:r>
+            <a:endParaRPr lang="en-US" dirty="0"/>
+          </a:p>
+        </p:txBody>
+      </p:sp>
+      <p:sp>
+        <p:nvSpPr>
+          <p:cNvPr id="3" name="Content Placeholder 2"/>
+          <p:cNvSpPr>
+            <a:spLocks noGrp="1"/>
+          </p:cNvSpPr>
+          <p:nvPr>
+            <p:ph idx="1"/>
+          </p:nvPr>
+        </p:nvSpPr>
+        <p:spPr/>
+        <p:txBody>
+          <a:bodyPr/>
+          <a:lstStyle/>
+          <a:p>
+            <a:endParaRPr lang="en-US"/>
+          </a:p>
+        </p:txBody>
+      </p:sp>
+    </p:spTree>
+    <p:extLst>
+      <p:ext uri="{BB962C8B-B14F-4D97-AF65-F5344CB8AC3E}">
+        <p14:creationId xmlns:p14="http://schemas.microsoft.com/office/powerpoint/2010/main" val="2377351050"/>
+      </p:ext>
+    </p:extLst>
+  </p:cSld>
+  <p:clrMapOvr>
+    <a:masterClrMapping/>
+  </p:clrMapOvr>
+</p:sld>
+</file>
+
+<file path=ppt/slides/slide7.xml><?xml version="1.0" encoding="utf-8"?>
+<p:sld xmlns:a="http://schemas.openxmlformats.org/drawingml/2006/main" xmlns:r="http://schemas.openxmlformats.org/officeDocument/2006/relationships" xmlns:p="http://schemas.openxmlformats.org/presentationml/2006/main">
+  <p:cSld>
+    <p:spTree>
+      <p:nvGrpSpPr>
+        <p:cNvPr id="1" name=""/>
+        <p:cNvGrpSpPr/>
+        <p:nvPr/>
+      </p:nvGrpSpPr>
+      <p:grpSpPr>
+        <a:xfrm>
+          <a:off x="0" y="0"/>
+          <a:ext cx="0" cy="0"/>
+          <a:chOff x="0" y="0"/>
+          <a:chExt cx="0" cy="0"/>
+        </a:xfrm>
+      </p:grpSpPr>
+      <p:sp>
+        <p:nvSpPr>
+          <p:cNvPr id="2" name="Title 1"/>
+          <p:cNvSpPr>
+            <a:spLocks noGrp="1"/>
+          </p:cNvSpPr>
+          <p:nvPr>
+            <p:ph type="title"/>
+          </p:nvPr>
+        </p:nvSpPr>
+        <p:spPr/>
+        <p:txBody>
+          <a:bodyPr/>
+          <a:lstStyle/>
+          <a:p>
+            <a:r>
               <a:rPr lang="en-US" dirty="0" smtClean="0"/>
               <a:t>Alternative: Features</a:t>
             </a:r>
@@ -5042,7 +6470,7 @@
 </p:sld>
 </file>
 
-<file path=ppt/slides/slide5.xml><?xml version="1.0" encoding="utf-8"?>
+<file path=ppt/slides/slide8.xml><?xml version="1.0" encoding="utf-8"?>
 <p:sld xmlns:a="http://schemas.openxmlformats.org/drawingml/2006/main" xmlns:r="http://schemas.openxmlformats.org/officeDocument/2006/relationships" xmlns:p="http://schemas.openxmlformats.org/presentationml/2006/main">
   <p:cSld>
     <p:spTree>

--- a/FeaturesVsLayers.pptx
+++ b/FeaturesVsLayers.pptx
@@ -6165,7 +6165,7 @@
         </p:blipFill>
         <p:spPr>
           <a:xfrm>
-            <a:off x="-642030" y="2539686"/>
+            <a:off x="-184830" y="2539686"/>
             <a:ext cx="3962400" cy="2971800"/>
           </a:xfrm>
           <a:prstGeom prst="rect">
@@ -6233,7 +6233,67 @@
         </p:blipFill>
         <p:spPr>
           <a:xfrm>
-            <a:off x="-642030" y="2539686"/>
+            <a:off x="-184830" y="2539686"/>
+            <a:ext cx="3962400" cy="2971800"/>
+          </a:xfrm>
+          <a:prstGeom prst="rect">
+            <a:avLst/>
+          </a:prstGeom>
+        </p:spPr>
+      </p:pic>
+      <p:pic>
+        <p:nvPicPr>
+          <p:cNvPr id="7" name="Picture 6"/>
+          <p:cNvPicPr>
+            <a:picLocks noChangeAspect="1"/>
+          </p:cNvPicPr>
+          <p:nvPr/>
+        </p:nvPicPr>
+        <p:blipFill>
+          <a:blip r:embed="rId5" cstate="email">
+            <a:extLst>
+              <a:ext uri="{28A0092B-C50C-407E-A947-70E740481C1C}">
+                <a14:useLocalDpi xmlns:a14="http://schemas.microsoft.com/office/drawing/2010/main" val="0"/>
+              </a:ext>
+            </a:extLst>
+          </a:blip>
+          <a:stretch>
+            <a:fillRect/>
+          </a:stretch>
+        </p:blipFill>
+        <p:spPr>
+          <a:xfrm>
+            <a:off x="-184830" y="2539686"/>
+            <a:ext cx="3962400" cy="2971800"/>
+          </a:xfrm>
+          <a:prstGeom prst="rect">
+            <a:avLst/>
+          </a:prstGeom>
+        </p:spPr>
+      </p:pic>
+      <p:pic>
+        <p:nvPicPr>
+          <p:cNvPr id="8" name="Picture 7"/>
+          <p:cNvPicPr>
+            <a:picLocks noChangeAspect="1"/>
+          </p:cNvPicPr>
+          <p:nvPr/>
+        </p:nvPicPr>
+        <p:blipFill>
+          <a:blip r:embed="rId6" cstate="email">
+            <a:extLst>
+              <a:ext uri="{28A0092B-C50C-407E-A947-70E740481C1C}">
+                <a14:useLocalDpi xmlns:a14="http://schemas.microsoft.com/office/drawing/2010/main" val="0"/>
+              </a:ext>
+            </a:extLst>
+          </a:blip>
+          <a:stretch>
+            <a:fillRect/>
+          </a:stretch>
+        </p:blipFill>
+        <p:spPr>
+          <a:xfrm>
+            <a:off x="-184830" y="2539686"/>
             <a:ext cx="3962400" cy="2971800"/>
           </a:xfrm>
           <a:prstGeom prst="rect">
@@ -6294,22 +6354,645 @@
           </a:p>
         </p:txBody>
       </p:sp>
-      <p:sp>
-        <p:nvSpPr>
-          <p:cNvPr id="3" name="Content Placeholder 2"/>
-          <p:cNvSpPr>
-            <a:spLocks noGrp="1"/>
-          </p:cNvSpPr>
-          <p:nvPr>
-            <p:ph idx="1"/>
-          </p:nvPr>
-        </p:nvSpPr>
-        <p:spPr/>
-        <p:txBody>
-          <a:bodyPr/>
+      <p:pic>
+        <p:nvPicPr>
+          <p:cNvPr id="4" name="Picture 3"/>
+          <p:cNvPicPr>
+            <a:picLocks noChangeAspect="1"/>
+          </p:cNvPicPr>
+          <p:nvPr/>
+        </p:nvPicPr>
+        <p:blipFill>
+          <a:blip r:embed="rId3" cstate="email">
+            <a:extLst>
+              <a:ext uri="{28A0092B-C50C-407E-A947-70E740481C1C}">
+                <a14:useLocalDpi xmlns:a14="http://schemas.microsoft.com/office/drawing/2010/main" val="0"/>
+              </a:ext>
+            </a:extLst>
+          </a:blip>
+          <a:stretch>
+            <a:fillRect/>
+          </a:stretch>
+        </p:blipFill>
+        <p:spPr>
+          <a:xfrm>
+            <a:off x="-184830" y="2539686"/>
+            <a:ext cx="3962400" cy="2971800"/>
+          </a:xfrm>
+          <a:prstGeom prst="rect">
+            <a:avLst/>
+          </a:prstGeom>
+        </p:spPr>
+      </p:pic>
+      <p:pic>
+        <p:nvPicPr>
+          <p:cNvPr id="5" name="Picture 4"/>
+          <p:cNvPicPr>
+            <a:picLocks noChangeAspect="1"/>
+          </p:cNvPicPr>
+          <p:nvPr/>
+        </p:nvPicPr>
+        <p:blipFill>
+          <a:blip r:embed="rId4" cstate="email">
+            <a:extLst>
+              <a:ext uri="{28A0092B-C50C-407E-A947-70E740481C1C}">
+                <a14:useLocalDpi xmlns:a14="http://schemas.microsoft.com/office/drawing/2010/main" val="0"/>
+              </a:ext>
+            </a:extLst>
+          </a:blip>
+          <a:stretch>
+            <a:fillRect/>
+          </a:stretch>
+        </p:blipFill>
+        <p:spPr>
+          <a:xfrm>
+            <a:off x="-184830" y="2539686"/>
+            <a:ext cx="3962400" cy="2971800"/>
+          </a:xfrm>
+          <a:prstGeom prst="rect">
+            <a:avLst/>
+          </a:prstGeom>
+        </p:spPr>
+      </p:pic>
+      <p:pic>
+        <p:nvPicPr>
+          <p:cNvPr id="6" name="Picture 5"/>
+          <p:cNvPicPr>
+            <a:picLocks noChangeAspect="1"/>
+          </p:cNvPicPr>
+          <p:nvPr/>
+        </p:nvPicPr>
+        <p:blipFill>
+          <a:blip r:embed="rId5" cstate="email">
+            <a:extLst>
+              <a:ext uri="{28A0092B-C50C-407E-A947-70E740481C1C}">
+                <a14:useLocalDpi xmlns:a14="http://schemas.microsoft.com/office/drawing/2010/main" val="0"/>
+              </a:ext>
+            </a:extLst>
+          </a:blip>
+          <a:stretch>
+            <a:fillRect/>
+          </a:stretch>
+        </p:blipFill>
+        <p:spPr>
+          <a:xfrm>
+            <a:off x="-184830" y="2539686"/>
+            <a:ext cx="3962400" cy="2971800"/>
+          </a:xfrm>
+          <a:prstGeom prst="rect">
+            <a:avLst/>
+          </a:prstGeom>
+        </p:spPr>
+      </p:pic>
+      <p:pic>
+        <p:nvPicPr>
+          <p:cNvPr id="7" name="Picture 6"/>
+          <p:cNvPicPr>
+            <a:picLocks noChangeAspect="1"/>
+          </p:cNvPicPr>
+          <p:nvPr/>
+        </p:nvPicPr>
+        <p:blipFill>
+          <a:blip r:embed="rId6" cstate="email">
+            <a:extLst>
+              <a:ext uri="{28A0092B-C50C-407E-A947-70E740481C1C}">
+                <a14:useLocalDpi xmlns:a14="http://schemas.microsoft.com/office/drawing/2010/main" val="0"/>
+              </a:ext>
+            </a:extLst>
+          </a:blip>
+          <a:stretch>
+            <a:fillRect/>
+          </a:stretch>
+        </p:blipFill>
+        <p:spPr>
+          <a:xfrm>
+            <a:off x="-184830" y="2539686"/>
+            <a:ext cx="3962400" cy="2971800"/>
+          </a:xfrm>
+          <a:prstGeom prst="rect">
+            <a:avLst/>
+          </a:prstGeom>
+        </p:spPr>
+      </p:pic>
+      <p:sp>
+        <p:nvSpPr>
+          <p:cNvPr id="8" name="Rectangle 7"/>
+          <p:cNvSpPr/>
+          <p:nvPr/>
+        </p:nvSpPr>
+        <p:spPr>
+          <a:xfrm>
+            <a:off x="3242930" y="1956391"/>
+            <a:ext cx="5486400" cy="583295"/>
+          </a:xfrm>
+          <a:prstGeom prst="rect">
+            <a:avLst/>
+          </a:prstGeom>
+        </p:spPr>
+        <p:style>
+          <a:lnRef idx="1">
+            <a:schemeClr val="accent1"/>
+          </a:lnRef>
+          <a:fillRef idx="3">
+            <a:schemeClr val="accent1"/>
+          </a:fillRef>
+          <a:effectRef idx="2">
+            <a:schemeClr val="accent1"/>
+          </a:effectRef>
+          <a:fontRef idx="minor">
+            <a:schemeClr val="lt1"/>
+          </a:fontRef>
+        </p:style>
+        <p:txBody>
+          <a:bodyPr rtlCol="0" anchor="ctr"/>
           <a:lstStyle/>
           <a:p>
+            <a:pPr algn="ctr"/>
+            <a:r>
+              <a:rPr lang="en-GB" dirty="0" smtClean="0"/>
+              <a:t>Controller</a:t>
+            </a:r>
+            <a:endParaRPr lang="en-US" dirty="0"/>
+          </a:p>
+        </p:txBody>
+      </p:sp>
+      <p:sp>
+        <p:nvSpPr>
+          <p:cNvPr id="9" name="Rectangle 8"/>
+          <p:cNvSpPr/>
+          <p:nvPr/>
+        </p:nvSpPr>
+        <p:spPr>
+          <a:xfrm>
+            <a:off x="3242930" y="2737022"/>
+            <a:ext cx="5486400" cy="583295"/>
+          </a:xfrm>
+          <a:prstGeom prst="rect">
+            <a:avLst/>
+          </a:prstGeom>
+        </p:spPr>
+        <p:style>
+          <a:lnRef idx="1">
+            <a:schemeClr val="accent5"/>
+          </a:lnRef>
+          <a:fillRef idx="3">
+            <a:schemeClr val="accent5"/>
+          </a:fillRef>
+          <a:effectRef idx="2">
+            <a:schemeClr val="accent5"/>
+          </a:effectRef>
+          <a:fontRef idx="minor">
+            <a:schemeClr val="lt1"/>
+          </a:fontRef>
+        </p:style>
+        <p:txBody>
+          <a:bodyPr rtlCol="0" anchor="ctr"/>
+          <a:lstStyle/>
+          <a:p>
+            <a:pPr algn="ctr"/>
+            <a:r>
+              <a:rPr lang="en-GB" dirty="0" smtClean="0"/>
+              <a:t>Validation</a:t>
+            </a:r>
+            <a:endParaRPr lang="en-US" dirty="0"/>
+          </a:p>
+        </p:txBody>
+      </p:sp>
+      <p:sp>
+        <p:nvSpPr>
+          <p:cNvPr id="10" name="Rectangle 9"/>
+          <p:cNvSpPr/>
+          <p:nvPr/>
+        </p:nvSpPr>
+        <p:spPr>
+          <a:xfrm>
+            <a:off x="3242930" y="3517653"/>
+            <a:ext cx="5486400" cy="583295"/>
+          </a:xfrm>
+          <a:prstGeom prst="rect">
+            <a:avLst/>
+          </a:prstGeom>
+        </p:spPr>
+        <p:style>
+          <a:lnRef idx="1">
+            <a:schemeClr val="accent4"/>
+          </a:lnRef>
+          <a:fillRef idx="3">
+            <a:schemeClr val="accent4"/>
+          </a:fillRef>
+          <a:effectRef idx="2">
+            <a:schemeClr val="accent4"/>
+          </a:effectRef>
+          <a:fontRef idx="minor">
+            <a:schemeClr val="lt1"/>
+          </a:fontRef>
+        </p:style>
+        <p:txBody>
+          <a:bodyPr rtlCol="0" anchor="ctr"/>
+          <a:lstStyle/>
+          <a:p>
+            <a:pPr algn="ctr"/>
+            <a:r>
+              <a:rPr lang="en-GB" dirty="0" smtClean="0"/>
+              <a:t>Business Logic</a:t>
+            </a:r>
+            <a:endParaRPr lang="en-US" dirty="0"/>
+          </a:p>
+        </p:txBody>
+      </p:sp>
+      <p:sp>
+        <p:nvSpPr>
+          <p:cNvPr id="11" name="Rectangle 10"/>
+          <p:cNvSpPr/>
+          <p:nvPr/>
+        </p:nvSpPr>
+        <p:spPr>
+          <a:xfrm>
+            <a:off x="3242930" y="4298284"/>
+            <a:ext cx="5486400" cy="583295"/>
+          </a:xfrm>
+          <a:prstGeom prst="rect">
+            <a:avLst/>
+          </a:prstGeom>
+        </p:spPr>
+        <p:style>
+          <a:lnRef idx="1">
+            <a:schemeClr val="accent3"/>
+          </a:lnRef>
+          <a:fillRef idx="3">
+            <a:schemeClr val="accent3"/>
+          </a:fillRef>
+          <a:effectRef idx="2">
+            <a:schemeClr val="accent3"/>
+          </a:effectRef>
+          <a:fontRef idx="minor">
+            <a:schemeClr val="lt1"/>
+          </a:fontRef>
+        </p:style>
+        <p:txBody>
+          <a:bodyPr rtlCol="0" anchor="ctr"/>
+          <a:lstStyle/>
+          <a:p>
+            <a:pPr algn="ctr"/>
+            <a:r>
+              <a:rPr lang="en-GB" dirty="0" smtClean="0"/>
+              <a:t>Adapter</a:t>
+            </a:r>
+            <a:endParaRPr lang="en-US" dirty="0"/>
+          </a:p>
+        </p:txBody>
+      </p:sp>
+      <p:sp>
+        <p:nvSpPr>
+          <p:cNvPr id="12" name="Rectangle 11"/>
+          <p:cNvSpPr/>
+          <p:nvPr/>
+        </p:nvSpPr>
+        <p:spPr>
+          <a:xfrm>
+            <a:off x="3242930" y="5078916"/>
+            <a:ext cx="5486400" cy="583295"/>
+          </a:xfrm>
+          <a:prstGeom prst="rect">
+            <a:avLst/>
+          </a:prstGeom>
+        </p:spPr>
+        <p:style>
+          <a:lnRef idx="1">
+            <a:schemeClr val="accent6"/>
+          </a:lnRef>
+          <a:fillRef idx="3">
+            <a:schemeClr val="accent6"/>
+          </a:fillRef>
+          <a:effectRef idx="2">
+            <a:schemeClr val="accent6"/>
+          </a:effectRef>
+          <a:fontRef idx="minor">
+            <a:schemeClr val="lt1"/>
+          </a:fontRef>
+        </p:style>
+        <p:txBody>
+          <a:bodyPr rtlCol="0" anchor="ctr"/>
+          <a:lstStyle/>
+          <a:p>
+            <a:pPr algn="ctr"/>
+            <a:r>
+              <a:rPr lang="en-GB" dirty="0" smtClean="0"/>
+              <a:t>Data</a:t>
+            </a:r>
+            <a:endParaRPr lang="en-US" dirty="0"/>
+          </a:p>
+        </p:txBody>
+      </p:sp>
+      <p:sp>
+        <p:nvSpPr>
+          <p:cNvPr id="14" name="Explosion 1 13"/>
+          <p:cNvSpPr/>
+          <p:nvPr/>
+        </p:nvSpPr>
+        <p:spPr>
+          <a:xfrm>
+            <a:off x="8102454" y="1992857"/>
+            <a:ext cx="489097" cy="510362"/>
+          </a:xfrm>
+          <a:prstGeom prst="irregularSeal1">
+            <a:avLst/>
+          </a:prstGeom>
+        </p:spPr>
+        <p:style>
+          <a:lnRef idx="0">
+            <a:schemeClr val="dk1"/>
+          </a:lnRef>
+          <a:fillRef idx="3">
+            <a:schemeClr val="dk1"/>
+          </a:fillRef>
+          <a:effectRef idx="3">
+            <a:schemeClr val="dk1"/>
+          </a:effectRef>
+          <a:fontRef idx="minor">
+            <a:schemeClr val="lt1"/>
+          </a:fontRef>
+        </p:style>
+        <p:txBody>
+          <a:bodyPr rtlCol="0" anchor="ctr"/>
+          <a:lstStyle/>
+          <a:p>
+            <a:pPr algn="ctr"/>
             <a:endParaRPr lang="en-US"/>
+          </a:p>
+        </p:txBody>
+      </p:sp>
+      <p:sp>
+        <p:nvSpPr>
+          <p:cNvPr id="15" name="Explosion 1 14"/>
+          <p:cNvSpPr/>
+          <p:nvPr/>
+        </p:nvSpPr>
+        <p:spPr>
+          <a:xfrm>
+            <a:off x="8102454" y="2773488"/>
+            <a:ext cx="489097" cy="510362"/>
+          </a:xfrm>
+          <a:prstGeom prst="irregularSeal1">
+            <a:avLst/>
+          </a:prstGeom>
+        </p:spPr>
+        <p:style>
+          <a:lnRef idx="0">
+            <a:schemeClr val="dk1"/>
+          </a:lnRef>
+          <a:fillRef idx="3">
+            <a:schemeClr val="dk1"/>
+          </a:fillRef>
+          <a:effectRef idx="3">
+            <a:schemeClr val="dk1"/>
+          </a:effectRef>
+          <a:fontRef idx="minor">
+            <a:schemeClr val="lt1"/>
+          </a:fontRef>
+        </p:style>
+        <p:txBody>
+          <a:bodyPr rtlCol="0" anchor="ctr"/>
+          <a:lstStyle/>
+          <a:p>
+            <a:pPr algn="ctr"/>
+            <a:endParaRPr lang="en-US"/>
+          </a:p>
+        </p:txBody>
+      </p:sp>
+      <p:sp>
+        <p:nvSpPr>
+          <p:cNvPr id="16" name="Explosion 1 15"/>
+          <p:cNvSpPr/>
+          <p:nvPr/>
+        </p:nvSpPr>
+        <p:spPr>
+          <a:xfrm>
+            <a:off x="8102454" y="3554119"/>
+            <a:ext cx="489097" cy="510362"/>
+          </a:xfrm>
+          <a:prstGeom prst="irregularSeal1">
+            <a:avLst/>
+          </a:prstGeom>
+        </p:spPr>
+        <p:style>
+          <a:lnRef idx="0">
+            <a:schemeClr val="dk1"/>
+          </a:lnRef>
+          <a:fillRef idx="3">
+            <a:schemeClr val="dk1"/>
+          </a:fillRef>
+          <a:effectRef idx="3">
+            <a:schemeClr val="dk1"/>
+          </a:effectRef>
+          <a:fontRef idx="minor">
+            <a:schemeClr val="lt1"/>
+          </a:fontRef>
+        </p:style>
+        <p:txBody>
+          <a:bodyPr rtlCol="0" anchor="ctr"/>
+          <a:lstStyle/>
+          <a:p>
+            <a:pPr algn="ctr"/>
+            <a:endParaRPr lang="en-US"/>
+          </a:p>
+        </p:txBody>
+      </p:sp>
+      <p:sp>
+        <p:nvSpPr>
+          <p:cNvPr id="17" name="Explosion 1 16"/>
+          <p:cNvSpPr/>
+          <p:nvPr/>
+        </p:nvSpPr>
+        <p:spPr>
+          <a:xfrm>
+            <a:off x="8102453" y="4334750"/>
+            <a:ext cx="489097" cy="510362"/>
+          </a:xfrm>
+          <a:prstGeom prst="irregularSeal1">
+            <a:avLst/>
+          </a:prstGeom>
+        </p:spPr>
+        <p:style>
+          <a:lnRef idx="0">
+            <a:schemeClr val="dk1"/>
+          </a:lnRef>
+          <a:fillRef idx="3">
+            <a:schemeClr val="dk1"/>
+          </a:fillRef>
+          <a:effectRef idx="3">
+            <a:schemeClr val="dk1"/>
+          </a:effectRef>
+          <a:fontRef idx="minor">
+            <a:schemeClr val="lt1"/>
+          </a:fontRef>
+        </p:style>
+        <p:txBody>
+          <a:bodyPr rtlCol="0" anchor="ctr"/>
+          <a:lstStyle/>
+          <a:p>
+            <a:pPr algn="ctr"/>
+            <a:endParaRPr lang="en-US"/>
+          </a:p>
+        </p:txBody>
+      </p:sp>
+      <p:sp>
+        <p:nvSpPr>
+          <p:cNvPr id="18" name="Explosion 1 17"/>
+          <p:cNvSpPr/>
+          <p:nvPr/>
+        </p:nvSpPr>
+        <p:spPr>
+          <a:xfrm>
+            <a:off x="8102454" y="5115382"/>
+            <a:ext cx="489097" cy="510362"/>
+          </a:xfrm>
+          <a:prstGeom prst="irregularSeal1">
+            <a:avLst/>
+          </a:prstGeom>
+        </p:spPr>
+        <p:style>
+          <a:lnRef idx="0">
+            <a:schemeClr val="dk1"/>
+          </a:lnRef>
+          <a:fillRef idx="3">
+            <a:schemeClr val="dk1"/>
+          </a:fillRef>
+          <a:effectRef idx="3">
+            <a:schemeClr val="dk1"/>
+          </a:effectRef>
+          <a:fontRef idx="minor">
+            <a:schemeClr val="lt1"/>
+          </a:fontRef>
+        </p:style>
+        <p:txBody>
+          <a:bodyPr rtlCol="0" anchor="ctr"/>
+          <a:lstStyle/>
+          <a:p>
+            <a:pPr algn="ctr"/>
+            <a:endParaRPr lang="en-US"/>
+          </a:p>
+        </p:txBody>
+      </p:sp>
+      <p:sp>
+        <p:nvSpPr>
+          <p:cNvPr id="19" name="Down Arrow 18"/>
+          <p:cNvSpPr/>
+          <p:nvPr/>
+        </p:nvSpPr>
+        <p:spPr>
+          <a:xfrm>
+            <a:off x="7495953" y="1992857"/>
+            <a:ext cx="606500" cy="3632887"/>
+          </a:xfrm>
+          <a:prstGeom prst="downArrow">
+            <a:avLst/>
+          </a:prstGeom>
+        </p:spPr>
+        <p:style>
+          <a:lnRef idx="1">
+            <a:schemeClr val="accent2"/>
+          </a:lnRef>
+          <a:fillRef idx="3">
+            <a:schemeClr val="accent2"/>
+          </a:fillRef>
+          <a:effectRef idx="2">
+            <a:schemeClr val="accent2"/>
+          </a:effectRef>
+          <a:fontRef idx="minor">
+            <a:schemeClr val="lt1"/>
+          </a:fontRef>
+        </p:style>
+        <p:txBody>
+          <a:bodyPr rtlCol="0" anchor="ctr"/>
+          <a:lstStyle/>
+          <a:p>
+            <a:pPr algn="ctr"/>
+            <a:endParaRPr lang="en-US"/>
+          </a:p>
+        </p:txBody>
+      </p:sp>
+      <p:sp>
+        <p:nvSpPr>
+          <p:cNvPr id="20" name="Rectangle 19"/>
+          <p:cNvSpPr/>
+          <p:nvPr/>
+        </p:nvSpPr>
+        <p:spPr>
+          <a:xfrm>
+            <a:off x="3242930" y="5917391"/>
+            <a:ext cx="2541182" cy="583295"/>
+          </a:xfrm>
+          <a:prstGeom prst="rect">
+            <a:avLst/>
+          </a:prstGeom>
+        </p:spPr>
+        <p:style>
+          <a:lnRef idx="1">
+            <a:schemeClr val="accent6"/>
+          </a:lnRef>
+          <a:fillRef idx="3">
+            <a:schemeClr val="accent6"/>
+          </a:fillRef>
+          <a:effectRef idx="2">
+            <a:schemeClr val="accent6"/>
+          </a:effectRef>
+          <a:fontRef idx="minor">
+            <a:schemeClr val="lt1"/>
+          </a:fontRef>
+        </p:style>
+        <p:txBody>
+          <a:bodyPr rtlCol="0" anchor="ctr"/>
+          <a:lstStyle/>
+          <a:p>
+            <a:pPr algn="ctr"/>
+            <a:r>
+              <a:rPr lang="en-GB" dirty="0" smtClean="0"/>
+              <a:t>Command</a:t>
+            </a:r>
+            <a:endParaRPr lang="en-US" dirty="0"/>
+          </a:p>
+        </p:txBody>
+      </p:sp>
+      <p:sp>
+        <p:nvSpPr>
+          <p:cNvPr id="21" name="Rectangle 20"/>
+          <p:cNvSpPr/>
+          <p:nvPr/>
+        </p:nvSpPr>
+        <p:spPr>
+          <a:xfrm>
+            <a:off x="6188148" y="5917391"/>
+            <a:ext cx="2541182" cy="583295"/>
+          </a:xfrm>
+          <a:prstGeom prst="rect">
+            <a:avLst/>
+          </a:prstGeom>
+        </p:spPr>
+        <p:style>
+          <a:lnRef idx="1">
+            <a:schemeClr val="accent6"/>
+          </a:lnRef>
+          <a:fillRef idx="3">
+            <a:schemeClr val="accent6"/>
+          </a:fillRef>
+          <a:effectRef idx="2">
+            <a:schemeClr val="accent6"/>
+          </a:effectRef>
+          <a:fontRef idx="minor">
+            <a:schemeClr val="lt1"/>
+          </a:fontRef>
+        </p:style>
+        <p:txBody>
+          <a:bodyPr rtlCol="0" anchor="ctr"/>
+          <a:lstStyle/>
+          <a:p>
+            <a:pPr algn="ctr"/>
+            <a:r>
+              <a:rPr lang="en-GB" dirty="0" smtClean="0"/>
+              <a:t>Query</a:t>
+            </a:r>
+            <a:endParaRPr lang="en-US" dirty="0"/>
           </a:p>
         </p:txBody>
       </p:sp>
@@ -6366,25 +7049,1571 @@
           </a:p>
         </p:txBody>
       </p:sp>
-      <p:sp>
-        <p:nvSpPr>
-          <p:cNvPr id="3" name="Content Placeholder 2"/>
-          <p:cNvSpPr>
-            <a:spLocks noGrp="1"/>
-          </p:cNvSpPr>
+      <p:pic>
+        <p:nvPicPr>
+          <p:cNvPr id="4" name="Content Placeholder 3"/>
+          <p:cNvPicPr>
+            <a:picLocks noGrp="1" noChangeAspect="1"/>
+          </p:cNvPicPr>
           <p:nvPr>
             <p:ph idx="1"/>
           </p:nvPr>
-        </p:nvSpPr>
-        <p:spPr/>
-        <p:txBody>
-          <a:bodyPr/>
+        </p:nvPicPr>
+        <p:blipFill>
+          <a:blip r:embed="rId3" cstate="email">
+            <a:extLst>
+              <a:ext uri="{28A0092B-C50C-407E-A947-70E740481C1C}">
+                <a14:useLocalDpi xmlns:a14="http://schemas.microsoft.com/office/drawing/2010/main" val="0"/>
+              </a:ext>
+            </a:extLst>
+          </a:blip>
+          <a:stretch>
+            <a:fillRect/>
+          </a:stretch>
+        </p:blipFill>
+        <p:spPr>
+          <a:xfrm>
+            <a:off x="2684905" y="3312042"/>
+            <a:ext cx="3962400" cy="2971800"/>
+          </a:xfrm>
+        </p:spPr>
+      </p:pic>
+      <p:sp>
+        <p:nvSpPr>
+          <p:cNvPr id="5" name="Rectangle 4"/>
+          <p:cNvSpPr/>
+          <p:nvPr/>
+        </p:nvSpPr>
+        <p:spPr>
+          <a:xfrm rot="17724001">
+            <a:off x="817202" y="2285221"/>
+            <a:ext cx="2615610" cy="583295"/>
+          </a:xfrm>
+          <a:prstGeom prst="rect">
+            <a:avLst/>
+          </a:prstGeom>
+        </p:spPr>
+        <p:style>
+          <a:lnRef idx="1">
+            <a:schemeClr val="accent1"/>
+          </a:lnRef>
+          <a:fillRef idx="3">
+            <a:schemeClr val="accent1"/>
+          </a:fillRef>
+          <a:effectRef idx="2">
+            <a:schemeClr val="accent1"/>
+          </a:effectRef>
+          <a:fontRef idx="minor">
+            <a:schemeClr val="lt1"/>
+          </a:fontRef>
+        </p:style>
+        <p:txBody>
+          <a:bodyPr rtlCol="0" anchor="ctr"/>
           <a:lstStyle/>
           <a:p>
-            <a:endParaRPr lang="en-US"/>
-          </a:p>
-        </p:txBody>
-      </p:sp>
+            <a:pPr algn="ctr"/>
+            <a:r>
+              <a:rPr lang="en-GB" dirty="0" smtClean="0"/>
+              <a:t>Controller</a:t>
+            </a:r>
+            <a:endParaRPr lang="en-US" dirty="0"/>
+          </a:p>
+        </p:txBody>
+      </p:sp>
+      <p:sp>
+        <p:nvSpPr>
+          <p:cNvPr id="6" name="Rectangle 5"/>
+          <p:cNvSpPr/>
+          <p:nvPr/>
+        </p:nvSpPr>
+        <p:spPr>
+          <a:xfrm rot="19957210">
+            <a:off x="2200621" y="2086640"/>
+            <a:ext cx="2615610" cy="583295"/>
+          </a:xfrm>
+          <a:prstGeom prst="rect">
+            <a:avLst/>
+          </a:prstGeom>
+        </p:spPr>
+        <p:style>
+          <a:lnRef idx="1">
+            <a:schemeClr val="accent5"/>
+          </a:lnRef>
+          <a:fillRef idx="3">
+            <a:schemeClr val="accent5"/>
+          </a:fillRef>
+          <a:effectRef idx="2">
+            <a:schemeClr val="accent5"/>
+          </a:effectRef>
+          <a:fontRef idx="minor">
+            <a:schemeClr val="lt1"/>
+          </a:fontRef>
+        </p:style>
+        <p:txBody>
+          <a:bodyPr rtlCol="0" anchor="ctr"/>
+          <a:lstStyle/>
+          <a:p>
+            <a:pPr algn="ctr"/>
+            <a:r>
+              <a:rPr lang="en-GB" dirty="0" smtClean="0"/>
+              <a:t>Validation</a:t>
+            </a:r>
+            <a:endParaRPr lang="en-US" dirty="0"/>
+          </a:p>
+        </p:txBody>
+      </p:sp>
+      <p:sp>
+        <p:nvSpPr>
+          <p:cNvPr id="7" name="Rectangle 6"/>
+          <p:cNvSpPr/>
+          <p:nvPr/>
+        </p:nvSpPr>
+        <p:spPr>
+          <a:xfrm rot="16200000">
+            <a:off x="1349973" y="3792927"/>
+            <a:ext cx="2615610" cy="583295"/>
+          </a:xfrm>
+          <a:prstGeom prst="rect">
+            <a:avLst/>
+          </a:prstGeom>
+        </p:spPr>
+        <p:style>
+          <a:lnRef idx="1">
+            <a:schemeClr val="accent4"/>
+          </a:lnRef>
+          <a:fillRef idx="3">
+            <a:schemeClr val="accent4"/>
+          </a:fillRef>
+          <a:effectRef idx="2">
+            <a:schemeClr val="accent4"/>
+          </a:effectRef>
+          <a:fontRef idx="minor">
+            <a:schemeClr val="lt1"/>
+          </a:fontRef>
+        </p:style>
+        <p:txBody>
+          <a:bodyPr rtlCol="0" anchor="ctr"/>
+          <a:lstStyle/>
+          <a:p>
+            <a:pPr algn="ctr"/>
+            <a:r>
+              <a:rPr lang="en-GB" dirty="0" smtClean="0"/>
+              <a:t>Business Logic</a:t>
+            </a:r>
+            <a:endParaRPr lang="en-US" dirty="0"/>
+          </a:p>
+        </p:txBody>
+      </p:sp>
+      <p:sp>
+        <p:nvSpPr>
+          <p:cNvPr id="8" name="Rectangle 7"/>
+          <p:cNvSpPr/>
+          <p:nvPr/>
+        </p:nvSpPr>
+        <p:spPr>
+          <a:xfrm rot="654740">
+            <a:off x="4835416" y="2086640"/>
+            <a:ext cx="2615610" cy="583295"/>
+          </a:xfrm>
+          <a:prstGeom prst="rect">
+            <a:avLst/>
+          </a:prstGeom>
+        </p:spPr>
+        <p:style>
+          <a:lnRef idx="1">
+            <a:schemeClr val="accent3"/>
+          </a:lnRef>
+          <a:fillRef idx="3">
+            <a:schemeClr val="accent3"/>
+          </a:fillRef>
+          <a:effectRef idx="2">
+            <a:schemeClr val="accent3"/>
+          </a:effectRef>
+          <a:fontRef idx="minor">
+            <a:schemeClr val="lt1"/>
+          </a:fontRef>
+        </p:style>
+        <p:txBody>
+          <a:bodyPr rtlCol="0" anchor="ctr"/>
+          <a:lstStyle/>
+          <a:p>
+            <a:pPr algn="ctr"/>
+            <a:r>
+              <a:rPr lang="en-GB" dirty="0" smtClean="0"/>
+              <a:t>Adapter</a:t>
+            </a:r>
+            <a:endParaRPr lang="en-US" dirty="0"/>
+          </a:p>
+        </p:txBody>
+      </p:sp>
+      <p:sp>
+        <p:nvSpPr>
+          <p:cNvPr id="9" name="Rectangle 8"/>
+          <p:cNvSpPr/>
+          <p:nvPr/>
+        </p:nvSpPr>
+        <p:spPr>
+          <a:xfrm rot="2787480">
+            <a:off x="5521634" y="3443222"/>
+            <a:ext cx="2615610" cy="583295"/>
+          </a:xfrm>
+          <a:prstGeom prst="rect">
+            <a:avLst/>
+          </a:prstGeom>
+        </p:spPr>
+        <p:style>
+          <a:lnRef idx="1">
+            <a:schemeClr val="accent6"/>
+          </a:lnRef>
+          <a:fillRef idx="3">
+            <a:schemeClr val="accent6"/>
+          </a:fillRef>
+          <a:effectRef idx="2">
+            <a:schemeClr val="accent6"/>
+          </a:effectRef>
+          <a:fontRef idx="minor">
+            <a:schemeClr val="lt1"/>
+          </a:fontRef>
+        </p:style>
+        <p:txBody>
+          <a:bodyPr rtlCol="0" anchor="ctr"/>
+          <a:lstStyle/>
+          <a:p>
+            <a:pPr algn="ctr"/>
+            <a:r>
+              <a:rPr lang="en-GB" dirty="0" smtClean="0"/>
+              <a:t>Data</a:t>
+            </a:r>
+            <a:endParaRPr lang="en-US" dirty="0"/>
+          </a:p>
+        </p:txBody>
+      </p:sp>
+      <p:cxnSp>
+        <p:nvCxnSpPr>
+          <p:cNvPr id="13" name="Straight Connector 12"/>
+          <p:cNvCxnSpPr/>
+          <p:nvPr/>
+        </p:nvCxnSpPr>
+        <p:spPr>
+          <a:xfrm>
+            <a:off x="3774558" y="2776769"/>
+            <a:ext cx="457200" cy="615017"/>
+          </a:xfrm>
+          <a:prstGeom prst="line">
+            <a:avLst/>
+          </a:prstGeom>
+          <a:ln w="9525" cap="flat" cmpd="sng" algn="ctr">
+            <a:solidFill>
+              <a:schemeClr val="dk1"/>
+            </a:solidFill>
+            <a:prstDash val="dash"/>
+            <a:round/>
+            <a:headEnd type="none" w="med" len="med"/>
+            <a:tailEnd type="none" w="med" len="med"/>
+          </a:ln>
+        </p:spPr>
+        <p:style>
+          <a:lnRef idx="0">
+            <a:scrgbClr r="0" g="0" b="0"/>
+          </a:lnRef>
+          <a:fillRef idx="0">
+            <a:scrgbClr r="0" g="0" b="0"/>
+          </a:fillRef>
+          <a:effectRef idx="0">
+            <a:scrgbClr r="0" g="0" b="0"/>
+          </a:effectRef>
+          <a:fontRef idx="minor">
+            <a:schemeClr val="tx1"/>
+          </a:fontRef>
+        </p:style>
+      </p:cxnSp>
+      <p:cxnSp>
+        <p:nvCxnSpPr>
+          <p:cNvPr id="14" name="Straight Connector 13"/>
+          <p:cNvCxnSpPr/>
+          <p:nvPr/>
+        </p:nvCxnSpPr>
+        <p:spPr>
+          <a:xfrm>
+            <a:off x="3603980" y="2752373"/>
+            <a:ext cx="457200" cy="615017"/>
+          </a:xfrm>
+          <a:prstGeom prst="line">
+            <a:avLst/>
+          </a:prstGeom>
+          <a:ln w="9525" cap="flat" cmpd="sng" algn="ctr">
+            <a:solidFill>
+              <a:schemeClr val="dk1"/>
+            </a:solidFill>
+            <a:prstDash val="dash"/>
+            <a:round/>
+            <a:headEnd type="none" w="med" len="med"/>
+            <a:tailEnd type="none" w="med" len="med"/>
+          </a:ln>
+        </p:spPr>
+        <p:style>
+          <a:lnRef idx="0">
+            <a:scrgbClr r="0" g="0" b="0"/>
+          </a:lnRef>
+          <a:fillRef idx="0">
+            <a:scrgbClr r="0" g="0" b="0"/>
+          </a:fillRef>
+          <a:effectRef idx="0">
+            <a:scrgbClr r="0" g="0" b="0"/>
+          </a:effectRef>
+          <a:fontRef idx="minor">
+            <a:schemeClr val="tx1"/>
+          </a:fontRef>
+        </p:style>
+      </p:cxnSp>
+      <p:cxnSp>
+        <p:nvCxnSpPr>
+          <p:cNvPr id="15" name="Straight Connector 14"/>
+          <p:cNvCxnSpPr/>
+          <p:nvPr/>
+        </p:nvCxnSpPr>
+        <p:spPr>
+          <a:xfrm>
+            <a:off x="4341165" y="2333888"/>
+            <a:ext cx="457200" cy="615017"/>
+          </a:xfrm>
+          <a:prstGeom prst="line">
+            <a:avLst/>
+          </a:prstGeom>
+          <a:ln w="9525" cap="flat" cmpd="sng" algn="ctr">
+            <a:solidFill>
+              <a:schemeClr val="dk1"/>
+            </a:solidFill>
+            <a:prstDash val="dash"/>
+            <a:round/>
+            <a:headEnd type="none" w="med" len="med"/>
+            <a:tailEnd type="none" w="med" len="med"/>
+          </a:ln>
+        </p:spPr>
+        <p:style>
+          <a:lnRef idx="0">
+            <a:scrgbClr r="0" g="0" b="0"/>
+          </a:lnRef>
+          <a:fillRef idx="0">
+            <a:scrgbClr r="0" g="0" b="0"/>
+          </a:fillRef>
+          <a:effectRef idx="0">
+            <a:scrgbClr r="0" g="0" b="0"/>
+          </a:effectRef>
+          <a:fontRef idx="minor">
+            <a:schemeClr val="tx1"/>
+          </a:fontRef>
+        </p:style>
+      </p:cxnSp>
+      <p:cxnSp>
+        <p:nvCxnSpPr>
+          <p:cNvPr id="16" name="Straight Connector 15"/>
+          <p:cNvCxnSpPr/>
+          <p:nvPr/>
+        </p:nvCxnSpPr>
+        <p:spPr>
+          <a:xfrm>
+            <a:off x="4048195" y="2515456"/>
+            <a:ext cx="457200" cy="615017"/>
+          </a:xfrm>
+          <a:prstGeom prst="line">
+            <a:avLst/>
+          </a:prstGeom>
+          <a:ln w="9525" cap="flat" cmpd="sng" algn="ctr">
+            <a:solidFill>
+              <a:schemeClr val="dk1"/>
+            </a:solidFill>
+            <a:prstDash val="dash"/>
+            <a:round/>
+            <a:headEnd type="none" w="med" len="med"/>
+            <a:tailEnd type="none" w="med" len="med"/>
+          </a:ln>
+        </p:spPr>
+        <p:style>
+          <a:lnRef idx="0">
+            <a:scrgbClr r="0" g="0" b="0"/>
+          </a:lnRef>
+          <a:fillRef idx="0">
+            <a:scrgbClr r="0" g="0" b="0"/>
+          </a:fillRef>
+          <a:effectRef idx="0">
+            <a:scrgbClr r="0" g="0" b="0"/>
+          </a:effectRef>
+          <a:fontRef idx="minor">
+            <a:schemeClr val="tx1"/>
+          </a:fontRef>
+        </p:style>
+      </p:cxnSp>
+      <p:cxnSp>
+        <p:nvCxnSpPr>
+          <p:cNvPr id="17" name="Straight Connector 16"/>
+          <p:cNvCxnSpPr/>
+          <p:nvPr/>
+        </p:nvCxnSpPr>
+        <p:spPr>
+          <a:xfrm>
+            <a:off x="3235852" y="2937180"/>
+            <a:ext cx="457200" cy="615017"/>
+          </a:xfrm>
+          <a:prstGeom prst="line">
+            <a:avLst/>
+          </a:prstGeom>
+          <a:ln w="9525" cap="flat" cmpd="sng" algn="ctr">
+            <a:solidFill>
+              <a:schemeClr val="dk1"/>
+            </a:solidFill>
+            <a:prstDash val="dash"/>
+            <a:round/>
+            <a:headEnd type="none" w="med" len="med"/>
+            <a:tailEnd type="none" w="med" len="med"/>
+          </a:ln>
+        </p:spPr>
+        <p:style>
+          <a:lnRef idx="0">
+            <a:scrgbClr r="0" g="0" b="0"/>
+          </a:lnRef>
+          <a:fillRef idx="0">
+            <a:scrgbClr r="0" g="0" b="0"/>
+          </a:fillRef>
+          <a:effectRef idx="0">
+            <a:scrgbClr r="0" g="0" b="0"/>
+          </a:effectRef>
+          <a:fontRef idx="minor">
+            <a:schemeClr val="tx1"/>
+          </a:fontRef>
+        </p:style>
+      </p:cxnSp>
+      <p:cxnSp>
+        <p:nvCxnSpPr>
+          <p:cNvPr id="18" name="Straight Connector 17"/>
+          <p:cNvCxnSpPr/>
+          <p:nvPr/>
+        </p:nvCxnSpPr>
+        <p:spPr>
+          <a:xfrm>
+            <a:off x="3106841" y="3883353"/>
+            <a:ext cx="497139" cy="1622"/>
+          </a:xfrm>
+          <a:prstGeom prst="line">
+            <a:avLst/>
+          </a:prstGeom>
+          <a:ln w="9525" cap="flat" cmpd="sng" algn="ctr">
+            <a:solidFill>
+              <a:schemeClr val="dk1"/>
+            </a:solidFill>
+            <a:prstDash val="dash"/>
+            <a:round/>
+            <a:headEnd type="none" w="med" len="med"/>
+            <a:tailEnd type="none" w="med" len="med"/>
+          </a:ln>
+        </p:spPr>
+        <p:style>
+          <a:lnRef idx="0">
+            <a:scrgbClr r="0" g="0" b="0"/>
+          </a:lnRef>
+          <a:fillRef idx="0">
+            <a:scrgbClr r="0" g="0" b="0"/>
+          </a:fillRef>
+          <a:effectRef idx="0">
+            <a:scrgbClr r="0" g="0" b="0"/>
+          </a:effectRef>
+          <a:fontRef idx="minor">
+            <a:schemeClr val="tx1"/>
+          </a:fontRef>
+        </p:style>
+      </p:cxnSp>
+      <p:cxnSp>
+        <p:nvCxnSpPr>
+          <p:cNvPr id="21" name="Straight Connector 20"/>
+          <p:cNvCxnSpPr/>
+          <p:nvPr/>
+        </p:nvCxnSpPr>
+        <p:spPr>
+          <a:xfrm>
+            <a:off x="3018723" y="4084574"/>
+            <a:ext cx="755835" cy="0"/>
+          </a:xfrm>
+          <a:prstGeom prst="line">
+            <a:avLst/>
+          </a:prstGeom>
+          <a:ln w="9525" cap="flat" cmpd="sng" algn="ctr">
+            <a:solidFill>
+              <a:schemeClr val="dk1"/>
+            </a:solidFill>
+            <a:prstDash val="dash"/>
+            <a:round/>
+            <a:headEnd type="none" w="med" len="med"/>
+            <a:tailEnd type="none" w="med" len="med"/>
+          </a:ln>
+        </p:spPr>
+        <p:style>
+          <a:lnRef idx="0">
+            <a:scrgbClr r="0" g="0" b="0"/>
+          </a:lnRef>
+          <a:fillRef idx="0">
+            <a:scrgbClr r="0" g="0" b="0"/>
+          </a:fillRef>
+          <a:effectRef idx="0">
+            <a:scrgbClr r="0" g="0" b="0"/>
+          </a:effectRef>
+          <a:fontRef idx="minor">
+            <a:schemeClr val="tx1"/>
+          </a:fontRef>
+        </p:style>
+      </p:cxnSp>
+      <p:cxnSp>
+        <p:nvCxnSpPr>
+          <p:cNvPr id="22" name="Straight Connector 21"/>
+          <p:cNvCxnSpPr/>
+          <p:nvPr/>
+        </p:nvCxnSpPr>
+        <p:spPr>
+          <a:xfrm>
+            <a:off x="3018722" y="4620544"/>
+            <a:ext cx="755835" cy="0"/>
+          </a:xfrm>
+          <a:prstGeom prst="line">
+            <a:avLst/>
+          </a:prstGeom>
+          <a:ln w="9525" cap="flat" cmpd="sng" algn="ctr">
+            <a:solidFill>
+              <a:schemeClr val="dk1"/>
+            </a:solidFill>
+            <a:prstDash val="dash"/>
+            <a:round/>
+            <a:headEnd type="none" w="med" len="med"/>
+            <a:tailEnd type="none" w="med" len="med"/>
+          </a:ln>
+        </p:spPr>
+        <p:style>
+          <a:lnRef idx="0">
+            <a:scrgbClr r="0" g="0" b="0"/>
+          </a:lnRef>
+          <a:fillRef idx="0">
+            <a:scrgbClr r="0" g="0" b="0"/>
+          </a:fillRef>
+          <a:effectRef idx="0">
+            <a:scrgbClr r="0" g="0" b="0"/>
+          </a:effectRef>
+          <a:fontRef idx="minor">
+            <a:schemeClr val="tx1"/>
+          </a:fontRef>
+        </p:style>
+      </p:cxnSp>
+      <p:cxnSp>
+        <p:nvCxnSpPr>
+          <p:cNvPr id="23" name="Straight Connector 22"/>
+          <p:cNvCxnSpPr/>
+          <p:nvPr/>
+        </p:nvCxnSpPr>
+        <p:spPr>
+          <a:xfrm>
+            <a:off x="2949427" y="4418525"/>
+            <a:ext cx="447212" cy="0"/>
+          </a:xfrm>
+          <a:prstGeom prst="line">
+            <a:avLst/>
+          </a:prstGeom>
+          <a:ln w="9525" cap="flat" cmpd="sng" algn="ctr">
+            <a:solidFill>
+              <a:schemeClr val="dk1"/>
+            </a:solidFill>
+            <a:prstDash val="dash"/>
+            <a:round/>
+            <a:headEnd type="none" w="med" len="med"/>
+            <a:tailEnd type="none" w="med" len="med"/>
+          </a:ln>
+        </p:spPr>
+        <p:style>
+          <a:lnRef idx="0">
+            <a:scrgbClr r="0" g="0" b="0"/>
+          </a:lnRef>
+          <a:fillRef idx="0">
+            <a:scrgbClr r="0" g="0" b="0"/>
+          </a:fillRef>
+          <a:effectRef idx="0">
+            <a:scrgbClr r="0" g="0" b="0"/>
+          </a:effectRef>
+          <a:fontRef idx="minor">
+            <a:schemeClr val="tx1"/>
+          </a:fontRef>
+        </p:style>
+      </p:cxnSp>
+      <p:cxnSp>
+        <p:nvCxnSpPr>
+          <p:cNvPr id="24" name="Straight Connector 23"/>
+          <p:cNvCxnSpPr/>
+          <p:nvPr/>
+        </p:nvCxnSpPr>
+        <p:spPr>
+          <a:xfrm>
+            <a:off x="3055460" y="5162804"/>
+            <a:ext cx="992735" cy="0"/>
+          </a:xfrm>
+          <a:prstGeom prst="line">
+            <a:avLst/>
+          </a:prstGeom>
+          <a:ln w="9525" cap="flat" cmpd="sng" algn="ctr">
+            <a:solidFill>
+              <a:schemeClr val="dk1"/>
+            </a:solidFill>
+            <a:prstDash val="dash"/>
+            <a:round/>
+            <a:headEnd type="none" w="med" len="med"/>
+            <a:tailEnd type="none" w="med" len="med"/>
+          </a:ln>
+        </p:spPr>
+        <p:style>
+          <a:lnRef idx="0">
+            <a:scrgbClr r="0" g="0" b="0"/>
+          </a:lnRef>
+          <a:fillRef idx="0">
+            <a:scrgbClr r="0" g="0" b="0"/>
+          </a:fillRef>
+          <a:effectRef idx="0">
+            <a:scrgbClr r="0" g="0" b="0"/>
+          </a:effectRef>
+          <a:fontRef idx="minor">
+            <a:schemeClr val="tx1"/>
+          </a:fontRef>
+        </p:style>
+      </p:cxnSp>
+      <p:cxnSp>
+        <p:nvCxnSpPr>
+          <p:cNvPr id="25" name="Straight Connector 24"/>
+          <p:cNvCxnSpPr/>
+          <p:nvPr/>
+        </p:nvCxnSpPr>
+        <p:spPr>
+          <a:xfrm>
+            <a:off x="3055459" y="3344637"/>
+            <a:ext cx="755835" cy="0"/>
+          </a:xfrm>
+          <a:prstGeom prst="line">
+            <a:avLst/>
+          </a:prstGeom>
+          <a:ln w="9525" cap="flat" cmpd="sng" algn="ctr">
+            <a:solidFill>
+              <a:schemeClr val="dk1"/>
+            </a:solidFill>
+            <a:prstDash val="dash"/>
+            <a:round/>
+            <a:headEnd type="none" w="med" len="med"/>
+            <a:tailEnd type="none" w="med" len="med"/>
+          </a:ln>
+        </p:spPr>
+        <p:style>
+          <a:lnRef idx="0">
+            <a:scrgbClr r="0" g="0" b="0"/>
+          </a:lnRef>
+          <a:fillRef idx="0">
+            <a:scrgbClr r="0" g="0" b="0"/>
+          </a:fillRef>
+          <a:effectRef idx="0">
+            <a:scrgbClr r="0" g="0" b="0"/>
+          </a:effectRef>
+          <a:fontRef idx="minor">
+            <a:schemeClr val="tx1"/>
+          </a:fontRef>
+        </p:style>
+      </p:cxnSp>
+      <p:cxnSp>
+        <p:nvCxnSpPr>
+          <p:cNvPr id="26" name="Straight Connector 25"/>
+          <p:cNvCxnSpPr/>
+          <p:nvPr/>
+        </p:nvCxnSpPr>
+        <p:spPr>
+          <a:xfrm>
+            <a:off x="2125007" y="3552197"/>
+            <a:ext cx="185903" cy="114975"/>
+          </a:xfrm>
+          <a:prstGeom prst="line">
+            <a:avLst/>
+          </a:prstGeom>
+          <a:ln w="9525" cap="flat" cmpd="sng" algn="ctr">
+            <a:solidFill>
+              <a:schemeClr val="dk1"/>
+            </a:solidFill>
+            <a:prstDash val="dash"/>
+            <a:round/>
+            <a:headEnd type="none" w="med" len="med"/>
+            <a:tailEnd type="none" w="med" len="med"/>
+          </a:ln>
+        </p:spPr>
+        <p:style>
+          <a:lnRef idx="0">
+            <a:scrgbClr r="0" g="0" b="0"/>
+          </a:lnRef>
+          <a:fillRef idx="0">
+            <a:scrgbClr r="0" g="0" b="0"/>
+          </a:fillRef>
+          <a:effectRef idx="0">
+            <a:scrgbClr r="0" g="0" b="0"/>
+          </a:effectRef>
+          <a:fontRef idx="minor">
+            <a:schemeClr val="tx1"/>
+          </a:fontRef>
+        </p:style>
+      </p:cxnSp>
+      <p:cxnSp>
+        <p:nvCxnSpPr>
+          <p:cNvPr id="29" name="Straight Connector 28"/>
+          <p:cNvCxnSpPr/>
+          <p:nvPr/>
+        </p:nvCxnSpPr>
+        <p:spPr>
+          <a:xfrm>
+            <a:off x="1988425" y="3734869"/>
+            <a:ext cx="241123" cy="148484"/>
+          </a:xfrm>
+          <a:prstGeom prst="line">
+            <a:avLst/>
+          </a:prstGeom>
+          <a:ln w="9525" cap="flat" cmpd="sng" algn="ctr">
+            <a:solidFill>
+              <a:schemeClr val="dk1"/>
+            </a:solidFill>
+            <a:prstDash val="dash"/>
+            <a:round/>
+            <a:headEnd type="none" w="med" len="med"/>
+            <a:tailEnd type="none" w="med" len="med"/>
+          </a:ln>
+        </p:spPr>
+        <p:style>
+          <a:lnRef idx="0">
+            <a:scrgbClr r="0" g="0" b="0"/>
+          </a:lnRef>
+          <a:fillRef idx="0">
+            <a:scrgbClr r="0" g="0" b="0"/>
+          </a:fillRef>
+          <a:effectRef idx="0">
+            <a:scrgbClr r="0" g="0" b="0"/>
+          </a:effectRef>
+          <a:fontRef idx="minor">
+            <a:schemeClr val="tx1"/>
+          </a:fontRef>
+        </p:style>
+      </p:cxnSp>
+      <p:cxnSp>
+        <p:nvCxnSpPr>
+          <p:cNvPr id="30" name="Straight Connector 29"/>
+          <p:cNvCxnSpPr/>
+          <p:nvPr/>
+        </p:nvCxnSpPr>
+        <p:spPr>
+          <a:xfrm>
+            <a:off x="2986279" y="1709638"/>
+            <a:ext cx="193440" cy="84112"/>
+          </a:xfrm>
+          <a:prstGeom prst="line">
+            <a:avLst/>
+          </a:prstGeom>
+          <a:ln w="9525" cap="flat" cmpd="sng" algn="ctr">
+            <a:solidFill>
+              <a:schemeClr val="dk1"/>
+            </a:solidFill>
+            <a:prstDash val="dash"/>
+            <a:round/>
+            <a:headEnd type="none" w="med" len="med"/>
+            <a:tailEnd type="none" w="med" len="med"/>
+          </a:ln>
+        </p:spPr>
+        <p:style>
+          <a:lnRef idx="0">
+            <a:scrgbClr r="0" g="0" b="0"/>
+          </a:lnRef>
+          <a:fillRef idx="0">
+            <a:scrgbClr r="0" g="0" b="0"/>
+          </a:fillRef>
+          <a:effectRef idx="0">
+            <a:scrgbClr r="0" g="0" b="0"/>
+          </a:effectRef>
+          <a:fontRef idx="minor">
+            <a:schemeClr val="tx1"/>
+          </a:fontRef>
+        </p:style>
+      </p:cxnSp>
+      <p:cxnSp>
+        <p:nvCxnSpPr>
+          <p:cNvPr id="31" name="Straight Connector 30"/>
+          <p:cNvCxnSpPr/>
+          <p:nvPr/>
+        </p:nvCxnSpPr>
+        <p:spPr>
+          <a:xfrm>
+            <a:off x="2860788" y="1874309"/>
+            <a:ext cx="375064" cy="186693"/>
+          </a:xfrm>
+          <a:prstGeom prst="line">
+            <a:avLst/>
+          </a:prstGeom>
+          <a:ln w="9525" cap="flat" cmpd="sng" algn="ctr">
+            <a:solidFill>
+              <a:schemeClr val="dk1"/>
+            </a:solidFill>
+            <a:prstDash val="dash"/>
+            <a:round/>
+            <a:headEnd type="none" w="med" len="med"/>
+            <a:tailEnd type="none" w="med" len="med"/>
+          </a:ln>
+        </p:spPr>
+        <p:style>
+          <a:lnRef idx="0">
+            <a:scrgbClr r="0" g="0" b="0"/>
+          </a:lnRef>
+          <a:fillRef idx="0">
+            <a:scrgbClr r="0" g="0" b="0"/>
+          </a:fillRef>
+          <a:effectRef idx="0">
+            <a:scrgbClr r="0" g="0" b="0"/>
+          </a:effectRef>
+          <a:fontRef idx="minor">
+            <a:schemeClr val="tx1"/>
+          </a:fontRef>
+        </p:style>
+      </p:cxnSp>
+      <p:cxnSp>
+        <p:nvCxnSpPr>
+          <p:cNvPr id="32" name="Straight Connector 31"/>
+          <p:cNvCxnSpPr/>
+          <p:nvPr/>
+        </p:nvCxnSpPr>
+        <p:spPr>
+          <a:xfrm>
+            <a:off x="2761320" y="2066654"/>
+            <a:ext cx="311060" cy="151082"/>
+          </a:xfrm>
+          <a:prstGeom prst="line">
+            <a:avLst/>
+          </a:prstGeom>
+          <a:ln w="9525" cap="flat" cmpd="sng" algn="ctr">
+            <a:solidFill>
+              <a:schemeClr val="dk1"/>
+            </a:solidFill>
+            <a:prstDash val="dash"/>
+            <a:round/>
+            <a:headEnd type="none" w="med" len="med"/>
+            <a:tailEnd type="none" w="med" len="med"/>
+          </a:ln>
+        </p:spPr>
+        <p:style>
+          <a:lnRef idx="0">
+            <a:scrgbClr r="0" g="0" b="0"/>
+          </a:lnRef>
+          <a:fillRef idx="0">
+            <a:scrgbClr r="0" g="0" b="0"/>
+          </a:fillRef>
+          <a:effectRef idx="0">
+            <a:scrgbClr r="0" g="0" b="0"/>
+          </a:effectRef>
+          <a:fontRef idx="minor">
+            <a:schemeClr val="tx1"/>
+          </a:fontRef>
+        </p:style>
+      </p:cxnSp>
+      <p:cxnSp>
+        <p:nvCxnSpPr>
+          <p:cNvPr id="33" name="Straight Connector 32"/>
+          <p:cNvCxnSpPr/>
+          <p:nvPr/>
+        </p:nvCxnSpPr>
+        <p:spPr>
+          <a:xfrm>
+            <a:off x="2684905" y="2221652"/>
+            <a:ext cx="175883" cy="93083"/>
+          </a:xfrm>
+          <a:prstGeom prst="line">
+            <a:avLst/>
+          </a:prstGeom>
+          <a:ln w="9525" cap="flat" cmpd="sng" algn="ctr">
+            <a:solidFill>
+              <a:schemeClr val="dk1"/>
+            </a:solidFill>
+            <a:prstDash val="dash"/>
+            <a:round/>
+            <a:headEnd type="none" w="med" len="med"/>
+            <a:tailEnd type="none" w="med" len="med"/>
+          </a:ln>
+        </p:spPr>
+        <p:style>
+          <a:lnRef idx="0">
+            <a:scrgbClr r="0" g="0" b="0"/>
+          </a:lnRef>
+          <a:fillRef idx="0">
+            <a:scrgbClr r="0" g="0" b="0"/>
+          </a:fillRef>
+          <a:effectRef idx="0">
+            <a:scrgbClr r="0" g="0" b="0"/>
+          </a:effectRef>
+          <a:fontRef idx="minor">
+            <a:schemeClr val="tx1"/>
+          </a:fontRef>
+        </p:style>
+      </p:cxnSp>
+      <p:cxnSp>
+        <p:nvCxnSpPr>
+          <p:cNvPr id="35" name="Straight Connector 34"/>
+          <p:cNvCxnSpPr/>
+          <p:nvPr/>
+        </p:nvCxnSpPr>
+        <p:spPr>
+          <a:xfrm flipH="1">
+            <a:off x="4949610" y="2550060"/>
+            <a:ext cx="53790" cy="226709"/>
+          </a:xfrm>
+          <a:prstGeom prst="line">
+            <a:avLst/>
+          </a:prstGeom>
+          <a:ln w="9525" cap="flat" cmpd="sng" algn="ctr">
+            <a:solidFill>
+              <a:schemeClr val="dk1"/>
+            </a:solidFill>
+            <a:prstDash val="dash"/>
+            <a:round/>
+            <a:headEnd type="none" w="med" len="med"/>
+            <a:tailEnd type="none" w="med" len="med"/>
+          </a:ln>
+        </p:spPr>
+        <p:style>
+          <a:lnRef idx="0">
+            <a:scrgbClr r="0" g="0" b="0"/>
+          </a:lnRef>
+          <a:fillRef idx="0">
+            <a:scrgbClr r="0" g="0" b="0"/>
+          </a:fillRef>
+          <a:effectRef idx="0">
+            <a:scrgbClr r="0" g="0" b="0"/>
+          </a:effectRef>
+          <a:fontRef idx="minor">
+            <a:schemeClr val="tx1"/>
+          </a:fontRef>
+        </p:style>
+      </p:cxnSp>
+      <p:cxnSp>
+        <p:nvCxnSpPr>
+          <p:cNvPr id="38" name="Straight Connector 37"/>
+          <p:cNvCxnSpPr/>
+          <p:nvPr/>
+        </p:nvCxnSpPr>
+        <p:spPr>
+          <a:xfrm flipH="1">
+            <a:off x="6658280" y="2817217"/>
+            <a:ext cx="53790" cy="226709"/>
+          </a:xfrm>
+          <a:prstGeom prst="line">
+            <a:avLst/>
+          </a:prstGeom>
+          <a:ln w="9525" cap="flat" cmpd="sng" algn="ctr">
+            <a:solidFill>
+              <a:schemeClr val="dk1"/>
+            </a:solidFill>
+            <a:prstDash val="dash"/>
+            <a:round/>
+            <a:headEnd type="none" w="med" len="med"/>
+            <a:tailEnd type="none" w="med" len="med"/>
+          </a:ln>
+        </p:spPr>
+        <p:style>
+          <a:lnRef idx="0">
+            <a:scrgbClr r="0" g="0" b="0"/>
+          </a:lnRef>
+          <a:fillRef idx="0">
+            <a:scrgbClr r="0" g="0" b="0"/>
+          </a:fillRef>
+          <a:effectRef idx="0">
+            <a:scrgbClr r="0" g="0" b="0"/>
+          </a:effectRef>
+          <a:fontRef idx="minor">
+            <a:schemeClr val="tx1"/>
+          </a:fontRef>
+        </p:style>
+      </p:cxnSp>
+      <p:cxnSp>
+        <p:nvCxnSpPr>
+          <p:cNvPr id="39" name="Straight Connector 38"/>
+          <p:cNvCxnSpPr/>
+          <p:nvPr/>
+        </p:nvCxnSpPr>
+        <p:spPr>
+          <a:xfrm flipH="1">
+            <a:off x="5091335" y="2636995"/>
+            <a:ext cx="78415" cy="348578"/>
+          </a:xfrm>
+          <a:prstGeom prst="line">
+            <a:avLst/>
+          </a:prstGeom>
+          <a:ln w="9525" cap="flat" cmpd="sng" algn="ctr">
+            <a:solidFill>
+              <a:schemeClr val="dk1"/>
+            </a:solidFill>
+            <a:prstDash val="dash"/>
+            <a:round/>
+            <a:headEnd type="none" w="med" len="med"/>
+            <a:tailEnd type="none" w="med" len="med"/>
+          </a:ln>
+        </p:spPr>
+        <p:style>
+          <a:lnRef idx="0">
+            <a:scrgbClr r="0" g="0" b="0"/>
+          </a:lnRef>
+          <a:fillRef idx="0">
+            <a:scrgbClr r="0" g="0" b="0"/>
+          </a:fillRef>
+          <a:effectRef idx="0">
+            <a:scrgbClr r="0" g="0" b="0"/>
+          </a:effectRef>
+          <a:fontRef idx="minor">
+            <a:schemeClr val="tx1"/>
+          </a:fontRef>
+        </p:style>
+      </p:cxnSp>
+      <p:cxnSp>
+        <p:nvCxnSpPr>
+          <p:cNvPr id="40" name="Straight Connector 39"/>
+          <p:cNvCxnSpPr/>
+          <p:nvPr/>
+        </p:nvCxnSpPr>
+        <p:spPr>
+          <a:xfrm flipH="1">
+            <a:off x="5290882" y="2590508"/>
+            <a:ext cx="137693" cy="648199"/>
+          </a:xfrm>
+          <a:prstGeom prst="line">
+            <a:avLst/>
+          </a:prstGeom>
+          <a:ln w="9525" cap="flat" cmpd="sng" algn="ctr">
+            <a:solidFill>
+              <a:schemeClr val="dk1"/>
+            </a:solidFill>
+            <a:prstDash val="dash"/>
+            <a:round/>
+            <a:headEnd type="none" w="med" len="med"/>
+            <a:tailEnd type="none" w="med" len="med"/>
+          </a:ln>
+        </p:spPr>
+        <p:style>
+          <a:lnRef idx="0">
+            <a:scrgbClr r="0" g="0" b="0"/>
+          </a:lnRef>
+          <a:fillRef idx="0">
+            <a:scrgbClr r="0" g="0" b="0"/>
+          </a:fillRef>
+          <a:effectRef idx="0">
+            <a:scrgbClr r="0" g="0" b="0"/>
+          </a:effectRef>
+          <a:fontRef idx="minor">
+            <a:schemeClr val="tx1"/>
+          </a:fontRef>
+        </p:style>
+      </p:cxnSp>
+      <p:cxnSp>
+        <p:nvCxnSpPr>
+          <p:cNvPr id="41" name="Straight Connector 40"/>
+          <p:cNvCxnSpPr/>
+          <p:nvPr/>
+        </p:nvCxnSpPr>
+        <p:spPr>
+          <a:xfrm flipH="1">
+            <a:off x="6946306" y="2892721"/>
+            <a:ext cx="105768" cy="419321"/>
+          </a:xfrm>
+          <a:prstGeom prst="line">
+            <a:avLst/>
+          </a:prstGeom>
+          <a:ln w="9525" cap="flat" cmpd="sng" algn="ctr">
+            <a:solidFill>
+              <a:schemeClr val="dk1"/>
+            </a:solidFill>
+            <a:prstDash val="dash"/>
+            <a:round/>
+            <a:headEnd type="none" w="med" len="med"/>
+            <a:tailEnd type="none" w="med" len="med"/>
+          </a:ln>
+        </p:spPr>
+        <p:style>
+          <a:lnRef idx="0">
+            <a:scrgbClr r="0" g="0" b="0"/>
+          </a:lnRef>
+          <a:fillRef idx="0">
+            <a:scrgbClr r="0" g="0" b="0"/>
+          </a:fillRef>
+          <a:effectRef idx="0">
+            <a:scrgbClr r="0" g="0" b="0"/>
+          </a:effectRef>
+          <a:fontRef idx="minor">
+            <a:schemeClr val="tx1"/>
+          </a:fontRef>
+        </p:style>
+      </p:cxnSp>
+      <p:cxnSp>
+        <p:nvCxnSpPr>
+          <p:cNvPr id="42" name="Straight Connector 41"/>
+          <p:cNvCxnSpPr/>
+          <p:nvPr/>
+        </p:nvCxnSpPr>
+        <p:spPr>
+          <a:xfrm flipH="1">
+            <a:off x="5342692" y="3288677"/>
+            <a:ext cx="408699" cy="378495"/>
+          </a:xfrm>
+          <a:prstGeom prst="line">
+            <a:avLst/>
+          </a:prstGeom>
+          <a:ln w="9525" cap="flat" cmpd="sng" algn="ctr">
+            <a:solidFill>
+              <a:schemeClr val="dk1"/>
+            </a:solidFill>
+            <a:prstDash val="dash"/>
+            <a:round/>
+            <a:headEnd type="none" w="med" len="med"/>
+            <a:tailEnd type="none" w="med" len="med"/>
+          </a:ln>
+        </p:spPr>
+        <p:style>
+          <a:lnRef idx="0">
+            <a:scrgbClr r="0" g="0" b="0"/>
+          </a:lnRef>
+          <a:fillRef idx="0">
+            <a:scrgbClr r="0" g="0" b="0"/>
+          </a:fillRef>
+          <a:effectRef idx="0">
+            <a:scrgbClr r="0" g="0" b="0"/>
+          </a:effectRef>
+          <a:fontRef idx="minor">
+            <a:schemeClr val="tx1"/>
+          </a:fontRef>
+        </p:style>
+      </p:cxnSp>
+      <p:cxnSp>
+        <p:nvCxnSpPr>
+          <p:cNvPr id="45" name="Straight Connector 44"/>
+          <p:cNvCxnSpPr/>
+          <p:nvPr/>
+        </p:nvCxnSpPr>
+        <p:spPr>
+          <a:xfrm flipH="1">
+            <a:off x="5673913" y="3427775"/>
+            <a:ext cx="315762" cy="316988"/>
+          </a:xfrm>
+          <a:prstGeom prst="line">
+            <a:avLst/>
+          </a:prstGeom>
+          <a:ln w="9525" cap="flat" cmpd="sng" algn="ctr">
+            <a:solidFill>
+              <a:schemeClr val="dk1"/>
+            </a:solidFill>
+            <a:prstDash val="dash"/>
+            <a:round/>
+            <a:headEnd type="none" w="med" len="med"/>
+            <a:tailEnd type="none" w="med" len="med"/>
+          </a:ln>
+        </p:spPr>
+        <p:style>
+          <a:lnRef idx="0">
+            <a:scrgbClr r="0" g="0" b="0"/>
+          </a:lnRef>
+          <a:fillRef idx="0">
+            <a:scrgbClr r="0" g="0" b="0"/>
+          </a:fillRef>
+          <a:effectRef idx="0">
+            <a:scrgbClr r="0" g="0" b="0"/>
+          </a:effectRef>
+          <a:fontRef idx="minor">
+            <a:schemeClr val="tx1"/>
+          </a:fontRef>
+        </p:style>
+      </p:cxnSp>
+      <p:cxnSp>
+        <p:nvCxnSpPr>
+          <p:cNvPr id="46" name="Straight Connector 45"/>
+          <p:cNvCxnSpPr/>
+          <p:nvPr/>
+        </p:nvCxnSpPr>
+        <p:spPr>
+          <a:xfrm flipH="1">
+            <a:off x="5482867" y="3688200"/>
+            <a:ext cx="543876" cy="504399"/>
+          </a:xfrm>
+          <a:prstGeom prst="line">
+            <a:avLst/>
+          </a:prstGeom>
+          <a:ln w="9525" cap="flat" cmpd="sng" algn="ctr">
+            <a:solidFill>
+              <a:schemeClr val="dk1"/>
+            </a:solidFill>
+            <a:prstDash val="dash"/>
+            <a:round/>
+            <a:headEnd type="none" w="med" len="med"/>
+            <a:tailEnd type="none" w="med" len="med"/>
+          </a:ln>
+        </p:spPr>
+        <p:style>
+          <a:lnRef idx="0">
+            <a:scrgbClr r="0" g="0" b="0"/>
+          </a:lnRef>
+          <a:fillRef idx="0">
+            <a:scrgbClr r="0" g="0" b="0"/>
+          </a:fillRef>
+          <a:effectRef idx="0">
+            <a:scrgbClr r="0" g="0" b="0"/>
+          </a:effectRef>
+          <a:fontRef idx="minor">
+            <a:schemeClr val="tx1"/>
+          </a:fontRef>
+        </p:style>
+      </p:cxnSp>
+      <p:cxnSp>
+        <p:nvCxnSpPr>
+          <p:cNvPr id="47" name="Straight Connector 46"/>
+          <p:cNvCxnSpPr/>
+          <p:nvPr/>
+        </p:nvCxnSpPr>
+        <p:spPr>
+          <a:xfrm flipH="1">
+            <a:off x="5986367" y="3774846"/>
+            <a:ext cx="267732" cy="226095"/>
+          </a:xfrm>
+          <a:prstGeom prst="line">
+            <a:avLst/>
+          </a:prstGeom>
+          <a:ln w="9525" cap="flat" cmpd="sng" algn="ctr">
+            <a:solidFill>
+              <a:schemeClr val="dk1"/>
+            </a:solidFill>
+            <a:prstDash val="dash"/>
+            <a:round/>
+            <a:headEnd type="none" w="med" len="med"/>
+            <a:tailEnd type="none" w="med" len="med"/>
+          </a:ln>
+        </p:spPr>
+        <p:style>
+          <a:lnRef idx="0">
+            <a:scrgbClr r="0" g="0" b="0"/>
+          </a:lnRef>
+          <a:fillRef idx="0">
+            <a:scrgbClr r="0" g="0" b="0"/>
+          </a:fillRef>
+          <a:effectRef idx="0">
+            <a:scrgbClr r="0" g="0" b="0"/>
+          </a:effectRef>
+          <a:fontRef idx="minor">
+            <a:schemeClr val="tx1"/>
+          </a:fontRef>
+        </p:style>
+      </p:cxnSp>
+      <p:cxnSp>
+        <p:nvCxnSpPr>
+          <p:cNvPr id="48" name="Straight Connector 47"/>
+          <p:cNvCxnSpPr/>
+          <p:nvPr/>
+        </p:nvCxnSpPr>
+        <p:spPr>
+          <a:xfrm flipH="1">
+            <a:off x="5770444" y="3884975"/>
+            <a:ext cx="676432" cy="583507"/>
+          </a:xfrm>
+          <a:prstGeom prst="line">
+            <a:avLst/>
+          </a:prstGeom>
+          <a:ln w="9525" cap="flat" cmpd="sng" algn="ctr">
+            <a:solidFill>
+              <a:schemeClr val="dk1"/>
+            </a:solidFill>
+            <a:prstDash val="dash"/>
+            <a:round/>
+            <a:headEnd type="none" w="med" len="med"/>
+            <a:tailEnd type="none" w="med" len="med"/>
+          </a:ln>
+        </p:spPr>
+        <p:style>
+          <a:lnRef idx="0">
+            <a:scrgbClr r="0" g="0" b="0"/>
+          </a:lnRef>
+          <a:fillRef idx="0">
+            <a:scrgbClr r="0" g="0" b="0"/>
+          </a:fillRef>
+          <a:effectRef idx="0">
+            <a:scrgbClr r="0" g="0" b="0"/>
+          </a:effectRef>
+          <a:fontRef idx="minor">
+            <a:schemeClr val="tx1"/>
+          </a:fontRef>
+        </p:style>
+      </p:cxnSp>
+      <p:cxnSp>
+        <p:nvCxnSpPr>
+          <p:cNvPr id="49" name="Straight Connector 48"/>
+          <p:cNvCxnSpPr/>
+          <p:nvPr/>
+        </p:nvCxnSpPr>
+        <p:spPr>
+          <a:xfrm flipH="1">
+            <a:off x="6342740" y="4153108"/>
+            <a:ext cx="303210" cy="248005"/>
+          </a:xfrm>
+          <a:prstGeom prst="line">
+            <a:avLst/>
+          </a:prstGeom>
+          <a:ln w="9525" cap="flat" cmpd="sng" algn="ctr">
+            <a:solidFill>
+              <a:schemeClr val="dk1"/>
+            </a:solidFill>
+            <a:prstDash val="dash"/>
+            <a:round/>
+            <a:headEnd type="none" w="med" len="med"/>
+            <a:tailEnd type="none" w="med" len="med"/>
+          </a:ln>
+        </p:spPr>
+        <p:style>
+          <a:lnRef idx="0">
+            <a:scrgbClr r="0" g="0" b="0"/>
+          </a:lnRef>
+          <a:fillRef idx="0">
+            <a:scrgbClr r="0" g="0" b="0"/>
+          </a:fillRef>
+          <a:effectRef idx="0">
+            <a:scrgbClr r="0" g="0" b="0"/>
+          </a:effectRef>
+          <a:fontRef idx="minor">
+            <a:schemeClr val="tx1"/>
+          </a:fontRef>
+        </p:style>
+      </p:cxnSp>
+      <p:cxnSp>
+        <p:nvCxnSpPr>
+          <p:cNvPr id="50" name="Straight Connector 49"/>
+          <p:cNvCxnSpPr/>
+          <p:nvPr/>
+        </p:nvCxnSpPr>
+        <p:spPr>
+          <a:xfrm flipH="1">
+            <a:off x="6421971" y="4471739"/>
+            <a:ext cx="325963" cy="270085"/>
+          </a:xfrm>
+          <a:prstGeom prst="line">
+            <a:avLst/>
+          </a:prstGeom>
+          <a:ln w="9525" cap="flat" cmpd="sng" algn="ctr">
+            <a:solidFill>
+              <a:schemeClr val="dk1"/>
+            </a:solidFill>
+            <a:prstDash val="dash"/>
+            <a:round/>
+            <a:headEnd type="none" w="med" len="med"/>
+            <a:tailEnd type="none" w="med" len="med"/>
+          </a:ln>
+        </p:spPr>
+        <p:style>
+          <a:lnRef idx="0">
+            <a:scrgbClr r="0" g="0" b="0"/>
+          </a:lnRef>
+          <a:fillRef idx="0">
+            <a:scrgbClr r="0" g="0" b="0"/>
+          </a:fillRef>
+          <a:effectRef idx="0">
+            <a:scrgbClr r="0" g="0" b="0"/>
+          </a:effectRef>
+          <a:fontRef idx="minor">
+            <a:schemeClr val="tx1"/>
+          </a:fontRef>
+        </p:style>
+      </p:cxnSp>
+      <p:cxnSp>
+        <p:nvCxnSpPr>
+          <p:cNvPr id="51" name="Straight Connector 50"/>
+          <p:cNvCxnSpPr/>
+          <p:nvPr/>
+        </p:nvCxnSpPr>
+        <p:spPr>
+          <a:xfrm flipH="1">
+            <a:off x="6446874" y="4608694"/>
+            <a:ext cx="684390" cy="581828"/>
+          </a:xfrm>
+          <a:prstGeom prst="line">
+            <a:avLst/>
+          </a:prstGeom>
+          <a:ln w="9525" cap="flat" cmpd="sng" algn="ctr">
+            <a:solidFill>
+              <a:schemeClr val="dk1"/>
+            </a:solidFill>
+            <a:prstDash val="dash"/>
+            <a:round/>
+            <a:headEnd type="none" w="med" len="med"/>
+            <a:tailEnd type="none" w="med" len="med"/>
+          </a:ln>
+        </p:spPr>
+        <p:style>
+          <a:lnRef idx="0">
+            <a:scrgbClr r="0" g="0" b="0"/>
+          </a:lnRef>
+          <a:fillRef idx="0">
+            <a:scrgbClr r="0" g="0" b="0"/>
+          </a:fillRef>
+          <a:effectRef idx="0">
+            <a:scrgbClr r="0" g="0" b="0"/>
+          </a:effectRef>
+          <a:fontRef idx="minor">
+            <a:schemeClr val="tx1"/>
+          </a:fontRef>
+        </p:style>
+      </p:cxnSp>
+      <p:cxnSp>
+        <p:nvCxnSpPr>
+          <p:cNvPr id="66" name="Straight Connector 65"/>
+          <p:cNvCxnSpPr/>
+          <p:nvPr/>
+        </p:nvCxnSpPr>
+        <p:spPr>
+          <a:xfrm flipH="1">
+            <a:off x="5631272" y="2685118"/>
+            <a:ext cx="53790" cy="226709"/>
+          </a:xfrm>
+          <a:prstGeom prst="line">
+            <a:avLst/>
+          </a:prstGeom>
+          <a:ln w="9525" cap="flat" cmpd="sng" algn="ctr">
+            <a:solidFill>
+              <a:schemeClr val="dk1"/>
+            </a:solidFill>
+            <a:prstDash val="dash"/>
+            <a:round/>
+            <a:headEnd type="none" w="med" len="med"/>
+            <a:tailEnd type="none" w="med" len="med"/>
+          </a:ln>
+        </p:spPr>
+        <p:style>
+          <a:lnRef idx="0">
+            <a:scrgbClr r="0" g="0" b="0"/>
+          </a:lnRef>
+          <a:fillRef idx="0">
+            <a:scrgbClr r="0" g="0" b="0"/>
+          </a:fillRef>
+          <a:effectRef idx="0">
+            <a:scrgbClr r="0" g="0" b="0"/>
+          </a:effectRef>
+          <a:fontRef idx="minor">
+            <a:schemeClr val="tx1"/>
+          </a:fontRef>
+        </p:style>
+      </p:cxnSp>
+      <p:cxnSp>
+        <p:nvCxnSpPr>
+          <p:cNvPr id="73" name="Straight Connector 72"/>
+          <p:cNvCxnSpPr/>
+          <p:nvPr/>
+        </p:nvCxnSpPr>
+        <p:spPr>
+          <a:xfrm>
+            <a:off x="2191672" y="3248916"/>
+            <a:ext cx="137606" cy="87100"/>
+          </a:xfrm>
+          <a:prstGeom prst="line">
+            <a:avLst/>
+          </a:prstGeom>
+          <a:ln w="9525" cap="flat" cmpd="sng" algn="ctr">
+            <a:solidFill>
+              <a:schemeClr val="dk1"/>
+            </a:solidFill>
+            <a:prstDash val="dash"/>
+            <a:round/>
+            <a:headEnd type="none" w="med" len="med"/>
+            <a:tailEnd type="none" w="med" len="med"/>
+          </a:ln>
+        </p:spPr>
+        <p:style>
+          <a:lnRef idx="0">
+            <a:scrgbClr r="0" g="0" b="0"/>
+          </a:lnRef>
+          <a:fillRef idx="0">
+            <a:scrgbClr r="0" g="0" b="0"/>
+          </a:fillRef>
+          <a:effectRef idx="0">
+            <a:scrgbClr r="0" g="0" b="0"/>
+          </a:effectRef>
+          <a:fontRef idx="minor">
+            <a:schemeClr val="tx1"/>
+          </a:fontRef>
+        </p:style>
+      </p:cxnSp>
+      <p:cxnSp>
+        <p:nvCxnSpPr>
+          <p:cNvPr id="77" name="Straight Connector 76"/>
+          <p:cNvCxnSpPr/>
+          <p:nvPr/>
+        </p:nvCxnSpPr>
+        <p:spPr>
+          <a:xfrm>
+            <a:off x="3240846" y="4883770"/>
+            <a:ext cx="447212" cy="0"/>
+          </a:xfrm>
+          <a:prstGeom prst="line">
+            <a:avLst/>
+          </a:prstGeom>
+          <a:ln w="9525" cap="flat" cmpd="sng" algn="ctr">
+            <a:solidFill>
+              <a:schemeClr val="dk1"/>
+            </a:solidFill>
+            <a:prstDash val="dash"/>
+            <a:round/>
+            <a:headEnd type="none" w="med" len="med"/>
+            <a:tailEnd type="none" w="med" len="med"/>
+          </a:ln>
+        </p:spPr>
+        <p:style>
+          <a:lnRef idx="0">
+            <a:scrgbClr r="0" g="0" b="0"/>
+          </a:lnRef>
+          <a:fillRef idx="0">
+            <a:scrgbClr r="0" g="0" b="0"/>
+          </a:fillRef>
+          <a:effectRef idx="0">
+            <a:scrgbClr r="0" g="0" b="0"/>
+          </a:effectRef>
+          <a:fontRef idx="minor">
+            <a:schemeClr val="tx1"/>
+          </a:fontRef>
+        </p:style>
+      </p:cxnSp>
+      <p:cxnSp>
+        <p:nvCxnSpPr>
+          <p:cNvPr id="78" name="Straight Connector 77"/>
+          <p:cNvCxnSpPr/>
+          <p:nvPr/>
+        </p:nvCxnSpPr>
+        <p:spPr>
+          <a:xfrm>
+            <a:off x="3018723" y="3597976"/>
+            <a:ext cx="447212" cy="0"/>
+          </a:xfrm>
+          <a:prstGeom prst="line">
+            <a:avLst/>
+          </a:prstGeom>
+          <a:ln w="9525" cap="flat" cmpd="sng" algn="ctr">
+            <a:solidFill>
+              <a:schemeClr val="dk1"/>
+            </a:solidFill>
+            <a:prstDash val="dash"/>
+            <a:round/>
+            <a:headEnd type="none" w="med" len="med"/>
+            <a:tailEnd type="none" w="med" len="med"/>
+          </a:ln>
+        </p:spPr>
+        <p:style>
+          <a:lnRef idx="0">
+            <a:scrgbClr r="0" g="0" b="0"/>
+          </a:lnRef>
+          <a:fillRef idx="0">
+            <a:scrgbClr r="0" g="0" b="0"/>
+          </a:fillRef>
+          <a:effectRef idx="0">
+            <a:scrgbClr r="0" g="0" b="0"/>
+          </a:effectRef>
+          <a:fontRef idx="minor">
+            <a:schemeClr val="tx1"/>
+          </a:fontRef>
+        </p:style>
+      </p:cxnSp>
     </p:spTree>
     <p:extLst>
       <p:ext uri="{BB962C8B-B14F-4D97-AF65-F5344CB8AC3E}">
@@ -6417,6 +8646,186 @@
       </p:grpSpPr>
       <p:sp>
         <p:nvSpPr>
+          <p:cNvPr id="17" name="Rectangle 16"/>
+          <p:cNvSpPr/>
+          <p:nvPr/>
+        </p:nvSpPr>
+        <p:spPr>
+          <a:xfrm>
+            <a:off x="3042683" y="4250699"/>
+            <a:ext cx="5886893" cy="583295"/>
+          </a:xfrm>
+          <a:prstGeom prst="rect">
+            <a:avLst/>
+          </a:prstGeom>
+          <a:gradFill>
+            <a:gsLst>
+              <a:gs pos="0">
+                <a:schemeClr val="accent3">
+                  <a:lumMod val="60000"/>
+                  <a:lumOff val="40000"/>
+                </a:schemeClr>
+              </a:gs>
+              <a:gs pos="69000">
+                <a:schemeClr val="accent3">
+                  <a:lumMod val="40000"/>
+                  <a:lumOff val="60000"/>
+                </a:schemeClr>
+              </a:gs>
+              <a:gs pos="99000">
+                <a:schemeClr val="accent3">
+                  <a:lumMod val="20000"/>
+                  <a:lumOff val="80000"/>
+                </a:schemeClr>
+              </a:gs>
+            </a:gsLst>
+          </a:gradFill>
+        </p:spPr>
+        <p:style>
+          <a:lnRef idx="1">
+            <a:schemeClr val="accent1"/>
+          </a:lnRef>
+          <a:fillRef idx="3">
+            <a:schemeClr val="accent1"/>
+          </a:fillRef>
+          <a:effectRef idx="2">
+            <a:schemeClr val="accent1"/>
+          </a:effectRef>
+          <a:fontRef idx="minor">
+            <a:schemeClr val="lt1"/>
+          </a:fontRef>
+        </p:style>
+        <p:txBody>
+          <a:bodyPr rtlCol="0" anchor="ctr"/>
+          <a:lstStyle/>
+          <a:p>
+            <a:pPr algn="ctr"/>
+            <a:endParaRPr lang="en-US" dirty="0"/>
+          </a:p>
+        </p:txBody>
+      </p:sp>
+      <p:sp>
+        <p:nvSpPr>
+          <p:cNvPr id="16" name="Rectangle 15"/>
+          <p:cNvSpPr/>
+          <p:nvPr/>
+        </p:nvSpPr>
+        <p:spPr>
+          <a:xfrm>
+            <a:off x="6939516" y="3532245"/>
+            <a:ext cx="1990060" cy="583295"/>
+          </a:xfrm>
+          <a:prstGeom prst="rect">
+            <a:avLst/>
+          </a:prstGeom>
+          <a:gradFill>
+            <a:gsLst>
+              <a:gs pos="0">
+                <a:schemeClr val="accent6">
+                  <a:lumMod val="60000"/>
+                  <a:lumOff val="40000"/>
+                </a:schemeClr>
+              </a:gs>
+              <a:gs pos="69000">
+                <a:schemeClr val="accent6">
+                  <a:lumMod val="40000"/>
+                  <a:lumOff val="60000"/>
+                </a:schemeClr>
+              </a:gs>
+              <a:gs pos="100000">
+                <a:schemeClr val="accent6">
+                  <a:lumMod val="20000"/>
+                  <a:lumOff val="80000"/>
+                </a:schemeClr>
+              </a:gs>
+            </a:gsLst>
+          </a:gradFill>
+        </p:spPr>
+        <p:style>
+          <a:lnRef idx="1">
+            <a:schemeClr val="accent1"/>
+          </a:lnRef>
+          <a:fillRef idx="3">
+            <a:schemeClr val="accent1"/>
+          </a:fillRef>
+          <a:effectRef idx="2">
+            <a:schemeClr val="accent1"/>
+          </a:effectRef>
+          <a:fontRef idx="minor">
+            <a:schemeClr val="lt1"/>
+          </a:fontRef>
+        </p:style>
+        <p:txBody>
+          <a:bodyPr rtlCol="0" anchor="ctr"/>
+          <a:lstStyle/>
+          <a:p>
+            <a:pPr algn="ctr"/>
+            <a:endParaRPr lang="en-US" dirty="0"/>
+          </a:p>
+        </p:txBody>
+      </p:sp>
+      <p:sp>
+        <p:nvSpPr>
+          <p:cNvPr id="15" name="Rectangle 14"/>
+          <p:cNvSpPr/>
+          <p:nvPr/>
+        </p:nvSpPr>
+        <p:spPr>
+          <a:xfrm>
+            <a:off x="3042683" y="2831333"/>
+            <a:ext cx="5886893" cy="583295"/>
+          </a:xfrm>
+          <a:prstGeom prst="rect">
+            <a:avLst/>
+          </a:prstGeom>
+          <a:gradFill>
+            <a:gsLst>
+              <a:gs pos="0">
+                <a:schemeClr val="accent5">
+                  <a:lumMod val="60000"/>
+                  <a:lumOff val="40000"/>
+                </a:schemeClr>
+              </a:gs>
+              <a:gs pos="69000">
+                <a:schemeClr val="accent5">
+                  <a:lumMod val="40000"/>
+                  <a:lumOff val="60000"/>
+                </a:schemeClr>
+              </a:gs>
+              <a:gs pos="100000">
+                <a:schemeClr val="accent5">
+                  <a:lumMod val="20000"/>
+                  <a:lumOff val="80000"/>
+                </a:schemeClr>
+              </a:gs>
+            </a:gsLst>
+          </a:gradFill>
+        </p:spPr>
+        <p:style>
+          <a:lnRef idx="1">
+            <a:schemeClr val="accent1"/>
+          </a:lnRef>
+          <a:fillRef idx="3">
+            <a:schemeClr val="accent1"/>
+          </a:fillRef>
+          <a:effectRef idx="2">
+            <a:schemeClr val="accent1"/>
+          </a:effectRef>
+          <a:fontRef idx="minor">
+            <a:schemeClr val="lt1"/>
+          </a:fontRef>
+        </p:style>
+        <p:txBody>
+          <a:bodyPr rtlCol="0" anchor="ctr"/>
+          <a:lstStyle/>
+          <a:p>
+            <a:pPr algn="ctr"/>
+            <a:endParaRPr lang="en-US" dirty="0"/>
+          </a:p>
+        </p:txBody>
+      </p:sp>
+      <p:sp>
+        <p:nvSpPr>
           <p:cNvPr id="2" name="Title 1"/>
           <p:cNvSpPr>
             <a:spLocks noGrp="1"/>
@@ -6440,23 +8849,723 @@
       </p:sp>
       <p:sp>
         <p:nvSpPr>
-          <p:cNvPr id="3" name="Content Placeholder 2"/>
-          <p:cNvSpPr>
-            <a:spLocks noGrp="1"/>
-          </p:cNvSpPr>
-          <p:nvPr>
-            <p:ph idx="1"/>
-          </p:nvPr>
-        </p:nvSpPr>
-        <p:spPr/>
-        <p:txBody>
-          <a:bodyPr/>
+          <p:cNvPr id="4" name="Rectangle 3"/>
+          <p:cNvSpPr/>
+          <p:nvPr/>
+        </p:nvSpPr>
+        <p:spPr>
+          <a:xfrm>
+            <a:off x="3242930" y="1956391"/>
+            <a:ext cx="5486400" cy="583295"/>
+          </a:xfrm>
+          <a:prstGeom prst="rect">
+            <a:avLst/>
+          </a:prstGeom>
+        </p:spPr>
+        <p:style>
+          <a:lnRef idx="1">
+            <a:schemeClr val="accent1"/>
+          </a:lnRef>
+          <a:fillRef idx="3">
+            <a:schemeClr val="accent1"/>
+          </a:fillRef>
+          <a:effectRef idx="2">
+            <a:schemeClr val="accent1"/>
+          </a:effectRef>
+          <a:fontRef idx="minor">
+            <a:schemeClr val="lt1"/>
+          </a:fontRef>
+        </p:style>
+        <p:txBody>
+          <a:bodyPr rtlCol="0" anchor="ctr"/>
           <a:lstStyle/>
           <a:p>
-            <a:endParaRPr lang="en-US"/>
-          </a:p>
-        </p:txBody>
-      </p:sp>
+            <a:pPr algn="ctr"/>
+            <a:r>
+              <a:rPr lang="en-GB" dirty="0" smtClean="0"/>
+              <a:t>Controller</a:t>
+            </a:r>
+            <a:endParaRPr lang="en-US" dirty="0"/>
+          </a:p>
+        </p:txBody>
+      </p:sp>
+      <p:sp>
+        <p:nvSpPr>
+          <p:cNvPr id="5" name="Rectangle 4"/>
+          <p:cNvSpPr/>
+          <p:nvPr/>
+        </p:nvSpPr>
+        <p:spPr>
+          <a:xfrm>
+            <a:off x="3242930" y="5078916"/>
+            <a:ext cx="5486400" cy="583295"/>
+          </a:xfrm>
+          <a:prstGeom prst="rect">
+            <a:avLst/>
+          </a:prstGeom>
+        </p:spPr>
+        <p:style>
+          <a:lnRef idx="1">
+            <a:schemeClr val="accent6"/>
+          </a:lnRef>
+          <a:fillRef idx="3">
+            <a:schemeClr val="accent6"/>
+          </a:fillRef>
+          <a:effectRef idx="2">
+            <a:schemeClr val="accent6"/>
+          </a:effectRef>
+          <a:fontRef idx="minor">
+            <a:schemeClr val="lt1"/>
+          </a:fontRef>
+        </p:style>
+        <p:txBody>
+          <a:bodyPr rtlCol="0" anchor="ctr"/>
+          <a:lstStyle/>
+          <a:p>
+            <a:pPr algn="ctr"/>
+            <a:r>
+              <a:rPr lang="en-GB" dirty="0" smtClean="0"/>
+              <a:t>Data</a:t>
+            </a:r>
+            <a:endParaRPr lang="en-US" dirty="0"/>
+          </a:p>
+        </p:txBody>
+      </p:sp>
+      <p:pic>
+        <p:nvPicPr>
+          <p:cNvPr id="6" name="Picture 5"/>
+          <p:cNvPicPr>
+            <a:picLocks noChangeAspect="1"/>
+          </p:cNvPicPr>
+          <p:nvPr/>
+        </p:nvPicPr>
+        <p:blipFill>
+          <a:blip r:embed="rId3" cstate="email">
+            <a:extLst>
+              <a:ext uri="{28A0092B-C50C-407E-A947-70E740481C1C}">
+                <a14:useLocalDpi xmlns:a14="http://schemas.microsoft.com/office/drawing/2010/main" val="0"/>
+              </a:ext>
+            </a:extLst>
+          </a:blip>
+          <a:stretch>
+            <a:fillRect/>
+          </a:stretch>
+        </p:blipFill>
+        <p:spPr>
+          <a:xfrm>
+            <a:off x="-184830" y="2539686"/>
+            <a:ext cx="3962400" cy="2971800"/>
+          </a:xfrm>
+          <a:prstGeom prst="rect">
+            <a:avLst/>
+          </a:prstGeom>
+        </p:spPr>
+      </p:pic>
+      <p:pic>
+        <p:nvPicPr>
+          <p:cNvPr id="7" name="Picture 6"/>
+          <p:cNvPicPr>
+            <a:picLocks noChangeAspect="1"/>
+          </p:cNvPicPr>
+          <p:nvPr/>
+        </p:nvPicPr>
+        <p:blipFill>
+          <a:blip r:embed="rId4" cstate="email">
+            <a:extLst>
+              <a:ext uri="{28A0092B-C50C-407E-A947-70E740481C1C}">
+                <a14:useLocalDpi xmlns:a14="http://schemas.microsoft.com/office/drawing/2010/main" val="0"/>
+              </a:ext>
+            </a:extLst>
+          </a:blip>
+          <a:stretch>
+            <a:fillRect/>
+          </a:stretch>
+        </p:blipFill>
+        <p:spPr>
+          <a:xfrm>
+            <a:off x="-184830" y="2539686"/>
+            <a:ext cx="3962400" cy="2971800"/>
+          </a:xfrm>
+          <a:prstGeom prst="rect">
+            <a:avLst/>
+          </a:prstGeom>
+        </p:spPr>
+      </p:pic>
+      <p:pic>
+        <p:nvPicPr>
+          <p:cNvPr id="8" name="Picture 7"/>
+          <p:cNvPicPr>
+            <a:picLocks noChangeAspect="1"/>
+          </p:cNvPicPr>
+          <p:nvPr/>
+        </p:nvPicPr>
+        <p:blipFill>
+          <a:blip r:embed="rId5" cstate="email">
+            <a:extLst>
+              <a:ext uri="{28A0092B-C50C-407E-A947-70E740481C1C}">
+                <a14:useLocalDpi xmlns:a14="http://schemas.microsoft.com/office/drawing/2010/main" val="0"/>
+              </a:ext>
+            </a:extLst>
+          </a:blip>
+          <a:stretch>
+            <a:fillRect/>
+          </a:stretch>
+        </p:blipFill>
+        <p:spPr>
+          <a:xfrm>
+            <a:off x="-184830" y="2539686"/>
+            <a:ext cx="3962400" cy="2971800"/>
+          </a:xfrm>
+          <a:prstGeom prst="rect">
+            <a:avLst/>
+          </a:prstGeom>
+        </p:spPr>
+      </p:pic>
+      <p:pic>
+        <p:nvPicPr>
+          <p:cNvPr id="9" name="Picture 8"/>
+          <p:cNvPicPr>
+            <a:picLocks noChangeAspect="1"/>
+          </p:cNvPicPr>
+          <p:nvPr/>
+        </p:nvPicPr>
+        <p:blipFill>
+          <a:blip r:embed="rId6" cstate="email">
+            <a:extLst>
+              <a:ext uri="{28A0092B-C50C-407E-A947-70E740481C1C}">
+                <a14:useLocalDpi xmlns:a14="http://schemas.microsoft.com/office/drawing/2010/main" val="0"/>
+              </a:ext>
+            </a:extLst>
+          </a:blip>
+          <a:stretch>
+            <a:fillRect/>
+          </a:stretch>
+        </p:blipFill>
+        <p:spPr>
+          <a:xfrm>
+            <a:off x="-184830" y="2539686"/>
+            <a:ext cx="3962400" cy="2971800"/>
+          </a:xfrm>
+          <a:prstGeom prst="rect">
+            <a:avLst/>
+          </a:prstGeom>
+        </p:spPr>
+      </p:pic>
+      <p:sp>
+        <p:nvSpPr>
+          <p:cNvPr id="10" name="Rectangle 9"/>
+          <p:cNvSpPr/>
+          <p:nvPr/>
+        </p:nvSpPr>
+        <p:spPr>
+          <a:xfrm>
+            <a:off x="3242930" y="2713716"/>
+            <a:ext cx="1414130" cy="2191169"/>
+          </a:xfrm>
+          <a:prstGeom prst="rect">
+            <a:avLst/>
+          </a:prstGeom>
+        </p:spPr>
+        <p:style>
+          <a:lnRef idx="1">
+            <a:schemeClr val="accent5"/>
+          </a:lnRef>
+          <a:fillRef idx="3">
+            <a:schemeClr val="accent5"/>
+          </a:fillRef>
+          <a:effectRef idx="2">
+            <a:schemeClr val="accent5"/>
+          </a:effectRef>
+          <a:fontRef idx="minor">
+            <a:schemeClr val="lt1"/>
+          </a:fontRef>
+        </p:style>
+        <p:txBody>
+          <a:bodyPr rtlCol="0" anchor="ctr"/>
+          <a:lstStyle/>
+          <a:p>
+            <a:pPr algn="ctr"/>
+            <a:r>
+              <a:rPr lang="en-GB" dirty="0" smtClean="0"/>
+              <a:t>Feature A</a:t>
+            </a:r>
+            <a:endParaRPr lang="en-US" dirty="0"/>
+          </a:p>
+        </p:txBody>
+      </p:sp>
+      <p:sp>
+        <p:nvSpPr>
+          <p:cNvPr id="11" name="Rectangle 10"/>
+          <p:cNvSpPr/>
+          <p:nvPr/>
+        </p:nvSpPr>
+        <p:spPr>
+          <a:xfrm>
+            <a:off x="5279066" y="2713716"/>
+            <a:ext cx="1414130" cy="2191169"/>
+          </a:xfrm>
+          <a:prstGeom prst="rect">
+            <a:avLst/>
+          </a:prstGeom>
+        </p:spPr>
+        <p:style>
+          <a:lnRef idx="1">
+            <a:schemeClr val="accent4"/>
+          </a:lnRef>
+          <a:fillRef idx="3">
+            <a:schemeClr val="accent4"/>
+          </a:fillRef>
+          <a:effectRef idx="2">
+            <a:schemeClr val="accent4"/>
+          </a:effectRef>
+          <a:fontRef idx="minor">
+            <a:schemeClr val="lt1"/>
+          </a:fontRef>
+        </p:style>
+        <p:txBody>
+          <a:bodyPr rtlCol="0" anchor="ctr"/>
+          <a:lstStyle/>
+          <a:p>
+            <a:pPr algn="ctr"/>
+            <a:r>
+              <a:rPr lang="en-GB" dirty="0" smtClean="0"/>
+              <a:t>Feature B</a:t>
+            </a:r>
+            <a:endParaRPr lang="en-US" dirty="0"/>
+          </a:p>
+        </p:txBody>
+      </p:sp>
+      <p:sp>
+        <p:nvSpPr>
+          <p:cNvPr id="12" name="Rectangle 11"/>
+          <p:cNvSpPr/>
+          <p:nvPr/>
+        </p:nvSpPr>
+        <p:spPr>
+          <a:xfrm>
+            <a:off x="7315201" y="2713716"/>
+            <a:ext cx="1414130" cy="2191169"/>
+          </a:xfrm>
+          <a:prstGeom prst="rect">
+            <a:avLst/>
+          </a:prstGeom>
+        </p:spPr>
+        <p:style>
+          <a:lnRef idx="1">
+            <a:schemeClr val="accent3"/>
+          </a:lnRef>
+          <a:fillRef idx="3">
+            <a:schemeClr val="accent3"/>
+          </a:fillRef>
+          <a:effectRef idx="2">
+            <a:schemeClr val="accent3"/>
+          </a:effectRef>
+          <a:fontRef idx="minor">
+            <a:schemeClr val="lt1"/>
+          </a:fontRef>
+        </p:style>
+        <p:txBody>
+          <a:bodyPr rtlCol="0" anchor="ctr"/>
+          <a:lstStyle/>
+          <a:p>
+            <a:pPr algn="ctr"/>
+            <a:r>
+              <a:rPr lang="en-GB" dirty="0" smtClean="0"/>
+              <a:t>Feature C</a:t>
+            </a:r>
+            <a:endParaRPr lang="en-US" dirty="0"/>
+          </a:p>
+        </p:txBody>
+      </p:sp>
+      <p:sp>
+        <p:nvSpPr>
+          <p:cNvPr id="13" name="Rectangle 12"/>
+          <p:cNvSpPr/>
+          <p:nvPr/>
+        </p:nvSpPr>
+        <p:spPr>
+          <a:xfrm>
+            <a:off x="3242930" y="5873464"/>
+            <a:ext cx="3450266" cy="583295"/>
+          </a:xfrm>
+          <a:prstGeom prst="rect">
+            <a:avLst/>
+          </a:prstGeom>
+        </p:spPr>
+        <p:style>
+          <a:lnRef idx="1">
+            <a:schemeClr val="accent6"/>
+          </a:lnRef>
+          <a:fillRef idx="3">
+            <a:schemeClr val="accent6"/>
+          </a:fillRef>
+          <a:effectRef idx="2">
+            <a:schemeClr val="accent6"/>
+          </a:effectRef>
+          <a:fontRef idx="minor">
+            <a:schemeClr val="lt1"/>
+          </a:fontRef>
+        </p:style>
+        <p:txBody>
+          <a:bodyPr rtlCol="0" anchor="ctr"/>
+          <a:lstStyle/>
+          <a:p>
+            <a:pPr algn="ctr"/>
+            <a:r>
+              <a:rPr lang="en-GB" dirty="0" smtClean="0"/>
+              <a:t>Query</a:t>
+            </a:r>
+            <a:endParaRPr lang="en-US" dirty="0"/>
+          </a:p>
+        </p:txBody>
+      </p:sp>
+      <p:sp>
+        <p:nvSpPr>
+          <p:cNvPr id="14" name="Rectangle 13"/>
+          <p:cNvSpPr/>
+          <p:nvPr/>
+        </p:nvSpPr>
+        <p:spPr>
+          <a:xfrm>
+            <a:off x="7315201" y="5873464"/>
+            <a:ext cx="1414130" cy="583295"/>
+          </a:xfrm>
+          <a:prstGeom prst="rect">
+            <a:avLst/>
+          </a:prstGeom>
+        </p:spPr>
+        <p:style>
+          <a:lnRef idx="1">
+            <a:schemeClr val="accent6"/>
+          </a:lnRef>
+          <a:fillRef idx="3">
+            <a:schemeClr val="accent6"/>
+          </a:fillRef>
+          <a:effectRef idx="2">
+            <a:schemeClr val="accent6"/>
+          </a:effectRef>
+          <a:fontRef idx="minor">
+            <a:schemeClr val="lt1"/>
+          </a:fontRef>
+        </p:style>
+        <p:txBody>
+          <a:bodyPr rtlCol="0" anchor="ctr"/>
+          <a:lstStyle/>
+          <a:p>
+            <a:pPr algn="ctr"/>
+            <a:r>
+              <a:rPr lang="en-GB" dirty="0" smtClean="0"/>
+              <a:t>Command</a:t>
+            </a:r>
+            <a:endParaRPr lang="en-US" dirty="0"/>
+          </a:p>
+        </p:txBody>
+      </p:sp>
+      <p:sp>
+        <p:nvSpPr>
+          <p:cNvPr id="19" name="Rectangle 18"/>
+          <p:cNvSpPr/>
+          <p:nvPr/>
+        </p:nvSpPr>
+        <p:spPr>
+          <a:xfrm>
+            <a:off x="549276" y="1425974"/>
+            <a:ext cx="1747358" cy="583295"/>
+          </a:xfrm>
+          <a:prstGeom prst="rect">
+            <a:avLst/>
+          </a:prstGeom>
+          <a:gradFill>
+            <a:gsLst>
+              <a:gs pos="0">
+                <a:schemeClr val="accent5">
+                  <a:lumMod val="60000"/>
+                  <a:lumOff val="40000"/>
+                </a:schemeClr>
+              </a:gs>
+              <a:gs pos="69000">
+                <a:schemeClr val="accent5">
+                  <a:lumMod val="40000"/>
+                  <a:lumOff val="60000"/>
+                </a:schemeClr>
+              </a:gs>
+              <a:gs pos="100000">
+                <a:schemeClr val="accent5">
+                  <a:lumMod val="20000"/>
+                  <a:lumOff val="80000"/>
+                </a:schemeClr>
+              </a:gs>
+            </a:gsLst>
+          </a:gradFill>
+        </p:spPr>
+        <p:style>
+          <a:lnRef idx="1">
+            <a:schemeClr val="accent1"/>
+          </a:lnRef>
+          <a:fillRef idx="3">
+            <a:schemeClr val="accent1"/>
+          </a:fillRef>
+          <a:effectRef idx="2">
+            <a:schemeClr val="accent1"/>
+          </a:effectRef>
+          <a:fontRef idx="minor">
+            <a:schemeClr val="lt1"/>
+          </a:fontRef>
+        </p:style>
+        <p:txBody>
+          <a:bodyPr rtlCol="0" anchor="ctr"/>
+          <a:lstStyle/>
+          <a:p>
+            <a:pPr algn="ctr"/>
+            <a:r>
+              <a:rPr lang="en-GB" dirty="0" smtClean="0">
+                <a:solidFill>
+                  <a:schemeClr val="tx2">
+                    <a:lumMod val="75000"/>
+                    <a:lumOff val="25000"/>
+                  </a:schemeClr>
+                </a:solidFill>
+              </a:rPr>
+              <a:t>Validation</a:t>
+            </a:r>
+            <a:endParaRPr lang="en-US" dirty="0">
+              <a:solidFill>
+                <a:schemeClr val="tx2">
+                  <a:lumMod val="75000"/>
+                  <a:lumOff val="25000"/>
+                </a:schemeClr>
+              </a:solidFill>
+            </a:endParaRPr>
+          </a:p>
+        </p:txBody>
+      </p:sp>
+      <p:sp>
+        <p:nvSpPr>
+          <p:cNvPr id="20" name="Rectangle 19"/>
+          <p:cNvSpPr/>
+          <p:nvPr/>
+        </p:nvSpPr>
+        <p:spPr>
+          <a:xfrm>
+            <a:off x="6939516" y="5940056"/>
+            <a:ext cx="1990060" cy="583295"/>
+          </a:xfrm>
+          <a:prstGeom prst="rect">
+            <a:avLst/>
+          </a:prstGeom>
+          <a:gradFill>
+            <a:gsLst>
+              <a:gs pos="0">
+                <a:schemeClr val="accent6">
+                  <a:lumMod val="60000"/>
+                  <a:lumOff val="40000"/>
+                </a:schemeClr>
+              </a:gs>
+              <a:gs pos="69000">
+                <a:schemeClr val="accent6">
+                  <a:lumMod val="40000"/>
+                  <a:lumOff val="60000"/>
+                </a:schemeClr>
+              </a:gs>
+              <a:gs pos="100000">
+                <a:schemeClr val="accent6">
+                  <a:lumMod val="20000"/>
+                  <a:lumOff val="80000"/>
+                </a:schemeClr>
+              </a:gs>
+            </a:gsLst>
+          </a:gradFill>
+        </p:spPr>
+        <p:style>
+          <a:lnRef idx="1">
+            <a:schemeClr val="accent1"/>
+          </a:lnRef>
+          <a:fillRef idx="3">
+            <a:schemeClr val="accent1"/>
+          </a:fillRef>
+          <a:effectRef idx="2">
+            <a:schemeClr val="accent1"/>
+          </a:effectRef>
+          <a:fontRef idx="minor">
+            <a:schemeClr val="lt1"/>
+          </a:fontRef>
+        </p:style>
+        <p:txBody>
+          <a:bodyPr rtlCol="0" anchor="ctr"/>
+          <a:lstStyle/>
+          <a:p>
+            <a:pPr algn="ctr"/>
+            <a:r>
+              <a:rPr lang="en-GB" dirty="0" smtClean="0"/>
+              <a:t>Business Logic</a:t>
+            </a:r>
+            <a:endParaRPr lang="en-US" dirty="0"/>
+          </a:p>
+        </p:txBody>
+      </p:sp>
+      <p:sp>
+        <p:nvSpPr>
+          <p:cNvPr id="21" name="Rectangle 20"/>
+          <p:cNvSpPr/>
+          <p:nvPr/>
+        </p:nvSpPr>
+        <p:spPr>
+          <a:xfrm>
+            <a:off x="549277" y="5669309"/>
+            <a:ext cx="1747358" cy="583295"/>
+          </a:xfrm>
+          <a:prstGeom prst="rect">
+            <a:avLst/>
+          </a:prstGeom>
+          <a:gradFill>
+            <a:gsLst>
+              <a:gs pos="0">
+                <a:schemeClr val="accent3">
+                  <a:lumMod val="60000"/>
+                  <a:lumOff val="40000"/>
+                </a:schemeClr>
+              </a:gs>
+              <a:gs pos="69000">
+                <a:schemeClr val="accent3">
+                  <a:lumMod val="40000"/>
+                  <a:lumOff val="60000"/>
+                </a:schemeClr>
+              </a:gs>
+              <a:gs pos="99000">
+                <a:schemeClr val="accent3">
+                  <a:lumMod val="20000"/>
+                  <a:lumOff val="80000"/>
+                </a:schemeClr>
+              </a:gs>
+            </a:gsLst>
+          </a:gradFill>
+        </p:spPr>
+        <p:style>
+          <a:lnRef idx="1">
+            <a:schemeClr val="accent1"/>
+          </a:lnRef>
+          <a:fillRef idx="3">
+            <a:schemeClr val="accent1"/>
+          </a:fillRef>
+          <a:effectRef idx="2">
+            <a:schemeClr val="accent1"/>
+          </a:effectRef>
+          <a:fontRef idx="minor">
+            <a:schemeClr val="lt1"/>
+          </a:fontRef>
+        </p:style>
+        <p:txBody>
+          <a:bodyPr rtlCol="0" anchor="ctr"/>
+          <a:lstStyle/>
+          <a:p>
+            <a:pPr algn="ctr"/>
+            <a:r>
+              <a:rPr lang="en-GB" dirty="0" smtClean="0"/>
+              <a:t>Adapters</a:t>
+            </a:r>
+            <a:endParaRPr lang="en-US" dirty="0"/>
+          </a:p>
+        </p:txBody>
+      </p:sp>
+      <p:cxnSp>
+        <p:nvCxnSpPr>
+          <p:cNvPr id="23" name="Straight Arrow Connector 22"/>
+          <p:cNvCxnSpPr/>
+          <p:nvPr/>
+        </p:nvCxnSpPr>
+        <p:spPr>
+          <a:xfrm>
+            <a:off x="1967023" y="1717621"/>
+            <a:ext cx="1075660" cy="1113712"/>
+          </a:xfrm>
+          <a:prstGeom prst="straightConnector1">
+            <a:avLst/>
+          </a:prstGeom>
+          <a:ln>
+            <a:tailEnd type="triangle"/>
+          </a:ln>
+        </p:spPr>
+        <p:style>
+          <a:lnRef idx="2">
+            <a:schemeClr val="accent1"/>
+          </a:lnRef>
+          <a:fillRef idx="0">
+            <a:schemeClr val="accent1"/>
+          </a:fillRef>
+          <a:effectRef idx="1">
+            <a:schemeClr val="accent1"/>
+          </a:effectRef>
+          <a:fontRef idx="minor">
+            <a:schemeClr val="tx1"/>
+          </a:fontRef>
+        </p:style>
+      </p:cxnSp>
+      <p:cxnSp>
+        <p:nvCxnSpPr>
+          <p:cNvPr id="25" name="Straight Arrow Connector 24"/>
+          <p:cNvCxnSpPr/>
+          <p:nvPr/>
+        </p:nvCxnSpPr>
+        <p:spPr>
+          <a:xfrm flipV="1">
+            <a:off x="2296635" y="4833994"/>
+            <a:ext cx="746048" cy="835315"/>
+          </a:xfrm>
+          <a:prstGeom prst="straightConnector1">
+            <a:avLst/>
+          </a:prstGeom>
+          <a:ln>
+            <a:tailEnd type="triangle"/>
+          </a:ln>
+        </p:spPr>
+        <p:style>
+          <a:lnRef idx="2">
+            <a:schemeClr val="accent1"/>
+          </a:lnRef>
+          <a:fillRef idx="0">
+            <a:schemeClr val="accent1"/>
+          </a:fillRef>
+          <a:effectRef idx="1">
+            <a:schemeClr val="accent1"/>
+          </a:effectRef>
+          <a:fontRef idx="minor">
+            <a:schemeClr val="tx1"/>
+          </a:fontRef>
+        </p:style>
+      </p:cxnSp>
+      <p:cxnSp>
+        <p:nvCxnSpPr>
+          <p:cNvPr id="27" name="Straight Arrow Connector 26"/>
+          <p:cNvCxnSpPr/>
+          <p:nvPr/>
+        </p:nvCxnSpPr>
+        <p:spPr>
+          <a:xfrm flipV="1">
+            <a:off x="7027236" y="4115540"/>
+            <a:ext cx="0" cy="1824516"/>
+          </a:xfrm>
+          <a:prstGeom prst="straightConnector1">
+            <a:avLst/>
+          </a:prstGeom>
+          <a:ln>
+            <a:tailEnd type="triangle"/>
+          </a:ln>
+        </p:spPr>
+        <p:style>
+          <a:lnRef idx="2">
+            <a:schemeClr val="accent1"/>
+          </a:lnRef>
+          <a:fillRef idx="0">
+            <a:schemeClr val="accent1"/>
+          </a:fillRef>
+          <a:effectRef idx="1">
+            <a:schemeClr val="accent1"/>
+          </a:effectRef>
+          <a:fontRef idx="minor">
+            <a:schemeClr val="tx1"/>
+          </a:fontRef>
+        </p:style>
+      </p:cxnSp>
     </p:spTree>
     <p:extLst>
       <p:ext uri="{BB962C8B-B14F-4D97-AF65-F5344CB8AC3E}">

--- a/FeaturesVsLayers.pptx
+++ b/FeaturesVsLayers.pptx
@@ -731,7 +731,7 @@
           <a:p>
             <a:r>
               <a:rPr lang="en-GB" dirty="0" smtClean="0"/>
-              <a:t>He will be helping us on getting this through.</a:t>
+              <a:t>Let me introduce you to Bill. He will be helping us on getting this through.</a:t>
             </a:r>
           </a:p>
           <a:p>
@@ -747,7 +747,7 @@
             </a:r>
             <a:r>
               <a:rPr lang="en-GB" baseline="0" dirty="0" smtClean="0"/>
-              <a:t> Hello Bill (click)</a:t>
+              <a:t> Hello Bill &lt;click&gt;</a:t>
             </a:r>
             <a:endParaRPr lang="en-US" dirty="0"/>
           </a:p>
@@ -839,7 +839,7 @@
             </a:r>
             <a:r>
               <a:rPr lang="en-GB" baseline="0" dirty="0" smtClean="0"/>
-              <a:t> start working on this (click)</a:t>
+              <a:t> start working on this &lt;click&gt;</a:t>
             </a:r>
             <a:endParaRPr lang="en-US" dirty="0"/>
           </a:p>
@@ -931,9 +931,53 @@
             </a:r>
             <a:r>
               <a:rPr lang="en-GB" baseline="0" dirty="0" smtClean="0"/>
-              <a:t> we need is always to make something work. How it works is not as important.</a:t>
+              <a:t> we need is always to make something work. How it works is not as important. &lt;click&gt;</a:t>
             </a:r>
-            <a:endParaRPr lang="en-US" dirty="0"/>
+          </a:p>
+          <a:p>
+            <a:endParaRPr lang="en-GB" baseline="0" dirty="0" smtClean="0"/>
+          </a:p>
+          <a:p>
+            <a:r>
+              <a:rPr lang="en-GB" baseline="0" dirty="0" smtClean="0"/>
+              <a:t>So, how we do achieve that? &lt;click&gt;</a:t>
+            </a:r>
+          </a:p>
+          <a:p>
+            <a:endParaRPr lang="en-GB" baseline="0" dirty="0" smtClean="0"/>
+          </a:p>
+          <a:p>
+            <a:r>
+              <a:rPr lang="en-GB" baseline="0" dirty="0" smtClean="0"/>
+              <a:t>Well, we can just create a single thing (be either class or object) &lt;click&gt;</a:t>
+            </a:r>
+          </a:p>
+          <a:p>
+            <a:endParaRPr lang="en-GB" baseline="0" dirty="0" smtClean="0"/>
+          </a:p>
+          <a:p>
+            <a:r>
+              <a:rPr lang="en-GB" baseline="0" dirty="0" smtClean="0"/>
+              <a:t>That we will put together with all the functionality&lt;click&gt;</a:t>
+            </a:r>
+          </a:p>
+          <a:p>
+            <a:endParaRPr lang="en-GB" baseline="0" dirty="0" smtClean="0"/>
+          </a:p>
+          <a:p>
+            <a:r>
+              <a:rPr lang="en-GB" baseline="0" dirty="0" smtClean="0"/>
+              <a:t>But of course. This is problematic. You know, a monolith is more difficult to change, more difficult to maintain.&lt;click&gt;</a:t>
+            </a:r>
+          </a:p>
+          <a:p>
+            <a:endParaRPr lang="en-GB" baseline="0" dirty="0" smtClean="0"/>
+          </a:p>
+          <a:p>
+            <a:r>
+              <a:rPr lang="en-GB" baseline="0" dirty="0" smtClean="0"/>
+              <a:t>Then what can we do? &lt;click&gt;</a:t>
+            </a:r>
           </a:p>
         </p:txBody>
       </p:sp>
@@ -1354,7 +1398,9 @@
               <a:rPr lang="en-US" baseline="0" dirty="0" smtClean="0"/>
               <a:t>Data</a:t>
             </a:r>
-            <a:endParaRPr lang="en-US" dirty="0" smtClean="0"/>
+          </a:p>
+          <a:p>
+            <a:endParaRPr lang="en-GB" baseline="0" dirty="0" smtClean="0"/>
           </a:p>
           <a:p>
             <a:endParaRPr lang="en-US" dirty="0" smtClean="0"/>
@@ -1380,7 +1426,11 @@
             </a:r>
             <a:r>
               <a:rPr lang="en-US" baseline="0" dirty="0" smtClean="0"/>
-              <a:t> are we duplicating code? Duplicating code is only hurtful when two pieces of code that are equal have to change for the same reason. If that is the case</a:t>
+              <a:t> are we duplicating code? Duplicating code is only hurtful when two pieces of code that are equal have to change for the same reason. If that is the </a:t>
+            </a:r>
+            <a:r>
+              <a:rPr lang="en-US" baseline="0" dirty="0" smtClean="0"/>
+              <a:t>case</a:t>
             </a:r>
             <a:endParaRPr lang="en-US" dirty="0" smtClean="0"/>
           </a:p>
@@ -5180,7 +5230,7 @@
       </p:grpSpPr>
       <p:pic>
         <p:nvPicPr>
-          <p:cNvPr id="2" name="Picture 1"/>
+          <p:cNvPr id="2" name="Basic Bill"/>
           <p:cNvPicPr>
             <a:picLocks noChangeAspect="1"/>
           </p:cNvPicPr>
@@ -5240,7 +5290,7 @@
       </p:grpSpPr>
       <p:pic>
         <p:nvPicPr>
-          <p:cNvPr id="6" name="Picture 5"/>
+          <p:cNvPr id="6" name="Salute 1 Bill"/>
           <p:cNvPicPr>
             <a:picLocks noChangeAspect="1"/>
           </p:cNvPicPr>
@@ -5270,7 +5320,7 @@
       </p:pic>
       <p:pic>
         <p:nvPicPr>
-          <p:cNvPr id="7" name="Picture 6"/>
+          <p:cNvPr id="7" name="Salute 2 Bill"/>
           <p:cNvPicPr>
             <a:picLocks noChangeAspect="1"/>
           </p:cNvPicPr>
@@ -5300,7 +5350,7 @@
       </p:pic>
       <p:pic>
         <p:nvPicPr>
-          <p:cNvPr id="8" name="Picture 7"/>
+          <p:cNvPr id="8" name="Basic Bill"/>
           <p:cNvPicPr>
             <a:picLocks noChangeAspect="1"/>
           </p:cNvPicPr>
@@ -6120,32 +6170,9 @@
           <a:chExt cx="0" cy="0"/>
         </a:xfrm>
       </p:grpSpPr>
-      <p:sp>
-        <p:nvSpPr>
-          <p:cNvPr id="2" name="Title 1"/>
-          <p:cNvSpPr>
-            <a:spLocks noGrp="1"/>
-          </p:cNvSpPr>
-          <p:nvPr>
-            <p:ph type="title"/>
-          </p:nvPr>
-        </p:nvSpPr>
-        <p:spPr/>
-        <p:txBody>
-          <a:bodyPr/>
-          <a:lstStyle/>
-          <a:p>
-            <a:r>
-              <a:rPr lang="en-GB" dirty="0" smtClean="0"/>
-              <a:t>An Initial Approach</a:t>
-            </a:r>
-            <a:endParaRPr lang="en-US" dirty="0"/>
-          </a:p>
-        </p:txBody>
-      </p:sp>
       <p:pic>
         <p:nvPicPr>
-          <p:cNvPr id="4" name="Picture 3"/>
+          <p:cNvPr id="10" name="Defeat Bill"/>
           <p:cNvPicPr>
             <a:picLocks noChangeAspect="1"/>
           </p:cNvPicPr>
@@ -6175,45 +6202,30 @@
       </p:pic>
       <p:sp>
         <p:nvSpPr>
-          <p:cNvPr id="5" name="Rectangle 4"/>
-          <p:cNvSpPr/>
-          <p:nvPr/>
+          <p:cNvPr id="2" name="Title 1"/>
+          <p:cNvSpPr>
+            <a:spLocks noGrp="1"/>
+          </p:cNvSpPr>
+          <p:nvPr>
+            <p:ph type="title"/>
+          </p:nvPr>
         </p:nvSpPr>
-        <p:spPr>
-          <a:xfrm>
-            <a:off x="4880344" y="1840595"/>
-            <a:ext cx="3147237" cy="4369982"/>
-          </a:xfrm>
-          <a:prstGeom prst="rect">
-            <a:avLst/>
-          </a:prstGeom>
-        </p:spPr>
-        <p:style>
-          <a:lnRef idx="1">
-            <a:schemeClr val="dk1"/>
-          </a:lnRef>
-          <a:fillRef idx="3">
-            <a:schemeClr val="dk1"/>
-          </a:fillRef>
-          <a:effectRef idx="2">
-            <a:schemeClr val="dk1"/>
-          </a:effectRef>
-          <a:fontRef idx="minor">
-            <a:schemeClr val="lt1"/>
-          </a:fontRef>
-        </p:style>
+        <p:spPr/>
         <p:txBody>
-          <a:bodyPr rtlCol="0" anchor="ctr"/>
+          <a:bodyPr/>
           <a:lstStyle/>
           <a:p>
-            <a:pPr algn="ctr"/>
-            <a:endParaRPr lang="en-US"/>
+            <a:r>
+              <a:rPr lang="en-GB" dirty="0" smtClean="0"/>
+              <a:t>An Initial Approach</a:t>
+            </a:r>
+            <a:endParaRPr lang="en-US" dirty="0"/>
           </a:p>
         </p:txBody>
       </p:sp>
       <p:pic>
         <p:nvPicPr>
-          <p:cNvPr id="6" name="Picture 5"/>
+          <p:cNvPr id="4" name="Thinking Bill"/>
           <p:cNvPicPr>
             <a:picLocks noChangeAspect="1"/>
           </p:cNvPicPr>
@@ -6241,9 +6253,47 @@
           </a:prstGeom>
         </p:spPr>
       </p:pic>
+      <p:sp>
+        <p:nvSpPr>
+          <p:cNvPr id="5" name="Monolith"/>
+          <p:cNvSpPr/>
+          <p:nvPr/>
+        </p:nvSpPr>
+        <p:spPr>
+          <a:xfrm>
+            <a:off x="-3551274" y="1617311"/>
+            <a:ext cx="3147237" cy="4369982"/>
+          </a:xfrm>
+          <a:prstGeom prst="rect">
+            <a:avLst/>
+          </a:prstGeom>
+        </p:spPr>
+        <p:style>
+          <a:lnRef idx="1">
+            <a:schemeClr val="dk1"/>
+          </a:lnRef>
+          <a:fillRef idx="3">
+            <a:schemeClr val="dk1"/>
+          </a:fillRef>
+          <a:effectRef idx="2">
+            <a:schemeClr val="dk1"/>
+          </a:effectRef>
+          <a:fontRef idx="minor">
+            <a:schemeClr val="lt1"/>
+          </a:fontRef>
+        </p:style>
+        <p:txBody>
+          <a:bodyPr rtlCol="0" anchor="ctr"/>
+          <a:lstStyle/>
+          <a:p>
+            <a:pPr algn="ctr"/>
+            <a:endParaRPr lang="en-US"/>
+          </a:p>
+        </p:txBody>
+      </p:sp>
       <p:pic>
         <p:nvPicPr>
-          <p:cNvPr id="7" name="Picture 6"/>
+          <p:cNvPr id="6" name="Success Bill"/>
           <p:cNvPicPr>
             <a:picLocks noChangeAspect="1"/>
           </p:cNvPicPr>
@@ -6273,7 +6323,7 @@
       </p:pic>
       <p:pic>
         <p:nvPicPr>
-          <p:cNvPr id="8" name="Picture 7"/>
+          <p:cNvPr id="7" name="Pickup Bill"/>
           <p:cNvPicPr>
             <a:picLocks noChangeAspect="1"/>
           </p:cNvPicPr>
@@ -6281,6 +6331,36 @@
         </p:nvPicPr>
         <p:blipFill>
           <a:blip r:embed="rId6" cstate="email">
+            <a:extLst>
+              <a:ext uri="{28A0092B-C50C-407E-A947-70E740481C1C}">
+                <a14:useLocalDpi xmlns:a14="http://schemas.microsoft.com/office/drawing/2010/main" val="0"/>
+              </a:ext>
+            </a:extLst>
+          </a:blip>
+          <a:stretch>
+            <a:fillRect/>
+          </a:stretch>
+        </p:blipFill>
+        <p:spPr>
+          <a:xfrm>
+            <a:off x="-184830" y="2539686"/>
+            <a:ext cx="3962400" cy="2971800"/>
+          </a:xfrm>
+          <a:prstGeom prst="rect">
+            <a:avLst/>
+          </a:prstGeom>
+        </p:spPr>
+      </p:pic>
+      <p:pic>
+        <p:nvPicPr>
+          <p:cNvPr id="8" name="Throw Bill" title="Throw Bill"/>
+          <p:cNvPicPr>
+            <a:picLocks noChangeAspect="1"/>
+          </p:cNvPicPr>
+          <p:nvPr/>
+        </p:nvPicPr>
+        <p:blipFill>
+          <a:blip r:embed="rId7" cstate="email">
             <a:extLst>
               <a:ext uri="{28A0092B-C50C-407E-A947-70E740481C1C}">
                 <a14:useLocalDpi xmlns:a14="http://schemas.microsoft.com/office/drawing/2010/main" val="0"/>
@@ -6311,6 +6391,466 @@
   <p:clrMapOvr>
     <a:masterClrMapping/>
   </p:clrMapOvr>
+  <p:timing>
+    <p:tnLst>
+      <p:par>
+        <p:cTn id="1" dur="indefinite" restart="never" nodeType="tmRoot">
+          <p:childTnLst>
+            <p:seq concurrent="1" nextAc="seek">
+              <p:cTn id="2" dur="indefinite" nodeType="mainSeq">
+                <p:childTnLst>
+                  <p:par>
+                    <p:cTn id="3" fill="hold">
+                      <p:stCondLst>
+                        <p:cond delay="indefinite"/>
+                      </p:stCondLst>
+                      <p:childTnLst>
+                        <p:par>
+                          <p:cTn id="4" fill="hold">
+                            <p:stCondLst>
+                              <p:cond delay="0"/>
+                            </p:stCondLst>
+                            <p:childTnLst>
+                              <p:par>
+                                <p:cTn id="5" presetID="1" presetClass="entr" presetSubtype="0" fill="hold" nodeType="clickEffect">
+                                  <p:stCondLst>
+                                    <p:cond delay="0"/>
+                                  </p:stCondLst>
+                                  <p:childTnLst>
+                                    <p:set>
+                                      <p:cBhvr>
+                                        <p:cTn id="6" dur="1" fill="hold">
+                                          <p:stCondLst>
+                                            <p:cond delay="0"/>
+                                          </p:stCondLst>
+                                        </p:cTn>
+                                        <p:tgtEl>
+                                          <p:spTgt spid="4"/>
+                                        </p:tgtEl>
+                                        <p:attrNameLst>
+                                          <p:attrName>style.visibility</p:attrName>
+                                        </p:attrNameLst>
+                                      </p:cBhvr>
+                                      <p:to>
+                                        <p:strVal val="visible"/>
+                                      </p:to>
+                                    </p:set>
+                                  </p:childTnLst>
+                                </p:cTn>
+                              </p:par>
+                            </p:childTnLst>
+                          </p:cTn>
+                        </p:par>
+                      </p:childTnLst>
+                    </p:cTn>
+                  </p:par>
+                  <p:par>
+                    <p:cTn id="7" fill="hold">
+                      <p:stCondLst>
+                        <p:cond delay="indefinite"/>
+                      </p:stCondLst>
+                      <p:childTnLst>
+                        <p:par>
+                          <p:cTn id="8" fill="hold">
+                            <p:stCondLst>
+                              <p:cond delay="0"/>
+                            </p:stCondLst>
+                            <p:childTnLst>
+                              <p:par>
+                                <p:cTn id="9" presetID="1" presetClass="entr" presetSubtype="0" fill="hold" nodeType="clickEffect">
+                                  <p:stCondLst>
+                                    <p:cond delay="0"/>
+                                  </p:stCondLst>
+                                  <p:childTnLst>
+                                    <p:set>
+                                      <p:cBhvr>
+                                        <p:cTn id="10" dur="1" fill="hold">
+                                          <p:stCondLst>
+                                            <p:cond delay="0"/>
+                                          </p:stCondLst>
+                                        </p:cTn>
+                                        <p:tgtEl>
+                                          <p:spTgt spid="7"/>
+                                        </p:tgtEl>
+                                        <p:attrNameLst>
+                                          <p:attrName>style.visibility</p:attrName>
+                                        </p:attrNameLst>
+                                      </p:cBhvr>
+                                      <p:to>
+                                        <p:strVal val="visible"/>
+                                      </p:to>
+                                    </p:set>
+                                  </p:childTnLst>
+                                </p:cTn>
+                              </p:par>
+                              <p:par>
+                                <p:cTn id="11" presetID="1" presetClass="exit" presetSubtype="0" fill="hold" nodeType="withEffect">
+                                  <p:stCondLst>
+                                    <p:cond delay="0"/>
+                                  </p:stCondLst>
+                                  <p:childTnLst>
+                                    <p:set>
+                                      <p:cBhvr>
+                                        <p:cTn id="12" dur="1" fill="hold">
+                                          <p:stCondLst>
+                                            <p:cond delay="0"/>
+                                          </p:stCondLst>
+                                        </p:cTn>
+                                        <p:tgtEl>
+                                          <p:spTgt spid="4"/>
+                                        </p:tgtEl>
+                                        <p:attrNameLst>
+                                          <p:attrName>style.visibility</p:attrName>
+                                        </p:attrNameLst>
+                                      </p:cBhvr>
+                                      <p:to>
+                                        <p:strVal val="hidden"/>
+                                      </p:to>
+                                    </p:set>
+                                  </p:childTnLst>
+                                </p:cTn>
+                              </p:par>
+                            </p:childTnLst>
+                          </p:cTn>
+                        </p:par>
+                      </p:childTnLst>
+                    </p:cTn>
+                  </p:par>
+                  <p:par>
+                    <p:cTn id="13" fill="hold">
+                      <p:stCondLst>
+                        <p:cond delay="indefinite"/>
+                      </p:stCondLst>
+                      <p:childTnLst>
+                        <p:par>
+                          <p:cTn id="14" fill="hold">
+                            <p:stCondLst>
+                              <p:cond delay="0"/>
+                            </p:stCondLst>
+                            <p:childTnLst>
+                              <p:par>
+                                <p:cTn id="15" presetID="1" presetClass="entr" presetSubtype="0" fill="hold" nodeType="clickEffect">
+                                  <p:stCondLst>
+                                    <p:cond delay="0"/>
+                                  </p:stCondLst>
+                                  <p:childTnLst>
+                                    <p:set>
+                                      <p:cBhvr>
+                                        <p:cTn id="16" dur="1" fill="hold">
+                                          <p:stCondLst>
+                                            <p:cond delay="0"/>
+                                          </p:stCondLst>
+                                        </p:cTn>
+                                        <p:tgtEl>
+                                          <p:spTgt spid="8"/>
+                                        </p:tgtEl>
+                                        <p:attrNameLst>
+                                          <p:attrName>style.visibility</p:attrName>
+                                        </p:attrNameLst>
+                                      </p:cBhvr>
+                                      <p:to>
+                                        <p:strVal val="visible"/>
+                                      </p:to>
+                                    </p:set>
+                                  </p:childTnLst>
+                                </p:cTn>
+                              </p:par>
+                              <p:par>
+                                <p:cTn id="17" presetID="37" presetClass="path" presetSubtype="0" accel="50000" decel="50000" fill="hold" grpId="1" nodeType="withEffect">
+                                  <p:stCondLst>
+                                    <p:cond delay="0"/>
+                                  </p:stCondLst>
+                                  <p:childTnLst>
+                                    <p:animMotion origin="layout" path="M -5.55556E-7 1.85185E-6 L 0.25556 -0.23658 C 0.3092 -0.28982 0.38924 -0.31852 0.47274 -0.31852 C 0.56806 -0.31852 0.64479 -0.28982 0.69774 -0.23658 L 0.95347 1.85185E-6 " pathEditMode="relative" rAng="0" ptsTypes="AAAAA">
+                                      <p:cBhvr>
+                                        <p:cTn id="18" dur="500" fill="hold"/>
+                                        <p:tgtEl>
+                                          <p:spTgt spid="5"/>
+                                        </p:tgtEl>
+                                        <p:attrNameLst>
+                                          <p:attrName>ppt_x</p:attrName>
+                                          <p:attrName>ppt_y</p:attrName>
+                                        </p:attrNameLst>
+                                      </p:cBhvr>
+                                      <p:rCtr x="47674" y="-15926"/>
+                                    </p:animMotion>
+                                  </p:childTnLst>
+                                </p:cTn>
+                              </p:par>
+                              <p:par>
+                                <p:cTn id="19" presetID="1" presetClass="exit" presetSubtype="0" fill="hold" nodeType="withEffect">
+                                  <p:stCondLst>
+                                    <p:cond delay="0"/>
+                                  </p:stCondLst>
+                                  <p:childTnLst>
+                                    <p:set>
+                                      <p:cBhvr>
+                                        <p:cTn id="20" dur="1" fill="hold">
+                                          <p:stCondLst>
+                                            <p:cond delay="0"/>
+                                          </p:stCondLst>
+                                        </p:cTn>
+                                        <p:tgtEl>
+                                          <p:spTgt spid="7"/>
+                                        </p:tgtEl>
+                                        <p:attrNameLst>
+                                          <p:attrName>style.visibility</p:attrName>
+                                        </p:attrNameLst>
+                                      </p:cBhvr>
+                                      <p:to>
+                                        <p:strVal val="hidden"/>
+                                      </p:to>
+                                    </p:set>
+                                  </p:childTnLst>
+                                </p:cTn>
+                              </p:par>
+                            </p:childTnLst>
+                          </p:cTn>
+                        </p:par>
+                      </p:childTnLst>
+                    </p:cTn>
+                  </p:par>
+                  <p:par>
+                    <p:cTn id="21" fill="hold">
+                      <p:stCondLst>
+                        <p:cond delay="indefinite"/>
+                      </p:stCondLst>
+                      <p:childTnLst>
+                        <p:par>
+                          <p:cTn id="22" fill="hold">
+                            <p:stCondLst>
+                              <p:cond delay="0"/>
+                            </p:stCondLst>
+                            <p:childTnLst>
+                              <p:par>
+                                <p:cTn id="23" presetID="1" presetClass="entr" presetSubtype="0" fill="hold" nodeType="clickEffect">
+                                  <p:stCondLst>
+                                    <p:cond delay="0"/>
+                                  </p:stCondLst>
+                                  <p:childTnLst>
+                                    <p:set>
+                                      <p:cBhvr>
+                                        <p:cTn id="24" dur="1" fill="hold">
+                                          <p:stCondLst>
+                                            <p:cond delay="0"/>
+                                          </p:stCondLst>
+                                        </p:cTn>
+                                        <p:tgtEl>
+                                          <p:spTgt spid="6"/>
+                                        </p:tgtEl>
+                                        <p:attrNameLst>
+                                          <p:attrName>style.visibility</p:attrName>
+                                        </p:attrNameLst>
+                                      </p:cBhvr>
+                                      <p:to>
+                                        <p:strVal val="visible"/>
+                                      </p:to>
+                                    </p:set>
+                                  </p:childTnLst>
+                                </p:cTn>
+                              </p:par>
+                              <p:par>
+                                <p:cTn id="25" presetID="1" presetClass="exit" presetSubtype="0" fill="hold" nodeType="withEffect">
+                                  <p:stCondLst>
+                                    <p:cond delay="0"/>
+                                  </p:stCondLst>
+                                  <p:childTnLst>
+                                    <p:set>
+                                      <p:cBhvr>
+                                        <p:cTn id="26" dur="1" fill="hold">
+                                          <p:stCondLst>
+                                            <p:cond delay="0"/>
+                                          </p:stCondLst>
+                                        </p:cTn>
+                                        <p:tgtEl>
+                                          <p:spTgt spid="8"/>
+                                        </p:tgtEl>
+                                        <p:attrNameLst>
+                                          <p:attrName>style.visibility</p:attrName>
+                                        </p:attrNameLst>
+                                      </p:cBhvr>
+                                      <p:to>
+                                        <p:strVal val="hidden"/>
+                                      </p:to>
+                                    </p:set>
+                                  </p:childTnLst>
+                                </p:cTn>
+                              </p:par>
+                            </p:childTnLst>
+                          </p:cTn>
+                        </p:par>
+                      </p:childTnLst>
+                    </p:cTn>
+                  </p:par>
+                  <p:par>
+                    <p:cTn id="27" fill="hold">
+                      <p:stCondLst>
+                        <p:cond delay="indefinite"/>
+                      </p:stCondLst>
+                      <p:childTnLst>
+                        <p:par>
+                          <p:cTn id="28" fill="hold">
+                            <p:stCondLst>
+                              <p:cond delay="0"/>
+                            </p:stCondLst>
+                            <p:childTnLst>
+                              <p:par>
+                                <p:cTn id="29" presetID="1" presetClass="entr" presetSubtype="0" fill="hold" nodeType="clickEffect">
+                                  <p:stCondLst>
+                                    <p:cond delay="0"/>
+                                  </p:stCondLst>
+                                  <p:childTnLst>
+                                    <p:set>
+                                      <p:cBhvr>
+                                        <p:cTn id="30" dur="1" fill="hold">
+                                          <p:stCondLst>
+                                            <p:cond delay="0"/>
+                                          </p:stCondLst>
+                                        </p:cTn>
+                                        <p:tgtEl>
+                                          <p:spTgt spid="10"/>
+                                        </p:tgtEl>
+                                        <p:attrNameLst>
+                                          <p:attrName>style.visibility</p:attrName>
+                                        </p:attrNameLst>
+                                      </p:cBhvr>
+                                      <p:to>
+                                        <p:strVal val="visible"/>
+                                      </p:to>
+                                    </p:set>
+                                  </p:childTnLst>
+                                </p:cTn>
+                              </p:par>
+                              <p:par>
+                                <p:cTn id="31" presetID="1" presetClass="exit" presetSubtype="0" fill="hold" nodeType="withEffect">
+                                  <p:stCondLst>
+                                    <p:cond delay="0"/>
+                                  </p:stCondLst>
+                                  <p:childTnLst>
+                                    <p:set>
+                                      <p:cBhvr>
+                                        <p:cTn id="32" dur="1" fill="hold">
+                                          <p:stCondLst>
+                                            <p:cond delay="0"/>
+                                          </p:stCondLst>
+                                        </p:cTn>
+                                        <p:tgtEl>
+                                          <p:spTgt spid="6"/>
+                                        </p:tgtEl>
+                                        <p:attrNameLst>
+                                          <p:attrName>style.visibility</p:attrName>
+                                        </p:attrNameLst>
+                                      </p:cBhvr>
+                                      <p:to>
+                                        <p:strVal val="hidden"/>
+                                      </p:to>
+                                    </p:set>
+                                  </p:childTnLst>
+                                </p:cTn>
+                              </p:par>
+                            </p:childTnLst>
+                          </p:cTn>
+                        </p:par>
+                      </p:childTnLst>
+                    </p:cTn>
+                  </p:par>
+                  <p:par>
+                    <p:cTn id="33" fill="hold">
+                      <p:stCondLst>
+                        <p:cond delay="indefinite"/>
+                      </p:stCondLst>
+                      <p:childTnLst>
+                        <p:par>
+                          <p:cTn id="34" fill="hold">
+                            <p:stCondLst>
+                              <p:cond delay="0"/>
+                            </p:stCondLst>
+                            <p:childTnLst>
+                              <p:par>
+                                <p:cTn id="35" presetID="1" presetClass="entr" presetSubtype="0" fill="hold" nodeType="clickEffect">
+                                  <p:stCondLst>
+                                    <p:cond delay="0"/>
+                                  </p:stCondLst>
+                                  <p:childTnLst>
+                                    <p:set>
+                                      <p:cBhvr>
+                                        <p:cTn id="36" dur="1" fill="hold">
+                                          <p:stCondLst>
+                                            <p:cond delay="0"/>
+                                          </p:stCondLst>
+                                        </p:cTn>
+                                        <p:tgtEl>
+                                          <p:spTgt spid="4"/>
+                                        </p:tgtEl>
+                                        <p:attrNameLst>
+                                          <p:attrName>style.visibility</p:attrName>
+                                        </p:attrNameLst>
+                                      </p:cBhvr>
+                                      <p:to>
+                                        <p:strVal val="visible"/>
+                                      </p:to>
+                                    </p:set>
+                                  </p:childTnLst>
+                                </p:cTn>
+                              </p:par>
+                              <p:par>
+                                <p:cTn id="37" presetID="1" presetClass="exit" presetSubtype="0" fill="hold" nodeType="withEffect">
+                                  <p:stCondLst>
+                                    <p:cond delay="0"/>
+                                  </p:stCondLst>
+                                  <p:childTnLst>
+                                    <p:set>
+                                      <p:cBhvr>
+                                        <p:cTn id="38" dur="1" fill="hold">
+                                          <p:stCondLst>
+                                            <p:cond delay="0"/>
+                                          </p:stCondLst>
+                                        </p:cTn>
+                                        <p:tgtEl>
+                                          <p:spTgt spid="10"/>
+                                        </p:tgtEl>
+                                        <p:attrNameLst>
+                                          <p:attrName>style.visibility</p:attrName>
+                                        </p:attrNameLst>
+                                      </p:cBhvr>
+                                      <p:to>
+                                        <p:strVal val="hidden"/>
+                                      </p:to>
+                                    </p:set>
+                                  </p:childTnLst>
+                                </p:cTn>
+                              </p:par>
+                            </p:childTnLst>
+                          </p:cTn>
+                        </p:par>
+                      </p:childTnLst>
+                    </p:cTn>
+                  </p:par>
+                </p:childTnLst>
+              </p:cTn>
+              <p:prevCondLst>
+                <p:cond evt="onPrev" delay="0">
+                  <p:tgtEl>
+                    <p:sldTgt/>
+                  </p:tgtEl>
+                </p:cond>
+              </p:prevCondLst>
+              <p:nextCondLst>
+                <p:cond evt="onNext" delay="0">
+                  <p:tgtEl>
+                    <p:sldTgt/>
+                  </p:tgtEl>
+                </p:cond>
+              </p:nextCondLst>
+            </p:seq>
+          </p:childTnLst>
+        </p:cTn>
+      </p:par>
+    </p:tnLst>
+    <p:bldLst>
+      <p:bldP spid="5" grpId="1" animBg="1"/>
+    </p:bldLst>
+  </p:timing>
 </p:sld>
 </file>
 
@@ -6333,6 +6873,126 @@
       </p:grpSpPr>
       <p:sp>
         <p:nvSpPr>
+          <p:cNvPr id="31" name="Second Grouping"/>
+          <p:cNvSpPr/>
+          <p:nvPr/>
+        </p:nvSpPr>
+        <p:spPr>
+          <a:xfrm>
+            <a:off x="3091542" y="3444323"/>
+            <a:ext cx="5762171" cy="1506031"/>
+          </a:xfrm>
+          <a:prstGeom prst="roundRect">
+            <a:avLst/>
+          </a:prstGeom>
+          <a:gradFill>
+            <a:gsLst>
+              <a:gs pos="0">
+                <a:schemeClr val="accent4">
+                  <a:lumMod val="60000"/>
+                  <a:lumOff val="40000"/>
+                </a:schemeClr>
+              </a:gs>
+              <a:gs pos="69000">
+                <a:schemeClr val="accent4">
+                  <a:lumMod val="40000"/>
+                  <a:lumOff val="60000"/>
+                </a:schemeClr>
+              </a:gs>
+              <a:gs pos="100000">
+                <a:schemeClr val="accent4">
+                  <a:lumMod val="20000"/>
+                  <a:lumOff val="80000"/>
+                </a:schemeClr>
+              </a:gs>
+            </a:gsLst>
+          </a:gradFill>
+        </p:spPr>
+        <p:style>
+          <a:lnRef idx="1">
+            <a:schemeClr val="accent1"/>
+          </a:lnRef>
+          <a:fillRef idx="3">
+            <a:schemeClr val="accent1"/>
+          </a:fillRef>
+          <a:effectRef idx="2">
+            <a:schemeClr val="accent1"/>
+          </a:effectRef>
+          <a:fontRef idx="minor">
+            <a:schemeClr val="lt1"/>
+          </a:fontRef>
+        </p:style>
+        <p:txBody>
+          <a:bodyPr rtlCol="0" anchor="ctr"/>
+          <a:lstStyle/>
+          <a:p>
+            <a:pPr algn="ctr"/>
+            <a:endParaRPr lang="en-US"/>
+          </a:p>
+        </p:txBody>
+      </p:sp>
+      <p:sp>
+        <p:nvSpPr>
+          <p:cNvPr id="30" name="First Grouping"/>
+          <p:cNvSpPr/>
+          <p:nvPr/>
+        </p:nvSpPr>
+        <p:spPr>
+          <a:xfrm>
+            <a:off x="3091543" y="1887271"/>
+            <a:ext cx="5762171" cy="1506031"/>
+          </a:xfrm>
+          <a:prstGeom prst="roundRect">
+            <a:avLst/>
+          </a:prstGeom>
+          <a:gradFill>
+            <a:gsLst>
+              <a:gs pos="0">
+                <a:schemeClr val="accent4">
+                  <a:lumMod val="60000"/>
+                  <a:lumOff val="40000"/>
+                </a:schemeClr>
+              </a:gs>
+              <a:gs pos="69000">
+                <a:schemeClr val="accent4">
+                  <a:lumMod val="40000"/>
+                  <a:lumOff val="60000"/>
+                </a:schemeClr>
+              </a:gs>
+              <a:gs pos="100000">
+                <a:schemeClr val="accent4">
+                  <a:lumMod val="20000"/>
+                  <a:lumOff val="80000"/>
+                </a:schemeClr>
+              </a:gs>
+            </a:gsLst>
+          </a:gradFill>
+        </p:spPr>
+        <p:style>
+          <a:lnRef idx="1">
+            <a:schemeClr val="accent1"/>
+          </a:lnRef>
+          <a:fillRef idx="3">
+            <a:schemeClr val="accent1"/>
+          </a:fillRef>
+          <a:effectRef idx="2">
+            <a:schemeClr val="accent1"/>
+          </a:effectRef>
+          <a:fontRef idx="minor">
+            <a:schemeClr val="lt1"/>
+          </a:fontRef>
+        </p:style>
+        <p:txBody>
+          <a:bodyPr rtlCol="0" anchor="ctr"/>
+          <a:lstStyle/>
+          <a:p>
+            <a:pPr algn="ctr"/>
+            <a:endParaRPr lang="en-US"/>
+          </a:p>
+        </p:txBody>
+      </p:sp>
+      <p:sp>
+        <p:nvSpPr>
           <p:cNvPr id="2" name="Title 1"/>
           <p:cNvSpPr>
             <a:spLocks noGrp="1"/>
@@ -6356,7 +7016,7 @@
       </p:sp>
       <p:pic>
         <p:nvPicPr>
-          <p:cNvPr id="4" name="Picture 3"/>
+          <p:cNvPr id="4" name="Thinking Bill"/>
           <p:cNvPicPr>
             <a:picLocks noChangeAspect="1"/>
           </p:cNvPicPr>
@@ -6386,7 +7046,7 @@
       </p:pic>
       <p:pic>
         <p:nvPicPr>
-          <p:cNvPr id="5" name="Picture 4"/>
+          <p:cNvPr id="5" name="Success Bill"/>
           <p:cNvPicPr>
             <a:picLocks noChangeAspect="1"/>
           </p:cNvPicPr>
@@ -6406,7 +7066,7 @@
         </p:blipFill>
         <p:spPr>
           <a:xfrm>
-            <a:off x="-184830" y="2539686"/>
+            <a:off x="-184831" y="2530979"/>
             <a:ext cx="3962400" cy="2971800"/>
           </a:xfrm>
           <a:prstGeom prst="rect">
@@ -6416,7 +7076,7 @@
       </p:pic>
       <p:pic>
         <p:nvPicPr>
-          <p:cNvPr id="6" name="Picture 5"/>
+          <p:cNvPr id="6" name="Pickup Bill"/>
           <p:cNvPicPr>
             <a:picLocks noChangeAspect="1"/>
           </p:cNvPicPr>
@@ -6436,7 +7096,7 @@
         </p:blipFill>
         <p:spPr>
           <a:xfrm>
-            <a:off x="-184830" y="2539686"/>
+            <a:off x="-184830" y="2546745"/>
             <a:ext cx="3962400" cy="2971800"/>
           </a:xfrm>
           <a:prstGeom prst="rect">
@@ -6446,7 +7106,7 @@
       </p:pic>
       <p:pic>
         <p:nvPicPr>
-          <p:cNvPr id="7" name="Picture 6"/>
+          <p:cNvPr id="7" name="Throw Bill"/>
           <p:cNvPicPr>
             <a:picLocks noChangeAspect="1"/>
           </p:cNvPicPr>
@@ -6466,7 +7126,7 @@
         </p:blipFill>
         <p:spPr>
           <a:xfrm>
-            <a:off x="-184830" y="2539686"/>
+            <a:off x="-184834" y="2548393"/>
             <a:ext cx="3962400" cy="2971800"/>
           </a:xfrm>
           <a:prstGeom prst="rect">
@@ -6476,13 +7136,13 @@
       </p:pic>
       <p:sp>
         <p:nvSpPr>
-          <p:cNvPr id="8" name="Rectangle 7"/>
+          <p:cNvPr id="8" name="Controller"/>
           <p:cNvSpPr/>
           <p:nvPr/>
         </p:nvSpPr>
         <p:spPr>
           <a:xfrm>
-            <a:off x="3242930" y="1956391"/>
+            <a:off x="-6917083" y="1956391"/>
             <a:ext cx="5486400" cy="583295"/>
           </a:xfrm>
           <a:prstGeom prst="rect">
@@ -6518,13 +7178,13 @@
       </p:sp>
       <p:sp>
         <p:nvSpPr>
-          <p:cNvPr id="9" name="Rectangle 8"/>
+          <p:cNvPr id="9" name="Validation"/>
           <p:cNvSpPr/>
           <p:nvPr/>
         </p:nvSpPr>
         <p:spPr>
           <a:xfrm>
-            <a:off x="3242930" y="2737022"/>
+            <a:off x="-6917083" y="2737022"/>
             <a:ext cx="5486400" cy="583295"/>
           </a:xfrm>
           <a:prstGeom prst="rect">
@@ -6560,13 +7220,13 @@
       </p:sp>
       <p:sp>
         <p:nvSpPr>
-          <p:cNvPr id="10" name="Rectangle 9"/>
+          <p:cNvPr id="10" name="Business Logic"/>
           <p:cNvSpPr/>
           <p:nvPr/>
         </p:nvSpPr>
         <p:spPr>
           <a:xfrm>
-            <a:off x="3242930" y="3517653"/>
+            <a:off x="-6917083" y="3517653"/>
             <a:ext cx="5486400" cy="583295"/>
           </a:xfrm>
           <a:prstGeom prst="rect">
@@ -6602,13 +7262,13 @@
       </p:sp>
       <p:sp>
         <p:nvSpPr>
-          <p:cNvPr id="11" name="Rectangle 10"/>
+          <p:cNvPr id="11" name="Adapter"/>
           <p:cNvSpPr/>
           <p:nvPr/>
         </p:nvSpPr>
         <p:spPr>
           <a:xfrm>
-            <a:off x="3242930" y="4298284"/>
+            <a:off x="-6917083" y="4298284"/>
             <a:ext cx="5486400" cy="583295"/>
           </a:xfrm>
           <a:prstGeom prst="rect">
@@ -6644,13 +7304,13 @@
       </p:sp>
       <p:sp>
         <p:nvSpPr>
-          <p:cNvPr id="12" name="Rectangle 11"/>
+          <p:cNvPr id="12" name="Data"/>
           <p:cNvSpPr/>
           <p:nvPr/>
         </p:nvSpPr>
         <p:spPr>
           <a:xfrm>
-            <a:off x="3242930" y="5078916"/>
+            <a:off x="-6917083" y="5078916"/>
             <a:ext cx="5486400" cy="583295"/>
           </a:xfrm>
           <a:prstGeom prst="rect">
@@ -6686,7 +7346,7 @@
       </p:sp>
       <p:sp>
         <p:nvSpPr>
-          <p:cNvPr id="14" name="Explosion 1 13"/>
+          <p:cNvPr id="14" name="Change 1"/>
           <p:cNvSpPr/>
           <p:nvPr/>
         </p:nvSpPr>
@@ -6724,7 +7384,7 @@
       </p:sp>
       <p:sp>
         <p:nvSpPr>
-          <p:cNvPr id="15" name="Explosion 1 14"/>
+          <p:cNvPr id="15" name="Change 2"/>
           <p:cNvSpPr/>
           <p:nvPr/>
         </p:nvSpPr>
@@ -6762,7 +7422,7 @@
       </p:sp>
       <p:sp>
         <p:nvSpPr>
-          <p:cNvPr id="16" name="Explosion 1 15"/>
+          <p:cNvPr id="16" name="Change 3"/>
           <p:cNvSpPr/>
           <p:nvPr/>
         </p:nvSpPr>
@@ -6800,7 +7460,7 @@
       </p:sp>
       <p:sp>
         <p:nvSpPr>
-          <p:cNvPr id="17" name="Explosion 1 16"/>
+          <p:cNvPr id="17" name="Change 4"/>
           <p:cNvSpPr/>
           <p:nvPr/>
         </p:nvSpPr>
@@ -6838,7 +7498,7 @@
       </p:sp>
       <p:sp>
         <p:nvSpPr>
-          <p:cNvPr id="18" name="Explosion 1 17"/>
+          <p:cNvPr id="18" name="Change 5"/>
           <p:cNvSpPr/>
           <p:nvPr/>
         </p:nvSpPr>
@@ -6876,13 +7536,13 @@
       </p:sp>
       <p:sp>
         <p:nvSpPr>
-          <p:cNvPr id="19" name="Down Arrow 18"/>
+          <p:cNvPr id="19" name="First Flow"/>
           <p:cNvSpPr/>
           <p:nvPr/>
         </p:nvSpPr>
         <p:spPr>
           <a:xfrm>
-            <a:off x="7495953" y="1992857"/>
+            <a:off x="7378461" y="1992857"/>
             <a:ext cx="606500" cy="3632887"/>
           </a:xfrm>
           <a:prstGeom prst="downArrow">
@@ -6914,13 +7574,13 @@
       </p:sp>
       <p:sp>
         <p:nvSpPr>
-          <p:cNvPr id="20" name="Rectangle 19"/>
+          <p:cNvPr id="20" name="Command"/>
           <p:cNvSpPr/>
           <p:nvPr/>
         </p:nvSpPr>
         <p:spPr>
           <a:xfrm>
-            <a:off x="3242930" y="5917391"/>
+            <a:off x="3227252" y="5078916"/>
             <a:ext cx="2541182" cy="583295"/>
           </a:xfrm>
           <a:prstGeom prst="rect">
@@ -6954,15 +7614,83 @@
           </a:p>
         </p:txBody>
       </p:sp>
+      <p:pic>
+        <p:nvPicPr>
+          <p:cNvPr id="22" name="Defeat Bill"/>
+          <p:cNvPicPr>
+            <a:picLocks noChangeAspect="1"/>
+          </p:cNvPicPr>
+          <p:nvPr/>
+        </p:nvPicPr>
+        <p:blipFill>
+          <a:blip r:embed="rId7" cstate="email">
+            <a:extLst>
+              <a:ext uri="{28A0092B-C50C-407E-A947-70E740481C1C}">
+                <a14:useLocalDpi xmlns:a14="http://schemas.microsoft.com/office/drawing/2010/main" val="0"/>
+              </a:ext>
+            </a:extLst>
+          </a:blip>
+          <a:stretch>
+            <a:fillRect/>
+          </a:stretch>
+        </p:blipFill>
+        <p:spPr>
+          <a:xfrm>
+            <a:off x="-184832" y="2553803"/>
+            <a:ext cx="3962400" cy="2971800"/>
+          </a:xfrm>
+          <a:prstGeom prst="rect">
+            <a:avLst/>
+          </a:prstGeom>
+        </p:spPr>
+      </p:pic>
       <p:sp>
         <p:nvSpPr>
-          <p:cNvPr id="21" name="Rectangle 20"/>
+          <p:cNvPr id="28" name="Second Flow"/>
+          <p:cNvSpPr/>
+          <p:nvPr/>
+        </p:nvSpPr>
+        <p:spPr>
+          <a:xfrm flipV="1">
+            <a:off x="7383421" y="1988898"/>
+            <a:ext cx="606500" cy="3632887"/>
+          </a:xfrm>
+          <a:prstGeom prst="downArrow">
+            <a:avLst/>
+          </a:prstGeom>
+        </p:spPr>
+        <p:style>
+          <a:lnRef idx="1">
+            <a:schemeClr val="accent2"/>
+          </a:lnRef>
+          <a:fillRef idx="3">
+            <a:schemeClr val="accent2"/>
+          </a:fillRef>
+          <a:effectRef idx="2">
+            <a:schemeClr val="accent2"/>
+          </a:effectRef>
+          <a:fontRef idx="minor">
+            <a:schemeClr val="lt1"/>
+          </a:fontRef>
+        </p:style>
+        <p:txBody>
+          <a:bodyPr rtlCol="0" anchor="ctr"/>
+          <a:lstStyle/>
+          <a:p>
+            <a:pPr algn="ctr"/>
+            <a:endParaRPr lang="en-US"/>
+          </a:p>
+        </p:txBody>
+      </p:sp>
+      <p:sp>
+        <p:nvSpPr>
+          <p:cNvPr id="21" name="Query"/>
           <p:cNvSpPr/>
           <p:nvPr/>
         </p:nvSpPr>
         <p:spPr>
           <a:xfrm>
-            <a:off x="6188148" y="5917391"/>
+            <a:off x="6156654" y="5078916"/>
             <a:ext cx="2541182" cy="583295"/>
           </a:xfrm>
           <a:prstGeom prst="rect">
@@ -6996,6 +7724,238 @@
           </a:p>
         </p:txBody>
       </p:sp>
+      <p:sp>
+        <p:nvSpPr>
+          <p:cNvPr id="32" name="Connect VA"/>
+          <p:cNvSpPr/>
+          <p:nvPr/>
+        </p:nvSpPr>
+        <p:spPr>
+          <a:xfrm>
+            <a:off x="4121844" y="2999861"/>
+            <a:ext cx="609813" cy="1610962"/>
+          </a:xfrm>
+          <a:prstGeom prst="curvedRightArrow">
+            <a:avLst/>
+          </a:prstGeom>
+        </p:spPr>
+        <p:style>
+          <a:lnRef idx="1">
+            <a:schemeClr val="accent1"/>
+          </a:lnRef>
+          <a:fillRef idx="3">
+            <a:schemeClr val="accent1"/>
+          </a:fillRef>
+          <a:effectRef idx="2">
+            <a:schemeClr val="accent1"/>
+          </a:effectRef>
+          <a:fontRef idx="minor">
+            <a:schemeClr val="lt1"/>
+          </a:fontRef>
+        </p:style>
+        <p:txBody>
+          <a:bodyPr rtlCol="0" anchor="ctr"/>
+          <a:lstStyle/>
+          <a:p>
+            <a:pPr algn="ctr"/>
+            <a:endParaRPr lang="en-US">
+              <a:solidFill>
+                <a:schemeClr val="tx1"/>
+              </a:solidFill>
+            </a:endParaRPr>
+          </a:p>
+        </p:txBody>
+      </p:sp>
+      <p:sp>
+        <p:nvSpPr>
+          <p:cNvPr id="33" name="Connect CV"/>
+          <p:cNvSpPr/>
+          <p:nvPr/>
+        </p:nvSpPr>
+        <p:spPr>
+          <a:xfrm>
+            <a:off x="3420860" y="2295012"/>
+            <a:ext cx="320040" cy="722376"/>
+          </a:xfrm>
+          <a:prstGeom prst="downArrow">
+            <a:avLst/>
+          </a:prstGeom>
+        </p:spPr>
+        <p:style>
+          <a:lnRef idx="1">
+            <a:schemeClr val="accent1"/>
+          </a:lnRef>
+          <a:fillRef idx="3">
+            <a:schemeClr val="accent1"/>
+          </a:fillRef>
+          <a:effectRef idx="2">
+            <a:schemeClr val="accent1"/>
+          </a:effectRef>
+          <a:fontRef idx="minor">
+            <a:schemeClr val="lt1"/>
+          </a:fontRef>
+        </p:style>
+        <p:txBody>
+          <a:bodyPr rtlCol="0" anchor="ctr"/>
+          <a:lstStyle/>
+          <a:p>
+            <a:pPr algn="ctr"/>
+            <a:endParaRPr lang="en-US"/>
+          </a:p>
+        </p:txBody>
+      </p:sp>
+      <p:sp>
+        <p:nvSpPr>
+          <p:cNvPr id="34" name="Connect VB"/>
+          <p:cNvSpPr/>
+          <p:nvPr/>
+        </p:nvSpPr>
+        <p:spPr>
+          <a:xfrm>
+            <a:off x="3420860" y="3095656"/>
+            <a:ext cx="320040" cy="722376"/>
+          </a:xfrm>
+          <a:prstGeom prst="downArrow">
+            <a:avLst/>
+          </a:prstGeom>
+        </p:spPr>
+        <p:style>
+          <a:lnRef idx="1">
+            <a:schemeClr val="accent1"/>
+          </a:lnRef>
+          <a:fillRef idx="3">
+            <a:schemeClr val="accent1"/>
+          </a:fillRef>
+          <a:effectRef idx="2">
+            <a:schemeClr val="accent1"/>
+          </a:effectRef>
+          <a:fontRef idx="minor">
+            <a:schemeClr val="lt1"/>
+          </a:fontRef>
+        </p:style>
+        <p:txBody>
+          <a:bodyPr rtlCol="0" anchor="ctr"/>
+          <a:lstStyle/>
+          <a:p>
+            <a:pPr algn="ctr"/>
+            <a:endParaRPr lang="en-US"/>
+          </a:p>
+        </p:txBody>
+      </p:sp>
+      <p:sp>
+        <p:nvSpPr>
+          <p:cNvPr id="35" name="Connect BA"/>
+          <p:cNvSpPr/>
+          <p:nvPr/>
+        </p:nvSpPr>
+        <p:spPr>
+          <a:xfrm>
+            <a:off x="3420860" y="3896300"/>
+            <a:ext cx="320040" cy="722376"/>
+          </a:xfrm>
+          <a:prstGeom prst="downArrow">
+            <a:avLst/>
+          </a:prstGeom>
+        </p:spPr>
+        <p:style>
+          <a:lnRef idx="1">
+            <a:schemeClr val="accent1"/>
+          </a:lnRef>
+          <a:fillRef idx="3">
+            <a:schemeClr val="accent1"/>
+          </a:fillRef>
+          <a:effectRef idx="2">
+            <a:schemeClr val="accent1"/>
+          </a:effectRef>
+          <a:fontRef idx="minor">
+            <a:schemeClr val="lt1"/>
+          </a:fontRef>
+        </p:style>
+        <p:txBody>
+          <a:bodyPr rtlCol="0" anchor="ctr"/>
+          <a:lstStyle/>
+          <a:p>
+            <a:pPr algn="ctr"/>
+            <a:endParaRPr lang="en-US"/>
+          </a:p>
+        </p:txBody>
+      </p:sp>
+      <p:sp>
+        <p:nvSpPr>
+          <p:cNvPr id="36" name="Connect AD"/>
+          <p:cNvSpPr/>
+          <p:nvPr/>
+        </p:nvSpPr>
+        <p:spPr>
+          <a:xfrm>
+            <a:off x="3420860" y="4696944"/>
+            <a:ext cx="320040" cy="722376"/>
+          </a:xfrm>
+          <a:prstGeom prst="downArrow">
+            <a:avLst/>
+          </a:prstGeom>
+        </p:spPr>
+        <p:style>
+          <a:lnRef idx="1">
+            <a:schemeClr val="accent1"/>
+          </a:lnRef>
+          <a:fillRef idx="3">
+            <a:schemeClr val="accent1"/>
+          </a:fillRef>
+          <a:effectRef idx="2">
+            <a:schemeClr val="accent1"/>
+          </a:effectRef>
+          <a:fontRef idx="minor">
+            <a:schemeClr val="lt1"/>
+          </a:fontRef>
+        </p:style>
+        <p:txBody>
+          <a:bodyPr rtlCol="0" anchor="ctr"/>
+          <a:lstStyle/>
+          <a:p>
+            <a:pPr algn="ctr"/>
+            <a:endParaRPr lang="en-US"/>
+          </a:p>
+        </p:txBody>
+      </p:sp>
+      <p:sp>
+        <p:nvSpPr>
+          <p:cNvPr id="37" name="Connect AD 2"/>
+          <p:cNvSpPr/>
+          <p:nvPr/>
+        </p:nvSpPr>
+        <p:spPr>
+          <a:xfrm>
+            <a:off x="6406396" y="4696944"/>
+            <a:ext cx="320040" cy="722376"/>
+          </a:xfrm>
+          <a:prstGeom prst="downArrow">
+            <a:avLst/>
+          </a:prstGeom>
+        </p:spPr>
+        <p:style>
+          <a:lnRef idx="1">
+            <a:schemeClr val="accent1"/>
+          </a:lnRef>
+          <a:fillRef idx="3">
+            <a:schemeClr val="accent1"/>
+          </a:fillRef>
+          <a:effectRef idx="2">
+            <a:schemeClr val="accent1"/>
+          </a:effectRef>
+          <a:fontRef idx="minor">
+            <a:schemeClr val="lt1"/>
+          </a:fontRef>
+        </p:style>
+        <p:txBody>
+          <a:bodyPr rtlCol="0" anchor="ctr"/>
+          <a:lstStyle/>
+          <a:p>
+            <a:pPr algn="ctr"/>
+            <a:endParaRPr lang="en-US"/>
+          </a:p>
+        </p:txBody>
+      </p:sp>
     </p:spTree>
     <p:extLst>
       <p:ext uri="{BB962C8B-B14F-4D97-AF65-F5344CB8AC3E}">
@@ -7006,6 +7966,2888 @@
   <p:clrMapOvr>
     <a:masterClrMapping/>
   </p:clrMapOvr>
+  <p:timing>
+    <p:tnLst>
+      <p:par>
+        <p:cTn id="1" dur="indefinite" restart="never" nodeType="tmRoot">
+          <p:childTnLst>
+            <p:seq concurrent="1" nextAc="seek">
+              <p:cTn id="2" dur="indefinite" nodeType="mainSeq">
+                <p:childTnLst>
+                  <p:par>
+                    <p:cTn id="3" fill="hold">
+                      <p:stCondLst>
+                        <p:cond delay="indefinite"/>
+                        <p:cond evt="onBegin" delay="0">
+                          <p:tn val="2"/>
+                        </p:cond>
+                      </p:stCondLst>
+                      <p:childTnLst>
+                        <p:par>
+                          <p:cTn id="4" fill="hold">
+                            <p:stCondLst>
+                              <p:cond delay="0"/>
+                            </p:stCondLst>
+                            <p:childTnLst>
+                              <p:par>
+                                <p:cTn id="5" presetID="1" presetClass="entr" presetSubtype="0" fill="hold" nodeType="withEffect">
+                                  <p:stCondLst>
+                                    <p:cond delay="0"/>
+                                  </p:stCondLst>
+                                  <p:childTnLst>
+                                    <p:set>
+                                      <p:cBhvr>
+                                        <p:cTn id="6" dur="1" fill="hold">
+                                          <p:stCondLst>
+                                            <p:cond delay="0"/>
+                                          </p:stCondLst>
+                                        </p:cTn>
+                                        <p:tgtEl>
+                                          <p:spTgt spid="4"/>
+                                        </p:tgtEl>
+                                        <p:attrNameLst>
+                                          <p:attrName>style.visibility</p:attrName>
+                                        </p:attrNameLst>
+                                      </p:cBhvr>
+                                      <p:to>
+                                        <p:strVal val="visible"/>
+                                      </p:to>
+                                    </p:set>
+                                  </p:childTnLst>
+                                </p:cTn>
+                              </p:par>
+                            </p:childTnLst>
+                          </p:cTn>
+                        </p:par>
+                      </p:childTnLst>
+                    </p:cTn>
+                  </p:par>
+                  <p:par>
+                    <p:cTn id="7" fill="hold">
+                      <p:stCondLst>
+                        <p:cond delay="indefinite"/>
+                      </p:stCondLst>
+                      <p:childTnLst>
+                        <p:par>
+                          <p:cTn id="8" fill="hold">
+                            <p:stCondLst>
+                              <p:cond delay="0"/>
+                            </p:stCondLst>
+                            <p:childTnLst>
+                              <p:par>
+                                <p:cTn id="9" presetID="1" presetClass="entr" presetSubtype="0" fill="hold" nodeType="clickEffect">
+                                  <p:stCondLst>
+                                    <p:cond delay="0"/>
+                                  </p:stCondLst>
+                                  <p:childTnLst>
+                                    <p:set>
+                                      <p:cBhvr>
+                                        <p:cTn id="10" dur="1" fill="hold">
+                                          <p:stCondLst>
+                                            <p:cond delay="0"/>
+                                          </p:stCondLst>
+                                        </p:cTn>
+                                        <p:tgtEl>
+                                          <p:spTgt spid="6"/>
+                                        </p:tgtEl>
+                                        <p:attrNameLst>
+                                          <p:attrName>style.visibility</p:attrName>
+                                        </p:attrNameLst>
+                                      </p:cBhvr>
+                                      <p:to>
+                                        <p:strVal val="visible"/>
+                                      </p:to>
+                                    </p:set>
+                                  </p:childTnLst>
+                                </p:cTn>
+                              </p:par>
+                              <p:par>
+                                <p:cTn id="11" presetID="1" presetClass="exit" presetSubtype="0" fill="hold" nodeType="withEffect">
+                                  <p:stCondLst>
+                                    <p:cond delay="0"/>
+                                  </p:stCondLst>
+                                  <p:childTnLst>
+                                    <p:set>
+                                      <p:cBhvr>
+                                        <p:cTn id="12" dur="1" fill="hold">
+                                          <p:stCondLst>
+                                            <p:cond delay="0"/>
+                                          </p:stCondLst>
+                                        </p:cTn>
+                                        <p:tgtEl>
+                                          <p:spTgt spid="4"/>
+                                        </p:tgtEl>
+                                        <p:attrNameLst>
+                                          <p:attrName>style.visibility</p:attrName>
+                                        </p:attrNameLst>
+                                      </p:cBhvr>
+                                      <p:to>
+                                        <p:strVal val="hidden"/>
+                                      </p:to>
+                                    </p:set>
+                                  </p:childTnLst>
+                                </p:cTn>
+                              </p:par>
+                            </p:childTnLst>
+                          </p:cTn>
+                        </p:par>
+                      </p:childTnLst>
+                    </p:cTn>
+                  </p:par>
+                  <p:par>
+                    <p:cTn id="13" fill="hold">
+                      <p:stCondLst>
+                        <p:cond delay="indefinite"/>
+                      </p:stCondLst>
+                      <p:childTnLst>
+                        <p:par>
+                          <p:cTn id="14" fill="hold">
+                            <p:stCondLst>
+                              <p:cond delay="0"/>
+                            </p:stCondLst>
+                            <p:childTnLst>
+                              <p:par>
+                                <p:cTn id="15" presetID="37" presetClass="path" presetSubtype="0" accel="50000" decel="50000" fill="hold" grpId="0" nodeType="clickEffect">
+                                  <p:stCondLst>
+                                    <p:cond delay="0"/>
+                                  </p:stCondLst>
+                                  <p:childTnLst>
+                                    <p:animMotion origin="layout" path="M 3.61111E-6 2.22222E-6 L 0.30729 -0.10509 C 0.38298 -0.12871 0.46267 -0.14144 0.5743 -0.14144 C 0.68993 -0.14144 0.7658 -0.12871 0.84149 -0.10509 L 1.10885 2.22222E-6 " pathEditMode="relative" rAng="0" ptsTypes="AAAAA">
+                                      <p:cBhvr>
+                                        <p:cTn id="16" dur="500" fill="hold"/>
+                                        <p:tgtEl>
+                                          <p:spTgt spid="8"/>
+                                        </p:tgtEl>
+                                        <p:attrNameLst>
+                                          <p:attrName>ppt_x</p:attrName>
+                                          <p:attrName>ppt_y</p:attrName>
+                                        </p:attrNameLst>
+                                      </p:cBhvr>
+                                      <p:rCtr x="55434" y="-7083"/>
+                                    </p:animMotion>
+                                  </p:childTnLst>
+                                </p:cTn>
+                              </p:par>
+                              <p:par>
+                                <p:cTn id="17" presetID="1" presetClass="entr" presetSubtype="0" fill="hold" nodeType="withEffect">
+                                  <p:stCondLst>
+                                    <p:cond delay="100"/>
+                                  </p:stCondLst>
+                                  <p:childTnLst>
+                                    <p:set>
+                                      <p:cBhvr>
+                                        <p:cTn id="18" dur="1" fill="hold">
+                                          <p:stCondLst>
+                                            <p:cond delay="0"/>
+                                          </p:stCondLst>
+                                        </p:cTn>
+                                        <p:tgtEl>
+                                          <p:spTgt spid="7"/>
+                                        </p:tgtEl>
+                                        <p:attrNameLst>
+                                          <p:attrName>style.visibility</p:attrName>
+                                        </p:attrNameLst>
+                                      </p:cBhvr>
+                                      <p:to>
+                                        <p:strVal val="visible"/>
+                                      </p:to>
+                                    </p:set>
+                                  </p:childTnLst>
+                                </p:cTn>
+                              </p:par>
+                              <p:par>
+                                <p:cTn id="19" presetID="1" presetClass="exit" presetSubtype="0" fill="hold" nodeType="withEffect">
+                                  <p:stCondLst>
+                                    <p:cond delay="100"/>
+                                  </p:stCondLst>
+                                  <p:childTnLst>
+                                    <p:set>
+                                      <p:cBhvr>
+                                        <p:cTn id="20" dur="1" fill="hold">
+                                          <p:stCondLst>
+                                            <p:cond delay="0"/>
+                                          </p:stCondLst>
+                                        </p:cTn>
+                                        <p:tgtEl>
+                                          <p:spTgt spid="6"/>
+                                        </p:tgtEl>
+                                        <p:attrNameLst>
+                                          <p:attrName>style.visibility</p:attrName>
+                                        </p:attrNameLst>
+                                      </p:cBhvr>
+                                      <p:to>
+                                        <p:strVal val="hidden"/>
+                                      </p:to>
+                                    </p:set>
+                                  </p:childTnLst>
+                                </p:cTn>
+                              </p:par>
+                            </p:childTnLst>
+                          </p:cTn>
+                        </p:par>
+                      </p:childTnLst>
+                    </p:cTn>
+                  </p:par>
+                  <p:par>
+                    <p:cTn id="21" fill="hold">
+                      <p:stCondLst>
+                        <p:cond delay="indefinite"/>
+                      </p:stCondLst>
+                      <p:childTnLst>
+                        <p:par>
+                          <p:cTn id="22" fill="hold">
+                            <p:stCondLst>
+                              <p:cond delay="0"/>
+                            </p:stCondLst>
+                            <p:childTnLst>
+                              <p:par>
+                                <p:cTn id="23" presetID="1" presetClass="entr" presetSubtype="0" fill="hold" nodeType="clickEffect">
+                                  <p:stCondLst>
+                                    <p:cond delay="0"/>
+                                  </p:stCondLst>
+                                  <p:childTnLst>
+                                    <p:set>
+                                      <p:cBhvr>
+                                        <p:cTn id="24" dur="1" fill="hold">
+                                          <p:stCondLst>
+                                            <p:cond delay="0"/>
+                                          </p:stCondLst>
+                                        </p:cTn>
+                                        <p:tgtEl>
+                                          <p:spTgt spid="4"/>
+                                        </p:tgtEl>
+                                        <p:attrNameLst>
+                                          <p:attrName>style.visibility</p:attrName>
+                                        </p:attrNameLst>
+                                      </p:cBhvr>
+                                      <p:to>
+                                        <p:strVal val="visible"/>
+                                      </p:to>
+                                    </p:set>
+                                  </p:childTnLst>
+                                </p:cTn>
+                              </p:par>
+                              <p:par>
+                                <p:cTn id="25" presetID="1" presetClass="exit" presetSubtype="0" fill="hold" nodeType="withEffect">
+                                  <p:stCondLst>
+                                    <p:cond delay="0"/>
+                                  </p:stCondLst>
+                                  <p:childTnLst>
+                                    <p:set>
+                                      <p:cBhvr>
+                                        <p:cTn id="26" dur="1" fill="hold">
+                                          <p:stCondLst>
+                                            <p:cond delay="0"/>
+                                          </p:stCondLst>
+                                        </p:cTn>
+                                        <p:tgtEl>
+                                          <p:spTgt spid="7"/>
+                                        </p:tgtEl>
+                                        <p:attrNameLst>
+                                          <p:attrName>style.visibility</p:attrName>
+                                        </p:attrNameLst>
+                                      </p:cBhvr>
+                                      <p:to>
+                                        <p:strVal val="hidden"/>
+                                      </p:to>
+                                    </p:set>
+                                  </p:childTnLst>
+                                </p:cTn>
+                              </p:par>
+                            </p:childTnLst>
+                          </p:cTn>
+                        </p:par>
+                      </p:childTnLst>
+                    </p:cTn>
+                  </p:par>
+                  <p:par>
+                    <p:cTn id="27" fill="hold">
+                      <p:stCondLst>
+                        <p:cond delay="indefinite"/>
+                      </p:stCondLst>
+                      <p:childTnLst>
+                        <p:par>
+                          <p:cTn id="28" fill="hold">
+                            <p:stCondLst>
+                              <p:cond delay="0"/>
+                            </p:stCondLst>
+                            <p:childTnLst>
+                              <p:par>
+                                <p:cTn id="29" presetID="1" presetClass="entr" presetSubtype="0" fill="hold" nodeType="clickEffect">
+                                  <p:stCondLst>
+                                    <p:cond delay="0"/>
+                                  </p:stCondLst>
+                                  <p:childTnLst>
+                                    <p:set>
+                                      <p:cBhvr>
+                                        <p:cTn id="30" dur="1" fill="hold">
+                                          <p:stCondLst>
+                                            <p:cond delay="0"/>
+                                          </p:stCondLst>
+                                        </p:cTn>
+                                        <p:tgtEl>
+                                          <p:spTgt spid="6"/>
+                                        </p:tgtEl>
+                                        <p:attrNameLst>
+                                          <p:attrName>style.visibility</p:attrName>
+                                        </p:attrNameLst>
+                                      </p:cBhvr>
+                                      <p:to>
+                                        <p:strVal val="visible"/>
+                                      </p:to>
+                                    </p:set>
+                                  </p:childTnLst>
+                                </p:cTn>
+                              </p:par>
+                              <p:par>
+                                <p:cTn id="31" presetID="1" presetClass="exit" presetSubtype="0" fill="hold" nodeType="withEffect">
+                                  <p:stCondLst>
+                                    <p:cond delay="0"/>
+                                  </p:stCondLst>
+                                  <p:childTnLst>
+                                    <p:set>
+                                      <p:cBhvr>
+                                        <p:cTn id="32" dur="1" fill="hold">
+                                          <p:stCondLst>
+                                            <p:cond delay="0"/>
+                                          </p:stCondLst>
+                                        </p:cTn>
+                                        <p:tgtEl>
+                                          <p:spTgt spid="4"/>
+                                        </p:tgtEl>
+                                        <p:attrNameLst>
+                                          <p:attrName>style.visibility</p:attrName>
+                                        </p:attrNameLst>
+                                      </p:cBhvr>
+                                      <p:to>
+                                        <p:strVal val="hidden"/>
+                                      </p:to>
+                                    </p:set>
+                                  </p:childTnLst>
+                                </p:cTn>
+                              </p:par>
+                            </p:childTnLst>
+                          </p:cTn>
+                        </p:par>
+                      </p:childTnLst>
+                    </p:cTn>
+                  </p:par>
+                  <p:par>
+                    <p:cTn id="33" fill="hold">
+                      <p:stCondLst>
+                        <p:cond delay="indefinite"/>
+                      </p:stCondLst>
+                      <p:childTnLst>
+                        <p:par>
+                          <p:cTn id="34" fill="hold">
+                            <p:stCondLst>
+                              <p:cond delay="0"/>
+                            </p:stCondLst>
+                            <p:childTnLst>
+                              <p:par>
+                                <p:cTn id="35" presetID="37" presetClass="path" presetSubtype="0" accel="50000" decel="50000" fill="hold" grpId="0" nodeType="clickEffect">
+                                  <p:stCondLst>
+                                    <p:cond delay="0"/>
+                                  </p:stCondLst>
+                                  <p:childTnLst>
+                                    <p:animMotion origin="layout" path="M -0.0816 3.33333E-6 L 0.24739 -0.06621 C 0.33073 -0.08125 0.4118 -0.08912 0.53559 -0.08912 C 0.65694 -0.08912 0.74045 -0.08125 0.82135 -0.06621 L 1.10729 3.33333E-6 " pathEditMode="relative" rAng="0" ptsTypes="AAAAA">
+                                      <p:cBhvr>
+                                        <p:cTn id="36" dur="500" fill="hold"/>
+                                        <p:tgtEl>
+                                          <p:spTgt spid="9"/>
+                                        </p:tgtEl>
+                                        <p:attrNameLst>
+                                          <p:attrName>ppt_x</p:attrName>
+                                          <p:attrName>ppt_y</p:attrName>
+                                        </p:attrNameLst>
+                                      </p:cBhvr>
+                                      <p:rCtr x="59444" y="-4468"/>
+                                    </p:animMotion>
+                                  </p:childTnLst>
+                                </p:cTn>
+                              </p:par>
+                              <p:par>
+                                <p:cTn id="37" presetID="1" presetClass="exit" presetSubtype="0" fill="hold" nodeType="withEffect">
+                                  <p:stCondLst>
+                                    <p:cond delay="100"/>
+                                  </p:stCondLst>
+                                  <p:childTnLst>
+                                    <p:set>
+                                      <p:cBhvr>
+                                        <p:cTn id="38" dur="1" fill="hold">
+                                          <p:stCondLst>
+                                            <p:cond delay="0"/>
+                                          </p:stCondLst>
+                                        </p:cTn>
+                                        <p:tgtEl>
+                                          <p:spTgt spid="6"/>
+                                        </p:tgtEl>
+                                        <p:attrNameLst>
+                                          <p:attrName>style.visibility</p:attrName>
+                                        </p:attrNameLst>
+                                      </p:cBhvr>
+                                      <p:to>
+                                        <p:strVal val="hidden"/>
+                                      </p:to>
+                                    </p:set>
+                                  </p:childTnLst>
+                                </p:cTn>
+                              </p:par>
+                              <p:par>
+                                <p:cTn id="39" presetID="1" presetClass="entr" presetSubtype="0" fill="hold" nodeType="withEffect">
+                                  <p:stCondLst>
+                                    <p:cond delay="100"/>
+                                  </p:stCondLst>
+                                  <p:childTnLst>
+                                    <p:set>
+                                      <p:cBhvr>
+                                        <p:cTn id="40" dur="1" fill="hold">
+                                          <p:stCondLst>
+                                            <p:cond delay="0"/>
+                                          </p:stCondLst>
+                                        </p:cTn>
+                                        <p:tgtEl>
+                                          <p:spTgt spid="7"/>
+                                        </p:tgtEl>
+                                        <p:attrNameLst>
+                                          <p:attrName>style.visibility</p:attrName>
+                                        </p:attrNameLst>
+                                      </p:cBhvr>
+                                      <p:to>
+                                        <p:strVal val="visible"/>
+                                      </p:to>
+                                    </p:set>
+                                  </p:childTnLst>
+                                </p:cTn>
+                              </p:par>
+                            </p:childTnLst>
+                          </p:cTn>
+                        </p:par>
+                      </p:childTnLst>
+                    </p:cTn>
+                  </p:par>
+                  <p:par>
+                    <p:cTn id="41" fill="hold">
+                      <p:stCondLst>
+                        <p:cond delay="indefinite"/>
+                      </p:stCondLst>
+                      <p:childTnLst>
+                        <p:par>
+                          <p:cTn id="42" fill="hold">
+                            <p:stCondLst>
+                              <p:cond delay="0"/>
+                            </p:stCondLst>
+                            <p:childTnLst>
+                              <p:par>
+                                <p:cTn id="43" presetID="1" presetClass="entr" presetSubtype="0" fill="hold" nodeType="clickEffect">
+                                  <p:stCondLst>
+                                    <p:cond delay="0"/>
+                                  </p:stCondLst>
+                                  <p:childTnLst>
+                                    <p:set>
+                                      <p:cBhvr>
+                                        <p:cTn id="44" dur="1" fill="hold">
+                                          <p:stCondLst>
+                                            <p:cond delay="0"/>
+                                          </p:stCondLst>
+                                        </p:cTn>
+                                        <p:tgtEl>
+                                          <p:spTgt spid="4"/>
+                                        </p:tgtEl>
+                                        <p:attrNameLst>
+                                          <p:attrName>style.visibility</p:attrName>
+                                        </p:attrNameLst>
+                                      </p:cBhvr>
+                                      <p:to>
+                                        <p:strVal val="visible"/>
+                                      </p:to>
+                                    </p:set>
+                                  </p:childTnLst>
+                                </p:cTn>
+                              </p:par>
+                              <p:par>
+                                <p:cTn id="45" presetID="1" presetClass="exit" presetSubtype="0" fill="hold" nodeType="withEffect">
+                                  <p:stCondLst>
+                                    <p:cond delay="0"/>
+                                  </p:stCondLst>
+                                  <p:childTnLst>
+                                    <p:set>
+                                      <p:cBhvr>
+                                        <p:cTn id="46" dur="1" fill="hold">
+                                          <p:stCondLst>
+                                            <p:cond delay="0"/>
+                                          </p:stCondLst>
+                                        </p:cTn>
+                                        <p:tgtEl>
+                                          <p:spTgt spid="7"/>
+                                        </p:tgtEl>
+                                        <p:attrNameLst>
+                                          <p:attrName>style.visibility</p:attrName>
+                                        </p:attrNameLst>
+                                      </p:cBhvr>
+                                      <p:to>
+                                        <p:strVal val="hidden"/>
+                                      </p:to>
+                                    </p:set>
+                                  </p:childTnLst>
+                                </p:cTn>
+                              </p:par>
+                            </p:childTnLst>
+                          </p:cTn>
+                        </p:par>
+                      </p:childTnLst>
+                    </p:cTn>
+                  </p:par>
+                  <p:par>
+                    <p:cTn id="47" fill="hold">
+                      <p:stCondLst>
+                        <p:cond delay="indefinite"/>
+                      </p:stCondLst>
+                      <p:childTnLst>
+                        <p:par>
+                          <p:cTn id="48" fill="hold">
+                            <p:stCondLst>
+                              <p:cond delay="0"/>
+                            </p:stCondLst>
+                            <p:childTnLst>
+                              <p:par>
+                                <p:cTn id="49" presetID="1" presetClass="entr" presetSubtype="0" fill="hold" nodeType="clickEffect">
+                                  <p:stCondLst>
+                                    <p:cond delay="0"/>
+                                  </p:stCondLst>
+                                  <p:childTnLst>
+                                    <p:set>
+                                      <p:cBhvr>
+                                        <p:cTn id="50" dur="1" fill="hold">
+                                          <p:stCondLst>
+                                            <p:cond delay="0"/>
+                                          </p:stCondLst>
+                                        </p:cTn>
+                                        <p:tgtEl>
+                                          <p:spTgt spid="6"/>
+                                        </p:tgtEl>
+                                        <p:attrNameLst>
+                                          <p:attrName>style.visibility</p:attrName>
+                                        </p:attrNameLst>
+                                      </p:cBhvr>
+                                      <p:to>
+                                        <p:strVal val="visible"/>
+                                      </p:to>
+                                    </p:set>
+                                  </p:childTnLst>
+                                </p:cTn>
+                              </p:par>
+                              <p:par>
+                                <p:cTn id="51" presetID="1" presetClass="exit" presetSubtype="0" fill="hold" nodeType="withEffect">
+                                  <p:stCondLst>
+                                    <p:cond delay="0"/>
+                                  </p:stCondLst>
+                                  <p:childTnLst>
+                                    <p:set>
+                                      <p:cBhvr>
+                                        <p:cTn id="52" dur="1" fill="hold">
+                                          <p:stCondLst>
+                                            <p:cond delay="0"/>
+                                          </p:stCondLst>
+                                        </p:cTn>
+                                        <p:tgtEl>
+                                          <p:spTgt spid="4"/>
+                                        </p:tgtEl>
+                                        <p:attrNameLst>
+                                          <p:attrName>style.visibility</p:attrName>
+                                        </p:attrNameLst>
+                                      </p:cBhvr>
+                                      <p:to>
+                                        <p:strVal val="hidden"/>
+                                      </p:to>
+                                    </p:set>
+                                  </p:childTnLst>
+                                </p:cTn>
+                              </p:par>
+                            </p:childTnLst>
+                          </p:cTn>
+                        </p:par>
+                      </p:childTnLst>
+                    </p:cTn>
+                  </p:par>
+                  <p:par>
+                    <p:cTn id="53" fill="hold">
+                      <p:stCondLst>
+                        <p:cond delay="indefinite"/>
+                      </p:stCondLst>
+                      <p:childTnLst>
+                        <p:par>
+                          <p:cTn id="54" fill="hold">
+                            <p:stCondLst>
+                              <p:cond delay="0"/>
+                            </p:stCondLst>
+                            <p:childTnLst>
+                              <p:par>
+                                <p:cTn id="55" presetID="37" presetClass="path" presetSubtype="0" accel="50000" decel="50000" fill="hold" grpId="0" nodeType="clickEffect">
+                                  <p:stCondLst>
+                                    <p:cond delay="0"/>
+                                  </p:stCondLst>
+                                  <p:childTnLst>
+                                    <p:animMotion origin="layout" path="M -0.10712 -4.07407E-6 L 0.22899 -0.19699 C 0.29583 -0.24143 0.39027 -0.26527 0.49618 -0.26527 C 0.61996 -0.26527 0.71441 -0.24143 0.79097 -0.19699 L 1.10555 -4.07407E-6 " pathEditMode="relative" rAng="0" ptsTypes="AAAAA">
+                                      <p:cBhvr>
+                                        <p:cTn id="56" dur="500" fill="hold"/>
+                                        <p:tgtEl>
+                                          <p:spTgt spid="10"/>
+                                        </p:tgtEl>
+                                        <p:attrNameLst>
+                                          <p:attrName>ppt_x</p:attrName>
+                                          <p:attrName>ppt_y</p:attrName>
+                                        </p:attrNameLst>
+                                      </p:cBhvr>
+                                      <p:rCtr x="60625" y="-13264"/>
+                                    </p:animMotion>
+                                  </p:childTnLst>
+                                </p:cTn>
+                              </p:par>
+                              <p:par>
+                                <p:cTn id="57" presetID="1" presetClass="entr" presetSubtype="0" fill="hold" nodeType="withEffect">
+                                  <p:stCondLst>
+                                    <p:cond delay="100"/>
+                                  </p:stCondLst>
+                                  <p:childTnLst>
+                                    <p:set>
+                                      <p:cBhvr>
+                                        <p:cTn id="58" dur="1" fill="hold">
+                                          <p:stCondLst>
+                                            <p:cond delay="0"/>
+                                          </p:stCondLst>
+                                        </p:cTn>
+                                        <p:tgtEl>
+                                          <p:spTgt spid="7"/>
+                                        </p:tgtEl>
+                                        <p:attrNameLst>
+                                          <p:attrName>style.visibility</p:attrName>
+                                        </p:attrNameLst>
+                                      </p:cBhvr>
+                                      <p:to>
+                                        <p:strVal val="visible"/>
+                                      </p:to>
+                                    </p:set>
+                                  </p:childTnLst>
+                                </p:cTn>
+                              </p:par>
+                              <p:par>
+                                <p:cTn id="59" presetID="1" presetClass="exit" presetSubtype="0" fill="hold" nodeType="withEffect">
+                                  <p:stCondLst>
+                                    <p:cond delay="100"/>
+                                  </p:stCondLst>
+                                  <p:childTnLst>
+                                    <p:set>
+                                      <p:cBhvr>
+                                        <p:cTn id="60" dur="1" fill="hold">
+                                          <p:stCondLst>
+                                            <p:cond delay="0"/>
+                                          </p:stCondLst>
+                                        </p:cTn>
+                                        <p:tgtEl>
+                                          <p:spTgt spid="6"/>
+                                        </p:tgtEl>
+                                        <p:attrNameLst>
+                                          <p:attrName>style.visibility</p:attrName>
+                                        </p:attrNameLst>
+                                      </p:cBhvr>
+                                      <p:to>
+                                        <p:strVal val="hidden"/>
+                                      </p:to>
+                                    </p:set>
+                                  </p:childTnLst>
+                                </p:cTn>
+                              </p:par>
+                            </p:childTnLst>
+                          </p:cTn>
+                        </p:par>
+                      </p:childTnLst>
+                    </p:cTn>
+                  </p:par>
+                  <p:par>
+                    <p:cTn id="61" fill="hold">
+                      <p:stCondLst>
+                        <p:cond delay="indefinite"/>
+                      </p:stCondLst>
+                      <p:childTnLst>
+                        <p:par>
+                          <p:cTn id="62" fill="hold">
+                            <p:stCondLst>
+                              <p:cond delay="0"/>
+                            </p:stCondLst>
+                            <p:childTnLst>
+                              <p:par>
+                                <p:cTn id="63" presetID="1" presetClass="entr" presetSubtype="0" fill="hold" nodeType="clickEffect">
+                                  <p:stCondLst>
+                                    <p:cond delay="0"/>
+                                  </p:stCondLst>
+                                  <p:childTnLst>
+                                    <p:set>
+                                      <p:cBhvr>
+                                        <p:cTn id="64" dur="1" fill="hold">
+                                          <p:stCondLst>
+                                            <p:cond delay="0"/>
+                                          </p:stCondLst>
+                                        </p:cTn>
+                                        <p:tgtEl>
+                                          <p:spTgt spid="4"/>
+                                        </p:tgtEl>
+                                        <p:attrNameLst>
+                                          <p:attrName>style.visibility</p:attrName>
+                                        </p:attrNameLst>
+                                      </p:cBhvr>
+                                      <p:to>
+                                        <p:strVal val="visible"/>
+                                      </p:to>
+                                    </p:set>
+                                  </p:childTnLst>
+                                </p:cTn>
+                              </p:par>
+                              <p:par>
+                                <p:cTn id="65" presetID="1" presetClass="exit" presetSubtype="0" fill="hold" nodeType="withEffect">
+                                  <p:stCondLst>
+                                    <p:cond delay="0"/>
+                                  </p:stCondLst>
+                                  <p:childTnLst>
+                                    <p:set>
+                                      <p:cBhvr>
+                                        <p:cTn id="66" dur="1" fill="hold">
+                                          <p:stCondLst>
+                                            <p:cond delay="0"/>
+                                          </p:stCondLst>
+                                        </p:cTn>
+                                        <p:tgtEl>
+                                          <p:spTgt spid="7"/>
+                                        </p:tgtEl>
+                                        <p:attrNameLst>
+                                          <p:attrName>style.visibility</p:attrName>
+                                        </p:attrNameLst>
+                                      </p:cBhvr>
+                                      <p:to>
+                                        <p:strVal val="hidden"/>
+                                      </p:to>
+                                    </p:set>
+                                  </p:childTnLst>
+                                </p:cTn>
+                              </p:par>
+                            </p:childTnLst>
+                          </p:cTn>
+                        </p:par>
+                      </p:childTnLst>
+                    </p:cTn>
+                  </p:par>
+                  <p:par>
+                    <p:cTn id="67" fill="hold">
+                      <p:stCondLst>
+                        <p:cond delay="indefinite"/>
+                      </p:stCondLst>
+                      <p:childTnLst>
+                        <p:par>
+                          <p:cTn id="68" fill="hold">
+                            <p:stCondLst>
+                              <p:cond delay="0"/>
+                            </p:stCondLst>
+                            <p:childTnLst>
+                              <p:par>
+                                <p:cTn id="69" presetID="1" presetClass="entr" presetSubtype="0" fill="hold" nodeType="clickEffect">
+                                  <p:stCondLst>
+                                    <p:cond delay="0"/>
+                                  </p:stCondLst>
+                                  <p:childTnLst>
+                                    <p:set>
+                                      <p:cBhvr>
+                                        <p:cTn id="70" dur="1" fill="hold">
+                                          <p:stCondLst>
+                                            <p:cond delay="0"/>
+                                          </p:stCondLst>
+                                        </p:cTn>
+                                        <p:tgtEl>
+                                          <p:spTgt spid="6"/>
+                                        </p:tgtEl>
+                                        <p:attrNameLst>
+                                          <p:attrName>style.visibility</p:attrName>
+                                        </p:attrNameLst>
+                                      </p:cBhvr>
+                                      <p:to>
+                                        <p:strVal val="visible"/>
+                                      </p:to>
+                                    </p:set>
+                                  </p:childTnLst>
+                                </p:cTn>
+                              </p:par>
+                              <p:par>
+                                <p:cTn id="71" presetID="1" presetClass="exit" presetSubtype="0" fill="hold" nodeType="withEffect">
+                                  <p:stCondLst>
+                                    <p:cond delay="0"/>
+                                  </p:stCondLst>
+                                  <p:childTnLst>
+                                    <p:set>
+                                      <p:cBhvr>
+                                        <p:cTn id="72" dur="1" fill="hold">
+                                          <p:stCondLst>
+                                            <p:cond delay="0"/>
+                                          </p:stCondLst>
+                                        </p:cTn>
+                                        <p:tgtEl>
+                                          <p:spTgt spid="4"/>
+                                        </p:tgtEl>
+                                        <p:attrNameLst>
+                                          <p:attrName>style.visibility</p:attrName>
+                                        </p:attrNameLst>
+                                      </p:cBhvr>
+                                      <p:to>
+                                        <p:strVal val="hidden"/>
+                                      </p:to>
+                                    </p:set>
+                                  </p:childTnLst>
+                                </p:cTn>
+                              </p:par>
+                            </p:childTnLst>
+                          </p:cTn>
+                        </p:par>
+                      </p:childTnLst>
+                    </p:cTn>
+                  </p:par>
+                  <p:par>
+                    <p:cTn id="73" fill="hold">
+                      <p:stCondLst>
+                        <p:cond delay="indefinite"/>
+                      </p:stCondLst>
+                      <p:childTnLst>
+                        <p:par>
+                          <p:cTn id="74" fill="hold">
+                            <p:stCondLst>
+                              <p:cond delay="0"/>
+                            </p:stCondLst>
+                            <p:childTnLst>
+                              <p:par>
+                                <p:cTn id="75" presetID="37" presetClass="path" presetSubtype="0" accel="50000" decel="50000" fill="hold" grpId="0" nodeType="clickEffect">
+                                  <p:stCondLst>
+                                    <p:cond delay="0"/>
+                                  </p:stCondLst>
+                                  <p:childTnLst>
+                                    <p:animMotion origin="layout" path="M 3.61111E-6 -2.96296E-6 L 0.30555 -0.16227 C 0.38194 -0.19884 0.45816 -0.21852 0.57257 -0.21852 C 0.68715 -0.21852 0.76354 -0.19884 0.83993 -0.16227 L 1.10729 -2.96296E-6 " pathEditMode="relative" rAng="0" ptsTypes="AAAAA">
+                                      <p:cBhvr>
+                                        <p:cTn id="76" dur="500" fill="hold"/>
+                                        <p:tgtEl>
+                                          <p:spTgt spid="11"/>
+                                        </p:tgtEl>
+                                        <p:attrNameLst>
+                                          <p:attrName>ppt_x</p:attrName>
+                                          <p:attrName>ppt_y</p:attrName>
+                                        </p:attrNameLst>
+                                      </p:cBhvr>
+                                      <p:rCtr x="55365" y="-10926"/>
+                                    </p:animMotion>
+                                  </p:childTnLst>
+                                </p:cTn>
+                              </p:par>
+                              <p:par>
+                                <p:cTn id="77" presetID="1" presetClass="entr" presetSubtype="0" fill="hold" nodeType="withEffect">
+                                  <p:stCondLst>
+                                    <p:cond delay="100"/>
+                                  </p:stCondLst>
+                                  <p:childTnLst>
+                                    <p:set>
+                                      <p:cBhvr>
+                                        <p:cTn id="78" dur="1" fill="hold">
+                                          <p:stCondLst>
+                                            <p:cond delay="0"/>
+                                          </p:stCondLst>
+                                        </p:cTn>
+                                        <p:tgtEl>
+                                          <p:spTgt spid="7"/>
+                                        </p:tgtEl>
+                                        <p:attrNameLst>
+                                          <p:attrName>style.visibility</p:attrName>
+                                        </p:attrNameLst>
+                                      </p:cBhvr>
+                                      <p:to>
+                                        <p:strVal val="visible"/>
+                                      </p:to>
+                                    </p:set>
+                                  </p:childTnLst>
+                                </p:cTn>
+                              </p:par>
+                              <p:par>
+                                <p:cTn id="79" presetID="1" presetClass="exit" presetSubtype="0" fill="hold" nodeType="withEffect">
+                                  <p:stCondLst>
+                                    <p:cond delay="100"/>
+                                  </p:stCondLst>
+                                  <p:childTnLst>
+                                    <p:set>
+                                      <p:cBhvr>
+                                        <p:cTn id="80" dur="1" fill="hold">
+                                          <p:stCondLst>
+                                            <p:cond delay="0"/>
+                                          </p:stCondLst>
+                                        </p:cTn>
+                                        <p:tgtEl>
+                                          <p:spTgt spid="6"/>
+                                        </p:tgtEl>
+                                        <p:attrNameLst>
+                                          <p:attrName>style.visibility</p:attrName>
+                                        </p:attrNameLst>
+                                      </p:cBhvr>
+                                      <p:to>
+                                        <p:strVal val="hidden"/>
+                                      </p:to>
+                                    </p:set>
+                                  </p:childTnLst>
+                                </p:cTn>
+                              </p:par>
+                            </p:childTnLst>
+                          </p:cTn>
+                        </p:par>
+                      </p:childTnLst>
+                    </p:cTn>
+                  </p:par>
+                  <p:par>
+                    <p:cTn id="81" fill="hold">
+                      <p:stCondLst>
+                        <p:cond delay="indefinite"/>
+                      </p:stCondLst>
+                      <p:childTnLst>
+                        <p:par>
+                          <p:cTn id="82" fill="hold">
+                            <p:stCondLst>
+                              <p:cond delay="0"/>
+                            </p:stCondLst>
+                            <p:childTnLst>
+                              <p:par>
+                                <p:cTn id="83" presetID="1" presetClass="entr" presetSubtype="0" fill="hold" nodeType="clickEffect">
+                                  <p:stCondLst>
+                                    <p:cond delay="0"/>
+                                  </p:stCondLst>
+                                  <p:childTnLst>
+                                    <p:set>
+                                      <p:cBhvr>
+                                        <p:cTn id="84" dur="1" fill="hold">
+                                          <p:stCondLst>
+                                            <p:cond delay="0"/>
+                                          </p:stCondLst>
+                                        </p:cTn>
+                                        <p:tgtEl>
+                                          <p:spTgt spid="4"/>
+                                        </p:tgtEl>
+                                        <p:attrNameLst>
+                                          <p:attrName>style.visibility</p:attrName>
+                                        </p:attrNameLst>
+                                      </p:cBhvr>
+                                      <p:to>
+                                        <p:strVal val="visible"/>
+                                      </p:to>
+                                    </p:set>
+                                  </p:childTnLst>
+                                </p:cTn>
+                              </p:par>
+                              <p:par>
+                                <p:cTn id="85" presetID="1" presetClass="exit" presetSubtype="0" fill="hold" nodeType="withEffect">
+                                  <p:stCondLst>
+                                    <p:cond delay="0"/>
+                                  </p:stCondLst>
+                                  <p:childTnLst>
+                                    <p:set>
+                                      <p:cBhvr>
+                                        <p:cTn id="86" dur="1" fill="hold">
+                                          <p:stCondLst>
+                                            <p:cond delay="0"/>
+                                          </p:stCondLst>
+                                        </p:cTn>
+                                        <p:tgtEl>
+                                          <p:spTgt spid="7"/>
+                                        </p:tgtEl>
+                                        <p:attrNameLst>
+                                          <p:attrName>style.visibility</p:attrName>
+                                        </p:attrNameLst>
+                                      </p:cBhvr>
+                                      <p:to>
+                                        <p:strVal val="hidden"/>
+                                      </p:to>
+                                    </p:set>
+                                  </p:childTnLst>
+                                </p:cTn>
+                              </p:par>
+                            </p:childTnLst>
+                          </p:cTn>
+                        </p:par>
+                      </p:childTnLst>
+                    </p:cTn>
+                  </p:par>
+                  <p:par>
+                    <p:cTn id="87" fill="hold">
+                      <p:stCondLst>
+                        <p:cond delay="indefinite"/>
+                      </p:stCondLst>
+                      <p:childTnLst>
+                        <p:par>
+                          <p:cTn id="88" fill="hold">
+                            <p:stCondLst>
+                              <p:cond delay="0"/>
+                            </p:stCondLst>
+                            <p:childTnLst>
+                              <p:par>
+                                <p:cTn id="89" presetID="1" presetClass="entr" presetSubtype="0" fill="hold" nodeType="clickEffect">
+                                  <p:stCondLst>
+                                    <p:cond delay="0"/>
+                                  </p:stCondLst>
+                                  <p:childTnLst>
+                                    <p:set>
+                                      <p:cBhvr>
+                                        <p:cTn id="90" dur="1" fill="hold">
+                                          <p:stCondLst>
+                                            <p:cond delay="0"/>
+                                          </p:stCondLst>
+                                        </p:cTn>
+                                        <p:tgtEl>
+                                          <p:spTgt spid="6"/>
+                                        </p:tgtEl>
+                                        <p:attrNameLst>
+                                          <p:attrName>style.visibility</p:attrName>
+                                        </p:attrNameLst>
+                                      </p:cBhvr>
+                                      <p:to>
+                                        <p:strVal val="visible"/>
+                                      </p:to>
+                                    </p:set>
+                                  </p:childTnLst>
+                                </p:cTn>
+                              </p:par>
+                              <p:par>
+                                <p:cTn id="91" presetID="1" presetClass="exit" presetSubtype="0" fill="hold" nodeType="withEffect">
+                                  <p:stCondLst>
+                                    <p:cond delay="0"/>
+                                  </p:stCondLst>
+                                  <p:childTnLst>
+                                    <p:set>
+                                      <p:cBhvr>
+                                        <p:cTn id="92" dur="1" fill="hold">
+                                          <p:stCondLst>
+                                            <p:cond delay="0"/>
+                                          </p:stCondLst>
+                                        </p:cTn>
+                                        <p:tgtEl>
+                                          <p:spTgt spid="4"/>
+                                        </p:tgtEl>
+                                        <p:attrNameLst>
+                                          <p:attrName>style.visibility</p:attrName>
+                                        </p:attrNameLst>
+                                      </p:cBhvr>
+                                      <p:to>
+                                        <p:strVal val="hidden"/>
+                                      </p:to>
+                                    </p:set>
+                                  </p:childTnLst>
+                                </p:cTn>
+                              </p:par>
+                            </p:childTnLst>
+                          </p:cTn>
+                        </p:par>
+                      </p:childTnLst>
+                    </p:cTn>
+                  </p:par>
+                  <p:par>
+                    <p:cTn id="93" fill="hold">
+                      <p:stCondLst>
+                        <p:cond delay="indefinite"/>
+                      </p:stCondLst>
+                      <p:childTnLst>
+                        <p:par>
+                          <p:cTn id="94" fill="hold">
+                            <p:stCondLst>
+                              <p:cond delay="0"/>
+                            </p:stCondLst>
+                            <p:childTnLst>
+                              <p:par>
+                                <p:cTn id="95" presetID="37" presetClass="path" presetSubtype="0" accel="50000" decel="50000" fill="hold" grpId="0" nodeType="clickEffect">
+                                  <p:stCondLst>
+                                    <p:cond delay="0"/>
+                                  </p:stCondLst>
+                                  <p:childTnLst>
+                                    <p:animMotion origin="layout" path="M 3.61111E-6 -1.85185E-6 L 0.30989 -0.49051 C 0.38611 -0.60092 0.46215 -0.66041 0.57656 -0.66041 C 0.69097 -0.66041 0.76718 -0.60092 0.8434 -0.49051 L 1.11041 -1.85185E-6 " pathEditMode="relative" rAng="0" ptsTypes="AAAAA">
+                                      <p:cBhvr>
+                                        <p:cTn id="96" dur="500" fill="hold"/>
+                                        <p:tgtEl>
+                                          <p:spTgt spid="12"/>
+                                        </p:tgtEl>
+                                        <p:attrNameLst>
+                                          <p:attrName>ppt_x</p:attrName>
+                                          <p:attrName>ppt_y</p:attrName>
+                                        </p:attrNameLst>
+                                      </p:cBhvr>
+                                      <p:rCtr x="55521" y="-33032"/>
+                                    </p:animMotion>
+                                  </p:childTnLst>
+                                </p:cTn>
+                              </p:par>
+                              <p:par>
+                                <p:cTn id="97" presetID="1" presetClass="entr" presetSubtype="0" fill="hold" nodeType="withEffect">
+                                  <p:stCondLst>
+                                    <p:cond delay="100"/>
+                                  </p:stCondLst>
+                                  <p:childTnLst>
+                                    <p:set>
+                                      <p:cBhvr>
+                                        <p:cTn id="98" dur="1" fill="hold">
+                                          <p:stCondLst>
+                                            <p:cond delay="0"/>
+                                          </p:stCondLst>
+                                        </p:cTn>
+                                        <p:tgtEl>
+                                          <p:spTgt spid="7"/>
+                                        </p:tgtEl>
+                                        <p:attrNameLst>
+                                          <p:attrName>style.visibility</p:attrName>
+                                        </p:attrNameLst>
+                                      </p:cBhvr>
+                                      <p:to>
+                                        <p:strVal val="visible"/>
+                                      </p:to>
+                                    </p:set>
+                                  </p:childTnLst>
+                                </p:cTn>
+                              </p:par>
+                              <p:par>
+                                <p:cTn id="99" presetID="1" presetClass="exit" presetSubtype="0" fill="hold" nodeType="withEffect">
+                                  <p:stCondLst>
+                                    <p:cond delay="100"/>
+                                  </p:stCondLst>
+                                  <p:childTnLst>
+                                    <p:set>
+                                      <p:cBhvr>
+                                        <p:cTn id="100" dur="1" fill="hold">
+                                          <p:stCondLst>
+                                            <p:cond delay="0"/>
+                                          </p:stCondLst>
+                                        </p:cTn>
+                                        <p:tgtEl>
+                                          <p:spTgt spid="6"/>
+                                        </p:tgtEl>
+                                        <p:attrNameLst>
+                                          <p:attrName>style.visibility</p:attrName>
+                                        </p:attrNameLst>
+                                      </p:cBhvr>
+                                      <p:to>
+                                        <p:strVal val="hidden"/>
+                                      </p:to>
+                                    </p:set>
+                                  </p:childTnLst>
+                                </p:cTn>
+                              </p:par>
+                            </p:childTnLst>
+                          </p:cTn>
+                        </p:par>
+                      </p:childTnLst>
+                    </p:cTn>
+                  </p:par>
+                  <p:par>
+                    <p:cTn id="101" fill="hold">
+                      <p:stCondLst>
+                        <p:cond delay="indefinite"/>
+                      </p:stCondLst>
+                      <p:childTnLst>
+                        <p:par>
+                          <p:cTn id="102" fill="hold">
+                            <p:stCondLst>
+                              <p:cond delay="0"/>
+                            </p:stCondLst>
+                            <p:childTnLst>
+                              <p:par>
+                                <p:cTn id="103" presetID="1" presetClass="entr" presetSubtype="0" fill="hold" nodeType="clickEffect">
+                                  <p:stCondLst>
+                                    <p:cond delay="0"/>
+                                  </p:stCondLst>
+                                  <p:childTnLst>
+                                    <p:set>
+                                      <p:cBhvr>
+                                        <p:cTn id="104" dur="1" fill="hold">
+                                          <p:stCondLst>
+                                            <p:cond delay="0"/>
+                                          </p:stCondLst>
+                                        </p:cTn>
+                                        <p:tgtEl>
+                                          <p:spTgt spid="4"/>
+                                        </p:tgtEl>
+                                        <p:attrNameLst>
+                                          <p:attrName>style.visibility</p:attrName>
+                                        </p:attrNameLst>
+                                      </p:cBhvr>
+                                      <p:to>
+                                        <p:strVal val="visible"/>
+                                      </p:to>
+                                    </p:set>
+                                  </p:childTnLst>
+                                </p:cTn>
+                              </p:par>
+                              <p:par>
+                                <p:cTn id="105" presetID="1" presetClass="exit" presetSubtype="0" fill="hold" nodeType="withEffect">
+                                  <p:stCondLst>
+                                    <p:cond delay="0"/>
+                                  </p:stCondLst>
+                                  <p:childTnLst>
+                                    <p:set>
+                                      <p:cBhvr>
+                                        <p:cTn id="106" dur="1" fill="hold">
+                                          <p:stCondLst>
+                                            <p:cond delay="0"/>
+                                          </p:stCondLst>
+                                        </p:cTn>
+                                        <p:tgtEl>
+                                          <p:spTgt spid="7"/>
+                                        </p:tgtEl>
+                                        <p:attrNameLst>
+                                          <p:attrName>style.visibility</p:attrName>
+                                        </p:attrNameLst>
+                                      </p:cBhvr>
+                                      <p:to>
+                                        <p:strVal val="hidden"/>
+                                      </p:to>
+                                    </p:set>
+                                  </p:childTnLst>
+                                </p:cTn>
+                              </p:par>
+                            </p:childTnLst>
+                          </p:cTn>
+                        </p:par>
+                      </p:childTnLst>
+                    </p:cTn>
+                  </p:par>
+                  <p:par>
+                    <p:cTn id="107" fill="hold">
+                      <p:stCondLst>
+                        <p:cond delay="indefinite"/>
+                      </p:stCondLst>
+                      <p:childTnLst>
+                        <p:par>
+                          <p:cTn id="108" fill="hold">
+                            <p:stCondLst>
+                              <p:cond delay="0"/>
+                            </p:stCondLst>
+                            <p:childTnLst>
+                              <p:par>
+                                <p:cTn id="109" presetID="14" presetClass="entr" presetSubtype="10" fill="hold" grpId="0" nodeType="clickEffect">
+                                  <p:stCondLst>
+                                    <p:cond delay="0"/>
+                                  </p:stCondLst>
+                                  <p:childTnLst>
+                                    <p:set>
+                                      <p:cBhvr>
+                                        <p:cTn id="110" dur="1" fill="hold">
+                                          <p:stCondLst>
+                                            <p:cond delay="0"/>
+                                          </p:stCondLst>
+                                        </p:cTn>
+                                        <p:tgtEl>
+                                          <p:spTgt spid="33"/>
+                                        </p:tgtEl>
+                                        <p:attrNameLst>
+                                          <p:attrName>style.visibility</p:attrName>
+                                        </p:attrNameLst>
+                                      </p:cBhvr>
+                                      <p:to>
+                                        <p:strVal val="visible"/>
+                                      </p:to>
+                                    </p:set>
+                                    <p:animEffect transition="in" filter="randombar(horizontal)">
+                                      <p:cBhvr>
+                                        <p:cTn id="111" dur="500"/>
+                                        <p:tgtEl>
+                                          <p:spTgt spid="33"/>
+                                        </p:tgtEl>
+                                      </p:cBhvr>
+                                    </p:animEffect>
+                                  </p:childTnLst>
+                                </p:cTn>
+                              </p:par>
+                            </p:childTnLst>
+                          </p:cTn>
+                        </p:par>
+                      </p:childTnLst>
+                    </p:cTn>
+                  </p:par>
+                  <p:par>
+                    <p:cTn id="112" fill="hold">
+                      <p:stCondLst>
+                        <p:cond delay="indefinite"/>
+                      </p:stCondLst>
+                      <p:childTnLst>
+                        <p:par>
+                          <p:cTn id="113" fill="hold">
+                            <p:stCondLst>
+                              <p:cond delay="0"/>
+                            </p:stCondLst>
+                            <p:childTnLst>
+                              <p:par>
+                                <p:cTn id="114" presetID="14" presetClass="entr" presetSubtype="10" fill="hold" grpId="0" nodeType="clickEffect">
+                                  <p:stCondLst>
+                                    <p:cond delay="0"/>
+                                  </p:stCondLst>
+                                  <p:childTnLst>
+                                    <p:set>
+                                      <p:cBhvr>
+                                        <p:cTn id="115" dur="1" fill="hold">
+                                          <p:stCondLst>
+                                            <p:cond delay="0"/>
+                                          </p:stCondLst>
+                                        </p:cTn>
+                                        <p:tgtEl>
+                                          <p:spTgt spid="34"/>
+                                        </p:tgtEl>
+                                        <p:attrNameLst>
+                                          <p:attrName>style.visibility</p:attrName>
+                                        </p:attrNameLst>
+                                      </p:cBhvr>
+                                      <p:to>
+                                        <p:strVal val="visible"/>
+                                      </p:to>
+                                    </p:set>
+                                    <p:animEffect transition="in" filter="randombar(horizontal)">
+                                      <p:cBhvr>
+                                        <p:cTn id="116" dur="500"/>
+                                        <p:tgtEl>
+                                          <p:spTgt spid="34"/>
+                                        </p:tgtEl>
+                                      </p:cBhvr>
+                                    </p:animEffect>
+                                  </p:childTnLst>
+                                </p:cTn>
+                              </p:par>
+                            </p:childTnLst>
+                          </p:cTn>
+                        </p:par>
+                      </p:childTnLst>
+                    </p:cTn>
+                  </p:par>
+                  <p:par>
+                    <p:cTn id="117" fill="hold">
+                      <p:stCondLst>
+                        <p:cond delay="indefinite"/>
+                      </p:stCondLst>
+                      <p:childTnLst>
+                        <p:par>
+                          <p:cTn id="118" fill="hold">
+                            <p:stCondLst>
+                              <p:cond delay="0"/>
+                            </p:stCondLst>
+                            <p:childTnLst>
+                              <p:par>
+                                <p:cTn id="119" presetID="14" presetClass="entr" presetSubtype="10" fill="hold" grpId="0" nodeType="clickEffect">
+                                  <p:stCondLst>
+                                    <p:cond delay="0"/>
+                                  </p:stCondLst>
+                                  <p:childTnLst>
+                                    <p:set>
+                                      <p:cBhvr>
+                                        <p:cTn id="120" dur="1" fill="hold">
+                                          <p:stCondLst>
+                                            <p:cond delay="0"/>
+                                          </p:stCondLst>
+                                        </p:cTn>
+                                        <p:tgtEl>
+                                          <p:spTgt spid="35"/>
+                                        </p:tgtEl>
+                                        <p:attrNameLst>
+                                          <p:attrName>style.visibility</p:attrName>
+                                        </p:attrNameLst>
+                                      </p:cBhvr>
+                                      <p:to>
+                                        <p:strVal val="visible"/>
+                                      </p:to>
+                                    </p:set>
+                                    <p:animEffect transition="in" filter="randombar(horizontal)">
+                                      <p:cBhvr>
+                                        <p:cTn id="121" dur="500"/>
+                                        <p:tgtEl>
+                                          <p:spTgt spid="35"/>
+                                        </p:tgtEl>
+                                      </p:cBhvr>
+                                    </p:animEffect>
+                                  </p:childTnLst>
+                                </p:cTn>
+                              </p:par>
+                            </p:childTnLst>
+                          </p:cTn>
+                        </p:par>
+                      </p:childTnLst>
+                    </p:cTn>
+                  </p:par>
+                  <p:par>
+                    <p:cTn id="122" fill="hold">
+                      <p:stCondLst>
+                        <p:cond delay="indefinite"/>
+                      </p:stCondLst>
+                      <p:childTnLst>
+                        <p:par>
+                          <p:cTn id="123" fill="hold">
+                            <p:stCondLst>
+                              <p:cond delay="0"/>
+                            </p:stCondLst>
+                            <p:childTnLst>
+                              <p:par>
+                                <p:cTn id="124" presetID="14" presetClass="entr" presetSubtype="10" fill="hold" grpId="0" nodeType="clickEffect">
+                                  <p:stCondLst>
+                                    <p:cond delay="0"/>
+                                  </p:stCondLst>
+                                  <p:childTnLst>
+                                    <p:set>
+                                      <p:cBhvr>
+                                        <p:cTn id="125" dur="1" fill="hold">
+                                          <p:stCondLst>
+                                            <p:cond delay="0"/>
+                                          </p:stCondLst>
+                                        </p:cTn>
+                                        <p:tgtEl>
+                                          <p:spTgt spid="36"/>
+                                        </p:tgtEl>
+                                        <p:attrNameLst>
+                                          <p:attrName>style.visibility</p:attrName>
+                                        </p:attrNameLst>
+                                      </p:cBhvr>
+                                      <p:to>
+                                        <p:strVal val="visible"/>
+                                      </p:to>
+                                    </p:set>
+                                    <p:animEffect transition="in" filter="randombar(horizontal)">
+                                      <p:cBhvr>
+                                        <p:cTn id="126" dur="500"/>
+                                        <p:tgtEl>
+                                          <p:spTgt spid="36"/>
+                                        </p:tgtEl>
+                                      </p:cBhvr>
+                                    </p:animEffect>
+                                  </p:childTnLst>
+                                </p:cTn>
+                              </p:par>
+                            </p:childTnLst>
+                          </p:cTn>
+                        </p:par>
+                      </p:childTnLst>
+                    </p:cTn>
+                  </p:par>
+                  <p:par>
+                    <p:cTn id="127" fill="hold">
+                      <p:stCondLst>
+                        <p:cond delay="indefinite"/>
+                      </p:stCondLst>
+                      <p:childTnLst>
+                        <p:par>
+                          <p:cTn id="128" fill="hold">
+                            <p:stCondLst>
+                              <p:cond delay="0"/>
+                            </p:stCondLst>
+                            <p:childTnLst>
+                              <p:par>
+                                <p:cTn id="129" presetID="16" presetClass="entr" presetSubtype="21" fill="hold" grpId="0" nodeType="clickEffect">
+                                  <p:stCondLst>
+                                    <p:cond delay="0"/>
+                                  </p:stCondLst>
+                                  <p:childTnLst>
+                                    <p:set>
+                                      <p:cBhvr>
+                                        <p:cTn id="130" dur="1" fill="hold">
+                                          <p:stCondLst>
+                                            <p:cond delay="0"/>
+                                          </p:stCondLst>
+                                        </p:cTn>
+                                        <p:tgtEl>
+                                          <p:spTgt spid="30"/>
+                                        </p:tgtEl>
+                                        <p:attrNameLst>
+                                          <p:attrName>style.visibility</p:attrName>
+                                        </p:attrNameLst>
+                                      </p:cBhvr>
+                                      <p:to>
+                                        <p:strVal val="visible"/>
+                                      </p:to>
+                                    </p:set>
+                                    <p:animEffect transition="in" filter="barn(inVertical)">
+                                      <p:cBhvr>
+                                        <p:cTn id="131" dur="500"/>
+                                        <p:tgtEl>
+                                          <p:spTgt spid="30"/>
+                                        </p:tgtEl>
+                                      </p:cBhvr>
+                                    </p:animEffect>
+                                  </p:childTnLst>
+                                </p:cTn>
+                              </p:par>
+                            </p:childTnLst>
+                          </p:cTn>
+                        </p:par>
+                      </p:childTnLst>
+                    </p:cTn>
+                  </p:par>
+                  <p:par>
+                    <p:cTn id="132" fill="hold">
+                      <p:stCondLst>
+                        <p:cond delay="indefinite"/>
+                      </p:stCondLst>
+                      <p:childTnLst>
+                        <p:par>
+                          <p:cTn id="133" fill="hold">
+                            <p:stCondLst>
+                              <p:cond delay="0"/>
+                            </p:stCondLst>
+                            <p:childTnLst>
+                              <p:par>
+                                <p:cTn id="134" presetID="16" presetClass="entr" presetSubtype="21" fill="hold" grpId="0" nodeType="clickEffect">
+                                  <p:stCondLst>
+                                    <p:cond delay="0"/>
+                                  </p:stCondLst>
+                                  <p:childTnLst>
+                                    <p:set>
+                                      <p:cBhvr>
+                                        <p:cTn id="135" dur="1" fill="hold">
+                                          <p:stCondLst>
+                                            <p:cond delay="0"/>
+                                          </p:stCondLst>
+                                        </p:cTn>
+                                        <p:tgtEl>
+                                          <p:spTgt spid="31"/>
+                                        </p:tgtEl>
+                                        <p:attrNameLst>
+                                          <p:attrName>style.visibility</p:attrName>
+                                        </p:attrNameLst>
+                                      </p:cBhvr>
+                                      <p:to>
+                                        <p:strVal val="visible"/>
+                                      </p:to>
+                                    </p:set>
+                                    <p:animEffect transition="in" filter="barn(inVertical)">
+                                      <p:cBhvr>
+                                        <p:cTn id="136" dur="500"/>
+                                        <p:tgtEl>
+                                          <p:spTgt spid="31"/>
+                                        </p:tgtEl>
+                                      </p:cBhvr>
+                                    </p:animEffect>
+                                  </p:childTnLst>
+                                </p:cTn>
+                              </p:par>
+                            </p:childTnLst>
+                          </p:cTn>
+                        </p:par>
+                      </p:childTnLst>
+                    </p:cTn>
+                  </p:par>
+                  <p:par>
+                    <p:cTn id="137" fill="hold">
+                      <p:stCondLst>
+                        <p:cond delay="indefinite"/>
+                      </p:stCondLst>
+                      <p:childTnLst>
+                        <p:par>
+                          <p:cTn id="138" fill="hold">
+                            <p:stCondLst>
+                              <p:cond delay="0"/>
+                            </p:stCondLst>
+                            <p:childTnLst>
+                              <p:par>
+                                <p:cTn id="139" presetID="53" presetClass="entr" presetSubtype="16" fill="hold" grpId="0" nodeType="clickEffect">
+                                  <p:stCondLst>
+                                    <p:cond delay="0"/>
+                                  </p:stCondLst>
+                                  <p:childTnLst>
+                                    <p:set>
+                                      <p:cBhvr>
+                                        <p:cTn id="140" dur="1" fill="hold">
+                                          <p:stCondLst>
+                                            <p:cond delay="0"/>
+                                          </p:stCondLst>
+                                        </p:cTn>
+                                        <p:tgtEl>
+                                          <p:spTgt spid="19"/>
+                                        </p:tgtEl>
+                                        <p:attrNameLst>
+                                          <p:attrName>style.visibility</p:attrName>
+                                        </p:attrNameLst>
+                                      </p:cBhvr>
+                                      <p:to>
+                                        <p:strVal val="visible"/>
+                                      </p:to>
+                                    </p:set>
+                                    <p:anim calcmode="lin" valueType="num">
+                                      <p:cBhvr>
+                                        <p:cTn id="141" dur="500" fill="hold"/>
+                                        <p:tgtEl>
+                                          <p:spTgt spid="19"/>
+                                        </p:tgtEl>
+                                        <p:attrNameLst>
+                                          <p:attrName>ppt_w</p:attrName>
+                                        </p:attrNameLst>
+                                      </p:cBhvr>
+                                      <p:tavLst>
+                                        <p:tav tm="0">
+                                          <p:val>
+                                            <p:fltVal val="0"/>
+                                          </p:val>
+                                        </p:tav>
+                                        <p:tav tm="100000">
+                                          <p:val>
+                                            <p:strVal val="#ppt_w"/>
+                                          </p:val>
+                                        </p:tav>
+                                      </p:tavLst>
+                                    </p:anim>
+                                    <p:anim calcmode="lin" valueType="num">
+                                      <p:cBhvr>
+                                        <p:cTn id="142" dur="500" fill="hold"/>
+                                        <p:tgtEl>
+                                          <p:spTgt spid="19"/>
+                                        </p:tgtEl>
+                                        <p:attrNameLst>
+                                          <p:attrName>ppt_h</p:attrName>
+                                        </p:attrNameLst>
+                                      </p:cBhvr>
+                                      <p:tavLst>
+                                        <p:tav tm="0">
+                                          <p:val>
+                                            <p:fltVal val="0"/>
+                                          </p:val>
+                                        </p:tav>
+                                        <p:tav tm="100000">
+                                          <p:val>
+                                            <p:strVal val="#ppt_h"/>
+                                          </p:val>
+                                        </p:tav>
+                                      </p:tavLst>
+                                    </p:anim>
+                                    <p:animEffect transition="in" filter="fade">
+                                      <p:cBhvr>
+                                        <p:cTn id="143" dur="500"/>
+                                        <p:tgtEl>
+                                          <p:spTgt spid="19"/>
+                                        </p:tgtEl>
+                                      </p:cBhvr>
+                                    </p:animEffect>
+                                  </p:childTnLst>
+                                </p:cTn>
+                              </p:par>
+                              <p:par>
+                                <p:cTn id="144" presetID="22" presetClass="exit" presetSubtype="4" fill="hold" grpId="1" nodeType="withEffect">
+                                  <p:stCondLst>
+                                    <p:cond delay="0"/>
+                                  </p:stCondLst>
+                                  <p:childTnLst>
+                                    <p:animEffect transition="out" filter="wipe(down)">
+                                      <p:cBhvr>
+                                        <p:cTn id="145" dur="500"/>
+                                        <p:tgtEl>
+                                          <p:spTgt spid="30"/>
+                                        </p:tgtEl>
+                                      </p:cBhvr>
+                                    </p:animEffect>
+                                    <p:set>
+                                      <p:cBhvr>
+                                        <p:cTn id="146" dur="1" fill="hold">
+                                          <p:stCondLst>
+                                            <p:cond delay="499"/>
+                                          </p:stCondLst>
+                                        </p:cTn>
+                                        <p:tgtEl>
+                                          <p:spTgt spid="30"/>
+                                        </p:tgtEl>
+                                        <p:attrNameLst>
+                                          <p:attrName>style.visibility</p:attrName>
+                                        </p:attrNameLst>
+                                      </p:cBhvr>
+                                      <p:to>
+                                        <p:strVal val="hidden"/>
+                                      </p:to>
+                                    </p:set>
+                                  </p:childTnLst>
+                                </p:cTn>
+                              </p:par>
+                              <p:par>
+                                <p:cTn id="147" presetID="22" presetClass="exit" presetSubtype="4" fill="hold" grpId="1" nodeType="withEffect">
+                                  <p:stCondLst>
+                                    <p:cond delay="0"/>
+                                  </p:stCondLst>
+                                  <p:childTnLst>
+                                    <p:animEffect transition="out" filter="wipe(down)">
+                                      <p:cBhvr>
+                                        <p:cTn id="148" dur="500"/>
+                                        <p:tgtEl>
+                                          <p:spTgt spid="31"/>
+                                        </p:tgtEl>
+                                      </p:cBhvr>
+                                    </p:animEffect>
+                                    <p:set>
+                                      <p:cBhvr>
+                                        <p:cTn id="149" dur="1" fill="hold">
+                                          <p:stCondLst>
+                                            <p:cond delay="499"/>
+                                          </p:stCondLst>
+                                        </p:cTn>
+                                        <p:tgtEl>
+                                          <p:spTgt spid="31"/>
+                                        </p:tgtEl>
+                                        <p:attrNameLst>
+                                          <p:attrName>style.visibility</p:attrName>
+                                        </p:attrNameLst>
+                                      </p:cBhvr>
+                                      <p:to>
+                                        <p:strVal val="hidden"/>
+                                      </p:to>
+                                    </p:set>
+                                  </p:childTnLst>
+                                </p:cTn>
+                              </p:par>
+                            </p:childTnLst>
+                          </p:cTn>
+                        </p:par>
+                      </p:childTnLst>
+                    </p:cTn>
+                  </p:par>
+                  <p:par>
+                    <p:cTn id="150" fill="hold">
+                      <p:stCondLst>
+                        <p:cond delay="indefinite"/>
+                      </p:stCondLst>
+                      <p:childTnLst>
+                        <p:par>
+                          <p:cTn id="151" fill="hold">
+                            <p:stCondLst>
+                              <p:cond delay="0"/>
+                            </p:stCondLst>
+                            <p:childTnLst>
+                              <p:par>
+                                <p:cTn id="152" presetID="53" presetClass="entr" presetSubtype="16" fill="hold" grpId="0" nodeType="clickEffect">
+                                  <p:stCondLst>
+                                    <p:cond delay="0"/>
+                                  </p:stCondLst>
+                                  <p:childTnLst>
+                                    <p:set>
+                                      <p:cBhvr>
+                                        <p:cTn id="153" dur="1" fill="hold">
+                                          <p:stCondLst>
+                                            <p:cond delay="0"/>
+                                          </p:stCondLst>
+                                        </p:cTn>
+                                        <p:tgtEl>
+                                          <p:spTgt spid="28"/>
+                                        </p:tgtEl>
+                                        <p:attrNameLst>
+                                          <p:attrName>style.visibility</p:attrName>
+                                        </p:attrNameLst>
+                                      </p:cBhvr>
+                                      <p:to>
+                                        <p:strVal val="visible"/>
+                                      </p:to>
+                                    </p:set>
+                                    <p:anim calcmode="lin" valueType="num">
+                                      <p:cBhvr>
+                                        <p:cTn id="154" dur="500" fill="hold"/>
+                                        <p:tgtEl>
+                                          <p:spTgt spid="28"/>
+                                        </p:tgtEl>
+                                        <p:attrNameLst>
+                                          <p:attrName>ppt_w</p:attrName>
+                                        </p:attrNameLst>
+                                      </p:cBhvr>
+                                      <p:tavLst>
+                                        <p:tav tm="0">
+                                          <p:val>
+                                            <p:fltVal val="0"/>
+                                          </p:val>
+                                        </p:tav>
+                                        <p:tav tm="100000">
+                                          <p:val>
+                                            <p:strVal val="#ppt_w"/>
+                                          </p:val>
+                                        </p:tav>
+                                      </p:tavLst>
+                                    </p:anim>
+                                    <p:anim calcmode="lin" valueType="num">
+                                      <p:cBhvr>
+                                        <p:cTn id="155" dur="500" fill="hold"/>
+                                        <p:tgtEl>
+                                          <p:spTgt spid="28"/>
+                                        </p:tgtEl>
+                                        <p:attrNameLst>
+                                          <p:attrName>ppt_h</p:attrName>
+                                        </p:attrNameLst>
+                                      </p:cBhvr>
+                                      <p:tavLst>
+                                        <p:tav tm="0">
+                                          <p:val>
+                                            <p:fltVal val="0"/>
+                                          </p:val>
+                                        </p:tav>
+                                        <p:tav tm="100000">
+                                          <p:val>
+                                            <p:strVal val="#ppt_h"/>
+                                          </p:val>
+                                        </p:tav>
+                                      </p:tavLst>
+                                    </p:anim>
+                                    <p:animEffect transition="in" filter="fade">
+                                      <p:cBhvr>
+                                        <p:cTn id="156" dur="500"/>
+                                        <p:tgtEl>
+                                          <p:spTgt spid="28"/>
+                                        </p:tgtEl>
+                                      </p:cBhvr>
+                                    </p:animEffect>
+                                  </p:childTnLst>
+                                </p:cTn>
+                              </p:par>
+                              <p:par>
+                                <p:cTn id="157" presetID="22" presetClass="exit" presetSubtype="4" fill="hold" grpId="1" nodeType="withEffect">
+                                  <p:stCondLst>
+                                    <p:cond delay="0"/>
+                                  </p:stCondLst>
+                                  <p:childTnLst>
+                                    <p:animEffect transition="out" filter="wipe(down)">
+                                      <p:cBhvr>
+                                        <p:cTn id="158" dur="500"/>
+                                        <p:tgtEl>
+                                          <p:spTgt spid="19"/>
+                                        </p:tgtEl>
+                                      </p:cBhvr>
+                                    </p:animEffect>
+                                    <p:set>
+                                      <p:cBhvr>
+                                        <p:cTn id="159" dur="1" fill="hold">
+                                          <p:stCondLst>
+                                            <p:cond delay="499"/>
+                                          </p:stCondLst>
+                                        </p:cTn>
+                                        <p:tgtEl>
+                                          <p:spTgt spid="19"/>
+                                        </p:tgtEl>
+                                        <p:attrNameLst>
+                                          <p:attrName>style.visibility</p:attrName>
+                                        </p:attrNameLst>
+                                      </p:cBhvr>
+                                      <p:to>
+                                        <p:strVal val="hidden"/>
+                                      </p:to>
+                                    </p:set>
+                                  </p:childTnLst>
+                                </p:cTn>
+                              </p:par>
+                            </p:childTnLst>
+                          </p:cTn>
+                        </p:par>
+                      </p:childTnLst>
+                    </p:cTn>
+                  </p:par>
+                  <p:par>
+                    <p:cTn id="160" fill="hold">
+                      <p:stCondLst>
+                        <p:cond delay="indefinite"/>
+                      </p:stCondLst>
+                      <p:childTnLst>
+                        <p:par>
+                          <p:cTn id="161" fill="hold">
+                            <p:stCondLst>
+                              <p:cond delay="0"/>
+                            </p:stCondLst>
+                            <p:childTnLst>
+                              <p:par>
+                                <p:cTn id="162" presetID="1" presetClass="entr" presetSubtype="0" fill="hold" nodeType="clickEffect">
+                                  <p:stCondLst>
+                                    <p:cond delay="0"/>
+                                  </p:stCondLst>
+                                  <p:childTnLst>
+                                    <p:set>
+                                      <p:cBhvr>
+                                        <p:cTn id="163" dur="1" fill="hold">
+                                          <p:stCondLst>
+                                            <p:cond delay="0"/>
+                                          </p:stCondLst>
+                                        </p:cTn>
+                                        <p:tgtEl>
+                                          <p:spTgt spid="5"/>
+                                        </p:tgtEl>
+                                        <p:attrNameLst>
+                                          <p:attrName>style.visibility</p:attrName>
+                                        </p:attrNameLst>
+                                      </p:cBhvr>
+                                      <p:to>
+                                        <p:strVal val="visible"/>
+                                      </p:to>
+                                    </p:set>
+                                  </p:childTnLst>
+                                </p:cTn>
+                              </p:par>
+                              <p:par>
+                                <p:cTn id="164" presetID="1" presetClass="exit" presetSubtype="0" fill="hold" nodeType="withEffect">
+                                  <p:stCondLst>
+                                    <p:cond delay="0"/>
+                                  </p:stCondLst>
+                                  <p:childTnLst>
+                                    <p:set>
+                                      <p:cBhvr>
+                                        <p:cTn id="165" dur="1" fill="hold">
+                                          <p:stCondLst>
+                                            <p:cond delay="0"/>
+                                          </p:stCondLst>
+                                        </p:cTn>
+                                        <p:tgtEl>
+                                          <p:spTgt spid="4"/>
+                                        </p:tgtEl>
+                                        <p:attrNameLst>
+                                          <p:attrName>style.visibility</p:attrName>
+                                        </p:attrNameLst>
+                                      </p:cBhvr>
+                                      <p:to>
+                                        <p:strVal val="hidden"/>
+                                      </p:to>
+                                    </p:set>
+                                  </p:childTnLst>
+                                </p:cTn>
+                              </p:par>
+                            </p:childTnLst>
+                          </p:cTn>
+                        </p:par>
+                      </p:childTnLst>
+                    </p:cTn>
+                  </p:par>
+                  <p:par>
+                    <p:cTn id="166" fill="hold">
+                      <p:stCondLst>
+                        <p:cond delay="indefinite"/>
+                      </p:stCondLst>
+                      <p:childTnLst>
+                        <p:par>
+                          <p:cTn id="167" fill="hold">
+                            <p:stCondLst>
+                              <p:cond delay="0"/>
+                            </p:stCondLst>
+                            <p:childTnLst>
+                              <p:par>
+                                <p:cTn id="168" presetID="31" presetClass="entr" presetSubtype="0" fill="hold" grpId="0" nodeType="clickEffect">
+                                  <p:stCondLst>
+                                    <p:cond delay="0"/>
+                                  </p:stCondLst>
+                                  <p:childTnLst>
+                                    <p:set>
+                                      <p:cBhvr>
+                                        <p:cTn id="169" dur="1" fill="hold">
+                                          <p:stCondLst>
+                                            <p:cond delay="0"/>
+                                          </p:stCondLst>
+                                        </p:cTn>
+                                        <p:tgtEl>
+                                          <p:spTgt spid="14"/>
+                                        </p:tgtEl>
+                                        <p:attrNameLst>
+                                          <p:attrName>style.visibility</p:attrName>
+                                        </p:attrNameLst>
+                                      </p:cBhvr>
+                                      <p:to>
+                                        <p:strVal val="visible"/>
+                                      </p:to>
+                                    </p:set>
+                                    <p:anim calcmode="lin" valueType="num">
+                                      <p:cBhvr>
+                                        <p:cTn id="170" dur="1000" fill="hold"/>
+                                        <p:tgtEl>
+                                          <p:spTgt spid="14"/>
+                                        </p:tgtEl>
+                                        <p:attrNameLst>
+                                          <p:attrName>ppt_w</p:attrName>
+                                        </p:attrNameLst>
+                                      </p:cBhvr>
+                                      <p:tavLst>
+                                        <p:tav tm="0">
+                                          <p:val>
+                                            <p:fltVal val="0"/>
+                                          </p:val>
+                                        </p:tav>
+                                        <p:tav tm="100000">
+                                          <p:val>
+                                            <p:strVal val="#ppt_w"/>
+                                          </p:val>
+                                        </p:tav>
+                                      </p:tavLst>
+                                    </p:anim>
+                                    <p:anim calcmode="lin" valueType="num">
+                                      <p:cBhvr>
+                                        <p:cTn id="171" dur="1000" fill="hold"/>
+                                        <p:tgtEl>
+                                          <p:spTgt spid="14"/>
+                                        </p:tgtEl>
+                                        <p:attrNameLst>
+                                          <p:attrName>ppt_h</p:attrName>
+                                        </p:attrNameLst>
+                                      </p:cBhvr>
+                                      <p:tavLst>
+                                        <p:tav tm="0">
+                                          <p:val>
+                                            <p:fltVal val="0"/>
+                                          </p:val>
+                                        </p:tav>
+                                        <p:tav tm="100000">
+                                          <p:val>
+                                            <p:strVal val="#ppt_h"/>
+                                          </p:val>
+                                        </p:tav>
+                                      </p:tavLst>
+                                    </p:anim>
+                                    <p:anim calcmode="lin" valueType="num">
+                                      <p:cBhvr>
+                                        <p:cTn id="172" dur="1000" fill="hold"/>
+                                        <p:tgtEl>
+                                          <p:spTgt spid="14"/>
+                                        </p:tgtEl>
+                                        <p:attrNameLst>
+                                          <p:attrName>style.rotation</p:attrName>
+                                        </p:attrNameLst>
+                                      </p:cBhvr>
+                                      <p:tavLst>
+                                        <p:tav tm="0">
+                                          <p:val>
+                                            <p:fltVal val="90"/>
+                                          </p:val>
+                                        </p:tav>
+                                        <p:tav tm="100000">
+                                          <p:val>
+                                            <p:fltVal val="0"/>
+                                          </p:val>
+                                        </p:tav>
+                                      </p:tavLst>
+                                    </p:anim>
+                                    <p:animEffect transition="in" filter="fade">
+                                      <p:cBhvr>
+                                        <p:cTn id="173" dur="1000"/>
+                                        <p:tgtEl>
+                                          <p:spTgt spid="14"/>
+                                        </p:tgtEl>
+                                      </p:cBhvr>
+                                    </p:animEffect>
+                                  </p:childTnLst>
+                                </p:cTn>
+                              </p:par>
+                            </p:childTnLst>
+                          </p:cTn>
+                        </p:par>
+                      </p:childTnLst>
+                    </p:cTn>
+                  </p:par>
+                  <p:par>
+                    <p:cTn id="174" fill="hold">
+                      <p:stCondLst>
+                        <p:cond delay="indefinite"/>
+                      </p:stCondLst>
+                      <p:childTnLst>
+                        <p:par>
+                          <p:cTn id="175" fill="hold">
+                            <p:stCondLst>
+                              <p:cond delay="0"/>
+                            </p:stCondLst>
+                            <p:childTnLst>
+                              <p:par>
+                                <p:cTn id="176" presetID="31" presetClass="entr" presetSubtype="0" fill="hold" grpId="0" nodeType="clickEffect">
+                                  <p:stCondLst>
+                                    <p:cond delay="0"/>
+                                  </p:stCondLst>
+                                  <p:childTnLst>
+                                    <p:set>
+                                      <p:cBhvr>
+                                        <p:cTn id="177" dur="1" fill="hold">
+                                          <p:stCondLst>
+                                            <p:cond delay="0"/>
+                                          </p:stCondLst>
+                                        </p:cTn>
+                                        <p:tgtEl>
+                                          <p:spTgt spid="15"/>
+                                        </p:tgtEl>
+                                        <p:attrNameLst>
+                                          <p:attrName>style.visibility</p:attrName>
+                                        </p:attrNameLst>
+                                      </p:cBhvr>
+                                      <p:to>
+                                        <p:strVal val="visible"/>
+                                      </p:to>
+                                    </p:set>
+                                    <p:anim calcmode="lin" valueType="num">
+                                      <p:cBhvr>
+                                        <p:cTn id="178" dur="1000" fill="hold"/>
+                                        <p:tgtEl>
+                                          <p:spTgt spid="15"/>
+                                        </p:tgtEl>
+                                        <p:attrNameLst>
+                                          <p:attrName>ppt_w</p:attrName>
+                                        </p:attrNameLst>
+                                      </p:cBhvr>
+                                      <p:tavLst>
+                                        <p:tav tm="0">
+                                          <p:val>
+                                            <p:fltVal val="0"/>
+                                          </p:val>
+                                        </p:tav>
+                                        <p:tav tm="100000">
+                                          <p:val>
+                                            <p:strVal val="#ppt_w"/>
+                                          </p:val>
+                                        </p:tav>
+                                      </p:tavLst>
+                                    </p:anim>
+                                    <p:anim calcmode="lin" valueType="num">
+                                      <p:cBhvr>
+                                        <p:cTn id="179" dur="1000" fill="hold"/>
+                                        <p:tgtEl>
+                                          <p:spTgt spid="15"/>
+                                        </p:tgtEl>
+                                        <p:attrNameLst>
+                                          <p:attrName>ppt_h</p:attrName>
+                                        </p:attrNameLst>
+                                      </p:cBhvr>
+                                      <p:tavLst>
+                                        <p:tav tm="0">
+                                          <p:val>
+                                            <p:fltVal val="0"/>
+                                          </p:val>
+                                        </p:tav>
+                                        <p:tav tm="100000">
+                                          <p:val>
+                                            <p:strVal val="#ppt_h"/>
+                                          </p:val>
+                                        </p:tav>
+                                      </p:tavLst>
+                                    </p:anim>
+                                    <p:anim calcmode="lin" valueType="num">
+                                      <p:cBhvr>
+                                        <p:cTn id="180" dur="1000" fill="hold"/>
+                                        <p:tgtEl>
+                                          <p:spTgt spid="15"/>
+                                        </p:tgtEl>
+                                        <p:attrNameLst>
+                                          <p:attrName>style.rotation</p:attrName>
+                                        </p:attrNameLst>
+                                      </p:cBhvr>
+                                      <p:tavLst>
+                                        <p:tav tm="0">
+                                          <p:val>
+                                            <p:fltVal val="90"/>
+                                          </p:val>
+                                        </p:tav>
+                                        <p:tav tm="100000">
+                                          <p:val>
+                                            <p:fltVal val="0"/>
+                                          </p:val>
+                                        </p:tav>
+                                      </p:tavLst>
+                                    </p:anim>
+                                    <p:animEffect transition="in" filter="fade">
+                                      <p:cBhvr>
+                                        <p:cTn id="181" dur="1000"/>
+                                        <p:tgtEl>
+                                          <p:spTgt spid="15"/>
+                                        </p:tgtEl>
+                                      </p:cBhvr>
+                                    </p:animEffect>
+                                  </p:childTnLst>
+                                </p:cTn>
+                              </p:par>
+                            </p:childTnLst>
+                          </p:cTn>
+                        </p:par>
+                      </p:childTnLst>
+                    </p:cTn>
+                  </p:par>
+                  <p:par>
+                    <p:cTn id="182" fill="hold">
+                      <p:stCondLst>
+                        <p:cond delay="indefinite"/>
+                      </p:stCondLst>
+                      <p:childTnLst>
+                        <p:par>
+                          <p:cTn id="183" fill="hold">
+                            <p:stCondLst>
+                              <p:cond delay="0"/>
+                            </p:stCondLst>
+                            <p:childTnLst>
+                              <p:par>
+                                <p:cTn id="184" presetID="31" presetClass="entr" presetSubtype="0" fill="hold" grpId="0" nodeType="clickEffect">
+                                  <p:stCondLst>
+                                    <p:cond delay="0"/>
+                                  </p:stCondLst>
+                                  <p:childTnLst>
+                                    <p:set>
+                                      <p:cBhvr>
+                                        <p:cTn id="185" dur="1" fill="hold">
+                                          <p:stCondLst>
+                                            <p:cond delay="0"/>
+                                          </p:stCondLst>
+                                        </p:cTn>
+                                        <p:tgtEl>
+                                          <p:spTgt spid="16"/>
+                                        </p:tgtEl>
+                                        <p:attrNameLst>
+                                          <p:attrName>style.visibility</p:attrName>
+                                        </p:attrNameLst>
+                                      </p:cBhvr>
+                                      <p:to>
+                                        <p:strVal val="visible"/>
+                                      </p:to>
+                                    </p:set>
+                                    <p:anim calcmode="lin" valueType="num">
+                                      <p:cBhvr>
+                                        <p:cTn id="186" dur="1000" fill="hold"/>
+                                        <p:tgtEl>
+                                          <p:spTgt spid="16"/>
+                                        </p:tgtEl>
+                                        <p:attrNameLst>
+                                          <p:attrName>ppt_w</p:attrName>
+                                        </p:attrNameLst>
+                                      </p:cBhvr>
+                                      <p:tavLst>
+                                        <p:tav tm="0">
+                                          <p:val>
+                                            <p:fltVal val="0"/>
+                                          </p:val>
+                                        </p:tav>
+                                        <p:tav tm="100000">
+                                          <p:val>
+                                            <p:strVal val="#ppt_w"/>
+                                          </p:val>
+                                        </p:tav>
+                                      </p:tavLst>
+                                    </p:anim>
+                                    <p:anim calcmode="lin" valueType="num">
+                                      <p:cBhvr>
+                                        <p:cTn id="187" dur="1000" fill="hold"/>
+                                        <p:tgtEl>
+                                          <p:spTgt spid="16"/>
+                                        </p:tgtEl>
+                                        <p:attrNameLst>
+                                          <p:attrName>ppt_h</p:attrName>
+                                        </p:attrNameLst>
+                                      </p:cBhvr>
+                                      <p:tavLst>
+                                        <p:tav tm="0">
+                                          <p:val>
+                                            <p:fltVal val="0"/>
+                                          </p:val>
+                                        </p:tav>
+                                        <p:tav tm="100000">
+                                          <p:val>
+                                            <p:strVal val="#ppt_h"/>
+                                          </p:val>
+                                        </p:tav>
+                                      </p:tavLst>
+                                    </p:anim>
+                                    <p:anim calcmode="lin" valueType="num">
+                                      <p:cBhvr>
+                                        <p:cTn id="188" dur="1000" fill="hold"/>
+                                        <p:tgtEl>
+                                          <p:spTgt spid="16"/>
+                                        </p:tgtEl>
+                                        <p:attrNameLst>
+                                          <p:attrName>style.rotation</p:attrName>
+                                        </p:attrNameLst>
+                                      </p:cBhvr>
+                                      <p:tavLst>
+                                        <p:tav tm="0">
+                                          <p:val>
+                                            <p:fltVal val="90"/>
+                                          </p:val>
+                                        </p:tav>
+                                        <p:tav tm="100000">
+                                          <p:val>
+                                            <p:fltVal val="0"/>
+                                          </p:val>
+                                        </p:tav>
+                                      </p:tavLst>
+                                    </p:anim>
+                                    <p:animEffect transition="in" filter="fade">
+                                      <p:cBhvr>
+                                        <p:cTn id="189" dur="1000"/>
+                                        <p:tgtEl>
+                                          <p:spTgt spid="16"/>
+                                        </p:tgtEl>
+                                      </p:cBhvr>
+                                    </p:animEffect>
+                                  </p:childTnLst>
+                                </p:cTn>
+                              </p:par>
+                            </p:childTnLst>
+                          </p:cTn>
+                        </p:par>
+                      </p:childTnLst>
+                    </p:cTn>
+                  </p:par>
+                  <p:par>
+                    <p:cTn id="190" fill="hold">
+                      <p:stCondLst>
+                        <p:cond delay="indefinite"/>
+                      </p:stCondLst>
+                      <p:childTnLst>
+                        <p:par>
+                          <p:cTn id="191" fill="hold">
+                            <p:stCondLst>
+                              <p:cond delay="0"/>
+                            </p:stCondLst>
+                            <p:childTnLst>
+                              <p:par>
+                                <p:cTn id="192" presetID="31" presetClass="entr" presetSubtype="0" fill="hold" grpId="0" nodeType="clickEffect">
+                                  <p:stCondLst>
+                                    <p:cond delay="0"/>
+                                  </p:stCondLst>
+                                  <p:childTnLst>
+                                    <p:set>
+                                      <p:cBhvr>
+                                        <p:cTn id="193" dur="1" fill="hold">
+                                          <p:stCondLst>
+                                            <p:cond delay="0"/>
+                                          </p:stCondLst>
+                                        </p:cTn>
+                                        <p:tgtEl>
+                                          <p:spTgt spid="17"/>
+                                        </p:tgtEl>
+                                        <p:attrNameLst>
+                                          <p:attrName>style.visibility</p:attrName>
+                                        </p:attrNameLst>
+                                      </p:cBhvr>
+                                      <p:to>
+                                        <p:strVal val="visible"/>
+                                      </p:to>
+                                    </p:set>
+                                    <p:anim calcmode="lin" valueType="num">
+                                      <p:cBhvr>
+                                        <p:cTn id="194" dur="1000" fill="hold"/>
+                                        <p:tgtEl>
+                                          <p:spTgt spid="17"/>
+                                        </p:tgtEl>
+                                        <p:attrNameLst>
+                                          <p:attrName>ppt_w</p:attrName>
+                                        </p:attrNameLst>
+                                      </p:cBhvr>
+                                      <p:tavLst>
+                                        <p:tav tm="0">
+                                          <p:val>
+                                            <p:fltVal val="0"/>
+                                          </p:val>
+                                        </p:tav>
+                                        <p:tav tm="100000">
+                                          <p:val>
+                                            <p:strVal val="#ppt_w"/>
+                                          </p:val>
+                                        </p:tav>
+                                      </p:tavLst>
+                                    </p:anim>
+                                    <p:anim calcmode="lin" valueType="num">
+                                      <p:cBhvr>
+                                        <p:cTn id="195" dur="1000" fill="hold"/>
+                                        <p:tgtEl>
+                                          <p:spTgt spid="17"/>
+                                        </p:tgtEl>
+                                        <p:attrNameLst>
+                                          <p:attrName>ppt_h</p:attrName>
+                                        </p:attrNameLst>
+                                      </p:cBhvr>
+                                      <p:tavLst>
+                                        <p:tav tm="0">
+                                          <p:val>
+                                            <p:fltVal val="0"/>
+                                          </p:val>
+                                        </p:tav>
+                                        <p:tav tm="100000">
+                                          <p:val>
+                                            <p:strVal val="#ppt_h"/>
+                                          </p:val>
+                                        </p:tav>
+                                      </p:tavLst>
+                                    </p:anim>
+                                    <p:anim calcmode="lin" valueType="num">
+                                      <p:cBhvr>
+                                        <p:cTn id="196" dur="1000" fill="hold"/>
+                                        <p:tgtEl>
+                                          <p:spTgt spid="17"/>
+                                        </p:tgtEl>
+                                        <p:attrNameLst>
+                                          <p:attrName>style.rotation</p:attrName>
+                                        </p:attrNameLst>
+                                      </p:cBhvr>
+                                      <p:tavLst>
+                                        <p:tav tm="0">
+                                          <p:val>
+                                            <p:fltVal val="90"/>
+                                          </p:val>
+                                        </p:tav>
+                                        <p:tav tm="100000">
+                                          <p:val>
+                                            <p:fltVal val="0"/>
+                                          </p:val>
+                                        </p:tav>
+                                      </p:tavLst>
+                                    </p:anim>
+                                    <p:animEffect transition="in" filter="fade">
+                                      <p:cBhvr>
+                                        <p:cTn id="197" dur="1000"/>
+                                        <p:tgtEl>
+                                          <p:spTgt spid="17"/>
+                                        </p:tgtEl>
+                                      </p:cBhvr>
+                                    </p:animEffect>
+                                  </p:childTnLst>
+                                </p:cTn>
+                              </p:par>
+                            </p:childTnLst>
+                          </p:cTn>
+                        </p:par>
+                      </p:childTnLst>
+                    </p:cTn>
+                  </p:par>
+                  <p:par>
+                    <p:cTn id="198" fill="hold">
+                      <p:stCondLst>
+                        <p:cond delay="indefinite"/>
+                      </p:stCondLst>
+                      <p:childTnLst>
+                        <p:par>
+                          <p:cTn id="199" fill="hold">
+                            <p:stCondLst>
+                              <p:cond delay="0"/>
+                            </p:stCondLst>
+                            <p:childTnLst>
+                              <p:par>
+                                <p:cTn id="200" presetID="31" presetClass="entr" presetSubtype="0" fill="hold" grpId="0" nodeType="clickEffect">
+                                  <p:stCondLst>
+                                    <p:cond delay="0"/>
+                                  </p:stCondLst>
+                                  <p:childTnLst>
+                                    <p:set>
+                                      <p:cBhvr>
+                                        <p:cTn id="201" dur="1" fill="hold">
+                                          <p:stCondLst>
+                                            <p:cond delay="0"/>
+                                          </p:stCondLst>
+                                        </p:cTn>
+                                        <p:tgtEl>
+                                          <p:spTgt spid="18"/>
+                                        </p:tgtEl>
+                                        <p:attrNameLst>
+                                          <p:attrName>style.visibility</p:attrName>
+                                        </p:attrNameLst>
+                                      </p:cBhvr>
+                                      <p:to>
+                                        <p:strVal val="visible"/>
+                                      </p:to>
+                                    </p:set>
+                                    <p:anim calcmode="lin" valueType="num">
+                                      <p:cBhvr>
+                                        <p:cTn id="202" dur="1000" fill="hold"/>
+                                        <p:tgtEl>
+                                          <p:spTgt spid="18"/>
+                                        </p:tgtEl>
+                                        <p:attrNameLst>
+                                          <p:attrName>ppt_w</p:attrName>
+                                        </p:attrNameLst>
+                                      </p:cBhvr>
+                                      <p:tavLst>
+                                        <p:tav tm="0">
+                                          <p:val>
+                                            <p:fltVal val="0"/>
+                                          </p:val>
+                                        </p:tav>
+                                        <p:tav tm="100000">
+                                          <p:val>
+                                            <p:strVal val="#ppt_w"/>
+                                          </p:val>
+                                        </p:tav>
+                                      </p:tavLst>
+                                    </p:anim>
+                                    <p:anim calcmode="lin" valueType="num">
+                                      <p:cBhvr>
+                                        <p:cTn id="203" dur="1000" fill="hold"/>
+                                        <p:tgtEl>
+                                          <p:spTgt spid="18"/>
+                                        </p:tgtEl>
+                                        <p:attrNameLst>
+                                          <p:attrName>ppt_h</p:attrName>
+                                        </p:attrNameLst>
+                                      </p:cBhvr>
+                                      <p:tavLst>
+                                        <p:tav tm="0">
+                                          <p:val>
+                                            <p:fltVal val="0"/>
+                                          </p:val>
+                                        </p:tav>
+                                        <p:tav tm="100000">
+                                          <p:val>
+                                            <p:strVal val="#ppt_h"/>
+                                          </p:val>
+                                        </p:tav>
+                                      </p:tavLst>
+                                    </p:anim>
+                                    <p:anim calcmode="lin" valueType="num">
+                                      <p:cBhvr>
+                                        <p:cTn id="204" dur="1000" fill="hold"/>
+                                        <p:tgtEl>
+                                          <p:spTgt spid="18"/>
+                                        </p:tgtEl>
+                                        <p:attrNameLst>
+                                          <p:attrName>style.rotation</p:attrName>
+                                        </p:attrNameLst>
+                                      </p:cBhvr>
+                                      <p:tavLst>
+                                        <p:tav tm="0">
+                                          <p:val>
+                                            <p:fltVal val="90"/>
+                                          </p:val>
+                                        </p:tav>
+                                        <p:tav tm="100000">
+                                          <p:val>
+                                            <p:fltVal val="0"/>
+                                          </p:val>
+                                        </p:tav>
+                                      </p:tavLst>
+                                    </p:anim>
+                                    <p:animEffect transition="in" filter="fade">
+                                      <p:cBhvr>
+                                        <p:cTn id="205" dur="1000"/>
+                                        <p:tgtEl>
+                                          <p:spTgt spid="18"/>
+                                        </p:tgtEl>
+                                      </p:cBhvr>
+                                    </p:animEffect>
+                                  </p:childTnLst>
+                                </p:cTn>
+                              </p:par>
+                            </p:childTnLst>
+                          </p:cTn>
+                        </p:par>
+                      </p:childTnLst>
+                    </p:cTn>
+                  </p:par>
+                  <p:par>
+                    <p:cTn id="206" fill="hold">
+                      <p:stCondLst>
+                        <p:cond delay="indefinite"/>
+                      </p:stCondLst>
+                      <p:childTnLst>
+                        <p:par>
+                          <p:cTn id="207" fill="hold">
+                            <p:stCondLst>
+                              <p:cond delay="0"/>
+                            </p:stCondLst>
+                            <p:childTnLst>
+                              <p:par>
+                                <p:cTn id="208" presetID="22" presetClass="entr" presetSubtype="1" fill="hold" grpId="0" nodeType="clickEffect">
+                                  <p:stCondLst>
+                                    <p:cond delay="0"/>
+                                  </p:stCondLst>
+                                  <p:childTnLst>
+                                    <p:set>
+                                      <p:cBhvr>
+                                        <p:cTn id="209" dur="1" fill="hold">
+                                          <p:stCondLst>
+                                            <p:cond delay="0"/>
+                                          </p:stCondLst>
+                                        </p:cTn>
+                                        <p:tgtEl>
+                                          <p:spTgt spid="32"/>
+                                        </p:tgtEl>
+                                        <p:attrNameLst>
+                                          <p:attrName>style.visibility</p:attrName>
+                                        </p:attrNameLst>
+                                      </p:cBhvr>
+                                      <p:to>
+                                        <p:strVal val="visible"/>
+                                      </p:to>
+                                    </p:set>
+                                    <p:animEffect transition="in" filter="wipe(up)">
+                                      <p:cBhvr>
+                                        <p:cTn id="210" dur="500"/>
+                                        <p:tgtEl>
+                                          <p:spTgt spid="32"/>
+                                        </p:tgtEl>
+                                      </p:cBhvr>
+                                    </p:animEffect>
+                                  </p:childTnLst>
+                                </p:cTn>
+                              </p:par>
+                            </p:childTnLst>
+                          </p:cTn>
+                        </p:par>
+                      </p:childTnLst>
+                    </p:cTn>
+                  </p:par>
+                  <p:par>
+                    <p:cTn id="211" fill="hold">
+                      <p:stCondLst>
+                        <p:cond delay="indefinite"/>
+                      </p:stCondLst>
+                      <p:childTnLst>
+                        <p:par>
+                          <p:cTn id="212" fill="hold">
+                            <p:stCondLst>
+                              <p:cond delay="0"/>
+                            </p:stCondLst>
+                            <p:childTnLst>
+                              <p:par>
+                                <p:cTn id="213" presetID="14" presetClass="exit" presetSubtype="10" fill="hold" grpId="1" nodeType="clickEffect">
+                                  <p:stCondLst>
+                                    <p:cond delay="0"/>
+                                  </p:stCondLst>
+                                  <p:childTnLst>
+                                    <p:animEffect transition="out" filter="randombar(horizontal)">
+                                      <p:cBhvr>
+                                        <p:cTn id="214" dur="500"/>
+                                        <p:tgtEl>
+                                          <p:spTgt spid="12"/>
+                                        </p:tgtEl>
+                                      </p:cBhvr>
+                                    </p:animEffect>
+                                    <p:set>
+                                      <p:cBhvr>
+                                        <p:cTn id="215" dur="1" fill="hold">
+                                          <p:stCondLst>
+                                            <p:cond delay="499"/>
+                                          </p:stCondLst>
+                                        </p:cTn>
+                                        <p:tgtEl>
+                                          <p:spTgt spid="12"/>
+                                        </p:tgtEl>
+                                        <p:attrNameLst>
+                                          <p:attrName>style.visibility</p:attrName>
+                                        </p:attrNameLst>
+                                      </p:cBhvr>
+                                      <p:to>
+                                        <p:strVal val="hidden"/>
+                                      </p:to>
+                                    </p:set>
+                                  </p:childTnLst>
+                                </p:cTn>
+                              </p:par>
+                              <p:par>
+                                <p:cTn id="216" presetID="14" presetClass="entr" presetSubtype="10" fill="hold" grpId="0" nodeType="withEffect">
+                                  <p:stCondLst>
+                                    <p:cond delay="0"/>
+                                  </p:stCondLst>
+                                  <p:childTnLst>
+                                    <p:set>
+                                      <p:cBhvr>
+                                        <p:cTn id="217" dur="1" fill="hold">
+                                          <p:stCondLst>
+                                            <p:cond delay="0"/>
+                                          </p:stCondLst>
+                                        </p:cTn>
+                                        <p:tgtEl>
+                                          <p:spTgt spid="20"/>
+                                        </p:tgtEl>
+                                        <p:attrNameLst>
+                                          <p:attrName>style.visibility</p:attrName>
+                                        </p:attrNameLst>
+                                      </p:cBhvr>
+                                      <p:to>
+                                        <p:strVal val="visible"/>
+                                      </p:to>
+                                    </p:set>
+                                    <p:animEffect transition="in" filter="randombar(horizontal)">
+                                      <p:cBhvr>
+                                        <p:cTn id="218" dur="500"/>
+                                        <p:tgtEl>
+                                          <p:spTgt spid="20"/>
+                                        </p:tgtEl>
+                                      </p:cBhvr>
+                                    </p:animEffect>
+                                  </p:childTnLst>
+                                </p:cTn>
+                              </p:par>
+                              <p:par>
+                                <p:cTn id="219" presetID="14" presetClass="entr" presetSubtype="10" fill="hold" grpId="0" nodeType="withEffect">
+                                  <p:stCondLst>
+                                    <p:cond delay="0"/>
+                                  </p:stCondLst>
+                                  <p:childTnLst>
+                                    <p:set>
+                                      <p:cBhvr>
+                                        <p:cTn id="220" dur="1" fill="hold">
+                                          <p:stCondLst>
+                                            <p:cond delay="0"/>
+                                          </p:stCondLst>
+                                        </p:cTn>
+                                        <p:tgtEl>
+                                          <p:spTgt spid="21"/>
+                                        </p:tgtEl>
+                                        <p:attrNameLst>
+                                          <p:attrName>style.visibility</p:attrName>
+                                        </p:attrNameLst>
+                                      </p:cBhvr>
+                                      <p:to>
+                                        <p:strVal val="visible"/>
+                                      </p:to>
+                                    </p:set>
+                                    <p:animEffect transition="in" filter="randombar(horizontal)">
+                                      <p:cBhvr>
+                                        <p:cTn id="221" dur="500"/>
+                                        <p:tgtEl>
+                                          <p:spTgt spid="21"/>
+                                        </p:tgtEl>
+                                      </p:cBhvr>
+                                    </p:animEffect>
+                                  </p:childTnLst>
+                                </p:cTn>
+                              </p:par>
+                              <p:par>
+                                <p:cTn id="222" presetID="14" presetClass="entr" presetSubtype="10" fill="hold" grpId="0" nodeType="withEffect">
+                                  <p:stCondLst>
+                                    <p:cond delay="0"/>
+                                  </p:stCondLst>
+                                  <p:childTnLst>
+                                    <p:set>
+                                      <p:cBhvr>
+                                        <p:cTn id="223" dur="1" fill="hold">
+                                          <p:stCondLst>
+                                            <p:cond delay="0"/>
+                                          </p:stCondLst>
+                                        </p:cTn>
+                                        <p:tgtEl>
+                                          <p:spTgt spid="37"/>
+                                        </p:tgtEl>
+                                        <p:attrNameLst>
+                                          <p:attrName>style.visibility</p:attrName>
+                                        </p:attrNameLst>
+                                      </p:cBhvr>
+                                      <p:to>
+                                        <p:strVal val="visible"/>
+                                      </p:to>
+                                    </p:set>
+                                    <p:animEffect transition="in" filter="randombar(horizontal)">
+                                      <p:cBhvr>
+                                        <p:cTn id="224" dur="500"/>
+                                        <p:tgtEl>
+                                          <p:spTgt spid="37"/>
+                                        </p:tgtEl>
+                                      </p:cBhvr>
+                                    </p:animEffect>
+                                  </p:childTnLst>
+                                </p:cTn>
+                              </p:par>
+                            </p:childTnLst>
+                          </p:cTn>
+                        </p:par>
+                      </p:childTnLst>
+                    </p:cTn>
+                  </p:par>
+                  <p:par>
+                    <p:cTn id="225" fill="hold">
+                      <p:stCondLst>
+                        <p:cond delay="indefinite"/>
+                      </p:stCondLst>
+                      <p:childTnLst>
+                        <p:par>
+                          <p:cTn id="226" fill="hold">
+                            <p:stCondLst>
+                              <p:cond delay="0"/>
+                            </p:stCondLst>
+                            <p:childTnLst>
+                              <p:par>
+                                <p:cTn id="227" presetID="1" presetClass="entr" presetSubtype="0" fill="hold" nodeType="clickEffect">
+                                  <p:stCondLst>
+                                    <p:cond delay="0"/>
+                                  </p:stCondLst>
+                                  <p:childTnLst>
+                                    <p:set>
+                                      <p:cBhvr>
+                                        <p:cTn id="228" dur="1" fill="hold">
+                                          <p:stCondLst>
+                                            <p:cond delay="0"/>
+                                          </p:stCondLst>
+                                        </p:cTn>
+                                        <p:tgtEl>
+                                          <p:spTgt spid="22"/>
+                                        </p:tgtEl>
+                                        <p:attrNameLst>
+                                          <p:attrName>style.visibility</p:attrName>
+                                        </p:attrNameLst>
+                                      </p:cBhvr>
+                                      <p:to>
+                                        <p:strVal val="visible"/>
+                                      </p:to>
+                                    </p:set>
+                                  </p:childTnLst>
+                                </p:cTn>
+                              </p:par>
+                              <p:par>
+                                <p:cTn id="229" presetID="1" presetClass="exit" presetSubtype="0" fill="hold" nodeType="withEffect">
+                                  <p:stCondLst>
+                                    <p:cond delay="0"/>
+                                  </p:stCondLst>
+                                  <p:childTnLst>
+                                    <p:set>
+                                      <p:cBhvr>
+                                        <p:cTn id="230" dur="1" fill="hold">
+                                          <p:stCondLst>
+                                            <p:cond delay="0"/>
+                                          </p:stCondLst>
+                                        </p:cTn>
+                                        <p:tgtEl>
+                                          <p:spTgt spid="5"/>
+                                        </p:tgtEl>
+                                        <p:attrNameLst>
+                                          <p:attrName>style.visibility</p:attrName>
+                                        </p:attrNameLst>
+                                      </p:cBhvr>
+                                      <p:to>
+                                        <p:strVal val="hidden"/>
+                                      </p:to>
+                                    </p:set>
+                                  </p:childTnLst>
+                                </p:cTn>
+                              </p:par>
+                            </p:childTnLst>
+                          </p:cTn>
+                        </p:par>
+                      </p:childTnLst>
+                    </p:cTn>
+                  </p:par>
+                </p:childTnLst>
+              </p:cTn>
+              <p:prevCondLst>
+                <p:cond evt="onPrev" delay="0">
+                  <p:tgtEl>
+                    <p:sldTgt/>
+                  </p:tgtEl>
+                </p:cond>
+              </p:prevCondLst>
+              <p:nextCondLst>
+                <p:cond evt="onNext" delay="0">
+                  <p:tgtEl>
+                    <p:sldTgt/>
+                  </p:tgtEl>
+                </p:cond>
+              </p:nextCondLst>
+            </p:seq>
+          </p:childTnLst>
+        </p:cTn>
+      </p:par>
+    </p:tnLst>
+    <p:bldLst>
+      <p:bldP spid="31" grpId="0" animBg="1"/>
+      <p:bldP spid="31" grpId="1" animBg="1"/>
+      <p:bldP spid="30" grpId="0" animBg="1"/>
+      <p:bldP spid="30" grpId="1" animBg="1"/>
+      <p:bldP spid="8" grpId="0" animBg="1"/>
+      <p:bldP spid="9" grpId="0" animBg="1"/>
+      <p:bldP spid="10" grpId="0" animBg="1"/>
+      <p:bldP spid="11" grpId="0" animBg="1"/>
+      <p:bldP spid="12" grpId="0" animBg="1"/>
+      <p:bldP spid="12" grpId="1" animBg="1"/>
+      <p:bldP spid="14" grpId="0" animBg="1"/>
+      <p:bldP spid="15" grpId="0" animBg="1"/>
+      <p:bldP spid="16" grpId="0" animBg="1"/>
+      <p:bldP spid="17" grpId="0" animBg="1"/>
+      <p:bldP spid="18" grpId="0" animBg="1"/>
+      <p:bldP spid="19" grpId="0" animBg="1"/>
+      <p:bldP spid="19" grpId="1" animBg="1"/>
+      <p:bldP spid="20" grpId="0" animBg="1"/>
+      <p:bldP spid="28" grpId="0" animBg="1"/>
+      <p:bldP spid="21" grpId="0" animBg="1"/>
+      <p:bldP spid="32" grpId="0" animBg="1"/>
+      <p:bldP spid="33" grpId="0" animBg="1"/>
+      <p:bldP spid="34" grpId="0" animBg="1"/>
+      <p:bldP spid="35" grpId="0" animBg="1"/>
+      <p:bldP spid="36" grpId="0" animBg="1"/>
+      <p:bldP spid="37" grpId="0" animBg="1"/>
+    </p:bldLst>
+  </p:timing>
 </p:sld>
 </file>
 
@@ -8646,7 +12488,7 @@
       </p:grpSpPr>
       <p:sp>
         <p:nvSpPr>
-          <p:cNvPr id="17" name="Rectangle 16"/>
+          <p:cNvPr id="17" name="Adapters Layer"/>
           <p:cNvSpPr/>
           <p:nvPr/>
         </p:nvSpPr>
@@ -8706,7 +12548,7 @@
       </p:sp>
       <p:sp>
         <p:nvSpPr>
-          <p:cNvPr id="16" name="Rectangle 15"/>
+          <p:cNvPr id="16" name="Business Logic Layer"/>
           <p:cNvSpPr/>
           <p:nvPr/>
         </p:nvSpPr>
@@ -8766,7 +12608,7 @@
       </p:sp>
       <p:sp>
         <p:nvSpPr>
-          <p:cNvPr id="15" name="Rectangle 14"/>
+          <p:cNvPr id="15" name="Validation Layer"/>
           <p:cNvSpPr/>
           <p:nvPr/>
         </p:nvSpPr>
@@ -8849,13 +12691,13 @@
       </p:sp>
       <p:sp>
         <p:nvSpPr>
-          <p:cNvPr id="4" name="Rectangle 3"/>
+          <p:cNvPr id="4" name="Controler Layer"/>
           <p:cNvSpPr/>
           <p:nvPr/>
         </p:nvSpPr>
         <p:spPr>
           <a:xfrm>
-            <a:off x="3242930" y="1956391"/>
+            <a:off x="-6713879" y="1956391"/>
             <a:ext cx="5486400" cy="583295"/>
           </a:xfrm>
           <a:prstGeom prst="rect">
@@ -8891,13 +12733,13 @@
       </p:sp>
       <p:sp>
         <p:nvSpPr>
-          <p:cNvPr id="5" name="Rectangle 4"/>
+          <p:cNvPr id="5" name="Data Layer"/>
           <p:cNvSpPr/>
           <p:nvPr/>
         </p:nvSpPr>
         <p:spPr>
           <a:xfrm>
-            <a:off x="3242930" y="5078916"/>
+            <a:off x="-6713879" y="5078916"/>
             <a:ext cx="5486400" cy="583295"/>
           </a:xfrm>
           <a:prstGeom prst="rect">
@@ -8933,7 +12775,7 @@
       </p:sp>
       <p:pic>
         <p:nvPicPr>
-          <p:cNvPr id="6" name="Picture 5"/>
+          <p:cNvPr id="6" name="Thinking Bill"/>
           <p:cNvPicPr>
             <a:picLocks noChangeAspect="1"/>
           </p:cNvPicPr>
@@ -8963,7 +12805,7 @@
       </p:pic>
       <p:pic>
         <p:nvPicPr>
-          <p:cNvPr id="7" name="Picture 6"/>
+          <p:cNvPr id="7" name="Success Bill"/>
           <p:cNvPicPr>
             <a:picLocks noChangeAspect="1"/>
           </p:cNvPicPr>
@@ -8983,7 +12825,7 @@
         </p:blipFill>
         <p:spPr>
           <a:xfrm>
-            <a:off x="-184830" y="2539686"/>
+            <a:off x="-191343" y="2526030"/>
             <a:ext cx="3962400" cy="2971800"/>
           </a:xfrm>
           <a:prstGeom prst="rect">
@@ -8993,7 +12835,7 @@
       </p:pic>
       <p:pic>
         <p:nvPicPr>
-          <p:cNvPr id="8" name="Picture 7"/>
+          <p:cNvPr id="8" name="Pickup Bill"/>
           <p:cNvPicPr>
             <a:picLocks noChangeAspect="1"/>
           </p:cNvPicPr>
@@ -9013,7 +12855,7 @@
         </p:blipFill>
         <p:spPr>
           <a:xfrm>
-            <a:off x="-184830" y="2539686"/>
+            <a:off x="-194166" y="2546338"/>
             <a:ext cx="3962400" cy="2971800"/>
           </a:xfrm>
           <a:prstGeom prst="rect">
@@ -9023,7 +12865,7 @@
       </p:pic>
       <p:pic>
         <p:nvPicPr>
-          <p:cNvPr id="9" name="Picture 8"/>
+          <p:cNvPr id="9" name="Throw Bill"/>
           <p:cNvPicPr>
             <a:picLocks noChangeAspect="1"/>
           </p:cNvPicPr>
@@ -9043,7 +12885,7 @@
         </p:blipFill>
         <p:spPr>
           <a:xfrm>
-            <a:off x="-184830" y="2539686"/>
+            <a:off x="-186959" y="2532858"/>
             <a:ext cx="3962400" cy="2971800"/>
           </a:xfrm>
           <a:prstGeom prst="rect">
@@ -9053,13 +12895,13 @@
       </p:pic>
       <p:sp>
         <p:nvSpPr>
-          <p:cNvPr id="10" name="Rectangle 9"/>
+          <p:cNvPr id="10" name="Feature A"/>
           <p:cNvSpPr/>
           <p:nvPr/>
         </p:nvSpPr>
         <p:spPr>
           <a:xfrm>
-            <a:off x="3242930" y="2713716"/>
+            <a:off x="-6713879" y="2713716"/>
             <a:ext cx="1414130" cy="2191169"/>
           </a:xfrm>
           <a:prstGeom prst="rect">
@@ -9095,13 +12937,13 @@
       </p:sp>
       <p:sp>
         <p:nvSpPr>
-          <p:cNvPr id="11" name="Rectangle 10"/>
+          <p:cNvPr id="11" name="Feature B"/>
           <p:cNvSpPr/>
           <p:nvPr/>
         </p:nvSpPr>
         <p:spPr>
           <a:xfrm>
-            <a:off x="5279066" y="2713716"/>
+            <a:off x="-4677743" y="2713716"/>
             <a:ext cx="1414130" cy="2191169"/>
           </a:xfrm>
           <a:prstGeom prst="rect">
@@ -9137,13 +12979,13 @@
       </p:sp>
       <p:sp>
         <p:nvSpPr>
-          <p:cNvPr id="12" name="Rectangle 11"/>
+          <p:cNvPr id="12" name="Feature C"/>
           <p:cNvSpPr/>
           <p:nvPr/>
         </p:nvSpPr>
         <p:spPr>
           <a:xfrm>
-            <a:off x="7315201" y="2713716"/>
+            <a:off x="-2641608" y="2713716"/>
             <a:ext cx="1414130" cy="2191169"/>
           </a:xfrm>
           <a:prstGeom prst="rect">
@@ -9179,13 +13021,13 @@
       </p:sp>
       <p:sp>
         <p:nvSpPr>
-          <p:cNvPr id="13" name="Rectangle 12"/>
+          <p:cNvPr id="13" name="Query"/>
           <p:cNvSpPr/>
           <p:nvPr/>
         </p:nvSpPr>
         <p:spPr>
           <a:xfrm>
-            <a:off x="3242930" y="5873464"/>
+            <a:off x="3242930" y="5133237"/>
             <a:ext cx="3450266" cy="583295"/>
           </a:xfrm>
           <a:prstGeom prst="rect">
@@ -9221,13 +13063,13 @@
       </p:sp>
       <p:sp>
         <p:nvSpPr>
-          <p:cNvPr id="14" name="Rectangle 13"/>
+          <p:cNvPr id="14" name="Command"/>
           <p:cNvSpPr/>
           <p:nvPr/>
         </p:nvSpPr>
         <p:spPr>
           <a:xfrm>
-            <a:off x="7315201" y="5873464"/>
+            <a:off x="7315201" y="5133237"/>
             <a:ext cx="1414130" cy="583295"/>
           </a:xfrm>
           <a:prstGeom prst="rect">
@@ -9263,7 +13105,7 @@
       </p:sp>
       <p:sp>
         <p:nvSpPr>
-          <p:cNvPr id="19" name="Rectangle 18"/>
+          <p:cNvPr id="19" name="Validation Text"/>
           <p:cNvSpPr/>
           <p:nvPr/>
         </p:nvSpPr>
@@ -9341,7 +13183,7 @@
       </p:sp>
       <p:sp>
         <p:nvSpPr>
-          <p:cNvPr id="20" name="Rectangle 19"/>
+          <p:cNvPr id="20" name="Business Logic Text"/>
           <p:cNvSpPr/>
           <p:nvPr/>
         </p:nvSpPr>
@@ -9405,7 +13247,7 @@
       </p:sp>
       <p:sp>
         <p:nvSpPr>
-          <p:cNvPr id="21" name="Rectangle 20"/>
+          <p:cNvPr id="21" name="Adapters Text"/>
           <p:cNvSpPr/>
           <p:nvPr/>
         </p:nvSpPr>
@@ -9469,14 +13311,14 @@
       </p:sp>
       <p:cxnSp>
         <p:nvCxnSpPr>
-          <p:cNvPr id="23" name="Straight Arrow Connector 22"/>
+          <p:cNvPr id="23" name="Validation Arrow"/>
           <p:cNvCxnSpPr/>
           <p:nvPr/>
         </p:nvCxnSpPr>
         <p:spPr>
           <a:xfrm>
-            <a:off x="1967023" y="1717621"/>
-            <a:ext cx="1075660" cy="1113712"/>
+            <a:off x="2296635" y="2009269"/>
+            <a:ext cx="746048" cy="822064"/>
           </a:xfrm>
           <a:prstGeom prst="straightConnector1">
             <a:avLst/>
@@ -9502,7 +13344,7 @@
       </p:cxnSp>
       <p:cxnSp>
         <p:nvCxnSpPr>
-          <p:cNvPr id="25" name="Straight Arrow Connector 24"/>
+          <p:cNvPr id="25" name="Adapter Arrow"/>
           <p:cNvCxnSpPr/>
           <p:nvPr/>
         </p:nvCxnSpPr>
@@ -9535,7 +13377,7 @@
       </p:cxnSp>
       <p:cxnSp>
         <p:nvCxnSpPr>
-          <p:cNvPr id="27" name="Straight Arrow Connector 26"/>
+          <p:cNvPr id="27" name="Business Logic Arrow"/>
           <p:cNvCxnSpPr/>
           <p:nvPr/>
         </p:nvCxnSpPr>
@@ -9566,6 +13408,234 @@
           </a:fontRef>
         </p:style>
       </p:cxnSp>
+      <p:sp>
+        <p:nvSpPr>
+          <p:cNvPr id="31" name="Connection CoV"/>
+          <p:cNvSpPr/>
+          <p:nvPr/>
+        </p:nvSpPr>
+        <p:spPr>
+          <a:xfrm>
+            <a:off x="3773228" y="2276847"/>
+            <a:ext cx="321989" cy="723014"/>
+          </a:xfrm>
+          <a:prstGeom prst="upDownArrow">
+            <a:avLst/>
+          </a:prstGeom>
+        </p:spPr>
+        <p:style>
+          <a:lnRef idx="1">
+            <a:schemeClr val="accent2"/>
+          </a:lnRef>
+          <a:fillRef idx="3">
+            <a:schemeClr val="accent2"/>
+          </a:fillRef>
+          <a:effectRef idx="2">
+            <a:schemeClr val="accent2"/>
+          </a:effectRef>
+          <a:fontRef idx="minor">
+            <a:schemeClr val="lt1"/>
+          </a:fontRef>
+        </p:style>
+        <p:txBody>
+          <a:bodyPr rtlCol="0" anchor="ctr"/>
+          <a:lstStyle/>
+          <a:p>
+            <a:pPr algn="ctr"/>
+            <a:endParaRPr lang="en-US"/>
+          </a:p>
+        </p:txBody>
+      </p:sp>
+      <p:sp>
+        <p:nvSpPr>
+          <p:cNvPr id="32" name="Connection CoB"/>
+          <p:cNvSpPr/>
+          <p:nvPr/>
+        </p:nvSpPr>
+        <p:spPr>
+          <a:xfrm>
+            <a:off x="5825134" y="2276847"/>
+            <a:ext cx="321989" cy="723014"/>
+          </a:xfrm>
+          <a:prstGeom prst="upDownArrow">
+            <a:avLst/>
+          </a:prstGeom>
+        </p:spPr>
+        <p:style>
+          <a:lnRef idx="1">
+            <a:schemeClr val="accent2"/>
+          </a:lnRef>
+          <a:fillRef idx="3">
+            <a:schemeClr val="accent2"/>
+          </a:fillRef>
+          <a:effectRef idx="2">
+            <a:schemeClr val="accent2"/>
+          </a:effectRef>
+          <a:fontRef idx="minor">
+            <a:schemeClr val="lt1"/>
+          </a:fontRef>
+        </p:style>
+        <p:txBody>
+          <a:bodyPr rtlCol="0" anchor="ctr"/>
+          <a:lstStyle/>
+          <a:p>
+            <a:pPr algn="ctr"/>
+            <a:endParaRPr lang="en-US"/>
+          </a:p>
+        </p:txBody>
+      </p:sp>
+      <p:sp>
+        <p:nvSpPr>
+          <p:cNvPr id="33" name="Connection CoC"/>
+          <p:cNvSpPr/>
+          <p:nvPr/>
+        </p:nvSpPr>
+        <p:spPr>
+          <a:xfrm>
+            <a:off x="7888295" y="2276847"/>
+            <a:ext cx="321989" cy="723014"/>
+          </a:xfrm>
+          <a:prstGeom prst="upDownArrow">
+            <a:avLst/>
+          </a:prstGeom>
+        </p:spPr>
+        <p:style>
+          <a:lnRef idx="1">
+            <a:schemeClr val="accent2"/>
+          </a:lnRef>
+          <a:fillRef idx="3">
+            <a:schemeClr val="accent2"/>
+          </a:fillRef>
+          <a:effectRef idx="2">
+            <a:schemeClr val="accent2"/>
+          </a:effectRef>
+          <a:fontRef idx="minor">
+            <a:schemeClr val="lt1"/>
+          </a:fontRef>
+        </p:style>
+        <p:txBody>
+          <a:bodyPr rtlCol="0" anchor="ctr"/>
+          <a:lstStyle/>
+          <a:p>
+            <a:pPr algn="ctr"/>
+            <a:endParaRPr lang="en-US"/>
+          </a:p>
+        </p:txBody>
+      </p:sp>
+      <p:sp>
+        <p:nvSpPr>
+          <p:cNvPr id="34" name="Connection AD"/>
+          <p:cNvSpPr/>
+          <p:nvPr/>
+        </p:nvSpPr>
+        <p:spPr>
+          <a:xfrm>
+            <a:off x="3771057" y="4617831"/>
+            <a:ext cx="321989" cy="723014"/>
+          </a:xfrm>
+          <a:prstGeom prst="upDownArrow">
+            <a:avLst/>
+          </a:prstGeom>
+        </p:spPr>
+        <p:style>
+          <a:lnRef idx="1">
+            <a:schemeClr val="accent2"/>
+          </a:lnRef>
+          <a:fillRef idx="3">
+            <a:schemeClr val="accent2"/>
+          </a:fillRef>
+          <a:effectRef idx="2">
+            <a:schemeClr val="accent2"/>
+          </a:effectRef>
+          <a:fontRef idx="minor">
+            <a:schemeClr val="lt1"/>
+          </a:fontRef>
+        </p:style>
+        <p:txBody>
+          <a:bodyPr rtlCol="0" anchor="ctr"/>
+          <a:lstStyle/>
+          <a:p>
+            <a:pPr algn="ctr"/>
+            <a:endParaRPr lang="en-US"/>
+          </a:p>
+        </p:txBody>
+      </p:sp>
+      <p:sp>
+        <p:nvSpPr>
+          <p:cNvPr id="35" name="Connection BD"/>
+          <p:cNvSpPr/>
+          <p:nvPr/>
+        </p:nvSpPr>
+        <p:spPr>
+          <a:xfrm>
+            <a:off x="5825134" y="4630394"/>
+            <a:ext cx="321989" cy="723014"/>
+          </a:xfrm>
+          <a:prstGeom prst="upDownArrow">
+            <a:avLst/>
+          </a:prstGeom>
+        </p:spPr>
+        <p:style>
+          <a:lnRef idx="1">
+            <a:schemeClr val="accent2"/>
+          </a:lnRef>
+          <a:fillRef idx="3">
+            <a:schemeClr val="accent2"/>
+          </a:fillRef>
+          <a:effectRef idx="2">
+            <a:schemeClr val="accent2"/>
+          </a:effectRef>
+          <a:fontRef idx="minor">
+            <a:schemeClr val="lt1"/>
+          </a:fontRef>
+        </p:style>
+        <p:txBody>
+          <a:bodyPr rtlCol="0" anchor="ctr"/>
+          <a:lstStyle/>
+          <a:p>
+            <a:pPr algn="ctr"/>
+            <a:endParaRPr lang="en-US"/>
+          </a:p>
+        </p:txBody>
+      </p:sp>
+      <p:sp>
+        <p:nvSpPr>
+          <p:cNvPr id="36" name="Connection CD"/>
+          <p:cNvSpPr/>
+          <p:nvPr/>
+        </p:nvSpPr>
+        <p:spPr>
+          <a:xfrm>
+            <a:off x="7882872" y="4630394"/>
+            <a:ext cx="321989" cy="723014"/>
+          </a:xfrm>
+          <a:prstGeom prst="upDownArrow">
+            <a:avLst/>
+          </a:prstGeom>
+        </p:spPr>
+        <p:style>
+          <a:lnRef idx="1">
+            <a:schemeClr val="accent2"/>
+          </a:lnRef>
+          <a:fillRef idx="3">
+            <a:schemeClr val="accent2"/>
+          </a:fillRef>
+          <a:effectRef idx="2">
+            <a:schemeClr val="accent2"/>
+          </a:effectRef>
+          <a:fontRef idx="minor">
+            <a:schemeClr val="lt1"/>
+          </a:fontRef>
+        </p:style>
+        <p:txBody>
+          <a:bodyPr rtlCol="0" anchor="ctr"/>
+          <a:lstStyle/>
+          <a:p>
+            <a:pPr algn="ctr"/>
+            <a:endParaRPr lang="en-US"/>
+          </a:p>
+        </p:txBody>
+      </p:sp>
     </p:spTree>
     <p:extLst>
       <p:ext uri="{BB962C8B-B14F-4D97-AF65-F5344CB8AC3E}">
@@ -9576,6 +13646,2178 @@
   <p:clrMapOvr>
     <a:masterClrMapping/>
   </p:clrMapOvr>
+  <p:timing>
+    <p:tnLst>
+      <p:par>
+        <p:cTn id="1" dur="indefinite" restart="never" nodeType="tmRoot">
+          <p:childTnLst>
+            <p:seq concurrent="1" nextAc="seek">
+              <p:cTn id="2" dur="indefinite" nodeType="mainSeq">
+                <p:childTnLst>
+                  <p:par>
+                    <p:cTn id="3" fill="hold">
+                      <p:stCondLst>
+                        <p:cond delay="indefinite"/>
+                        <p:cond evt="onBegin" delay="0">
+                          <p:tn val="2"/>
+                        </p:cond>
+                      </p:stCondLst>
+                      <p:childTnLst>
+                        <p:par>
+                          <p:cTn id="4" fill="hold">
+                            <p:stCondLst>
+                              <p:cond delay="0"/>
+                            </p:stCondLst>
+                            <p:childTnLst>
+                              <p:par>
+                                <p:cTn id="5" presetID="1" presetClass="entr" presetSubtype="0" fill="hold" nodeType="withEffect">
+                                  <p:stCondLst>
+                                    <p:cond delay="0"/>
+                                  </p:stCondLst>
+                                  <p:childTnLst>
+                                    <p:set>
+                                      <p:cBhvr>
+                                        <p:cTn id="6" dur="1" fill="hold">
+                                          <p:stCondLst>
+                                            <p:cond delay="0"/>
+                                          </p:stCondLst>
+                                        </p:cTn>
+                                        <p:tgtEl>
+                                          <p:spTgt spid="6"/>
+                                        </p:tgtEl>
+                                        <p:attrNameLst>
+                                          <p:attrName>style.visibility</p:attrName>
+                                        </p:attrNameLst>
+                                      </p:cBhvr>
+                                      <p:to>
+                                        <p:strVal val="visible"/>
+                                      </p:to>
+                                    </p:set>
+                                  </p:childTnLst>
+                                </p:cTn>
+                              </p:par>
+                            </p:childTnLst>
+                          </p:cTn>
+                        </p:par>
+                      </p:childTnLst>
+                    </p:cTn>
+                  </p:par>
+                  <p:par>
+                    <p:cTn id="7" fill="hold">
+                      <p:stCondLst>
+                        <p:cond delay="indefinite"/>
+                      </p:stCondLst>
+                      <p:childTnLst>
+                        <p:par>
+                          <p:cTn id="8" fill="hold">
+                            <p:stCondLst>
+                              <p:cond delay="0"/>
+                            </p:stCondLst>
+                            <p:childTnLst>
+                              <p:par>
+                                <p:cTn id="9" presetID="1" presetClass="entr" presetSubtype="0" fill="hold" nodeType="clickEffect">
+                                  <p:stCondLst>
+                                    <p:cond delay="0"/>
+                                  </p:stCondLst>
+                                  <p:childTnLst>
+                                    <p:set>
+                                      <p:cBhvr>
+                                        <p:cTn id="10" dur="1" fill="hold">
+                                          <p:stCondLst>
+                                            <p:cond delay="0"/>
+                                          </p:stCondLst>
+                                        </p:cTn>
+                                        <p:tgtEl>
+                                          <p:spTgt spid="8"/>
+                                        </p:tgtEl>
+                                        <p:attrNameLst>
+                                          <p:attrName>style.visibility</p:attrName>
+                                        </p:attrNameLst>
+                                      </p:cBhvr>
+                                      <p:to>
+                                        <p:strVal val="visible"/>
+                                      </p:to>
+                                    </p:set>
+                                  </p:childTnLst>
+                                </p:cTn>
+                              </p:par>
+                              <p:par>
+                                <p:cTn id="11" presetID="1" presetClass="exit" presetSubtype="0" fill="hold" nodeType="withEffect">
+                                  <p:stCondLst>
+                                    <p:cond delay="0"/>
+                                  </p:stCondLst>
+                                  <p:childTnLst>
+                                    <p:set>
+                                      <p:cBhvr>
+                                        <p:cTn id="12" dur="1" fill="hold">
+                                          <p:stCondLst>
+                                            <p:cond delay="0"/>
+                                          </p:stCondLst>
+                                        </p:cTn>
+                                        <p:tgtEl>
+                                          <p:spTgt spid="6"/>
+                                        </p:tgtEl>
+                                        <p:attrNameLst>
+                                          <p:attrName>style.visibility</p:attrName>
+                                        </p:attrNameLst>
+                                      </p:cBhvr>
+                                      <p:to>
+                                        <p:strVal val="hidden"/>
+                                      </p:to>
+                                    </p:set>
+                                  </p:childTnLst>
+                                </p:cTn>
+                              </p:par>
+                            </p:childTnLst>
+                          </p:cTn>
+                        </p:par>
+                      </p:childTnLst>
+                    </p:cTn>
+                  </p:par>
+                  <p:par>
+                    <p:cTn id="13" fill="hold">
+                      <p:stCondLst>
+                        <p:cond delay="indefinite"/>
+                      </p:stCondLst>
+                      <p:childTnLst>
+                        <p:par>
+                          <p:cTn id="14" fill="hold">
+                            <p:stCondLst>
+                              <p:cond delay="0"/>
+                            </p:stCondLst>
+                            <p:childTnLst>
+                              <p:par>
+                                <p:cTn id="15" presetID="37" presetClass="path" presetSubtype="0" accel="50000" decel="50000" fill="hold" grpId="0" nodeType="clickEffect">
+                                  <p:stCondLst>
+                                    <p:cond delay="0"/>
+                                  </p:stCondLst>
+                                  <p:childTnLst>
+                                    <p:animMotion origin="layout" path="M 1.38889E-6 2.22222E-6 L 0.29219 0.04004 C 0.35347 0.04907 0.44496 0.05393 0.54028 0.05393 C 0.6493 0.05393 0.73628 0.04907 0.79757 0.04004 L 1.08976 2.22222E-6 " pathEditMode="relative" rAng="0" ptsTypes="AAAAA">
+                                      <p:cBhvr>
+                                        <p:cTn id="16" dur="500" fill="hold"/>
+                                        <p:tgtEl>
+                                          <p:spTgt spid="4"/>
+                                        </p:tgtEl>
+                                        <p:attrNameLst>
+                                          <p:attrName>ppt_x</p:attrName>
+                                          <p:attrName>ppt_y</p:attrName>
+                                        </p:attrNameLst>
+                                      </p:cBhvr>
+                                      <p:rCtr x="54479" y="2685"/>
+                                    </p:animMotion>
+                                  </p:childTnLst>
+                                </p:cTn>
+                              </p:par>
+                              <p:par>
+                                <p:cTn id="17" presetID="1" presetClass="entr" presetSubtype="0" fill="hold" nodeType="withEffect">
+                                  <p:stCondLst>
+                                    <p:cond delay="100"/>
+                                  </p:stCondLst>
+                                  <p:childTnLst>
+                                    <p:set>
+                                      <p:cBhvr>
+                                        <p:cTn id="18" dur="1" fill="hold">
+                                          <p:stCondLst>
+                                            <p:cond delay="0"/>
+                                          </p:stCondLst>
+                                        </p:cTn>
+                                        <p:tgtEl>
+                                          <p:spTgt spid="9"/>
+                                        </p:tgtEl>
+                                        <p:attrNameLst>
+                                          <p:attrName>style.visibility</p:attrName>
+                                        </p:attrNameLst>
+                                      </p:cBhvr>
+                                      <p:to>
+                                        <p:strVal val="visible"/>
+                                      </p:to>
+                                    </p:set>
+                                  </p:childTnLst>
+                                </p:cTn>
+                              </p:par>
+                              <p:par>
+                                <p:cTn id="19" presetID="1" presetClass="exit" presetSubtype="0" fill="hold" nodeType="withEffect">
+                                  <p:stCondLst>
+                                    <p:cond delay="100"/>
+                                  </p:stCondLst>
+                                  <p:childTnLst>
+                                    <p:set>
+                                      <p:cBhvr>
+                                        <p:cTn id="20" dur="1" fill="hold">
+                                          <p:stCondLst>
+                                            <p:cond delay="0"/>
+                                          </p:stCondLst>
+                                        </p:cTn>
+                                        <p:tgtEl>
+                                          <p:spTgt spid="8"/>
+                                        </p:tgtEl>
+                                        <p:attrNameLst>
+                                          <p:attrName>style.visibility</p:attrName>
+                                        </p:attrNameLst>
+                                      </p:cBhvr>
+                                      <p:to>
+                                        <p:strVal val="hidden"/>
+                                      </p:to>
+                                    </p:set>
+                                  </p:childTnLst>
+                                </p:cTn>
+                              </p:par>
+                            </p:childTnLst>
+                          </p:cTn>
+                        </p:par>
+                      </p:childTnLst>
+                    </p:cTn>
+                  </p:par>
+                  <p:par>
+                    <p:cTn id="21" fill="hold">
+                      <p:stCondLst>
+                        <p:cond delay="indefinite"/>
+                      </p:stCondLst>
+                      <p:childTnLst>
+                        <p:par>
+                          <p:cTn id="22" fill="hold">
+                            <p:stCondLst>
+                              <p:cond delay="0"/>
+                            </p:stCondLst>
+                            <p:childTnLst>
+                              <p:par>
+                                <p:cTn id="23" presetID="1" presetClass="entr" presetSubtype="0" fill="hold" nodeType="clickEffect">
+                                  <p:stCondLst>
+                                    <p:cond delay="0"/>
+                                  </p:stCondLst>
+                                  <p:childTnLst>
+                                    <p:set>
+                                      <p:cBhvr>
+                                        <p:cTn id="24" dur="1" fill="hold">
+                                          <p:stCondLst>
+                                            <p:cond delay="0"/>
+                                          </p:stCondLst>
+                                        </p:cTn>
+                                        <p:tgtEl>
+                                          <p:spTgt spid="6"/>
+                                        </p:tgtEl>
+                                        <p:attrNameLst>
+                                          <p:attrName>style.visibility</p:attrName>
+                                        </p:attrNameLst>
+                                      </p:cBhvr>
+                                      <p:to>
+                                        <p:strVal val="visible"/>
+                                      </p:to>
+                                    </p:set>
+                                  </p:childTnLst>
+                                </p:cTn>
+                              </p:par>
+                              <p:par>
+                                <p:cTn id="25" presetID="1" presetClass="exit" presetSubtype="0" fill="hold" nodeType="withEffect">
+                                  <p:stCondLst>
+                                    <p:cond delay="0"/>
+                                  </p:stCondLst>
+                                  <p:childTnLst>
+                                    <p:set>
+                                      <p:cBhvr>
+                                        <p:cTn id="26" dur="1" fill="hold">
+                                          <p:stCondLst>
+                                            <p:cond delay="0"/>
+                                          </p:stCondLst>
+                                        </p:cTn>
+                                        <p:tgtEl>
+                                          <p:spTgt spid="9"/>
+                                        </p:tgtEl>
+                                        <p:attrNameLst>
+                                          <p:attrName>style.visibility</p:attrName>
+                                        </p:attrNameLst>
+                                      </p:cBhvr>
+                                      <p:to>
+                                        <p:strVal val="hidden"/>
+                                      </p:to>
+                                    </p:set>
+                                  </p:childTnLst>
+                                </p:cTn>
+                              </p:par>
+                            </p:childTnLst>
+                          </p:cTn>
+                        </p:par>
+                      </p:childTnLst>
+                    </p:cTn>
+                  </p:par>
+                  <p:par>
+                    <p:cTn id="27" fill="hold">
+                      <p:stCondLst>
+                        <p:cond delay="indefinite"/>
+                      </p:stCondLst>
+                      <p:childTnLst>
+                        <p:par>
+                          <p:cTn id="28" fill="hold">
+                            <p:stCondLst>
+                              <p:cond delay="0"/>
+                            </p:stCondLst>
+                            <p:childTnLst>
+                              <p:par>
+                                <p:cTn id="29" presetID="1" presetClass="entr" presetSubtype="0" fill="hold" nodeType="clickEffect">
+                                  <p:stCondLst>
+                                    <p:cond delay="0"/>
+                                  </p:stCondLst>
+                                  <p:childTnLst>
+                                    <p:set>
+                                      <p:cBhvr>
+                                        <p:cTn id="30" dur="1" fill="hold">
+                                          <p:stCondLst>
+                                            <p:cond delay="0"/>
+                                          </p:stCondLst>
+                                        </p:cTn>
+                                        <p:tgtEl>
+                                          <p:spTgt spid="8"/>
+                                        </p:tgtEl>
+                                        <p:attrNameLst>
+                                          <p:attrName>style.visibility</p:attrName>
+                                        </p:attrNameLst>
+                                      </p:cBhvr>
+                                      <p:to>
+                                        <p:strVal val="visible"/>
+                                      </p:to>
+                                    </p:set>
+                                  </p:childTnLst>
+                                </p:cTn>
+                              </p:par>
+                              <p:par>
+                                <p:cTn id="31" presetID="1" presetClass="exit" presetSubtype="0" fill="hold" nodeType="withEffect">
+                                  <p:stCondLst>
+                                    <p:cond delay="0"/>
+                                  </p:stCondLst>
+                                  <p:childTnLst>
+                                    <p:set>
+                                      <p:cBhvr>
+                                        <p:cTn id="32" dur="1" fill="hold">
+                                          <p:stCondLst>
+                                            <p:cond delay="0"/>
+                                          </p:stCondLst>
+                                        </p:cTn>
+                                        <p:tgtEl>
+                                          <p:spTgt spid="6"/>
+                                        </p:tgtEl>
+                                        <p:attrNameLst>
+                                          <p:attrName>style.visibility</p:attrName>
+                                        </p:attrNameLst>
+                                      </p:cBhvr>
+                                      <p:to>
+                                        <p:strVal val="hidden"/>
+                                      </p:to>
+                                    </p:set>
+                                  </p:childTnLst>
+                                </p:cTn>
+                              </p:par>
+                            </p:childTnLst>
+                          </p:cTn>
+                        </p:par>
+                      </p:childTnLst>
+                    </p:cTn>
+                  </p:par>
+                  <p:par>
+                    <p:cTn id="33" fill="hold">
+                      <p:stCondLst>
+                        <p:cond delay="indefinite"/>
+                      </p:stCondLst>
+                      <p:childTnLst>
+                        <p:par>
+                          <p:cTn id="34" fill="hold">
+                            <p:stCondLst>
+                              <p:cond delay="0"/>
+                            </p:stCondLst>
+                            <p:childTnLst>
+                              <p:par>
+                                <p:cTn id="35" presetID="37" presetClass="path" presetSubtype="0" accel="50000" decel="50000" fill="hold" grpId="0" nodeType="clickEffect">
+                                  <p:stCondLst>
+                                    <p:cond delay="0"/>
+                                  </p:stCondLst>
+                                  <p:childTnLst>
+                                    <p:animMotion origin="layout" path="M 1.38889E-6 -1.85185E-6 L 0.29184 0.04005 C 0.35295 0.04908 0.44427 0.05394 0.53941 0.05394 C 0.64826 0.05394 0.73524 0.04908 0.79635 0.04005 L 1.08819 -1.85185E-6 " pathEditMode="relative" rAng="0" ptsTypes="AAAAA">
+                                      <p:cBhvr>
+                                        <p:cTn id="36" dur="500" fill="hold"/>
+                                        <p:tgtEl>
+                                          <p:spTgt spid="5"/>
+                                        </p:tgtEl>
+                                        <p:attrNameLst>
+                                          <p:attrName>ppt_x</p:attrName>
+                                          <p:attrName>ppt_y</p:attrName>
+                                        </p:attrNameLst>
+                                      </p:cBhvr>
+                                      <p:rCtr x="54410" y="2685"/>
+                                    </p:animMotion>
+                                  </p:childTnLst>
+                                </p:cTn>
+                              </p:par>
+                              <p:par>
+                                <p:cTn id="37" presetID="1" presetClass="entr" presetSubtype="0" fill="hold" nodeType="withEffect">
+                                  <p:stCondLst>
+                                    <p:cond delay="100"/>
+                                  </p:stCondLst>
+                                  <p:childTnLst>
+                                    <p:set>
+                                      <p:cBhvr>
+                                        <p:cTn id="38" dur="1" fill="hold">
+                                          <p:stCondLst>
+                                            <p:cond delay="0"/>
+                                          </p:stCondLst>
+                                        </p:cTn>
+                                        <p:tgtEl>
+                                          <p:spTgt spid="9"/>
+                                        </p:tgtEl>
+                                        <p:attrNameLst>
+                                          <p:attrName>style.visibility</p:attrName>
+                                        </p:attrNameLst>
+                                      </p:cBhvr>
+                                      <p:to>
+                                        <p:strVal val="visible"/>
+                                      </p:to>
+                                    </p:set>
+                                  </p:childTnLst>
+                                </p:cTn>
+                              </p:par>
+                              <p:par>
+                                <p:cTn id="39" presetID="1" presetClass="exit" presetSubtype="0" fill="hold" nodeType="withEffect">
+                                  <p:stCondLst>
+                                    <p:cond delay="100"/>
+                                  </p:stCondLst>
+                                  <p:childTnLst>
+                                    <p:set>
+                                      <p:cBhvr>
+                                        <p:cTn id="40" dur="1" fill="hold">
+                                          <p:stCondLst>
+                                            <p:cond delay="0"/>
+                                          </p:stCondLst>
+                                        </p:cTn>
+                                        <p:tgtEl>
+                                          <p:spTgt spid="8"/>
+                                        </p:tgtEl>
+                                        <p:attrNameLst>
+                                          <p:attrName>style.visibility</p:attrName>
+                                        </p:attrNameLst>
+                                      </p:cBhvr>
+                                      <p:to>
+                                        <p:strVal val="hidden"/>
+                                      </p:to>
+                                    </p:set>
+                                  </p:childTnLst>
+                                </p:cTn>
+                              </p:par>
+                            </p:childTnLst>
+                          </p:cTn>
+                        </p:par>
+                      </p:childTnLst>
+                    </p:cTn>
+                  </p:par>
+                  <p:par>
+                    <p:cTn id="41" fill="hold">
+                      <p:stCondLst>
+                        <p:cond delay="indefinite"/>
+                      </p:stCondLst>
+                      <p:childTnLst>
+                        <p:par>
+                          <p:cTn id="42" fill="hold">
+                            <p:stCondLst>
+                              <p:cond delay="0"/>
+                            </p:stCondLst>
+                            <p:childTnLst>
+                              <p:par>
+                                <p:cTn id="43" presetID="1" presetClass="entr" presetSubtype="0" fill="hold" nodeType="clickEffect">
+                                  <p:stCondLst>
+                                    <p:cond delay="0"/>
+                                  </p:stCondLst>
+                                  <p:childTnLst>
+                                    <p:set>
+                                      <p:cBhvr>
+                                        <p:cTn id="44" dur="1" fill="hold">
+                                          <p:stCondLst>
+                                            <p:cond delay="0"/>
+                                          </p:stCondLst>
+                                        </p:cTn>
+                                        <p:tgtEl>
+                                          <p:spTgt spid="6"/>
+                                        </p:tgtEl>
+                                        <p:attrNameLst>
+                                          <p:attrName>style.visibility</p:attrName>
+                                        </p:attrNameLst>
+                                      </p:cBhvr>
+                                      <p:to>
+                                        <p:strVal val="visible"/>
+                                      </p:to>
+                                    </p:set>
+                                  </p:childTnLst>
+                                </p:cTn>
+                              </p:par>
+                              <p:par>
+                                <p:cTn id="45" presetID="1" presetClass="exit" presetSubtype="0" fill="hold" nodeType="withEffect">
+                                  <p:stCondLst>
+                                    <p:cond delay="0"/>
+                                  </p:stCondLst>
+                                  <p:childTnLst>
+                                    <p:set>
+                                      <p:cBhvr>
+                                        <p:cTn id="46" dur="1" fill="hold">
+                                          <p:stCondLst>
+                                            <p:cond delay="0"/>
+                                          </p:stCondLst>
+                                        </p:cTn>
+                                        <p:tgtEl>
+                                          <p:spTgt spid="9"/>
+                                        </p:tgtEl>
+                                        <p:attrNameLst>
+                                          <p:attrName>style.visibility</p:attrName>
+                                        </p:attrNameLst>
+                                      </p:cBhvr>
+                                      <p:to>
+                                        <p:strVal val="hidden"/>
+                                      </p:to>
+                                    </p:set>
+                                  </p:childTnLst>
+                                </p:cTn>
+                              </p:par>
+                            </p:childTnLst>
+                          </p:cTn>
+                        </p:par>
+                      </p:childTnLst>
+                    </p:cTn>
+                  </p:par>
+                  <p:par>
+                    <p:cTn id="47" fill="hold">
+                      <p:stCondLst>
+                        <p:cond delay="indefinite"/>
+                      </p:stCondLst>
+                      <p:childTnLst>
+                        <p:par>
+                          <p:cTn id="48" fill="hold">
+                            <p:stCondLst>
+                              <p:cond delay="0"/>
+                            </p:stCondLst>
+                            <p:childTnLst>
+                              <p:par>
+                                <p:cTn id="49" presetID="1" presetClass="entr" presetSubtype="0" fill="hold" nodeType="clickEffect">
+                                  <p:stCondLst>
+                                    <p:cond delay="0"/>
+                                  </p:stCondLst>
+                                  <p:childTnLst>
+                                    <p:set>
+                                      <p:cBhvr>
+                                        <p:cTn id="50" dur="1" fill="hold">
+                                          <p:stCondLst>
+                                            <p:cond delay="0"/>
+                                          </p:stCondLst>
+                                        </p:cTn>
+                                        <p:tgtEl>
+                                          <p:spTgt spid="8"/>
+                                        </p:tgtEl>
+                                        <p:attrNameLst>
+                                          <p:attrName>style.visibility</p:attrName>
+                                        </p:attrNameLst>
+                                      </p:cBhvr>
+                                      <p:to>
+                                        <p:strVal val="visible"/>
+                                      </p:to>
+                                    </p:set>
+                                  </p:childTnLst>
+                                </p:cTn>
+                              </p:par>
+                              <p:par>
+                                <p:cTn id="51" presetID="1" presetClass="exit" presetSubtype="0" fill="hold" nodeType="withEffect">
+                                  <p:stCondLst>
+                                    <p:cond delay="0"/>
+                                  </p:stCondLst>
+                                  <p:childTnLst>
+                                    <p:set>
+                                      <p:cBhvr>
+                                        <p:cTn id="52" dur="1" fill="hold">
+                                          <p:stCondLst>
+                                            <p:cond delay="0"/>
+                                          </p:stCondLst>
+                                        </p:cTn>
+                                        <p:tgtEl>
+                                          <p:spTgt spid="6"/>
+                                        </p:tgtEl>
+                                        <p:attrNameLst>
+                                          <p:attrName>style.visibility</p:attrName>
+                                        </p:attrNameLst>
+                                      </p:cBhvr>
+                                      <p:to>
+                                        <p:strVal val="hidden"/>
+                                      </p:to>
+                                    </p:set>
+                                  </p:childTnLst>
+                                </p:cTn>
+                              </p:par>
+                            </p:childTnLst>
+                          </p:cTn>
+                        </p:par>
+                      </p:childTnLst>
+                    </p:cTn>
+                  </p:par>
+                  <p:par>
+                    <p:cTn id="53" fill="hold">
+                      <p:stCondLst>
+                        <p:cond delay="indefinite"/>
+                      </p:stCondLst>
+                      <p:childTnLst>
+                        <p:par>
+                          <p:cTn id="54" fill="hold">
+                            <p:stCondLst>
+                              <p:cond delay="0"/>
+                            </p:stCondLst>
+                            <p:childTnLst>
+                              <p:par>
+                                <p:cTn id="55" presetID="37" presetClass="path" presetSubtype="0" accel="50000" decel="50000" fill="hold" grpId="0" nodeType="clickEffect">
+                                  <p:stCondLst>
+                                    <p:cond delay="0"/>
+                                  </p:stCondLst>
+                                  <p:childTnLst>
+                                    <p:animMotion origin="layout" path="M 8.33333E-7 -4.07407E-6 L 0.29184 0.04005 C 0.35312 0.04908 0.44462 0.05394 0.53976 0.05394 C 0.64861 0.05394 0.73542 0.04908 0.7967 0.04005 L 1.08854 -4.07407E-6 " pathEditMode="relative" rAng="0" ptsTypes="AAAAA">
+                                      <p:cBhvr>
+                                        <p:cTn id="56" dur="500" fill="hold"/>
+                                        <p:tgtEl>
+                                          <p:spTgt spid="10"/>
+                                        </p:tgtEl>
+                                        <p:attrNameLst>
+                                          <p:attrName>ppt_x</p:attrName>
+                                          <p:attrName>ppt_y</p:attrName>
+                                        </p:attrNameLst>
+                                      </p:cBhvr>
+                                      <p:rCtr x="54427" y="2685"/>
+                                    </p:animMotion>
+                                  </p:childTnLst>
+                                </p:cTn>
+                              </p:par>
+                              <p:par>
+                                <p:cTn id="57" presetID="1" presetClass="entr" presetSubtype="0" fill="hold" nodeType="withEffect">
+                                  <p:stCondLst>
+                                    <p:cond delay="100"/>
+                                  </p:stCondLst>
+                                  <p:childTnLst>
+                                    <p:set>
+                                      <p:cBhvr>
+                                        <p:cTn id="58" dur="1" fill="hold">
+                                          <p:stCondLst>
+                                            <p:cond delay="0"/>
+                                          </p:stCondLst>
+                                        </p:cTn>
+                                        <p:tgtEl>
+                                          <p:spTgt spid="9"/>
+                                        </p:tgtEl>
+                                        <p:attrNameLst>
+                                          <p:attrName>style.visibility</p:attrName>
+                                        </p:attrNameLst>
+                                      </p:cBhvr>
+                                      <p:to>
+                                        <p:strVal val="visible"/>
+                                      </p:to>
+                                    </p:set>
+                                  </p:childTnLst>
+                                </p:cTn>
+                              </p:par>
+                              <p:par>
+                                <p:cTn id="59" presetID="1" presetClass="exit" presetSubtype="0" fill="hold" nodeType="withEffect">
+                                  <p:stCondLst>
+                                    <p:cond delay="100"/>
+                                  </p:stCondLst>
+                                  <p:childTnLst>
+                                    <p:set>
+                                      <p:cBhvr>
+                                        <p:cTn id="60" dur="1" fill="hold">
+                                          <p:stCondLst>
+                                            <p:cond delay="0"/>
+                                          </p:stCondLst>
+                                        </p:cTn>
+                                        <p:tgtEl>
+                                          <p:spTgt spid="8"/>
+                                        </p:tgtEl>
+                                        <p:attrNameLst>
+                                          <p:attrName>style.visibility</p:attrName>
+                                        </p:attrNameLst>
+                                      </p:cBhvr>
+                                      <p:to>
+                                        <p:strVal val="hidden"/>
+                                      </p:to>
+                                    </p:set>
+                                  </p:childTnLst>
+                                </p:cTn>
+                              </p:par>
+                            </p:childTnLst>
+                          </p:cTn>
+                        </p:par>
+                      </p:childTnLst>
+                    </p:cTn>
+                  </p:par>
+                  <p:par>
+                    <p:cTn id="61" fill="hold">
+                      <p:stCondLst>
+                        <p:cond delay="indefinite"/>
+                      </p:stCondLst>
+                      <p:childTnLst>
+                        <p:par>
+                          <p:cTn id="62" fill="hold">
+                            <p:stCondLst>
+                              <p:cond delay="0"/>
+                            </p:stCondLst>
+                            <p:childTnLst>
+                              <p:par>
+                                <p:cTn id="63" presetID="1" presetClass="entr" presetSubtype="0" fill="hold" nodeType="clickEffect">
+                                  <p:stCondLst>
+                                    <p:cond delay="0"/>
+                                  </p:stCondLst>
+                                  <p:childTnLst>
+                                    <p:set>
+                                      <p:cBhvr>
+                                        <p:cTn id="64" dur="1" fill="hold">
+                                          <p:stCondLst>
+                                            <p:cond delay="0"/>
+                                          </p:stCondLst>
+                                        </p:cTn>
+                                        <p:tgtEl>
+                                          <p:spTgt spid="6"/>
+                                        </p:tgtEl>
+                                        <p:attrNameLst>
+                                          <p:attrName>style.visibility</p:attrName>
+                                        </p:attrNameLst>
+                                      </p:cBhvr>
+                                      <p:to>
+                                        <p:strVal val="visible"/>
+                                      </p:to>
+                                    </p:set>
+                                  </p:childTnLst>
+                                </p:cTn>
+                              </p:par>
+                              <p:par>
+                                <p:cTn id="65" presetID="1" presetClass="exit" presetSubtype="0" fill="hold" nodeType="withEffect">
+                                  <p:stCondLst>
+                                    <p:cond delay="0"/>
+                                  </p:stCondLst>
+                                  <p:childTnLst>
+                                    <p:set>
+                                      <p:cBhvr>
+                                        <p:cTn id="66" dur="1" fill="hold">
+                                          <p:stCondLst>
+                                            <p:cond delay="0"/>
+                                          </p:stCondLst>
+                                        </p:cTn>
+                                        <p:tgtEl>
+                                          <p:spTgt spid="9"/>
+                                        </p:tgtEl>
+                                        <p:attrNameLst>
+                                          <p:attrName>style.visibility</p:attrName>
+                                        </p:attrNameLst>
+                                      </p:cBhvr>
+                                      <p:to>
+                                        <p:strVal val="hidden"/>
+                                      </p:to>
+                                    </p:set>
+                                  </p:childTnLst>
+                                </p:cTn>
+                              </p:par>
+                            </p:childTnLst>
+                          </p:cTn>
+                        </p:par>
+                      </p:childTnLst>
+                    </p:cTn>
+                  </p:par>
+                  <p:par>
+                    <p:cTn id="67" fill="hold">
+                      <p:stCondLst>
+                        <p:cond delay="indefinite"/>
+                      </p:stCondLst>
+                      <p:childTnLst>
+                        <p:par>
+                          <p:cTn id="68" fill="hold">
+                            <p:stCondLst>
+                              <p:cond delay="0"/>
+                            </p:stCondLst>
+                            <p:childTnLst>
+                              <p:par>
+                                <p:cTn id="69" presetID="14" presetClass="entr" presetSubtype="10" fill="hold" grpId="0" nodeType="clickEffect">
+                                  <p:stCondLst>
+                                    <p:cond delay="0"/>
+                                  </p:stCondLst>
+                                  <p:childTnLst>
+                                    <p:set>
+                                      <p:cBhvr>
+                                        <p:cTn id="70" dur="1" fill="hold">
+                                          <p:stCondLst>
+                                            <p:cond delay="0"/>
+                                          </p:stCondLst>
+                                        </p:cTn>
+                                        <p:tgtEl>
+                                          <p:spTgt spid="31"/>
+                                        </p:tgtEl>
+                                        <p:attrNameLst>
+                                          <p:attrName>style.visibility</p:attrName>
+                                        </p:attrNameLst>
+                                      </p:cBhvr>
+                                      <p:to>
+                                        <p:strVal val="visible"/>
+                                      </p:to>
+                                    </p:set>
+                                    <p:animEffect transition="in" filter="randombar(horizontal)">
+                                      <p:cBhvr>
+                                        <p:cTn id="71" dur="500"/>
+                                        <p:tgtEl>
+                                          <p:spTgt spid="31"/>
+                                        </p:tgtEl>
+                                      </p:cBhvr>
+                                    </p:animEffect>
+                                  </p:childTnLst>
+                                </p:cTn>
+                              </p:par>
+                            </p:childTnLst>
+                          </p:cTn>
+                        </p:par>
+                      </p:childTnLst>
+                    </p:cTn>
+                  </p:par>
+                  <p:par>
+                    <p:cTn id="72" fill="hold">
+                      <p:stCondLst>
+                        <p:cond delay="indefinite"/>
+                      </p:stCondLst>
+                      <p:childTnLst>
+                        <p:par>
+                          <p:cTn id="73" fill="hold">
+                            <p:stCondLst>
+                              <p:cond delay="0"/>
+                            </p:stCondLst>
+                            <p:childTnLst>
+                              <p:par>
+                                <p:cTn id="74" presetID="14" presetClass="entr" presetSubtype="10" fill="hold" grpId="0" nodeType="clickEffect">
+                                  <p:stCondLst>
+                                    <p:cond delay="0"/>
+                                  </p:stCondLst>
+                                  <p:childTnLst>
+                                    <p:set>
+                                      <p:cBhvr>
+                                        <p:cTn id="75" dur="1" fill="hold">
+                                          <p:stCondLst>
+                                            <p:cond delay="0"/>
+                                          </p:stCondLst>
+                                        </p:cTn>
+                                        <p:tgtEl>
+                                          <p:spTgt spid="34"/>
+                                        </p:tgtEl>
+                                        <p:attrNameLst>
+                                          <p:attrName>style.visibility</p:attrName>
+                                        </p:attrNameLst>
+                                      </p:cBhvr>
+                                      <p:to>
+                                        <p:strVal val="visible"/>
+                                      </p:to>
+                                    </p:set>
+                                    <p:animEffect transition="in" filter="randombar(horizontal)">
+                                      <p:cBhvr>
+                                        <p:cTn id="76" dur="500"/>
+                                        <p:tgtEl>
+                                          <p:spTgt spid="34"/>
+                                        </p:tgtEl>
+                                      </p:cBhvr>
+                                    </p:animEffect>
+                                  </p:childTnLst>
+                                </p:cTn>
+                              </p:par>
+                            </p:childTnLst>
+                          </p:cTn>
+                        </p:par>
+                      </p:childTnLst>
+                    </p:cTn>
+                  </p:par>
+                  <p:par>
+                    <p:cTn id="77" fill="hold">
+                      <p:stCondLst>
+                        <p:cond delay="indefinite"/>
+                      </p:stCondLst>
+                      <p:childTnLst>
+                        <p:par>
+                          <p:cTn id="78" fill="hold">
+                            <p:stCondLst>
+                              <p:cond delay="0"/>
+                            </p:stCondLst>
+                            <p:childTnLst>
+                              <p:par>
+                                <p:cTn id="79" presetID="1" presetClass="entr" presetSubtype="0" fill="hold" nodeType="clickEffect">
+                                  <p:stCondLst>
+                                    <p:cond delay="0"/>
+                                  </p:stCondLst>
+                                  <p:childTnLst>
+                                    <p:set>
+                                      <p:cBhvr>
+                                        <p:cTn id="80" dur="1" fill="hold">
+                                          <p:stCondLst>
+                                            <p:cond delay="0"/>
+                                          </p:stCondLst>
+                                        </p:cTn>
+                                        <p:tgtEl>
+                                          <p:spTgt spid="8"/>
+                                        </p:tgtEl>
+                                        <p:attrNameLst>
+                                          <p:attrName>style.visibility</p:attrName>
+                                        </p:attrNameLst>
+                                      </p:cBhvr>
+                                      <p:to>
+                                        <p:strVal val="visible"/>
+                                      </p:to>
+                                    </p:set>
+                                  </p:childTnLst>
+                                </p:cTn>
+                              </p:par>
+                              <p:par>
+                                <p:cTn id="81" presetID="1" presetClass="exit" presetSubtype="0" fill="hold" nodeType="withEffect">
+                                  <p:stCondLst>
+                                    <p:cond delay="0"/>
+                                  </p:stCondLst>
+                                  <p:childTnLst>
+                                    <p:set>
+                                      <p:cBhvr>
+                                        <p:cTn id="82" dur="1" fill="hold">
+                                          <p:stCondLst>
+                                            <p:cond delay="0"/>
+                                          </p:stCondLst>
+                                        </p:cTn>
+                                        <p:tgtEl>
+                                          <p:spTgt spid="6"/>
+                                        </p:tgtEl>
+                                        <p:attrNameLst>
+                                          <p:attrName>style.visibility</p:attrName>
+                                        </p:attrNameLst>
+                                      </p:cBhvr>
+                                      <p:to>
+                                        <p:strVal val="hidden"/>
+                                      </p:to>
+                                    </p:set>
+                                  </p:childTnLst>
+                                </p:cTn>
+                              </p:par>
+                            </p:childTnLst>
+                          </p:cTn>
+                        </p:par>
+                      </p:childTnLst>
+                    </p:cTn>
+                  </p:par>
+                  <p:par>
+                    <p:cTn id="83" fill="hold">
+                      <p:stCondLst>
+                        <p:cond delay="indefinite"/>
+                      </p:stCondLst>
+                      <p:childTnLst>
+                        <p:par>
+                          <p:cTn id="84" fill="hold">
+                            <p:stCondLst>
+                              <p:cond delay="0"/>
+                            </p:stCondLst>
+                            <p:childTnLst>
+                              <p:par>
+                                <p:cTn id="85" presetID="37" presetClass="path" presetSubtype="0" accel="50000" decel="50000" fill="hold" grpId="0" nodeType="clickEffect">
+                                  <p:stCondLst>
+                                    <p:cond delay="0"/>
+                                  </p:stCondLst>
+                                  <p:childTnLst>
+                                    <p:animMotion origin="layout" path="M 1.38889E-6 -4.07407E-6 L 0.29184 0.04005 C 0.35295 0.04908 0.44427 0.05394 0.53941 0.05394 C 0.64826 0.05394 0.73524 0.04908 0.79635 0.04005 L 1.08819 -4.07407E-6 " pathEditMode="relative" rAng="0" ptsTypes="AAAAA">
+                                      <p:cBhvr>
+                                        <p:cTn id="86" dur="500" fill="hold"/>
+                                        <p:tgtEl>
+                                          <p:spTgt spid="11"/>
+                                        </p:tgtEl>
+                                        <p:attrNameLst>
+                                          <p:attrName>ppt_x</p:attrName>
+                                          <p:attrName>ppt_y</p:attrName>
+                                        </p:attrNameLst>
+                                      </p:cBhvr>
+                                      <p:rCtr x="54410" y="2685"/>
+                                    </p:animMotion>
+                                  </p:childTnLst>
+                                </p:cTn>
+                              </p:par>
+                              <p:par>
+                                <p:cTn id="87" presetID="1" presetClass="entr" presetSubtype="0" fill="hold" nodeType="withEffect">
+                                  <p:stCondLst>
+                                    <p:cond delay="100"/>
+                                  </p:stCondLst>
+                                  <p:childTnLst>
+                                    <p:set>
+                                      <p:cBhvr>
+                                        <p:cTn id="88" dur="1" fill="hold">
+                                          <p:stCondLst>
+                                            <p:cond delay="0"/>
+                                          </p:stCondLst>
+                                        </p:cTn>
+                                        <p:tgtEl>
+                                          <p:spTgt spid="9"/>
+                                        </p:tgtEl>
+                                        <p:attrNameLst>
+                                          <p:attrName>style.visibility</p:attrName>
+                                        </p:attrNameLst>
+                                      </p:cBhvr>
+                                      <p:to>
+                                        <p:strVal val="visible"/>
+                                      </p:to>
+                                    </p:set>
+                                  </p:childTnLst>
+                                </p:cTn>
+                              </p:par>
+                              <p:par>
+                                <p:cTn id="89" presetID="1" presetClass="exit" presetSubtype="0" fill="hold" nodeType="withEffect">
+                                  <p:stCondLst>
+                                    <p:cond delay="100"/>
+                                  </p:stCondLst>
+                                  <p:childTnLst>
+                                    <p:set>
+                                      <p:cBhvr>
+                                        <p:cTn id="90" dur="1" fill="hold">
+                                          <p:stCondLst>
+                                            <p:cond delay="0"/>
+                                          </p:stCondLst>
+                                        </p:cTn>
+                                        <p:tgtEl>
+                                          <p:spTgt spid="8"/>
+                                        </p:tgtEl>
+                                        <p:attrNameLst>
+                                          <p:attrName>style.visibility</p:attrName>
+                                        </p:attrNameLst>
+                                      </p:cBhvr>
+                                      <p:to>
+                                        <p:strVal val="hidden"/>
+                                      </p:to>
+                                    </p:set>
+                                  </p:childTnLst>
+                                </p:cTn>
+                              </p:par>
+                            </p:childTnLst>
+                          </p:cTn>
+                        </p:par>
+                      </p:childTnLst>
+                    </p:cTn>
+                  </p:par>
+                  <p:par>
+                    <p:cTn id="91" fill="hold">
+                      <p:stCondLst>
+                        <p:cond delay="indefinite"/>
+                      </p:stCondLst>
+                      <p:childTnLst>
+                        <p:par>
+                          <p:cTn id="92" fill="hold">
+                            <p:stCondLst>
+                              <p:cond delay="0"/>
+                            </p:stCondLst>
+                            <p:childTnLst>
+                              <p:par>
+                                <p:cTn id="93" presetID="1" presetClass="entr" presetSubtype="0" fill="hold" nodeType="clickEffect">
+                                  <p:stCondLst>
+                                    <p:cond delay="0"/>
+                                  </p:stCondLst>
+                                  <p:childTnLst>
+                                    <p:set>
+                                      <p:cBhvr>
+                                        <p:cTn id="94" dur="1" fill="hold">
+                                          <p:stCondLst>
+                                            <p:cond delay="0"/>
+                                          </p:stCondLst>
+                                        </p:cTn>
+                                        <p:tgtEl>
+                                          <p:spTgt spid="6"/>
+                                        </p:tgtEl>
+                                        <p:attrNameLst>
+                                          <p:attrName>style.visibility</p:attrName>
+                                        </p:attrNameLst>
+                                      </p:cBhvr>
+                                      <p:to>
+                                        <p:strVal val="visible"/>
+                                      </p:to>
+                                    </p:set>
+                                  </p:childTnLst>
+                                </p:cTn>
+                              </p:par>
+                              <p:par>
+                                <p:cTn id="95" presetID="1" presetClass="exit" presetSubtype="0" fill="hold" nodeType="withEffect">
+                                  <p:stCondLst>
+                                    <p:cond delay="0"/>
+                                  </p:stCondLst>
+                                  <p:childTnLst>
+                                    <p:set>
+                                      <p:cBhvr>
+                                        <p:cTn id="96" dur="1" fill="hold">
+                                          <p:stCondLst>
+                                            <p:cond delay="0"/>
+                                          </p:stCondLst>
+                                        </p:cTn>
+                                        <p:tgtEl>
+                                          <p:spTgt spid="9"/>
+                                        </p:tgtEl>
+                                        <p:attrNameLst>
+                                          <p:attrName>style.visibility</p:attrName>
+                                        </p:attrNameLst>
+                                      </p:cBhvr>
+                                      <p:to>
+                                        <p:strVal val="hidden"/>
+                                      </p:to>
+                                    </p:set>
+                                  </p:childTnLst>
+                                </p:cTn>
+                              </p:par>
+                            </p:childTnLst>
+                          </p:cTn>
+                        </p:par>
+                      </p:childTnLst>
+                    </p:cTn>
+                  </p:par>
+                  <p:par>
+                    <p:cTn id="97" fill="hold">
+                      <p:stCondLst>
+                        <p:cond delay="indefinite"/>
+                      </p:stCondLst>
+                      <p:childTnLst>
+                        <p:par>
+                          <p:cTn id="98" fill="hold">
+                            <p:stCondLst>
+                              <p:cond delay="0"/>
+                            </p:stCondLst>
+                            <p:childTnLst>
+                              <p:par>
+                                <p:cTn id="99" presetID="14" presetClass="entr" presetSubtype="10" fill="hold" grpId="0" nodeType="clickEffect">
+                                  <p:stCondLst>
+                                    <p:cond delay="0"/>
+                                  </p:stCondLst>
+                                  <p:childTnLst>
+                                    <p:set>
+                                      <p:cBhvr>
+                                        <p:cTn id="100" dur="1" fill="hold">
+                                          <p:stCondLst>
+                                            <p:cond delay="0"/>
+                                          </p:stCondLst>
+                                        </p:cTn>
+                                        <p:tgtEl>
+                                          <p:spTgt spid="32"/>
+                                        </p:tgtEl>
+                                        <p:attrNameLst>
+                                          <p:attrName>style.visibility</p:attrName>
+                                        </p:attrNameLst>
+                                      </p:cBhvr>
+                                      <p:to>
+                                        <p:strVal val="visible"/>
+                                      </p:to>
+                                    </p:set>
+                                    <p:animEffect transition="in" filter="randombar(horizontal)">
+                                      <p:cBhvr>
+                                        <p:cTn id="101" dur="500"/>
+                                        <p:tgtEl>
+                                          <p:spTgt spid="32"/>
+                                        </p:tgtEl>
+                                      </p:cBhvr>
+                                    </p:animEffect>
+                                  </p:childTnLst>
+                                </p:cTn>
+                              </p:par>
+                            </p:childTnLst>
+                          </p:cTn>
+                        </p:par>
+                      </p:childTnLst>
+                    </p:cTn>
+                  </p:par>
+                  <p:par>
+                    <p:cTn id="102" fill="hold">
+                      <p:stCondLst>
+                        <p:cond delay="indefinite"/>
+                      </p:stCondLst>
+                      <p:childTnLst>
+                        <p:par>
+                          <p:cTn id="103" fill="hold">
+                            <p:stCondLst>
+                              <p:cond delay="0"/>
+                            </p:stCondLst>
+                            <p:childTnLst>
+                              <p:par>
+                                <p:cTn id="104" presetID="14" presetClass="entr" presetSubtype="10" fill="hold" grpId="0" nodeType="clickEffect">
+                                  <p:stCondLst>
+                                    <p:cond delay="0"/>
+                                  </p:stCondLst>
+                                  <p:childTnLst>
+                                    <p:set>
+                                      <p:cBhvr>
+                                        <p:cTn id="105" dur="1" fill="hold">
+                                          <p:stCondLst>
+                                            <p:cond delay="0"/>
+                                          </p:stCondLst>
+                                        </p:cTn>
+                                        <p:tgtEl>
+                                          <p:spTgt spid="35"/>
+                                        </p:tgtEl>
+                                        <p:attrNameLst>
+                                          <p:attrName>style.visibility</p:attrName>
+                                        </p:attrNameLst>
+                                      </p:cBhvr>
+                                      <p:to>
+                                        <p:strVal val="visible"/>
+                                      </p:to>
+                                    </p:set>
+                                    <p:animEffect transition="in" filter="randombar(horizontal)">
+                                      <p:cBhvr>
+                                        <p:cTn id="106" dur="500"/>
+                                        <p:tgtEl>
+                                          <p:spTgt spid="35"/>
+                                        </p:tgtEl>
+                                      </p:cBhvr>
+                                    </p:animEffect>
+                                  </p:childTnLst>
+                                </p:cTn>
+                              </p:par>
+                            </p:childTnLst>
+                          </p:cTn>
+                        </p:par>
+                      </p:childTnLst>
+                    </p:cTn>
+                  </p:par>
+                  <p:par>
+                    <p:cTn id="107" fill="hold">
+                      <p:stCondLst>
+                        <p:cond delay="indefinite"/>
+                      </p:stCondLst>
+                      <p:childTnLst>
+                        <p:par>
+                          <p:cTn id="108" fill="hold">
+                            <p:stCondLst>
+                              <p:cond delay="0"/>
+                            </p:stCondLst>
+                            <p:childTnLst>
+                              <p:par>
+                                <p:cTn id="109" presetID="1" presetClass="entr" presetSubtype="0" fill="hold" nodeType="clickEffect">
+                                  <p:stCondLst>
+                                    <p:cond delay="0"/>
+                                  </p:stCondLst>
+                                  <p:childTnLst>
+                                    <p:set>
+                                      <p:cBhvr>
+                                        <p:cTn id="110" dur="1" fill="hold">
+                                          <p:stCondLst>
+                                            <p:cond delay="0"/>
+                                          </p:stCondLst>
+                                        </p:cTn>
+                                        <p:tgtEl>
+                                          <p:spTgt spid="8"/>
+                                        </p:tgtEl>
+                                        <p:attrNameLst>
+                                          <p:attrName>style.visibility</p:attrName>
+                                        </p:attrNameLst>
+                                      </p:cBhvr>
+                                      <p:to>
+                                        <p:strVal val="visible"/>
+                                      </p:to>
+                                    </p:set>
+                                  </p:childTnLst>
+                                </p:cTn>
+                              </p:par>
+                              <p:par>
+                                <p:cTn id="111" presetID="1" presetClass="exit" presetSubtype="0" fill="hold" nodeType="withEffect">
+                                  <p:stCondLst>
+                                    <p:cond delay="0"/>
+                                  </p:stCondLst>
+                                  <p:childTnLst>
+                                    <p:set>
+                                      <p:cBhvr>
+                                        <p:cTn id="112" dur="1" fill="hold">
+                                          <p:stCondLst>
+                                            <p:cond delay="0"/>
+                                          </p:stCondLst>
+                                        </p:cTn>
+                                        <p:tgtEl>
+                                          <p:spTgt spid="6"/>
+                                        </p:tgtEl>
+                                        <p:attrNameLst>
+                                          <p:attrName>style.visibility</p:attrName>
+                                        </p:attrNameLst>
+                                      </p:cBhvr>
+                                      <p:to>
+                                        <p:strVal val="hidden"/>
+                                      </p:to>
+                                    </p:set>
+                                  </p:childTnLst>
+                                </p:cTn>
+                              </p:par>
+                            </p:childTnLst>
+                          </p:cTn>
+                        </p:par>
+                      </p:childTnLst>
+                    </p:cTn>
+                  </p:par>
+                  <p:par>
+                    <p:cTn id="113" fill="hold">
+                      <p:stCondLst>
+                        <p:cond delay="indefinite"/>
+                      </p:stCondLst>
+                      <p:childTnLst>
+                        <p:par>
+                          <p:cTn id="114" fill="hold">
+                            <p:stCondLst>
+                              <p:cond delay="0"/>
+                            </p:stCondLst>
+                            <p:childTnLst>
+                              <p:par>
+                                <p:cTn id="115" presetID="37" presetClass="path" presetSubtype="0" accel="50000" decel="50000" fill="hold" grpId="0" nodeType="clickEffect">
+                                  <p:stCondLst>
+                                    <p:cond delay="0"/>
+                                  </p:stCondLst>
+                                  <p:childTnLst>
+                                    <p:animMotion origin="layout" path="M -1.66667E-6 -4.07407E-6 L 0.29236 0.04005 C 0.35365 0.04908 0.44531 0.05394 0.5408 0.05394 C 0.64983 0.05394 0.73698 0.04908 0.79827 0.04005 L 1.0908 -4.07407E-6 " pathEditMode="relative" rAng="0" ptsTypes="AAAAA">
+                                      <p:cBhvr>
+                                        <p:cTn id="116" dur="500" fill="hold"/>
+                                        <p:tgtEl>
+                                          <p:spTgt spid="12"/>
+                                        </p:tgtEl>
+                                        <p:attrNameLst>
+                                          <p:attrName>ppt_x</p:attrName>
+                                          <p:attrName>ppt_y</p:attrName>
+                                        </p:attrNameLst>
+                                      </p:cBhvr>
+                                      <p:rCtr x="54531" y="2685"/>
+                                    </p:animMotion>
+                                  </p:childTnLst>
+                                </p:cTn>
+                              </p:par>
+                              <p:par>
+                                <p:cTn id="117" presetID="1" presetClass="entr" presetSubtype="0" fill="hold" nodeType="withEffect">
+                                  <p:stCondLst>
+                                    <p:cond delay="100"/>
+                                  </p:stCondLst>
+                                  <p:childTnLst>
+                                    <p:set>
+                                      <p:cBhvr>
+                                        <p:cTn id="118" dur="1" fill="hold">
+                                          <p:stCondLst>
+                                            <p:cond delay="0"/>
+                                          </p:stCondLst>
+                                        </p:cTn>
+                                        <p:tgtEl>
+                                          <p:spTgt spid="9"/>
+                                        </p:tgtEl>
+                                        <p:attrNameLst>
+                                          <p:attrName>style.visibility</p:attrName>
+                                        </p:attrNameLst>
+                                      </p:cBhvr>
+                                      <p:to>
+                                        <p:strVal val="visible"/>
+                                      </p:to>
+                                    </p:set>
+                                  </p:childTnLst>
+                                </p:cTn>
+                              </p:par>
+                              <p:par>
+                                <p:cTn id="119" presetID="1" presetClass="exit" presetSubtype="0" fill="hold" nodeType="withEffect">
+                                  <p:stCondLst>
+                                    <p:cond delay="100"/>
+                                  </p:stCondLst>
+                                  <p:childTnLst>
+                                    <p:set>
+                                      <p:cBhvr>
+                                        <p:cTn id="120" dur="1" fill="hold">
+                                          <p:stCondLst>
+                                            <p:cond delay="0"/>
+                                          </p:stCondLst>
+                                        </p:cTn>
+                                        <p:tgtEl>
+                                          <p:spTgt spid="8"/>
+                                        </p:tgtEl>
+                                        <p:attrNameLst>
+                                          <p:attrName>style.visibility</p:attrName>
+                                        </p:attrNameLst>
+                                      </p:cBhvr>
+                                      <p:to>
+                                        <p:strVal val="hidden"/>
+                                      </p:to>
+                                    </p:set>
+                                  </p:childTnLst>
+                                </p:cTn>
+                              </p:par>
+                            </p:childTnLst>
+                          </p:cTn>
+                        </p:par>
+                      </p:childTnLst>
+                    </p:cTn>
+                  </p:par>
+                  <p:par>
+                    <p:cTn id="121" fill="hold">
+                      <p:stCondLst>
+                        <p:cond delay="indefinite"/>
+                      </p:stCondLst>
+                      <p:childTnLst>
+                        <p:par>
+                          <p:cTn id="122" fill="hold">
+                            <p:stCondLst>
+                              <p:cond delay="0"/>
+                            </p:stCondLst>
+                            <p:childTnLst>
+                              <p:par>
+                                <p:cTn id="123" presetID="1" presetClass="entr" presetSubtype="0" fill="hold" nodeType="clickEffect">
+                                  <p:stCondLst>
+                                    <p:cond delay="0"/>
+                                  </p:stCondLst>
+                                  <p:childTnLst>
+                                    <p:set>
+                                      <p:cBhvr>
+                                        <p:cTn id="124" dur="1" fill="hold">
+                                          <p:stCondLst>
+                                            <p:cond delay="0"/>
+                                          </p:stCondLst>
+                                        </p:cTn>
+                                        <p:tgtEl>
+                                          <p:spTgt spid="6"/>
+                                        </p:tgtEl>
+                                        <p:attrNameLst>
+                                          <p:attrName>style.visibility</p:attrName>
+                                        </p:attrNameLst>
+                                      </p:cBhvr>
+                                      <p:to>
+                                        <p:strVal val="visible"/>
+                                      </p:to>
+                                    </p:set>
+                                  </p:childTnLst>
+                                </p:cTn>
+                              </p:par>
+                              <p:par>
+                                <p:cTn id="125" presetID="1" presetClass="exit" presetSubtype="0" fill="hold" nodeType="withEffect">
+                                  <p:stCondLst>
+                                    <p:cond delay="0"/>
+                                  </p:stCondLst>
+                                  <p:childTnLst>
+                                    <p:set>
+                                      <p:cBhvr>
+                                        <p:cTn id="126" dur="1" fill="hold">
+                                          <p:stCondLst>
+                                            <p:cond delay="0"/>
+                                          </p:stCondLst>
+                                        </p:cTn>
+                                        <p:tgtEl>
+                                          <p:spTgt spid="9"/>
+                                        </p:tgtEl>
+                                        <p:attrNameLst>
+                                          <p:attrName>style.visibility</p:attrName>
+                                        </p:attrNameLst>
+                                      </p:cBhvr>
+                                      <p:to>
+                                        <p:strVal val="hidden"/>
+                                      </p:to>
+                                    </p:set>
+                                  </p:childTnLst>
+                                </p:cTn>
+                              </p:par>
+                            </p:childTnLst>
+                          </p:cTn>
+                        </p:par>
+                      </p:childTnLst>
+                    </p:cTn>
+                  </p:par>
+                  <p:par>
+                    <p:cTn id="127" fill="hold">
+                      <p:stCondLst>
+                        <p:cond delay="indefinite"/>
+                      </p:stCondLst>
+                      <p:childTnLst>
+                        <p:par>
+                          <p:cTn id="128" fill="hold">
+                            <p:stCondLst>
+                              <p:cond delay="0"/>
+                            </p:stCondLst>
+                            <p:childTnLst>
+                              <p:par>
+                                <p:cTn id="129" presetID="14" presetClass="entr" presetSubtype="10" fill="hold" grpId="0" nodeType="clickEffect">
+                                  <p:stCondLst>
+                                    <p:cond delay="0"/>
+                                  </p:stCondLst>
+                                  <p:childTnLst>
+                                    <p:set>
+                                      <p:cBhvr>
+                                        <p:cTn id="130" dur="1" fill="hold">
+                                          <p:stCondLst>
+                                            <p:cond delay="0"/>
+                                          </p:stCondLst>
+                                        </p:cTn>
+                                        <p:tgtEl>
+                                          <p:spTgt spid="33"/>
+                                        </p:tgtEl>
+                                        <p:attrNameLst>
+                                          <p:attrName>style.visibility</p:attrName>
+                                        </p:attrNameLst>
+                                      </p:cBhvr>
+                                      <p:to>
+                                        <p:strVal val="visible"/>
+                                      </p:to>
+                                    </p:set>
+                                    <p:animEffect transition="in" filter="randombar(horizontal)">
+                                      <p:cBhvr>
+                                        <p:cTn id="131" dur="500"/>
+                                        <p:tgtEl>
+                                          <p:spTgt spid="33"/>
+                                        </p:tgtEl>
+                                      </p:cBhvr>
+                                    </p:animEffect>
+                                  </p:childTnLst>
+                                </p:cTn>
+                              </p:par>
+                            </p:childTnLst>
+                          </p:cTn>
+                        </p:par>
+                      </p:childTnLst>
+                    </p:cTn>
+                  </p:par>
+                  <p:par>
+                    <p:cTn id="132" fill="hold">
+                      <p:stCondLst>
+                        <p:cond delay="indefinite"/>
+                      </p:stCondLst>
+                      <p:childTnLst>
+                        <p:par>
+                          <p:cTn id="133" fill="hold">
+                            <p:stCondLst>
+                              <p:cond delay="0"/>
+                            </p:stCondLst>
+                            <p:childTnLst>
+                              <p:par>
+                                <p:cTn id="134" presetID="14" presetClass="entr" presetSubtype="10" fill="hold" grpId="0" nodeType="clickEffect">
+                                  <p:stCondLst>
+                                    <p:cond delay="0"/>
+                                  </p:stCondLst>
+                                  <p:childTnLst>
+                                    <p:set>
+                                      <p:cBhvr>
+                                        <p:cTn id="135" dur="1" fill="hold">
+                                          <p:stCondLst>
+                                            <p:cond delay="0"/>
+                                          </p:stCondLst>
+                                        </p:cTn>
+                                        <p:tgtEl>
+                                          <p:spTgt spid="36"/>
+                                        </p:tgtEl>
+                                        <p:attrNameLst>
+                                          <p:attrName>style.visibility</p:attrName>
+                                        </p:attrNameLst>
+                                      </p:cBhvr>
+                                      <p:to>
+                                        <p:strVal val="visible"/>
+                                      </p:to>
+                                    </p:set>
+                                    <p:animEffect transition="in" filter="randombar(horizontal)">
+                                      <p:cBhvr>
+                                        <p:cTn id="136" dur="500"/>
+                                        <p:tgtEl>
+                                          <p:spTgt spid="36"/>
+                                        </p:tgtEl>
+                                      </p:cBhvr>
+                                    </p:animEffect>
+                                  </p:childTnLst>
+                                </p:cTn>
+                              </p:par>
+                            </p:childTnLst>
+                          </p:cTn>
+                        </p:par>
+                      </p:childTnLst>
+                    </p:cTn>
+                  </p:par>
+                  <p:par>
+                    <p:cTn id="137" fill="hold">
+                      <p:stCondLst>
+                        <p:cond delay="indefinite"/>
+                      </p:stCondLst>
+                      <p:childTnLst>
+                        <p:par>
+                          <p:cTn id="138" fill="hold">
+                            <p:stCondLst>
+                              <p:cond delay="0"/>
+                            </p:stCondLst>
+                            <p:childTnLst>
+                              <p:par>
+                                <p:cTn id="139" presetID="14" presetClass="entr" presetSubtype="10" fill="hold" grpId="0" nodeType="clickEffect">
+                                  <p:stCondLst>
+                                    <p:cond delay="0"/>
+                                  </p:stCondLst>
+                                  <p:childTnLst>
+                                    <p:set>
+                                      <p:cBhvr>
+                                        <p:cTn id="140" dur="1" fill="hold">
+                                          <p:stCondLst>
+                                            <p:cond delay="0"/>
+                                          </p:stCondLst>
+                                        </p:cTn>
+                                        <p:tgtEl>
+                                          <p:spTgt spid="19"/>
+                                        </p:tgtEl>
+                                        <p:attrNameLst>
+                                          <p:attrName>style.visibility</p:attrName>
+                                        </p:attrNameLst>
+                                      </p:cBhvr>
+                                      <p:to>
+                                        <p:strVal val="visible"/>
+                                      </p:to>
+                                    </p:set>
+                                    <p:animEffect transition="in" filter="randombar(horizontal)">
+                                      <p:cBhvr>
+                                        <p:cTn id="141" dur="500"/>
+                                        <p:tgtEl>
+                                          <p:spTgt spid="19"/>
+                                        </p:tgtEl>
+                                      </p:cBhvr>
+                                    </p:animEffect>
+                                  </p:childTnLst>
+                                </p:cTn>
+                              </p:par>
+                              <p:par>
+                                <p:cTn id="142" presetID="14" presetClass="entr" presetSubtype="10" fill="hold" nodeType="withEffect">
+                                  <p:stCondLst>
+                                    <p:cond delay="0"/>
+                                  </p:stCondLst>
+                                  <p:childTnLst>
+                                    <p:set>
+                                      <p:cBhvr>
+                                        <p:cTn id="143" dur="1" fill="hold">
+                                          <p:stCondLst>
+                                            <p:cond delay="0"/>
+                                          </p:stCondLst>
+                                        </p:cTn>
+                                        <p:tgtEl>
+                                          <p:spTgt spid="23"/>
+                                        </p:tgtEl>
+                                        <p:attrNameLst>
+                                          <p:attrName>style.visibility</p:attrName>
+                                        </p:attrNameLst>
+                                      </p:cBhvr>
+                                      <p:to>
+                                        <p:strVal val="visible"/>
+                                      </p:to>
+                                    </p:set>
+                                    <p:animEffect transition="in" filter="randombar(horizontal)">
+                                      <p:cBhvr>
+                                        <p:cTn id="144" dur="500"/>
+                                        <p:tgtEl>
+                                          <p:spTgt spid="23"/>
+                                        </p:tgtEl>
+                                      </p:cBhvr>
+                                    </p:animEffect>
+                                  </p:childTnLst>
+                                </p:cTn>
+                              </p:par>
+                              <p:par>
+                                <p:cTn id="145" presetID="14" presetClass="entr" presetSubtype="10" fill="hold" grpId="0" nodeType="withEffect">
+                                  <p:stCondLst>
+                                    <p:cond delay="0"/>
+                                  </p:stCondLst>
+                                  <p:childTnLst>
+                                    <p:set>
+                                      <p:cBhvr>
+                                        <p:cTn id="146" dur="1" fill="hold">
+                                          <p:stCondLst>
+                                            <p:cond delay="0"/>
+                                          </p:stCondLst>
+                                        </p:cTn>
+                                        <p:tgtEl>
+                                          <p:spTgt spid="15"/>
+                                        </p:tgtEl>
+                                        <p:attrNameLst>
+                                          <p:attrName>style.visibility</p:attrName>
+                                        </p:attrNameLst>
+                                      </p:cBhvr>
+                                      <p:to>
+                                        <p:strVal val="visible"/>
+                                      </p:to>
+                                    </p:set>
+                                    <p:animEffect transition="in" filter="randombar(horizontal)">
+                                      <p:cBhvr>
+                                        <p:cTn id="147" dur="500"/>
+                                        <p:tgtEl>
+                                          <p:spTgt spid="15"/>
+                                        </p:tgtEl>
+                                      </p:cBhvr>
+                                    </p:animEffect>
+                                  </p:childTnLst>
+                                </p:cTn>
+                              </p:par>
+                            </p:childTnLst>
+                          </p:cTn>
+                        </p:par>
+                      </p:childTnLst>
+                    </p:cTn>
+                  </p:par>
+                  <p:par>
+                    <p:cTn id="148" fill="hold">
+                      <p:stCondLst>
+                        <p:cond delay="indefinite"/>
+                      </p:stCondLst>
+                      <p:childTnLst>
+                        <p:par>
+                          <p:cTn id="149" fill="hold">
+                            <p:stCondLst>
+                              <p:cond delay="0"/>
+                            </p:stCondLst>
+                            <p:childTnLst>
+                              <p:par>
+                                <p:cTn id="150" presetID="14" presetClass="entr" presetSubtype="10" fill="hold" grpId="0" nodeType="clickEffect">
+                                  <p:stCondLst>
+                                    <p:cond delay="0"/>
+                                  </p:stCondLst>
+                                  <p:childTnLst>
+                                    <p:set>
+                                      <p:cBhvr>
+                                        <p:cTn id="151" dur="1" fill="hold">
+                                          <p:stCondLst>
+                                            <p:cond delay="0"/>
+                                          </p:stCondLst>
+                                        </p:cTn>
+                                        <p:tgtEl>
+                                          <p:spTgt spid="21"/>
+                                        </p:tgtEl>
+                                        <p:attrNameLst>
+                                          <p:attrName>style.visibility</p:attrName>
+                                        </p:attrNameLst>
+                                      </p:cBhvr>
+                                      <p:to>
+                                        <p:strVal val="visible"/>
+                                      </p:to>
+                                    </p:set>
+                                    <p:animEffect transition="in" filter="randombar(horizontal)">
+                                      <p:cBhvr>
+                                        <p:cTn id="152" dur="500"/>
+                                        <p:tgtEl>
+                                          <p:spTgt spid="21"/>
+                                        </p:tgtEl>
+                                      </p:cBhvr>
+                                    </p:animEffect>
+                                  </p:childTnLst>
+                                </p:cTn>
+                              </p:par>
+                              <p:par>
+                                <p:cTn id="153" presetID="14" presetClass="entr" presetSubtype="10" fill="hold" nodeType="withEffect">
+                                  <p:stCondLst>
+                                    <p:cond delay="0"/>
+                                  </p:stCondLst>
+                                  <p:childTnLst>
+                                    <p:set>
+                                      <p:cBhvr>
+                                        <p:cTn id="154" dur="1" fill="hold">
+                                          <p:stCondLst>
+                                            <p:cond delay="0"/>
+                                          </p:stCondLst>
+                                        </p:cTn>
+                                        <p:tgtEl>
+                                          <p:spTgt spid="25"/>
+                                        </p:tgtEl>
+                                        <p:attrNameLst>
+                                          <p:attrName>style.visibility</p:attrName>
+                                        </p:attrNameLst>
+                                      </p:cBhvr>
+                                      <p:to>
+                                        <p:strVal val="visible"/>
+                                      </p:to>
+                                    </p:set>
+                                    <p:animEffect transition="in" filter="randombar(horizontal)">
+                                      <p:cBhvr>
+                                        <p:cTn id="155" dur="500"/>
+                                        <p:tgtEl>
+                                          <p:spTgt spid="25"/>
+                                        </p:tgtEl>
+                                      </p:cBhvr>
+                                    </p:animEffect>
+                                  </p:childTnLst>
+                                </p:cTn>
+                              </p:par>
+                              <p:par>
+                                <p:cTn id="156" presetID="14" presetClass="entr" presetSubtype="10" fill="hold" grpId="0" nodeType="withEffect">
+                                  <p:stCondLst>
+                                    <p:cond delay="0"/>
+                                  </p:stCondLst>
+                                  <p:childTnLst>
+                                    <p:set>
+                                      <p:cBhvr>
+                                        <p:cTn id="157" dur="1" fill="hold">
+                                          <p:stCondLst>
+                                            <p:cond delay="0"/>
+                                          </p:stCondLst>
+                                        </p:cTn>
+                                        <p:tgtEl>
+                                          <p:spTgt spid="17"/>
+                                        </p:tgtEl>
+                                        <p:attrNameLst>
+                                          <p:attrName>style.visibility</p:attrName>
+                                        </p:attrNameLst>
+                                      </p:cBhvr>
+                                      <p:to>
+                                        <p:strVal val="visible"/>
+                                      </p:to>
+                                    </p:set>
+                                    <p:animEffect transition="in" filter="randombar(horizontal)">
+                                      <p:cBhvr>
+                                        <p:cTn id="158" dur="500"/>
+                                        <p:tgtEl>
+                                          <p:spTgt spid="17"/>
+                                        </p:tgtEl>
+                                      </p:cBhvr>
+                                    </p:animEffect>
+                                  </p:childTnLst>
+                                </p:cTn>
+                              </p:par>
+                            </p:childTnLst>
+                          </p:cTn>
+                        </p:par>
+                      </p:childTnLst>
+                    </p:cTn>
+                  </p:par>
+                  <p:par>
+                    <p:cTn id="159" fill="hold">
+                      <p:stCondLst>
+                        <p:cond delay="indefinite"/>
+                      </p:stCondLst>
+                      <p:childTnLst>
+                        <p:par>
+                          <p:cTn id="160" fill="hold">
+                            <p:stCondLst>
+                              <p:cond delay="0"/>
+                            </p:stCondLst>
+                            <p:childTnLst>
+                              <p:par>
+                                <p:cTn id="161" presetID="14" presetClass="entr" presetSubtype="10" fill="hold" grpId="0" nodeType="clickEffect">
+                                  <p:stCondLst>
+                                    <p:cond delay="0"/>
+                                  </p:stCondLst>
+                                  <p:childTnLst>
+                                    <p:set>
+                                      <p:cBhvr>
+                                        <p:cTn id="162" dur="1" fill="hold">
+                                          <p:stCondLst>
+                                            <p:cond delay="0"/>
+                                          </p:stCondLst>
+                                        </p:cTn>
+                                        <p:tgtEl>
+                                          <p:spTgt spid="20"/>
+                                        </p:tgtEl>
+                                        <p:attrNameLst>
+                                          <p:attrName>style.visibility</p:attrName>
+                                        </p:attrNameLst>
+                                      </p:cBhvr>
+                                      <p:to>
+                                        <p:strVal val="visible"/>
+                                      </p:to>
+                                    </p:set>
+                                    <p:animEffect transition="in" filter="randombar(horizontal)">
+                                      <p:cBhvr>
+                                        <p:cTn id="163" dur="500"/>
+                                        <p:tgtEl>
+                                          <p:spTgt spid="20"/>
+                                        </p:tgtEl>
+                                      </p:cBhvr>
+                                    </p:animEffect>
+                                  </p:childTnLst>
+                                </p:cTn>
+                              </p:par>
+                              <p:par>
+                                <p:cTn id="164" presetID="14" presetClass="entr" presetSubtype="10" fill="hold" nodeType="withEffect">
+                                  <p:stCondLst>
+                                    <p:cond delay="0"/>
+                                  </p:stCondLst>
+                                  <p:childTnLst>
+                                    <p:set>
+                                      <p:cBhvr>
+                                        <p:cTn id="165" dur="1" fill="hold">
+                                          <p:stCondLst>
+                                            <p:cond delay="0"/>
+                                          </p:stCondLst>
+                                        </p:cTn>
+                                        <p:tgtEl>
+                                          <p:spTgt spid="27"/>
+                                        </p:tgtEl>
+                                        <p:attrNameLst>
+                                          <p:attrName>style.visibility</p:attrName>
+                                        </p:attrNameLst>
+                                      </p:cBhvr>
+                                      <p:to>
+                                        <p:strVal val="visible"/>
+                                      </p:to>
+                                    </p:set>
+                                    <p:animEffect transition="in" filter="randombar(horizontal)">
+                                      <p:cBhvr>
+                                        <p:cTn id="166" dur="500"/>
+                                        <p:tgtEl>
+                                          <p:spTgt spid="27"/>
+                                        </p:tgtEl>
+                                      </p:cBhvr>
+                                    </p:animEffect>
+                                  </p:childTnLst>
+                                </p:cTn>
+                              </p:par>
+                              <p:par>
+                                <p:cTn id="167" presetID="14" presetClass="entr" presetSubtype="10" fill="hold" grpId="0" nodeType="withEffect">
+                                  <p:stCondLst>
+                                    <p:cond delay="0"/>
+                                  </p:stCondLst>
+                                  <p:childTnLst>
+                                    <p:set>
+                                      <p:cBhvr>
+                                        <p:cTn id="168" dur="1" fill="hold">
+                                          <p:stCondLst>
+                                            <p:cond delay="0"/>
+                                          </p:stCondLst>
+                                        </p:cTn>
+                                        <p:tgtEl>
+                                          <p:spTgt spid="16"/>
+                                        </p:tgtEl>
+                                        <p:attrNameLst>
+                                          <p:attrName>style.visibility</p:attrName>
+                                        </p:attrNameLst>
+                                      </p:cBhvr>
+                                      <p:to>
+                                        <p:strVal val="visible"/>
+                                      </p:to>
+                                    </p:set>
+                                    <p:animEffect transition="in" filter="randombar(horizontal)">
+                                      <p:cBhvr>
+                                        <p:cTn id="169" dur="500"/>
+                                        <p:tgtEl>
+                                          <p:spTgt spid="16"/>
+                                        </p:tgtEl>
+                                      </p:cBhvr>
+                                    </p:animEffect>
+                                  </p:childTnLst>
+                                </p:cTn>
+                              </p:par>
+                            </p:childTnLst>
+                          </p:cTn>
+                        </p:par>
+                      </p:childTnLst>
+                    </p:cTn>
+                  </p:par>
+                  <p:par>
+                    <p:cTn id="170" fill="hold">
+                      <p:stCondLst>
+                        <p:cond delay="indefinite"/>
+                      </p:stCondLst>
+                      <p:childTnLst>
+                        <p:par>
+                          <p:cTn id="171" fill="hold">
+                            <p:stCondLst>
+                              <p:cond delay="0"/>
+                            </p:stCondLst>
+                            <p:childTnLst>
+                              <p:par>
+                                <p:cTn id="172" presetID="14" presetClass="entr" presetSubtype="10" fill="hold" grpId="0" nodeType="clickEffect">
+                                  <p:stCondLst>
+                                    <p:cond delay="0"/>
+                                  </p:stCondLst>
+                                  <p:childTnLst>
+                                    <p:set>
+                                      <p:cBhvr>
+                                        <p:cTn id="173" dur="1" fill="hold">
+                                          <p:stCondLst>
+                                            <p:cond delay="0"/>
+                                          </p:stCondLst>
+                                        </p:cTn>
+                                        <p:tgtEl>
+                                          <p:spTgt spid="13"/>
+                                        </p:tgtEl>
+                                        <p:attrNameLst>
+                                          <p:attrName>style.visibility</p:attrName>
+                                        </p:attrNameLst>
+                                      </p:cBhvr>
+                                      <p:to>
+                                        <p:strVal val="visible"/>
+                                      </p:to>
+                                    </p:set>
+                                    <p:animEffect transition="in" filter="randombar(horizontal)">
+                                      <p:cBhvr>
+                                        <p:cTn id="174" dur="500"/>
+                                        <p:tgtEl>
+                                          <p:spTgt spid="13"/>
+                                        </p:tgtEl>
+                                      </p:cBhvr>
+                                    </p:animEffect>
+                                  </p:childTnLst>
+                                </p:cTn>
+                              </p:par>
+                              <p:par>
+                                <p:cTn id="175" presetID="14" presetClass="entr" presetSubtype="10" fill="hold" grpId="0" nodeType="withEffect">
+                                  <p:stCondLst>
+                                    <p:cond delay="0"/>
+                                  </p:stCondLst>
+                                  <p:childTnLst>
+                                    <p:set>
+                                      <p:cBhvr>
+                                        <p:cTn id="176" dur="1" fill="hold">
+                                          <p:stCondLst>
+                                            <p:cond delay="0"/>
+                                          </p:stCondLst>
+                                        </p:cTn>
+                                        <p:tgtEl>
+                                          <p:spTgt spid="14"/>
+                                        </p:tgtEl>
+                                        <p:attrNameLst>
+                                          <p:attrName>style.visibility</p:attrName>
+                                        </p:attrNameLst>
+                                      </p:cBhvr>
+                                      <p:to>
+                                        <p:strVal val="visible"/>
+                                      </p:to>
+                                    </p:set>
+                                    <p:animEffect transition="in" filter="randombar(horizontal)">
+                                      <p:cBhvr>
+                                        <p:cTn id="177" dur="500"/>
+                                        <p:tgtEl>
+                                          <p:spTgt spid="14"/>
+                                        </p:tgtEl>
+                                      </p:cBhvr>
+                                    </p:animEffect>
+                                  </p:childTnLst>
+                                </p:cTn>
+                              </p:par>
+                              <p:par>
+                                <p:cTn id="178" presetID="14" presetClass="exit" presetSubtype="10" fill="hold" grpId="1" nodeType="withEffect">
+                                  <p:stCondLst>
+                                    <p:cond delay="0"/>
+                                  </p:stCondLst>
+                                  <p:childTnLst>
+                                    <p:animEffect transition="out" filter="randombar(horizontal)">
+                                      <p:cBhvr>
+                                        <p:cTn id="179" dur="500"/>
+                                        <p:tgtEl>
+                                          <p:spTgt spid="5"/>
+                                        </p:tgtEl>
+                                      </p:cBhvr>
+                                    </p:animEffect>
+                                    <p:set>
+                                      <p:cBhvr>
+                                        <p:cTn id="180" dur="1" fill="hold">
+                                          <p:stCondLst>
+                                            <p:cond delay="499"/>
+                                          </p:stCondLst>
+                                        </p:cTn>
+                                        <p:tgtEl>
+                                          <p:spTgt spid="5"/>
+                                        </p:tgtEl>
+                                        <p:attrNameLst>
+                                          <p:attrName>style.visibility</p:attrName>
+                                        </p:attrNameLst>
+                                      </p:cBhvr>
+                                      <p:to>
+                                        <p:strVal val="hidden"/>
+                                      </p:to>
+                                    </p:set>
+                                  </p:childTnLst>
+                                </p:cTn>
+                              </p:par>
+                            </p:childTnLst>
+                          </p:cTn>
+                        </p:par>
+                      </p:childTnLst>
+                    </p:cTn>
+                  </p:par>
+                  <p:par>
+                    <p:cTn id="181" fill="hold">
+                      <p:stCondLst>
+                        <p:cond delay="indefinite"/>
+                      </p:stCondLst>
+                      <p:childTnLst>
+                        <p:par>
+                          <p:cTn id="182" fill="hold">
+                            <p:stCondLst>
+                              <p:cond delay="0"/>
+                            </p:stCondLst>
+                            <p:childTnLst>
+                              <p:par>
+                                <p:cTn id="183" presetID="1" presetClass="exit" presetSubtype="0" fill="hold" nodeType="clickEffect">
+                                  <p:stCondLst>
+                                    <p:cond delay="0"/>
+                                  </p:stCondLst>
+                                  <p:childTnLst>
+                                    <p:set>
+                                      <p:cBhvr>
+                                        <p:cTn id="184" dur="1" fill="hold">
+                                          <p:stCondLst>
+                                            <p:cond delay="0"/>
+                                          </p:stCondLst>
+                                        </p:cTn>
+                                        <p:tgtEl>
+                                          <p:spTgt spid="6"/>
+                                        </p:tgtEl>
+                                        <p:attrNameLst>
+                                          <p:attrName>style.visibility</p:attrName>
+                                        </p:attrNameLst>
+                                      </p:cBhvr>
+                                      <p:to>
+                                        <p:strVal val="hidden"/>
+                                      </p:to>
+                                    </p:set>
+                                  </p:childTnLst>
+                                </p:cTn>
+                              </p:par>
+                              <p:par>
+                                <p:cTn id="185" presetID="1" presetClass="entr" presetSubtype="0" fill="hold" nodeType="withEffect">
+                                  <p:stCondLst>
+                                    <p:cond delay="0"/>
+                                  </p:stCondLst>
+                                  <p:childTnLst>
+                                    <p:set>
+                                      <p:cBhvr>
+                                        <p:cTn id="186" dur="1" fill="hold">
+                                          <p:stCondLst>
+                                            <p:cond delay="0"/>
+                                          </p:stCondLst>
+                                        </p:cTn>
+                                        <p:tgtEl>
+                                          <p:spTgt spid="7"/>
+                                        </p:tgtEl>
+                                        <p:attrNameLst>
+                                          <p:attrName>style.visibility</p:attrName>
+                                        </p:attrNameLst>
+                                      </p:cBhvr>
+                                      <p:to>
+                                        <p:strVal val="visible"/>
+                                      </p:to>
+                                    </p:set>
+                                  </p:childTnLst>
+                                </p:cTn>
+                              </p:par>
+                            </p:childTnLst>
+                          </p:cTn>
+                        </p:par>
+                      </p:childTnLst>
+                    </p:cTn>
+                  </p:par>
+                </p:childTnLst>
+              </p:cTn>
+              <p:prevCondLst>
+                <p:cond evt="onPrev" delay="0">
+                  <p:tgtEl>
+                    <p:sldTgt/>
+                  </p:tgtEl>
+                </p:cond>
+              </p:prevCondLst>
+              <p:nextCondLst>
+                <p:cond evt="onNext" delay="0">
+                  <p:tgtEl>
+                    <p:sldTgt/>
+                  </p:tgtEl>
+                </p:cond>
+              </p:nextCondLst>
+            </p:seq>
+          </p:childTnLst>
+        </p:cTn>
+      </p:par>
+    </p:tnLst>
+    <p:bldLst>
+      <p:bldP spid="17" grpId="0" animBg="1"/>
+      <p:bldP spid="16" grpId="0" animBg="1"/>
+      <p:bldP spid="15" grpId="0" animBg="1"/>
+      <p:bldP spid="4" grpId="0" animBg="1"/>
+      <p:bldP spid="5" grpId="0" animBg="1"/>
+      <p:bldP spid="5" grpId="1" animBg="1"/>
+      <p:bldP spid="10" grpId="0" animBg="1"/>
+      <p:bldP spid="11" grpId="0" animBg="1"/>
+      <p:bldP spid="12" grpId="0" animBg="1"/>
+      <p:bldP spid="13" grpId="0" animBg="1"/>
+      <p:bldP spid="14" grpId="0" animBg="1"/>
+      <p:bldP spid="19" grpId="0" animBg="1"/>
+      <p:bldP spid="20" grpId="0" animBg="1"/>
+      <p:bldP spid="21" grpId="0" animBg="1"/>
+      <p:bldP spid="31" grpId="0" animBg="1"/>
+      <p:bldP spid="32" grpId="0" animBg="1"/>
+      <p:bldP spid="33" grpId="0" animBg="1"/>
+      <p:bldP spid="34" grpId="0" animBg="1"/>
+      <p:bldP spid="35" grpId="0" animBg="1"/>
+      <p:bldP spid="36" grpId="0" animBg="1"/>
+    </p:bldLst>
+  </p:timing>
 </p:sld>
 </file>
 

--- a/FeaturesVsLayers.pptx
+++ b/FeaturesVsLayers.pptx
@@ -15861,22 +15861,317 @@
           </a:p>
         </p:txBody>
       </p:sp>
+      <p:pic>
+        <p:nvPicPr>
+          <p:cNvPr id="4" name="Picture 3"/>
+          <p:cNvPicPr>
+            <a:picLocks noChangeAspect="1"/>
+          </p:cNvPicPr>
+          <p:nvPr/>
+        </p:nvPicPr>
+        <p:blipFill>
+          <a:blip r:embed="rId3">
+            <a:extLst>
+              <a:ext uri="{28A0092B-C50C-407E-A947-70E740481C1C}">
+                <a14:useLocalDpi xmlns:a14="http://schemas.microsoft.com/office/drawing/2010/main" val="0"/>
+              </a:ext>
+            </a:extLst>
+          </a:blip>
+          <a:stretch>
+            <a:fillRect/>
+          </a:stretch>
+        </p:blipFill>
+        <p:spPr>
+          <a:xfrm>
+            <a:off x="3530197" y="1846943"/>
+            <a:ext cx="1444978" cy="1422400"/>
+          </a:xfrm>
+          <a:prstGeom prst="rect">
+            <a:avLst/>
+          </a:prstGeom>
+        </p:spPr>
+      </p:pic>
       <p:sp>
         <p:nvSpPr>
-          <p:cNvPr id="3" name="Content Placeholder 2"/>
-          <p:cNvSpPr>
-            <a:spLocks noGrp="1"/>
-          </p:cNvSpPr>
-          <p:nvPr>
-            <p:ph idx="1"/>
-          </p:nvPr>
+          <p:cNvPr id="5" name="Rectangle 4"/>
+          <p:cNvSpPr/>
+          <p:nvPr/>
         </p:nvSpPr>
-        <p:spPr/>
+        <p:spPr>
+          <a:xfrm>
+            <a:off x="541441" y="3428530"/>
+            <a:ext cx="2525050" cy="646331"/>
+          </a:xfrm>
+          <a:prstGeom prst="rect">
+            <a:avLst/>
+          </a:prstGeom>
+          <a:noFill/>
+        </p:spPr>
         <p:txBody>
-          <a:bodyPr/>
+          <a:bodyPr wrap="none" lIns="91440" tIns="45720" rIns="91440" bIns="45720">
+            <a:spAutoFit/>
+          </a:bodyPr>
           <a:lstStyle/>
           <a:p>
-            <a:endParaRPr lang="en-US"/>
+            <a:pPr algn="ctr"/>
+            <a:r>
+              <a:rPr lang="en-US" sz="3600" dirty="0" smtClean="0">
+                <a:ln w="0"/>
+                <a:solidFill>
+                  <a:schemeClr val="accent1"/>
+                </a:solidFill>
+                <a:effectLst>
+                  <a:outerShdw blurRad="38100" dist="25400" dir="5400000" algn="ctr" rotWithShape="0">
+                    <a:srgbClr val="6E747A">
+                      <a:alpha val="43000"/>
+                    </a:srgbClr>
+                  </a:outerShdw>
+                </a:effectLst>
+              </a:rPr>
+              <a:t>@</a:t>
+            </a:r>
+            <a:r>
+              <a:rPr lang="en-US" sz="3600" dirty="0" err="1" smtClean="0">
+                <a:ln w="0"/>
+                <a:solidFill>
+                  <a:schemeClr val="accent1"/>
+                </a:solidFill>
+                <a:effectLst>
+                  <a:outerShdw blurRad="38100" dist="25400" dir="5400000" algn="ctr" rotWithShape="0">
+                    <a:srgbClr val="6E747A">
+                      <a:alpha val="43000"/>
+                    </a:srgbClr>
+                  </a:outerShdw>
+                </a:effectLst>
+              </a:rPr>
+              <a:t>yefoakira</a:t>
+            </a:r>
+            <a:endParaRPr lang="en-US" sz="3600" dirty="0">
+              <a:ln w="0"/>
+              <a:solidFill>
+                <a:schemeClr val="accent1"/>
+              </a:solidFill>
+              <a:effectLst>
+                <a:outerShdw blurRad="38100" dist="25400" dir="5400000" algn="ctr" rotWithShape="0">
+                  <a:srgbClr val="6E747A">
+                    <a:alpha val="43000"/>
+                  </a:srgbClr>
+                </a:outerShdw>
+              </a:effectLst>
+            </a:endParaRPr>
+          </a:p>
+        </p:txBody>
+      </p:sp>
+      <p:sp>
+        <p:nvSpPr>
+          <p:cNvPr id="6" name="Rectangle 5"/>
+          <p:cNvSpPr/>
+          <p:nvPr/>
+        </p:nvSpPr>
+        <p:spPr>
+          <a:xfrm>
+            <a:off x="255465" y="5287948"/>
+            <a:ext cx="5622052" cy="646331"/>
+          </a:xfrm>
+          <a:prstGeom prst="rect">
+            <a:avLst/>
+          </a:prstGeom>
+          <a:noFill/>
+        </p:spPr>
+        <p:txBody>
+          <a:bodyPr wrap="none" lIns="91440" tIns="45720" rIns="91440" bIns="45720">
+            <a:spAutoFit/>
+          </a:bodyPr>
+          <a:lstStyle/>
+          <a:p>
+            <a:pPr algn="ctr"/>
+            <a:r>
+              <a:rPr lang="en-US" sz="3600" dirty="0">
+                <a:ln w="0"/>
+                <a:solidFill>
+                  <a:schemeClr val="accent1"/>
+                </a:solidFill>
+                <a:effectLst>
+                  <a:outerShdw blurRad="38100" dist="25400" dir="5400000" algn="ctr" rotWithShape="0">
+                    <a:srgbClr val="6E747A">
+                      <a:alpha val="43000"/>
+                    </a:srgbClr>
+                  </a:outerShdw>
+                </a:effectLst>
+              </a:rPr>
+              <a:t>g</a:t>
+            </a:r>
+            <a:r>
+              <a:rPr lang="en-US" sz="3600" dirty="0" smtClean="0">
+                <a:ln w="0"/>
+                <a:solidFill>
+                  <a:schemeClr val="accent1"/>
+                </a:solidFill>
+                <a:effectLst>
+                  <a:outerShdw blurRad="38100" dist="25400" dir="5400000" algn="ctr" rotWithShape="0">
+                    <a:srgbClr val="6E747A">
+                      <a:alpha val="43000"/>
+                    </a:srgbClr>
+                  </a:outerShdw>
+                </a:effectLst>
+              </a:rPr>
+              <a:t>ithub.com/</a:t>
+            </a:r>
+            <a:r>
+              <a:rPr lang="en-US" sz="3600" dirty="0" err="1" smtClean="0">
+                <a:ln w="0"/>
+                <a:solidFill>
+                  <a:schemeClr val="accent1"/>
+                </a:solidFill>
+                <a:effectLst>
+                  <a:outerShdw blurRad="38100" dist="25400" dir="5400000" algn="ctr" rotWithShape="0">
+                    <a:srgbClr val="6E747A">
+                      <a:alpha val="43000"/>
+                    </a:srgbClr>
+                  </a:outerShdw>
+                </a:effectLst>
+              </a:rPr>
+              <a:t>MiyamotoAkira</a:t>
+            </a:r>
+            <a:endParaRPr lang="en-US" sz="3600" dirty="0">
+              <a:ln w="0"/>
+              <a:solidFill>
+                <a:schemeClr val="accent1"/>
+              </a:solidFill>
+              <a:effectLst>
+                <a:outerShdw blurRad="38100" dist="25400" dir="5400000" algn="ctr" rotWithShape="0">
+                  <a:srgbClr val="6E747A">
+                    <a:alpha val="43000"/>
+                  </a:srgbClr>
+                </a:outerShdw>
+              </a:effectLst>
+            </a:endParaRPr>
+          </a:p>
+        </p:txBody>
+      </p:sp>
+      <p:sp>
+        <p:nvSpPr>
+          <p:cNvPr id="7" name="Rectangle 6"/>
+          <p:cNvSpPr/>
+          <p:nvPr/>
+        </p:nvSpPr>
+        <p:spPr>
+          <a:xfrm>
+            <a:off x="4975175" y="3772797"/>
+            <a:ext cx="3005952" cy="646331"/>
+          </a:xfrm>
+          <a:prstGeom prst="rect">
+            <a:avLst/>
+          </a:prstGeom>
+          <a:noFill/>
+        </p:spPr>
+        <p:txBody>
+          <a:bodyPr wrap="none" lIns="91440" tIns="45720" rIns="91440" bIns="45720">
+            <a:spAutoFit/>
+          </a:bodyPr>
+          <a:lstStyle/>
+          <a:p>
+            <a:pPr algn="ctr"/>
+            <a:r>
+              <a:rPr lang="en-US" sz="3600" dirty="0" smtClean="0">
+                <a:ln w="0"/>
+                <a:solidFill>
+                  <a:schemeClr val="accent1"/>
+                </a:solidFill>
+                <a:effectLst>
+                  <a:outerShdw blurRad="38100" dist="25400" dir="5400000" algn="ctr" rotWithShape="0">
+                    <a:srgbClr val="6E747A">
+                      <a:alpha val="43000"/>
+                    </a:srgbClr>
+                  </a:outerShdw>
+                </a:effectLst>
+              </a:rPr>
+              <a:t>twoormore.eu</a:t>
+            </a:r>
+            <a:endParaRPr lang="en-US" sz="3600" dirty="0">
+              <a:ln w="0"/>
+              <a:solidFill>
+                <a:schemeClr val="accent1"/>
+              </a:solidFill>
+              <a:effectLst>
+                <a:outerShdw blurRad="38100" dist="25400" dir="5400000" algn="ctr" rotWithShape="0">
+                  <a:srgbClr val="6E747A">
+                    <a:alpha val="43000"/>
+                  </a:srgbClr>
+                </a:outerShdw>
+              </a:effectLst>
+            </a:endParaRPr>
+          </a:p>
+        </p:txBody>
+      </p:sp>
+      <p:sp>
+        <p:nvSpPr>
+          <p:cNvPr id="8" name="Rectangle 7"/>
+          <p:cNvSpPr/>
+          <p:nvPr/>
+        </p:nvSpPr>
+        <p:spPr>
+          <a:xfrm>
+            <a:off x="3321172" y="4641617"/>
+            <a:ext cx="5468164" cy="646331"/>
+          </a:xfrm>
+          <a:prstGeom prst="rect">
+            <a:avLst/>
+          </a:prstGeom>
+          <a:noFill/>
+        </p:spPr>
+        <p:txBody>
+          <a:bodyPr wrap="none" lIns="91440" tIns="45720" rIns="91440" bIns="45720">
+            <a:spAutoFit/>
+          </a:bodyPr>
+          <a:lstStyle/>
+          <a:p>
+            <a:pPr algn="ctr"/>
+            <a:r>
+              <a:rPr lang="en-US" sz="3600" dirty="0" smtClean="0">
+                <a:ln w="0"/>
+                <a:solidFill>
+                  <a:schemeClr val="accent1"/>
+                </a:solidFill>
+                <a:effectLst>
+                  <a:outerShdw blurRad="38100" dist="25400" dir="5400000" algn="ctr" rotWithShape="0">
+                    <a:srgbClr val="6E747A">
+                      <a:alpha val="43000"/>
+                    </a:srgbClr>
+                  </a:outerShdw>
+                </a:effectLst>
+              </a:rPr>
+              <a:t>gitlab.com/</a:t>
+            </a:r>
+            <a:r>
+              <a:rPr lang="en-US" sz="3600" dirty="0" err="1" smtClean="0">
+                <a:ln w="0"/>
+                <a:solidFill>
+                  <a:schemeClr val="accent1"/>
+                </a:solidFill>
+                <a:effectLst>
+                  <a:outerShdw blurRad="38100" dist="25400" dir="5400000" algn="ctr" rotWithShape="0">
+                    <a:srgbClr val="6E747A">
+                      <a:alpha val="43000"/>
+                    </a:srgbClr>
+                  </a:outerShdw>
+                </a:effectLst>
+              </a:rPr>
+              <a:t>MiyamotoAkira</a:t>
+            </a:r>
+            <a:endParaRPr lang="en-US" sz="3600" dirty="0">
+              <a:ln w="0"/>
+              <a:solidFill>
+                <a:schemeClr val="accent1"/>
+              </a:solidFill>
+              <a:effectLst>
+                <a:outerShdw blurRad="38100" dist="25400" dir="5400000" algn="ctr" rotWithShape="0">
+                  <a:srgbClr val="6E747A">
+                    <a:alpha val="43000"/>
+                  </a:srgbClr>
+                </a:outerShdw>
+              </a:effectLst>
+            </a:endParaRPr>
           </a:p>
         </p:txBody>
       </p:sp>

--- a/FeaturesVsLayers.pptx
+++ b/FeaturesVsLayers.pptx
@@ -5177,7 +5177,255 @@
       </p:sp>
       <p:sp>
         <p:nvSpPr>
-          <p:cNvPr id="3" name="Subtitle 2"/>
+          <p:cNvPr id="6" name="Name"/>
+          <p:cNvSpPr txBox="1">
+            <a:spLocks/>
+          </p:cNvSpPr>
+          <p:nvPr/>
+        </p:nvSpPr>
+        <p:spPr>
+          <a:xfrm>
+            <a:off x="1322921" y="3299011"/>
+            <a:ext cx="6498159" cy="916641"/>
+          </a:xfrm>
+          <a:prstGeom prst="rect">
+            <a:avLst/>
+          </a:prstGeom>
+        </p:spPr>
+        <p:txBody>
+          <a:bodyPr vert="horz" lIns="91440" tIns="45720" rIns="91440" bIns="45720" rtlCol="0">
+            <a:normAutofit/>
+          </a:bodyPr>
+          <a:lstStyle>
+            <a:lvl1pPr marL="0" indent="0" algn="ctr" defTabSz="914400" rtl="0" eaLnBrk="1" latinLnBrk="0" hangingPunct="1">
+              <a:spcBef>
+                <a:spcPts val="300"/>
+              </a:spcBef>
+              <a:buClr>
+                <a:schemeClr val="accent1">
+                  <a:lumMod val="60000"/>
+                  <a:lumOff val="40000"/>
+                </a:schemeClr>
+              </a:buClr>
+              <a:buSzPct val="110000"/>
+              <a:buFont typeface="Wingdings 2" pitchFamily="18" charset="2"/>
+              <a:buNone/>
+              <a:defRPr sz="1800" kern="1200">
+                <a:solidFill>
+                  <a:schemeClr val="tx1">
+                    <a:tint val="75000"/>
+                  </a:schemeClr>
+                </a:solidFill>
+                <a:latin typeface="+mn-lt"/>
+                <a:ea typeface="+mn-ea"/>
+                <a:cs typeface="+mn-cs"/>
+              </a:defRPr>
+            </a:lvl1pPr>
+            <a:lvl2pPr marL="457200" indent="0" algn="ctr" defTabSz="914400" rtl="0" eaLnBrk="1" latinLnBrk="0" hangingPunct="1">
+              <a:spcBef>
+                <a:spcPts val="600"/>
+              </a:spcBef>
+              <a:buClr>
+                <a:schemeClr val="accent1">
+                  <a:lumMod val="75000"/>
+                </a:schemeClr>
+              </a:buClr>
+              <a:buSzPct val="110000"/>
+              <a:buFont typeface="Wingdings 2" pitchFamily="18" charset="2"/>
+              <a:buNone/>
+              <a:defRPr sz="2200" kern="1200">
+                <a:solidFill>
+                  <a:schemeClr val="tx1">
+                    <a:tint val="75000"/>
+                  </a:schemeClr>
+                </a:solidFill>
+                <a:latin typeface="+mn-lt"/>
+                <a:ea typeface="+mn-ea"/>
+                <a:cs typeface="+mn-cs"/>
+              </a:defRPr>
+            </a:lvl2pPr>
+            <a:lvl3pPr marL="914400" indent="0" algn="ctr" defTabSz="914400" rtl="0" eaLnBrk="1" latinLnBrk="0" hangingPunct="1">
+              <a:spcBef>
+                <a:spcPts val="600"/>
+              </a:spcBef>
+              <a:buClr>
+                <a:schemeClr val="accent1">
+                  <a:lumMod val="60000"/>
+                  <a:lumOff val="40000"/>
+                </a:schemeClr>
+              </a:buClr>
+              <a:buSzPct val="110000"/>
+              <a:buFont typeface="Wingdings 2" pitchFamily="18" charset="2"/>
+              <a:buNone/>
+              <a:defRPr sz="2000" kern="1200">
+                <a:solidFill>
+                  <a:schemeClr val="tx1">
+                    <a:tint val="75000"/>
+                  </a:schemeClr>
+                </a:solidFill>
+                <a:latin typeface="+mn-lt"/>
+                <a:ea typeface="+mn-ea"/>
+                <a:cs typeface="+mn-cs"/>
+              </a:defRPr>
+            </a:lvl3pPr>
+            <a:lvl4pPr marL="1371600" indent="0" algn="ctr" defTabSz="914400" rtl="0" eaLnBrk="1" latinLnBrk="0" hangingPunct="1">
+              <a:spcBef>
+                <a:spcPts val="600"/>
+              </a:spcBef>
+              <a:buClr>
+                <a:schemeClr val="accent1">
+                  <a:lumMod val="75000"/>
+                </a:schemeClr>
+              </a:buClr>
+              <a:buSzPct val="110000"/>
+              <a:buFont typeface="Wingdings 2" pitchFamily="18" charset="2"/>
+              <a:buNone/>
+              <a:defRPr sz="1800" kern="1200">
+                <a:solidFill>
+                  <a:schemeClr val="tx1">
+                    <a:tint val="75000"/>
+                  </a:schemeClr>
+                </a:solidFill>
+                <a:latin typeface="+mn-lt"/>
+                <a:ea typeface="+mn-ea"/>
+                <a:cs typeface="+mn-cs"/>
+              </a:defRPr>
+            </a:lvl4pPr>
+            <a:lvl5pPr marL="1828800" indent="0" algn="ctr" defTabSz="914400" rtl="0" eaLnBrk="1" latinLnBrk="0" hangingPunct="1">
+              <a:spcBef>
+                <a:spcPts val="600"/>
+              </a:spcBef>
+              <a:buClr>
+                <a:schemeClr val="accent1">
+                  <a:lumMod val="60000"/>
+                  <a:lumOff val="40000"/>
+                </a:schemeClr>
+              </a:buClr>
+              <a:buSzPct val="110000"/>
+              <a:buFont typeface="Wingdings 2" pitchFamily="18" charset="2"/>
+              <a:buNone/>
+              <a:defRPr sz="1800" kern="1200">
+                <a:solidFill>
+                  <a:schemeClr val="tx1">
+                    <a:tint val="75000"/>
+                  </a:schemeClr>
+                </a:solidFill>
+                <a:latin typeface="+mn-lt"/>
+                <a:ea typeface="+mn-ea"/>
+                <a:cs typeface="+mn-cs"/>
+              </a:defRPr>
+            </a:lvl5pPr>
+            <a:lvl6pPr marL="2286000" indent="0" algn="ctr" defTabSz="914400" rtl="0" eaLnBrk="1" latinLnBrk="0" hangingPunct="1">
+              <a:spcBef>
+                <a:spcPct val="20000"/>
+              </a:spcBef>
+              <a:buClr>
+                <a:schemeClr val="accent2"/>
+              </a:buClr>
+              <a:buSzPct val="110000"/>
+              <a:buFont typeface="Wingdings 2" pitchFamily="18" charset="2"/>
+              <a:buNone/>
+              <a:defRPr lang="en-US" sz="1800" kern="1200">
+                <a:solidFill>
+                  <a:schemeClr val="tx1">
+                    <a:tint val="75000"/>
+                  </a:schemeClr>
+                </a:solidFill>
+                <a:latin typeface="+mn-lt"/>
+                <a:ea typeface="+mn-ea"/>
+                <a:cs typeface="+mn-cs"/>
+              </a:defRPr>
+            </a:lvl6pPr>
+            <a:lvl7pPr marL="2743200" indent="0" algn="ctr" defTabSz="914400" rtl="0" eaLnBrk="1" latinLnBrk="0" hangingPunct="1">
+              <a:spcBef>
+                <a:spcPct val="20000"/>
+              </a:spcBef>
+              <a:buClr>
+                <a:schemeClr val="accent1">
+                  <a:lumMod val="60000"/>
+                  <a:lumOff val="40000"/>
+                </a:schemeClr>
+              </a:buClr>
+              <a:buSzPct val="110000"/>
+              <a:buFont typeface="Wingdings 2" pitchFamily="18" charset="2"/>
+              <a:buNone/>
+              <a:defRPr lang="en-US" sz="1800" kern="1200">
+                <a:solidFill>
+                  <a:schemeClr val="tx1">
+                    <a:tint val="75000"/>
+                  </a:schemeClr>
+                </a:solidFill>
+                <a:latin typeface="+mn-lt"/>
+                <a:ea typeface="+mn-ea"/>
+                <a:cs typeface="+mn-cs"/>
+              </a:defRPr>
+            </a:lvl7pPr>
+            <a:lvl8pPr marL="3200400" indent="0" algn="ctr" defTabSz="914400" rtl="0" eaLnBrk="1" latinLnBrk="0" hangingPunct="1">
+              <a:spcBef>
+                <a:spcPct val="20000"/>
+              </a:spcBef>
+              <a:buClr>
+                <a:schemeClr val="accent2"/>
+              </a:buClr>
+              <a:buSzPct val="110000"/>
+              <a:buFont typeface="Wingdings 2" pitchFamily="18" charset="2"/>
+              <a:buNone/>
+              <a:defRPr lang="en-US" sz="1800" kern="1200">
+                <a:solidFill>
+                  <a:schemeClr val="tx1">
+                    <a:tint val="75000"/>
+                  </a:schemeClr>
+                </a:solidFill>
+                <a:latin typeface="+mn-lt"/>
+                <a:ea typeface="+mn-ea"/>
+                <a:cs typeface="+mn-cs"/>
+              </a:defRPr>
+            </a:lvl8pPr>
+            <a:lvl9pPr marL="3657600" indent="0" algn="ctr" defTabSz="914400" rtl="0" eaLnBrk="1" latinLnBrk="0" hangingPunct="1">
+              <a:spcBef>
+                <a:spcPct val="20000"/>
+              </a:spcBef>
+              <a:buClr>
+                <a:schemeClr val="accent1">
+                  <a:lumMod val="60000"/>
+                  <a:lumOff val="40000"/>
+                </a:schemeClr>
+              </a:buClr>
+              <a:buSzPct val="110000"/>
+              <a:buFont typeface="Wingdings 2" pitchFamily="18" charset="2"/>
+              <a:buNone/>
+              <a:defRPr lang="en-US" sz="1800" kern="1200">
+                <a:solidFill>
+                  <a:schemeClr val="tx1">
+                    <a:tint val="75000"/>
+                  </a:schemeClr>
+                </a:solidFill>
+                <a:latin typeface="+mn-lt"/>
+                <a:ea typeface="+mn-ea"/>
+                <a:cs typeface="+mn-cs"/>
+              </a:defRPr>
+            </a:lvl9pPr>
+          </a:lstStyle>
+          <a:p>
+            <a:r>
+              <a:rPr lang="en-US" dirty="0" smtClean="0"/>
+              <a:t>Jorge </a:t>
+            </a:r>
+            <a:r>
+              <a:rPr lang="en-US" dirty="0" err="1" smtClean="0"/>
+              <a:t>Gueorguiev</a:t>
+            </a:r>
+            <a:r>
+              <a:rPr lang="en-US" dirty="0" smtClean="0"/>
+              <a:t> Garcia</a:t>
+            </a:r>
+            <a:endParaRPr lang="en-US" dirty="0"/>
+          </a:p>
+        </p:txBody>
+      </p:sp>
+      <p:sp>
+        <p:nvSpPr>
+          <p:cNvPr id="3" name="By Me"/>
           <p:cNvSpPr>
             <a:spLocks noGrp="1"/>
           </p:cNvSpPr>
@@ -5192,7 +5440,11 @@
           <a:p>
             <a:r>
               <a:rPr lang="en-US" dirty="0" smtClean="0"/>
-              <a:t>By me</a:t>
+              <a:t>By </a:t>
+            </a:r>
+            <a:r>
+              <a:rPr lang="en-US" dirty="0" smtClean="0"/>
+              <a:t>me</a:t>
             </a:r>
             <a:endParaRPr lang="en-US" dirty="0"/>
           </a:p>
@@ -5208,6 +5460,331 @@
   <p:clrMapOvr>
     <a:masterClrMapping/>
   </p:clrMapOvr>
+  <p:timing>
+    <p:tnLst>
+      <p:par>
+        <p:cTn id="1" dur="indefinite" restart="never" nodeType="tmRoot">
+          <p:childTnLst>
+            <p:seq concurrent="1" nextAc="seek">
+              <p:cTn id="2" dur="indefinite" nodeType="mainSeq">
+                <p:childTnLst>
+                  <p:par>
+                    <p:cTn id="3" fill="hold">
+                      <p:stCondLst>
+                        <p:cond delay="indefinite"/>
+                      </p:stCondLst>
+                      <p:childTnLst>
+                        <p:par>
+                          <p:cTn id="4" fill="hold">
+                            <p:stCondLst>
+                              <p:cond delay="0"/>
+                            </p:stCondLst>
+                            <p:childTnLst>
+                              <p:par>
+                                <p:cTn id="5" presetID="45" presetClass="entr" presetSubtype="0" fill="hold" grpId="0" nodeType="clickEffect">
+                                  <p:stCondLst>
+                                    <p:cond delay="0"/>
+                                  </p:stCondLst>
+                                  <p:childTnLst>
+                                    <p:set>
+                                      <p:cBhvr>
+                                        <p:cTn id="6" dur="1" fill="hold">
+                                          <p:stCondLst>
+                                            <p:cond delay="0"/>
+                                          </p:stCondLst>
+                                        </p:cTn>
+                                        <p:tgtEl>
+                                          <p:spTgt spid="6"/>
+                                        </p:tgtEl>
+                                        <p:attrNameLst>
+                                          <p:attrName>style.visibility</p:attrName>
+                                        </p:attrNameLst>
+                                      </p:cBhvr>
+                                      <p:to>
+                                        <p:strVal val="visible"/>
+                                      </p:to>
+                                    </p:set>
+                                    <p:animEffect transition="in" filter="fade">
+                                      <p:cBhvr>
+                                        <p:cTn id="7" dur="1000"/>
+                                        <p:tgtEl>
+                                          <p:spTgt spid="6"/>
+                                        </p:tgtEl>
+                                      </p:cBhvr>
+                                    </p:animEffect>
+                                    <p:anim calcmode="lin" valueType="num">
+                                      <p:cBhvr>
+                                        <p:cTn id="8" dur="1000" fill="hold"/>
+                                        <p:tgtEl>
+                                          <p:spTgt spid="6"/>
+                                        </p:tgtEl>
+                                        <p:attrNameLst>
+                                          <p:attrName>ppt_w</p:attrName>
+                                        </p:attrNameLst>
+                                      </p:cBhvr>
+                                      <p:tavLst>
+                                        <p:tav tm="0" fmla="#ppt_w*sin(2.5*pi*$)">
+                                          <p:val>
+                                            <p:fltVal val="0"/>
+                                          </p:val>
+                                        </p:tav>
+                                        <p:tav tm="100000">
+                                          <p:val>
+                                            <p:fltVal val="1"/>
+                                          </p:val>
+                                        </p:tav>
+                                      </p:tavLst>
+                                    </p:anim>
+                                    <p:anim calcmode="lin" valueType="num">
+                                      <p:cBhvr>
+                                        <p:cTn id="9" dur="1000" fill="hold"/>
+                                        <p:tgtEl>
+                                          <p:spTgt spid="6"/>
+                                        </p:tgtEl>
+                                        <p:attrNameLst>
+                                          <p:attrName>ppt_h</p:attrName>
+                                        </p:attrNameLst>
+                                      </p:cBhvr>
+                                      <p:tavLst>
+                                        <p:tav tm="0">
+                                          <p:val>
+                                            <p:strVal val="#ppt_h"/>
+                                          </p:val>
+                                        </p:tav>
+                                        <p:tav tm="100000">
+                                          <p:val>
+                                            <p:strVal val="#ppt_h"/>
+                                          </p:val>
+                                        </p:tav>
+                                      </p:tavLst>
+                                    </p:anim>
+                                  </p:childTnLst>
+                                </p:cTn>
+                              </p:par>
+                              <p:par>
+                                <p:cTn id="10" presetID="45" presetClass="exit" presetSubtype="0" fill="hold" grpId="0" nodeType="withEffect">
+                                  <p:stCondLst>
+                                    <p:cond delay="0"/>
+                                  </p:stCondLst>
+                                  <p:childTnLst>
+                                    <p:animEffect transition="out" filter="fade">
+                                      <p:cBhvr>
+                                        <p:cTn id="11" dur="1000"/>
+                                        <p:tgtEl>
+                                          <p:spTgt spid="3">
+                                            <p:txEl>
+                                              <p:pRg st="0" end="0"/>
+                                            </p:txEl>
+                                          </p:spTgt>
+                                        </p:tgtEl>
+                                      </p:cBhvr>
+                                    </p:animEffect>
+                                    <p:anim calcmode="lin" valueType="num">
+                                      <p:cBhvr>
+                                        <p:cTn id="12" dur="1000"/>
+                                        <p:tgtEl>
+                                          <p:spTgt spid="3">
+                                            <p:txEl>
+                                              <p:pRg st="0" end="0"/>
+                                            </p:txEl>
+                                          </p:spTgt>
+                                        </p:tgtEl>
+                                        <p:attrNameLst>
+                                          <p:attrName>ppt_w</p:attrName>
+                                        </p:attrNameLst>
+                                      </p:cBhvr>
+                                      <p:tavLst>
+                                        <p:tav tm="0">
+                                          <p:val>
+                                            <p:strVal val="ppt_w"/>
+                                          </p:val>
+                                        </p:tav>
+                                        <p:tav tm="5000">
+                                          <p:val>
+                                            <p:strVal val="0.92*ppt_w"/>
+                                          </p:val>
+                                        </p:tav>
+                                        <p:tav tm="10000">
+                                          <p:val>
+                                            <p:strVal val="0.71*ppt_w"/>
+                                          </p:val>
+                                        </p:tav>
+                                        <p:tav tm="15000">
+                                          <p:val>
+                                            <p:strVal val="0.38*ppt_w"/>
+                                          </p:val>
+                                        </p:tav>
+                                        <p:tav tm="20000">
+                                          <p:val>
+                                            <p:fltVal val="0"/>
+                                          </p:val>
+                                        </p:tav>
+                                        <p:tav tm="25000">
+                                          <p:val>
+                                            <p:strVal val="-0.38*ppt_w"/>
+                                          </p:val>
+                                        </p:tav>
+                                        <p:tav tm="30000">
+                                          <p:val>
+                                            <p:strVal val="-0.71*ppt_w"/>
+                                          </p:val>
+                                        </p:tav>
+                                        <p:tav tm="35000">
+                                          <p:val>
+                                            <p:strVal val="-0.92*ppt_w"/>
+                                          </p:val>
+                                        </p:tav>
+                                        <p:tav tm="40000">
+                                          <p:val>
+                                            <p:strVal val="-ppt_w"/>
+                                          </p:val>
+                                        </p:tav>
+                                        <p:tav tm="45000">
+                                          <p:val>
+                                            <p:strVal val="-0.92*ppt_w"/>
+                                          </p:val>
+                                        </p:tav>
+                                        <p:tav tm="50000">
+                                          <p:val>
+                                            <p:strVal val="-0.71*ppt_w"/>
+                                          </p:val>
+                                        </p:tav>
+                                        <p:tav tm="55000">
+                                          <p:val>
+                                            <p:strVal val="-0.38*ppt_w"/>
+                                          </p:val>
+                                        </p:tav>
+                                        <p:tav tm="60000">
+                                          <p:val>
+                                            <p:fltVal val="0"/>
+                                          </p:val>
+                                        </p:tav>
+                                        <p:tav tm="65000">
+                                          <p:val>
+                                            <p:strVal val="0.38*ppt_w"/>
+                                          </p:val>
+                                        </p:tav>
+                                        <p:tav tm="70000">
+                                          <p:val>
+                                            <p:strVal val="0.71*ppt_w"/>
+                                          </p:val>
+                                        </p:tav>
+                                        <p:tav tm="75000">
+                                          <p:val>
+                                            <p:strVal val="0.92*ppt_w"/>
+                                          </p:val>
+                                        </p:tav>
+                                        <p:tav tm="80000">
+                                          <p:val>
+                                            <p:strVal val="ppt_w"/>
+                                          </p:val>
+                                        </p:tav>
+                                        <p:tav tm="85000">
+                                          <p:val>
+                                            <p:strVal val="0.92*ppt_w"/>
+                                          </p:val>
+                                        </p:tav>
+                                        <p:tav tm="90000">
+                                          <p:val>
+                                            <p:strVal val="0.71*ppt_w"/>
+                                          </p:val>
+                                        </p:tav>
+                                        <p:tav tm="95000">
+                                          <p:val>
+                                            <p:strVal val="0.38*ppt_w"/>
+                                          </p:val>
+                                        </p:tav>
+                                        <p:tav tm="100000">
+                                          <p:val>
+                                            <p:fltVal val="0"/>
+                                          </p:val>
+                                        </p:tav>
+                                      </p:tavLst>
+                                    </p:anim>
+                                    <p:anim calcmode="lin" valueType="num">
+                                      <p:cBhvr>
+                                        <p:cTn id="13" dur="1000"/>
+                                        <p:tgtEl>
+                                          <p:spTgt spid="3">
+                                            <p:txEl>
+                                              <p:pRg st="0" end="0"/>
+                                            </p:txEl>
+                                          </p:spTgt>
+                                        </p:tgtEl>
+                                        <p:attrNameLst>
+                                          <p:attrName>ppt_h</p:attrName>
+                                        </p:attrNameLst>
+                                      </p:cBhvr>
+                                      <p:tavLst>
+                                        <p:tav tm="0">
+                                          <p:val>
+                                            <p:strVal val="ppt_h"/>
+                                          </p:val>
+                                        </p:tav>
+                                        <p:tav tm="100000">
+                                          <p:val>
+                                            <p:strVal val="ppt_h"/>
+                                          </p:val>
+                                        </p:tav>
+                                      </p:tavLst>
+                                    </p:anim>
+                                    <p:set>
+                                      <p:cBhvr>
+                                        <p:cTn id="14" dur="1" fill="hold">
+                                          <p:stCondLst>
+                                            <p:cond delay="999"/>
+                                          </p:stCondLst>
+                                        </p:cTn>
+                                        <p:tgtEl>
+                                          <p:spTgt spid="3">
+                                            <p:txEl>
+                                              <p:pRg st="0" end="0"/>
+                                            </p:txEl>
+                                          </p:spTgt>
+                                        </p:tgtEl>
+                                        <p:attrNameLst>
+                                          <p:attrName>style.visibility</p:attrName>
+                                        </p:attrNameLst>
+                                      </p:cBhvr>
+                                      <p:to>
+                                        <p:strVal val="hidden"/>
+                                      </p:to>
+                                    </p:set>
+                                  </p:childTnLst>
+                                </p:cTn>
+                              </p:par>
+                            </p:childTnLst>
+                          </p:cTn>
+                        </p:par>
+                      </p:childTnLst>
+                    </p:cTn>
+                  </p:par>
+                </p:childTnLst>
+              </p:cTn>
+              <p:prevCondLst>
+                <p:cond evt="onPrev" delay="0">
+                  <p:tgtEl>
+                    <p:sldTgt/>
+                  </p:tgtEl>
+                </p:cond>
+              </p:prevCondLst>
+              <p:nextCondLst>
+                <p:cond evt="onNext" delay="0">
+                  <p:tgtEl>
+                    <p:sldTgt/>
+                  </p:tgtEl>
+                </p:cond>
+              </p:nextCondLst>
+            </p:seq>
+          </p:childTnLst>
+        </p:cTn>
+      </p:par>
+    </p:tnLst>
+    <p:bldLst>
+      <p:bldP spid="6" grpId="0"/>
+      <p:bldP spid="3" grpId="0" build="p"/>
+    </p:bldLst>
+  </p:timing>
 </p:sld>
 </file>
 
@@ -6381,6 +6958,90 @@
           </a:prstGeom>
         </p:spPr>
       </p:pic>
+      <p:sp>
+        <p:nvSpPr>
+          <p:cNvPr id="13" name="Mantain"/>
+          <p:cNvSpPr/>
+          <p:nvPr/>
+        </p:nvSpPr>
+        <p:spPr>
+          <a:xfrm rot="21084633">
+            <a:off x="5296808" y="1379218"/>
+            <a:ext cx="3294743" cy="2496457"/>
+          </a:xfrm>
+          <a:prstGeom prst="irregularSeal2">
+            <a:avLst/>
+          </a:prstGeom>
+        </p:spPr>
+        <p:style>
+          <a:lnRef idx="1">
+            <a:schemeClr val="accent6"/>
+          </a:lnRef>
+          <a:fillRef idx="3">
+            <a:schemeClr val="accent6"/>
+          </a:fillRef>
+          <a:effectRef idx="2">
+            <a:schemeClr val="accent6"/>
+          </a:effectRef>
+          <a:fontRef idx="minor">
+            <a:schemeClr val="lt1"/>
+          </a:fontRef>
+        </p:style>
+        <p:txBody>
+          <a:bodyPr rtlCol="0" anchor="ctr"/>
+          <a:lstStyle/>
+          <a:p>
+            <a:pPr algn="ctr"/>
+            <a:r>
+              <a:rPr lang="en-GB" dirty="0" smtClean="0"/>
+              <a:t>Maintain</a:t>
+            </a:r>
+            <a:endParaRPr lang="en-US" dirty="0"/>
+          </a:p>
+        </p:txBody>
+      </p:sp>
+      <p:sp>
+        <p:nvSpPr>
+          <p:cNvPr id="11" name="Change"/>
+          <p:cNvSpPr/>
+          <p:nvPr/>
+        </p:nvSpPr>
+        <p:spPr>
+          <a:xfrm rot="219727">
+            <a:off x="5296807" y="2912356"/>
+            <a:ext cx="3294743" cy="2496457"/>
+          </a:xfrm>
+          <a:prstGeom prst="irregularSeal2">
+            <a:avLst/>
+          </a:prstGeom>
+        </p:spPr>
+        <p:style>
+          <a:lnRef idx="1">
+            <a:schemeClr val="accent3"/>
+          </a:lnRef>
+          <a:fillRef idx="3">
+            <a:schemeClr val="accent3"/>
+          </a:fillRef>
+          <a:effectRef idx="2">
+            <a:schemeClr val="accent3"/>
+          </a:effectRef>
+          <a:fontRef idx="minor">
+            <a:schemeClr val="lt1"/>
+          </a:fontRef>
+        </p:style>
+        <p:txBody>
+          <a:bodyPr rtlCol="0" anchor="ctr"/>
+          <a:lstStyle/>
+          <a:p>
+            <a:pPr algn="ctr"/>
+            <a:r>
+              <a:rPr lang="en-GB" dirty="0" smtClean="0"/>
+              <a:t>Change</a:t>
+            </a:r>
+            <a:endParaRPr lang="en-US" dirty="0"/>
+          </a:p>
+        </p:txBody>
+      </p:sp>
     </p:spTree>
     <p:extLst>
       <p:ext uri="{BB962C8B-B14F-4D97-AF65-F5344CB8AC3E}">
@@ -6695,7 +7356,7 @@
                             </p:stCondLst>
                             <p:childTnLst>
                               <p:par>
-                                <p:cTn id="29" presetID="1" presetClass="entr" presetSubtype="0" fill="hold" nodeType="clickEffect">
+                                <p:cTn id="29" presetID="31" presetClass="entr" presetSubtype="0" fill="hold" grpId="0" nodeType="clickEffect">
                                   <p:stCondLst>
                                     <p:cond delay="0"/>
                                   </p:stCondLst>
@@ -6703,6 +7364,250 @@
                                     <p:set>
                                       <p:cBhvr>
                                         <p:cTn id="30" dur="1" fill="hold">
+                                          <p:stCondLst>
+                                            <p:cond delay="0"/>
+                                          </p:stCondLst>
+                                        </p:cTn>
+                                        <p:tgtEl>
+                                          <p:spTgt spid="13"/>
+                                        </p:tgtEl>
+                                        <p:attrNameLst>
+                                          <p:attrName>style.visibility</p:attrName>
+                                        </p:attrNameLst>
+                                      </p:cBhvr>
+                                      <p:to>
+                                        <p:strVal val="visible"/>
+                                      </p:to>
+                                    </p:set>
+                                    <p:anim calcmode="lin" valueType="num">
+                                      <p:cBhvr>
+                                        <p:cTn id="31" dur="1000" fill="hold"/>
+                                        <p:tgtEl>
+                                          <p:spTgt spid="13"/>
+                                        </p:tgtEl>
+                                        <p:attrNameLst>
+                                          <p:attrName>ppt_w</p:attrName>
+                                        </p:attrNameLst>
+                                      </p:cBhvr>
+                                      <p:tavLst>
+                                        <p:tav tm="0">
+                                          <p:val>
+                                            <p:fltVal val="0"/>
+                                          </p:val>
+                                        </p:tav>
+                                        <p:tav tm="100000">
+                                          <p:val>
+                                            <p:strVal val="#ppt_w"/>
+                                          </p:val>
+                                        </p:tav>
+                                      </p:tavLst>
+                                    </p:anim>
+                                    <p:anim calcmode="lin" valueType="num">
+                                      <p:cBhvr>
+                                        <p:cTn id="32" dur="1000" fill="hold"/>
+                                        <p:tgtEl>
+                                          <p:spTgt spid="13"/>
+                                        </p:tgtEl>
+                                        <p:attrNameLst>
+                                          <p:attrName>ppt_h</p:attrName>
+                                        </p:attrNameLst>
+                                      </p:cBhvr>
+                                      <p:tavLst>
+                                        <p:tav tm="0">
+                                          <p:val>
+                                            <p:fltVal val="0"/>
+                                          </p:val>
+                                        </p:tav>
+                                        <p:tav tm="100000">
+                                          <p:val>
+                                            <p:strVal val="#ppt_h"/>
+                                          </p:val>
+                                        </p:tav>
+                                      </p:tavLst>
+                                    </p:anim>
+                                    <p:anim calcmode="lin" valueType="num">
+                                      <p:cBhvr>
+                                        <p:cTn id="33" dur="1000" fill="hold"/>
+                                        <p:tgtEl>
+                                          <p:spTgt spid="13"/>
+                                        </p:tgtEl>
+                                        <p:attrNameLst>
+                                          <p:attrName>style.rotation</p:attrName>
+                                        </p:attrNameLst>
+                                      </p:cBhvr>
+                                      <p:tavLst>
+                                        <p:tav tm="0">
+                                          <p:val>
+                                            <p:fltVal val="90"/>
+                                          </p:val>
+                                        </p:tav>
+                                        <p:tav tm="100000">
+                                          <p:val>
+                                            <p:fltVal val="0"/>
+                                          </p:val>
+                                        </p:tav>
+                                      </p:tavLst>
+                                    </p:anim>
+                                    <p:animEffect transition="in" filter="fade">
+                                      <p:cBhvr>
+                                        <p:cTn id="34" dur="1000"/>
+                                        <p:tgtEl>
+                                          <p:spTgt spid="13"/>
+                                        </p:tgtEl>
+                                      </p:cBhvr>
+                                    </p:animEffect>
+                                  </p:childTnLst>
+                                </p:cTn>
+                              </p:par>
+                            </p:childTnLst>
+                          </p:cTn>
+                        </p:par>
+                      </p:childTnLst>
+                    </p:cTn>
+                  </p:par>
+                  <p:par>
+                    <p:cTn id="35" fill="hold">
+                      <p:stCondLst>
+                        <p:cond delay="indefinite"/>
+                      </p:stCondLst>
+                      <p:childTnLst>
+                        <p:par>
+                          <p:cTn id="36" fill="hold">
+                            <p:stCondLst>
+                              <p:cond delay="0"/>
+                            </p:stCondLst>
+                            <p:childTnLst>
+                              <p:par>
+                                <p:cTn id="37" presetID="31" presetClass="entr" presetSubtype="0" fill="hold" grpId="0" nodeType="clickEffect">
+                                  <p:stCondLst>
+                                    <p:cond delay="0"/>
+                                  </p:stCondLst>
+                                  <p:childTnLst>
+                                    <p:set>
+                                      <p:cBhvr>
+                                        <p:cTn id="38" dur="1" fill="hold">
+                                          <p:stCondLst>
+                                            <p:cond delay="0"/>
+                                          </p:stCondLst>
+                                        </p:cTn>
+                                        <p:tgtEl>
+                                          <p:spTgt spid="11"/>
+                                        </p:tgtEl>
+                                        <p:attrNameLst>
+                                          <p:attrName>style.visibility</p:attrName>
+                                        </p:attrNameLst>
+                                      </p:cBhvr>
+                                      <p:to>
+                                        <p:strVal val="visible"/>
+                                      </p:to>
+                                    </p:set>
+                                    <p:anim calcmode="lin" valueType="num">
+                                      <p:cBhvr>
+                                        <p:cTn id="39" dur="1000" fill="hold"/>
+                                        <p:tgtEl>
+                                          <p:spTgt spid="11"/>
+                                        </p:tgtEl>
+                                        <p:attrNameLst>
+                                          <p:attrName>ppt_w</p:attrName>
+                                        </p:attrNameLst>
+                                      </p:cBhvr>
+                                      <p:tavLst>
+                                        <p:tav tm="0">
+                                          <p:val>
+                                            <p:fltVal val="0"/>
+                                          </p:val>
+                                        </p:tav>
+                                        <p:tav tm="100000">
+                                          <p:val>
+                                            <p:strVal val="#ppt_w"/>
+                                          </p:val>
+                                        </p:tav>
+                                      </p:tavLst>
+                                    </p:anim>
+                                    <p:anim calcmode="lin" valueType="num">
+                                      <p:cBhvr>
+                                        <p:cTn id="40" dur="1000" fill="hold"/>
+                                        <p:tgtEl>
+                                          <p:spTgt spid="11"/>
+                                        </p:tgtEl>
+                                        <p:attrNameLst>
+                                          <p:attrName>ppt_h</p:attrName>
+                                        </p:attrNameLst>
+                                      </p:cBhvr>
+                                      <p:tavLst>
+                                        <p:tav tm="0">
+                                          <p:val>
+                                            <p:fltVal val="0"/>
+                                          </p:val>
+                                        </p:tav>
+                                        <p:tav tm="100000">
+                                          <p:val>
+                                            <p:strVal val="#ppt_h"/>
+                                          </p:val>
+                                        </p:tav>
+                                      </p:tavLst>
+                                    </p:anim>
+                                    <p:anim calcmode="lin" valueType="num">
+                                      <p:cBhvr>
+                                        <p:cTn id="41" dur="1000" fill="hold"/>
+                                        <p:tgtEl>
+                                          <p:spTgt spid="11"/>
+                                        </p:tgtEl>
+                                        <p:attrNameLst>
+                                          <p:attrName>style.rotation</p:attrName>
+                                        </p:attrNameLst>
+                                      </p:cBhvr>
+                                      <p:tavLst>
+                                        <p:tav tm="0">
+                                          <p:val>
+                                            <p:fltVal val="90"/>
+                                          </p:val>
+                                        </p:tav>
+                                        <p:tav tm="100000">
+                                          <p:val>
+                                            <p:fltVal val="0"/>
+                                          </p:val>
+                                        </p:tav>
+                                      </p:tavLst>
+                                    </p:anim>
+                                    <p:animEffect transition="in" filter="fade">
+                                      <p:cBhvr>
+                                        <p:cTn id="42" dur="1000"/>
+                                        <p:tgtEl>
+                                          <p:spTgt spid="11"/>
+                                        </p:tgtEl>
+                                      </p:cBhvr>
+                                    </p:animEffect>
+                                  </p:childTnLst>
+                                </p:cTn>
+                              </p:par>
+                            </p:childTnLst>
+                          </p:cTn>
+                        </p:par>
+                      </p:childTnLst>
+                    </p:cTn>
+                  </p:par>
+                  <p:par>
+                    <p:cTn id="43" fill="hold">
+                      <p:stCondLst>
+                        <p:cond delay="indefinite"/>
+                      </p:stCondLst>
+                      <p:childTnLst>
+                        <p:par>
+                          <p:cTn id="44" fill="hold">
+                            <p:stCondLst>
+                              <p:cond delay="0"/>
+                            </p:stCondLst>
+                            <p:childTnLst>
+                              <p:par>
+                                <p:cTn id="45" presetID="1" presetClass="entr" presetSubtype="0" fill="hold" nodeType="clickEffect">
+                                  <p:stCondLst>
+                                    <p:cond delay="0"/>
+                                  </p:stCondLst>
+                                  <p:childTnLst>
+                                    <p:set>
+                                      <p:cBhvr>
+                                        <p:cTn id="46" dur="1" fill="hold">
                                           <p:stCondLst>
                                             <p:cond delay="0"/>
                                           </p:stCondLst>
@@ -6722,14 +7627,14 @@
                                 </p:cTn>
                               </p:par>
                               <p:par>
-                                <p:cTn id="31" presetID="1" presetClass="exit" presetSubtype="0" fill="hold" nodeType="withEffect">
+                                <p:cTn id="47" presetID="1" presetClass="exit" presetSubtype="0" fill="hold" nodeType="withEffect">
                                   <p:stCondLst>
                                     <p:cond delay="0"/>
                                   </p:stCondLst>
                                   <p:childTnLst>
                                     <p:set>
                                       <p:cBhvr>
-                                        <p:cTn id="32" dur="1" fill="hold">
+                                        <p:cTn id="48" dur="1" fill="hold">
                                           <p:stCondLst>
                                             <p:cond delay="0"/>
                                           </p:stCondLst>
@@ -6755,26 +7660,26 @@
                     </p:cTn>
                   </p:par>
                   <p:par>
-                    <p:cTn id="33" fill="hold">
+                    <p:cTn id="49" fill="hold">
                       <p:stCondLst>
                         <p:cond delay="indefinite"/>
                       </p:stCondLst>
                       <p:childTnLst>
                         <p:par>
-                          <p:cTn id="34" fill="hold">
+                          <p:cTn id="50" fill="hold">
                             <p:stCondLst>
                               <p:cond delay="0"/>
                             </p:stCondLst>
                             <p:childTnLst>
                               <p:par>
-                                <p:cTn id="35" presetID="1" presetClass="entr" presetSubtype="0" fill="hold" nodeType="clickEffect">
+                                <p:cTn id="51" presetID="1" presetClass="entr" presetSubtype="0" fill="hold" nodeType="clickEffect">
                                   <p:stCondLst>
                                     <p:cond delay="0"/>
                                   </p:stCondLst>
                                   <p:childTnLst>
                                     <p:set>
                                       <p:cBhvr>
-                                        <p:cTn id="36" dur="1" fill="hold">
+                                        <p:cTn id="52" dur="1" fill="hold">
                                           <p:stCondLst>
                                             <p:cond delay="0"/>
                                           </p:stCondLst>
@@ -6794,14 +7699,14 @@
                                 </p:cTn>
                               </p:par>
                               <p:par>
-                                <p:cTn id="37" presetID="1" presetClass="exit" presetSubtype="0" fill="hold" nodeType="withEffect">
+                                <p:cTn id="53" presetID="1" presetClass="exit" presetSubtype="0" fill="hold" nodeType="withEffect">
                                   <p:stCondLst>
                                     <p:cond delay="0"/>
                                   </p:stCondLst>
                                   <p:childTnLst>
                                     <p:set>
                                       <p:cBhvr>
-                                        <p:cTn id="38" dur="1" fill="hold">
+                                        <p:cTn id="54" dur="1" fill="hold">
                                           <p:stCondLst>
                                             <p:cond delay="0"/>
                                           </p:stCondLst>
@@ -6849,6 +7754,8 @@
     </p:tnLst>
     <p:bldLst>
       <p:bldP spid="5" grpId="1" animBg="1"/>
+      <p:bldP spid="13" grpId="0" animBg="1"/>
+      <p:bldP spid="11" grpId="0" animBg="1"/>
     </p:bldLst>
   </p:timing>
 </p:sld>

--- a/FeaturesVsLayers.pptx
+++ b/FeaturesVsLayers.pptx
@@ -576,7 +576,15 @@
             </a:pPr>
             <a:r>
               <a:rPr lang="en-US" baseline="0" dirty="0" smtClean="0"/>
-              <a:t>I hate null. Originally mean memory location 0x00 on memory. Is a value without real meaning. There is no metadata associated.</a:t>
+              <a:t>I hate null. Originally mean memory location </a:t>
+            </a:r>
+            <a:r>
+              <a:rPr lang="en-US" baseline="0" dirty="0" smtClean="0"/>
+              <a:t>0x0 </a:t>
+            </a:r>
+            <a:r>
+              <a:rPr lang="en-US" baseline="0" dirty="0" smtClean="0"/>
+              <a:t>on memory. Is a value without real meaning. There is no metadata associated.</a:t>
             </a:r>
           </a:p>
           <a:p>
@@ -604,8 +612,45 @@
             </a:pPr>
             <a:r>
               <a:rPr lang="en-US" baseline="0" dirty="0" smtClean="0"/>
-              <a:t>Same, no real meaning, no metadata.</a:t>
+              <a:t>Same, no real meaning, no metadata</a:t>
             </a:r>
+            <a:r>
+              <a:rPr lang="en-US" baseline="0" dirty="0" smtClean="0"/>
+              <a:t>.</a:t>
+            </a:r>
+          </a:p>
+          <a:p>
+            <a:pPr marL="0" indent="0">
+              <a:buFontTx/>
+              <a:buNone/>
+            </a:pPr>
+            <a:r>
+              <a:rPr lang="en-US" baseline="0" dirty="0" smtClean="0"/>
+              <a:t>Tony Hoare, the creator of null, 1 billion mistake. He would prefer not to have </a:t>
+            </a:r>
+            <a:r>
+              <a:rPr lang="en-US" baseline="0" smtClean="0"/>
+              <a:t>invented it.</a:t>
+            </a:r>
+            <a:endParaRPr lang="en-US" baseline="0" dirty="0" smtClean="0"/>
+          </a:p>
+          <a:p>
+            <a:pPr marL="0" indent="0">
+              <a:buFontTx/>
+              <a:buNone/>
+            </a:pPr>
+            <a:endParaRPr lang="en-US" baseline="0" dirty="0" smtClean="0"/>
+          </a:p>
+          <a:p>
+            <a:pPr marL="0" indent="0">
+              <a:buFontTx/>
+              <a:buNone/>
+            </a:pPr>
+            <a:r>
+              <a:rPr lang="en-US" baseline="0" dirty="0" smtClean="0"/>
+              <a:t>Some languages having null, but not being location 0x0</a:t>
+            </a:r>
+            <a:endParaRPr lang="en-US" baseline="0" dirty="0" smtClean="0"/>
           </a:p>
           <a:p>
             <a:pPr marL="0" indent="0">
@@ -898,8 +943,8 @@
               <a:t>Show </a:t>
             </a:r>
             <a:r>
-              <a:rPr lang="en-US" dirty="0" err="1" smtClean="0"/>
-              <a:t>Promocode</a:t>
+              <a:rPr lang="en-US" dirty="0" smtClean="0"/>
+              <a:t>example</a:t>
             </a:r>
             <a:r>
               <a:rPr lang="en-US" baseline="0" dirty="0" smtClean="0"/>
@@ -2058,11 +2103,29 @@
           <a:p>
             <a:r>
               <a:rPr lang="en-US" baseline="0" dirty="0" smtClean="0"/>
-              <a:t>Lets see </a:t>
+              <a:t>Lets see an example!!</a:t>
+            </a:r>
+          </a:p>
+          <a:p>
+            <a:endParaRPr lang="en-US" baseline="0" dirty="0" smtClean="0"/>
+          </a:p>
+          <a:p>
+            <a:endParaRPr lang="en-US" baseline="0" dirty="0" smtClean="0"/>
+          </a:p>
+          <a:p>
+            <a:r>
+              <a:rPr lang="en-US" baseline="0" dirty="0" smtClean="0"/>
+              <a:t>But if we use layers, the objects that deal with a layer do they need to know what is below them?</a:t>
+            </a:r>
+          </a:p>
+          <a:p>
+            <a:r>
+              <a:rPr lang="en-US" baseline="0" dirty="0" err="1" smtClean="0"/>
+              <a:t>Owin</a:t>
             </a:r>
             <a:r>
-              <a:rPr lang="en-US" baseline="0" smtClean="0"/>
-              <a:t>an example!!</a:t>
+              <a:rPr lang="en-US" baseline="0" dirty="0" smtClean="0"/>
+              <a:t> middleware how to deal with it kind of nicely. Static language is on the way.</a:t>
             </a:r>
           </a:p>
           <a:p>

--- a/FeaturesVsLayers.pptx
+++ b/FeaturesVsLayers.pptx
@@ -626,13 +626,8 @@
             </a:pPr>
             <a:r>
               <a:rPr lang="en-US" baseline="0" dirty="0" smtClean="0"/>
-              <a:t>Tony Hoare, the creator of null, 1 billion mistake. He would prefer not to have </a:t>
-            </a:r>
-            <a:r>
-              <a:rPr lang="en-US" baseline="0" smtClean="0"/>
-              <a:t>invented it.</a:t>
-            </a:r>
-            <a:endParaRPr lang="en-US" baseline="0" dirty="0" smtClean="0"/>
+              <a:t>Tony Hoare, the creator of null, 1 billion mistake. He would prefer not to have invented it.</a:t>
+            </a:r>
           </a:p>
           <a:p>
             <a:pPr marL="0" indent="0">
@@ -648,7 +643,7 @@
             </a:pPr>
             <a:r>
               <a:rPr lang="en-US" baseline="0" dirty="0" smtClean="0"/>
-              <a:t>Some languages having null, but not being location 0x0</a:t>
+              <a:t>Some languages having null, but not being location 0x0. Nil in Swift. Is a construct. But with the same properties.</a:t>
             </a:r>
             <a:endParaRPr lang="en-US" baseline="0" dirty="0" smtClean="0"/>
           </a:p>
@@ -1304,6 +1299,29 @@
             </a:pPr>
             <a:r>
               <a:rPr lang="en-GB" baseline="0" dirty="0" smtClean="0"/>
+              <a:t>I need an assistant, anyone? Not pretty enough/too pretty (will distract from me)</a:t>
+            </a:r>
+          </a:p>
+          <a:p>
+            <a:pPr marL="0" marR="0" indent="0" algn="l" defTabSz="457200" rtl="0" eaLnBrk="1" fontAlgn="auto" latinLnBrk="0" hangingPunct="1">
+              <a:lnSpc>
+                <a:spcPct val="100000"/>
+              </a:lnSpc>
+              <a:spcBef>
+                <a:spcPts val="0"/>
+              </a:spcBef>
+              <a:spcAft>
+                <a:spcPts val="0"/>
+              </a:spcAft>
+              <a:buClrTx/>
+              <a:buSzTx/>
+              <a:buFontTx/>
+              <a:buNone/>
+              <a:tabLst/>
+              <a:defRPr/>
+            </a:pPr>
+            <a:r>
+              <a:rPr lang="en-GB" baseline="0" dirty="0" smtClean="0"/>
               <a:t>So, now I’m going to introduce you to my assistant: Bill (click)</a:t>
             </a:r>
             <a:endParaRPr lang="en-US" dirty="0" smtClean="0"/>
@@ -1628,7 +1646,15 @@
           <a:p>
             <a:r>
               <a:rPr lang="en-GB" baseline="0" dirty="0" smtClean="0"/>
-              <a:t>And how to create/design/despair</a:t>
+              <a:t>And how </a:t>
+            </a:r>
+            <a:r>
+              <a:rPr lang="en-GB" baseline="0" dirty="0" smtClean="0"/>
+              <a:t>we </a:t>
+            </a:r>
+            <a:r>
+              <a:rPr lang="en-GB" baseline="0" dirty="0" smtClean="0"/>
+              <a:t>create/design/despair</a:t>
             </a:r>
           </a:p>
         </p:txBody>
@@ -1719,7 +1745,15 @@
             </a:r>
             <a:r>
               <a:rPr lang="en-GB" baseline="0" dirty="0" smtClean="0"/>
-              <a:t> we need is always to make something work. How it works is not as important. &lt;click&gt;</a:t>
+              <a:t> we need is always to make something work. How it works is not as important. </a:t>
+            </a:r>
+            <a:r>
+              <a:rPr lang="en-GB" baseline="0" dirty="0" smtClean="0"/>
+              <a:t>Make it run, make it right, make it fast (Douglas Kent Beck, who just passed away)&lt;</a:t>
+            </a:r>
+            <a:r>
+              <a:rPr lang="en-GB" baseline="0" dirty="0" smtClean="0"/>
+              <a:t>click&gt;</a:t>
             </a:r>
           </a:p>
           <a:p>
@@ -1755,8 +1789,34 @@
           <a:p>
             <a:r>
               <a:rPr lang="en-GB" baseline="0" dirty="0" smtClean="0"/>
-              <a:t>But of course. This is problematic. You know, a monolith is more difficult to change, more difficult to maintain.&lt;click&gt;</a:t>
-            </a:r>
+              <a:t>But of course. This is problematic. You know, a monolith is more difficult to change, more difficult to </a:t>
+            </a:r>
+            <a:r>
+              <a:rPr lang="en-GB" baseline="0" dirty="0" err="1" smtClean="0"/>
+              <a:t>imrpove</a:t>
+            </a:r>
+            <a:r>
+              <a:rPr lang="en-GB" baseline="0" dirty="0" smtClean="0"/>
+              <a:t>, more difficult to scale?&lt;</a:t>
+            </a:r>
+            <a:r>
+              <a:rPr lang="en-GB" baseline="0" dirty="0" smtClean="0"/>
+              <a:t>click</a:t>
+            </a:r>
+            <a:r>
+              <a:rPr lang="en-GB" baseline="0" dirty="0" smtClean="0"/>
+              <a:t>&gt;</a:t>
+            </a:r>
+          </a:p>
+          <a:p>
+            <a:endParaRPr lang="en-GB" baseline="0" dirty="0" smtClean="0"/>
+          </a:p>
+          <a:p>
+            <a:r>
+              <a:rPr lang="en-GB" baseline="0" dirty="0" smtClean="0"/>
+              <a:t>DHH – Majestic monolith (yesterday) – Good for small teams/small codebases. We already doing distributed computing.</a:t>
+            </a:r>
+            <a:endParaRPr lang="en-GB" baseline="0" dirty="0" smtClean="0"/>
           </a:p>
           <a:p>
             <a:endParaRPr lang="en-GB" baseline="0" dirty="0" smtClean="0"/>
@@ -11937,8 +11997,8 @@
         </p:nvSpPr>
         <p:spPr>
           <a:xfrm>
-            <a:off x="1094131" y="2044005"/>
-            <a:ext cx="6955750" cy="923330"/>
+            <a:off x="2704473" y="2044005"/>
+            <a:ext cx="3735067" cy="923330"/>
           </a:xfrm>
           <a:prstGeom prst="rect">
             <a:avLst/>
@@ -11972,7 +12032,51 @@
                   </a:outerShdw>
                 </a:effectLst>
               </a:rPr>
-              <a:t>Ha, Ha, explanations</a:t>
+              <a:t>Ha, Ha</a:t>
+            </a:r>
+            <a:r>
+              <a:rPr lang="en-US" sz="5400" b="1" cap="none" spc="0" smtClean="0">
+                <a:ln w="9525">
+                  <a:solidFill>
+                    <a:schemeClr val="bg1"/>
+                  </a:solidFill>
+                  <a:prstDash val="solid"/>
+                </a:ln>
+                <a:solidFill>
+                  <a:schemeClr val="accent5"/>
+                </a:solidFill>
+                <a:effectLst>
+                  <a:outerShdw blurRad="12700" dist="38100" dir="2700000" algn="tl" rotWithShape="0">
+                    <a:schemeClr val="accent5">
+                      <a:lumMod val="60000"/>
+                      <a:lumOff val="40000"/>
+                    </a:schemeClr>
+                  </a:outerShdw>
+                </a:effectLst>
+              </a:rPr>
+              <a:t>, </a:t>
+            </a:r>
+            <a:r>
+              <a:rPr lang="en-US" sz="5400" b="1" cap="none" spc="0" smtClean="0">
+                <a:ln w="9525">
+                  <a:solidFill>
+                    <a:schemeClr val="bg1"/>
+                  </a:solidFill>
+                  <a:prstDash val="solid"/>
+                </a:ln>
+                <a:solidFill>
+                  <a:schemeClr val="accent5"/>
+                </a:solidFill>
+                <a:effectLst>
+                  <a:outerShdw blurRad="12700" dist="38100" dir="2700000" algn="tl" rotWithShape="0">
+                    <a:schemeClr val="accent5">
+                      <a:lumMod val="60000"/>
+                      <a:lumOff val="40000"/>
+                    </a:schemeClr>
+                  </a:outerShdw>
+                </a:effectLst>
+              </a:rPr>
+              <a:t>42</a:t>
             </a:r>
             <a:endParaRPr lang="en-US" sz="5400" b="1" cap="none" spc="0" dirty="0">
               <a:ln w="9525">
@@ -14197,8 +14301,8 @@
         </p:nvSpPr>
         <p:spPr>
           <a:xfrm rot="21084633">
-            <a:off x="5296808" y="1379218"/>
-            <a:ext cx="3294743" cy="2496457"/>
+            <a:off x="5132071" y="1379218"/>
+            <a:ext cx="3624217" cy="2496457"/>
           </a:xfrm>
           <a:prstGeom prst="irregularSeal2">
             <a:avLst/>
@@ -14225,7 +14329,7 @@
             <a:pPr algn="ctr"/>
             <a:r>
               <a:rPr lang="en-GB" dirty="0" smtClean="0"/>
-              <a:t>Maintain</a:t>
+              <a:t>Change</a:t>
             </a:r>
             <a:endParaRPr lang="en-US" dirty="0"/>
           </a:p>
@@ -14267,7 +14371,7 @@
             <a:pPr algn="ctr"/>
             <a:r>
               <a:rPr lang="en-GB" dirty="0" smtClean="0"/>
-              <a:t>Change</a:t>
+              <a:t>Improve</a:t>
             </a:r>
             <a:endParaRPr lang="en-US" dirty="0"/>
           </a:p>
@@ -14309,7 +14413,7 @@
             <a:pPr algn="ctr"/>
             <a:r>
               <a:rPr lang="en-GB" dirty="0" smtClean="0"/>
-              <a:t>Improve</a:t>
+              <a:t>Scale?</a:t>
             </a:r>
             <a:endParaRPr lang="en-US" dirty="0"/>
           </a:p>

--- a/FeaturesVsLayers.pptx
+++ b/FeaturesVsLayers.pptx
@@ -5,23 +5,26 @@
     <p:sldMasterId id="2147483660" r:id="rId1"/>
   </p:sldMasterIdLst>
   <p:notesMasterIdLst>
-    <p:notesMasterId r:id="rId16"/>
+    <p:notesMasterId r:id="rId19"/>
   </p:notesMasterIdLst>
   <p:sldIdLst>
     <p:sldId id="256" r:id="rId2"/>
-    <p:sldId id="269" r:id="rId3"/>
-    <p:sldId id="261" r:id="rId4"/>
-    <p:sldId id="262" r:id="rId5"/>
-    <p:sldId id="264" r:id="rId6"/>
-    <p:sldId id="263" r:id="rId7"/>
-    <p:sldId id="265" r:id="rId8"/>
-    <p:sldId id="266" r:id="rId9"/>
-    <p:sldId id="257" r:id="rId10"/>
+    <p:sldId id="261" r:id="rId3"/>
+    <p:sldId id="262" r:id="rId4"/>
+    <p:sldId id="264" r:id="rId5"/>
+    <p:sldId id="263" r:id="rId6"/>
+    <p:sldId id="265" r:id="rId7"/>
+    <p:sldId id="266" r:id="rId8"/>
+    <p:sldId id="257" r:id="rId9"/>
+    <p:sldId id="270" r:id="rId10"/>
     <p:sldId id="258" r:id="rId11"/>
     <p:sldId id="259" r:id="rId12"/>
-    <p:sldId id="268" r:id="rId13"/>
-    <p:sldId id="260" r:id="rId14"/>
-    <p:sldId id="267" r:id="rId15"/>
+    <p:sldId id="272" r:id="rId13"/>
+    <p:sldId id="268" r:id="rId14"/>
+    <p:sldId id="260" r:id="rId15"/>
+    <p:sldId id="267" r:id="rId16"/>
+    <p:sldId id="271" r:id="rId17"/>
+    <p:sldId id="269" r:id="rId18"/>
   </p:sldIdLst>
   <p:sldSz cx="9144000" cy="6858000" type="screen4x3"/>
   <p:notesSz cx="6858000" cy="9144000"/>
@@ -122,7 +125,7 @@
   </p:defaultTextStyle>
   <p:extLst>
     <p:ext uri="{EFAFB233-063F-42B5-8137-9DF3F51BA10A}">
-      <p15:sldGuideLst xmlns:p15="http://schemas.microsoft.com/office/powerpoint/2012/main" xmlns="">
+      <p15:sldGuideLst xmlns="" xmlns:p15="http://schemas.microsoft.com/office/powerpoint/2012/main">
         <p15:guide id="1" orient="horz" pos="2160">
           <p15:clr>
             <a:srgbClr val="A4A3A4"/>
@@ -221,7 +224,7 @@
           <a:p>
             <a:fld id="{42140A06-DE53-954F-B7AB-07F13EFF4F14}" type="datetimeFigureOut">
               <a:rPr lang="en-US" smtClean="0"/>
-              <a:t>27/02/16</a:t>
+              <a:t>14/03/16</a:t>
             </a:fld>
             <a:endParaRPr lang="en-US"/>
           </a:p>
@@ -549,137 +552,23 @@
           <a:p>
             <a:r>
               <a:rPr lang="en-US" dirty="0" smtClean="0"/>
-              <a:t>Intro:</a:t>
+              <a:t>Intro</a:t>
             </a:r>
-          </a:p>
-          <a:p>
-            <a:pPr marL="171450" indent="-171450">
-              <a:buFontTx/>
-              <a:buChar char="-"/>
-            </a:pPr>
             <a:r>
-              <a:rPr lang="en-US" baseline="0" dirty="0" smtClean="0"/>
-              <a:t>Is not related to the main point.</a:t>
+              <a:rPr lang="en-US" dirty="0" smtClean="0"/>
+              <a:t>:</a:t>
             </a:r>
           </a:p>
           <a:p>
-            <a:pPr marL="171450" indent="-171450">
-              <a:buFontTx/>
-              <a:buChar char="-"/>
-            </a:pPr>
-            <a:endParaRPr lang="en-US" baseline="0" dirty="0" smtClean="0"/>
-          </a:p>
-          <a:p>
-            <a:pPr marL="0" indent="0">
-              <a:buFontTx/>
-              <a:buNone/>
-            </a:pPr>
             <a:r>
-              <a:rPr lang="en-US" baseline="0" dirty="0" smtClean="0"/>
-              <a:t>I hate null. Originally mean memory location </a:t>
+              <a:rPr lang="en-US" dirty="0" smtClean="0"/>
+              <a:t>I like talking</a:t>
             </a:r>
             <a:r>
               <a:rPr lang="en-US" baseline="0" dirty="0" smtClean="0"/>
-              <a:t>0x0 </a:t>
+              <a:t> and teaching. Not because I consider myself the knees bees. But because it helps me to understand better the topic. And because then I hear myself talking and go “did I say that stupidity?”. It helps me learn. Impostor syndrome? I look at the rubber-duck style of resolving issues. You are all my rubber-ducks</a:t>
             </a:r>
-            <a:r>
-              <a:rPr lang="en-US" baseline="0" dirty="0" smtClean="0"/>
-              <a:t>on memory. Is a value without real meaning. There is no metadata associated.</a:t>
-            </a:r>
-          </a:p>
-          <a:p>
-            <a:pPr marL="0" indent="0">
-              <a:buFontTx/>
-              <a:buNone/>
-            </a:pPr>
-            <a:r>
-              <a:rPr lang="en-US" baseline="0" dirty="0" smtClean="0"/>
-              <a:t>When you can’t use null because is not a reference? </a:t>
-            </a:r>
-            <a:r>
-              <a:rPr lang="en-US" baseline="0" dirty="0" err="1" smtClean="0"/>
-              <a:t>String.IndexOf</a:t>
-            </a:r>
-            <a:r>
-              <a:rPr lang="en-US" baseline="0" dirty="0" smtClean="0"/>
-              <a:t>() -1</a:t>
-            </a:r>
-          </a:p>
-          <a:p>
-            <a:pPr marL="0" indent="0">
-              <a:buFontTx/>
-              <a:buNone/>
-            </a:pPr>
-            <a:r>
-              <a:rPr lang="en-US" baseline="0" dirty="0" smtClean="0"/>
-              <a:t>Same, no real meaning, no metadata</a:t>
-            </a:r>
-            <a:r>
-              <a:rPr lang="en-US" baseline="0" dirty="0" smtClean="0"/>
-              <a:t>.</a:t>
-            </a:r>
-          </a:p>
-          <a:p>
-            <a:pPr marL="0" indent="0">
-              <a:buFontTx/>
-              <a:buNone/>
-            </a:pPr>
-            <a:r>
-              <a:rPr lang="en-US" baseline="0" dirty="0" smtClean="0"/>
-              <a:t>Tony Hoare, the creator of null, 1 billion mistake. He would prefer not to have invented it.</a:t>
-            </a:r>
-          </a:p>
-          <a:p>
-            <a:pPr marL="0" indent="0">
-              <a:buFontTx/>
-              <a:buNone/>
-            </a:pPr>
-            <a:endParaRPr lang="en-US" baseline="0" dirty="0" smtClean="0"/>
-          </a:p>
-          <a:p>
-            <a:pPr marL="0" indent="0">
-              <a:buFontTx/>
-              <a:buNone/>
-            </a:pPr>
-            <a:r>
-              <a:rPr lang="en-US" baseline="0" dirty="0" smtClean="0"/>
-              <a:t>Some languages having null, but not being location 0x0. Nil in Swift. Is a construct. But with the same properties.</a:t>
-            </a:r>
-            <a:endParaRPr lang="en-US" baseline="0" dirty="0" smtClean="0"/>
-          </a:p>
-          <a:p>
-            <a:pPr marL="0" indent="0">
-              <a:buFontTx/>
-              <a:buNone/>
-            </a:pPr>
-            <a:endParaRPr lang="en-US" baseline="0" dirty="0" smtClean="0"/>
-          </a:p>
-          <a:p>
-            <a:pPr marL="0" indent="0">
-              <a:buFontTx/>
-              <a:buNone/>
-            </a:pPr>
-            <a:r>
-              <a:rPr lang="en-US" baseline="0" dirty="0" smtClean="0"/>
-              <a:t>And then I learned about Algebraic Data Types and the Maybe Monad on functional languages. Oh the breeze, so much easier to deal with mistakes and errors.</a:t>
-            </a:r>
-          </a:p>
-          <a:p>
-            <a:pPr marL="0" indent="0">
-              <a:buFontTx/>
-              <a:buNone/>
-            </a:pPr>
-            <a:endParaRPr lang="en-GB" baseline="0" dirty="0" smtClean="0"/>
-          </a:p>
-          <a:p>
-            <a:pPr marL="0" indent="0">
-              <a:buFontTx/>
-              <a:buNone/>
-            </a:pPr>
-            <a:r>
-              <a:rPr lang="en-GB" baseline="0" dirty="0" smtClean="0"/>
-              <a:t>What this have to do with what I’m talking about?</a:t>
-            </a:r>
+            <a:endParaRPr lang="en-US" dirty="0" smtClean="0"/>
           </a:p>
         </p:txBody>
       </p:sp>
@@ -935,11 +824,7 @@
           <a:p>
             <a:r>
               <a:rPr lang="en-US" dirty="0" smtClean="0"/>
-              <a:t>Show </a:t>
-            </a:r>
-            <a:r>
-              <a:rPr lang="en-US" dirty="0" smtClean="0"/>
-              <a:t>example</a:t>
+              <a:t>Show example</a:t>
             </a:r>
             <a:r>
               <a:rPr lang="en-US" baseline="0" dirty="0" smtClean="0"/>
@@ -1030,12 +915,43 @@
           <a:lstStyle/>
           <a:p>
             <a:r>
-              <a:rPr lang="en-GB" dirty="0" smtClean="0"/>
-              <a:t>Did I just advocated</a:t>
+              <a:rPr lang="en-US" dirty="0" smtClean="0"/>
+              <a:t>But Bill</a:t>
+            </a:r>
+          </a:p>
+          <a:p>
+            <a:endParaRPr lang="en-US" dirty="0" smtClean="0"/>
+          </a:p>
+          <a:p>
+            <a:r>
+              <a:rPr lang="en-US" dirty="0" smtClean="0"/>
+              <a:t>What</a:t>
             </a:r>
             <a:r>
-              <a:rPr lang="en-GB" baseline="0" dirty="0" smtClean="0"/>
-              <a:t> for micro-services with my cakes?</a:t>
+              <a:rPr lang="en-US" baseline="0" dirty="0" smtClean="0"/>
+              <a:t> about Duplication</a:t>
+            </a:r>
+          </a:p>
+          <a:p>
+            <a:endParaRPr lang="en-US" baseline="0" dirty="0" smtClean="0"/>
+          </a:p>
+          <a:p>
+            <a:r>
+              <a:rPr lang="en-US" baseline="0" dirty="0" err="1" smtClean="0"/>
+              <a:t>DeDuplication</a:t>
+            </a:r>
+            <a:r>
+              <a:rPr lang="en-US" baseline="0" dirty="0" smtClean="0"/>
+              <a:t> only has to happen when the code is the same (or you can make it look the same) and the reason for changing is the same. Otherwise you will end introducing complexity</a:t>
+            </a:r>
+          </a:p>
+          <a:p>
+            <a:endParaRPr lang="en-US" baseline="0" dirty="0" smtClean="0"/>
+          </a:p>
+          <a:p>
+            <a:r>
+              <a:rPr lang="en-US" baseline="0" dirty="0" smtClean="0"/>
+              <a:t>Granularity. You have to decide, it depends on the language and the project. Do you want to group features because they will always go together?</a:t>
             </a:r>
             <a:endParaRPr lang="en-US" dirty="0"/>
           </a:p>
@@ -1067,7 +983,7 @@
     </p:spTree>
     <p:extLst>
       <p:ext uri="{BB962C8B-B14F-4D97-AF65-F5344CB8AC3E}">
-        <p14:creationId xmlns:p14="http://schemas.microsoft.com/office/powerpoint/2010/main" val="4163809378"/>
+        <p14:creationId xmlns:p14="http://schemas.microsoft.com/office/powerpoint/2010/main" val="648743644"/>
       </p:ext>
     </p:extLst>
   </p:cSld>
@@ -1122,16 +1038,12 @@
           <a:lstStyle/>
           <a:p>
             <a:r>
-              <a:rPr lang="en-US" dirty="0" smtClean="0"/>
-              <a:t>Add twitter </a:t>
+              <a:rPr lang="en-GB" dirty="0" smtClean="0"/>
+              <a:t>Did I just advocated</a:t>
             </a:r>
             <a:r>
-              <a:rPr lang="en-US" dirty="0" err="1" smtClean="0"/>
-              <a:t>github</a:t>
-            </a:r>
-            <a:r>
-              <a:rPr lang="en-US" baseline="0" dirty="0" smtClean="0"/>
-              <a:t> and blog</a:t>
+              <a:rPr lang="en-GB" baseline="0" dirty="0" smtClean="0"/>
+              <a:t> for micro-services with my cakes?</a:t>
             </a:r>
             <a:endParaRPr lang="en-US" dirty="0"/>
           </a:p>
@@ -1163,7 +1075,482 @@
     </p:spTree>
     <p:extLst>
       <p:ext uri="{BB962C8B-B14F-4D97-AF65-F5344CB8AC3E}">
+        <p14:creationId xmlns:p14="http://schemas.microsoft.com/office/powerpoint/2010/main" val="4163809378"/>
+      </p:ext>
+    </p:extLst>
+  </p:cSld>
+  <p:clrMapOvr>
+    <a:masterClrMapping/>
+  </p:clrMapOvr>
+</p:notes>
+</file>
+
+<file path=ppt/notesSlides/notesSlide14.xml><?xml version="1.0" encoding="utf-8"?>
+<p:notes xmlns:a="http://schemas.openxmlformats.org/drawingml/2006/main" xmlns:r="http://schemas.openxmlformats.org/officeDocument/2006/relationships" xmlns:p="http://schemas.openxmlformats.org/presentationml/2006/main">
+  <p:cSld>
+    <p:spTree>
+      <p:nvGrpSpPr>
+        <p:cNvPr id="1" name=""/>
+        <p:cNvGrpSpPr/>
+        <p:nvPr/>
+      </p:nvGrpSpPr>
+      <p:grpSpPr>
+        <a:xfrm>
+          <a:off x="0" y="0"/>
+          <a:ext cx="0" cy="0"/>
+          <a:chOff x="0" y="0"/>
+          <a:chExt cx="0" cy="0"/>
+        </a:xfrm>
+      </p:grpSpPr>
+      <p:sp>
+        <p:nvSpPr>
+          <p:cNvPr id="2" name="Slide Image Placeholder 1"/>
+          <p:cNvSpPr>
+            <a:spLocks noGrp="1" noRot="1" noChangeAspect="1"/>
+          </p:cNvSpPr>
+          <p:nvPr>
+            <p:ph type="sldImg"/>
+          </p:nvPr>
+        </p:nvSpPr>
+        <p:spPr/>
+      </p:sp>
+      <p:sp>
+        <p:nvSpPr>
+          <p:cNvPr id="3" name="Notes Placeholder 2"/>
+          <p:cNvSpPr>
+            <a:spLocks noGrp="1"/>
+          </p:cNvSpPr>
+          <p:nvPr>
+            <p:ph type="body" idx="1"/>
+          </p:nvPr>
+        </p:nvSpPr>
+        <p:spPr/>
+        <p:txBody>
+          <a:bodyPr/>
+          <a:lstStyle/>
+          <a:p>
+            <a:r>
+              <a:rPr lang="en-US" dirty="0" smtClean="0"/>
+              <a:t>Add twitter </a:t>
+            </a:r>
+            <a:r>
+              <a:rPr lang="en-US" dirty="0" err="1" smtClean="0"/>
+              <a:t>github</a:t>
+            </a:r>
+            <a:r>
+              <a:rPr lang="en-US" baseline="0" dirty="0" smtClean="0"/>
+              <a:t> and blog</a:t>
+            </a:r>
+            <a:endParaRPr lang="en-US" dirty="0"/>
+          </a:p>
+        </p:txBody>
+      </p:sp>
+      <p:sp>
+        <p:nvSpPr>
+          <p:cNvPr id="4" name="Slide Number Placeholder 3"/>
+          <p:cNvSpPr>
+            <a:spLocks noGrp="1"/>
+          </p:cNvSpPr>
+          <p:nvPr>
+            <p:ph type="sldNum" sz="quarter" idx="10"/>
+          </p:nvPr>
+        </p:nvSpPr>
+        <p:spPr/>
+        <p:txBody>
+          <a:bodyPr/>
+          <a:lstStyle/>
+          <a:p>
+            <a:fld id="{2345002C-B4C8-0744-B509-29A3CA95BDFE}" type="slidenum">
+              <a:rPr lang="en-US" smtClean="0"/>
+              <a:t>14</a:t>
+            </a:fld>
+            <a:endParaRPr lang="en-US"/>
+          </a:p>
+        </p:txBody>
+      </p:sp>
+    </p:spTree>
+    <p:extLst>
+      <p:ext uri="{BB962C8B-B14F-4D97-AF65-F5344CB8AC3E}">
         <p14:creationId xmlns:p14="http://schemas.microsoft.com/office/powerpoint/2010/main" val="435414379"/>
+      </p:ext>
+    </p:extLst>
+  </p:cSld>
+  <p:clrMapOvr>
+    <a:masterClrMapping/>
+  </p:clrMapOvr>
+</p:notes>
+</file>
+
+<file path=ppt/notesSlides/notesSlide15.xml><?xml version="1.0" encoding="utf-8"?>
+<p:notes xmlns:a="http://schemas.openxmlformats.org/drawingml/2006/main" xmlns:r="http://schemas.openxmlformats.org/officeDocument/2006/relationships" xmlns:p="http://schemas.openxmlformats.org/presentationml/2006/main">
+  <p:cSld>
+    <p:spTree>
+      <p:nvGrpSpPr>
+        <p:cNvPr id="1" name=""/>
+        <p:cNvGrpSpPr/>
+        <p:nvPr/>
+      </p:nvGrpSpPr>
+      <p:grpSpPr>
+        <a:xfrm>
+          <a:off x="0" y="0"/>
+          <a:ext cx="0" cy="0"/>
+          <a:chOff x="0" y="0"/>
+          <a:chExt cx="0" cy="0"/>
+        </a:xfrm>
+      </p:grpSpPr>
+      <p:sp>
+        <p:nvSpPr>
+          <p:cNvPr id="2" name="Slide Image Placeholder 1"/>
+          <p:cNvSpPr>
+            <a:spLocks noGrp="1" noRot="1" noChangeAspect="1"/>
+          </p:cNvSpPr>
+          <p:nvPr>
+            <p:ph type="sldImg"/>
+          </p:nvPr>
+        </p:nvSpPr>
+        <p:spPr/>
+      </p:sp>
+      <p:sp>
+        <p:nvSpPr>
+          <p:cNvPr id="3" name="Notes Placeholder 2"/>
+          <p:cNvSpPr>
+            <a:spLocks noGrp="1"/>
+          </p:cNvSpPr>
+          <p:nvPr>
+            <p:ph type="body" idx="1"/>
+          </p:nvPr>
+        </p:nvSpPr>
+        <p:spPr/>
+        <p:txBody>
+          <a:bodyPr/>
+          <a:lstStyle/>
+          <a:p>
+            <a:pPr marL="0" marR="0" indent="0" algn="l" defTabSz="457200" rtl="0" eaLnBrk="1" fontAlgn="auto" latinLnBrk="0" hangingPunct="1">
+              <a:lnSpc>
+                <a:spcPct val="100000"/>
+              </a:lnSpc>
+              <a:spcBef>
+                <a:spcPts val="0"/>
+              </a:spcBef>
+              <a:spcAft>
+                <a:spcPts val="0"/>
+              </a:spcAft>
+              <a:buClrTx/>
+              <a:buSzTx/>
+              <a:buFontTx/>
+              <a:buNone/>
+              <a:tabLst/>
+              <a:defRPr/>
+            </a:pPr>
+            <a:r>
+              <a:rPr lang="en-GB" baseline="0" dirty="0" smtClean="0"/>
+              <a:t>(Was second slide)</a:t>
+            </a:r>
+          </a:p>
+          <a:p>
+            <a:pPr marL="0" marR="0" indent="0" algn="l" defTabSz="457200" rtl="0" eaLnBrk="1" fontAlgn="auto" latinLnBrk="0" hangingPunct="1">
+              <a:lnSpc>
+                <a:spcPct val="100000"/>
+              </a:lnSpc>
+              <a:spcBef>
+                <a:spcPts val="0"/>
+              </a:spcBef>
+              <a:spcAft>
+                <a:spcPts val="0"/>
+              </a:spcAft>
+              <a:buClrTx/>
+              <a:buSzTx/>
+              <a:buFontTx/>
+              <a:buNone/>
+              <a:tabLst/>
+              <a:defRPr/>
+            </a:pPr>
+            <a:r>
+              <a:rPr lang="en-GB" baseline="0" dirty="0" smtClean="0"/>
+              <a:t>(Before this slide)</a:t>
+            </a:r>
+          </a:p>
+          <a:p>
+            <a:pPr marL="171450" indent="-171450">
+              <a:buFontTx/>
+              <a:buChar char="-"/>
+            </a:pPr>
+            <a:r>
+              <a:rPr lang="en-US" baseline="0" dirty="0" smtClean="0"/>
+              <a:t>Is not related to the main point.</a:t>
+            </a:r>
+          </a:p>
+          <a:p>
+            <a:pPr marL="171450" indent="-171450">
+              <a:buFontTx/>
+              <a:buChar char="-"/>
+            </a:pPr>
+            <a:endParaRPr lang="en-US" baseline="0" dirty="0" smtClean="0"/>
+          </a:p>
+          <a:p>
+            <a:pPr marL="0" indent="0">
+              <a:buFontTx/>
+              <a:buNone/>
+            </a:pPr>
+            <a:r>
+              <a:rPr lang="en-US" baseline="0" dirty="0" smtClean="0"/>
+              <a:t>I hate null. Originally mean memory location 0x0 on memory. Is a value without real meaning. There is no metadata associated.</a:t>
+            </a:r>
+          </a:p>
+          <a:p>
+            <a:pPr marL="0" indent="0">
+              <a:buFontTx/>
+              <a:buNone/>
+            </a:pPr>
+            <a:r>
+              <a:rPr lang="en-US" baseline="0" dirty="0" smtClean="0"/>
+              <a:t>When you can’t use null because is not a reference? </a:t>
+            </a:r>
+            <a:r>
+              <a:rPr lang="en-US" baseline="0" dirty="0" err="1" smtClean="0"/>
+              <a:t>String.IndexOf</a:t>
+            </a:r>
+            <a:r>
+              <a:rPr lang="en-US" baseline="0" dirty="0" smtClean="0"/>
+              <a:t>() -1</a:t>
+            </a:r>
+          </a:p>
+          <a:p>
+            <a:pPr marL="0" indent="0">
+              <a:buFontTx/>
+              <a:buNone/>
+            </a:pPr>
+            <a:r>
+              <a:rPr lang="en-US" baseline="0" dirty="0" smtClean="0"/>
+              <a:t>Same, no real meaning, no metadata.</a:t>
+            </a:r>
+          </a:p>
+          <a:p>
+            <a:pPr marL="0" indent="0">
+              <a:buFontTx/>
+              <a:buNone/>
+            </a:pPr>
+            <a:r>
+              <a:rPr lang="en-US" baseline="0" dirty="0" smtClean="0"/>
+              <a:t>Tony Hoare, the creator of null, 1 billion mistake. He would prefer not to have invented it.</a:t>
+            </a:r>
+          </a:p>
+          <a:p>
+            <a:pPr marL="0" indent="0">
+              <a:buFontTx/>
+              <a:buNone/>
+            </a:pPr>
+            <a:endParaRPr lang="en-US" baseline="0" dirty="0" smtClean="0"/>
+          </a:p>
+          <a:p>
+            <a:pPr marL="0" indent="0">
+              <a:buFontTx/>
+              <a:buNone/>
+            </a:pPr>
+            <a:r>
+              <a:rPr lang="en-US" baseline="0" dirty="0" smtClean="0"/>
+              <a:t>Some languages having null, but not being location 0x0. Nil in Swift. Is a construct. But with the same properties.</a:t>
+            </a:r>
+          </a:p>
+          <a:p>
+            <a:pPr marL="0" indent="0">
+              <a:buFontTx/>
+              <a:buNone/>
+            </a:pPr>
+            <a:endParaRPr lang="en-US" baseline="0" dirty="0" smtClean="0"/>
+          </a:p>
+          <a:p>
+            <a:pPr marL="0" indent="0">
+              <a:buFontTx/>
+              <a:buNone/>
+            </a:pPr>
+            <a:r>
+              <a:rPr lang="en-US" baseline="0" dirty="0" smtClean="0"/>
+              <a:t>And then I learned about Algebraic Data Types and the Maybe Monad on functional languages. Oh the breeze, so much easier to deal with mistakes and errors.</a:t>
+            </a:r>
+          </a:p>
+          <a:p>
+            <a:pPr marL="0" indent="0">
+              <a:buFontTx/>
+              <a:buNone/>
+            </a:pPr>
+            <a:endParaRPr lang="en-GB" baseline="0" dirty="0" smtClean="0"/>
+          </a:p>
+          <a:p>
+            <a:pPr marL="0" indent="0">
+              <a:buFontTx/>
+              <a:buNone/>
+            </a:pPr>
+            <a:r>
+              <a:rPr lang="en-GB" baseline="0" dirty="0" smtClean="0"/>
+              <a:t>What this have to do with what I’m talking about?</a:t>
+            </a:r>
+          </a:p>
+          <a:p>
+            <a:pPr marL="0" marR="0" indent="0" algn="l" defTabSz="457200" rtl="0" eaLnBrk="1" fontAlgn="auto" latinLnBrk="0" hangingPunct="1">
+              <a:lnSpc>
+                <a:spcPct val="100000"/>
+              </a:lnSpc>
+              <a:spcBef>
+                <a:spcPts val="0"/>
+              </a:spcBef>
+              <a:spcAft>
+                <a:spcPts val="0"/>
+              </a:spcAft>
+              <a:buClrTx/>
+              <a:buSzTx/>
+              <a:buFontTx/>
+              <a:buNone/>
+              <a:tabLst/>
+              <a:defRPr/>
+            </a:pPr>
+            <a:r>
+              <a:rPr lang="en-GB" baseline="0" dirty="0" smtClean="0"/>
+              <a:t>(Click into this slide)</a:t>
+            </a:r>
+          </a:p>
+          <a:p>
+            <a:pPr marL="0" marR="0" indent="0" algn="l" defTabSz="457200" rtl="0" eaLnBrk="1" fontAlgn="auto" latinLnBrk="0" hangingPunct="1">
+              <a:lnSpc>
+                <a:spcPct val="100000"/>
+              </a:lnSpc>
+              <a:spcBef>
+                <a:spcPts val="0"/>
+              </a:spcBef>
+              <a:spcAft>
+                <a:spcPts val="0"/>
+              </a:spcAft>
+              <a:buClrTx/>
+              <a:buSzTx/>
+              <a:buFontTx/>
+              <a:buNone/>
+              <a:tabLst/>
+              <a:defRPr/>
+            </a:pPr>
+            <a:endParaRPr lang="en-GB" baseline="0" dirty="0" smtClean="0"/>
+          </a:p>
+          <a:p>
+            <a:pPr marL="0" marR="0" indent="0" algn="l" defTabSz="457200" rtl="0" eaLnBrk="1" fontAlgn="auto" latinLnBrk="0" hangingPunct="1">
+              <a:lnSpc>
+                <a:spcPct val="100000"/>
+              </a:lnSpc>
+              <a:spcBef>
+                <a:spcPts val="0"/>
+              </a:spcBef>
+              <a:spcAft>
+                <a:spcPts val="0"/>
+              </a:spcAft>
+              <a:buClrTx/>
+              <a:buSzTx/>
+              <a:buFontTx/>
+              <a:buNone/>
+              <a:tabLst/>
+              <a:defRPr/>
+            </a:pPr>
+            <a:r>
+              <a:rPr lang="en-GB" baseline="0" dirty="0" smtClean="0"/>
+              <a:t>Well, will be telling if I told you otherwise.</a:t>
+            </a:r>
+          </a:p>
+          <a:p>
+            <a:pPr marL="0" marR="0" indent="0" algn="l" defTabSz="457200" rtl="0" eaLnBrk="1" fontAlgn="auto" latinLnBrk="0" hangingPunct="1">
+              <a:lnSpc>
+                <a:spcPct val="100000"/>
+              </a:lnSpc>
+              <a:spcBef>
+                <a:spcPts val="0"/>
+              </a:spcBef>
+              <a:spcAft>
+                <a:spcPts val="0"/>
+              </a:spcAft>
+              <a:buClrTx/>
+              <a:buSzTx/>
+              <a:buFontTx/>
+              <a:buNone/>
+              <a:tabLst/>
+              <a:defRPr/>
+            </a:pPr>
+            <a:endParaRPr lang="en-GB" baseline="0" dirty="0" smtClean="0"/>
+          </a:p>
+          <a:p>
+            <a:pPr marL="0" marR="0" indent="0" algn="l" defTabSz="457200" rtl="0" eaLnBrk="1" fontAlgn="auto" latinLnBrk="0" hangingPunct="1">
+              <a:lnSpc>
+                <a:spcPct val="100000"/>
+              </a:lnSpc>
+              <a:spcBef>
+                <a:spcPts val="0"/>
+              </a:spcBef>
+              <a:spcAft>
+                <a:spcPts val="0"/>
+              </a:spcAft>
+              <a:buClrTx/>
+              <a:buSzTx/>
+              <a:buFontTx/>
+              <a:buNone/>
+              <a:tabLst/>
+              <a:defRPr/>
+            </a:pPr>
+            <a:r>
+              <a:rPr lang="en-GB" baseline="0" dirty="0" smtClean="0"/>
+              <a:t>I need an assistant, anyone? Not pretty enough/too pretty (will distract from me)</a:t>
+            </a:r>
+          </a:p>
+          <a:p>
+            <a:pPr marL="0" marR="0" indent="0" algn="l" defTabSz="457200" rtl="0" eaLnBrk="1" fontAlgn="auto" latinLnBrk="0" hangingPunct="1">
+              <a:lnSpc>
+                <a:spcPct val="100000"/>
+              </a:lnSpc>
+              <a:spcBef>
+                <a:spcPts val="0"/>
+              </a:spcBef>
+              <a:spcAft>
+                <a:spcPts val="0"/>
+              </a:spcAft>
+              <a:buClrTx/>
+              <a:buSzTx/>
+              <a:buFontTx/>
+              <a:buNone/>
+              <a:tabLst/>
+              <a:defRPr/>
+            </a:pPr>
+            <a:r>
+              <a:rPr lang="en-GB" baseline="0" dirty="0" smtClean="0"/>
+              <a:t>So, now I’m going to introduce you to my assistant: Bill (click)</a:t>
+            </a:r>
+            <a:endParaRPr lang="en-US" dirty="0" smtClean="0"/>
+          </a:p>
+          <a:p>
+            <a:endParaRPr lang="en-US" dirty="0"/>
+          </a:p>
+        </p:txBody>
+      </p:sp>
+      <p:sp>
+        <p:nvSpPr>
+          <p:cNvPr id="4" name="Slide Number Placeholder 3"/>
+          <p:cNvSpPr>
+            <a:spLocks noGrp="1"/>
+          </p:cNvSpPr>
+          <p:nvPr>
+            <p:ph type="sldNum" sz="quarter" idx="10"/>
+          </p:nvPr>
+        </p:nvSpPr>
+        <p:spPr/>
+        <p:txBody>
+          <a:bodyPr/>
+          <a:lstStyle/>
+          <a:p>
+            <a:fld id="{2345002C-B4C8-0744-B509-29A3CA95BDFE}" type="slidenum">
+              <a:rPr lang="en-US" smtClean="0"/>
+              <a:t>17</a:t>
+            </a:fld>
+            <a:endParaRPr lang="en-US"/>
+          </a:p>
+        </p:txBody>
+      </p:sp>
+    </p:spTree>
+    <p:extLst>
+      <p:ext uri="{BB962C8B-B14F-4D97-AF65-F5344CB8AC3E}">
+        <p14:creationId xmlns:p14="http://schemas.microsoft.com/office/powerpoint/2010/main" val="1035665269"/>
       </p:ext>
     </p:extLst>
   </p:cSld>
@@ -1217,116 +1604,26 @@
           <a:bodyPr/>
           <a:lstStyle/>
           <a:p>
-            <a:pPr marL="0" marR="0" indent="0" algn="l" defTabSz="457200" rtl="0" eaLnBrk="1" fontAlgn="auto" latinLnBrk="0" hangingPunct="1">
-              <a:lnSpc>
-                <a:spcPct val="100000"/>
-              </a:lnSpc>
-              <a:spcBef>
-                <a:spcPts val="0"/>
-              </a:spcBef>
-              <a:spcAft>
-                <a:spcPts val="0"/>
-              </a:spcAft>
-              <a:buClrTx/>
-              <a:buSzTx/>
-              <a:buFontTx/>
-              <a:buNone/>
-              <a:tabLst/>
-              <a:defRPr/>
-            </a:pPr>
-            <a:endParaRPr lang="en-GB" baseline="0" dirty="0" smtClean="0"/>
-          </a:p>
-          <a:p>
-            <a:pPr marL="0" marR="0" indent="0" algn="l" defTabSz="457200" rtl="0" eaLnBrk="1" fontAlgn="auto" latinLnBrk="0" hangingPunct="1">
-              <a:lnSpc>
-                <a:spcPct val="100000"/>
-              </a:lnSpc>
-              <a:spcBef>
-                <a:spcPts val="0"/>
-              </a:spcBef>
-              <a:spcAft>
-                <a:spcPts val="0"/>
-              </a:spcAft>
-              <a:buClrTx/>
-              <a:buSzTx/>
-              <a:buFontTx/>
-              <a:buNone/>
-              <a:tabLst/>
-              <a:defRPr/>
-            </a:pPr>
+            <a:r>
+              <a:rPr lang="en-GB" dirty="0" smtClean="0"/>
+              <a:t>Let me introduce you to Bill. He will be helping us on getting this through.</a:t>
+            </a:r>
+          </a:p>
+          <a:p>
+            <a:endParaRPr lang="en-GB" dirty="0" smtClean="0"/>
+          </a:p>
+          <a:p>
+            <a:endParaRPr lang="en-GB" dirty="0" smtClean="0"/>
+          </a:p>
+          <a:p>
+            <a:r>
+              <a:rPr lang="en-GB" dirty="0" smtClean="0"/>
+              <a:t>Say</a:t>
+            </a:r>
             <a:r>
               <a:rPr lang="en-GB" baseline="0" dirty="0" smtClean="0"/>
-              <a:t>Well, will be telling if I told you otherwise.</a:t>
+              <a:t> Hello Bill &lt;click&gt;</a:t>
             </a:r>
-          </a:p>
-          <a:p>
-            <a:pPr marL="0" marR="0" indent="0" algn="l" defTabSz="457200" rtl="0" eaLnBrk="1" fontAlgn="auto" latinLnBrk="0" hangingPunct="1">
-              <a:lnSpc>
-                <a:spcPct val="100000"/>
-              </a:lnSpc>
-              <a:spcBef>
-                <a:spcPts val="0"/>
-              </a:spcBef>
-              <a:spcAft>
-                <a:spcPts val="0"/>
-              </a:spcAft>
-              <a:buClrTx/>
-              <a:buSzTx/>
-              <a:buFontTx/>
-              <a:buNone/>
-              <a:tabLst/>
-              <a:defRPr/>
-            </a:pPr>
-            <a:endParaRPr lang="en-GB" baseline="0" dirty="0" smtClean="0"/>
-          </a:p>
-          <a:p>
-            <a:pPr marL="0" marR="0" indent="0" algn="l" defTabSz="457200" rtl="0" eaLnBrk="1" fontAlgn="auto" latinLnBrk="0" hangingPunct="1">
-              <a:lnSpc>
-                <a:spcPct val="100000"/>
-              </a:lnSpc>
-              <a:spcBef>
-                <a:spcPts val="0"/>
-              </a:spcBef>
-              <a:spcAft>
-                <a:spcPts val="0"/>
-              </a:spcAft>
-              <a:buClrTx/>
-              <a:buSzTx/>
-              <a:buFontTx/>
-              <a:buNone/>
-              <a:tabLst/>
-              <a:defRPr/>
-            </a:pPr>
-            <a:r>
-              <a:rPr lang="en-GB" baseline="0" dirty="0" smtClean="0"/>
-              <a:t>I need an assistant, anyone? Not pretty enough/too pretty (will distract from me)</a:t>
-            </a:r>
-          </a:p>
-          <a:p>
-            <a:pPr marL="0" marR="0" indent="0" algn="l" defTabSz="457200" rtl="0" eaLnBrk="1" fontAlgn="auto" latinLnBrk="0" hangingPunct="1">
-              <a:lnSpc>
-                <a:spcPct val="100000"/>
-              </a:lnSpc>
-              <a:spcBef>
-                <a:spcPts val="0"/>
-              </a:spcBef>
-              <a:spcAft>
-                <a:spcPts val="0"/>
-              </a:spcAft>
-              <a:buClrTx/>
-              <a:buSzTx/>
-              <a:buFontTx/>
-              <a:buNone/>
-              <a:tabLst/>
-              <a:defRPr/>
-            </a:pPr>
-            <a:r>
-              <a:rPr lang="en-GB" baseline="0" dirty="0" smtClean="0"/>
-              <a:t>So, now I’m going to introduce you to my assistant: Bill (click)</a:t>
-            </a:r>
-            <a:endParaRPr lang="en-US" dirty="0" smtClean="0"/>
-          </a:p>
-          <a:p>
             <a:endParaRPr lang="en-US" dirty="0"/>
           </a:p>
         </p:txBody>
@@ -1357,7 +1654,7 @@
     </p:spTree>
     <p:extLst>
       <p:ext uri="{BB962C8B-B14F-4D97-AF65-F5344CB8AC3E}">
-        <p14:creationId xmlns:p14="http://schemas.microsoft.com/office/powerpoint/2010/main" val="1035665269"/>
+        <p14:creationId xmlns:p14="http://schemas.microsoft.com/office/powerpoint/2010/main" val="1108041516"/>
       </p:ext>
     </p:extLst>
   </p:cSld>
@@ -1413,23 +1710,11 @@
           <a:p>
             <a:r>
               <a:rPr lang="en-GB" dirty="0" smtClean="0"/>
-              <a:t>Let me introduce you to Bill. He will be helping us on getting this through.</a:t>
-            </a:r>
-          </a:p>
-          <a:p>
-            <a:endParaRPr lang="en-GB" dirty="0" smtClean="0"/>
-          </a:p>
-          <a:p>
-            <a:endParaRPr lang="en-GB" dirty="0" smtClean="0"/>
-          </a:p>
-          <a:p>
-            <a:r>
-              <a:rPr lang="en-GB" dirty="0" smtClean="0"/>
-              <a:t>Say</a:t>
+              <a:t>Time to</a:t>
             </a:r>
             <a:r>
               <a:rPr lang="en-GB" baseline="0" dirty="0" smtClean="0"/>
-              <a:t> Hello Bill &lt;click&gt;</a:t>
+              <a:t> start working on this &lt;click&gt;</a:t>
             </a:r>
             <a:endParaRPr lang="en-US" dirty="0"/>
           </a:p>
@@ -1461,7 +1746,7 @@
     </p:spTree>
     <p:extLst>
       <p:ext uri="{BB962C8B-B14F-4D97-AF65-F5344CB8AC3E}">
-        <p14:creationId xmlns:p14="http://schemas.microsoft.com/office/powerpoint/2010/main" val="1108041516"/>
+        <p14:creationId xmlns:p14="http://schemas.microsoft.com/office/powerpoint/2010/main" val="277764061"/>
       </p:ext>
     </p:extLst>
   </p:cSld>
@@ -1517,13 +1802,45 @@
           <a:p>
             <a:r>
               <a:rPr lang="en-GB" dirty="0" smtClean="0"/>
-              <a:t>Time to</a:t>
+              <a:t>Today we are</a:t>
             </a:r>
             <a:r>
               <a:rPr lang="en-GB" baseline="0" dirty="0" smtClean="0"/>
-              <a:t> start working on this &lt;click&gt;</a:t>
+              <a:t> actually going to be talking about &lt;click&gt;</a:t>
             </a:r>
-            <a:endParaRPr lang="en-US" dirty="0"/>
+          </a:p>
+          <a:p>
+            <a:endParaRPr lang="en-GB" baseline="0" dirty="0" smtClean="0"/>
+          </a:p>
+          <a:p>
+            <a:r>
+              <a:rPr lang="en-GB" baseline="0" dirty="0" smtClean="0"/>
+              <a:t>Cakes!!</a:t>
+            </a:r>
+          </a:p>
+          <a:p>
+            <a:endParaRPr lang="en-GB" baseline="0" dirty="0" smtClean="0"/>
+          </a:p>
+          <a:p>
+            <a:r>
+              <a:rPr lang="en-GB" baseline="0" dirty="0" smtClean="0"/>
+              <a:t>Actually, sorry, no, Bill &lt;click&gt;</a:t>
+            </a:r>
+          </a:p>
+          <a:p>
+            <a:endParaRPr lang="en-GB" baseline="0" dirty="0" smtClean="0"/>
+          </a:p>
+          <a:p>
+            <a:r>
+              <a:rPr lang="en-GB" baseline="0" dirty="0" smtClean="0"/>
+              <a:t>Today we are going to talking about software &lt;click&gt;</a:t>
+            </a:r>
+          </a:p>
+          <a:p>
+            <a:r>
+              <a:rPr lang="en-GB" baseline="0" dirty="0" smtClean="0"/>
+              <a:t>And how we create/design/despair</a:t>
+            </a:r>
           </a:p>
         </p:txBody>
       </p:sp>
@@ -1553,7 +1870,7 @@
     </p:spTree>
     <p:extLst>
       <p:ext uri="{BB962C8B-B14F-4D97-AF65-F5344CB8AC3E}">
-        <p14:creationId xmlns:p14="http://schemas.microsoft.com/office/powerpoint/2010/main" val="277764061"/>
+        <p14:creationId xmlns:p14="http://schemas.microsoft.com/office/powerpoint/2010/main" val="2923852172"/>
       </p:ext>
     </p:extLst>
   </p:cSld>
@@ -1609,11 +1926,11 @@
           <a:p>
             <a:r>
               <a:rPr lang="en-GB" dirty="0" smtClean="0"/>
-              <a:t>Today we are</a:t>
+              <a:t>The first thing that</a:t>
             </a:r>
             <a:r>
               <a:rPr lang="en-GB" baseline="0" dirty="0" smtClean="0"/>
-              <a:t> actually going to be talking about &lt;click&gt;</a:t>
+              <a:t> we need is always to make something work. How it works is not as important. Make it run, make it right, make it fast (Douglas Kent Beck, who just passed away)&lt;click&gt;</a:t>
             </a:r>
           </a:p>
           <a:p>
@@ -1622,7 +1939,7 @@
           <a:p>
             <a:r>
               <a:rPr lang="en-GB" baseline="0" dirty="0" smtClean="0"/>
-              <a:t>Cakes!!</a:t>
+              <a:t>So, how we do achieve that? &lt;click&gt;</a:t>
             </a:r>
           </a:p>
           <a:p>
@@ -1631,7 +1948,7 @@
           <a:p>
             <a:r>
               <a:rPr lang="en-GB" baseline="0" dirty="0" smtClean="0"/>
-              <a:t>Actually, sorry, no, Bill &lt;click&gt;</a:t>
+              <a:t>Well, we can just create a single thing (be either class or object) &lt;click&gt;</a:t>
             </a:r>
           </a:p>
           <a:p>
@@ -1640,22 +1957,37 @@
           <a:p>
             <a:r>
               <a:rPr lang="en-GB" baseline="0" dirty="0" smtClean="0"/>
-              <a:t>Today we are going to talking about software &lt;click&gt;</a:t>
+              <a:t>That we will put together with all the functionality&lt;click&gt;</a:t>
             </a:r>
+          </a:p>
+          <a:p>
+            <a:endParaRPr lang="en-GB" baseline="0" dirty="0" smtClean="0"/>
           </a:p>
           <a:p>
             <a:r>
               <a:rPr lang="en-GB" baseline="0" dirty="0" smtClean="0"/>
-              <a:t>And how </a:t>
+              <a:t>But of course. This is problematic. You know, a monolith is more difficult to change, more difficult to </a:t>
+            </a:r>
+            <a:r>
+              <a:rPr lang="en-GB" baseline="0" dirty="0" err="1" smtClean="0"/>
+              <a:t>imrpove</a:t>
             </a:r>
             <a:r>
               <a:rPr lang="en-GB" baseline="0" dirty="0" smtClean="0"/>
-              <a:t>we </a:t>
+              <a:t>, more difficult to scale?&lt;click&gt;</a:t>
             </a:r>
+          </a:p>
+          <a:p>
+            <a:endParaRPr lang="en-GB" baseline="0" dirty="0" smtClean="0"/>
+          </a:p>
+          <a:p>
             <a:r>
               <a:rPr lang="en-GB" baseline="0" dirty="0" smtClean="0"/>
-              <a:t>create/design/despair</a:t>
+              <a:t>DHH – Majestic monolith (yesterday) – Good for small teams/small codebases. We already doing distributed computing.</a:t>
             </a:r>
+          </a:p>
+          <a:p>
+            <a:endParaRPr lang="en-GB" baseline="0" dirty="0" smtClean="0"/>
           </a:p>
         </p:txBody>
       </p:sp>
@@ -1685,7 +2017,7 @@
     </p:spTree>
     <p:extLst>
       <p:ext uri="{BB962C8B-B14F-4D97-AF65-F5344CB8AC3E}">
-        <p14:creationId xmlns:p14="http://schemas.microsoft.com/office/powerpoint/2010/main" val="2923852172"/>
+        <p14:creationId xmlns:p14="http://schemas.microsoft.com/office/powerpoint/2010/main" val="796270880"/>
       </p:ext>
     </p:extLst>
   </p:cSld>
@@ -1739,87 +2071,30 @@
           <a:bodyPr/>
           <a:lstStyle/>
           <a:p>
-            <a:r>
-              <a:rPr lang="en-GB" dirty="0" smtClean="0"/>
-              <a:t>The first thing that</a:t>
-            </a:r>
+            <a:pPr marL="0" marR="0" indent="0" algn="l" defTabSz="457200" rtl="0" eaLnBrk="1" fontAlgn="auto" latinLnBrk="0" hangingPunct="1">
+              <a:lnSpc>
+                <a:spcPct val="100000"/>
+              </a:lnSpc>
+              <a:spcBef>
+                <a:spcPts val="0"/>
+              </a:spcBef>
+              <a:spcAft>
+                <a:spcPts val="0"/>
+              </a:spcAft>
+              <a:buClrTx/>
+              <a:buSzTx/>
+              <a:buFontTx/>
+              <a:buNone/>
+              <a:tabLst/>
+              <a:defRPr/>
+            </a:pPr>
             <a:r>
               <a:rPr lang="en-GB" baseline="0" dirty="0" smtClean="0"/>
-              <a:t> we need is always to make something work. How it works is not as important. </a:t>
+              <a:t>Then what can we do? &lt;click&gt;</a:t>
             </a:r>
-            <a:r>
-              <a:rPr lang="en-GB" baseline="0" dirty="0" smtClean="0"/>
-              <a:t>Make it run, make it right, make it fast (Douglas Kent Beck, who just passed away)&lt;</a:t>
-            </a:r>
-            <a:r>
-              <a:rPr lang="en-GB" baseline="0" dirty="0" smtClean="0"/>
-              <a:t>click&gt;</a:t>
-            </a:r>
-          </a:p>
-          <a:p>
-            <a:endParaRPr lang="en-GB" baseline="0" dirty="0" smtClean="0"/>
-          </a:p>
-          <a:p>
-            <a:r>
-              <a:rPr lang="en-GB" baseline="0" dirty="0" smtClean="0"/>
-              <a:t>So, how we do achieve that? &lt;click&gt;</a:t>
-            </a:r>
-          </a:p>
-          <a:p>
-            <a:endParaRPr lang="en-GB" baseline="0" dirty="0" smtClean="0"/>
-          </a:p>
-          <a:p>
-            <a:r>
-              <a:rPr lang="en-GB" baseline="0" dirty="0" smtClean="0"/>
-              <a:t>Well, we can just create a single thing (be either class or object) &lt;click&gt;</a:t>
-            </a:r>
-          </a:p>
-          <a:p>
-            <a:endParaRPr lang="en-GB" baseline="0" dirty="0" smtClean="0"/>
-          </a:p>
-          <a:p>
-            <a:r>
-              <a:rPr lang="en-GB" baseline="0" dirty="0" smtClean="0"/>
-              <a:t>That we will put together with all the functionality&lt;click&gt;</a:t>
-            </a:r>
-          </a:p>
-          <a:p>
-            <a:endParaRPr lang="en-GB" baseline="0" dirty="0" smtClean="0"/>
-          </a:p>
-          <a:p>
-            <a:r>
-              <a:rPr lang="en-GB" baseline="0" dirty="0" smtClean="0"/>
-              <a:t>But of course. This is problematic. You know, a monolith is more difficult to change, more difficult to </a:t>
-            </a:r>
-            <a:r>
-              <a:rPr lang="en-GB" baseline="0" dirty="0" err="1" smtClean="0"/>
-              <a:t>imrpove</a:t>
-            </a:r>
-            <a:r>
-              <a:rPr lang="en-GB" baseline="0" dirty="0" smtClean="0"/>
-              <a:t>, more difficult to scale?&lt;</a:t>
-            </a:r>
-            <a:r>
-              <a:rPr lang="en-GB" baseline="0" dirty="0" smtClean="0"/>
-              <a:t>click</a:t>
-            </a:r>
-            <a:r>
-              <a:rPr lang="en-GB" baseline="0" dirty="0" smtClean="0"/>
-              <a:t>&gt;</a:t>
-            </a:r>
-          </a:p>
-          <a:p>
-            <a:endParaRPr lang="en-GB" baseline="0" dirty="0" smtClean="0"/>
-          </a:p>
-          <a:p>
-            <a:r>
-              <a:rPr lang="en-GB" baseline="0" dirty="0" smtClean="0"/>
-              <a:t>DHH – Majestic monolith (yesterday) – Good for small teams/small codebases. We already doing distributed computing.</a:t>
-            </a:r>
-            <a:endParaRPr lang="en-GB" baseline="0" dirty="0" smtClean="0"/>
-          </a:p>
-          <a:p>
-            <a:endParaRPr lang="en-GB" baseline="0" dirty="0" smtClean="0"/>
+          </a:p>
+          <a:p>
+            <a:endParaRPr lang="en-US" dirty="0"/>
           </a:p>
         </p:txBody>
       </p:sp>
@@ -1849,7 +2124,7 @@
     </p:spTree>
     <p:extLst>
       <p:ext uri="{BB962C8B-B14F-4D97-AF65-F5344CB8AC3E}">
-        <p14:creationId xmlns:p14="http://schemas.microsoft.com/office/powerpoint/2010/main" val="796270880"/>
+        <p14:creationId xmlns:p14="http://schemas.microsoft.com/office/powerpoint/2010/main" val="2849295536"/>
       </p:ext>
     </p:extLst>
   </p:cSld>
@@ -1903,29 +2178,14 @@
           <a:bodyPr/>
           <a:lstStyle/>
           <a:p>
-            <a:pPr marL="0" marR="0" indent="0" algn="l" defTabSz="457200" rtl="0" eaLnBrk="1" fontAlgn="auto" latinLnBrk="0" hangingPunct="1">
-              <a:lnSpc>
-                <a:spcPct val="100000"/>
-              </a:lnSpc>
-              <a:spcBef>
-                <a:spcPts val="0"/>
-              </a:spcBef>
-              <a:spcAft>
-                <a:spcPts val="0"/>
-              </a:spcAft>
-              <a:buClrTx/>
-              <a:buSzTx/>
-              <a:buFontTx/>
-              <a:buNone/>
-              <a:tabLst/>
-              <a:defRPr/>
-            </a:pPr>
             <a:r>
-              <a:rPr lang="en-GB" baseline="0" dirty="0" smtClean="0"/>
-              <a:t>Then what can we do? &lt;click&gt;</a:t>
+              <a:rPr lang="en-US" dirty="0" smtClean="0"/>
+              <a:t>A nice a</a:t>
             </a:r>
-          </a:p>
-          <a:p>
+            <a:r>
+              <a:rPr lang="en-US" baseline="0" dirty="0" smtClean="0"/>
+              <a:t> layered cake, looks more tasty</a:t>
+            </a:r>
             <a:endParaRPr lang="en-US" dirty="0"/>
           </a:p>
         </p:txBody>
@@ -1956,7 +2216,7 @@
     </p:spTree>
     <p:extLst>
       <p:ext uri="{BB962C8B-B14F-4D97-AF65-F5344CB8AC3E}">
-        <p14:creationId xmlns:p14="http://schemas.microsoft.com/office/powerpoint/2010/main" val="2849295536"/>
+        <p14:creationId xmlns:p14="http://schemas.microsoft.com/office/powerpoint/2010/main" val="1797592551"/>
       </p:ext>
     </p:extLst>
   </p:cSld>
@@ -2012,11 +2272,128 @@
           <a:p>
             <a:r>
               <a:rPr lang="en-US" dirty="0" smtClean="0"/>
-              <a:t>A nice a</a:t>
+              <a:t>Controller</a:t>
+            </a:r>
+            <a:endParaRPr lang="en-US" baseline="0" dirty="0" smtClean="0"/>
+          </a:p>
+          <a:p>
+            <a:endParaRPr lang="en-US" baseline="0" dirty="0" smtClean="0"/>
+          </a:p>
+          <a:p>
+            <a:r>
+              <a:rPr lang="en-US" baseline="0" dirty="0" smtClean="0"/>
+              <a:t>Business Logic</a:t>
+            </a:r>
+          </a:p>
+          <a:p>
+            <a:endParaRPr lang="en-US" baseline="0" dirty="0" smtClean="0"/>
+          </a:p>
+          <a:p>
+            <a:r>
+              <a:rPr lang="en-US" baseline="0" dirty="0" smtClean="0"/>
+              <a:t>Adapter</a:t>
+            </a:r>
+          </a:p>
+          <a:p>
+            <a:endParaRPr lang="en-US" baseline="0" dirty="0" smtClean="0"/>
+          </a:p>
+          <a:p>
+            <a:r>
+              <a:rPr lang="en-US" baseline="0" dirty="0" smtClean="0"/>
+              <a:t>Data</a:t>
+            </a:r>
+          </a:p>
+          <a:p>
+            <a:endParaRPr lang="en-US" baseline="0" dirty="0" smtClean="0"/>
+          </a:p>
+          <a:p>
+            <a:r>
+              <a:rPr lang="en-US" baseline="0" dirty="0" smtClean="0"/>
+              <a:t>Going back to the fruit cake</a:t>
+            </a:r>
+          </a:p>
+          <a:p>
+            <a:endParaRPr lang="en-US" baseline="0" dirty="0" smtClean="0"/>
+          </a:p>
+          <a:p>
+            <a:r>
+              <a:rPr lang="en-US" baseline="0" dirty="0" smtClean="0"/>
+              <a:t>Usually setup as separate classes/projects.</a:t>
+            </a:r>
+          </a:p>
+          <a:p>
+            <a:endParaRPr lang="en-US" baseline="0" dirty="0" smtClean="0"/>
+          </a:p>
+          <a:p>
+            <a:r>
+              <a:rPr lang="en-US" baseline="0" dirty="0" smtClean="0"/>
+              <a:t>Lets see an example!!</a:t>
+            </a:r>
+          </a:p>
+          <a:p>
+            <a:endParaRPr lang="en-US" baseline="0" dirty="0" smtClean="0"/>
+          </a:p>
+          <a:p>
+            <a:endParaRPr lang="en-US" baseline="0" dirty="0" smtClean="0"/>
+          </a:p>
+          <a:p>
+            <a:r>
+              <a:rPr lang="en-US" baseline="0" dirty="0" smtClean="0"/>
+              <a:t>But if we use layers, the objects that deal with a layer do they need to know what is below them?</a:t>
+            </a:r>
+          </a:p>
+          <a:p>
+            <a:r>
+              <a:rPr lang="en-US" baseline="0" dirty="0" err="1" smtClean="0"/>
+              <a:t>Owin</a:t>
             </a:r>
             <a:r>
               <a:rPr lang="en-US" baseline="0" dirty="0" smtClean="0"/>
-              <a:t> layered cake, looks more tasty</a:t>
+              <a:t> middleware how to deal with it kind of nicely. Static language is on the way.</a:t>
+            </a:r>
+          </a:p>
+          <a:p>
+            <a:endParaRPr lang="en-US" baseline="0" dirty="0" smtClean="0"/>
+          </a:p>
+          <a:p>
+            <a:endParaRPr lang="en-US" baseline="0" dirty="0" smtClean="0"/>
+          </a:p>
+          <a:p>
+            <a:r>
+              <a:rPr lang="en-US" baseline="0" dirty="0" smtClean="0"/>
+              <a:t>But what happens when we need to add a new endpoint, or modify or improve one of the others?</a:t>
+            </a:r>
+          </a:p>
+          <a:p>
+            <a:endParaRPr lang="en-US" baseline="0" dirty="0" smtClean="0"/>
+          </a:p>
+          <a:p>
+            <a:r>
+              <a:rPr lang="en-US" baseline="0" dirty="0" smtClean="0"/>
+              <a:t>But layers are logical, not the actual separation of projects on your code.</a:t>
+            </a:r>
+          </a:p>
+          <a:p>
+            <a:endParaRPr lang="en-US" dirty="0" smtClean="0"/>
+          </a:p>
+          <a:p>
+            <a:endParaRPr lang="en-US" dirty="0" smtClean="0"/>
+          </a:p>
+          <a:p>
+            <a:endParaRPr lang="en-US" dirty="0" smtClean="0"/>
+          </a:p>
+          <a:p>
+            <a:r>
+              <a:rPr lang="en-US" dirty="0" smtClean="0"/>
+              <a:t>Show </a:t>
+            </a:r>
+            <a:r>
+              <a:rPr lang="en-US" dirty="0" err="1" smtClean="0"/>
+              <a:t>Promocode</a:t>
+            </a:r>
+            <a:r>
+              <a:rPr lang="en-US" dirty="0" smtClean="0"/>
+              <a:t> before any change</a:t>
             </a:r>
             <a:endParaRPr lang="en-US" dirty="0"/>
           </a:p>
@@ -2048,7 +2425,7 @@
     </p:spTree>
     <p:extLst>
       <p:ext uri="{BB962C8B-B14F-4D97-AF65-F5344CB8AC3E}">
-        <p14:creationId xmlns:p14="http://schemas.microsoft.com/office/powerpoint/2010/main" val="1797592551"/>
+        <p14:creationId xmlns:p14="http://schemas.microsoft.com/office/powerpoint/2010/main" val="748940058"/>
       </p:ext>
     </p:extLst>
   </p:cSld>
@@ -2104,132 +2481,11 @@
           <a:p>
             <a:r>
               <a:rPr lang="en-US" dirty="0" smtClean="0"/>
-              <a:t>Controller</a:t>
-            </a:r>
-            <a:endParaRPr lang="en-US" baseline="0" dirty="0" smtClean="0"/>
-          </a:p>
-          <a:p>
-            <a:endParaRPr lang="en-US" baseline="0" dirty="0" smtClean="0"/>
-          </a:p>
-          <a:p>
-            <a:r>
-              <a:rPr lang="en-US" baseline="0" dirty="0" smtClean="0"/>
-              <a:t>Business Logic</a:t>
-            </a:r>
-          </a:p>
-          <a:p>
-            <a:endParaRPr lang="en-US" baseline="0" dirty="0" smtClean="0"/>
-          </a:p>
-          <a:p>
-            <a:r>
-              <a:rPr lang="en-US" baseline="0" dirty="0" smtClean="0"/>
-              <a:t>Adapter</a:t>
-            </a:r>
-          </a:p>
-          <a:p>
-            <a:endParaRPr lang="en-US" baseline="0" dirty="0" smtClean="0"/>
-          </a:p>
-          <a:p>
-            <a:r>
-              <a:rPr lang="en-US" baseline="0" dirty="0" smtClean="0"/>
-              <a:t>Data</a:t>
-            </a:r>
-          </a:p>
-          <a:p>
-            <a:endParaRPr lang="en-US" baseline="0" dirty="0" smtClean="0"/>
-          </a:p>
-          <a:p>
-            <a:r>
-              <a:rPr lang="en-US" baseline="0" dirty="0" smtClean="0"/>
-              <a:t>Going back to the fruit cake</a:t>
-            </a:r>
-          </a:p>
-          <a:p>
-            <a:endParaRPr lang="en-US" baseline="0" dirty="0" smtClean="0"/>
-          </a:p>
-          <a:p>
-            <a:r>
-              <a:rPr lang="en-US" baseline="0" dirty="0" smtClean="0"/>
-              <a:t>Usually setup as separate </a:t>
+              <a:t>Another way of looking at this. What if you want one</a:t>
             </a:r>
             <a:r>
               <a:rPr lang="en-US" baseline="0" dirty="0" smtClean="0"/>
-              <a:t>classes/projects.</a:t>
-            </a:r>
-          </a:p>
-          <a:p>
-            <a:endParaRPr lang="en-US" baseline="0" dirty="0" smtClean="0"/>
-          </a:p>
-          <a:p>
-            <a:r>
-              <a:rPr lang="en-US" baseline="0" dirty="0" smtClean="0"/>
-              <a:t>Lets see an example!!</a:t>
-            </a:r>
-          </a:p>
-          <a:p>
-            <a:endParaRPr lang="en-US" baseline="0" dirty="0" smtClean="0"/>
-          </a:p>
-          <a:p>
-            <a:endParaRPr lang="en-US" baseline="0" dirty="0" smtClean="0"/>
-          </a:p>
-          <a:p>
-            <a:r>
-              <a:rPr lang="en-US" baseline="0" dirty="0" smtClean="0"/>
-              <a:t>But if we use layers, the objects that deal with a layer do they need to know what is below them?</a:t>
-            </a:r>
-          </a:p>
-          <a:p>
-            <a:r>
-              <a:rPr lang="en-US" baseline="0" dirty="0" err="1" smtClean="0"/>
-              <a:t>Owin</a:t>
-            </a:r>
-            <a:r>
-              <a:rPr lang="en-US" baseline="0" dirty="0" smtClean="0"/>
-              <a:t> middleware how to deal with it kind of nicely. Static language is on the way.</a:t>
-            </a:r>
-          </a:p>
-          <a:p>
-            <a:endParaRPr lang="en-US" baseline="0" dirty="0" smtClean="0"/>
-          </a:p>
-          <a:p>
-            <a:endParaRPr lang="en-US" baseline="0" dirty="0" smtClean="0"/>
-          </a:p>
-          <a:p>
-            <a:r>
-              <a:rPr lang="en-US" baseline="0" dirty="0" smtClean="0"/>
-              <a:t>But what happens when we need to add a new endpoint, or modify or improve one of the others?</a:t>
-            </a:r>
-          </a:p>
-          <a:p>
-            <a:endParaRPr lang="en-US" baseline="0" dirty="0" smtClean="0"/>
-          </a:p>
-          <a:p>
-            <a:r>
-              <a:rPr lang="en-US" baseline="0" dirty="0" smtClean="0"/>
-              <a:t>But layers are logical, not the actual separation of projects on your code.</a:t>
-            </a:r>
-          </a:p>
-          <a:p>
-            <a:endParaRPr lang="en-US" dirty="0" smtClean="0"/>
-          </a:p>
-          <a:p>
-            <a:endParaRPr lang="en-US" dirty="0" smtClean="0"/>
-          </a:p>
-          <a:p>
-            <a:endParaRPr lang="en-US" dirty="0" smtClean="0"/>
-          </a:p>
-          <a:p>
-            <a:r>
-              <a:rPr lang="en-US" dirty="0" smtClean="0"/>
-              <a:t>Show </a:t>
-            </a:r>
-            <a:r>
-              <a:rPr lang="en-US" dirty="0" err="1" smtClean="0"/>
-              <a:t>Promocode</a:t>
-            </a:r>
-            <a:r>
-              <a:rPr lang="en-US" dirty="0" smtClean="0"/>
-              <a:t> before any change</a:t>
+              <a:t> slice to be different to the rest?</a:t>
             </a:r>
             <a:endParaRPr lang="en-US" dirty="0"/>
           </a:p>
@@ -2261,7 +2517,7 @@
     </p:spTree>
     <p:extLst>
       <p:ext uri="{BB962C8B-B14F-4D97-AF65-F5344CB8AC3E}">
-        <p14:creationId xmlns:p14="http://schemas.microsoft.com/office/powerpoint/2010/main" val="748940058"/>
+        <p14:creationId xmlns:p14="http://schemas.microsoft.com/office/powerpoint/2010/main" val="1797592551"/>
       </p:ext>
     </p:extLst>
   </p:cSld>
@@ -2554,7 +2810,7 @@
           <a:p>
             <a:fld id="{B01F9CA3-105E-4857-9057-6DB6197DA786}" type="datetimeFigureOut">
               <a:rPr lang="en-US" smtClean="0"/>
-              <a:t>27/02/16</a:t>
+              <a:t>14/03/16</a:t>
             </a:fld>
             <a:endParaRPr lang="en-US"/>
           </a:p>
@@ -2746,7 +3002,7 @@
           <a:p>
             <a:fld id="{B01F9CA3-105E-4857-9057-6DB6197DA786}" type="datetimeFigureOut">
               <a:rPr lang="en-US" smtClean="0"/>
-              <a:t>27/02/16</a:t>
+              <a:t>14/03/16</a:t>
             </a:fld>
             <a:endParaRPr lang="en-US"/>
           </a:p>
@@ -3015,7 +3271,7 @@
           <a:p>
             <a:fld id="{B01F9CA3-105E-4857-9057-6DB6197DA786}" type="datetimeFigureOut">
               <a:rPr lang="en-US" smtClean="0"/>
-              <a:t>27/02/16</a:t>
+              <a:t>14/03/16</a:t>
             </a:fld>
             <a:endParaRPr lang="en-US"/>
           </a:p>
@@ -3194,7 +3450,7 @@
           <a:p>
             <a:fld id="{B01F9CA3-105E-4857-9057-6DB6197DA786}" type="datetimeFigureOut">
               <a:rPr lang="en-US" smtClean="0"/>
-              <a:t>27/02/16</a:t>
+              <a:t>14/03/16</a:t>
             </a:fld>
             <a:endParaRPr lang="en-US"/>
           </a:p>
@@ -3363,7 +3619,7 @@
           <a:p>
             <a:fld id="{B01F9CA3-105E-4857-9057-6DB6197DA786}" type="datetimeFigureOut">
               <a:rPr lang="en-US" smtClean="0"/>
-              <a:t>27/02/16</a:t>
+              <a:t>14/03/16</a:t>
             </a:fld>
             <a:endParaRPr lang="en-US"/>
           </a:p>
@@ -3605,7 +3861,7 @@
           <a:p>
             <a:fld id="{B01F9CA3-105E-4857-9057-6DB6197DA786}" type="datetimeFigureOut">
               <a:rPr lang="en-US" smtClean="0"/>
-              <a:t>27/02/16</a:t>
+              <a:t>14/03/16</a:t>
             </a:fld>
             <a:endParaRPr lang="en-US"/>
           </a:p>
@@ -3928,7 +4184,7 @@
           <a:p>
             <a:fld id="{B01F9CA3-105E-4857-9057-6DB6197DA786}" type="datetimeFigureOut">
               <a:rPr lang="en-US" smtClean="0"/>
-              <a:t>27/02/16</a:t>
+              <a:t>14/03/16</a:t>
             </a:fld>
             <a:endParaRPr lang="en-US"/>
           </a:p>
@@ -4226,7 +4482,7 @@
           <a:p>
             <a:fld id="{B01F9CA3-105E-4857-9057-6DB6197DA786}" type="datetimeFigureOut">
               <a:rPr lang="en-US" smtClean="0"/>
-              <a:t>27/02/16</a:t>
+              <a:t>14/03/16</a:t>
             </a:fld>
             <a:endParaRPr lang="en-US"/>
           </a:p>
@@ -4682,7 +4938,7 @@
           <a:p>
             <a:fld id="{B01F9CA3-105E-4857-9057-6DB6197DA786}" type="datetimeFigureOut">
               <a:rPr lang="en-US" smtClean="0"/>
-              <a:t>27/02/16</a:t>
+              <a:t>14/03/16</a:t>
             </a:fld>
             <a:endParaRPr lang="en-US"/>
           </a:p>
@@ -4795,7 +5051,7 @@
           <a:p>
             <a:fld id="{B01F9CA3-105E-4857-9057-6DB6197DA786}" type="datetimeFigureOut">
               <a:rPr lang="en-US" smtClean="0"/>
-              <a:t>27/02/16</a:t>
+              <a:t>14/03/16</a:t>
             </a:fld>
             <a:endParaRPr lang="en-US"/>
           </a:p>
@@ -4885,7 +5141,7 @@
           <a:p>
             <a:fld id="{B01F9CA3-105E-4857-9057-6DB6197DA786}" type="datetimeFigureOut">
               <a:rPr lang="en-US" smtClean="0"/>
-              <a:t>27/02/16</a:t>
+              <a:t>14/03/16</a:t>
             </a:fld>
             <a:endParaRPr lang="en-US"/>
           </a:p>
@@ -5167,7 +5423,7 @@
           <a:p>
             <a:fld id="{B01F9CA3-105E-4857-9057-6DB6197DA786}" type="datetimeFigureOut">
               <a:rPr lang="en-US" smtClean="0"/>
-              <a:t>27/02/16</a:t>
+              <a:t>14/03/16</a:t>
             </a:fld>
             <a:endParaRPr lang="en-US"/>
           </a:p>
@@ -5373,7 +5629,7 @@
           <a:p>
             <a:fld id="{B01F9CA3-105E-4857-9057-6DB6197DA786}" type="datetimeFigureOut">
               <a:rPr lang="en-US" smtClean="0"/>
-              <a:t>27/02/16</a:t>
+              <a:t>14/03/16</a:t>
             </a:fld>
             <a:endParaRPr lang="en-US"/>
           </a:p>
@@ -11465,6 +11721,434 @@
       </p:grpSpPr>
       <p:pic>
         <p:nvPicPr>
+          <p:cNvPr id="5" name="Thinking Bill"/>
+          <p:cNvPicPr>
+            <a:picLocks noChangeAspect="1"/>
+          </p:cNvPicPr>
+          <p:nvPr/>
+        </p:nvPicPr>
+        <p:blipFill>
+          <a:blip r:embed="rId3" cstate="email">
+            <a:extLst>
+              <a:ext uri="{28A0092B-C50C-407E-A947-70E740481C1C}">
+                <a14:useLocalDpi xmlns:a14="http://schemas.microsoft.com/office/drawing/2010/main" val="0"/>
+              </a:ext>
+            </a:extLst>
+          </a:blip>
+          <a:stretch>
+            <a:fillRect/>
+          </a:stretch>
+        </p:blipFill>
+        <p:spPr>
+          <a:xfrm>
+            <a:off x="-184830" y="2539686"/>
+            <a:ext cx="3962400" cy="2971800"/>
+          </a:xfrm>
+          <a:prstGeom prst="rect">
+            <a:avLst/>
+          </a:prstGeom>
+        </p:spPr>
+      </p:pic>
+      <p:pic>
+        <p:nvPicPr>
+          <p:cNvPr id="9" name="Basic Bill"/>
+          <p:cNvPicPr>
+            <a:picLocks noChangeAspect="1"/>
+          </p:cNvPicPr>
+          <p:nvPr/>
+        </p:nvPicPr>
+        <p:blipFill>
+          <a:blip r:embed="rId4" cstate="email">
+            <a:extLst>
+              <a:ext uri="{28A0092B-C50C-407E-A947-70E740481C1C}">
+                <a14:useLocalDpi xmlns:a14="http://schemas.microsoft.com/office/drawing/2010/main" val="0"/>
+              </a:ext>
+            </a:extLst>
+          </a:blip>
+          <a:stretch>
+            <a:fillRect/>
+          </a:stretch>
+        </p:blipFill>
+        <p:spPr>
+          <a:xfrm>
+            <a:off x="-184830" y="2539686"/>
+            <a:ext cx="3962400" cy="2971800"/>
+          </a:xfrm>
+          <a:prstGeom prst="rect">
+            <a:avLst/>
+          </a:prstGeom>
+        </p:spPr>
+      </p:pic>
+      <p:sp>
+        <p:nvSpPr>
+          <p:cNvPr id="2" name="Explosion 1 1"/>
+          <p:cNvSpPr/>
+          <p:nvPr/>
+        </p:nvSpPr>
+        <p:spPr>
+          <a:xfrm>
+            <a:off x="4108102" y="0"/>
+            <a:ext cx="4564558" cy="3412878"/>
+          </a:xfrm>
+          <a:prstGeom prst="irregularSeal1">
+            <a:avLst/>
+          </a:prstGeom>
+        </p:spPr>
+        <p:style>
+          <a:lnRef idx="1">
+            <a:schemeClr val="accent6"/>
+          </a:lnRef>
+          <a:fillRef idx="2">
+            <a:schemeClr val="accent6"/>
+          </a:fillRef>
+          <a:effectRef idx="1">
+            <a:schemeClr val="accent6"/>
+          </a:effectRef>
+          <a:fontRef idx="minor">
+            <a:schemeClr val="dk1"/>
+          </a:fontRef>
+        </p:style>
+        <p:txBody>
+          <a:bodyPr rtlCol="0" anchor="ctr"/>
+          <a:lstStyle/>
+          <a:p>
+            <a:pPr algn="ctr"/>
+            <a:r>
+              <a:rPr lang="en-US" sz="3200" dirty="0" smtClean="0">
+                <a:solidFill>
+                  <a:schemeClr val="bg1"/>
+                </a:solidFill>
+              </a:rPr>
+              <a:t>Duplication</a:t>
+            </a:r>
+            <a:endParaRPr lang="en-US" sz="3200" dirty="0">
+              <a:solidFill>
+                <a:schemeClr val="bg1"/>
+              </a:solidFill>
+            </a:endParaRPr>
+          </a:p>
+        </p:txBody>
+      </p:sp>
+      <p:sp>
+        <p:nvSpPr>
+          <p:cNvPr id="3" name="Explosion 1 2"/>
+          <p:cNvSpPr/>
+          <p:nvPr/>
+        </p:nvSpPr>
+        <p:spPr>
+          <a:xfrm>
+            <a:off x="4440521" y="3115243"/>
+            <a:ext cx="4564558" cy="3412878"/>
+          </a:xfrm>
+          <a:prstGeom prst="irregularSeal1">
+            <a:avLst/>
+          </a:prstGeom>
+        </p:spPr>
+        <p:style>
+          <a:lnRef idx="1">
+            <a:schemeClr val="accent3"/>
+          </a:lnRef>
+          <a:fillRef idx="2">
+            <a:schemeClr val="accent3"/>
+          </a:fillRef>
+          <a:effectRef idx="1">
+            <a:schemeClr val="accent3"/>
+          </a:effectRef>
+          <a:fontRef idx="minor">
+            <a:schemeClr val="dk1"/>
+          </a:fontRef>
+        </p:style>
+        <p:txBody>
+          <a:bodyPr rtlCol="0" anchor="ctr"/>
+          <a:lstStyle/>
+          <a:p>
+            <a:pPr algn="ctr"/>
+            <a:r>
+              <a:rPr lang="en-US" sz="3200" dirty="0" smtClean="0">
+                <a:solidFill>
+                  <a:schemeClr val="bg1"/>
+                </a:solidFill>
+              </a:rPr>
+              <a:t>Granularity</a:t>
+            </a:r>
+            <a:endParaRPr lang="en-US" sz="3200" dirty="0">
+              <a:solidFill>
+                <a:schemeClr val="bg1"/>
+              </a:solidFill>
+            </a:endParaRPr>
+          </a:p>
+        </p:txBody>
+      </p:sp>
+      <p:sp>
+        <p:nvSpPr>
+          <p:cNvPr id="10" name="TextBox 9"/>
+          <p:cNvSpPr txBox="1"/>
+          <p:nvPr/>
+        </p:nvSpPr>
+        <p:spPr>
+          <a:xfrm>
+            <a:off x="-3614615" y="3595077"/>
+            <a:ext cx="184666" cy="369332"/>
+          </a:xfrm>
+          <a:prstGeom prst="rect">
+            <a:avLst/>
+          </a:prstGeom>
+          <a:noFill/>
+        </p:spPr>
+        <p:txBody>
+          <a:bodyPr wrap="none" rtlCol="0">
+            <a:spAutoFit/>
+          </a:bodyPr>
+          <a:lstStyle/>
+          <a:p>
+            <a:endParaRPr lang="en-US" dirty="0"/>
+          </a:p>
+        </p:txBody>
+      </p:sp>
+    </p:spTree>
+    <p:extLst>
+      <p:ext uri="{BB962C8B-B14F-4D97-AF65-F5344CB8AC3E}">
+        <p14:creationId xmlns:p14="http://schemas.microsoft.com/office/powerpoint/2010/main" val="2253251484"/>
+      </p:ext>
+    </p:extLst>
+  </p:cSld>
+  <p:clrMapOvr>
+    <a:masterClrMapping/>
+  </p:clrMapOvr>
+  <p:timing>
+    <p:tnLst>
+      <p:par>
+        <p:cTn xmlns:p14="http://schemas.microsoft.com/office/powerpoint/2010/main" id="1" dur="indefinite" restart="never" nodeType="tmRoot">
+          <p:childTnLst>
+            <p:seq concurrent="1" nextAc="seek">
+              <p:cTn id="2" dur="indefinite" nodeType="mainSeq">
+                <p:childTnLst>
+                  <p:par>
+                    <p:cTn id="3" fill="hold">
+                      <p:stCondLst>
+                        <p:cond delay="indefinite"/>
+                      </p:stCondLst>
+                      <p:childTnLst>
+                        <p:par>
+                          <p:cTn id="4" fill="hold">
+                            <p:stCondLst>
+                              <p:cond delay="0"/>
+                            </p:stCondLst>
+                            <p:childTnLst>
+                              <p:par>
+                                <p:cTn id="5" presetID="20" presetClass="entr" presetSubtype="0" fill="hold" grpId="0" nodeType="clickEffect">
+                                  <p:stCondLst>
+                                    <p:cond delay="0"/>
+                                  </p:stCondLst>
+                                  <p:childTnLst>
+                                    <p:set>
+                                      <p:cBhvr>
+                                        <p:cTn id="6" dur="1" fill="hold">
+                                          <p:stCondLst>
+                                            <p:cond delay="0"/>
+                                          </p:stCondLst>
+                                        </p:cTn>
+                                        <p:tgtEl>
+                                          <p:spTgt spid="2"/>
+                                        </p:tgtEl>
+                                        <p:attrNameLst>
+                                          <p:attrName>style.visibility</p:attrName>
+                                        </p:attrNameLst>
+                                      </p:cBhvr>
+                                      <p:to>
+                                        <p:strVal val="visible"/>
+                                      </p:to>
+                                    </p:set>
+                                    <p:animEffect transition="in" filter="wedge">
+                                      <p:cBhvr>
+                                        <p:cTn id="7" dur="1000"/>
+                                        <p:tgtEl>
+                                          <p:spTgt spid="2"/>
+                                        </p:tgtEl>
+                                      </p:cBhvr>
+                                    </p:animEffect>
+                                  </p:childTnLst>
+                                </p:cTn>
+                              </p:par>
+                            </p:childTnLst>
+                          </p:cTn>
+                        </p:par>
+                      </p:childTnLst>
+                    </p:cTn>
+                  </p:par>
+                  <p:par>
+                    <p:cTn id="8" fill="hold">
+                      <p:stCondLst>
+                        <p:cond delay="indefinite"/>
+                      </p:stCondLst>
+                      <p:childTnLst>
+                        <p:par>
+                          <p:cTn id="9" fill="hold">
+                            <p:stCondLst>
+                              <p:cond delay="0"/>
+                            </p:stCondLst>
+                            <p:childTnLst>
+                              <p:par>
+                                <p:cTn id="10" presetID="1" presetClass="exit" presetSubtype="0" fill="hold" nodeType="clickEffect">
+                                  <p:stCondLst>
+                                    <p:cond delay="0"/>
+                                  </p:stCondLst>
+                                  <p:childTnLst>
+                                    <p:set>
+                                      <p:cBhvr>
+                                        <p:cTn id="11" dur="1" fill="hold">
+                                          <p:stCondLst>
+                                            <p:cond delay="0"/>
+                                          </p:stCondLst>
+                                        </p:cTn>
+                                        <p:tgtEl>
+                                          <p:spTgt spid="9"/>
+                                        </p:tgtEl>
+                                        <p:attrNameLst>
+                                          <p:attrName>style.visibility</p:attrName>
+                                        </p:attrNameLst>
+                                      </p:cBhvr>
+                                      <p:to>
+                                        <p:strVal val="hidden"/>
+                                      </p:to>
+                                    </p:set>
+                                  </p:childTnLst>
+                                </p:cTn>
+                              </p:par>
+                              <p:par>
+                                <p:cTn id="12" presetID="1" presetClass="entr" presetSubtype="0" fill="hold" nodeType="withEffect">
+                                  <p:stCondLst>
+                                    <p:cond delay="0"/>
+                                  </p:stCondLst>
+                                  <p:childTnLst>
+                                    <p:set>
+                                      <p:cBhvr>
+                                        <p:cTn id="13" dur="1" fill="hold">
+                                          <p:stCondLst>
+                                            <p:cond delay="0"/>
+                                          </p:stCondLst>
+                                        </p:cTn>
+                                        <p:tgtEl>
+                                          <p:spTgt spid="5"/>
+                                        </p:tgtEl>
+                                        <p:attrNameLst>
+                                          <p:attrName>style.visibility</p:attrName>
+                                        </p:attrNameLst>
+                                      </p:cBhvr>
+                                      <p:to>
+                                        <p:strVal val="visible"/>
+                                      </p:to>
+                                    </p:set>
+                                  </p:childTnLst>
+                                </p:cTn>
+                              </p:par>
+                            </p:childTnLst>
+                          </p:cTn>
+                        </p:par>
+                      </p:childTnLst>
+                    </p:cTn>
+                  </p:par>
+                  <p:par>
+                    <p:cTn id="14" fill="hold">
+                      <p:stCondLst>
+                        <p:cond delay="indefinite"/>
+                      </p:stCondLst>
+                      <p:childTnLst>
+                        <p:par>
+                          <p:cTn id="15" fill="hold">
+                            <p:stCondLst>
+                              <p:cond delay="0"/>
+                            </p:stCondLst>
+                            <p:childTnLst>
+                              <p:par>
+                                <p:cTn id="16" presetID="20" presetClass="entr" presetSubtype="0" fill="hold" grpId="0" nodeType="clickEffect">
+                                  <p:stCondLst>
+                                    <p:cond delay="0"/>
+                                  </p:stCondLst>
+                                  <p:childTnLst>
+                                    <p:set>
+                                      <p:cBhvr>
+                                        <p:cTn id="17" dur="1" fill="hold">
+                                          <p:stCondLst>
+                                            <p:cond delay="0"/>
+                                          </p:stCondLst>
+                                        </p:cTn>
+                                        <p:tgtEl>
+                                          <p:spTgt spid="3"/>
+                                        </p:tgtEl>
+                                        <p:attrNameLst>
+                                          <p:attrName>style.visibility</p:attrName>
+                                        </p:attrNameLst>
+                                      </p:cBhvr>
+                                      <p:to>
+                                        <p:strVal val="visible"/>
+                                      </p:to>
+                                    </p:set>
+                                    <p:animEffect transition="in" filter="wedge">
+                                      <p:cBhvr>
+                                        <p:cTn id="18" dur="1000"/>
+                                        <p:tgtEl>
+                                          <p:spTgt spid="3"/>
+                                        </p:tgtEl>
+                                      </p:cBhvr>
+                                    </p:animEffect>
+                                  </p:childTnLst>
+                                </p:cTn>
+                              </p:par>
+                            </p:childTnLst>
+                          </p:cTn>
+                        </p:par>
+                      </p:childTnLst>
+                    </p:cTn>
+                  </p:par>
+                </p:childTnLst>
+              </p:cTn>
+              <p:prevCondLst>
+                <p:cond evt="onPrev" delay="0">
+                  <p:tgtEl>
+                    <p:sldTgt/>
+                  </p:tgtEl>
+                </p:cond>
+              </p:prevCondLst>
+              <p:nextCondLst>
+                <p:cond evt="onNext" delay="0">
+                  <p:tgtEl>
+                    <p:sldTgt/>
+                  </p:tgtEl>
+                </p:cond>
+              </p:nextCondLst>
+            </p:seq>
+          </p:childTnLst>
+        </p:cTn>
+      </p:par>
+    </p:tnLst>
+    <p:bldLst>
+      <p:bldP spid="2" grpId="0" animBg="1"/>
+      <p:bldP spid="3" grpId="0" animBg="1"/>
+    </p:bldLst>
+  </p:timing>
+</p:sld>
+</file>
+
+<file path=ppt/slides/slide13.xml><?xml version="1.0" encoding="utf-8"?>
+<p:sld xmlns:a="http://schemas.openxmlformats.org/drawingml/2006/main" xmlns:r="http://schemas.openxmlformats.org/officeDocument/2006/relationships" xmlns:p="http://schemas.openxmlformats.org/presentationml/2006/main">
+  <p:cSld>
+    <p:spTree>
+      <p:nvGrpSpPr>
+        <p:cNvPr id="1" name=""/>
+        <p:cNvGrpSpPr/>
+        <p:nvPr/>
+      </p:nvGrpSpPr>
+      <p:grpSpPr>
+        <a:xfrm>
+          <a:off x="0" y="0"/>
+          <a:ext cx="0" cy="0"/>
+          <a:chOff x="0" y="0"/>
+          <a:chExt cx="0" cy="0"/>
+        </a:xfrm>
+      </p:grpSpPr>
+      <p:pic>
+        <p:nvPicPr>
           <p:cNvPr id="3" name="Picture 2"/>
           <p:cNvPicPr>
             <a:picLocks noChangeAspect="1"/>
@@ -11543,7 +12227,7 @@
 </p:sld>
 </file>
 
-<file path=ppt/slides/slide13.xml><?xml version="1.0" encoding="utf-8"?>
+<file path=ppt/slides/slide14.xml><?xml version="1.0" encoding="utf-8"?>
 <p:sld xmlns:a="http://schemas.openxmlformats.org/drawingml/2006/main" xmlns:r="http://schemas.openxmlformats.org/officeDocument/2006/relationships" xmlns:p="http://schemas.openxmlformats.org/presentationml/2006/main">
   <p:cSld>
     <p:spTree>
@@ -11917,7 +12601,99 @@
 </p:sld>
 </file>
 
-<file path=ppt/slides/slide14.xml><?xml version="1.0" encoding="utf-8"?>
+<file path=ppt/slides/slide15.xml><?xml version="1.0" encoding="utf-8"?>
+<p:sld xmlns:a="http://schemas.openxmlformats.org/drawingml/2006/main" xmlns:r="http://schemas.openxmlformats.org/officeDocument/2006/relationships" xmlns:p="http://schemas.openxmlformats.org/presentationml/2006/main">
+  <p:cSld>
+    <p:spTree>
+      <p:nvGrpSpPr>
+        <p:cNvPr id="1" name=""/>
+        <p:cNvGrpSpPr/>
+        <p:nvPr/>
+      </p:nvGrpSpPr>
+      <p:grpSpPr>
+        <a:xfrm>
+          <a:off x="0" y="0"/>
+          <a:ext cx="0" cy="0"/>
+          <a:chOff x="0" y="0"/>
+          <a:chExt cx="0" cy="0"/>
+        </a:xfrm>
+      </p:grpSpPr>
+      <p:sp>
+        <p:nvSpPr>
+          <p:cNvPr id="2" name="Q&amp;A"/>
+          <p:cNvSpPr/>
+          <p:nvPr/>
+        </p:nvSpPr>
+        <p:spPr>
+          <a:xfrm>
+            <a:off x="3180433" y="299415"/>
+            <a:ext cx="2783134" cy="1569660"/>
+          </a:xfrm>
+          <a:prstGeom prst="rect">
+            <a:avLst/>
+          </a:prstGeom>
+          <a:noFill/>
+        </p:spPr>
+        <p:txBody>
+          <a:bodyPr wrap="none" lIns="91440" tIns="45720" rIns="91440" bIns="45720">
+            <a:spAutoFit/>
+          </a:bodyPr>
+          <a:lstStyle/>
+          <a:p>
+            <a:pPr algn="ctr"/>
+            <a:r>
+              <a:rPr lang="en-US" sz="9600" b="0" cap="none" spc="0" dirty="0" smtClean="0">
+                <a:ln w="0"/>
+                <a:solidFill>
+                  <a:schemeClr val="accent1"/>
+                </a:solidFill>
+                <a:effectLst>
+                  <a:outerShdw blurRad="38100" dist="25400" dir="5400000" algn="ctr" rotWithShape="0">
+                    <a:srgbClr val="6E747A">
+                      <a:alpha val="43000"/>
+                    </a:srgbClr>
+                  </a:outerShdw>
+                </a:effectLst>
+              </a:rPr>
+              <a:t>Q&amp;A</a:t>
+            </a:r>
+            <a:endParaRPr lang="en-US" sz="9600" b="0" cap="none" spc="0" dirty="0">
+              <a:ln w="0"/>
+              <a:solidFill>
+                <a:schemeClr val="accent1"/>
+              </a:solidFill>
+              <a:effectLst>
+                <a:outerShdw blurRad="38100" dist="25400" dir="5400000" algn="ctr" rotWithShape="0">
+                  <a:srgbClr val="6E747A">
+                    <a:alpha val="43000"/>
+                  </a:srgbClr>
+                </a:outerShdw>
+              </a:effectLst>
+            </a:endParaRPr>
+          </a:p>
+        </p:txBody>
+      </p:sp>
+    </p:spTree>
+    <p:extLst>
+      <p:ext uri="{BB962C8B-B14F-4D97-AF65-F5344CB8AC3E}">
+        <p14:creationId xmlns:p14="http://schemas.microsoft.com/office/powerpoint/2010/main" val="860214399"/>
+      </p:ext>
+    </p:extLst>
+  </p:cSld>
+  <p:clrMapOvr>
+    <a:masterClrMapping/>
+  </p:clrMapOvr>
+  <p:timing>
+    <p:tnLst>
+      <p:par>
+        <p:cTn xmlns:p14="http://schemas.microsoft.com/office/powerpoint/2010/main" id="1" dur="indefinite" restart="never" nodeType="tmRoot"/>
+      </p:par>
+    </p:tnLst>
+  </p:timing>
+</p:sld>
+</file>
+
+<file path=ppt/slides/slide16.xml><?xml version="1.0" encoding="utf-8"?>
 <p:sld xmlns:a="http://schemas.openxmlformats.org/drawingml/2006/main" xmlns:r="http://schemas.openxmlformats.org/officeDocument/2006/relationships" xmlns:p="http://schemas.openxmlformats.org/presentationml/2006/main">
   <p:cSld>
     <p:spTree>
@@ -12054,29 +12830,7 @@
                   </a:outerShdw>
                 </a:effectLst>
               </a:rPr>
-              <a:t>, </a:t>
-            </a:r>
-            <a:r>
-              <a:rPr lang="en-US" sz="5400" b="1" cap="none" spc="0" smtClean="0">
-                <a:ln w="9525">
-                  <a:solidFill>
-                    <a:schemeClr val="bg1"/>
-                  </a:solidFill>
-                  <a:prstDash val="solid"/>
-                </a:ln>
-                <a:solidFill>
-                  <a:schemeClr val="accent5"/>
-                </a:solidFill>
-                <a:effectLst>
-                  <a:outerShdw blurRad="12700" dist="38100" dir="2700000" algn="tl" rotWithShape="0">
-                    <a:schemeClr val="accent5">
-                      <a:lumMod val="60000"/>
-                      <a:lumOff val="40000"/>
-                    </a:schemeClr>
-                  </a:outerShdw>
-                </a:effectLst>
-              </a:rPr>
-              <a:t>42</a:t>
+              <a:t>, 42</a:t>
             </a:r>
             <a:endParaRPr lang="en-US" sz="5400" b="1" cap="none" spc="0" dirty="0">
               <a:ln w="9525">
@@ -12133,7 +12887,7 @@
     </p:spTree>
     <p:extLst>
       <p:ext uri="{BB962C8B-B14F-4D97-AF65-F5344CB8AC3E}">
-        <p14:creationId xmlns:p14="http://schemas.microsoft.com/office/powerpoint/2010/main" val="860214399"/>
+        <p14:creationId xmlns:p14="http://schemas.microsoft.com/office/powerpoint/2010/main" val="1763858363"/>
       </p:ext>
     </p:extLst>
   </p:cSld>
@@ -12356,7 +13110,7 @@
 </p:sld>
 </file>
 
-<file path=ppt/slides/slide2.xml><?xml version="1.0" encoding="utf-8"?>
+<file path=ppt/slides/slide17.xml><?xml version="1.0" encoding="utf-8"?>
 <p:sld xmlns:a="http://schemas.openxmlformats.org/drawingml/2006/main" xmlns:r="http://schemas.openxmlformats.org/officeDocument/2006/relationships" xmlns:p="http://schemas.openxmlformats.org/presentationml/2006/main">
   <p:cSld>
     <p:spTree>
@@ -12423,7 +13177,7 @@
 </p:sld>
 </file>
 
-<file path=ppt/slides/slide3.xml><?xml version="1.0" encoding="utf-8"?>
+<file path=ppt/slides/slide2.xml><?xml version="1.0" encoding="utf-8"?>
 <p:sld xmlns:a="http://schemas.openxmlformats.org/drawingml/2006/main" xmlns:r="http://schemas.openxmlformats.org/officeDocument/2006/relationships" xmlns:p="http://schemas.openxmlformats.org/presentationml/2006/main">
   <p:cSld>
     <p:spTree>
@@ -12490,7 +13244,7 @@
 </p:sld>
 </file>
 
-<file path=ppt/slides/slide4.xml><?xml version="1.0" encoding="utf-8"?>
+<file path=ppt/slides/slide3.xml><?xml version="1.0" encoding="utf-8"?>
 <p:sld xmlns:a="http://schemas.openxmlformats.org/drawingml/2006/main" xmlns:r="http://schemas.openxmlformats.org/officeDocument/2006/relationships" xmlns:p="http://schemas.openxmlformats.org/presentationml/2006/main">
   <p:cSld>
     <p:spTree>
@@ -13372,7 +14126,7 @@
 </p:sld>
 </file>
 
-<file path=ppt/slides/slide5.xml><?xml version="1.0" encoding="utf-8"?>
+<file path=ppt/slides/slide4.xml><?xml version="1.0" encoding="utf-8"?>
 <p:sld xmlns:a="http://schemas.openxmlformats.org/drawingml/2006/main" xmlns:r="http://schemas.openxmlformats.org/officeDocument/2006/relationships" xmlns:p="http://schemas.openxmlformats.org/presentationml/2006/main">
   <p:cSld>
     <p:spTree>
@@ -13391,7 +14145,7 @@
       </p:grpSpPr>
       <p:pic>
         <p:nvPicPr>
-          <p:cNvPr id="2" name="Basic Bill"/>
+          <p:cNvPr id="3" name="Success Bill"/>
           <p:cNvPicPr>
             <a:picLocks noChangeAspect="1"/>
           </p:cNvPicPr>
@@ -13421,7 +14175,7 @@
       </p:pic>
       <p:pic>
         <p:nvPicPr>
-          <p:cNvPr id="3" name="Success Bill"/>
+          <p:cNvPr id="5" name="Defeat Bill"/>
           <p:cNvPicPr>
             <a:picLocks noChangeAspect="1"/>
           </p:cNvPicPr>
@@ -13451,7 +14205,7 @@
       </p:pic>
       <p:pic>
         <p:nvPicPr>
-          <p:cNvPr id="4" name="Nice Cake"/>
+          <p:cNvPr id="2" name="Basic Bill"/>
           <p:cNvPicPr>
             <a:picLocks noChangeAspect="1"/>
           </p:cNvPicPr>
@@ -13471,8 +14225,8 @@
         </p:blipFill>
         <p:spPr>
           <a:xfrm>
-            <a:off x="2851003" y="949694"/>
-            <a:ext cx="4730012" cy="3748150"/>
+            <a:off x="-184830" y="2539686"/>
+            <a:ext cx="3962400" cy="2971800"/>
           </a:xfrm>
           <a:prstGeom prst="rect">
             <a:avLst/>
@@ -13481,7 +14235,7 @@
       </p:pic>
       <p:pic>
         <p:nvPicPr>
-          <p:cNvPr id="5" name="Defeat Bill"/>
+          <p:cNvPr id="4" name="Nice Cake"/>
           <p:cNvPicPr>
             <a:picLocks noChangeAspect="1"/>
           </p:cNvPicPr>
@@ -13501,8 +14255,8 @@
         </p:blipFill>
         <p:spPr>
           <a:xfrm>
-            <a:off x="-184830" y="2539686"/>
-            <a:ext cx="3962400" cy="2971800"/>
+            <a:off x="2851003" y="949694"/>
+            <a:ext cx="4730012" cy="3748150"/>
           </a:xfrm>
           <a:prstGeom prst="rect">
             <a:avLst/>
@@ -14065,7 +14819,7 @@
 </p:sld>
 </file>
 
-<file path=ppt/slides/slide6.xml><?xml version="1.0" encoding="utf-8"?>
+<file path=ppt/slides/slide5.xml><?xml version="1.0" encoding="utf-8"?>
 <p:sld xmlns:a="http://schemas.openxmlformats.org/drawingml/2006/main" xmlns:r="http://schemas.openxmlformats.org/officeDocument/2006/relationships" xmlns:p="http://schemas.openxmlformats.org/presentationml/2006/main">
   <p:cSld>
     <p:spTree>
@@ -15189,7 +15943,7 @@
 </p:sld>
 </file>
 
-<file path=ppt/slides/slide7.xml><?xml version="1.0" encoding="utf-8"?>
+<file path=ppt/slides/slide6.xml><?xml version="1.0" encoding="utf-8"?>
 <p:sld xmlns:a="http://schemas.openxmlformats.org/drawingml/2006/main" xmlns:r="http://schemas.openxmlformats.org/officeDocument/2006/relationships" xmlns:p="http://schemas.openxmlformats.org/presentationml/2006/main">
   <p:cSld>
     <p:spTree>
@@ -15208,7 +15962,7 @@
       </p:grpSpPr>
       <p:pic>
         <p:nvPicPr>
-          <p:cNvPr id="4" name="Thinking Bill"/>
+          <p:cNvPr id="5" name="Defeat Bill"/>
           <p:cNvPicPr>
             <a:picLocks noChangeAspect="1"/>
           </p:cNvPicPr>
@@ -15238,7 +15992,7 @@
       </p:pic>
       <p:pic>
         <p:nvPicPr>
-          <p:cNvPr id="5" name="Defeat Bill"/>
+          <p:cNvPr id="4" name="Thinking Bill"/>
           <p:cNvPicPr>
             <a:picLocks noChangeAspect="1"/>
           </p:cNvPicPr>
@@ -15575,7 +16329,7 @@
 </p:sld>
 </file>
 
-<file path=ppt/slides/slide8.xml><?xml version="1.0" encoding="utf-8"?>
+<file path=ppt/slides/slide7.xml><?xml version="1.0" encoding="utf-8"?>
 <p:sld xmlns:a="http://schemas.openxmlformats.org/drawingml/2006/main" xmlns:r="http://schemas.openxmlformats.org/officeDocument/2006/relationships" xmlns:p="http://schemas.openxmlformats.org/presentationml/2006/main">
   <p:cSld>
     <p:spTree>
@@ -15672,7 +16426,7 @@
 </p:sld>
 </file>
 
-<file path=ppt/slides/slide9.xml><?xml version="1.0" encoding="utf-8"?>
+<file path=ppt/slides/slide8.xml><?xml version="1.0" encoding="utf-8"?>
 <p:sld xmlns:a="http://schemas.openxmlformats.org/drawingml/2006/main" xmlns:r="http://schemas.openxmlformats.org/officeDocument/2006/relationships" xmlns:p="http://schemas.openxmlformats.org/presentationml/2006/main">
   <p:cSld>
     <p:spTree>
@@ -19665,6 +20419,103 @@
       <p:bldP spid="36" grpId="0" animBg="1"/>
       <p:bldP spid="37" grpId="0" animBg="1"/>
     </p:bldLst>
+  </p:timing>
+</p:sld>
+</file>
+
+<file path=ppt/slides/slide9.xml><?xml version="1.0" encoding="utf-8"?>
+<p:sld xmlns:a="http://schemas.openxmlformats.org/drawingml/2006/main" xmlns:r="http://schemas.openxmlformats.org/officeDocument/2006/relationships" xmlns:p="http://schemas.openxmlformats.org/presentationml/2006/main">
+  <p:cSld>
+    <p:spTree>
+      <p:nvGrpSpPr>
+        <p:cNvPr id="1" name=""/>
+        <p:cNvGrpSpPr/>
+        <p:nvPr/>
+      </p:nvGrpSpPr>
+      <p:grpSpPr>
+        <a:xfrm>
+          <a:off x="0" y="0"/>
+          <a:ext cx="0" cy="0"/>
+          <a:chOff x="0" y="0"/>
+          <a:chExt cx="0" cy="0"/>
+        </a:xfrm>
+      </p:grpSpPr>
+      <p:pic>
+        <p:nvPicPr>
+          <p:cNvPr id="4" name="Thinking Bill"/>
+          <p:cNvPicPr>
+            <a:picLocks noChangeAspect="1"/>
+          </p:cNvPicPr>
+          <p:nvPr/>
+        </p:nvPicPr>
+        <p:blipFill>
+          <a:blip r:embed="rId3" cstate="email">
+            <a:extLst>
+              <a:ext uri="{28A0092B-C50C-407E-A947-70E740481C1C}">
+                <a14:useLocalDpi xmlns:a14="http://schemas.microsoft.com/office/drawing/2010/main" val="0"/>
+              </a:ext>
+            </a:extLst>
+          </a:blip>
+          <a:stretch>
+            <a:fillRect/>
+          </a:stretch>
+        </p:blipFill>
+        <p:spPr>
+          <a:xfrm>
+            <a:off x="-184830" y="2539686"/>
+            <a:ext cx="3962400" cy="2971800"/>
+          </a:xfrm>
+          <a:prstGeom prst="rect">
+            <a:avLst/>
+          </a:prstGeom>
+        </p:spPr>
+      </p:pic>
+      <p:pic>
+        <p:nvPicPr>
+          <p:cNvPr id="2" name="Layered Cake"/>
+          <p:cNvPicPr>
+            <a:picLocks noChangeAspect="1"/>
+          </p:cNvPicPr>
+          <p:nvPr/>
+        </p:nvPicPr>
+        <p:blipFill>
+          <a:blip r:embed="rId4" cstate="email">
+            <a:extLst>
+              <a:ext uri="{28A0092B-C50C-407E-A947-70E740481C1C}">
+                <a14:useLocalDpi xmlns:a14="http://schemas.microsoft.com/office/drawing/2010/main" val="0"/>
+              </a:ext>
+            </a:extLst>
+          </a:blip>
+          <a:stretch>
+            <a:fillRect/>
+          </a:stretch>
+        </p:blipFill>
+        <p:spPr>
+          <a:xfrm>
+            <a:off x="3104920" y="300901"/>
+            <a:ext cx="5121902" cy="3845797"/>
+          </a:xfrm>
+          <a:prstGeom prst="rect">
+            <a:avLst/>
+          </a:prstGeom>
+        </p:spPr>
+      </p:pic>
+    </p:spTree>
+    <p:extLst>
+      <p:ext uri="{BB962C8B-B14F-4D97-AF65-F5344CB8AC3E}">
+        <p14:creationId xmlns:p14="http://schemas.microsoft.com/office/powerpoint/2010/main" val="991646283"/>
+      </p:ext>
+    </p:extLst>
+  </p:cSld>
+  <p:clrMapOvr>
+    <a:masterClrMapping/>
+  </p:clrMapOvr>
+  <p:timing>
+    <p:tnLst>
+      <p:par>
+        <p:cTn xmlns:p14="http://schemas.microsoft.com/office/powerpoint/2010/main" id="1" dur="indefinite" restart="never" nodeType="tmRoot"/>
+      </p:par>
+    </p:tnLst>
   </p:timing>
 </p:sld>
 </file>

--- a/FeaturesVsLayers.pptx
+++ b/FeaturesVsLayers.pptx
@@ -125,7 +125,7 @@
   </p:defaultTextStyle>
   <p:extLst>
     <p:ext uri="{EFAFB233-063F-42B5-8137-9DF3F51BA10A}">
-      <p15:sldGuideLst xmlns="" xmlns:p15="http://schemas.microsoft.com/office/powerpoint/2012/main">
+      <p15:sldGuideLst xmlns:p15="http://schemas.microsoft.com/office/powerpoint/2012/main" xmlns="">
         <p15:guide id="1" orient="horz" pos="2160">
           <p15:clr>
             <a:srgbClr val="A4A3A4"/>
@@ -224,7 +224,7 @@
           <a:p>
             <a:fld id="{42140A06-DE53-954F-B7AB-07F13EFF4F14}" type="datetimeFigureOut">
               <a:rPr lang="en-US" smtClean="0"/>
-              <a:t>14/03/16</a:t>
+              <a:t>15/03/16</a:t>
             </a:fld>
             <a:endParaRPr lang="en-US"/>
           </a:p>
@@ -552,11 +552,7 @@
           <a:p>
             <a:r>
               <a:rPr lang="en-US" dirty="0" smtClean="0"/>
-              <a:t>Intro</a:t>
-            </a:r>
-            <a:r>
-              <a:rPr lang="en-US" dirty="0" smtClean="0"/>
-              <a:t>:</a:t>
+              <a:t>Intro:</a:t>
             </a:r>
           </a:p>
           <a:p>
@@ -2810,7 +2806,7 @@
           <a:p>
             <a:fld id="{B01F9CA3-105E-4857-9057-6DB6197DA786}" type="datetimeFigureOut">
               <a:rPr lang="en-US" smtClean="0"/>
-              <a:t>14/03/16</a:t>
+              <a:t>15/03/16</a:t>
             </a:fld>
             <a:endParaRPr lang="en-US"/>
           </a:p>
@@ -3002,7 +2998,7 @@
           <a:p>
             <a:fld id="{B01F9CA3-105E-4857-9057-6DB6197DA786}" type="datetimeFigureOut">
               <a:rPr lang="en-US" smtClean="0"/>
-              <a:t>14/03/16</a:t>
+              <a:t>15/03/16</a:t>
             </a:fld>
             <a:endParaRPr lang="en-US"/>
           </a:p>
@@ -3271,7 +3267,7 @@
           <a:p>
             <a:fld id="{B01F9CA3-105E-4857-9057-6DB6197DA786}" type="datetimeFigureOut">
               <a:rPr lang="en-US" smtClean="0"/>
-              <a:t>14/03/16</a:t>
+              <a:t>15/03/16</a:t>
             </a:fld>
             <a:endParaRPr lang="en-US"/>
           </a:p>
@@ -3450,7 +3446,7 @@
           <a:p>
             <a:fld id="{B01F9CA3-105E-4857-9057-6DB6197DA786}" type="datetimeFigureOut">
               <a:rPr lang="en-US" smtClean="0"/>
-              <a:t>14/03/16</a:t>
+              <a:t>15/03/16</a:t>
             </a:fld>
             <a:endParaRPr lang="en-US"/>
           </a:p>
@@ -3619,7 +3615,7 @@
           <a:p>
             <a:fld id="{B01F9CA3-105E-4857-9057-6DB6197DA786}" type="datetimeFigureOut">
               <a:rPr lang="en-US" smtClean="0"/>
-              <a:t>14/03/16</a:t>
+              <a:t>15/03/16</a:t>
             </a:fld>
             <a:endParaRPr lang="en-US"/>
           </a:p>
@@ -3861,7 +3857,7 @@
           <a:p>
             <a:fld id="{B01F9CA3-105E-4857-9057-6DB6197DA786}" type="datetimeFigureOut">
               <a:rPr lang="en-US" smtClean="0"/>
-              <a:t>14/03/16</a:t>
+              <a:t>15/03/16</a:t>
             </a:fld>
             <a:endParaRPr lang="en-US"/>
           </a:p>
@@ -4184,7 +4180,7 @@
           <a:p>
             <a:fld id="{B01F9CA3-105E-4857-9057-6DB6197DA786}" type="datetimeFigureOut">
               <a:rPr lang="en-US" smtClean="0"/>
-              <a:t>14/03/16</a:t>
+              <a:t>15/03/16</a:t>
             </a:fld>
             <a:endParaRPr lang="en-US"/>
           </a:p>
@@ -4482,7 +4478,7 @@
           <a:p>
             <a:fld id="{B01F9CA3-105E-4857-9057-6DB6197DA786}" type="datetimeFigureOut">
               <a:rPr lang="en-US" smtClean="0"/>
-              <a:t>14/03/16</a:t>
+              <a:t>15/03/16</a:t>
             </a:fld>
             <a:endParaRPr lang="en-US"/>
           </a:p>
@@ -4938,7 +4934,7 @@
           <a:p>
             <a:fld id="{B01F9CA3-105E-4857-9057-6DB6197DA786}" type="datetimeFigureOut">
               <a:rPr lang="en-US" smtClean="0"/>
-              <a:t>14/03/16</a:t>
+              <a:t>15/03/16</a:t>
             </a:fld>
             <a:endParaRPr lang="en-US"/>
           </a:p>
@@ -5051,7 +5047,7 @@
           <a:p>
             <a:fld id="{B01F9CA3-105E-4857-9057-6DB6197DA786}" type="datetimeFigureOut">
               <a:rPr lang="en-US" smtClean="0"/>
-              <a:t>14/03/16</a:t>
+              <a:t>15/03/16</a:t>
             </a:fld>
             <a:endParaRPr lang="en-US"/>
           </a:p>
@@ -5141,7 +5137,7 @@
           <a:p>
             <a:fld id="{B01F9CA3-105E-4857-9057-6DB6197DA786}" type="datetimeFigureOut">
               <a:rPr lang="en-US" smtClean="0"/>
-              <a:t>14/03/16</a:t>
+              <a:t>15/03/16</a:t>
             </a:fld>
             <a:endParaRPr lang="en-US"/>
           </a:p>
@@ -5423,7 +5419,7 @@
           <a:p>
             <a:fld id="{B01F9CA3-105E-4857-9057-6DB6197DA786}" type="datetimeFigureOut">
               <a:rPr lang="en-US" smtClean="0"/>
-              <a:t>14/03/16</a:t>
+              <a:t>15/03/16</a:t>
             </a:fld>
             <a:endParaRPr lang="en-US"/>
           </a:p>
@@ -5629,7 +5625,7 @@
           <a:p>
             <a:fld id="{B01F9CA3-105E-4857-9057-6DB6197DA786}" type="datetimeFigureOut">
               <a:rPr lang="en-US" smtClean="0"/>
-              <a:t>14/03/16</a:t>
+              <a:t>15/03/16</a:t>
             </a:fld>
             <a:endParaRPr lang="en-US"/>
           </a:p>
@@ -20500,6 +20496,36 @@
           </a:prstGeom>
         </p:spPr>
       </p:pic>
+      <p:pic>
+        <p:nvPicPr>
+          <p:cNvPr id="3" name="Picture 2" descr="cake-slice.jpg"/>
+          <p:cNvPicPr>
+            <a:picLocks noChangeAspect="1"/>
+          </p:cNvPicPr>
+          <p:nvPr/>
+        </p:nvPicPr>
+        <p:blipFill>
+          <a:blip r:embed="rId5">
+            <a:extLst>
+              <a:ext uri="{28A0092B-C50C-407E-A947-70E740481C1C}">
+                <a14:useLocalDpi xmlns:a14="http://schemas.microsoft.com/office/drawing/2010/main" val="0"/>
+              </a:ext>
+            </a:extLst>
+          </a:blip>
+          <a:stretch>
+            <a:fillRect/>
+          </a:stretch>
+        </p:blipFill>
+        <p:spPr>
+          <a:xfrm>
+            <a:off x="988595" y="-10117"/>
+            <a:ext cx="1912352" cy="2549803"/>
+          </a:xfrm>
+          <a:prstGeom prst="rect">
+            <a:avLst/>
+          </a:prstGeom>
+        </p:spPr>
+      </p:pic>
     </p:spTree>
     <p:extLst>
       <p:ext uri="{BB962C8B-B14F-4D97-AF65-F5344CB8AC3E}">

--- a/FeaturesVsLayers.pptx
+++ b/FeaturesVsLayers.pptx
@@ -128,7 +128,7 @@
   </p:defaultTextStyle>
   <p:extLst>
     <p:ext uri="{EFAFB233-063F-42B5-8137-9DF3F51BA10A}">
-      <p15:sldGuideLst xmlns="" xmlns:p15="http://schemas.microsoft.com/office/powerpoint/2012/main">
+      <p15:sldGuideLst xmlns:p15="http://schemas.microsoft.com/office/powerpoint/2012/main" xmlns="">
         <p15:guide id="1" orient="horz" pos="2160">
           <p15:clr>
             <a:srgbClr val="A4A3A4"/>
@@ -227,7 +227,7 @@
           <a:p>
             <a:fld id="{42140A06-DE53-954F-B7AB-07F13EFF4F14}" type="datetimeFigureOut">
               <a:rPr lang="en-US" smtClean="0"/>
-              <a:t>10/04/16</a:t>
+              <a:t>18/04/16</a:t>
             </a:fld>
             <a:endParaRPr lang="en-US"/>
           </a:p>
@@ -565,19 +565,31 @@
             </a:r>
             <a:r>
               <a:rPr lang="en-US" baseline="0" dirty="0" smtClean="0"/>
-              <a:t> and </a:t>
+              <a:t> and mentoring. Not because I consider myself the knees </a:t>
             </a:r>
             <a:r>
               <a:rPr lang="en-US" baseline="0" dirty="0" smtClean="0"/>
-              <a:t>mentoring. </a:t>
+              <a:t>bees (sometimes I am no expert). </a:t>
             </a:r>
             <a:r>
               <a:rPr lang="en-US" baseline="0" dirty="0" smtClean="0"/>
-              <a:t>Not because I consider myself the knees bees. But because it helps me to understand better the topic. And because then I hear myself talking and go “did I say that stupidity?”. It helps me learn. Impostor syndrome? I look at the rubber-duck style of resolving issues</a:t>
+              <a:t>But because it helps me to understand better the topic. And because then I hear myself talking and go “did I say </a:t>
             </a:r>
             <a:r>
               <a:rPr lang="en-US" baseline="0" dirty="0" smtClean="0"/>
-              <a:t>.</a:t>
+              <a:t>that? What was I thinking?”</a:t>
+            </a:r>
+            <a:r>
+              <a:rPr lang="en-US" baseline="0" dirty="0" smtClean="0"/>
+              <a:t>. It helps me learn</a:t>
+            </a:r>
+            <a:r>
+              <a:rPr lang="en-US" baseline="0" dirty="0" smtClean="0"/>
+              <a:t>. It helps others. </a:t>
+            </a:r>
+            <a:r>
+              <a:rPr lang="en-US" baseline="0" dirty="0" smtClean="0"/>
+              <a:t>Impostor syndrome? I look at the rubber-duck style of resolving issues.</a:t>
             </a:r>
             <a:endParaRPr lang="en-US" dirty="0" smtClean="0"/>
           </a:p>
@@ -1017,45 +1029,6 @@
           <a:bodyPr/>
           <a:lstStyle/>
           <a:p>
-            <a:r>
-              <a:rPr lang="en-US" dirty="0" smtClean="0"/>
-              <a:t>But Bill</a:t>
-            </a:r>
-          </a:p>
-          <a:p>
-            <a:endParaRPr lang="en-US" dirty="0" smtClean="0"/>
-          </a:p>
-          <a:p>
-            <a:r>
-              <a:rPr lang="en-US" dirty="0" smtClean="0"/>
-              <a:t>What</a:t>
-            </a:r>
-            <a:r>
-              <a:rPr lang="en-US" baseline="0" dirty="0" smtClean="0"/>
-              <a:t> about Duplication</a:t>
-            </a:r>
-          </a:p>
-          <a:p>
-            <a:endParaRPr lang="en-US" baseline="0" dirty="0" smtClean="0"/>
-          </a:p>
-          <a:p>
-            <a:r>
-              <a:rPr lang="en-US" baseline="0" dirty="0" err="1" smtClean="0"/>
-              <a:t>DeDuplication</a:t>
-            </a:r>
-            <a:r>
-              <a:rPr lang="en-US" baseline="0" dirty="0" smtClean="0"/>
-              <a:t> only has to happen when the code is the same (or you can make it look the same) and the reason for changing is the same. Otherwise you will end introducing complexity</a:t>
-            </a:r>
-          </a:p>
-          <a:p>
-            <a:endParaRPr lang="en-US" baseline="0" dirty="0" smtClean="0"/>
-          </a:p>
-          <a:p>
-            <a:r>
-              <a:rPr lang="en-US" baseline="0" dirty="0" smtClean="0"/>
-              <a:t>Granularity. You have to decide, it depends on the language and the project. Do you want to group features because they will always go together?</a:t>
-            </a:r>
             <a:endParaRPr lang="en-US" dirty="0"/>
           </a:p>
         </p:txBody>
@@ -1077,7 +1050,7 @@
           <a:p>
             <a:fld id="{2345002C-B4C8-0744-B509-29A3CA95BDFE}" type="slidenum">
               <a:rPr lang="en-US" smtClean="0"/>
-              <a:t>15</a:t>
+              <a:t>14</a:t>
             </a:fld>
             <a:endParaRPr lang="en-US"/>
           </a:p>
@@ -1086,7 +1059,7 @@
     </p:spTree>
     <p:extLst>
       <p:ext uri="{BB962C8B-B14F-4D97-AF65-F5344CB8AC3E}">
-        <p14:creationId xmlns:p14="http://schemas.microsoft.com/office/powerpoint/2010/main" val="648743644"/>
+        <p14:creationId xmlns:p14="http://schemas.microsoft.com/office/powerpoint/2010/main" val="3409318120"/>
       </p:ext>
     </p:extLst>
   </p:cSld>
@@ -1141,12 +1114,43 @@
           <a:lstStyle/>
           <a:p>
             <a:r>
-              <a:rPr lang="en-GB" dirty="0" smtClean="0"/>
-              <a:t>Did I just advocated</a:t>
-            </a:r>
-            <a:r>
-              <a:rPr lang="en-GB" baseline="0" dirty="0" smtClean="0"/>
-              <a:t> for micro-services with my cakes?</a:t>
+              <a:rPr lang="en-US" dirty="0" smtClean="0"/>
+              <a:t>But Bill</a:t>
+            </a:r>
+          </a:p>
+          <a:p>
+            <a:endParaRPr lang="en-US" dirty="0" smtClean="0"/>
+          </a:p>
+          <a:p>
+            <a:r>
+              <a:rPr lang="en-US" dirty="0" smtClean="0"/>
+              <a:t>What</a:t>
+            </a:r>
+            <a:r>
+              <a:rPr lang="en-US" baseline="0" dirty="0" smtClean="0"/>
+              <a:t> about Duplication</a:t>
+            </a:r>
+          </a:p>
+          <a:p>
+            <a:endParaRPr lang="en-US" baseline="0" dirty="0" smtClean="0"/>
+          </a:p>
+          <a:p>
+            <a:r>
+              <a:rPr lang="en-US" baseline="0" dirty="0" err="1" smtClean="0"/>
+              <a:t>DeDuplication</a:t>
+            </a:r>
+            <a:r>
+              <a:rPr lang="en-US" baseline="0" dirty="0" smtClean="0"/>
+              <a:t> only has to happen when the code is the same (or you can make it look the same) and the reason for changing is the same. Otherwise you will end introducing complexity</a:t>
+            </a:r>
+          </a:p>
+          <a:p>
+            <a:endParaRPr lang="en-US" baseline="0" dirty="0" smtClean="0"/>
+          </a:p>
+          <a:p>
+            <a:r>
+              <a:rPr lang="en-US" baseline="0" dirty="0" smtClean="0"/>
+              <a:t>Granularity. You have to decide, it depends on the language and the project. Do you want to group features because they will always go together?</a:t>
             </a:r>
             <a:endParaRPr lang="en-US" dirty="0"/>
           </a:p>
@@ -1169,7 +1173,7 @@
           <a:p>
             <a:fld id="{2345002C-B4C8-0744-B509-29A3CA95BDFE}" type="slidenum">
               <a:rPr lang="en-US" smtClean="0"/>
-              <a:t>16</a:t>
+              <a:t>15</a:t>
             </a:fld>
             <a:endParaRPr lang="en-US"/>
           </a:p>
@@ -1178,7 +1182,7 @@
     </p:spTree>
     <p:extLst>
       <p:ext uri="{BB962C8B-B14F-4D97-AF65-F5344CB8AC3E}">
-        <p14:creationId xmlns:p14="http://schemas.microsoft.com/office/powerpoint/2010/main" val="4163809378"/>
+        <p14:creationId xmlns:p14="http://schemas.microsoft.com/office/powerpoint/2010/main" val="648743644"/>
       </p:ext>
     </p:extLst>
   </p:cSld>
@@ -1234,15 +1238,11 @@
           <a:p>
             <a:r>
               <a:rPr lang="en-US" dirty="0" smtClean="0"/>
-              <a:t>Add twitter </a:t>
-            </a:r>
-            <a:r>
-              <a:rPr lang="en-US" dirty="0" err="1" smtClean="0"/>
-              <a:t>github</a:t>
+              <a:t>Which</a:t>
             </a:r>
             <a:r>
               <a:rPr lang="en-US" baseline="0" dirty="0" smtClean="0"/>
-              <a:t> and blog</a:t>
+              <a:t> actually points to another thing.</a:t>
             </a:r>
             <a:endParaRPr lang="en-US" dirty="0"/>
           </a:p>
@@ -1265,6 +1265,102 @@
           <a:p>
             <a:fld id="{2345002C-B4C8-0744-B509-29A3CA95BDFE}" type="slidenum">
               <a:rPr lang="en-US" smtClean="0"/>
+              <a:t>16</a:t>
+            </a:fld>
+            <a:endParaRPr lang="en-US"/>
+          </a:p>
+        </p:txBody>
+      </p:sp>
+    </p:spTree>
+    <p:extLst>
+      <p:ext uri="{BB962C8B-B14F-4D97-AF65-F5344CB8AC3E}">
+        <p14:creationId xmlns:p14="http://schemas.microsoft.com/office/powerpoint/2010/main" val="4163809378"/>
+      </p:ext>
+    </p:extLst>
+  </p:cSld>
+  <p:clrMapOvr>
+    <a:masterClrMapping/>
+  </p:clrMapOvr>
+</p:notes>
+</file>
+
+<file path=ppt/notesSlides/notesSlide16.xml><?xml version="1.0" encoding="utf-8"?>
+<p:notes xmlns:a="http://schemas.openxmlformats.org/drawingml/2006/main" xmlns:r="http://schemas.openxmlformats.org/officeDocument/2006/relationships" xmlns:p="http://schemas.openxmlformats.org/presentationml/2006/main">
+  <p:cSld>
+    <p:spTree>
+      <p:nvGrpSpPr>
+        <p:cNvPr id="1" name=""/>
+        <p:cNvGrpSpPr/>
+        <p:nvPr/>
+      </p:nvGrpSpPr>
+      <p:grpSpPr>
+        <a:xfrm>
+          <a:off x="0" y="0"/>
+          <a:ext cx="0" cy="0"/>
+          <a:chOff x="0" y="0"/>
+          <a:chExt cx="0" cy="0"/>
+        </a:xfrm>
+      </p:grpSpPr>
+      <p:sp>
+        <p:nvSpPr>
+          <p:cNvPr id="2" name="Slide Image Placeholder 1"/>
+          <p:cNvSpPr>
+            <a:spLocks noGrp="1" noRot="1" noChangeAspect="1"/>
+          </p:cNvSpPr>
+          <p:nvPr>
+            <p:ph type="sldImg"/>
+          </p:nvPr>
+        </p:nvSpPr>
+        <p:spPr/>
+      </p:sp>
+      <p:sp>
+        <p:nvSpPr>
+          <p:cNvPr id="3" name="Notes Placeholder 2"/>
+          <p:cNvSpPr>
+            <a:spLocks noGrp="1"/>
+          </p:cNvSpPr>
+          <p:nvPr>
+            <p:ph type="body" idx="1"/>
+          </p:nvPr>
+        </p:nvSpPr>
+        <p:spPr/>
+        <p:txBody>
+          <a:bodyPr/>
+          <a:lstStyle/>
+          <a:p>
+            <a:r>
+              <a:rPr lang="en-US" dirty="0" smtClean="0"/>
+              <a:t>Add twitter </a:t>
+            </a:r>
+            <a:r>
+              <a:rPr lang="en-US" dirty="0" err="1" smtClean="0"/>
+              <a:t>github</a:t>
+            </a:r>
+            <a:r>
+              <a:rPr lang="en-US" baseline="0" dirty="0" smtClean="0"/>
+              <a:t> and blog</a:t>
+            </a:r>
+            <a:endParaRPr lang="en-US" dirty="0"/>
+          </a:p>
+        </p:txBody>
+      </p:sp>
+      <p:sp>
+        <p:nvSpPr>
+          <p:cNvPr id="4" name="Slide Number Placeholder 3"/>
+          <p:cNvSpPr>
+            <a:spLocks noGrp="1"/>
+          </p:cNvSpPr>
+          <p:nvPr>
+            <p:ph type="sldNum" sz="quarter" idx="10"/>
+          </p:nvPr>
+        </p:nvSpPr>
+        <p:spPr/>
+        <p:txBody>
+          <a:bodyPr/>
+          <a:lstStyle/>
+          <a:p>
+            <a:fld id="{2345002C-B4C8-0744-B509-29A3CA95BDFE}" type="slidenum">
+              <a:rPr lang="en-US" smtClean="0"/>
               <a:t>17</a:t>
             </a:fld>
             <a:endParaRPr lang="en-US"/>
@@ -1284,7 +1380,7 @@
 </p:notes>
 </file>
 
-<file path=ppt/notesSlides/notesSlide16.xml><?xml version="1.0" encoding="utf-8"?>
+<file path=ppt/notesSlides/notesSlide17.xml><?xml version="1.0" encoding="utf-8"?>
 <p:notes xmlns:a="http://schemas.openxmlformats.org/drawingml/2006/main" xmlns:r="http://schemas.openxmlformats.org/officeDocument/2006/relationships" xmlns:p="http://schemas.openxmlformats.org/presentationml/2006/main">
   <p:cSld>
     <p:spTree>
@@ -2909,7 +3005,7 @@
           <a:p>
             <a:fld id="{B01F9CA3-105E-4857-9057-6DB6197DA786}" type="datetimeFigureOut">
               <a:rPr lang="en-US" smtClean="0"/>
-              <a:t>10/04/16</a:t>
+              <a:t>18/04/16</a:t>
             </a:fld>
             <a:endParaRPr lang="en-US"/>
           </a:p>
@@ -3101,7 +3197,7 @@
           <a:p>
             <a:fld id="{B01F9CA3-105E-4857-9057-6DB6197DA786}" type="datetimeFigureOut">
               <a:rPr lang="en-US" smtClean="0"/>
-              <a:t>10/04/16</a:t>
+              <a:t>18/04/16</a:t>
             </a:fld>
             <a:endParaRPr lang="en-US"/>
           </a:p>
@@ -3370,7 +3466,7 @@
           <a:p>
             <a:fld id="{B01F9CA3-105E-4857-9057-6DB6197DA786}" type="datetimeFigureOut">
               <a:rPr lang="en-US" smtClean="0"/>
-              <a:t>10/04/16</a:t>
+              <a:t>18/04/16</a:t>
             </a:fld>
             <a:endParaRPr lang="en-US"/>
           </a:p>
@@ -3549,7 +3645,7 @@
           <a:p>
             <a:fld id="{B01F9CA3-105E-4857-9057-6DB6197DA786}" type="datetimeFigureOut">
               <a:rPr lang="en-US" smtClean="0"/>
-              <a:t>10/04/16</a:t>
+              <a:t>18/04/16</a:t>
             </a:fld>
             <a:endParaRPr lang="en-US"/>
           </a:p>
@@ -3718,7 +3814,7 @@
           <a:p>
             <a:fld id="{B01F9CA3-105E-4857-9057-6DB6197DA786}" type="datetimeFigureOut">
               <a:rPr lang="en-US" smtClean="0"/>
-              <a:t>10/04/16</a:t>
+              <a:t>18/04/16</a:t>
             </a:fld>
             <a:endParaRPr lang="en-US"/>
           </a:p>
@@ -3960,7 +4056,7 @@
           <a:p>
             <a:fld id="{B01F9CA3-105E-4857-9057-6DB6197DA786}" type="datetimeFigureOut">
               <a:rPr lang="en-US" smtClean="0"/>
-              <a:t>10/04/16</a:t>
+              <a:t>18/04/16</a:t>
             </a:fld>
             <a:endParaRPr lang="en-US"/>
           </a:p>
@@ -4283,7 +4379,7 @@
           <a:p>
             <a:fld id="{B01F9CA3-105E-4857-9057-6DB6197DA786}" type="datetimeFigureOut">
               <a:rPr lang="en-US" smtClean="0"/>
-              <a:t>10/04/16</a:t>
+              <a:t>18/04/16</a:t>
             </a:fld>
             <a:endParaRPr lang="en-US"/>
           </a:p>
@@ -4581,7 +4677,7 @@
           <a:p>
             <a:fld id="{B01F9CA3-105E-4857-9057-6DB6197DA786}" type="datetimeFigureOut">
               <a:rPr lang="en-US" smtClean="0"/>
-              <a:t>10/04/16</a:t>
+              <a:t>18/04/16</a:t>
             </a:fld>
             <a:endParaRPr lang="en-US"/>
           </a:p>
@@ -5037,7 +5133,7 @@
           <a:p>
             <a:fld id="{B01F9CA3-105E-4857-9057-6DB6197DA786}" type="datetimeFigureOut">
               <a:rPr lang="en-US" smtClean="0"/>
-              <a:t>10/04/16</a:t>
+              <a:t>18/04/16</a:t>
             </a:fld>
             <a:endParaRPr lang="en-US"/>
           </a:p>
@@ -5150,7 +5246,7 @@
           <a:p>
             <a:fld id="{B01F9CA3-105E-4857-9057-6DB6197DA786}" type="datetimeFigureOut">
               <a:rPr lang="en-US" smtClean="0"/>
-              <a:t>10/04/16</a:t>
+              <a:t>18/04/16</a:t>
             </a:fld>
             <a:endParaRPr lang="en-US"/>
           </a:p>
@@ -5240,7 +5336,7 @@
           <a:p>
             <a:fld id="{B01F9CA3-105E-4857-9057-6DB6197DA786}" type="datetimeFigureOut">
               <a:rPr lang="en-US" smtClean="0"/>
-              <a:t>10/04/16</a:t>
+              <a:t>18/04/16</a:t>
             </a:fld>
             <a:endParaRPr lang="en-US"/>
           </a:p>
@@ -5522,7 +5618,7 @@
           <a:p>
             <a:fld id="{B01F9CA3-105E-4857-9057-6DB6197DA786}" type="datetimeFigureOut">
               <a:rPr lang="en-US" smtClean="0"/>
-              <a:t>10/04/16</a:t>
+              <a:t>18/04/16</a:t>
             </a:fld>
             <a:endParaRPr lang="en-US"/>
           </a:p>
@@ -5728,7 +5824,7 @@
           <a:p>
             <a:fld id="{B01F9CA3-105E-4857-9057-6DB6197DA786}" type="datetimeFigureOut">
               <a:rPr lang="en-US" smtClean="0"/>
-              <a:t>10/04/16</a:t>
+              <a:t>18/04/16</a:t>
             </a:fld>
             <a:endParaRPr lang="en-US"/>
           </a:p>
@@ -16026,7 +16122,7 @@
           <p:nvPr/>
         </p:nvPicPr>
         <p:blipFill>
-          <a:blip r:embed="rId2" cstate="email">
+          <a:blip r:embed="rId3" cstate="email">
             <a:extLst>
               <a:ext uri="{28A0092B-C50C-407E-A947-70E740481C1C}">
                 <a14:useLocalDpi xmlns:a14="http://schemas.microsoft.com/office/drawing/2010/main" val="0"/>

--- a/FeaturesVsLayers.pptx
+++ b/FeaturesVsLayers.pptx
@@ -5,7 +5,7 @@
     <p:sldMasterId id="2147483660" r:id="rId1"/>
   </p:sldMasterIdLst>
   <p:notesMasterIdLst>
-    <p:notesMasterId r:id="rId22"/>
+    <p:notesMasterId r:id="rId21"/>
   </p:notesMasterIdLst>
   <p:sldIdLst>
     <p:sldId id="256" r:id="rId2"/>
@@ -23,11 +23,10 @@
     <p:sldId id="259" r:id="rId14"/>
     <p:sldId id="275" r:id="rId15"/>
     <p:sldId id="272" r:id="rId16"/>
-    <p:sldId id="268" r:id="rId17"/>
-    <p:sldId id="260" r:id="rId18"/>
-    <p:sldId id="267" r:id="rId19"/>
-    <p:sldId id="271" r:id="rId20"/>
-    <p:sldId id="269" r:id="rId21"/>
+    <p:sldId id="276" r:id="rId17"/>
+    <p:sldId id="268" r:id="rId18"/>
+    <p:sldId id="260" r:id="rId19"/>
+    <p:sldId id="267" r:id="rId20"/>
   </p:sldIdLst>
   <p:sldSz cx="9144000" cy="6858000" type="screen4x3"/>
   <p:notesSz cx="6858000" cy="9144000"/>
@@ -128,7 +127,7 @@
   </p:defaultTextStyle>
   <p:extLst>
     <p:ext uri="{EFAFB233-063F-42B5-8137-9DF3F51BA10A}">
-      <p15:sldGuideLst xmlns:p15="http://schemas.microsoft.com/office/powerpoint/2012/main" xmlns="">
+      <p15:sldGuideLst xmlns:p15="http://schemas.microsoft.com/office/powerpoint/2012/main">
         <p15:guide id="1" orient="horz" pos="2160">
           <p15:clr>
             <a:srgbClr val="A4A3A4"/>
@@ -227,7 +226,7 @@
           <a:p>
             <a:fld id="{42140A06-DE53-954F-B7AB-07F13EFF4F14}" type="datetimeFigureOut">
               <a:rPr lang="en-US" smtClean="0"/>
-              <a:t>18/04/16</a:t>
+              <a:t>4/18/2016</a:t>
             </a:fld>
             <a:endParaRPr lang="en-US"/>
           </a:p>
@@ -291,35 +290,35 @@
           <a:p>
             <a:pPr lvl="0"/>
             <a:r>
-              <a:rPr lang="en-AU" smtClean="0"/>
+              <a:rPr lang="en-AU"/>
               <a:t>Click to edit Master text styles</a:t>
             </a:r>
           </a:p>
           <a:p>
             <a:pPr lvl="1"/>
             <a:r>
-              <a:rPr lang="en-AU" smtClean="0"/>
+              <a:rPr lang="en-AU"/>
               <a:t>Second level</a:t>
             </a:r>
           </a:p>
           <a:p>
             <a:pPr lvl="2"/>
             <a:r>
-              <a:rPr lang="en-AU" smtClean="0"/>
+              <a:rPr lang="en-AU"/>
               <a:t>Third level</a:t>
             </a:r>
           </a:p>
           <a:p>
             <a:pPr lvl="3"/>
             <a:r>
-              <a:rPr lang="en-AU" smtClean="0"/>
+              <a:rPr lang="en-AU"/>
               <a:t>Fourth level</a:t>
             </a:r>
           </a:p>
           <a:p>
             <a:pPr lvl="4"/>
             <a:r>
-              <a:rPr lang="en-AU" smtClean="0"/>
+              <a:rPr lang="en-AU"/>
               <a:t>Fifth level</a:t>
             </a:r>
             <a:endParaRPr lang="en-US"/>
@@ -540,58 +539,34 @@
           <a:lstStyle/>
           <a:p>
             <a:r>
-              <a:rPr lang="en-US" dirty="0" smtClean="0"/>
+              <a:rPr lang="en-US" dirty="0"/>
               <a:t>Well, not</a:t>
             </a:r>
             <a:r>
-              <a:rPr lang="en-US" baseline="0" dirty="0" smtClean="0"/>
+              <a:rPr lang="en-US" baseline="0" dirty="0"/>
               <a:t> my idea of course, just standing on someone shoulders.</a:t>
             </a:r>
-            <a:endParaRPr lang="en-US" dirty="0" smtClean="0"/>
-          </a:p>
-          <a:p>
-            <a:endParaRPr lang="en-US" dirty="0" smtClean="0"/>
+            <a:endParaRPr lang="en-US" dirty="0"/>
+          </a:p>
+          <a:p>
+            <a:endParaRPr lang="en-US" dirty="0"/>
           </a:p>
           <a:p>
             <a:r>
-              <a:rPr lang="en-US" dirty="0" smtClean="0"/>
+              <a:rPr lang="en-US" dirty="0"/>
               <a:t>Intro:</a:t>
             </a:r>
           </a:p>
           <a:p>
             <a:r>
-              <a:rPr lang="en-US" dirty="0" smtClean="0"/>
+              <a:rPr lang="en-US" dirty="0"/>
               <a:t>I like talking</a:t>
             </a:r>
             <a:r>
-              <a:rPr lang="en-US" baseline="0" dirty="0" smtClean="0"/>
-              <a:t> and mentoring. Not because I consider myself the knees </a:t>
+              <a:rPr lang="en-US" baseline="0" dirty="0"/>
+              <a:t> and mentoring. Not because I consider myself the knees bees (sometimes I am no expert). But because it helps me to understand better the topic. And because then I hear myself talking and go “did I say that? What was I thinking?”. It helps me learn. It helps others. Impostor syndrome? I look at the rubber-duck style of resolving issues.</a:t>
             </a:r>
-            <a:r>
-              <a:rPr lang="en-US" baseline="0" dirty="0" smtClean="0"/>
-              <a:t>bees (sometimes I am no expert). </a:t>
-            </a:r>
-            <a:r>
-              <a:rPr lang="en-US" baseline="0" dirty="0" smtClean="0"/>
-              <a:t>But because it helps me to understand better the topic. And because then I hear myself talking and go “did I say </a:t>
-            </a:r>
-            <a:r>
-              <a:rPr lang="en-US" baseline="0" dirty="0" smtClean="0"/>
-              <a:t>that? What was I thinking?”</a:t>
-            </a:r>
-            <a:r>
-              <a:rPr lang="en-US" baseline="0" dirty="0" smtClean="0"/>
-              <a:t>. It helps me learn</a:t>
-            </a:r>
-            <a:r>
-              <a:rPr lang="en-US" baseline="0" dirty="0" smtClean="0"/>
-              <a:t>. It helps others. </a:t>
-            </a:r>
-            <a:r>
-              <a:rPr lang="en-US" baseline="0" dirty="0" smtClean="0"/>
-              <a:t>Impostor syndrome? I look at the rubber-duck style of resolving issues.</a:t>
-            </a:r>
-            <a:endParaRPr lang="en-US" dirty="0" smtClean="0"/>
+            <a:endParaRPr lang="en-US" dirty="0"/>
           </a:p>
         </p:txBody>
       </p:sp>
@@ -676,11 +651,11 @@
           <a:lstStyle/>
           <a:p>
             <a:r>
-              <a:rPr lang="en-US" dirty="0" smtClean="0"/>
+              <a:rPr lang="en-US" dirty="0"/>
               <a:t>Another way of looking at this. What if you want one</a:t>
             </a:r>
             <a:r>
-              <a:rPr lang="en-US" baseline="0" dirty="0" smtClean="0"/>
+              <a:rPr lang="en-US" baseline="0" dirty="0"/>
               <a:t> slice to be different to the rest?</a:t>
             </a:r>
             <a:endParaRPr lang="en-US" dirty="0"/>
@@ -768,33 +743,33 @@
           <a:lstStyle/>
           <a:p>
             <a:r>
-              <a:rPr lang="en-US" dirty="0" smtClean="0"/>
+              <a:rPr lang="en-US" dirty="0"/>
               <a:t>But what you</a:t>
             </a:r>
             <a:r>
-              <a:rPr lang="en-US" baseline="0" dirty="0" smtClean="0"/>
+              <a:rPr lang="en-US" baseline="0" dirty="0"/>
               <a:t> do when a </a:t>
             </a:r>
             <a:r>
-              <a:rPr lang="en-US" dirty="0" smtClean="0"/>
+              <a:rPr lang="en-US" dirty="0"/>
               <a:t>change comes? A</a:t>
             </a:r>
             <a:r>
-              <a:rPr lang="en-US" baseline="0" dirty="0" smtClean="0"/>
+              <a:rPr lang="en-US" baseline="0" dirty="0"/>
               <a:t> new endpoint, a new page.</a:t>
             </a:r>
           </a:p>
           <a:p>
-            <a:endParaRPr lang="en-US" baseline="0" dirty="0" smtClean="0"/>
+            <a:endParaRPr lang="en-US" baseline="0" dirty="0"/>
           </a:p>
           <a:p>
             <a:r>
-              <a:rPr lang="en-US" baseline="0" dirty="0" smtClean="0"/>
+              <a:rPr lang="en-US" baseline="0" dirty="0"/>
               <a:t>Then we have to go an modify all layers/projects.</a:t>
             </a:r>
           </a:p>
           <a:p>
-            <a:endParaRPr lang="en-US" baseline="0" dirty="0" smtClean="0"/>
+            <a:endParaRPr lang="en-US" baseline="0" dirty="0"/>
           </a:p>
         </p:txBody>
       </p:sp>
@@ -879,70 +854,70 @@
           <a:lstStyle/>
           <a:p>
             <a:r>
-              <a:rPr lang="en-US" dirty="0" smtClean="0"/>
+              <a:rPr lang="en-US" dirty="0"/>
               <a:t>There</a:t>
             </a:r>
             <a:r>
-              <a:rPr lang="en-US" baseline="0" dirty="0" smtClean="0"/>
+              <a:rPr lang="en-US" baseline="0" dirty="0"/>
               <a:t> is this alternative, using feature projects. Which are just vertical slices instead of horizontal ones.</a:t>
             </a:r>
           </a:p>
           <a:p>
-            <a:endParaRPr lang="en-US" baseline="0" dirty="0" smtClean="0"/>
+            <a:endParaRPr lang="en-US" baseline="0" dirty="0"/>
           </a:p>
           <a:p>
             <a:r>
-              <a:rPr lang="en-US" baseline="0" dirty="0" smtClean="0"/>
+              <a:rPr lang="en-US" baseline="0" dirty="0"/>
               <a:t>Controller Layer. Because other wise we will have a service per endpoint. Let’s be pragmatic</a:t>
             </a:r>
           </a:p>
           <a:p>
-            <a:endParaRPr lang="en-GB" baseline="0" dirty="0" smtClean="0"/>
-          </a:p>
-          <a:p>
-            <a:endParaRPr lang="en-GB" baseline="0" dirty="0" smtClean="0"/>
-          </a:p>
-          <a:p>
-            <a:endParaRPr lang="en-GB" baseline="0" dirty="0" smtClean="0"/>
-          </a:p>
-          <a:p>
-            <a:endParaRPr lang="en-US" dirty="0" smtClean="0"/>
+            <a:endParaRPr lang="en-GB" baseline="0" dirty="0"/>
+          </a:p>
+          <a:p>
+            <a:endParaRPr lang="en-GB" baseline="0" dirty="0"/>
+          </a:p>
+          <a:p>
+            <a:endParaRPr lang="en-GB" baseline="0" dirty="0"/>
+          </a:p>
+          <a:p>
+            <a:endParaRPr lang="en-US" dirty="0"/>
           </a:p>
           <a:p>
             <a:r>
-              <a:rPr lang="en-US" dirty="0" smtClean="0"/>
+              <a:rPr lang="en-US" dirty="0"/>
               <a:t>To be truthful,</a:t>
             </a:r>
             <a:r>
-              <a:rPr lang="en-US" baseline="0" dirty="0" smtClean="0"/>
+              <a:rPr lang="en-US" baseline="0" dirty="0"/>
               <a:t> the layers are still present, but only from a logical point of view. Is much easier to skip unneeded layers. And when you want to add new functionality, you will not be affecting other features functionality</a:t>
             </a:r>
-            <a:endParaRPr lang="en-US" dirty="0" smtClean="0"/>
-          </a:p>
-          <a:p>
-            <a:endParaRPr lang="en-US" dirty="0" smtClean="0"/>
+            <a:endParaRPr lang="en-US" dirty="0"/>
+          </a:p>
+          <a:p>
+            <a:endParaRPr lang="en-US" dirty="0"/>
           </a:p>
           <a:p>
             <a:r>
-              <a:rPr lang="en-US" dirty="0" smtClean="0"/>
+              <a:rPr lang="en-US" dirty="0"/>
               <a:t>But,</a:t>
             </a:r>
             <a:r>
-              <a:rPr lang="en-US" baseline="0" dirty="0" smtClean="0"/>
+              <a:rPr lang="en-US" baseline="0" dirty="0"/>
               <a:t> are we duplicating code? Duplicating code is only hurtful when two pieces of code that are equal have to change for the same reason. If that is the case</a:t>
             </a:r>
-            <a:endParaRPr lang="en-US" dirty="0" smtClean="0"/>
-          </a:p>
-          <a:p>
-            <a:endParaRPr lang="en-US" dirty="0" smtClean="0"/>
+            <a:endParaRPr lang="en-US" dirty="0"/>
+          </a:p>
+          <a:p>
+            <a:endParaRPr lang="en-US" dirty="0"/>
           </a:p>
           <a:p>
             <a:r>
-              <a:rPr lang="en-US" dirty="0" smtClean="0"/>
+              <a:rPr lang="en-US" dirty="0"/>
               <a:t>Show example</a:t>
             </a:r>
             <a:r>
-              <a:rPr lang="en-US" baseline="0" dirty="0" smtClean="0"/>
+              <a:rPr lang="en-US" baseline="0" dirty="0"/>
               <a:t> after</a:t>
             </a:r>
             <a:endParaRPr lang="en-US" dirty="0"/>
@@ -1114,43 +1089,43 @@
           <a:lstStyle/>
           <a:p>
             <a:r>
-              <a:rPr lang="en-US" dirty="0" smtClean="0"/>
+              <a:rPr lang="en-US" dirty="0"/>
               <a:t>But Bill</a:t>
             </a:r>
           </a:p>
           <a:p>
-            <a:endParaRPr lang="en-US" dirty="0" smtClean="0"/>
+            <a:endParaRPr lang="en-US" dirty="0"/>
           </a:p>
           <a:p>
             <a:r>
-              <a:rPr lang="en-US" dirty="0" smtClean="0"/>
+              <a:rPr lang="en-US" dirty="0"/>
               <a:t>What</a:t>
             </a:r>
             <a:r>
-              <a:rPr lang="en-US" baseline="0" dirty="0" smtClean="0"/>
+              <a:rPr lang="en-US" baseline="0" dirty="0"/>
               <a:t> about Duplication</a:t>
             </a:r>
           </a:p>
           <a:p>
-            <a:endParaRPr lang="en-US" baseline="0" dirty="0" smtClean="0"/>
+            <a:endParaRPr lang="en-US" baseline="0" dirty="0"/>
           </a:p>
           <a:p>
             <a:r>
-              <a:rPr lang="en-US" baseline="0" dirty="0" err="1" smtClean="0"/>
+              <a:rPr lang="en-US" baseline="0" dirty="0" err="1"/>
               <a:t>DeDuplication</a:t>
             </a:r>
             <a:r>
-              <a:rPr lang="en-US" baseline="0" dirty="0" smtClean="0"/>
+              <a:rPr lang="en-US" baseline="0" dirty="0"/>
               <a:t> only has to happen when the code is the same (or you can make it look the same) and the reason for changing is the same. Otherwise you will end introducing complexity</a:t>
             </a:r>
           </a:p>
           <a:p>
-            <a:endParaRPr lang="en-US" baseline="0" dirty="0" smtClean="0"/>
+            <a:endParaRPr lang="en-US" baseline="0" dirty="0"/>
           </a:p>
           <a:p>
             <a:r>
-              <a:rPr lang="en-US" baseline="0" dirty="0" smtClean="0"/>
-              <a:t>Granularity. You have to decide, it depends on the language and the project. Do you want to group features because they will always go together?</a:t>
+              <a:rPr lang="en-US" baseline="0" dirty="0"/>
+              <a:t>Granularity. You have to decide, it depends on the language and the project. Do you want to group features because they will always go together? How big is your project? Does it matter? VS2012 and VS2013 did matter.</a:t>
             </a:r>
             <a:endParaRPr lang="en-US" dirty="0"/>
           </a:p>
@@ -1237,12 +1212,20 @@
           <a:lstStyle/>
           <a:p>
             <a:r>
-              <a:rPr lang="en-US" dirty="0" smtClean="0"/>
-              <a:t>Which</a:t>
+              <a:rPr lang="en-GB" dirty="0"/>
+              <a:t>But, Bill,</a:t>
             </a:r>
             <a:r>
-              <a:rPr lang="en-US" baseline="0" dirty="0" smtClean="0"/>
-              <a:t> actually points to another thing.</a:t>
+              <a:rPr lang="en-GB" baseline="0" dirty="0"/>
+              <a:t> what will happen if we need, for whatever the reason, move away from our Monolith into </a:t>
+            </a:r>
+            <a:r>
+              <a:rPr lang="en-GB" baseline="0" dirty="0" err="1"/>
+              <a:t>microservices</a:t>
+            </a:r>
+            <a:r>
+              <a:rPr lang="en-GB" baseline="0" dirty="0"/>
+              <a:t>? Well, easy, break the controller layer, break the data layer (which you could have done anyway, and move on. Advantage here over a layer architecture is that the break is easier. A layered architecture could create unneeded dependencies.</a:t>
             </a:r>
             <a:endParaRPr lang="en-US" dirty="0"/>
           </a:p>
@@ -1274,7 +1257,7 @@
     </p:spTree>
     <p:extLst>
       <p:ext uri="{BB962C8B-B14F-4D97-AF65-F5344CB8AC3E}">
-        <p14:creationId xmlns:p14="http://schemas.microsoft.com/office/powerpoint/2010/main" val="4163809378"/>
+        <p14:creationId xmlns:p14="http://schemas.microsoft.com/office/powerpoint/2010/main" val="148069534"/>
       </p:ext>
     </p:extLst>
   </p:cSld>
@@ -1329,16 +1312,12 @@
           <a:lstStyle/>
           <a:p>
             <a:r>
-              <a:rPr lang="en-US" dirty="0" smtClean="0"/>
-              <a:t>Add twitter </a:t>
+              <a:rPr lang="en-US" dirty="0"/>
+              <a:t>Which</a:t>
             </a:r>
             <a:r>
-              <a:rPr lang="en-US" dirty="0" err="1" smtClean="0"/>
-              <a:t>github</a:t>
-            </a:r>
-            <a:r>
-              <a:rPr lang="en-US" baseline="0" dirty="0" smtClean="0"/>
-              <a:t> and blog</a:t>
+              <a:rPr lang="en-US" baseline="0" dirty="0"/>
+              <a:t> actually points to another thing.</a:t>
             </a:r>
             <a:endParaRPr lang="en-US" dirty="0"/>
           </a:p>
@@ -1370,7 +1349,7 @@
     </p:spTree>
     <p:extLst>
       <p:ext uri="{BB962C8B-B14F-4D97-AF65-F5344CB8AC3E}">
-        <p14:creationId xmlns:p14="http://schemas.microsoft.com/office/powerpoint/2010/main" val="435414379"/>
+        <p14:creationId xmlns:p14="http://schemas.microsoft.com/office/powerpoint/2010/main" val="4163809378"/>
       </p:ext>
     </p:extLst>
   </p:cSld>
@@ -1424,301 +1403,18 @@
           <a:bodyPr/>
           <a:lstStyle/>
           <a:p>
-            <a:pPr marL="0" marR="0" indent="0" algn="l" defTabSz="457200" rtl="0" eaLnBrk="1" fontAlgn="auto" latinLnBrk="0" hangingPunct="1">
-              <a:lnSpc>
-                <a:spcPct val="100000"/>
-              </a:lnSpc>
-              <a:spcBef>
-                <a:spcPts val="0"/>
-              </a:spcBef>
-              <a:spcAft>
-                <a:spcPts val="0"/>
-              </a:spcAft>
-              <a:buClrTx/>
-              <a:buSzTx/>
-              <a:buFontTx/>
-              <a:buNone/>
-              <a:tabLst/>
-              <a:defRPr/>
-            </a:pPr>
             <a:r>
-              <a:rPr lang="en-GB" baseline="0" dirty="0" smtClean="0"/>
-              <a:t>(Was second slide)</a:t>
-            </a:r>
-          </a:p>
-          <a:p>
-            <a:pPr marL="0" marR="0" indent="0" algn="l" defTabSz="457200" rtl="0" eaLnBrk="1" fontAlgn="auto" latinLnBrk="0" hangingPunct="1">
-              <a:lnSpc>
-                <a:spcPct val="100000"/>
-              </a:lnSpc>
-              <a:spcBef>
-                <a:spcPts val="0"/>
-              </a:spcBef>
-              <a:spcAft>
-                <a:spcPts val="0"/>
-              </a:spcAft>
-              <a:buClrTx/>
-              <a:buSzTx/>
-              <a:buFontTx/>
-              <a:buNone/>
-              <a:tabLst/>
-              <a:defRPr/>
-            </a:pPr>
-            <a:r>
-              <a:rPr lang="en-GB" baseline="0" dirty="0" smtClean="0"/>
-              <a:t>(Before this slide)</a:t>
-            </a:r>
-          </a:p>
-          <a:p>
-            <a:pPr marL="171450" indent="-171450">
-              <a:buFontTx/>
-              <a:buChar char="-"/>
-            </a:pPr>
-            <a:r>
-              <a:rPr lang="en-US" baseline="0" dirty="0" smtClean="0"/>
-              <a:t>Is not related to the main point.</a:t>
-            </a:r>
-          </a:p>
-          <a:p>
-            <a:pPr marL="171450" indent="-171450">
-              <a:buFontTx/>
-              <a:buChar char="-"/>
-            </a:pPr>
-            <a:endParaRPr lang="en-US" baseline="0" dirty="0" smtClean="0"/>
-          </a:p>
-          <a:p>
-            <a:pPr marL="0" indent="0">
-              <a:buFontTx/>
-              <a:buNone/>
-            </a:pPr>
-            <a:r>
-              <a:rPr lang="en-US" baseline="0" dirty="0" smtClean="0"/>
-              <a:t>I hate null. Originally mean memory location 0x0 on memory. Is a value without real meaning. There is no metadata associated.</a:t>
-            </a:r>
-          </a:p>
-          <a:p>
-            <a:pPr marL="0" indent="0">
-              <a:buFontTx/>
-              <a:buNone/>
-            </a:pPr>
-            <a:r>
-              <a:rPr lang="en-US" baseline="0" dirty="0" smtClean="0"/>
-              <a:t>When you can’t use null because is not a reference? </a:t>
+              <a:rPr lang="en-US" dirty="0"/>
+              <a:t>Add twitter </a:t>
             </a:r>
             <a:r>
-              <a:rPr lang="en-US" baseline="0" dirty="0" err="1" smtClean="0"/>
-              <a:t>String.IndexOf</a:t>
+              <a:rPr lang="en-US" dirty="0" err="1"/>
+              <a:t>github</a:t>
             </a:r>
             <a:r>
-              <a:rPr lang="en-US" baseline="0" dirty="0" smtClean="0"/>
-              <a:t>() -1</a:t>
+              <a:rPr lang="en-US" baseline="0" dirty="0"/>
+              <a:t> and blog</a:t>
             </a:r>
-          </a:p>
-          <a:p>
-            <a:pPr marL="0" indent="0">
-              <a:buFontTx/>
-              <a:buNone/>
-            </a:pPr>
-            <a:r>
-              <a:rPr lang="en-US" baseline="0" dirty="0" smtClean="0"/>
-              <a:t>Same, no real meaning, no metadata.</a:t>
-            </a:r>
-          </a:p>
-          <a:p>
-            <a:pPr marL="0" indent="0">
-              <a:buFontTx/>
-              <a:buNone/>
-            </a:pPr>
-            <a:r>
-              <a:rPr lang="en-US" baseline="0" dirty="0" smtClean="0"/>
-              <a:t>Tony Hoare, the creator of null, 1 billion mistake. He would prefer not to have invented it.</a:t>
-            </a:r>
-          </a:p>
-          <a:p>
-            <a:pPr marL="0" indent="0">
-              <a:buFontTx/>
-              <a:buNone/>
-            </a:pPr>
-            <a:endParaRPr lang="en-US" baseline="0" dirty="0" smtClean="0"/>
-          </a:p>
-          <a:p>
-            <a:pPr marL="0" indent="0">
-              <a:buFontTx/>
-              <a:buNone/>
-            </a:pPr>
-            <a:r>
-              <a:rPr lang="en-US" baseline="0" dirty="0" smtClean="0"/>
-              <a:t>Some languages having null, but not being location 0x0. Nil in Swift. Is a construct. But with the same properties.</a:t>
-            </a:r>
-          </a:p>
-          <a:p>
-            <a:pPr marL="0" indent="0">
-              <a:buFontTx/>
-              <a:buNone/>
-            </a:pPr>
-            <a:endParaRPr lang="en-US" baseline="0" dirty="0" smtClean="0"/>
-          </a:p>
-          <a:p>
-            <a:pPr marL="0" indent="0">
-              <a:buFontTx/>
-              <a:buNone/>
-            </a:pPr>
-            <a:r>
-              <a:rPr lang="en-US" baseline="0" dirty="0" smtClean="0"/>
-              <a:t>And then I learned about Algebraic Data Types and the Maybe Monad on functional languages. Oh the breeze, so much easier to deal with mistakes and errors.</a:t>
-            </a:r>
-          </a:p>
-          <a:p>
-            <a:pPr marL="0" indent="0">
-              <a:buFontTx/>
-              <a:buNone/>
-            </a:pPr>
-            <a:endParaRPr lang="en-GB" baseline="0" dirty="0" smtClean="0"/>
-          </a:p>
-          <a:p>
-            <a:pPr marL="0" indent="0">
-              <a:buFontTx/>
-              <a:buNone/>
-            </a:pPr>
-            <a:r>
-              <a:rPr lang="en-GB" baseline="0" dirty="0" smtClean="0"/>
-              <a:t>What this have to do with what I’m talking about?</a:t>
-            </a:r>
-          </a:p>
-          <a:p>
-            <a:pPr marL="0" marR="0" indent="0" algn="l" defTabSz="457200" rtl="0" eaLnBrk="1" fontAlgn="auto" latinLnBrk="0" hangingPunct="1">
-              <a:lnSpc>
-                <a:spcPct val="100000"/>
-              </a:lnSpc>
-              <a:spcBef>
-                <a:spcPts val="0"/>
-              </a:spcBef>
-              <a:spcAft>
-                <a:spcPts val="0"/>
-              </a:spcAft>
-              <a:buClrTx/>
-              <a:buSzTx/>
-              <a:buFontTx/>
-              <a:buNone/>
-              <a:tabLst/>
-              <a:defRPr/>
-            </a:pPr>
-            <a:r>
-              <a:rPr lang="en-GB" baseline="0" dirty="0" smtClean="0"/>
-              <a:t>(Click into this slide)</a:t>
-            </a:r>
-          </a:p>
-          <a:p>
-            <a:pPr marL="0" marR="0" indent="0" algn="l" defTabSz="457200" rtl="0" eaLnBrk="1" fontAlgn="auto" latinLnBrk="0" hangingPunct="1">
-              <a:lnSpc>
-                <a:spcPct val="100000"/>
-              </a:lnSpc>
-              <a:spcBef>
-                <a:spcPts val="0"/>
-              </a:spcBef>
-              <a:spcAft>
-                <a:spcPts val="0"/>
-              </a:spcAft>
-              <a:buClrTx/>
-              <a:buSzTx/>
-              <a:buFontTx/>
-              <a:buNone/>
-              <a:tabLst/>
-              <a:defRPr/>
-            </a:pPr>
-            <a:endParaRPr lang="en-GB" baseline="0" dirty="0" smtClean="0"/>
-          </a:p>
-          <a:p>
-            <a:pPr marL="0" marR="0" indent="0" algn="l" defTabSz="457200" rtl="0" eaLnBrk="1" fontAlgn="auto" latinLnBrk="0" hangingPunct="1">
-              <a:lnSpc>
-                <a:spcPct val="100000"/>
-              </a:lnSpc>
-              <a:spcBef>
-                <a:spcPts val="0"/>
-              </a:spcBef>
-              <a:spcAft>
-                <a:spcPts val="0"/>
-              </a:spcAft>
-              <a:buClrTx/>
-              <a:buSzTx/>
-              <a:buFontTx/>
-              <a:buNone/>
-              <a:tabLst/>
-              <a:defRPr/>
-            </a:pPr>
-            <a:r>
-              <a:rPr lang="en-GB" baseline="0" dirty="0" smtClean="0"/>
-              <a:t>Well, will be telling if I told you otherwise.</a:t>
-            </a:r>
-          </a:p>
-          <a:p>
-            <a:pPr marL="0" marR="0" indent="0" algn="l" defTabSz="457200" rtl="0" eaLnBrk="1" fontAlgn="auto" latinLnBrk="0" hangingPunct="1">
-              <a:lnSpc>
-                <a:spcPct val="100000"/>
-              </a:lnSpc>
-              <a:spcBef>
-                <a:spcPts val="0"/>
-              </a:spcBef>
-              <a:spcAft>
-                <a:spcPts val="0"/>
-              </a:spcAft>
-              <a:buClrTx/>
-              <a:buSzTx/>
-              <a:buFontTx/>
-              <a:buNone/>
-              <a:tabLst/>
-              <a:defRPr/>
-            </a:pPr>
-            <a:endParaRPr lang="en-GB" baseline="0" dirty="0" smtClean="0"/>
-          </a:p>
-          <a:p>
-            <a:pPr marL="0" marR="0" indent="0" algn="l" defTabSz="457200" rtl="0" eaLnBrk="1" fontAlgn="auto" latinLnBrk="0" hangingPunct="1">
-              <a:lnSpc>
-                <a:spcPct val="100000"/>
-              </a:lnSpc>
-              <a:spcBef>
-                <a:spcPts val="0"/>
-              </a:spcBef>
-              <a:spcAft>
-                <a:spcPts val="0"/>
-              </a:spcAft>
-              <a:buClrTx/>
-              <a:buSzTx/>
-              <a:buFontTx/>
-              <a:buNone/>
-              <a:tabLst/>
-              <a:defRPr/>
-            </a:pPr>
-            <a:r>
-              <a:rPr lang="en-GB" baseline="0" dirty="0" smtClean="0"/>
-              <a:t>I need an assistant, anyone? Not pretty enough/too pretty (will distract from me)</a:t>
-            </a:r>
-          </a:p>
-          <a:p>
-            <a:pPr marL="0" marR="0" indent="0" algn="l" defTabSz="457200" rtl="0" eaLnBrk="1" fontAlgn="auto" latinLnBrk="0" hangingPunct="1">
-              <a:lnSpc>
-                <a:spcPct val="100000"/>
-              </a:lnSpc>
-              <a:spcBef>
-                <a:spcPts val="0"/>
-              </a:spcBef>
-              <a:spcAft>
-                <a:spcPts val="0"/>
-              </a:spcAft>
-              <a:buClrTx/>
-              <a:buSzTx/>
-              <a:buFontTx/>
-              <a:buNone/>
-              <a:tabLst/>
-              <a:defRPr/>
-            </a:pPr>
-            <a:r>
-              <a:rPr lang="en-GB" baseline="0" dirty="0" smtClean="0"/>
-              <a:t>So, now I’m going to introduce you to my assistant: Bill (click)</a:t>
-            </a:r>
-            <a:endParaRPr lang="en-US" dirty="0" smtClean="0"/>
-          </a:p>
-          <a:p>
             <a:endParaRPr lang="en-US" dirty="0"/>
           </a:p>
         </p:txBody>
@@ -1740,7 +1436,7 @@
           <a:p>
             <a:fld id="{2345002C-B4C8-0744-B509-29A3CA95BDFE}" type="slidenum">
               <a:rPr lang="en-US" smtClean="0"/>
-              <a:t>20</a:t>
+              <a:t>18</a:t>
             </a:fld>
             <a:endParaRPr lang="en-US"/>
           </a:p>
@@ -1749,7 +1445,7 @@
     </p:spTree>
     <p:extLst>
       <p:ext uri="{BB962C8B-B14F-4D97-AF65-F5344CB8AC3E}">
-        <p14:creationId xmlns:p14="http://schemas.microsoft.com/office/powerpoint/2010/main" val="1035665269"/>
+        <p14:creationId xmlns:p14="http://schemas.microsoft.com/office/powerpoint/2010/main" val="435414379"/>
       </p:ext>
     </p:extLst>
   </p:cSld>
@@ -1804,10 +1500,9 @@
           <a:lstStyle/>
           <a:p>
             <a:r>
-              <a:rPr lang="en-US" dirty="0" smtClean="0"/>
+              <a:rPr lang="en-US" dirty="0"/>
               <a:t>So, you are all my rubber ducks</a:t>
             </a:r>
-            <a:endParaRPr lang="en-US" dirty="0"/>
           </a:p>
         </p:txBody>
       </p:sp>
@@ -1892,23 +1587,23 @@
           <a:lstStyle/>
           <a:p>
             <a:r>
-              <a:rPr lang="en-GB" dirty="0" smtClean="0"/>
+              <a:rPr lang="en-GB" dirty="0"/>
               <a:t>Let me introduce you to Bill. He will be helping us on getting this through.</a:t>
             </a:r>
           </a:p>
           <a:p>
-            <a:endParaRPr lang="en-GB" dirty="0" smtClean="0"/>
-          </a:p>
-          <a:p>
-            <a:endParaRPr lang="en-GB" dirty="0" smtClean="0"/>
+            <a:endParaRPr lang="en-GB" dirty="0"/>
+          </a:p>
+          <a:p>
+            <a:endParaRPr lang="en-GB" dirty="0"/>
           </a:p>
           <a:p>
             <a:r>
-              <a:rPr lang="en-GB" dirty="0" smtClean="0"/>
+              <a:rPr lang="en-GB" dirty="0"/>
               <a:t>Say</a:t>
             </a:r>
             <a:r>
-              <a:rPr lang="en-GB" baseline="0" dirty="0" smtClean="0"/>
+              <a:rPr lang="en-GB" baseline="0" dirty="0"/>
               <a:t> Hello Bill &lt;click&gt;</a:t>
             </a:r>
             <a:endParaRPr lang="en-US" dirty="0"/>
@@ -1996,11 +1691,11 @@
           <a:lstStyle/>
           <a:p>
             <a:r>
-              <a:rPr lang="en-GB" dirty="0" smtClean="0"/>
+              <a:rPr lang="en-GB" dirty="0"/>
               <a:t>Time to</a:t>
             </a:r>
             <a:r>
-              <a:rPr lang="en-GB" baseline="0" dirty="0" smtClean="0"/>
+              <a:rPr lang="en-GB" baseline="0" dirty="0"/>
               <a:t> start working on this &lt;click&gt;</a:t>
             </a:r>
             <a:endParaRPr lang="en-US" dirty="0"/>
@@ -2088,45 +1783,45 @@
           <a:lstStyle/>
           <a:p>
             <a:r>
-              <a:rPr lang="en-GB" dirty="0" smtClean="0"/>
+              <a:rPr lang="en-GB" dirty="0"/>
               <a:t>Today we are</a:t>
             </a:r>
             <a:r>
-              <a:rPr lang="en-GB" baseline="0" dirty="0" smtClean="0"/>
+              <a:rPr lang="en-GB" baseline="0" dirty="0"/>
               <a:t> actually going to be talking about &lt;click&gt;</a:t>
             </a:r>
           </a:p>
           <a:p>
-            <a:endParaRPr lang="en-GB" baseline="0" dirty="0" smtClean="0"/>
+            <a:endParaRPr lang="en-GB" baseline="0" dirty="0"/>
           </a:p>
           <a:p>
             <a:r>
-              <a:rPr lang="en-GB" baseline="0" dirty="0" smtClean="0"/>
+              <a:rPr lang="en-GB" baseline="0" dirty="0"/>
               <a:t>Cakes!!</a:t>
             </a:r>
           </a:p>
           <a:p>
-            <a:endParaRPr lang="en-GB" baseline="0" dirty="0" smtClean="0"/>
+            <a:endParaRPr lang="en-GB" baseline="0" dirty="0"/>
           </a:p>
           <a:p>
             <a:r>
-              <a:rPr lang="en-GB" baseline="0" dirty="0" smtClean="0"/>
+              <a:rPr lang="en-GB" baseline="0" dirty="0"/>
               <a:t>Actually, sorry, no, Bill &lt;click&gt;</a:t>
             </a:r>
           </a:p>
           <a:p>
-            <a:endParaRPr lang="en-GB" baseline="0" dirty="0" smtClean="0"/>
+            <a:endParaRPr lang="en-GB" baseline="0" dirty="0"/>
           </a:p>
           <a:p>
             <a:r>
-              <a:rPr lang="en-GB" baseline="0" dirty="0" smtClean="0"/>
+              <a:rPr lang="en-GB" baseline="0" dirty="0"/>
               <a:t>Today we are going to talking about software &lt;click&gt;</a:t>
             </a:r>
           </a:p>
           <a:p>
             <a:r>
-              <a:rPr lang="en-GB" baseline="0" dirty="0" smtClean="0"/>
-              <a:t>And how we create/design/despair</a:t>
+              <a:rPr lang="en-GB" baseline="0" dirty="0"/>
+              <a:t>And how we create our applications</a:t>
             </a:r>
           </a:p>
         </p:txBody>
@@ -2212,69 +1907,61 @@
           <a:lstStyle/>
           <a:p>
             <a:r>
-              <a:rPr lang="en-GB" dirty="0" smtClean="0"/>
+              <a:rPr lang="en-GB" dirty="0"/>
               <a:t>The first thing that</a:t>
             </a:r>
             <a:r>
-              <a:rPr lang="en-GB" baseline="0" dirty="0" smtClean="0"/>
+              <a:rPr lang="en-GB" baseline="0" dirty="0"/>
               <a:t> we need is always to make something work. How it works is not as important. Make it run, make it right, make it fast (Douglas Kent Beck, who just passed away)&lt;click&gt;</a:t>
             </a:r>
           </a:p>
           <a:p>
-            <a:endParaRPr lang="en-GB" baseline="0" dirty="0" smtClean="0"/>
+            <a:endParaRPr lang="en-GB" baseline="0" dirty="0"/>
           </a:p>
           <a:p>
             <a:r>
-              <a:rPr lang="en-GB" baseline="0" dirty="0" smtClean="0"/>
+              <a:rPr lang="en-GB" baseline="0" dirty="0"/>
               <a:t>So, how we do achieve that? &lt;click&gt;</a:t>
             </a:r>
           </a:p>
           <a:p>
-            <a:endParaRPr lang="en-GB" baseline="0" dirty="0" smtClean="0"/>
+            <a:endParaRPr lang="en-GB" baseline="0" dirty="0"/>
           </a:p>
           <a:p>
             <a:r>
-              <a:rPr lang="en-GB" baseline="0" dirty="0" smtClean="0"/>
+              <a:rPr lang="en-GB" baseline="0" dirty="0"/>
               <a:t>Well, we can just create a single thing (be either class or object) &lt;click&gt;</a:t>
             </a:r>
           </a:p>
           <a:p>
-            <a:endParaRPr lang="en-GB" baseline="0" dirty="0" smtClean="0"/>
+            <a:endParaRPr lang="en-GB" baseline="0" dirty="0"/>
           </a:p>
           <a:p>
             <a:r>
-              <a:rPr lang="en-GB" baseline="0" dirty="0" smtClean="0"/>
+              <a:rPr lang="en-GB" baseline="0" dirty="0"/>
               <a:t>That we will put together with all the functionality&lt;click&gt;</a:t>
             </a:r>
           </a:p>
           <a:p>
-            <a:endParaRPr lang="en-GB" baseline="0" dirty="0" smtClean="0"/>
+            <a:endParaRPr lang="en-GB" baseline="0" dirty="0"/>
           </a:p>
           <a:p>
             <a:r>
-              <a:rPr lang="en-GB" baseline="0" dirty="0" smtClean="0"/>
-              <a:t>But of course. This is problematic. You know, a monolith is more difficult to change, more difficult to </a:t>
+              <a:rPr lang="en-GB" baseline="0" dirty="0"/>
+              <a:t>But of course. This is problematic. You know, a monolith is more difficult to change, more difficult to improve&lt;click&gt;</a:t>
             </a:r>
+          </a:p>
+          <a:p>
+            <a:endParaRPr lang="en-GB" baseline="0" dirty="0"/>
+          </a:p>
+          <a:p>
             <a:r>
-              <a:rPr lang="en-GB" baseline="0" dirty="0" err="1" smtClean="0"/>
-              <a:t>imrpove</a:t>
-            </a:r>
-            <a:r>
-              <a:rPr lang="en-GB" baseline="0" dirty="0" smtClean="0"/>
-              <a:t>, more difficult to scale?&lt;click&gt;</a:t>
-            </a:r>
-          </a:p>
-          <a:p>
-            <a:endParaRPr lang="en-GB" baseline="0" dirty="0" smtClean="0"/>
-          </a:p>
-          <a:p>
-            <a:r>
-              <a:rPr lang="en-GB" baseline="0" dirty="0" smtClean="0"/>
+              <a:rPr lang="en-GB" baseline="0" dirty="0"/>
               <a:t>DHH – Majestic monolith (yesterday) – Good for small teams/small codebases. We already doing distributed computing.</a:t>
             </a:r>
           </a:p>
           <a:p>
-            <a:endParaRPr lang="en-GB" baseline="0" dirty="0" smtClean="0"/>
+            <a:endParaRPr lang="en-GB" baseline="0" dirty="0"/>
           </a:p>
         </p:txBody>
       </p:sp>
@@ -2376,7 +2063,7 @@
               <a:defRPr/>
             </a:pPr>
             <a:r>
-              <a:rPr lang="en-GB" baseline="0" dirty="0" smtClean="0"/>
+              <a:rPr lang="en-GB" baseline="0" dirty="0"/>
               <a:t>Then what can we do? &lt;click&gt;</a:t>
             </a:r>
           </a:p>
@@ -2466,11 +2153,11 @@
           <a:lstStyle/>
           <a:p>
             <a:r>
-              <a:rPr lang="en-US" dirty="0" smtClean="0"/>
+              <a:rPr lang="en-US" dirty="0"/>
               <a:t>A nice a</a:t>
             </a:r>
             <a:r>
-              <a:rPr lang="en-US" baseline="0" dirty="0" smtClean="0"/>
+              <a:rPr lang="en-US" baseline="0" dirty="0"/>
               <a:t> layered cake, looks more tasty</a:t>
             </a:r>
             <a:endParaRPr lang="en-US" dirty="0"/>
@@ -2558,131 +2245,130 @@
           <a:lstStyle/>
           <a:p>
             <a:r>
-              <a:rPr lang="en-US" dirty="0" smtClean="0"/>
+              <a:rPr lang="en-US" dirty="0"/>
               <a:t>Controller</a:t>
             </a:r>
-            <a:endParaRPr lang="en-US" baseline="0" dirty="0" smtClean="0"/>
-          </a:p>
-          <a:p>
-            <a:endParaRPr lang="en-US" baseline="0" dirty="0" smtClean="0"/>
+            <a:endParaRPr lang="en-US" baseline="0" dirty="0"/>
+          </a:p>
+          <a:p>
+            <a:endParaRPr lang="en-US" baseline="0" dirty="0"/>
           </a:p>
           <a:p>
             <a:r>
-              <a:rPr lang="en-US" baseline="0" dirty="0" smtClean="0"/>
+              <a:rPr lang="en-US" baseline="0" dirty="0"/>
               <a:t>Business Logic</a:t>
             </a:r>
           </a:p>
           <a:p>
-            <a:endParaRPr lang="en-US" baseline="0" dirty="0" smtClean="0"/>
+            <a:endParaRPr lang="en-US" baseline="0" dirty="0"/>
           </a:p>
           <a:p>
             <a:r>
-              <a:rPr lang="en-US" baseline="0" dirty="0" smtClean="0"/>
+              <a:rPr lang="en-US" baseline="0" dirty="0"/>
               <a:t>Adapter</a:t>
             </a:r>
           </a:p>
           <a:p>
-            <a:endParaRPr lang="en-US" baseline="0" dirty="0" smtClean="0"/>
+            <a:endParaRPr lang="en-US" baseline="0" dirty="0"/>
           </a:p>
           <a:p>
             <a:r>
-              <a:rPr lang="en-US" baseline="0" dirty="0" smtClean="0"/>
+              <a:rPr lang="en-US" baseline="0" dirty="0"/>
               <a:t>Data</a:t>
             </a:r>
           </a:p>
           <a:p>
-            <a:endParaRPr lang="en-US" baseline="0" dirty="0" smtClean="0"/>
+            <a:endParaRPr lang="en-US" baseline="0" dirty="0"/>
           </a:p>
           <a:p>
             <a:r>
-              <a:rPr lang="en-US" baseline="0" dirty="0" smtClean="0"/>
+              <a:rPr lang="en-US" baseline="0" dirty="0"/>
               <a:t>Going back to the fruit cake</a:t>
             </a:r>
           </a:p>
           <a:p>
-            <a:endParaRPr lang="en-US" baseline="0" dirty="0" smtClean="0"/>
+            <a:endParaRPr lang="en-US" baseline="0" dirty="0"/>
           </a:p>
           <a:p>
             <a:r>
-              <a:rPr lang="en-US" baseline="0" dirty="0" smtClean="0"/>
+              <a:rPr lang="en-US" baseline="0" dirty="0"/>
               <a:t>Usually setup as separate classes/projects.</a:t>
             </a:r>
           </a:p>
           <a:p>
-            <a:endParaRPr lang="en-US" baseline="0" dirty="0" smtClean="0"/>
+            <a:endParaRPr lang="en-US" baseline="0" dirty="0"/>
           </a:p>
           <a:p>
             <a:r>
-              <a:rPr lang="en-US" baseline="0" dirty="0" smtClean="0"/>
+              <a:rPr lang="en-US" baseline="0" dirty="0"/>
               <a:t>Lets see an example!!</a:t>
             </a:r>
           </a:p>
           <a:p>
-            <a:endParaRPr lang="en-US" baseline="0" dirty="0" smtClean="0"/>
-          </a:p>
-          <a:p>
-            <a:endParaRPr lang="en-US" baseline="0" dirty="0" smtClean="0"/>
+            <a:endParaRPr lang="en-US" baseline="0" dirty="0"/>
+          </a:p>
+          <a:p>
+            <a:endParaRPr lang="en-US" baseline="0" dirty="0"/>
           </a:p>
           <a:p>
             <a:r>
-              <a:rPr lang="en-US" baseline="0" dirty="0" smtClean="0"/>
+              <a:rPr lang="en-US" baseline="0" dirty="0"/>
               <a:t>But if we use layers, the objects that deal with a layer do they need to know what is below them?</a:t>
             </a:r>
           </a:p>
           <a:p>
             <a:r>
-              <a:rPr lang="en-US" baseline="0" dirty="0" err="1" smtClean="0"/>
+              <a:rPr lang="en-US" baseline="0" dirty="0" err="1"/>
               <a:t>Owin</a:t>
             </a:r>
             <a:r>
-              <a:rPr lang="en-US" baseline="0" dirty="0" smtClean="0"/>
+              <a:rPr lang="en-US" baseline="0" dirty="0"/>
               <a:t> middleware how to deal with it kind of nicely. Static language is on the way.</a:t>
             </a:r>
           </a:p>
           <a:p>
-            <a:endParaRPr lang="en-US" baseline="0" dirty="0" smtClean="0"/>
-          </a:p>
-          <a:p>
-            <a:endParaRPr lang="en-US" baseline="0" dirty="0" smtClean="0"/>
+            <a:endParaRPr lang="en-US" baseline="0" dirty="0"/>
+          </a:p>
+          <a:p>
+            <a:endParaRPr lang="en-US" baseline="0" dirty="0"/>
           </a:p>
           <a:p>
             <a:r>
-              <a:rPr lang="en-US" baseline="0" dirty="0" smtClean="0"/>
+              <a:rPr lang="en-US" baseline="0" dirty="0"/>
               <a:t>But what happens when we need to add a new endpoint, or modify or improve one of the others?</a:t>
             </a:r>
           </a:p>
           <a:p>
-            <a:endParaRPr lang="en-US" baseline="0" dirty="0" smtClean="0"/>
+            <a:endParaRPr lang="en-US" baseline="0" dirty="0"/>
           </a:p>
           <a:p>
             <a:r>
-              <a:rPr lang="en-US" baseline="0" dirty="0" smtClean="0"/>
+              <a:rPr lang="en-US" baseline="0" dirty="0"/>
               <a:t>But layers are logical, not the actual separation of projects on your code.</a:t>
             </a:r>
           </a:p>
           <a:p>
-            <a:endParaRPr lang="en-US" dirty="0" smtClean="0"/>
-          </a:p>
-          <a:p>
-            <a:endParaRPr lang="en-US" dirty="0" smtClean="0"/>
-          </a:p>
-          <a:p>
-            <a:endParaRPr lang="en-US" dirty="0" smtClean="0"/>
+            <a:endParaRPr lang="en-US" dirty="0"/>
+          </a:p>
+          <a:p>
+            <a:endParaRPr lang="en-US" dirty="0"/>
+          </a:p>
+          <a:p>
+            <a:endParaRPr lang="en-US" dirty="0"/>
           </a:p>
           <a:p>
             <a:r>
-              <a:rPr lang="en-US" dirty="0" smtClean="0"/>
+              <a:rPr lang="en-US" dirty="0"/>
               <a:t>Show </a:t>
             </a:r>
             <a:r>
-              <a:rPr lang="en-US" dirty="0" err="1" smtClean="0"/>
+              <a:rPr lang="en-US" dirty="0" err="1"/>
               <a:t>Promocode</a:t>
             </a:r>
             <a:r>
-              <a:rPr lang="en-US" dirty="0" smtClean="0"/>
+              <a:rPr lang="en-US" dirty="0"/>
               <a:t> before any change</a:t>
             </a:r>
-            <a:endParaRPr lang="en-US" dirty="0"/>
           </a:p>
         </p:txBody>
       </p:sp>
@@ -2846,7 +2532,7 @@
           </a:lstStyle>
           <a:p>
             <a:r>
-              <a:rPr lang="en-AU" smtClean="0"/>
+              <a:rPr lang="en-AU"/>
               <a:t>Click to edit Master title style</a:t>
             </a:r>
             <a:endParaRPr/>
@@ -2981,7 +2667,7 @@
           </a:lstStyle>
           <a:p>
             <a:r>
-              <a:rPr lang="en-AU" smtClean="0"/>
+              <a:rPr lang="en-AU"/>
               <a:t>Click to edit Master subtitle style</a:t>
             </a:r>
             <a:endParaRPr dirty="0"/>
@@ -3005,7 +2691,7 @@
           <a:p>
             <a:fld id="{B01F9CA3-105E-4857-9057-6DB6197DA786}" type="datetimeFigureOut">
               <a:rPr lang="en-US" smtClean="0"/>
-              <a:t>18/04/16</a:t>
+              <a:t>4/18/2016</a:t>
             </a:fld>
             <a:endParaRPr lang="en-US"/>
           </a:p>
@@ -3103,7 +2789,7 @@
           </a:lstStyle>
           <a:p>
             <a:r>
-              <a:rPr lang="en-AU" smtClean="0"/>
+              <a:rPr lang="en-AU"/>
               <a:t>Click to edit Master title style</a:t>
             </a:r>
             <a:endParaRPr/>
@@ -3174,7 +2860,7 @@
           <a:p>
             <a:pPr lvl="0"/>
             <a:r>
-              <a:rPr lang="en-AU" smtClean="0"/>
+              <a:rPr lang="en-AU"/>
               <a:t>Click to edit Master text styles</a:t>
             </a:r>
           </a:p>
@@ -3197,7 +2883,7 @@
           <a:p>
             <a:fld id="{B01F9CA3-105E-4857-9057-6DB6197DA786}" type="datetimeFigureOut">
               <a:rPr lang="en-US" smtClean="0"/>
-              <a:t>18/04/16</a:t>
+              <a:t>4/18/2016</a:t>
             </a:fld>
             <a:endParaRPr lang="en-US"/>
           </a:p>
@@ -3338,7 +3024,7 @@
           </a:lstStyle>
           <a:p>
             <a:r>
-              <a:rPr lang="en-AU" smtClean="0"/>
+              <a:rPr lang="en-AU"/>
               <a:t>Drag picture to placeholder or click icon to add</a:t>
             </a:r>
             <a:endParaRPr/>
@@ -3386,7 +3072,7 @@
           <a:lstStyle/>
           <a:p>
             <a:r>
-              <a:rPr lang="en-AU" smtClean="0"/>
+              <a:rPr lang="en-AU"/>
               <a:t>Click to edit Master title style</a:t>
             </a:r>
             <a:endParaRPr/>
@@ -3414,35 +3100,35 @@
           <a:p>
             <a:pPr lvl="0"/>
             <a:r>
-              <a:rPr lang="en-AU" smtClean="0"/>
+              <a:rPr lang="en-AU"/>
               <a:t>Click to edit Master text styles</a:t>
             </a:r>
           </a:p>
           <a:p>
             <a:pPr lvl="1"/>
             <a:r>
-              <a:rPr lang="en-AU" smtClean="0"/>
+              <a:rPr lang="en-AU"/>
               <a:t>Second level</a:t>
             </a:r>
           </a:p>
           <a:p>
             <a:pPr lvl="2"/>
             <a:r>
-              <a:rPr lang="en-AU" smtClean="0"/>
+              <a:rPr lang="en-AU"/>
               <a:t>Third level</a:t>
             </a:r>
           </a:p>
           <a:p>
             <a:pPr lvl="3"/>
             <a:r>
-              <a:rPr lang="en-AU" smtClean="0"/>
+              <a:rPr lang="en-AU"/>
               <a:t>Fourth level</a:t>
             </a:r>
           </a:p>
           <a:p>
             <a:pPr lvl="4"/>
             <a:r>
-              <a:rPr lang="en-AU" smtClean="0"/>
+              <a:rPr lang="en-AU"/>
               <a:t>Fifth level</a:t>
             </a:r>
             <a:endParaRPr dirty="0"/>
@@ -3466,7 +3152,7 @@
           <a:p>
             <a:fld id="{B01F9CA3-105E-4857-9057-6DB6197DA786}" type="datetimeFigureOut">
               <a:rPr lang="en-US" smtClean="0"/>
-              <a:t>18/04/16</a:t>
+              <a:t>4/18/2016</a:t>
             </a:fld>
             <a:endParaRPr lang="en-US"/>
           </a:p>
@@ -3560,7 +3246,7 @@
           <a:lstStyle/>
           <a:p>
             <a:r>
-              <a:rPr lang="en-AU" smtClean="0"/>
+              <a:rPr lang="en-AU"/>
               <a:t>Click to edit Master title style</a:t>
             </a:r>
             <a:endParaRPr/>
@@ -3593,35 +3279,35 @@
           <a:p>
             <a:pPr lvl="0"/>
             <a:r>
-              <a:rPr lang="en-AU" smtClean="0"/>
+              <a:rPr lang="en-AU"/>
               <a:t>Click to edit Master text styles</a:t>
             </a:r>
           </a:p>
           <a:p>
             <a:pPr lvl="1"/>
             <a:r>
-              <a:rPr lang="en-AU" smtClean="0"/>
+              <a:rPr lang="en-AU"/>
               <a:t>Second level</a:t>
             </a:r>
           </a:p>
           <a:p>
             <a:pPr lvl="2"/>
             <a:r>
-              <a:rPr lang="en-AU" smtClean="0"/>
+              <a:rPr lang="en-AU"/>
               <a:t>Third level</a:t>
             </a:r>
           </a:p>
           <a:p>
             <a:pPr lvl="3"/>
             <a:r>
-              <a:rPr lang="en-AU" smtClean="0"/>
+              <a:rPr lang="en-AU"/>
               <a:t>Fourth level</a:t>
             </a:r>
           </a:p>
           <a:p>
             <a:pPr lvl="4"/>
             <a:r>
-              <a:rPr lang="en-AU" smtClean="0"/>
+              <a:rPr lang="en-AU"/>
               <a:t>Fifth level</a:t>
             </a:r>
             <a:endParaRPr dirty="0"/>
@@ -3645,7 +3331,7 @@
           <a:p>
             <a:fld id="{B01F9CA3-105E-4857-9057-6DB6197DA786}" type="datetimeFigureOut">
               <a:rPr lang="en-US" smtClean="0"/>
-              <a:t>18/04/16</a:t>
+              <a:t>4/18/2016</a:t>
             </a:fld>
             <a:endParaRPr lang="en-US"/>
           </a:p>
@@ -3734,7 +3420,7 @@
           <a:lstStyle/>
           <a:p>
             <a:r>
-              <a:rPr lang="en-AU" smtClean="0"/>
+              <a:rPr lang="en-AU"/>
               <a:t>Click to edit Master title style</a:t>
             </a:r>
             <a:endParaRPr/>
@@ -3762,35 +3448,35 @@
           <a:p>
             <a:pPr lvl="0"/>
             <a:r>
-              <a:rPr lang="en-AU" smtClean="0"/>
+              <a:rPr lang="en-AU"/>
               <a:t>Click to edit Master text styles</a:t>
             </a:r>
           </a:p>
           <a:p>
             <a:pPr lvl="1"/>
             <a:r>
-              <a:rPr lang="en-AU" smtClean="0"/>
+              <a:rPr lang="en-AU"/>
               <a:t>Second level</a:t>
             </a:r>
           </a:p>
           <a:p>
             <a:pPr lvl="2"/>
             <a:r>
-              <a:rPr lang="en-AU" smtClean="0"/>
+              <a:rPr lang="en-AU"/>
               <a:t>Third level</a:t>
             </a:r>
           </a:p>
           <a:p>
             <a:pPr lvl="3"/>
             <a:r>
-              <a:rPr lang="en-AU" smtClean="0"/>
+              <a:rPr lang="en-AU"/>
               <a:t>Fourth level</a:t>
             </a:r>
           </a:p>
           <a:p>
             <a:pPr lvl="4"/>
             <a:r>
-              <a:rPr lang="en-AU" smtClean="0"/>
+              <a:rPr lang="en-AU"/>
               <a:t>Fifth level</a:t>
             </a:r>
             <a:endParaRPr dirty="0"/>
@@ -3814,7 +3500,7 @@
           <a:p>
             <a:fld id="{B01F9CA3-105E-4857-9057-6DB6197DA786}" type="datetimeFigureOut">
               <a:rPr lang="en-US" smtClean="0"/>
-              <a:t>18/04/16</a:t>
+              <a:t>4/18/2016</a:t>
             </a:fld>
             <a:endParaRPr lang="en-US"/>
           </a:p>
@@ -3908,7 +3594,7 @@
           <a:lstStyle/>
           <a:p>
             <a:r>
-              <a:rPr lang="en-AU" smtClean="0"/>
+              <a:rPr lang="en-AU"/>
               <a:t>Click to edit Master title style</a:t>
             </a:r>
             <a:endParaRPr dirty="0"/>
@@ -4032,7 +3718,7 @@
           </a:lstStyle>
           <a:p>
             <a:r>
-              <a:rPr lang="en-AU" smtClean="0"/>
+              <a:rPr lang="en-AU"/>
               <a:t>Click to edit Master subtitle style</a:t>
             </a:r>
             <a:endParaRPr dirty="0"/>
@@ -4056,7 +3742,7 @@
           <a:p>
             <a:fld id="{B01F9CA3-105E-4857-9057-6DB6197DA786}" type="datetimeFigureOut">
               <a:rPr lang="en-US" smtClean="0"/>
-              <a:t>18/04/16</a:t>
+              <a:t>4/18/2016</a:t>
             </a:fld>
             <a:endParaRPr lang="en-US"/>
           </a:p>
@@ -4174,7 +3860,7 @@
           </a:lstStyle>
           <a:p>
             <a:r>
-              <a:rPr lang="en-AU" smtClean="0"/>
+              <a:rPr lang="en-AU"/>
               <a:t>Drag picture to placeholder or click icon to add</a:t>
             </a:r>
             <a:endParaRPr/>
@@ -4231,7 +3917,7 @@
           </a:lstStyle>
           <a:p>
             <a:r>
-              <a:rPr lang="en-AU" smtClean="0"/>
+              <a:rPr lang="en-AU"/>
               <a:t>Click to edit Master title style</a:t>
             </a:r>
             <a:endParaRPr/>
@@ -4356,7 +4042,7 @@
           <a:p>
             <a:pPr lvl="0"/>
             <a:r>
-              <a:rPr lang="en-AU" smtClean="0"/>
+              <a:rPr lang="en-AU"/>
               <a:t>Click to edit Master text styles</a:t>
             </a:r>
           </a:p>
@@ -4379,7 +4065,7 @@
           <a:p>
             <a:fld id="{B01F9CA3-105E-4857-9057-6DB6197DA786}" type="datetimeFigureOut">
               <a:rPr lang="en-US" smtClean="0"/>
-              <a:t>18/04/16</a:t>
+              <a:t>4/18/2016</a:t>
             </a:fld>
             <a:endParaRPr lang="en-US"/>
           </a:p>
@@ -4473,7 +4159,7 @@
           <a:lstStyle/>
           <a:p>
             <a:r>
-              <a:rPr lang="en-AU" smtClean="0"/>
+              <a:rPr lang="en-AU"/>
               <a:t>Click to edit Master title style</a:t>
             </a:r>
             <a:endParaRPr/>
@@ -4535,35 +4221,35 @@
           <a:p>
             <a:pPr lvl="0"/>
             <a:r>
-              <a:rPr lang="en-AU" smtClean="0"/>
+              <a:rPr lang="en-AU"/>
               <a:t>Click to edit Master text styles</a:t>
             </a:r>
           </a:p>
           <a:p>
             <a:pPr lvl="1"/>
             <a:r>
-              <a:rPr lang="en-AU" smtClean="0"/>
+              <a:rPr lang="en-AU"/>
               <a:t>Second level</a:t>
             </a:r>
           </a:p>
           <a:p>
             <a:pPr lvl="2"/>
             <a:r>
-              <a:rPr lang="en-AU" smtClean="0"/>
+              <a:rPr lang="en-AU"/>
               <a:t>Third level</a:t>
             </a:r>
           </a:p>
           <a:p>
             <a:pPr lvl="3"/>
             <a:r>
-              <a:rPr lang="en-AU" smtClean="0"/>
+              <a:rPr lang="en-AU"/>
               <a:t>Fourth level</a:t>
             </a:r>
           </a:p>
           <a:p>
             <a:pPr lvl="4"/>
             <a:r>
-              <a:rPr lang="en-AU" smtClean="0"/>
+              <a:rPr lang="en-AU"/>
               <a:t>Fifth level</a:t>
             </a:r>
             <a:endParaRPr dirty="0"/>
@@ -4625,35 +4311,35 @@
           <a:p>
             <a:pPr lvl="0"/>
             <a:r>
-              <a:rPr lang="en-AU" smtClean="0"/>
+              <a:rPr lang="en-AU"/>
               <a:t>Click to edit Master text styles</a:t>
             </a:r>
           </a:p>
           <a:p>
             <a:pPr lvl="1"/>
             <a:r>
-              <a:rPr lang="en-AU" smtClean="0"/>
+              <a:rPr lang="en-AU"/>
               <a:t>Second level</a:t>
             </a:r>
           </a:p>
           <a:p>
             <a:pPr lvl="2"/>
             <a:r>
-              <a:rPr lang="en-AU" smtClean="0"/>
+              <a:rPr lang="en-AU"/>
               <a:t>Third level</a:t>
             </a:r>
           </a:p>
           <a:p>
             <a:pPr lvl="3"/>
             <a:r>
-              <a:rPr lang="en-AU" smtClean="0"/>
+              <a:rPr lang="en-AU"/>
               <a:t>Fourth level</a:t>
             </a:r>
           </a:p>
           <a:p>
             <a:pPr lvl="4"/>
             <a:r>
-              <a:rPr lang="en-AU" smtClean="0"/>
+              <a:rPr lang="en-AU"/>
               <a:t>Fifth level</a:t>
             </a:r>
             <a:endParaRPr dirty="0"/>
@@ -4677,7 +4363,7 @@
           <a:p>
             <a:fld id="{B01F9CA3-105E-4857-9057-6DB6197DA786}" type="datetimeFigureOut">
               <a:rPr lang="en-US" smtClean="0"/>
-              <a:t>18/04/16</a:t>
+              <a:t>4/18/2016</a:t>
             </a:fld>
             <a:endParaRPr lang="en-US"/>
           </a:p>
@@ -4775,7 +4461,7 @@
           </a:lstStyle>
           <a:p>
             <a:r>
-              <a:rPr lang="en-AU" smtClean="0"/>
+              <a:rPr lang="en-AU"/>
               <a:t>Click to edit Master title style</a:t>
             </a:r>
             <a:endParaRPr/>
@@ -4853,7 +4539,7 @@
           <a:p>
             <a:pPr lvl="0"/>
             <a:r>
-              <a:rPr lang="en-AU" smtClean="0"/>
+              <a:rPr lang="en-AU"/>
               <a:t>Click to edit Master text styles</a:t>
             </a:r>
           </a:p>
@@ -4914,35 +4600,35 @@
           <a:p>
             <a:pPr lvl="0"/>
             <a:r>
-              <a:rPr lang="en-AU" smtClean="0"/>
+              <a:rPr lang="en-AU"/>
               <a:t>Click to edit Master text styles</a:t>
             </a:r>
           </a:p>
           <a:p>
             <a:pPr lvl="1"/>
             <a:r>
-              <a:rPr lang="en-AU" smtClean="0"/>
+              <a:rPr lang="en-AU"/>
               <a:t>Second level</a:t>
             </a:r>
           </a:p>
           <a:p>
             <a:pPr lvl="2"/>
             <a:r>
-              <a:rPr lang="en-AU" smtClean="0"/>
+              <a:rPr lang="en-AU"/>
               <a:t>Third level</a:t>
             </a:r>
           </a:p>
           <a:p>
             <a:pPr lvl="3"/>
             <a:r>
-              <a:rPr lang="en-AU" smtClean="0"/>
+              <a:rPr lang="en-AU"/>
               <a:t>Fourth level</a:t>
             </a:r>
           </a:p>
           <a:p>
             <a:pPr lvl="4"/>
             <a:r>
-              <a:rPr lang="en-AU" smtClean="0"/>
+              <a:rPr lang="en-AU"/>
               <a:t>Fifth level</a:t>
             </a:r>
             <a:endParaRPr dirty="0"/>
@@ -5020,7 +4706,7 @@
           <a:p>
             <a:pPr lvl="0"/>
             <a:r>
-              <a:rPr lang="en-AU" smtClean="0"/>
+              <a:rPr lang="en-AU"/>
               <a:t>Click to edit Master text styles</a:t>
             </a:r>
           </a:p>
@@ -5081,35 +4767,35 @@
           <a:p>
             <a:pPr lvl="0"/>
             <a:r>
-              <a:rPr lang="en-AU" smtClean="0"/>
+              <a:rPr lang="en-AU"/>
               <a:t>Click to edit Master text styles</a:t>
             </a:r>
           </a:p>
           <a:p>
             <a:pPr lvl="1"/>
             <a:r>
-              <a:rPr lang="en-AU" smtClean="0"/>
+              <a:rPr lang="en-AU"/>
               <a:t>Second level</a:t>
             </a:r>
           </a:p>
           <a:p>
             <a:pPr lvl="2"/>
             <a:r>
-              <a:rPr lang="en-AU" smtClean="0"/>
+              <a:rPr lang="en-AU"/>
               <a:t>Third level</a:t>
             </a:r>
           </a:p>
           <a:p>
             <a:pPr lvl="3"/>
             <a:r>
-              <a:rPr lang="en-AU" smtClean="0"/>
+              <a:rPr lang="en-AU"/>
               <a:t>Fourth level</a:t>
             </a:r>
           </a:p>
           <a:p>
             <a:pPr lvl="4"/>
             <a:r>
-              <a:rPr lang="en-AU" smtClean="0"/>
+              <a:rPr lang="en-AU"/>
               <a:t>Fifth level</a:t>
             </a:r>
             <a:endParaRPr dirty="0"/>
@@ -5133,7 +4819,7 @@
           <a:p>
             <a:fld id="{B01F9CA3-105E-4857-9057-6DB6197DA786}" type="datetimeFigureOut">
               <a:rPr lang="en-US" smtClean="0"/>
-              <a:t>18/04/16</a:t>
+              <a:t>4/18/2016</a:t>
             </a:fld>
             <a:endParaRPr lang="en-US"/>
           </a:p>
@@ -5222,7 +4908,7 @@
           <a:lstStyle/>
           <a:p>
             <a:r>
-              <a:rPr lang="en-AU" smtClean="0"/>
+              <a:rPr lang="en-AU"/>
               <a:t>Click to edit Master title style</a:t>
             </a:r>
             <a:endParaRPr/>
@@ -5246,7 +4932,7 @@
           <a:p>
             <a:fld id="{B01F9CA3-105E-4857-9057-6DB6197DA786}" type="datetimeFigureOut">
               <a:rPr lang="en-US" smtClean="0"/>
-              <a:t>18/04/16</a:t>
+              <a:t>4/18/2016</a:t>
             </a:fld>
             <a:endParaRPr lang="en-US"/>
           </a:p>
@@ -5336,7 +5022,7 @@
           <a:p>
             <a:fld id="{B01F9CA3-105E-4857-9057-6DB6197DA786}" type="datetimeFigureOut">
               <a:rPr lang="en-US" smtClean="0"/>
-              <a:t>18/04/16</a:t>
+              <a:t>4/18/2016</a:t>
             </a:fld>
             <a:endParaRPr lang="en-US"/>
           </a:p>
@@ -5434,7 +5120,7 @@
           </a:lstStyle>
           <a:p>
             <a:r>
-              <a:rPr lang="en-AU" smtClean="0"/>
+              <a:rPr lang="en-AU"/>
               <a:t>Click to edit Master title style</a:t>
             </a:r>
             <a:endParaRPr/>
@@ -5496,35 +5182,35 @@
           <a:p>
             <a:pPr lvl="0"/>
             <a:r>
-              <a:rPr lang="en-AU" smtClean="0"/>
+              <a:rPr lang="en-AU"/>
               <a:t>Click to edit Master text styles</a:t>
             </a:r>
           </a:p>
           <a:p>
             <a:pPr lvl="1"/>
             <a:r>
-              <a:rPr lang="en-AU" smtClean="0"/>
+              <a:rPr lang="en-AU"/>
               <a:t>Second level</a:t>
             </a:r>
           </a:p>
           <a:p>
             <a:pPr lvl="2"/>
             <a:r>
-              <a:rPr lang="en-AU" smtClean="0"/>
+              <a:rPr lang="en-AU"/>
               <a:t>Third level</a:t>
             </a:r>
           </a:p>
           <a:p>
             <a:pPr lvl="3"/>
             <a:r>
-              <a:rPr lang="en-AU" smtClean="0"/>
+              <a:rPr lang="en-AU"/>
               <a:t>Fourth level</a:t>
             </a:r>
           </a:p>
           <a:p>
             <a:pPr lvl="4"/>
             <a:r>
-              <a:rPr lang="en-AU" smtClean="0"/>
+              <a:rPr lang="en-AU"/>
               <a:t>Fifth level</a:t>
             </a:r>
             <a:endParaRPr dirty="0"/>
@@ -5595,7 +5281,7 @@
           <a:p>
             <a:pPr lvl="0"/>
             <a:r>
-              <a:rPr lang="en-AU" smtClean="0"/>
+              <a:rPr lang="en-AU"/>
               <a:t>Click to edit Master text styles</a:t>
             </a:r>
           </a:p>
@@ -5618,7 +5304,7 @@
           <a:p>
             <a:fld id="{B01F9CA3-105E-4857-9057-6DB6197DA786}" type="datetimeFigureOut">
               <a:rPr lang="en-US" smtClean="0"/>
-              <a:t>18/04/16</a:t>
+              <a:t>4/18/2016</a:t>
             </a:fld>
             <a:endParaRPr lang="en-US"/>
           </a:p>
@@ -5722,7 +5408,7 @@
           <a:lstStyle/>
           <a:p>
             <a:r>
-              <a:rPr lang="en-AU" smtClean="0"/>
+              <a:rPr lang="en-AU"/>
               <a:t>Click to edit Master title style</a:t>
             </a:r>
             <a:endParaRPr/>
@@ -5756,35 +5442,35 @@
           <a:p>
             <a:pPr lvl="0"/>
             <a:r>
-              <a:rPr lang="en-AU" smtClean="0"/>
+              <a:rPr lang="en-AU"/>
               <a:t>Click to edit Master text styles</a:t>
             </a:r>
           </a:p>
           <a:p>
             <a:pPr lvl="1"/>
             <a:r>
-              <a:rPr lang="en-AU" smtClean="0"/>
+              <a:rPr lang="en-AU"/>
               <a:t>Second level</a:t>
             </a:r>
           </a:p>
           <a:p>
             <a:pPr lvl="2"/>
             <a:r>
-              <a:rPr lang="en-AU" smtClean="0"/>
+              <a:rPr lang="en-AU"/>
               <a:t>Third level</a:t>
             </a:r>
           </a:p>
           <a:p>
             <a:pPr lvl="3"/>
             <a:r>
-              <a:rPr lang="en-AU" smtClean="0"/>
+              <a:rPr lang="en-AU"/>
               <a:t>Fourth level</a:t>
             </a:r>
           </a:p>
           <a:p>
             <a:pPr lvl="4"/>
             <a:r>
-              <a:rPr lang="en-AU" smtClean="0"/>
+              <a:rPr lang="en-AU"/>
               <a:t>Fifth level</a:t>
             </a:r>
             <a:endParaRPr dirty="0"/>
@@ -5824,7 +5510,7 @@
           <a:p>
             <a:fld id="{B01F9CA3-105E-4857-9057-6DB6197DA786}" type="datetimeFigureOut">
               <a:rPr lang="en-US" smtClean="0"/>
-              <a:t>18/04/16</a:t>
+              <a:t>4/18/2016</a:t>
             </a:fld>
             <a:endParaRPr lang="en-US"/>
           </a:p>
@@ -6289,25 +5975,24 @@
           <a:lstStyle/>
           <a:p>
             <a:r>
-              <a:rPr lang="en-US" dirty="0" smtClean="0"/>
+              <a:rPr lang="en-US" dirty="0"/>
               <a:t>Slicing:</a:t>
             </a:r>
             <a:br>
-              <a:rPr lang="en-US" dirty="0" smtClean="0"/>
+              <a:rPr lang="en-US" dirty="0"/>
             </a:br>
             <a:r>
-              <a:rPr lang="en-US" dirty="0" smtClean="0"/>
+              <a:rPr lang="en-US" dirty="0"/>
               <a:t>Features </a:t>
             </a:r>
             <a:r>
-              <a:rPr lang="en-US" dirty="0" err="1" smtClean="0"/>
+              <a:rPr lang="en-US" dirty="0" err="1"/>
               <a:t>vs</a:t>
             </a:r>
             <a:r>
-              <a:rPr lang="en-US" dirty="0" smtClean="0"/>
+              <a:rPr lang="en-US" dirty="0"/>
               <a:t> Layers</a:t>
             </a:r>
-            <a:endParaRPr lang="en-US" dirty="0"/>
           </a:p>
         </p:txBody>
       </p:sp>
@@ -6544,18 +6229,17 @@
           </a:lstStyle>
           <a:p>
             <a:r>
-              <a:rPr lang="en-US" dirty="0" smtClean="0"/>
+              <a:rPr lang="en-US" dirty="0"/>
               <a:t>Jorge </a:t>
             </a:r>
             <a:r>
-              <a:rPr lang="en-US" dirty="0" err="1" smtClean="0"/>
+              <a:rPr lang="en-US" dirty="0" err="1"/>
               <a:t>Gueorguiev</a:t>
             </a:r>
             <a:r>
-              <a:rPr lang="en-US" dirty="0" smtClean="0"/>
+              <a:rPr lang="en-US" dirty="0"/>
               <a:t> Garcia</a:t>
             </a:r>
-            <a:endParaRPr lang="en-US" dirty="0"/>
           </a:p>
         </p:txBody>
       </p:sp>
@@ -6569,13 +6253,6 @@
   <p:clrMapOvr>
     <a:masterClrMapping/>
   </p:clrMapOvr>
-  <p:timing>
-    <p:tnLst>
-      <p:par>
-        <p:cTn xmlns:p14="http://schemas.microsoft.com/office/powerpoint/2010/main" id="1" dur="indefinite" restart="never" nodeType="tmRoot"/>
-      </p:par>
-    </p:tnLst>
-  </p:timing>
 </p:sld>
 </file>
 
@@ -6604,7 +6281,7 @@
         </p:nvSpPr>
         <p:spPr>
           <a:xfrm>
-            <a:off x="3091542" y="3444323"/>
+            <a:off x="3091542" y="4230794"/>
             <a:ext cx="5762171" cy="1506031"/>
           </a:xfrm>
           <a:prstGeom prst="roundRect">
@@ -6732,10 +6409,9 @@
           <a:lstStyle/>
           <a:p>
             <a:r>
-              <a:rPr lang="en-US" dirty="0" smtClean="0"/>
+              <a:rPr lang="en-US" dirty="0"/>
               <a:t>Layering up</a:t>
             </a:r>
-            <a:endParaRPr lang="en-US" dirty="0"/>
           </a:p>
         </p:txBody>
       </p:sp>
@@ -6894,7 +6570,7 @@
           <a:p>
             <a:pPr algn="ctr"/>
             <a:r>
-              <a:rPr lang="en-GB" dirty="0" smtClean="0"/>
+              <a:rPr lang="en-GB" dirty="0"/>
               <a:t>Controller</a:t>
             </a:r>
             <a:endParaRPr lang="en-US" dirty="0"/>
@@ -6936,7 +6612,7 @@
           <a:p>
             <a:pPr algn="ctr"/>
             <a:r>
-              <a:rPr lang="en-GB" dirty="0" smtClean="0"/>
+              <a:rPr lang="en-GB" dirty="0"/>
               <a:t>Validation</a:t>
             </a:r>
             <a:endParaRPr lang="en-US" dirty="0"/>
@@ -6978,7 +6654,7 @@
           <a:p>
             <a:pPr algn="ctr"/>
             <a:r>
-              <a:rPr lang="en-GB" dirty="0" smtClean="0"/>
+              <a:rPr lang="en-GB" dirty="0"/>
               <a:t>Business Logic</a:t>
             </a:r>
             <a:endParaRPr lang="en-US" dirty="0"/>
@@ -7020,7 +6696,7 @@
           <a:p>
             <a:pPr algn="ctr"/>
             <a:r>
-              <a:rPr lang="en-GB" dirty="0" smtClean="0"/>
+              <a:rPr lang="en-GB" dirty="0"/>
               <a:t>Adapter</a:t>
             </a:r>
             <a:endParaRPr lang="en-US" dirty="0"/>
@@ -7062,7 +6738,7 @@
           <a:p>
             <a:pPr algn="ctr"/>
             <a:r>
-              <a:rPr lang="en-GB" dirty="0" smtClean="0"/>
+              <a:rPr lang="en-GB" dirty="0"/>
               <a:t>Data</a:t>
             </a:r>
             <a:endParaRPr lang="en-US" dirty="0"/>
@@ -7332,7 +7008,7 @@
           <a:p>
             <a:pPr algn="ctr"/>
             <a:r>
-              <a:rPr lang="en-GB" dirty="0" smtClean="0"/>
+              <a:rPr lang="en-GB" dirty="0"/>
               <a:t>Command</a:t>
             </a:r>
             <a:endParaRPr lang="en-US" dirty="0"/>
@@ -7442,7 +7118,7 @@
           <a:p>
             <a:pPr algn="ctr"/>
             <a:r>
-              <a:rPr lang="en-GB" dirty="0" smtClean="0"/>
+              <a:rPr lang="en-GB" dirty="0"/>
               <a:t>Query</a:t>
             </a:r>
             <a:endParaRPr lang="en-US" dirty="0"/>
@@ -7694,7 +7370,7 @@
   <p:timing>
     <p:tnLst>
       <p:par>
-        <p:cTn xmlns:p14="http://schemas.microsoft.com/office/powerpoint/2010/main" id="1" dur="indefinite" restart="never" nodeType="tmRoot">
+        <p:cTn id="1" dur="indefinite" restart="never" nodeType="tmRoot">
           <p:childTnLst>
             <p:seq concurrent="1" nextAc="seek">
               <p:cTn id="2" dur="indefinite" nodeType="mainSeq">
@@ -10655,14 +10331,14 @@
       </p:pic>
       <p:pic>
         <p:nvPicPr>
-          <p:cNvPr id="3" name="Picture 2" descr="cake-slice.jpg"/>
+          <p:cNvPr id="3" name="Single Slice" descr="cake-slice.jpg"/>
           <p:cNvPicPr>
             <a:picLocks noChangeAspect="1"/>
           </p:cNvPicPr>
           <p:nvPr/>
         </p:nvPicPr>
         <p:blipFill>
-          <a:blip r:embed="rId5">
+          <a:blip r:embed="rId5" cstate="email">
             <a:extLst>
               <a:ext uri="{28A0092B-C50C-407E-A947-70E740481C1C}">
                 <a14:useLocalDpi xmlns:a14="http://schemas.microsoft.com/office/drawing/2010/main" val="0"/>
@@ -10696,7 +10372,7 @@
   <p:timing>
     <p:tnLst>
       <p:par>
-        <p:cTn xmlns:p14="http://schemas.microsoft.com/office/powerpoint/2010/main" id="1" dur="indefinite" restart="never" nodeType="tmRoot">
+        <p:cTn id="1" dur="indefinite" restart="never" nodeType="tmRoot">
           <p:childTnLst>
             <p:seq concurrent="1" nextAc="seek">
               <p:cTn id="2" dur="indefinite" nodeType="mainSeq">
@@ -10850,10 +10526,9 @@
           <a:lstStyle/>
           <a:p>
             <a:r>
-              <a:rPr lang="en-US" dirty="0" smtClean="0"/>
+              <a:rPr lang="en-US" dirty="0"/>
               <a:t>Time to Change</a:t>
             </a:r>
-            <a:endParaRPr lang="en-US" dirty="0"/>
           </a:p>
         </p:txBody>
       </p:sp>
@@ -10921,7 +10596,7 @@
           <a:p>
             <a:pPr algn="ctr"/>
             <a:r>
-              <a:rPr lang="en-GB" dirty="0" smtClean="0"/>
+              <a:rPr lang="en-GB" dirty="0"/>
               <a:t>Controller</a:t>
             </a:r>
             <a:endParaRPr lang="en-US" dirty="0"/>
@@ -10963,7 +10638,7 @@
           <a:p>
             <a:pPr algn="ctr"/>
             <a:r>
-              <a:rPr lang="en-GB" dirty="0" smtClean="0"/>
+              <a:rPr lang="en-GB" dirty="0"/>
               <a:t>Validation</a:t>
             </a:r>
             <a:endParaRPr lang="en-US" dirty="0"/>
@@ -11005,7 +10680,7 @@
           <a:p>
             <a:pPr algn="ctr"/>
             <a:r>
-              <a:rPr lang="en-GB" dirty="0" smtClean="0"/>
+              <a:rPr lang="en-GB" dirty="0"/>
               <a:t>Business Logic</a:t>
             </a:r>
             <a:endParaRPr lang="en-US" dirty="0"/>
@@ -11047,7 +10722,7 @@
           <a:p>
             <a:pPr algn="ctr"/>
             <a:r>
-              <a:rPr lang="en-GB" dirty="0" smtClean="0"/>
+              <a:rPr lang="en-GB" dirty="0"/>
               <a:t>Adapter</a:t>
             </a:r>
             <a:endParaRPr lang="en-US" dirty="0"/>
@@ -11089,7 +10764,7 @@
           <a:p>
             <a:pPr algn="ctr"/>
             <a:r>
-              <a:rPr lang="en-GB" dirty="0" smtClean="0"/>
+              <a:rPr lang="en-GB" dirty="0"/>
               <a:t>Data</a:t>
             </a:r>
             <a:endParaRPr lang="en-US" dirty="0"/>
@@ -12432,13 +12107,6 @@
   <p:clrMapOvr>
     <a:masterClrMapping/>
   </p:clrMapOvr>
-  <p:timing>
-    <p:tnLst>
-      <p:par>
-        <p:cTn xmlns:p14="http://schemas.microsoft.com/office/powerpoint/2010/main" id="1" dur="indefinite" restart="never" nodeType="tmRoot"/>
-      </p:par>
-    </p:tnLst>
-  </p:timing>
 </p:sld>
 </file>
 
@@ -12641,7 +12309,7 @@
       </p:sp>
       <p:sp>
         <p:nvSpPr>
-          <p:cNvPr id="2" name="Title 1"/>
+          <p:cNvPr id="2" name="Alternative Title"/>
           <p:cNvSpPr>
             <a:spLocks noGrp="1"/>
           </p:cNvSpPr>
@@ -12655,10 +12323,9 @@
           <a:lstStyle/>
           <a:p>
             <a:r>
-              <a:rPr lang="en-US" dirty="0" smtClean="0"/>
+              <a:rPr lang="en-US" dirty="0"/>
               <a:t>Alternative: Features</a:t>
             </a:r>
-            <a:endParaRPr lang="en-US" dirty="0"/>
           </a:p>
         </p:txBody>
       </p:sp>
@@ -12697,7 +12364,7 @@
           <a:p>
             <a:pPr algn="ctr"/>
             <a:r>
-              <a:rPr lang="en-GB" dirty="0" smtClean="0"/>
+              <a:rPr lang="en-GB" dirty="0"/>
               <a:t>Controller</a:t>
             </a:r>
             <a:endParaRPr lang="en-US" dirty="0"/>
@@ -12739,7 +12406,7 @@
           <a:p>
             <a:pPr algn="ctr"/>
             <a:r>
-              <a:rPr lang="en-GB" dirty="0" smtClean="0"/>
+              <a:rPr lang="en-GB" dirty="0"/>
               <a:t>Data</a:t>
             </a:r>
             <a:endParaRPr lang="en-US" dirty="0"/>
@@ -12901,7 +12568,7 @@
           <a:p>
             <a:pPr algn="ctr"/>
             <a:r>
-              <a:rPr lang="en-GB" dirty="0" smtClean="0"/>
+              <a:rPr lang="en-GB" dirty="0"/>
               <a:t>Feature A</a:t>
             </a:r>
             <a:endParaRPr lang="en-US" dirty="0"/>
@@ -12943,7 +12610,7 @@
           <a:p>
             <a:pPr algn="ctr"/>
             <a:r>
-              <a:rPr lang="en-GB" dirty="0" smtClean="0"/>
+              <a:rPr lang="en-GB" dirty="0"/>
               <a:t>Feature B</a:t>
             </a:r>
             <a:endParaRPr lang="en-US" dirty="0"/>
@@ -12985,7 +12652,7 @@
           <a:p>
             <a:pPr algn="ctr"/>
             <a:r>
-              <a:rPr lang="en-GB" dirty="0" smtClean="0"/>
+              <a:rPr lang="en-GB" dirty="0"/>
               <a:t>Feature C</a:t>
             </a:r>
             <a:endParaRPr lang="en-US" dirty="0"/>
@@ -13027,7 +12694,7 @@
           <a:p>
             <a:pPr algn="ctr"/>
             <a:r>
-              <a:rPr lang="en-GB" dirty="0" smtClean="0"/>
+              <a:rPr lang="en-GB" dirty="0"/>
               <a:t>Query</a:t>
             </a:r>
             <a:endParaRPr lang="en-US" dirty="0"/>
@@ -13069,7 +12736,7 @@
           <a:p>
             <a:pPr algn="ctr"/>
             <a:r>
-              <a:rPr lang="en-GB" dirty="0" smtClean="0"/>
+              <a:rPr lang="en-GB" dirty="0"/>
               <a:t>Command</a:t>
             </a:r>
             <a:endParaRPr lang="en-US" dirty="0"/>
@@ -13133,7 +12800,7 @@
           <a:p>
             <a:pPr algn="ctr"/>
             <a:r>
-              <a:rPr lang="en-GB" dirty="0" smtClean="0">
+              <a:rPr lang="en-GB" dirty="0">
                 <a:solidFill>
                   <a:schemeClr val="tx2">
                     <a:lumMod val="75000"/>
@@ -13211,7 +12878,7 @@
           <a:p>
             <a:pPr algn="ctr"/>
             <a:r>
-              <a:rPr lang="en-GB" dirty="0" smtClean="0"/>
+              <a:rPr lang="en-GB" dirty="0"/>
               <a:t>Business Logic</a:t>
             </a:r>
             <a:endParaRPr lang="en-US" dirty="0"/>
@@ -13275,7 +12942,7 @@
           <a:p>
             <a:pPr algn="ctr"/>
             <a:r>
-              <a:rPr lang="en-GB" dirty="0" smtClean="0"/>
+              <a:rPr lang="en-GB" dirty="0"/>
               <a:t>Adapters</a:t>
             </a:r>
             <a:endParaRPr lang="en-US" dirty="0"/>
@@ -13383,28 +13050,28 @@
       </p:cxnSp>
       <p:sp>
         <p:nvSpPr>
-          <p:cNvPr id="31" name="Connection CoV"/>
+          <p:cNvPr id="3" name="Arrow to Green Layer"/>
           <p:cNvSpPr/>
           <p:nvPr/>
         </p:nvSpPr>
         <p:spPr>
-          <a:xfrm>
-            <a:off x="3773228" y="2276847"/>
-            <a:ext cx="321989" cy="723014"/>
+          <a:xfrm rot="9275126">
+            <a:off x="3498657" y="2256325"/>
+            <a:ext cx="1724272" cy="215433"/>
           </a:xfrm>
-          <a:prstGeom prst="upDownArrow">
+          <a:prstGeom prst="notchedRightArrow">
             <a:avLst/>
           </a:prstGeom>
         </p:spPr>
         <p:style>
           <a:lnRef idx="1">
-            <a:schemeClr val="accent2"/>
+            <a:schemeClr val="accent3"/>
           </a:lnRef>
           <a:fillRef idx="3">
-            <a:schemeClr val="accent2"/>
+            <a:schemeClr val="accent3"/>
           </a:fillRef>
           <a:effectRef idx="2">
-            <a:schemeClr val="accent2"/>
+            <a:schemeClr val="accent3"/>
           </a:effectRef>
           <a:fontRef idx="minor">
             <a:schemeClr val="lt1"/>
@@ -13421,28 +13088,28 @@
       </p:sp>
       <p:sp>
         <p:nvSpPr>
-          <p:cNvPr id="32" name="Connection CoB"/>
+          <p:cNvPr id="37" name="Arrow to Orange Layer"/>
           <p:cNvSpPr/>
           <p:nvPr/>
         </p:nvSpPr>
         <p:spPr>
-          <a:xfrm>
-            <a:off x="5825134" y="2276847"/>
-            <a:ext cx="321989" cy="723014"/>
+          <a:xfrm rot="7511270">
+            <a:off x="3972409" y="3424529"/>
+            <a:ext cx="1724272" cy="215433"/>
           </a:xfrm>
-          <a:prstGeom prst="upDownArrow">
+          <a:prstGeom prst="notchedRightArrow">
             <a:avLst/>
           </a:prstGeom>
         </p:spPr>
         <p:style>
           <a:lnRef idx="1">
-            <a:schemeClr val="accent2"/>
+            <a:schemeClr val="accent3"/>
           </a:lnRef>
           <a:fillRef idx="3">
-            <a:schemeClr val="accent2"/>
+            <a:schemeClr val="accent3"/>
           </a:fillRef>
           <a:effectRef idx="2">
-            <a:schemeClr val="accent2"/>
+            <a:schemeClr val="accent3"/>
           </a:effectRef>
           <a:fontRef idx="minor">
             <a:schemeClr val="lt1"/>
@@ -13459,28 +13126,28 @@
       </p:sp>
       <p:sp>
         <p:nvSpPr>
-          <p:cNvPr id="33" name="Connection CoC"/>
+          <p:cNvPr id="38" name="Arrow to Red Layer"/>
           <p:cNvSpPr/>
           <p:nvPr/>
         </p:nvSpPr>
         <p:spPr>
-          <a:xfrm>
-            <a:off x="7888295" y="2276847"/>
-            <a:ext cx="321989" cy="723014"/>
+          <a:xfrm rot="3833411">
+            <a:off x="6776142" y="3091704"/>
+            <a:ext cx="559656" cy="221415"/>
           </a:xfrm>
-          <a:prstGeom prst="upDownArrow">
+          <a:prstGeom prst="notchedRightArrow">
             <a:avLst/>
           </a:prstGeom>
         </p:spPr>
         <p:style>
           <a:lnRef idx="1">
-            <a:schemeClr val="accent2"/>
+            <a:schemeClr val="accent3"/>
           </a:lnRef>
           <a:fillRef idx="3">
-            <a:schemeClr val="accent2"/>
+            <a:schemeClr val="accent3"/>
           </a:fillRef>
           <a:effectRef idx="2">
-            <a:schemeClr val="accent2"/>
+            <a:schemeClr val="accent3"/>
           </a:effectRef>
           <a:fontRef idx="minor">
             <a:schemeClr val="lt1"/>
@@ -13497,28 +13164,28 @@
       </p:sp>
       <p:sp>
         <p:nvSpPr>
-          <p:cNvPr id="34" name="Connection AD"/>
+          <p:cNvPr id="39" name="Connect CoA"/>
           <p:cNvSpPr/>
           <p:nvPr/>
         </p:nvSpPr>
         <p:spPr>
           <a:xfrm>
-            <a:off x="3771057" y="4617831"/>
-            <a:ext cx="321989" cy="723014"/>
+            <a:off x="3771057" y="2424151"/>
+            <a:ext cx="320040" cy="722376"/>
           </a:xfrm>
-          <a:prstGeom prst="upDownArrow">
+          <a:prstGeom prst="downArrow">
             <a:avLst/>
           </a:prstGeom>
         </p:spPr>
         <p:style>
           <a:lnRef idx="1">
-            <a:schemeClr val="accent2"/>
+            <a:schemeClr val="accent1"/>
           </a:lnRef>
           <a:fillRef idx="3">
-            <a:schemeClr val="accent2"/>
+            <a:schemeClr val="accent1"/>
           </a:fillRef>
           <a:effectRef idx="2">
-            <a:schemeClr val="accent2"/>
+            <a:schemeClr val="accent1"/>
           </a:effectRef>
           <a:fontRef idx="minor">
             <a:schemeClr val="lt1"/>
@@ -13535,28 +13202,28 @@
       </p:sp>
       <p:sp>
         <p:nvSpPr>
-          <p:cNvPr id="35" name="Connection BD"/>
+          <p:cNvPr id="40" name="Connect AD"/>
           <p:cNvSpPr/>
           <p:nvPr/>
         </p:nvSpPr>
         <p:spPr>
           <a:xfrm>
-            <a:off x="5825134" y="4630394"/>
-            <a:ext cx="321989" cy="723014"/>
+            <a:off x="3771057" y="4549889"/>
+            <a:ext cx="320040" cy="722376"/>
           </a:xfrm>
-          <a:prstGeom prst="upDownArrow">
+          <a:prstGeom prst="downArrow">
             <a:avLst/>
           </a:prstGeom>
         </p:spPr>
         <p:style>
           <a:lnRef idx="1">
-            <a:schemeClr val="accent2"/>
+            <a:schemeClr val="accent1"/>
           </a:lnRef>
           <a:fillRef idx="3">
-            <a:schemeClr val="accent2"/>
+            <a:schemeClr val="accent1"/>
           </a:fillRef>
           <a:effectRef idx="2">
-            <a:schemeClr val="accent2"/>
+            <a:schemeClr val="accent1"/>
           </a:effectRef>
           <a:fontRef idx="minor">
             <a:schemeClr val="lt1"/>
@@ -13573,28 +13240,28 @@
       </p:sp>
       <p:sp>
         <p:nvSpPr>
-          <p:cNvPr id="36" name="Connection CD"/>
+          <p:cNvPr id="41" name="Connect BD"/>
           <p:cNvSpPr/>
           <p:nvPr/>
         </p:nvSpPr>
         <p:spPr>
           <a:xfrm>
-            <a:off x="7882872" y="4630394"/>
-            <a:ext cx="321989" cy="723014"/>
+            <a:off x="5827083" y="4549889"/>
+            <a:ext cx="320040" cy="722376"/>
           </a:xfrm>
-          <a:prstGeom prst="upDownArrow">
+          <a:prstGeom prst="downArrow">
             <a:avLst/>
           </a:prstGeom>
         </p:spPr>
         <p:style>
           <a:lnRef idx="1">
-            <a:schemeClr val="accent2"/>
+            <a:schemeClr val="accent1"/>
           </a:lnRef>
           <a:fillRef idx="3">
-            <a:schemeClr val="accent2"/>
+            <a:schemeClr val="accent1"/>
           </a:fillRef>
           <a:effectRef idx="2">
-            <a:schemeClr val="accent2"/>
+            <a:schemeClr val="accent1"/>
           </a:effectRef>
           <a:fontRef idx="minor">
             <a:schemeClr val="lt1"/>
@@ -13611,7 +13278,121 @@
       </p:sp>
       <p:sp>
         <p:nvSpPr>
-          <p:cNvPr id="29" name="Explosion 1 28"/>
+          <p:cNvPr id="42" name="Connect CoB"/>
+          <p:cNvSpPr/>
+          <p:nvPr/>
+        </p:nvSpPr>
+        <p:spPr>
+          <a:xfrm>
+            <a:off x="5827083" y="2424151"/>
+            <a:ext cx="320040" cy="722376"/>
+          </a:xfrm>
+          <a:prstGeom prst="downArrow">
+            <a:avLst/>
+          </a:prstGeom>
+        </p:spPr>
+        <p:style>
+          <a:lnRef idx="1">
+            <a:schemeClr val="accent1"/>
+          </a:lnRef>
+          <a:fillRef idx="3">
+            <a:schemeClr val="accent1"/>
+          </a:fillRef>
+          <a:effectRef idx="2">
+            <a:schemeClr val="accent1"/>
+          </a:effectRef>
+          <a:fontRef idx="minor">
+            <a:schemeClr val="lt1"/>
+          </a:fontRef>
+        </p:style>
+        <p:txBody>
+          <a:bodyPr rtlCol="0" anchor="ctr"/>
+          <a:lstStyle/>
+          <a:p>
+            <a:pPr algn="ctr"/>
+            <a:endParaRPr lang="en-US"/>
+          </a:p>
+        </p:txBody>
+      </p:sp>
+      <p:sp>
+        <p:nvSpPr>
+          <p:cNvPr id="43" name="Connect CoC"/>
+          <p:cNvSpPr/>
+          <p:nvPr/>
+        </p:nvSpPr>
+        <p:spPr>
+          <a:xfrm>
+            <a:off x="7886346" y="2424151"/>
+            <a:ext cx="320040" cy="722376"/>
+          </a:xfrm>
+          <a:prstGeom prst="downArrow">
+            <a:avLst/>
+          </a:prstGeom>
+        </p:spPr>
+        <p:style>
+          <a:lnRef idx="1">
+            <a:schemeClr val="accent1"/>
+          </a:lnRef>
+          <a:fillRef idx="3">
+            <a:schemeClr val="accent1"/>
+          </a:fillRef>
+          <a:effectRef idx="2">
+            <a:schemeClr val="accent1"/>
+          </a:effectRef>
+          <a:fontRef idx="minor">
+            <a:schemeClr val="lt1"/>
+          </a:fontRef>
+        </p:style>
+        <p:txBody>
+          <a:bodyPr rtlCol="0" anchor="ctr"/>
+          <a:lstStyle/>
+          <a:p>
+            <a:pPr algn="ctr"/>
+            <a:endParaRPr lang="en-US"/>
+          </a:p>
+        </p:txBody>
+      </p:sp>
+      <p:sp>
+        <p:nvSpPr>
+          <p:cNvPr id="44" name="Connect CD"/>
+          <p:cNvSpPr/>
+          <p:nvPr/>
+        </p:nvSpPr>
+        <p:spPr>
+          <a:xfrm>
+            <a:off x="7886346" y="4549889"/>
+            <a:ext cx="320040" cy="722376"/>
+          </a:xfrm>
+          <a:prstGeom prst="downArrow">
+            <a:avLst/>
+          </a:prstGeom>
+        </p:spPr>
+        <p:style>
+          <a:lnRef idx="1">
+            <a:schemeClr val="accent1"/>
+          </a:lnRef>
+          <a:fillRef idx="3">
+            <a:schemeClr val="accent1"/>
+          </a:fillRef>
+          <a:effectRef idx="2">
+            <a:schemeClr val="accent1"/>
+          </a:effectRef>
+          <a:fontRef idx="minor">
+            <a:schemeClr val="lt1"/>
+          </a:fontRef>
+        </p:style>
+        <p:txBody>
+          <a:bodyPr rtlCol="0" anchor="ctr"/>
+          <a:lstStyle/>
+          <a:p>
+            <a:pPr algn="ctr"/>
+            <a:endParaRPr lang="en-US"/>
+          </a:p>
+        </p:txBody>
+      </p:sp>
+      <p:sp>
+        <p:nvSpPr>
+          <p:cNvPr id="29" name="Implementation Detail"/>
           <p:cNvSpPr/>
           <p:nvPr/>
         </p:nvSpPr>
@@ -13644,132 +13425,13 @@
           <a:p>
             <a:pPr algn="ctr"/>
             <a:r>
-              <a:rPr lang="en-US" sz="3200" dirty="0" smtClean="0">
+              <a:rPr lang="en-US" sz="3200" dirty="0">
                 <a:solidFill>
                   <a:schemeClr val="bg1"/>
                 </a:solidFill>
               </a:rPr>
               <a:t>Implementation Detail</a:t>
             </a:r>
-            <a:endParaRPr lang="en-US" sz="3200" dirty="0">
-              <a:solidFill>
-                <a:schemeClr val="bg1"/>
-              </a:solidFill>
-            </a:endParaRPr>
-          </a:p>
-        </p:txBody>
-      </p:sp>
-      <p:sp>
-        <p:nvSpPr>
-          <p:cNvPr id="3" name="Notched Right Arrow 2"/>
-          <p:cNvSpPr/>
-          <p:nvPr/>
-        </p:nvSpPr>
-        <p:spPr>
-          <a:xfrm rot="9275126">
-            <a:off x="3498657" y="2256325"/>
-            <a:ext cx="1724272" cy="215433"/>
-          </a:xfrm>
-          <a:prstGeom prst="notchedRightArrow">
-            <a:avLst/>
-          </a:prstGeom>
-        </p:spPr>
-        <p:style>
-          <a:lnRef idx="1">
-            <a:schemeClr val="accent3"/>
-          </a:lnRef>
-          <a:fillRef idx="3">
-            <a:schemeClr val="accent3"/>
-          </a:fillRef>
-          <a:effectRef idx="2">
-            <a:schemeClr val="accent3"/>
-          </a:effectRef>
-          <a:fontRef idx="minor">
-            <a:schemeClr val="lt1"/>
-          </a:fontRef>
-        </p:style>
-        <p:txBody>
-          <a:bodyPr rtlCol="0" anchor="ctr"/>
-          <a:lstStyle/>
-          <a:p>
-            <a:pPr algn="ctr"/>
-            <a:endParaRPr lang="en-US"/>
-          </a:p>
-        </p:txBody>
-      </p:sp>
-      <p:sp>
-        <p:nvSpPr>
-          <p:cNvPr id="37" name="Notched Right Arrow 36"/>
-          <p:cNvSpPr/>
-          <p:nvPr/>
-        </p:nvSpPr>
-        <p:spPr>
-          <a:xfrm rot="7511270">
-            <a:off x="3972409" y="3424529"/>
-            <a:ext cx="1724272" cy="215433"/>
-          </a:xfrm>
-          <a:prstGeom prst="notchedRightArrow">
-            <a:avLst/>
-          </a:prstGeom>
-        </p:spPr>
-        <p:style>
-          <a:lnRef idx="1">
-            <a:schemeClr val="accent3"/>
-          </a:lnRef>
-          <a:fillRef idx="3">
-            <a:schemeClr val="accent3"/>
-          </a:fillRef>
-          <a:effectRef idx="2">
-            <a:schemeClr val="accent3"/>
-          </a:effectRef>
-          <a:fontRef idx="minor">
-            <a:schemeClr val="lt1"/>
-          </a:fontRef>
-        </p:style>
-        <p:txBody>
-          <a:bodyPr rtlCol="0" anchor="ctr"/>
-          <a:lstStyle/>
-          <a:p>
-            <a:pPr algn="ctr"/>
-            <a:endParaRPr lang="en-US"/>
-          </a:p>
-        </p:txBody>
-      </p:sp>
-      <p:sp>
-        <p:nvSpPr>
-          <p:cNvPr id="38" name="Notched Right Arrow 37"/>
-          <p:cNvSpPr/>
-          <p:nvPr/>
-        </p:nvSpPr>
-        <p:spPr>
-          <a:xfrm rot="3833411">
-            <a:off x="6776142" y="3091704"/>
-            <a:ext cx="559656" cy="221415"/>
-          </a:xfrm>
-          <a:prstGeom prst="notchedRightArrow">
-            <a:avLst/>
-          </a:prstGeom>
-        </p:spPr>
-        <p:style>
-          <a:lnRef idx="1">
-            <a:schemeClr val="accent3"/>
-          </a:lnRef>
-          <a:fillRef idx="3">
-            <a:schemeClr val="accent3"/>
-          </a:fillRef>
-          <a:effectRef idx="2">
-            <a:schemeClr val="accent3"/>
-          </a:effectRef>
-          <a:fontRef idx="minor">
-            <a:schemeClr val="lt1"/>
-          </a:fontRef>
-        </p:style>
-        <p:txBody>
-          <a:bodyPr rtlCol="0" anchor="ctr"/>
-          <a:lstStyle/>
-          <a:p>
-            <a:pPr algn="ctr"/>
-            <a:endParaRPr lang="en-US"/>
           </a:p>
         </p:txBody>
       </p:sp>
@@ -13786,7 +13448,7 @@
   <p:timing>
     <p:tnLst>
       <p:par>
-        <p:cTn xmlns:p14="http://schemas.microsoft.com/office/powerpoint/2010/main" id="1" dur="indefinite" restart="never" nodeType="tmRoot">
+        <p:cTn id="1" dur="indefinite" restart="never" nodeType="tmRoot">
           <p:childTnLst>
             <p:seq concurrent="1" nextAc="seek">
               <p:cTn id="2" dur="indefinite" nodeType="mainSeq">
@@ -14579,7 +14241,7 @@
                                           </p:stCondLst>
                                         </p:cTn>
                                         <p:tgtEl>
-                                          <p:spTgt spid="31"/>
+                                          <p:spTgt spid="39"/>
                                         </p:tgtEl>
                                         <p:attrNameLst>
                                           <p:attrName>style.visibility</p:attrName>
@@ -14593,7 +14255,7 @@
                                       <p:cBhvr>
                                         <p:cTn id="71" dur="500"/>
                                         <p:tgtEl>
-                                          <p:spTgt spid="31"/>
+                                          <p:spTgt spid="39"/>
                                         </p:tgtEl>
                                       </p:cBhvr>
                                     </p:animEffect>
@@ -14632,7 +14294,7 @@
                                           </p:stCondLst>
                                         </p:cTn>
                                         <p:tgtEl>
-                                          <p:spTgt spid="34"/>
+                                          <p:spTgt spid="40"/>
                                         </p:tgtEl>
                                         <p:attrNameLst>
                                           <p:attrName>style.visibility</p:attrName>
@@ -14646,7 +14308,7 @@
                                       <p:cBhvr>
                                         <p:cTn id="76" dur="500"/>
                                         <p:tgtEl>
-                                          <p:spTgt spid="34"/>
+                                          <p:spTgt spid="40"/>
                                         </p:tgtEl>
                                       </p:cBhvr>
                                     </p:animEffect>
@@ -14923,7 +14585,7 @@
                                           </p:stCondLst>
                                         </p:cTn>
                                         <p:tgtEl>
-                                          <p:spTgt spid="32"/>
+                                          <p:spTgt spid="42"/>
                                         </p:tgtEl>
                                         <p:attrNameLst>
                                           <p:attrName>style.visibility</p:attrName>
@@ -14937,7 +14599,7 @@
                                       <p:cBhvr>
                                         <p:cTn id="101" dur="500"/>
                                         <p:tgtEl>
-                                          <p:spTgt spid="32"/>
+                                          <p:spTgt spid="42"/>
                                         </p:tgtEl>
                                       </p:cBhvr>
                                     </p:animEffect>
@@ -14976,7 +14638,7 @@
                                           </p:stCondLst>
                                         </p:cTn>
                                         <p:tgtEl>
-                                          <p:spTgt spid="35"/>
+                                          <p:spTgt spid="41"/>
                                         </p:tgtEl>
                                         <p:attrNameLst>
                                           <p:attrName>style.visibility</p:attrName>
@@ -14990,7 +14652,7 @@
                                       <p:cBhvr>
                                         <p:cTn id="106" dur="500"/>
                                         <p:tgtEl>
-                                          <p:spTgt spid="35"/>
+                                          <p:spTgt spid="41"/>
                                         </p:tgtEl>
                                       </p:cBhvr>
                                     </p:animEffect>
@@ -15267,7 +14929,7 @@
                                           </p:stCondLst>
                                         </p:cTn>
                                         <p:tgtEl>
-                                          <p:spTgt spid="33"/>
+                                          <p:spTgt spid="43"/>
                                         </p:tgtEl>
                                         <p:attrNameLst>
                                           <p:attrName>style.visibility</p:attrName>
@@ -15281,7 +14943,7 @@
                                       <p:cBhvr>
                                         <p:cTn id="131" dur="500"/>
                                         <p:tgtEl>
-                                          <p:spTgt spid="33"/>
+                                          <p:spTgt spid="43"/>
                                         </p:tgtEl>
                                       </p:cBhvr>
                                     </p:animEffect>
@@ -15320,7 +14982,7 @@
                                           </p:stCondLst>
                                         </p:cTn>
                                         <p:tgtEl>
-                                          <p:spTgt spid="36"/>
+                                          <p:spTgt spid="44"/>
                                         </p:tgtEl>
                                         <p:attrNameLst>
                                           <p:attrName>style.visibility</p:attrName>
@@ -15334,7 +14996,7 @@
                                       <p:cBhvr>
                                         <p:cTn id="136" dur="500"/>
                                         <p:tgtEl>
-                                          <p:spTgt spid="36"/>
+                                          <p:spTgt spid="44"/>
                                         </p:tgtEl>
                                       </p:cBhvr>
                                     </p:animEffect>
@@ -15729,7 +15391,7 @@
                             </p:stCondLst>
                             <p:childTnLst>
                               <p:par>
-                                <p:cTn id="172" presetID="14" presetClass="entr" presetSubtype="10" fill="hold" grpId="0" nodeType="clickEffect">
+                                <p:cTn id="172" presetID="20" presetClass="entr" presetSubtype="0" fill="hold" grpId="0" nodeType="clickEffect">
                                   <p:stCondLst>
                                     <p:cond delay="0"/>
                                   </p:stCondLst>
@@ -15742,7 +15404,7 @@
                                           </p:stCondLst>
                                         </p:cTn>
                                         <p:tgtEl>
-                                          <p:spTgt spid="13"/>
+                                          <p:spTgt spid="29"/>
                                         </p:tgtEl>
                                         <p:attrNameLst>
                                           <p:attrName>style.visibility</p:attrName>
@@ -15752,11 +15414,11 @@
                                         <p:strVal val="visible"/>
                                       </p:to>
                                     </p:set>
-                                    <p:animEffect transition="in" filter="randombar(horizontal)">
+                                    <p:animEffect transition="in" filter="wedge">
                                       <p:cBhvr>
                                         <p:cTn id="174" dur="500"/>
                                         <p:tgtEl>
-                                          <p:spTgt spid="13"/>
+                                          <p:spTgt spid="29"/>
                                         </p:tgtEl>
                                       </p:cBhvr>
                                     </p:animEffect>
@@ -15764,9 +15426,9 @@
                                 </p:cTn>
                               </p:par>
                               <p:par>
-                                <p:cTn id="175" presetID="14" presetClass="entr" presetSubtype="10" fill="hold" grpId="0" nodeType="withEffect">
+                                <p:cTn id="175" presetID="1" presetClass="entr" presetSubtype="0" fill="hold" grpId="0" nodeType="withEffect">
                                   <p:stCondLst>
-                                    <p:cond delay="0"/>
+                                    <p:cond delay="250"/>
                                   </p:stCondLst>
                                   <p:childTnLst>
                                     <p:set>
@@ -15777,7 +15439,7 @@
                                           </p:stCondLst>
                                         </p:cTn>
                                         <p:tgtEl>
-                                          <p:spTgt spid="14"/>
+                                          <p:spTgt spid="38"/>
                                         </p:tgtEl>
                                         <p:attrNameLst>
                                           <p:attrName>style.visibility</p:attrName>
@@ -15787,47 +15449,58 @@
                                         <p:strVal val="visible"/>
                                       </p:to>
                                     </p:set>
-                                    <p:animEffect transition="in" filter="randombar(horizontal)">
-                                      <p:cBhvr>
-                                        <p:cTn id="177" dur="500"/>
-                                        <p:tgtEl>
-                                          <p:spTgt spid="14"/>
-                                        </p:tgtEl>
-                                      </p:cBhvr>
-                                    </p:animEffect>
                                   </p:childTnLst>
                                 </p:cTn>
                               </p:par>
                               <p:par>
-                                <p:cTn id="178" presetID="14" presetClass="exit" presetSubtype="10" fill="hold" grpId="1" nodeType="withEffect">
+                                <p:cTn id="177" presetID="1" presetClass="entr" presetSubtype="0" fill="hold" grpId="0" nodeType="withEffect">
                                   <p:stCondLst>
-                                    <p:cond delay="0"/>
+                                    <p:cond delay="250"/>
                                   </p:stCondLst>
                                   <p:childTnLst>
-                                    <p:animEffect transition="out" filter="randombar(horizontal)">
-                                      <p:cBhvr>
-                                        <p:cTn id="179" dur="500"/>
-                                        <p:tgtEl>
-                                          <p:spTgt spid="5"/>
-                                        </p:tgtEl>
-                                      </p:cBhvr>
-                                    </p:animEffect>
+                                    <p:set>
+                                      <p:cBhvr>
+                                        <p:cTn id="178" dur="1" fill="hold">
+                                          <p:stCondLst>
+                                            <p:cond delay="0"/>
+                                          </p:stCondLst>
+                                        </p:cTn>
+                                        <p:tgtEl>
+                                          <p:spTgt spid="37"/>
+                                        </p:tgtEl>
+                                        <p:attrNameLst>
+                                          <p:attrName>style.visibility</p:attrName>
+                                        </p:attrNameLst>
+                                      </p:cBhvr>
+                                      <p:to>
+                                        <p:strVal val="visible"/>
+                                      </p:to>
+                                    </p:set>
+                                  </p:childTnLst>
+                                </p:cTn>
+                              </p:par>
+                              <p:par>
+                                <p:cTn id="179" presetID="1" presetClass="entr" presetSubtype="0" fill="hold" grpId="0" nodeType="withEffect">
+                                  <p:stCondLst>
+                                    <p:cond delay="250"/>
+                                  </p:stCondLst>
+                                  <p:childTnLst>
                                     <p:set>
                                       <p:cBhvr>
                                         <p:cTn id="180" dur="1" fill="hold">
                                           <p:stCondLst>
-                                            <p:cond delay="499"/>
+                                            <p:cond delay="0"/>
                                           </p:stCondLst>
                                         </p:cTn>
                                         <p:tgtEl>
-                                          <p:spTgt spid="5"/>
+                                          <p:spTgt spid="3"/>
                                         </p:tgtEl>
                                         <p:attrNameLst>
                                           <p:attrName>style.visibility</p:attrName>
                                         </p:attrNameLst>
                                       </p:cBhvr>
                                       <p:to>
-                                        <p:strVal val="hidden"/>
+                                        <p:strVal val="visible"/>
                                       </p:to>
                                     </p:set>
                                   </p:childTnLst>
@@ -15852,7 +15525,7 @@
                             </p:stCondLst>
                             <p:childTnLst>
                               <p:par>
-                                <p:cTn id="183" presetID="1" presetClass="exit" presetSubtype="0" fill="hold" nodeType="clickEffect">
+                                <p:cTn id="183" presetID="14" presetClass="entr" presetSubtype="10" fill="hold" grpId="0" nodeType="clickEffect">
                                   <p:stCondLst>
                                     <p:cond delay="0"/>
                                   </p:stCondLst>
@@ -15865,34 +15538,42 @@
                                           </p:stCondLst>
                                         </p:cTn>
                                         <p:tgtEl>
-                                          <p:spTgt spid="6"/>
+                                          <p:spTgt spid="13"/>
                                         </p:tgtEl>
                                         <p:attrNameLst>
                                           <p:attrName>style.visibility</p:attrName>
                                         </p:attrNameLst>
                                       </p:cBhvr>
                                       <p:to>
-                                        <p:strVal val="hidden"/>
+                                        <p:strVal val="visible"/>
                                       </p:to>
                                     </p:set>
+                                    <p:animEffect transition="in" filter="randombar(horizontal)">
+                                      <p:cBhvr>
+                                        <p:cTn id="185" dur="500"/>
+                                        <p:tgtEl>
+                                          <p:spTgt spid="13"/>
+                                        </p:tgtEl>
+                                      </p:cBhvr>
+                                    </p:animEffect>
                                   </p:childTnLst>
                                 </p:cTn>
                               </p:par>
                               <p:par>
-                                <p:cTn id="185" presetID="1" presetClass="entr" presetSubtype="0" fill="hold" nodeType="withEffect">
+                                <p:cTn id="186" presetID="14" presetClass="entr" presetSubtype="10" fill="hold" grpId="0" nodeType="withEffect">
                                   <p:stCondLst>
                                     <p:cond delay="0"/>
                                   </p:stCondLst>
                                   <p:childTnLst>
                                     <p:set>
                                       <p:cBhvr>
-                                        <p:cTn id="186" dur="1" fill="hold">
+                                        <p:cTn id="187" dur="1" fill="hold">
                                           <p:stCondLst>
                                             <p:cond delay="0"/>
                                           </p:stCondLst>
                                         </p:cTn>
                                         <p:tgtEl>
-                                          <p:spTgt spid="7"/>
+                                          <p:spTgt spid="14"/>
                                         </p:tgtEl>
                                         <p:attrNameLst>
                                           <p:attrName>style.visibility</p:attrName>
@@ -15900,6 +15581,49 @@
                                       </p:cBhvr>
                                       <p:to>
                                         <p:strVal val="visible"/>
+                                      </p:to>
+                                    </p:set>
+                                    <p:animEffect transition="in" filter="randombar(horizontal)">
+                                      <p:cBhvr>
+                                        <p:cTn id="188" dur="500"/>
+                                        <p:tgtEl>
+                                          <p:spTgt spid="14"/>
+                                        </p:tgtEl>
+                                      </p:cBhvr>
+                                    </p:animEffect>
+                                  </p:childTnLst>
+                                </p:cTn>
+                              </p:par>
+                              <p:par>
+                                <p:cTn id="189" presetID="14" presetClass="exit" presetSubtype="10" fill="hold" grpId="1" nodeType="withEffect">
+                                  <p:stCondLst>
+                                    <p:cond delay="0"/>
+                                  </p:stCondLst>
+                                  <p:childTnLst>
+                                    <p:animEffect transition="out" filter="randombar(horizontal)">
+                                      <p:cBhvr>
+                                        <p:cTn id="190" dur="500"/>
+                                        <p:tgtEl>
+                                          <p:spTgt spid="5"/>
+                                        </p:tgtEl>
+                                      </p:cBhvr>
+                                    </p:animEffect>
+                                    <p:set>
+                                      <p:cBhvr>
+                                        <p:cTn id="191" dur="1" fill="hold">
+                                          <p:stCondLst>
+                                            <p:cond delay="499"/>
+                                          </p:stCondLst>
+                                        </p:cTn>
+                                        <p:tgtEl>
+                                          <p:spTgt spid="5"/>
+                                        </p:tgtEl>
+                                        <p:attrNameLst>
+                                          <p:attrName>style.visibility</p:attrName>
+                                        </p:attrNameLst>
+                                      </p:cBhvr>
+                                      <p:to>
+                                        <p:strVal val="hidden"/>
                                       </p:to>
                                     </p:set>
                                   </p:childTnLst>
@@ -15912,121 +15636,59 @@
                     </p:cTn>
                   </p:par>
                   <p:par>
-                    <p:cTn id="187" fill="hold">
+                    <p:cTn id="192" fill="hold">
                       <p:stCondLst>
                         <p:cond delay="indefinite"/>
                       </p:stCondLst>
                       <p:childTnLst>
                         <p:par>
-                          <p:cTn id="188" fill="hold">
+                          <p:cTn id="193" fill="hold">
                             <p:stCondLst>
                               <p:cond delay="0"/>
                             </p:stCondLst>
                             <p:childTnLst>
                               <p:par>
-                                <p:cTn id="189" presetID="20" presetClass="entr" presetSubtype="0" fill="hold" grpId="0" nodeType="clickEffect">
+                                <p:cTn id="194" presetID="1" presetClass="exit" presetSubtype="0" fill="hold" nodeType="clickEffect">
                                   <p:stCondLst>
                                     <p:cond delay="0"/>
                                   </p:stCondLst>
                                   <p:childTnLst>
                                     <p:set>
                                       <p:cBhvr>
-                                        <p:cTn id="190" dur="1" fill="hold">
+                                        <p:cTn id="195" dur="1" fill="hold">
                                           <p:stCondLst>
                                             <p:cond delay="0"/>
                                           </p:stCondLst>
                                         </p:cTn>
                                         <p:tgtEl>
-                                          <p:spTgt spid="29"/>
+                                          <p:spTgt spid="6"/>
                                         </p:tgtEl>
                                         <p:attrNameLst>
                                           <p:attrName>style.visibility</p:attrName>
                                         </p:attrNameLst>
                                       </p:cBhvr>
                                       <p:to>
-                                        <p:strVal val="visible"/>
-                                      </p:to>
-                                    </p:set>
-                                    <p:animEffect transition="in" filter="wedge">
-                                      <p:cBhvr>
-                                        <p:cTn id="191" dur="500"/>
-                                        <p:tgtEl>
-                                          <p:spTgt spid="29"/>
-                                        </p:tgtEl>
-                                      </p:cBhvr>
-                                    </p:animEffect>
-                                  </p:childTnLst>
-                                </p:cTn>
-                              </p:par>
-                              <p:par>
-                                <p:cTn id="192" presetID="1" presetClass="entr" presetSubtype="0" fill="hold" grpId="0" nodeType="withEffect">
-                                  <p:stCondLst>
-                                    <p:cond delay="500"/>
-                                  </p:stCondLst>
-                                  <p:childTnLst>
-                                    <p:set>
-                                      <p:cBhvr>
-                                        <p:cTn id="193" dur="1" fill="hold">
-                                          <p:stCondLst>
-                                            <p:cond delay="0"/>
-                                          </p:stCondLst>
-                                        </p:cTn>
-                                        <p:tgtEl>
-                                          <p:spTgt spid="38"/>
-                                        </p:tgtEl>
-                                        <p:attrNameLst>
-                                          <p:attrName>style.visibility</p:attrName>
-                                        </p:attrNameLst>
-                                      </p:cBhvr>
-                                      <p:to>
-                                        <p:strVal val="visible"/>
+                                        <p:strVal val="hidden"/>
                                       </p:to>
                                     </p:set>
                                   </p:childTnLst>
                                 </p:cTn>
                               </p:par>
                               <p:par>
-                                <p:cTn id="194" presetID="1" presetClass="entr" presetSubtype="0" fill="hold" grpId="0" nodeType="withEffect">
+                                <p:cTn id="196" presetID="1" presetClass="entr" presetSubtype="0" fill="hold" nodeType="withEffect">
                                   <p:stCondLst>
                                     <p:cond delay="0"/>
                                   </p:stCondLst>
                                   <p:childTnLst>
                                     <p:set>
                                       <p:cBhvr>
-                                        <p:cTn id="195" dur="1" fill="hold">
-                                          <p:stCondLst>
-                                            <p:cond delay="0"/>
-                                          </p:stCondLst>
-                                        </p:cTn>
-                                        <p:tgtEl>
-                                          <p:spTgt spid="37"/>
-                                        </p:tgtEl>
-                                        <p:attrNameLst>
-                                          <p:attrName>style.visibility</p:attrName>
-                                        </p:attrNameLst>
-                                      </p:cBhvr>
-                                      <p:to>
-                                        <p:strVal val="visible"/>
-                                      </p:to>
-                                    </p:set>
-                                  </p:childTnLst>
-                                </p:cTn>
-                              </p:par>
-                              <p:par>
-                                <p:cTn id="196" presetID="1" presetClass="entr" presetSubtype="0" fill="hold" grpId="0" nodeType="withEffect">
-                                  <p:stCondLst>
-                                    <p:cond delay="0"/>
-                                  </p:stCondLst>
-                                  <p:childTnLst>
-                                    <p:set>
-                                      <p:cBhvr>
                                         <p:cTn id="197" dur="1" fill="hold">
                                           <p:stCondLst>
                                             <p:cond delay="0"/>
                                           </p:stCondLst>
                                         </p:cTn>
                                         <p:tgtEl>
-                                          <p:spTgt spid="3"/>
+                                          <p:spTgt spid="7"/>
                                         </p:tgtEl>
                                         <p:attrNameLst>
                                           <p:attrName>style.visibility</p:attrName>
@@ -16081,16 +15743,16 @@
       <p:bldP spid="19" grpId="0" animBg="1"/>
       <p:bldP spid="20" grpId="0" animBg="1"/>
       <p:bldP spid="21" grpId="0" animBg="1"/>
-      <p:bldP spid="31" grpId="0" animBg="1"/>
-      <p:bldP spid="32" grpId="0" animBg="1"/>
-      <p:bldP spid="33" grpId="0" animBg="1"/>
-      <p:bldP spid="34" grpId="0" animBg="1"/>
-      <p:bldP spid="35" grpId="0" animBg="1"/>
-      <p:bldP spid="36" grpId="0" animBg="1"/>
-      <p:bldP spid="29" grpId="0" animBg="1"/>
       <p:bldP spid="3" grpId="0" animBg="1"/>
       <p:bldP spid="37" grpId="0" animBg="1"/>
       <p:bldP spid="38" grpId="0" animBg="1"/>
+      <p:bldP spid="39" grpId="0" animBg="1"/>
+      <p:bldP spid="40" grpId="0" animBg="1"/>
+      <p:bldP spid="41" grpId="0" animBg="1"/>
+      <p:bldP spid="42" grpId="0" animBg="1"/>
+      <p:bldP spid="43" grpId="0" animBg="1"/>
+      <p:bldP spid="44" grpId="0" animBg="1"/>
+      <p:bldP spid="29" grpId="0" animBg="1"/>
     </p:bldLst>
   </p:timing>
 </p:sld>
@@ -16145,13 +15807,13 @@
       </p:pic>
       <p:sp>
         <p:nvSpPr>
-          <p:cNvPr id="4" name="Explosion 1 3"/>
+          <p:cNvPr id="4" name="Isolation"/>
           <p:cNvSpPr/>
           <p:nvPr/>
         </p:nvSpPr>
         <p:spPr>
           <a:xfrm>
-            <a:off x="4108102" y="0"/>
+            <a:off x="4108102" y="386575"/>
             <a:ext cx="4564558" cy="3412878"/>
           </a:xfrm>
           <a:prstGeom prst="irregularSeal1">
@@ -16178,30 +15840,25 @@
           <a:p>
             <a:pPr algn="ctr"/>
             <a:r>
-              <a:rPr lang="en-US" sz="3200" dirty="0" smtClean="0">
+              <a:rPr lang="en-US" sz="3200" dirty="0">
                 <a:solidFill>
                   <a:schemeClr val="bg1"/>
                 </a:solidFill>
               </a:rPr>
               <a:t>Isolation</a:t>
             </a:r>
-            <a:endParaRPr lang="en-US" sz="3200" dirty="0">
-              <a:solidFill>
-                <a:schemeClr val="bg1"/>
-              </a:solidFill>
-            </a:endParaRPr>
           </a:p>
         </p:txBody>
       </p:sp>
       <p:sp>
         <p:nvSpPr>
-          <p:cNvPr id="5" name="Explosion 1 4"/>
+          <p:cNvPr id="5" name="Cohesion"/>
           <p:cNvSpPr/>
           <p:nvPr/>
         </p:nvSpPr>
         <p:spPr>
           <a:xfrm>
-            <a:off x="3257870" y="1706439"/>
+            <a:off x="3257870" y="2093014"/>
             <a:ext cx="4564558" cy="3412878"/>
           </a:xfrm>
           <a:prstGeom prst="irregularSeal1">
@@ -16228,18 +15885,56 @@
           <a:p>
             <a:pPr algn="ctr"/>
             <a:r>
-              <a:rPr lang="en-US" sz="3200" dirty="0" smtClean="0">
+              <a:rPr lang="en-US" sz="3200" dirty="0">
                 <a:solidFill>
                   <a:schemeClr val="bg1"/>
                 </a:solidFill>
               </a:rPr>
               <a:t>Cohesion</a:t>
             </a:r>
-            <a:endParaRPr lang="en-US" sz="3200" dirty="0">
-              <a:solidFill>
-                <a:schemeClr val="bg1"/>
-              </a:solidFill>
-            </a:endParaRPr>
+          </a:p>
+        </p:txBody>
+      </p:sp>
+      <p:sp>
+        <p:nvSpPr>
+          <p:cNvPr id="6" name="Pros Title"/>
+          <p:cNvSpPr txBox="1">
+            <a:spLocks/>
+          </p:cNvSpPr>
+          <p:nvPr/>
+        </p:nvSpPr>
+        <p:spPr>
+          <a:xfrm>
+            <a:off x="549275" y="107576"/>
+            <a:ext cx="8042276" cy="1336956"/>
+          </a:xfrm>
+          <a:prstGeom prst="rect">
+            <a:avLst/>
+          </a:prstGeom>
+        </p:spPr>
+        <p:txBody>
+          <a:bodyPr/>
+          <a:lstStyle>
+            <a:lvl1pPr algn="ctr" defTabSz="914400" rtl="0" eaLnBrk="1" latinLnBrk="0" hangingPunct="1">
+              <a:spcBef>
+                <a:spcPct val="0"/>
+              </a:spcBef>
+              <a:buNone/>
+              <a:defRPr sz="4600" kern="1200">
+                <a:solidFill>
+                  <a:schemeClr val="accent1"/>
+                </a:solidFill>
+                <a:latin typeface="+mj-lt"/>
+                <a:ea typeface="+mj-ea"/>
+                <a:cs typeface="+mj-cs"/>
+              </a:defRPr>
+            </a:lvl1pPr>
+          </a:lstStyle>
+          <a:p>
+            <a:r>
+              <a:rPr lang="en-US" dirty="0"/>
+              <a:t>Features: Pros</a:t>
+            </a:r>
           </a:p>
         </p:txBody>
       </p:sp>
@@ -16256,7 +15951,7 @@
   <p:timing>
     <p:tnLst>
       <p:par>
-        <p:cTn xmlns:p14="http://schemas.microsoft.com/office/powerpoint/2010/main" id="1" dur="indefinite" restart="never" nodeType="tmRoot">
+        <p:cTn id="1" dur="indefinite" restart="never" nodeType="tmRoot">
           <p:childTnLst>
             <p:seq concurrent="1" nextAc="seek">
               <p:cTn id="2" dur="indefinite" nodeType="mainSeq">
@@ -16475,13 +16170,13 @@
       </p:pic>
       <p:sp>
         <p:nvSpPr>
-          <p:cNvPr id="2" name="Explosion 1 1"/>
+          <p:cNvPr id="2" name="Duplication"/>
           <p:cNvSpPr/>
           <p:nvPr/>
         </p:nvSpPr>
         <p:spPr>
           <a:xfrm>
-            <a:off x="4108102" y="0"/>
+            <a:off x="2710483" y="776054"/>
             <a:ext cx="4564558" cy="3412878"/>
           </a:xfrm>
           <a:prstGeom prst="irregularSeal1">
@@ -16508,24 +16203,19 @@
           <a:p>
             <a:pPr algn="ctr"/>
             <a:r>
-              <a:rPr lang="en-US" sz="3200" dirty="0" smtClean="0">
+              <a:rPr lang="en-US" sz="3200" dirty="0">
                 <a:solidFill>
                   <a:schemeClr val="bg1"/>
                 </a:solidFill>
               </a:rPr>
               <a:t>Duplication</a:t>
             </a:r>
-            <a:endParaRPr lang="en-US" sz="3200" dirty="0">
-              <a:solidFill>
-                <a:schemeClr val="bg1"/>
-              </a:solidFill>
-            </a:endParaRPr>
           </a:p>
         </p:txBody>
       </p:sp>
       <p:sp>
         <p:nvSpPr>
-          <p:cNvPr id="3" name="Explosion 1 2"/>
+          <p:cNvPr id="3" name="Granularity"/>
           <p:cNvSpPr/>
           <p:nvPr/>
         </p:nvSpPr>
@@ -16558,43 +16248,391 @@
           <a:p>
             <a:pPr algn="ctr"/>
             <a:r>
-              <a:rPr lang="en-US" sz="3200" dirty="0" smtClean="0">
+              <a:rPr lang="en-US" sz="3200" dirty="0">
                 <a:solidFill>
                   <a:schemeClr val="bg1"/>
                 </a:solidFill>
               </a:rPr>
               <a:t>Granularity</a:t>
             </a:r>
-            <a:endParaRPr lang="en-US" sz="3200" dirty="0">
-              <a:solidFill>
-                <a:schemeClr val="bg1"/>
-              </a:solidFill>
-            </a:endParaRPr>
           </a:p>
         </p:txBody>
       </p:sp>
       <p:sp>
         <p:nvSpPr>
-          <p:cNvPr id="10" name="TextBox 9"/>
-          <p:cNvSpPr txBox="1"/>
+          <p:cNvPr id="7" name="Cons Title"/>
+          <p:cNvSpPr txBox="1">
+            <a:spLocks/>
+          </p:cNvSpPr>
           <p:nvPr/>
         </p:nvSpPr>
         <p:spPr>
           <a:xfrm>
-            <a:off x="-3614615" y="3595077"/>
-            <a:ext cx="184666" cy="369332"/>
+            <a:off x="549275" y="107576"/>
+            <a:ext cx="8042276" cy="1336956"/>
           </a:xfrm>
           <a:prstGeom prst="rect">
             <a:avLst/>
           </a:prstGeom>
-          <a:noFill/>
         </p:spPr>
         <p:txBody>
-          <a:bodyPr wrap="none" rtlCol="0">
-            <a:spAutoFit/>
-          </a:bodyPr>
+          <a:bodyPr/>
+          <a:lstStyle>
+            <a:lvl1pPr algn="ctr" defTabSz="914400" rtl="0" eaLnBrk="1" latinLnBrk="0" hangingPunct="1">
+              <a:spcBef>
+                <a:spcPct val="0"/>
+              </a:spcBef>
+              <a:buNone/>
+              <a:defRPr sz="4600" kern="1200">
+                <a:solidFill>
+                  <a:schemeClr val="accent1"/>
+                </a:solidFill>
+                <a:latin typeface="+mj-lt"/>
+                <a:ea typeface="+mj-ea"/>
+                <a:cs typeface="+mj-cs"/>
+              </a:defRPr>
+            </a:lvl1pPr>
+          </a:lstStyle>
+          <a:p>
+            <a:r>
+              <a:rPr lang="en-US" dirty="0"/>
+              <a:t>Features: Cons</a:t>
+            </a:r>
+          </a:p>
+        </p:txBody>
+      </p:sp>
+      <p:sp>
+        <p:nvSpPr>
+          <p:cNvPr id="8" name="Controler Layer"/>
+          <p:cNvSpPr/>
+          <p:nvPr/>
+        </p:nvSpPr>
+        <p:spPr>
+          <a:xfrm>
+            <a:off x="3298801" y="1956391"/>
+            <a:ext cx="5486400" cy="583295"/>
+          </a:xfrm>
+          <a:prstGeom prst="rect">
+            <a:avLst/>
+          </a:prstGeom>
+        </p:spPr>
+        <p:style>
+          <a:lnRef idx="1">
+            <a:schemeClr val="accent1"/>
+          </a:lnRef>
+          <a:fillRef idx="3">
+            <a:schemeClr val="accent1"/>
+          </a:fillRef>
+          <a:effectRef idx="2">
+            <a:schemeClr val="accent1"/>
+          </a:effectRef>
+          <a:fontRef idx="minor">
+            <a:schemeClr val="lt1"/>
+          </a:fontRef>
+        </p:style>
+        <p:txBody>
+          <a:bodyPr rtlCol="0" anchor="ctr"/>
           <a:lstStyle/>
           <a:p>
+            <a:pPr algn="ctr"/>
+            <a:r>
+              <a:rPr lang="en-GB" dirty="0"/>
+              <a:t>Controller</a:t>
+            </a:r>
+            <a:endParaRPr lang="en-US" dirty="0"/>
+          </a:p>
+        </p:txBody>
+      </p:sp>
+      <p:sp>
+        <p:nvSpPr>
+          <p:cNvPr id="11" name="Data Layer"/>
+          <p:cNvSpPr/>
+          <p:nvPr/>
+        </p:nvSpPr>
+        <p:spPr>
+          <a:xfrm>
+            <a:off x="3298801" y="5078916"/>
+            <a:ext cx="5486400" cy="583295"/>
+          </a:xfrm>
+          <a:prstGeom prst="rect">
+            <a:avLst/>
+          </a:prstGeom>
+        </p:spPr>
+        <p:style>
+          <a:lnRef idx="1">
+            <a:schemeClr val="accent6"/>
+          </a:lnRef>
+          <a:fillRef idx="3">
+            <a:schemeClr val="accent6"/>
+          </a:fillRef>
+          <a:effectRef idx="2">
+            <a:schemeClr val="accent6"/>
+          </a:effectRef>
+          <a:fontRef idx="minor">
+            <a:schemeClr val="lt1"/>
+          </a:fontRef>
+        </p:style>
+        <p:txBody>
+          <a:bodyPr rtlCol="0" anchor="ctr"/>
+          <a:lstStyle/>
+          <a:p>
+            <a:pPr algn="ctr"/>
+            <a:r>
+              <a:rPr lang="en-GB" dirty="0"/>
+              <a:t>Data</a:t>
+            </a:r>
+            <a:endParaRPr lang="en-US" dirty="0"/>
+          </a:p>
+        </p:txBody>
+      </p:sp>
+      <p:sp>
+        <p:nvSpPr>
+          <p:cNvPr id="12" name="Feature A"/>
+          <p:cNvSpPr/>
+          <p:nvPr/>
+        </p:nvSpPr>
+        <p:spPr>
+          <a:xfrm>
+            <a:off x="3298801" y="2713716"/>
+            <a:ext cx="1414130" cy="2191169"/>
+          </a:xfrm>
+          <a:prstGeom prst="rect">
+            <a:avLst/>
+          </a:prstGeom>
+        </p:spPr>
+        <p:style>
+          <a:lnRef idx="1">
+            <a:schemeClr val="accent5"/>
+          </a:lnRef>
+          <a:fillRef idx="3">
+            <a:schemeClr val="accent5"/>
+          </a:fillRef>
+          <a:effectRef idx="2">
+            <a:schemeClr val="accent5"/>
+          </a:effectRef>
+          <a:fontRef idx="minor">
+            <a:schemeClr val="lt1"/>
+          </a:fontRef>
+        </p:style>
+        <p:txBody>
+          <a:bodyPr rtlCol="0" anchor="ctr"/>
+          <a:lstStyle/>
+          <a:p>
+            <a:pPr algn="ctr"/>
+            <a:r>
+              <a:rPr lang="en-GB" dirty="0"/>
+              <a:t>Feature A</a:t>
+            </a:r>
+            <a:endParaRPr lang="en-US" dirty="0"/>
+          </a:p>
+        </p:txBody>
+      </p:sp>
+      <p:sp>
+        <p:nvSpPr>
+          <p:cNvPr id="13" name="Feature B"/>
+          <p:cNvSpPr/>
+          <p:nvPr/>
+        </p:nvSpPr>
+        <p:spPr>
+          <a:xfrm>
+            <a:off x="5334937" y="2713716"/>
+            <a:ext cx="1414130" cy="2191169"/>
+          </a:xfrm>
+          <a:prstGeom prst="rect">
+            <a:avLst/>
+          </a:prstGeom>
+        </p:spPr>
+        <p:style>
+          <a:lnRef idx="1">
+            <a:schemeClr val="accent4"/>
+          </a:lnRef>
+          <a:fillRef idx="3">
+            <a:schemeClr val="accent4"/>
+          </a:fillRef>
+          <a:effectRef idx="2">
+            <a:schemeClr val="accent4"/>
+          </a:effectRef>
+          <a:fontRef idx="minor">
+            <a:schemeClr val="lt1"/>
+          </a:fontRef>
+        </p:style>
+        <p:txBody>
+          <a:bodyPr rtlCol="0" anchor="ctr"/>
+          <a:lstStyle/>
+          <a:p>
+            <a:pPr algn="ctr"/>
+            <a:r>
+              <a:rPr lang="en-GB" dirty="0"/>
+              <a:t>Feature B</a:t>
+            </a:r>
+            <a:endParaRPr lang="en-US" dirty="0"/>
+          </a:p>
+        </p:txBody>
+      </p:sp>
+      <p:sp>
+        <p:nvSpPr>
+          <p:cNvPr id="14" name="Feature C"/>
+          <p:cNvSpPr/>
+          <p:nvPr/>
+        </p:nvSpPr>
+        <p:spPr>
+          <a:xfrm>
+            <a:off x="7371072" y="2713716"/>
+            <a:ext cx="1414130" cy="2191169"/>
+          </a:xfrm>
+          <a:prstGeom prst="rect">
+            <a:avLst/>
+          </a:prstGeom>
+        </p:spPr>
+        <p:style>
+          <a:lnRef idx="1">
+            <a:schemeClr val="accent3"/>
+          </a:lnRef>
+          <a:fillRef idx="3">
+            <a:schemeClr val="accent3"/>
+          </a:fillRef>
+          <a:effectRef idx="2">
+            <a:schemeClr val="accent3"/>
+          </a:effectRef>
+          <a:fontRef idx="minor">
+            <a:schemeClr val="lt1"/>
+          </a:fontRef>
+        </p:style>
+        <p:txBody>
+          <a:bodyPr rtlCol="0" anchor="ctr"/>
+          <a:lstStyle/>
+          <a:p>
+            <a:pPr algn="ctr"/>
+            <a:r>
+              <a:rPr lang="en-GB" dirty="0"/>
+              <a:t>Feature C</a:t>
+            </a:r>
+            <a:endParaRPr lang="en-US" dirty="0"/>
+          </a:p>
+        </p:txBody>
+      </p:sp>
+      <p:sp>
+        <p:nvSpPr>
+          <p:cNvPr id="15" name="Feature D"/>
+          <p:cNvSpPr/>
+          <p:nvPr/>
+        </p:nvSpPr>
+        <p:spPr>
+          <a:xfrm>
+            <a:off x="4274276" y="2713715"/>
+            <a:ext cx="645014" cy="2191169"/>
+          </a:xfrm>
+          <a:prstGeom prst="rect">
+            <a:avLst/>
+          </a:prstGeom>
+        </p:spPr>
+        <p:style>
+          <a:lnRef idx="1">
+            <a:schemeClr val="accent2"/>
+          </a:lnRef>
+          <a:fillRef idx="3">
+            <a:schemeClr val="accent2"/>
+          </a:fillRef>
+          <a:effectRef idx="2">
+            <a:schemeClr val="accent2"/>
+          </a:effectRef>
+          <a:fontRef idx="minor">
+            <a:schemeClr val="lt1"/>
+          </a:fontRef>
+        </p:style>
+        <p:txBody>
+          <a:bodyPr rtlCol="0" anchor="ctr"/>
+          <a:lstStyle/>
+          <a:p>
+            <a:pPr algn="ctr"/>
+            <a:r>
+              <a:rPr lang="en-GB" sz="800" dirty="0"/>
+              <a:t>Feature D</a:t>
+            </a:r>
+            <a:endParaRPr lang="en-US" sz="800" dirty="0"/>
+          </a:p>
+        </p:txBody>
+      </p:sp>
+      <p:sp>
+        <p:nvSpPr>
+          <p:cNvPr id="16" name="Feature E"/>
+          <p:cNvSpPr/>
+          <p:nvPr/>
+        </p:nvSpPr>
+        <p:spPr>
+          <a:xfrm>
+            <a:off x="6441376" y="2713714"/>
+            <a:ext cx="645014" cy="2191169"/>
+          </a:xfrm>
+          <a:prstGeom prst="rect">
+            <a:avLst/>
+          </a:prstGeom>
+        </p:spPr>
+        <p:style>
+          <a:lnRef idx="1">
+            <a:schemeClr val="accent2"/>
+          </a:lnRef>
+          <a:fillRef idx="3">
+            <a:schemeClr val="accent2"/>
+          </a:fillRef>
+          <a:effectRef idx="2">
+            <a:schemeClr val="accent2"/>
+          </a:effectRef>
+          <a:fontRef idx="minor">
+            <a:schemeClr val="lt1"/>
+          </a:fontRef>
+        </p:style>
+        <p:txBody>
+          <a:bodyPr rtlCol="0" anchor="ctr"/>
+          <a:lstStyle/>
+          <a:p>
+            <a:pPr algn="ctr"/>
+            <a:r>
+              <a:rPr lang="en-GB" sz="800" dirty="0"/>
+              <a:t>Feature E</a:t>
+            </a:r>
+            <a:endParaRPr lang="en-US" sz="800" dirty="0"/>
+          </a:p>
+        </p:txBody>
+      </p:sp>
+      <p:sp>
+        <p:nvSpPr>
+          <p:cNvPr id="17" name="CrossCutting"/>
+          <p:cNvSpPr/>
+          <p:nvPr/>
+        </p:nvSpPr>
+        <p:spPr>
+          <a:xfrm>
+            <a:off x="3063286" y="3521416"/>
+            <a:ext cx="4165445" cy="636863"/>
+          </a:xfrm>
+          <a:prstGeom prst="rect">
+            <a:avLst/>
+          </a:prstGeom>
+        </p:spPr>
+        <p:style>
+          <a:lnRef idx="1">
+            <a:schemeClr val="accent2"/>
+          </a:lnRef>
+          <a:fillRef idx="3">
+            <a:schemeClr val="accent2"/>
+          </a:fillRef>
+          <a:effectRef idx="2">
+            <a:schemeClr val="accent2"/>
+          </a:effectRef>
+          <a:fontRef idx="minor">
+            <a:schemeClr val="lt1"/>
+          </a:fontRef>
+        </p:style>
+        <p:txBody>
+          <a:bodyPr rtlCol="0" anchor="ctr"/>
+          <a:lstStyle/>
+          <a:p>
+            <a:pPr algn="ctr"/>
+            <a:r>
+              <a:rPr lang="en-GB" dirty="0"/>
+              <a:t>Cross Cutting 1</a:t>
+            </a:r>
             <a:endParaRPr lang="en-US" dirty="0"/>
           </a:p>
         </p:txBody>
@@ -16612,7 +16650,7 @@
   <p:timing>
     <p:tnLst>
       <p:par>
-        <p:cTn xmlns:p14="http://schemas.microsoft.com/office/powerpoint/2010/main" id="1" dur="indefinite" restart="never" nodeType="tmRoot">
+        <p:cTn id="1" dur="indefinite" restart="never" nodeType="tmRoot">
           <p:childTnLst>
             <p:seq concurrent="1" nextAc="seek">
               <p:cTn id="2" dur="indefinite" nodeType="mainSeq">
@@ -16630,7 +16668,7 @@
                             </p:stCondLst>
                             <p:childTnLst>
                               <p:par>
-                                <p:cTn id="5" presetID="20" presetClass="entr" presetSubtype="0" fill="hold" grpId="0" nodeType="clickEffect">
+                                <p:cTn id="5" presetID="1" presetClass="exit" presetSubtype="0" fill="hold" nodeType="clickEffect">
                                   <p:stCondLst>
                                     <p:cond delay="0"/>
                                   </p:stCondLst>
@@ -16643,7 +16681,34 @@
                                           </p:stCondLst>
                                         </p:cTn>
                                         <p:tgtEl>
-                                          <p:spTgt spid="2"/>
+                                          <p:spTgt spid="9"/>
+                                        </p:tgtEl>
+                                        <p:attrNameLst>
+                                          <p:attrName>style.visibility</p:attrName>
+                                        </p:attrNameLst>
+                                      </p:cBhvr>
+                                      <p:to>
+                                        <p:strVal val="hidden"/>
+                                      </p:to>
+                                    </p:set>
+                                  </p:childTnLst>
+                                </p:cTn>
+                              </p:par>
+                              <p:par>
+                                <p:cTn id="7" presetID="1" presetClass="entr" presetSubtype="0" fill="hold" nodeType="withEffect">
+                                  <p:stCondLst>
+                                    <p:cond delay="0"/>
+                                  </p:stCondLst>
+                                  <p:childTnLst>
+                                    <p:set>
+                                      <p:cBhvr>
+                                        <p:cTn id="8" dur="1" fill="hold">
+                                          <p:stCondLst>
+                                            <p:cond delay="0"/>
+                                          </p:stCondLst>
+                                        </p:cTn>
+                                        <p:tgtEl>
+                                          <p:spTgt spid="5"/>
                                         </p:tgtEl>
                                         <p:attrNameLst>
                                           <p:attrName>style.visibility</p:attrName>
@@ -16653,14 +16718,6 @@
                                         <p:strVal val="visible"/>
                                       </p:to>
                                     </p:set>
-                                    <p:animEffect transition="in" filter="wedge">
-                                      <p:cBhvr>
-                                        <p:cTn id="7" dur="1000"/>
-                                        <p:tgtEl>
-                                          <p:spTgt spid="2"/>
-                                        </p:tgtEl>
-                                      </p:cBhvr>
-                                    </p:animEffect>
                                   </p:childTnLst>
                                 </p:cTn>
                               </p:par>
@@ -16671,59 +16728,32 @@
                     </p:cTn>
                   </p:par>
                   <p:par>
-                    <p:cTn id="8" fill="hold">
+                    <p:cTn id="9" fill="hold">
                       <p:stCondLst>
                         <p:cond delay="indefinite"/>
                       </p:stCondLst>
                       <p:childTnLst>
                         <p:par>
-                          <p:cTn id="9" fill="hold">
+                          <p:cTn id="10" fill="hold">
                             <p:stCondLst>
                               <p:cond delay="0"/>
                             </p:stCondLst>
                             <p:childTnLst>
                               <p:par>
-                                <p:cTn id="10" presetID="1" presetClass="exit" presetSubtype="0" fill="hold" nodeType="clickEffect">
+                                <p:cTn id="11" presetID="20" presetClass="entr" presetSubtype="0" fill="hold" grpId="0" nodeType="clickEffect">
                                   <p:stCondLst>
                                     <p:cond delay="0"/>
                                   </p:stCondLst>
                                   <p:childTnLst>
                                     <p:set>
                                       <p:cBhvr>
-                                        <p:cTn id="11" dur="1" fill="hold">
+                                        <p:cTn id="12" dur="1" fill="hold">
                                           <p:stCondLst>
                                             <p:cond delay="0"/>
                                           </p:stCondLst>
                                         </p:cTn>
                                         <p:tgtEl>
-                                          <p:spTgt spid="9"/>
-                                        </p:tgtEl>
-                                        <p:attrNameLst>
-                                          <p:attrName>style.visibility</p:attrName>
-                                        </p:attrNameLst>
-                                      </p:cBhvr>
-                                      <p:to>
-                                        <p:strVal val="hidden"/>
-                                      </p:to>
-                                    </p:set>
-                                  </p:childTnLst>
-                                </p:cTn>
-                              </p:par>
-                              <p:par>
-                                <p:cTn id="12" presetID="1" presetClass="entr" presetSubtype="0" fill="hold" nodeType="withEffect">
-                                  <p:stCondLst>
-                                    <p:cond delay="0"/>
-                                  </p:stCondLst>
-                                  <p:childTnLst>
-                                    <p:set>
-                                      <p:cBhvr>
-                                        <p:cTn id="13" dur="1" fill="hold">
-                                          <p:stCondLst>
-                                            <p:cond delay="0"/>
-                                          </p:stCondLst>
-                                        </p:cTn>
-                                        <p:tgtEl>
-                                          <p:spTgt spid="5"/>
+                                          <p:spTgt spid="2"/>
                                         </p:tgtEl>
                                         <p:attrNameLst>
                                           <p:attrName>style.visibility</p:attrName>
@@ -16733,6 +16763,14 @@
                                         <p:strVal val="visible"/>
                                       </p:to>
                                     </p:set>
+                                    <p:animEffect transition="in" filter="wedge">
+                                      <p:cBhvr>
+                                        <p:cTn id="13" dur="1000"/>
+                                        <p:tgtEl>
+                                          <p:spTgt spid="2"/>
+                                        </p:tgtEl>
+                                      </p:cBhvr>
+                                    </p:animEffect>
                                   </p:childTnLst>
                                 </p:cTn>
                               </p:par>
@@ -16755,7 +16793,7 @@
                             </p:stCondLst>
                             <p:childTnLst>
                               <p:par>
-                                <p:cTn id="16" presetID="20" presetClass="entr" presetSubtype="0" fill="hold" grpId="0" nodeType="clickEffect">
+                                <p:cTn id="16" presetID="1" presetClass="entr" presetSubtype="0" fill="hold" grpId="1" nodeType="clickEffect">
                                   <p:stCondLst>
                                     <p:cond delay="0"/>
                                   </p:stCondLst>
@@ -16768,6 +16806,236 @@
                                           </p:stCondLst>
                                         </p:cTn>
                                         <p:tgtEl>
+                                          <p:spTgt spid="8"/>
+                                        </p:tgtEl>
+                                        <p:attrNameLst>
+                                          <p:attrName>style.visibility</p:attrName>
+                                        </p:attrNameLst>
+                                      </p:cBhvr>
+                                      <p:to>
+                                        <p:strVal val="visible"/>
+                                      </p:to>
+                                    </p:set>
+                                  </p:childTnLst>
+                                </p:cTn>
+                              </p:par>
+                              <p:par>
+                                <p:cTn id="18" presetID="1" presetClass="entr" presetSubtype="0" fill="hold" grpId="1" nodeType="withEffect">
+                                  <p:stCondLst>
+                                    <p:cond delay="0"/>
+                                  </p:stCondLst>
+                                  <p:childTnLst>
+                                    <p:set>
+                                      <p:cBhvr>
+                                        <p:cTn id="19" dur="1" fill="hold">
+                                          <p:stCondLst>
+                                            <p:cond delay="0"/>
+                                          </p:stCondLst>
+                                        </p:cTn>
+                                        <p:tgtEl>
+                                          <p:spTgt spid="11"/>
+                                        </p:tgtEl>
+                                        <p:attrNameLst>
+                                          <p:attrName>style.visibility</p:attrName>
+                                        </p:attrNameLst>
+                                      </p:cBhvr>
+                                      <p:to>
+                                        <p:strVal val="visible"/>
+                                      </p:to>
+                                    </p:set>
+                                  </p:childTnLst>
+                                </p:cTn>
+                              </p:par>
+                              <p:par>
+                                <p:cTn id="20" presetID="10" presetClass="entr" presetSubtype="0" fill="hold" grpId="0" nodeType="withEffect">
+                                  <p:stCondLst>
+                                    <p:cond delay="0"/>
+                                  </p:stCondLst>
+                                  <p:childTnLst>
+                                    <p:set>
+                                      <p:cBhvr>
+                                        <p:cTn id="21" dur="1" fill="hold">
+                                          <p:stCondLst>
+                                            <p:cond delay="0"/>
+                                          </p:stCondLst>
+                                        </p:cTn>
+                                        <p:tgtEl>
+                                          <p:spTgt spid="12"/>
+                                        </p:tgtEl>
+                                        <p:attrNameLst>
+                                          <p:attrName>style.visibility</p:attrName>
+                                        </p:attrNameLst>
+                                      </p:cBhvr>
+                                      <p:to>
+                                        <p:strVal val="visible"/>
+                                      </p:to>
+                                    </p:set>
+                                    <p:animEffect transition="in" filter="fade">
+                                      <p:cBhvr>
+                                        <p:cTn id="22" dur="500"/>
+                                        <p:tgtEl>
+                                          <p:spTgt spid="12"/>
+                                        </p:tgtEl>
+                                      </p:cBhvr>
+                                    </p:animEffect>
+                                  </p:childTnLst>
+                                </p:cTn>
+                              </p:par>
+                              <p:par>
+                                <p:cTn id="23" presetID="10" presetClass="entr" presetSubtype="0" fill="hold" grpId="0" nodeType="withEffect">
+                                  <p:stCondLst>
+                                    <p:cond delay="0"/>
+                                  </p:stCondLst>
+                                  <p:childTnLst>
+                                    <p:set>
+                                      <p:cBhvr>
+                                        <p:cTn id="24" dur="1" fill="hold">
+                                          <p:stCondLst>
+                                            <p:cond delay="0"/>
+                                          </p:stCondLst>
+                                        </p:cTn>
+                                        <p:tgtEl>
+                                          <p:spTgt spid="13"/>
+                                        </p:tgtEl>
+                                        <p:attrNameLst>
+                                          <p:attrName>style.visibility</p:attrName>
+                                        </p:attrNameLst>
+                                      </p:cBhvr>
+                                      <p:to>
+                                        <p:strVal val="visible"/>
+                                      </p:to>
+                                    </p:set>
+                                    <p:animEffect transition="in" filter="fade">
+                                      <p:cBhvr>
+                                        <p:cTn id="25" dur="500"/>
+                                        <p:tgtEl>
+                                          <p:spTgt spid="13"/>
+                                        </p:tgtEl>
+                                      </p:cBhvr>
+                                    </p:animEffect>
+                                  </p:childTnLst>
+                                </p:cTn>
+                              </p:par>
+                              <p:par>
+                                <p:cTn id="26" presetID="10" presetClass="entr" presetSubtype="0" fill="hold" grpId="0" nodeType="withEffect">
+                                  <p:stCondLst>
+                                    <p:cond delay="0"/>
+                                  </p:stCondLst>
+                                  <p:childTnLst>
+                                    <p:set>
+                                      <p:cBhvr>
+                                        <p:cTn id="27" dur="1" fill="hold">
+                                          <p:stCondLst>
+                                            <p:cond delay="0"/>
+                                          </p:stCondLst>
+                                        </p:cTn>
+                                        <p:tgtEl>
+                                          <p:spTgt spid="14"/>
+                                        </p:tgtEl>
+                                        <p:attrNameLst>
+                                          <p:attrName>style.visibility</p:attrName>
+                                        </p:attrNameLst>
+                                      </p:cBhvr>
+                                      <p:to>
+                                        <p:strVal val="visible"/>
+                                      </p:to>
+                                    </p:set>
+                                    <p:animEffect transition="in" filter="fade">
+                                      <p:cBhvr>
+                                        <p:cTn id="28" dur="500"/>
+                                        <p:tgtEl>
+                                          <p:spTgt spid="14"/>
+                                        </p:tgtEl>
+                                      </p:cBhvr>
+                                    </p:animEffect>
+                                  </p:childTnLst>
+                                </p:cTn>
+                              </p:par>
+                            </p:childTnLst>
+                          </p:cTn>
+                        </p:par>
+                      </p:childTnLst>
+                    </p:cTn>
+                  </p:par>
+                  <p:par>
+                    <p:cTn id="29" fill="hold">
+                      <p:stCondLst>
+                        <p:cond delay="indefinite"/>
+                      </p:stCondLst>
+                      <p:childTnLst>
+                        <p:par>
+                          <p:cTn id="30" fill="hold">
+                            <p:stCondLst>
+                              <p:cond delay="0"/>
+                            </p:stCondLst>
+                            <p:childTnLst>
+                              <p:par>
+                                <p:cTn id="31" presetID="6" presetClass="entr" presetSubtype="16" fill="hold" grpId="0" nodeType="clickEffect">
+                                  <p:stCondLst>
+                                    <p:cond delay="0"/>
+                                  </p:stCondLst>
+                                  <p:childTnLst>
+                                    <p:set>
+                                      <p:cBhvr>
+                                        <p:cTn id="32" dur="1" fill="hold">
+                                          <p:stCondLst>
+                                            <p:cond delay="0"/>
+                                          </p:stCondLst>
+                                        </p:cTn>
+                                        <p:tgtEl>
+                                          <p:spTgt spid="17"/>
+                                        </p:tgtEl>
+                                        <p:attrNameLst>
+                                          <p:attrName>style.visibility</p:attrName>
+                                        </p:attrNameLst>
+                                      </p:cBhvr>
+                                      <p:to>
+                                        <p:strVal val="visible"/>
+                                      </p:to>
+                                    </p:set>
+                                    <p:animEffect transition="in" filter="circle(in)">
+                                      <p:cBhvr>
+                                        <p:cTn id="33" dur="2000"/>
+                                        <p:tgtEl>
+                                          <p:spTgt spid="17"/>
+                                        </p:tgtEl>
+                                      </p:cBhvr>
+                                    </p:animEffect>
+                                  </p:childTnLst>
+                                </p:cTn>
+                              </p:par>
+                            </p:childTnLst>
+                          </p:cTn>
+                        </p:par>
+                      </p:childTnLst>
+                    </p:cTn>
+                  </p:par>
+                  <p:par>
+                    <p:cTn id="34" fill="hold">
+                      <p:stCondLst>
+                        <p:cond delay="indefinite"/>
+                      </p:stCondLst>
+                      <p:childTnLst>
+                        <p:par>
+                          <p:cTn id="35" fill="hold">
+                            <p:stCondLst>
+                              <p:cond delay="0"/>
+                            </p:stCondLst>
+                            <p:childTnLst>
+                              <p:par>
+                                <p:cTn id="36" presetID="20" presetClass="entr" presetSubtype="0" fill="hold" grpId="0" nodeType="clickEffect">
+                                  <p:stCondLst>
+                                    <p:cond delay="0"/>
+                                  </p:stCondLst>
+                                  <p:childTnLst>
+                                    <p:set>
+                                      <p:cBhvr>
+                                        <p:cTn id="37" dur="1" fill="hold">
+                                          <p:stCondLst>
+                                            <p:cond delay="0"/>
+                                          </p:stCondLst>
+                                        </p:cTn>
+                                        <p:tgtEl>
                                           <p:spTgt spid="3"/>
                                         </p:tgtEl>
                                         <p:attrNameLst>
@@ -16780,9 +17048,616 @@
                                     </p:set>
                                     <p:animEffect transition="in" filter="wedge">
                                       <p:cBhvr>
-                                        <p:cTn id="18" dur="1000"/>
+                                        <p:cTn id="38" dur="1000"/>
                                         <p:tgtEl>
                                           <p:spTgt spid="3"/>
+                                        </p:tgtEl>
+                                      </p:cBhvr>
+                                    </p:animEffect>
+                                  </p:childTnLst>
+                                </p:cTn>
+                              </p:par>
+                              <p:par>
+                                <p:cTn id="39" presetID="22" presetClass="exit" presetSubtype="4" fill="hold" grpId="1" nodeType="withEffect">
+                                  <p:stCondLst>
+                                    <p:cond delay="0"/>
+                                  </p:stCondLst>
+                                  <p:childTnLst>
+                                    <p:animEffect transition="out" filter="wipe(down)">
+                                      <p:cBhvr>
+                                        <p:cTn id="40" dur="500"/>
+                                        <p:tgtEl>
+                                          <p:spTgt spid="12"/>
+                                        </p:tgtEl>
+                                      </p:cBhvr>
+                                    </p:animEffect>
+                                    <p:set>
+                                      <p:cBhvr>
+                                        <p:cTn id="41" dur="1" fill="hold">
+                                          <p:stCondLst>
+                                            <p:cond delay="499"/>
+                                          </p:stCondLst>
+                                        </p:cTn>
+                                        <p:tgtEl>
+                                          <p:spTgt spid="12"/>
+                                        </p:tgtEl>
+                                        <p:attrNameLst>
+                                          <p:attrName>style.visibility</p:attrName>
+                                        </p:attrNameLst>
+                                      </p:cBhvr>
+                                      <p:to>
+                                        <p:strVal val="hidden"/>
+                                      </p:to>
+                                    </p:set>
+                                  </p:childTnLst>
+                                </p:cTn>
+                              </p:par>
+                              <p:par>
+                                <p:cTn id="42" presetID="22" presetClass="exit" presetSubtype="4" fill="hold" grpId="1" nodeType="withEffect">
+                                  <p:stCondLst>
+                                    <p:cond delay="0"/>
+                                  </p:stCondLst>
+                                  <p:childTnLst>
+                                    <p:animEffect transition="out" filter="wipe(down)">
+                                      <p:cBhvr>
+                                        <p:cTn id="43" dur="500"/>
+                                        <p:tgtEl>
+                                          <p:spTgt spid="13"/>
+                                        </p:tgtEl>
+                                      </p:cBhvr>
+                                    </p:animEffect>
+                                    <p:set>
+                                      <p:cBhvr>
+                                        <p:cTn id="44" dur="1" fill="hold">
+                                          <p:stCondLst>
+                                            <p:cond delay="499"/>
+                                          </p:stCondLst>
+                                        </p:cTn>
+                                        <p:tgtEl>
+                                          <p:spTgt spid="13"/>
+                                        </p:tgtEl>
+                                        <p:attrNameLst>
+                                          <p:attrName>style.visibility</p:attrName>
+                                        </p:attrNameLst>
+                                      </p:cBhvr>
+                                      <p:to>
+                                        <p:strVal val="hidden"/>
+                                      </p:to>
+                                    </p:set>
+                                  </p:childTnLst>
+                                </p:cTn>
+                              </p:par>
+                              <p:par>
+                                <p:cTn id="45" presetID="22" presetClass="exit" presetSubtype="4" fill="hold" grpId="1" nodeType="withEffect">
+                                  <p:stCondLst>
+                                    <p:cond delay="0"/>
+                                  </p:stCondLst>
+                                  <p:childTnLst>
+                                    <p:animEffect transition="out" filter="wipe(down)">
+                                      <p:cBhvr>
+                                        <p:cTn id="46" dur="500"/>
+                                        <p:tgtEl>
+                                          <p:spTgt spid="14"/>
+                                        </p:tgtEl>
+                                      </p:cBhvr>
+                                    </p:animEffect>
+                                    <p:set>
+                                      <p:cBhvr>
+                                        <p:cTn id="47" dur="1" fill="hold">
+                                          <p:stCondLst>
+                                            <p:cond delay="499"/>
+                                          </p:stCondLst>
+                                        </p:cTn>
+                                        <p:tgtEl>
+                                          <p:spTgt spid="14"/>
+                                        </p:tgtEl>
+                                        <p:attrNameLst>
+                                          <p:attrName>style.visibility</p:attrName>
+                                        </p:attrNameLst>
+                                      </p:cBhvr>
+                                      <p:to>
+                                        <p:strVal val="hidden"/>
+                                      </p:to>
+                                    </p:set>
+                                  </p:childTnLst>
+                                </p:cTn>
+                              </p:par>
+                              <p:par>
+                                <p:cTn id="48" presetID="10" presetClass="exit" presetSubtype="0" fill="hold" grpId="0" nodeType="withEffect">
+                                  <p:stCondLst>
+                                    <p:cond delay="0"/>
+                                  </p:stCondLst>
+                                  <p:childTnLst>
+                                    <p:animEffect transition="out" filter="fade">
+                                      <p:cBhvr>
+                                        <p:cTn id="49" dur="500"/>
+                                        <p:tgtEl>
+                                          <p:spTgt spid="8"/>
+                                        </p:tgtEl>
+                                      </p:cBhvr>
+                                    </p:animEffect>
+                                    <p:set>
+                                      <p:cBhvr>
+                                        <p:cTn id="50" dur="1" fill="hold">
+                                          <p:stCondLst>
+                                            <p:cond delay="499"/>
+                                          </p:stCondLst>
+                                        </p:cTn>
+                                        <p:tgtEl>
+                                          <p:spTgt spid="8"/>
+                                        </p:tgtEl>
+                                        <p:attrNameLst>
+                                          <p:attrName>style.visibility</p:attrName>
+                                        </p:attrNameLst>
+                                      </p:cBhvr>
+                                      <p:to>
+                                        <p:strVal val="hidden"/>
+                                      </p:to>
+                                    </p:set>
+                                  </p:childTnLst>
+                                </p:cTn>
+                              </p:par>
+                              <p:par>
+                                <p:cTn id="51" presetID="10" presetClass="exit" presetSubtype="0" fill="hold" grpId="0" nodeType="withEffect">
+                                  <p:stCondLst>
+                                    <p:cond delay="0"/>
+                                  </p:stCondLst>
+                                  <p:childTnLst>
+                                    <p:animEffect transition="out" filter="fade">
+                                      <p:cBhvr>
+                                        <p:cTn id="52" dur="500"/>
+                                        <p:tgtEl>
+                                          <p:spTgt spid="11"/>
+                                        </p:tgtEl>
+                                      </p:cBhvr>
+                                    </p:animEffect>
+                                    <p:set>
+                                      <p:cBhvr>
+                                        <p:cTn id="53" dur="1" fill="hold">
+                                          <p:stCondLst>
+                                            <p:cond delay="499"/>
+                                          </p:stCondLst>
+                                        </p:cTn>
+                                        <p:tgtEl>
+                                          <p:spTgt spid="11"/>
+                                        </p:tgtEl>
+                                        <p:attrNameLst>
+                                          <p:attrName>style.visibility</p:attrName>
+                                        </p:attrNameLst>
+                                      </p:cBhvr>
+                                      <p:to>
+                                        <p:strVal val="hidden"/>
+                                      </p:to>
+                                    </p:set>
+                                  </p:childTnLst>
+                                </p:cTn>
+                              </p:par>
+                              <p:par>
+                                <p:cTn id="54" presetID="10" presetClass="exit" presetSubtype="0" fill="hold" grpId="1" nodeType="withEffect">
+                                  <p:stCondLst>
+                                    <p:cond delay="0"/>
+                                  </p:stCondLst>
+                                  <p:childTnLst>
+                                    <p:animEffect transition="out" filter="fade">
+                                      <p:cBhvr>
+                                        <p:cTn id="55" dur="500"/>
+                                        <p:tgtEl>
+                                          <p:spTgt spid="17"/>
+                                        </p:tgtEl>
+                                      </p:cBhvr>
+                                    </p:animEffect>
+                                    <p:set>
+                                      <p:cBhvr>
+                                        <p:cTn id="56" dur="1" fill="hold">
+                                          <p:stCondLst>
+                                            <p:cond delay="499"/>
+                                          </p:stCondLst>
+                                        </p:cTn>
+                                        <p:tgtEl>
+                                          <p:spTgt spid="17"/>
+                                        </p:tgtEl>
+                                        <p:attrNameLst>
+                                          <p:attrName>style.visibility</p:attrName>
+                                        </p:attrNameLst>
+                                      </p:cBhvr>
+                                      <p:to>
+                                        <p:strVal val="hidden"/>
+                                      </p:to>
+                                    </p:set>
+                                  </p:childTnLst>
+                                </p:cTn>
+                              </p:par>
+                            </p:childTnLst>
+                          </p:cTn>
+                        </p:par>
+                      </p:childTnLst>
+                    </p:cTn>
+                  </p:par>
+                  <p:par>
+                    <p:cTn id="57" fill="hold">
+                      <p:stCondLst>
+                        <p:cond delay="indefinite"/>
+                      </p:stCondLst>
+                      <p:childTnLst>
+                        <p:par>
+                          <p:cTn id="58" fill="hold">
+                            <p:stCondLst>
+                              <p:cond delay="0"/>
+                            </p:stCondLst>
+                            <p:childTnLst>
+                              <p:par>
+                                <p:cTn id="59" presetID="1" presetClass="entr" presetSubtype="0" fill="hold" grpId="2" nodeType="clickEffect">
+                                  <p:stCondLst>
+                                    <p:cond delay="0"/>
+                                  </p:stCondLst>
+                                  <p:childTnLst>
+                                    <p:set>
+                                      <p:cBhvr>
+                                        <p:cTn id="60" dur="1" fill="hold">
+                                          <p:stCondLst>
+                                            <p:cond delay="0"/>
+                                          </p:stCondLst>
+                                        </p:cTn>
+                                        <p:tgtEl>
+                                          <p:spTgt spid="8"/>
+                                        </p:tgtEl>
+                                        <p:attrNameLst>
+                                          <p:attrName>style.visibility</p:attrName>
+                                        </p:attrNameLst>
+                                      </p:cBhvr>
+                                      <p:to>
+                                        <p:strVal val="visible"/>
+                                      </p:to>
+                                    </p:set>
+                                  </p:childTnLst>
+                                </p:cTn>
+                              </p:par>
+                              <p:par>
+                                <p:cTn id="61" presetID="1" presetClass="entr" presetSubtype="0" fill="hold" grpId="2" nodeType="withEffect">
+                                  <p:stCondLst>
+                                    <p:cond delay="0"/>
+                                  </p:stCondLst>
+                                  <p:childTnLst>
+                                    <p:set>
+                                      <p:cBhvr>
+                                        <p:cTn id="62" dur="1" fill="hold">
+                                          <p:stCondLst>
+                                            <p:cond delay="0"/>
+                                          </p:stCondLst>
+                                        </p:cTn>
+                                        <p:tgtEl>
+                                          <p:spTgt spid="11"/>
+                                        </p:tgtEl>
+                                        <p:attrNameLst>
+                                          <p:attrName>style.visibility</p:attrName>
+                                        </p:attrNameLst>
+                                      </p:cBhvr>
+                                      <p:to>
+                                        <p:strVal val="visible"/>
+                                      </p:to>
+                                    </p:set>
+                                  </p:childTnLst>
+                                </p:cTn>
+                              </p:par>
+                              <p:par>
+                                <p:cTn id="63" presetID="1" presetClass="entr" presetSubtype="0" fill="hold" grpId="3" nodeType="withEffect">
+                                  <p:stCondLst>
+                                    <p:cond delay="0"/>
+                                  </p:stCondLst>
+                                  <p:childTnLst>
+                                    <p:set>
+                                      <p:cBhvr>
+                                        <p:cTn id="64" dur="1" fill="hold">
+                                          <p:stCondLst>
+                                            <p:cond delay="0"/>
+                                          </p:stCondLst>
+                                        </p:cTn>
+                                        <p:tgtEl>
+                                          <p:spTgt spid="12"/>
+                                        </p:tgtEl>
+                                        <p:attrNameLst>
+                                          <p:attrName>style.visibility</p:attrName>
+                                        </p:attrNameLst>
+                                      </p:cBhvr>
+                                      <p:to>
+                                        <p:strVal val="visible"/>
+                                      </p:to>
+                                    </p:set>
+                                  </p:childTnLst>
+                                </p:cTn>
+                              </p:par>
+                              <p:par>
+                                <p:cTn id="65" presetID="1" presetClass="entr" presetSubtype="0" fill="hold" grpId="2" nodeType="withEffect">
+                                  <p:stCondLst>
+                                    <p:cond delay="0"/>
+                                  </p:stCondLst>
+                                  <p:childTnLst>
+                                    <p:set>
+                                      <p:cBhvr>
+                                        <p:cTn id="66" dur="1" fill="hold">
+                                          <p:stCondLst>
+                                            <p:cond delay="0"/>
+                                          </p:stCondLst>
+                                        </p:cTn>
+                                        <p:tgtEl>
+                                          <p:spTgt spid="13"/>
+                                        </p:tgtEl>
+                                        <p:attrNameLst>
+                                          <p:attrName>style.visibility</p:attrName>
+                                        </p:attrNameLst>
+                                      </p:cBhvr>
+                                      <p:to>
+                                        <p:strVal val="visible"/>
+                                      </p:to>
+                                    </p:set>
+                                  </p:childTnLst>
+                                </p:cTn>
+                              </p:par>
+                              <p:par>
+                                <p:cTn id="67" presetID="1" presetClass="entr" presetSubtype="0" fill="hold" grpId="2" nodeType="withEffect">
+                                  <p:stCondLst>
+                                    <p:cond delay="0"/>
+                                  </p:stCondLst>
+                                  <p:childTnLst>
+                                    <p:set>
+                                      <p:cBhvr>
+                                        <p:cTn id="68" dur="1" fill="hold">
+                                          <p:stCondLst>
+                                            <p:cond delay="0"/>
+                                          </p:stCondLst>
+                                        </p:cTn>
+                                        <p:tgtEl>
+                                          <p:spTgt spid="14"/>
+                                        </p:tgtEl>
+                                        <p:attrNameLst>
+                                          <p:attrName>style.visibility</p:attrName>
+                                        </p:attrNameLst>
+                                      </p:cBhvr>
+                                      <p:to>
+                                        <p:strVal val="visible"/>
+                                      </p:to>
+                                    </p:set>
+                                  </p:childTnLst>
+                                </p:cTn>
+                              </p:par>
+                            </p:childTnLst>
+                          </p:cTn>
+                        </p:par>
+                      </p:childTnLst>
+                    </p:cTn>
+                  </p:par>
+                  <p:par>
+                    <p:cTn id="69" fill="hold">
+                      <p:stCondLst>
+                        <p:cond delay="indefinite"/>
+                      </p:stCondLst>
+                      <p:childTnLst>
+                        <p:par>
+                          <p:cTn id="70" fill="hold">
+                            <p:stCondLst>
+                              <p:cond delay="0"/>
+                            </p:stCondLst>
+                            <p:childTnLst>
+                              <p:par>
+                                <p:cTn id="71" presetID="6" presetClass="emph" presetSubtype="0" fill="hold" grpId="2" nodeType="clickEffect">
+                                  <p:stCondLst>
+                                    <p:cond delay="0"/>
+                                  </p:stCondLst>
+                                  <p:childTnLst>
+                                    <p:animScale>
+                                      <p:cBhvr>
+                                        <p:cTn id="72" dur="2000" fill="hold"/>
+                                        <p:tgtEl>
+                                          <p:spTgt spid="12"/>
+                                        </p:tgtEl>
+                                      </p:cBhvr>
+                                      <p:by x="50000" y="100000"/>
+                                    </p:animScale>
+                                  </p:childTnLst>
+                                </p:cTn>
+                              </p:par>
+                              <p:par>
+                                <p:cTn id="73" presetID="42" presetClass="path" presetSubtype="0" accel="50000" decel="50000" fill="hold" grpId="4" nodeType="withEffect">
+                                  <p:stCondLst>
+                                    <p:cond delay="0"/>
+                                  </p:stCondLst>
+                                  <p:childTnLst>
+                                    <p:animMotion origin="layout" path="M -8.33333E-7 -4.07407E-6 L -0.03889 -0.00023 " pathEditMode="relative" rAng="0" ptsTypes="AA">
+                                      <p:cBhvr>
+                                        <p:cTn id="74" dur="2000" fill="hold"/>
+                                        <p:tgtEl>
+                                          <p:spTgt spid="12"/>
+                                        </p:tgtEl>
+                                        <p:attrNameLst>
+                                          <p:attrName>ppt_x</p:attrName>
+                                          <p:attrName>ppt_y</p:attrName>
+                                        </p:attrNameLst>
+                                      </p:cBhvr>
+                                      <p:rCtr x="-1944" y="-23"/>
+                                    </p:animMotion>
+                                  </p:childTnLst>
+                                </p:cTn>
+                              </p:par>
+                            </p:childTnLst>
+                          </p:cTn>
+                        </p:par>
+                        <p:par>
+                          <p:cTn id="75" fill="hold">
+                            <p:stCondLst>
+                              <p:cond delay="2000"/>
+                            </p:stCondLst>
+                            <p:childTnLst>
+                              <p:par>
+                                <p:cTn id="76" presetID="6" presetClass="emph" presetSubtype="0" fill="hold" grpId="3" nodeType="afterEffect">
+                                  <p:stCondLst>
+                                    <p:cond delay="0"/>
+                                  </p:stCondLst>
+                                  <p:childTnLst>
+                                    <p:animScale>
+                                      <p:cBhvr>
+                                        <p:cTn id="77" dur="2000" fill="hold"/>
+                                        <p:tgtEl>
+                                          <p:spTgt spid="13"/>
+                                        </p:tgtEl>
+                                      </p:cBhvr>
+                                      <p:by x="50000" y="100000"/>
+                                    </p:animScale>
+                                  </p:childTnLst>
+                                </p:cTn>
+                              </p:par>
+                              <p:par>
+                                <p:cTn id="78" presetID="42" presetClass="path" presetSubtype="0" accel="50000" decel="50000" fill="hold" grpId="4" nodeType="withEffect">
+                                  <p:stCondLst>
+                                    <p:cond delay="0"/>
+                                  </p:stCondLst>
+                                  <p:childTnLst>
+                                    <p:animMotion origin="layout" path="M -3.88889E-6 -4.07407E-6 L -0.04045 -0.00023 " pathEditMode="relative" rAng="0" ptsTypes="AA">
+                                      <p:cBhvr>
+                                        <p:cTn id="79" dur="2000" fill="hold"/>
+                                        <p:tgtEl>
+                                          <p:spTgt spid="13"/>
+                                        </p:tgtEl>
+                                        <p:attrNameLst>
+                                          <p:attrName>ppt_x</p:attrName>
+                                          <p:attrName>ppt_y</p:attrName>
+                                        </p:attrNameLst>
+                                      </p:cBhvr>
+                                      <p:rCtr x="-2031" y="-23"/>
+                                    </p:animMotion>
+                                  </p:childTnLst>
+                                </p:cTn>
+                              </p:par>
+                            </p:childTnLst>
+                          </p:cTn>
+                        </p:par>
+                        <p:par>
+                          <p:cTn id="80" fill="hold">
+                            <p:stCondLst>
+                              <p:cond delay="4000"/>
+                            </p:stCondLst>
+                            <p:childTnLst>
+                              <p:par>
+                                <p:cTn id="81" presetID="6" presetClass="emph" presetSubtype="0" fill="hold" grpId="3" nodeType="afterEffect">
+                                  <p:stCondLst>
+                                    <p:cond delay="0"/>
+                                  </p:stCondLst>
+                                  <p:childTnLst>
+                                    <p:animScale>
+                                      <p:cBhvr>
+                                        <p:cTn id="82" dur="2000" fill="hold"/>
+                                        <p:tgtEl>
+                                          <p:spTgt spid="14"/>
+                                        </p:tgtEl>
+                                      </p:cBhvr>
+                                      <p:by x="50000" y="100000"/>
+                                    </p:animScale>
+                                  </p:childTnLst>
+                                </p:cTn>
+                              </p:par>
+                              <p:par>
+                                <p:cTn id="83" presetID="42" presetClass="path" presetSubtype="0" accel="50000" decel="50000" fill="hold" grpId="4" nodeType="withEffect">
+                                  <p:stCondLst>
+                                    <p:cond delay="0"/>
+                                  </p:stCondLst>
+                                  <p:childTnLst>
+                                    <p:animMotion origin="layout" path="M -3.33333E-6 -4.07407E-6 L -0.03211 -0.00138 " pathEditMode="relative" rAng="0" ptsTypes="AA">
+                                      <p:cBhvr>
+                                        <p:cTn id="84" dur="2000" fill="hold"/>
+                                        <p:tgtEl>
+                                          <p:spTgt spid="14"/>
+                                        </p:tgtEl>
+                                        <p:attrNameLst>
+                                          <p:attrName>ppt_x</p:attrName>
+                                          <p:attrName>ppt_y</p:attrName>
+                                        </p:attrNameLst>
+                                      </p:cBhvr>
+                                      <p:rCtr x="-1615" y="-69"/>
+                                    </p:animMotion>
+                                  </p:childTnLst>
+                                </p:cTn>
+                              </p:par>
+                            </p:childTnLst>
+                          </p:cTn>
+                        </p:par>
+                      </p:childTnLst>
+                    </p:cTn>
+                  </p:par>
+                  <p:par>
+                    <p:cTn id="85" fill="hold">
+                      <p:stCondLst>
+                        <p:cond delay="indefinite"/>
+                      </p:stCondLst>
+                      <p:childTnLst>
+                        <p:par>
+                          <p:cTn id="86" fill="hold">
+                            <p:stCondLst>
+                              <p:cond delay="0"/>
+                            </p:stCondLst>
+                            <p:childTnLst>
+                              <p:par>
+                                <p:cTn id="87" presetID="10" presetClass="entr" presetSubtype="0" fill="hold" grpId="0" nodeType="clickEffect">
+                                  <p:stCondLst>
+                                    <p:cond delay="0"/>
+                                  </p:stCondLst>
+                                  <p:childTnLst>
+                                    <p:set>
+                                      <p:cBhvr>
+                                        <p:cTn id="88" dur="1" fill="hold">
+                                          <p:stCondLst>
+                                            <p:cond delay="0"/>
+                                          </p:stCondLst>
+                                        </p:cTn>
+                                        <p:tgtEl>
+                                          <p:spTgt spid="15"/>
+                                        </p:tgtEl>
+                                        <p:attrNameLst>
+                                          <p:attrName>style.visibility</p:attrName>
+                                        </p:attrNameLst>
+                                      </p:cBhvr>
+                                      <p:to>
+                                        <p:strVal val="visible"/>
+                                      </p:to>
+                                    </p:set>
+                                    <p:animEffect transition="in" filter="fade">
+                                      <p:cBhvr>
+                                        <p:cTn id="89" dur="500"/>
+                                        <p:tgtEl>
+                                          <p:spTgt spid="15"/>
+                                        </p:tgtEl>
+                                      </p:cBhvr>
+                                    </p:animEffect>
+                                  </p:childTnLst>
+                                </p:cTn>
+                              </p:par>
+                              <p:par>
+                                <p:cTn id="90" presetID="10" presetClass="entr" presetSubtype="0" fill="hold" grpId="0" nodeType="withEffect">
+                                  <p:stCondLst>
+                                    <p:cond delay="0"/>
+                                  </p:stCondLst>
+                                  <p:childTnLst>
+                                    <p:set>
+                                      <p:cBhvr>
+                                        <p:cTn id="91" dur="1" fill="hold">
+                                          <p:stCondLst>
+                                            <p:cond delay="0"/>
+                                          </p:stCondLst>
+                                        </p:cTn>
+                                        <p:tgtEl>
+                                          <p:spTgt spid="16"/>
+                                        </p:tgtEl>
+                                        <p:attrNameLst>
+                                          <p:attrName>style.visibility</p:attrName>
+                                        </p:attrNameLst>
+                                      </p:cBhvr>
+                                      <p:to>
+                                        <p:strVal val="visible"/>
+                                      </p:to>
+                                    </p:set>
+                                    <p:animEffect transition="in" filter="fade">
+                                      <p:cBhvr>
+                                        <p:cTn id="92" dur="500"/>
+                                        <p:tgtEl>
+                                          <p:spTgt spid="16"/>
                                         </p:tgtEl>
                                       </p:cBhvr>
                                     </p:animEffect>
@@ -16819,6 +17694,31 @@
     <p:bldLst>
       <p:bldP spid="2" grpId="0" animBg="1"/>
       <p:bldP spid="3" grpId="0" animBg="1"/>
+      <p:bldP spid="8" grpId="0" animBg="1"/>
+      <p:bldP spid="8" grpId="1" animBg="1"/>
+      <p:bldP spid="8" grpId="2" animBg="1"/>
+      <p:bldP spid="11" grpId="0" animBg="1"/>
+      <p:bldP spid="11" grpId="1" animBg="1"/>
+      <p:bldP spid="11" grpId="2" animBg="1"/>
+      <p:bldP spid="12" grpId="0" animBg="1"/>
+      <p:bldP spid="12" grpId="1" animBg="1"/>
+      <p:bldP spid="12" grpId="2" animBg="1"/>
+      <p:bldP spid="12" grpId="3" animBg="1"/>
+      <p:bldP spid="12" grpId="4" animBg="1"/>
+      <p:bldP spid="13" grpId="0" animBg="1"/>
+      <p:bldP spid="13" grpId="1" animBg="1"/>
+      <p:bldP spid="13" grpId="2" animBg="1"/>
+      <p:bldP spid="13" grpId="3" animBg="1"/>
+      <p:bldP spid="13" grpId="4" animBg="1"/>
+      <p:bldP spid="14" grpId="0" animBg="1"/>
+      <p:bldP spid="14" grpId="1" animBg="1"/>
+      <p:bldP spid="14" grpId="2" animBg="1"/>
+      <p:bldP spid="14" grpId="3" animBg="1"/>
+      <p:bldP spid="14" grpId="4" animBg="1"/>
+      <p:bldP spid="15" grpId="0" animBg="1"/>
+      <p:bldP spid="16" grpId="0" animBg="1"/>
+      <p:bldP spid="17" grpId="0" animBg="1"/>
+      <p:bldP spid="17" grpId="1" animBg="1"/>
     </p:bldLst>
   </p:timing>
 </p:sld>
@@ -16841,9 +17741,1051 @@
           <a:chExt cx="0" cy="0"/>
         </a:xfrm>
       </p:grpSpPr>
+      <p:sp>
+        <p:nvSpPr>
+          <p:cNvPr id="2" name="Controler Layer"/>
+          <p:cNvSpPr/>
+          <p:nvPr/>
+        </p:nvSpPr>
+        <p:spPr>
+          <a:xfrm>
+            <a:off x="3298801" y="1956391"/>
+            <a:ext cx="5486400" cy="583295"/>
+          </a:xfrm>
+          <a:prstGeom prst="rect">
+            <a:avLst/>
+          </a:prstGeom>
+        </p:spPr>
+        <p:style>
+          <a:lnRef idx="1">
+            <a:schemeClr val="accent1"/>
+          </a:lnRef>
+          <a:fillRef idx="3">
+            <a:schemeClr val="accent1"/>
+          </a:fillRef>
+          <a:effectRef idx="2">
+            <a:schemeClr val="accent1"/>
+          </a:effectRef>
+          <a:fontRef idx="minor">
+            <a:schemeClr val="lt1"/>
+          </a:fontRef>
+        </p:style>
+        <p:txBody>
+          <a:bodyPr rtlCol="0" anchor="ctr"/>
+          <a:lstStyle/>
+          <a:p>
+            <a:pPr algn="ctr"/>
+            <a:r>
+              <a:rPr lang="en-GB" dirty="0"/>
+              <a:t>Controller</a:t>
+            </a:r>
+            <a:endParaRPr lang="en-US" dirty="0"/>
+          </a:p>
+        </p:txBody>
+      </p:sp>
+      <p:sp>
+        <p:nvSpPr>
+          <p:cNvPr id="3" name="Data Layer"/>
+          <p:cNvSpPr/>
+          <p:nvPr/>
+        </p:nvSpPr>
+        <p:spPr>
+          <a:xfrm>
+            <a:off x="3298801" y="5078916"/>
+            <a:ext cx="5486400" cy="583295"/>
+          </a:xfrm>
+          <a:prstGeom prst="rect">
+            <a:avLst/>
+          </a:prstGeom>
+        </p:spPr>
+        <p:style>
+          <a:lnRef idx="1">
+            <a:schemeClr val="accent6"/>
+          </a:lnRef>
+          <a:fillRef idx="3">
+            <a:schemeClr val="accent6"/>
+          </a:fillRef>
+          <a:effectRef idx="2">
+            <a:schemeClr val="accent6"/>
+          </a:effectRef>
+          <a:fontRef idx="minor">
+            <a:schemeClr val="lt1"/>
+          </a:fontRef>
+        </p:style>
+        <p:txBody>
+          <a:bodyPr rtlCol="0" anchor="ctr"/>
+          <a:lstStyle/>
+          <a:p>
+            <a:pPr algn="ctr"/>
+            <a:r>
+              <a:rPr lang="en-GB" dirty="0"/>
+              <a:t>Data</a:t>
+            </a:r>
+            <a:endParaRPr lang="en-US" dirty="0"/>
+          </a:p>
+        </p:txBody>
+      </p:sp>
+      <p:sp>
+        <p:nvSpPr>
+          <p:cNvPr id="4" name="Feature A"/>
+          <p:cNvSpPr/>
+          <p:nvPr/>
+        </p:nvSpPr>
+        <p:spPr>
+          <a:xfrm>
+            <a:off x="3298801" y="2713716"/>
+            <a:ext cx="1414130" cy="2191169"/>
+          </a:xfrm>
+          <a:prstGeom prst="rect">
+            <a:avLst/>
+          </a:prstGeom>
+        </p:spPr>
+        <p:style>
+          <a:lnRef idx="1">
+            <a:schemeClr val="accent5"/>
+          </a:lnRef>
+          <a:fillRef idx="3">
+            <a:schemeClr val="accent5"/>
+          </a:fillRef>
+          <a:effectRef idx="2">
+            <a:schemeClr val="accent5"/>
+          </a:effectRef>
+          <a:fontRef idx="minor">
+            <a:schemeClr val="lt1"/>
+          </a:fontRef>
+        </p:style>
+        <p:txBody>
+          <a:bodyPr rtlCol="0" anchor="ctr"/>
+          <a:lstStyle/>
+          <a:p>
+            <a:pPr algn="ctr"/>
+            <a:r>
+              <a:rPr lang="en-GB" dirty="0"/>
+              <a:t>Feature A</a:t>
+            </a:r>
+            <a:endParaRPr lang="en-US" dirty="0"/>
+          </a:p>
+        </p:txBody>
+      </p:sp>
+      <p:sp>
+        <p:nvSpPr>
+          <p:cNvPr id="5" name="Feature B"/>
+          <p:cNvSpPr/>
+          <p:nvPr/>
+        </p:nvSpPr>
+        <p:spPr>
+          <a:xfrm>
+            <a:off x="5334937" y="2713716"/>
+            <a:ext cx="1414130" cy="2191169"/>
+          </a:xfrm>
+          <a:prstGeom prst="rect">
+            <a:avLst/>
+          </a:prstGeom>
+        </p:spPr>
+        <p:style>
+          <a:lnRef idx="1">
+            <a:schemeClr val="accent4"/>
+          </a:lnRef>
+          <a:fillRef idx="3">
+            <a:schemeClr val="accent4"/>
+          </a:fillRef>
+          <a:effectRef idx="2">
+            <a:schemeClr val="accent4"/>
+          </a:effectRef>
+          <a:fontRef idx="minor">
+            <a:schemeClr val="lt1"/>
+          </a:fontRef>
+        </p:style>
+        <p:txBody>
+          <a:bodyPr rtlCol="0" anchor="ctr"/>
+          <a:lstStyle/>
+          <a:p>
+            <a:pPr algn="ctr"/>
+            <a:r>
+              <a:rPr lang="en-GB" dirty="0"/>
+              <a:t>Feature B</a:t>
+            </a:r>
+            <a:endParaRPr lang="en-US" dirty="0"/>
+          </a:p>
+        </p:txBody>
+      </p:sp>
+      <p:sp>
+        <p:nvSpPr>
+          <p:cNvPr id="6" name="Feature C"/>
+          <p:cNvSpPr/>
+          <p:nvPr/>
+        </p:nvSpPr>
+        <p:spPr>
+          <a:xfrm>
+            <a:off x="7371072" y="2713716"/>
+            <a:ext cx="1414130" cy="2191169"/>
+          </a:xfrm>
+          <a:prstGeom prst="rect">
+            <a:avLst/>
+          </a:prstGeom>
+        </p:spPr>
+        <p:style>
+          <a:lnRef idx="1">
+            <a:schemeClr val="accent3"/>
+          </a:lnRef>
+          <a:fillRef idx="3">
+            <a:schemeClr val="accent3"/>
+          </a:fillRef>
+          <a:effectRef idx="2">
+            <a:schemeClr val="accent3"/>
+          </a:effectRef>
+          <a:fontRef idx="minor">
+            <a:schemeClr val="lt1"/>
+          </a:fontRef>
+        </p:style>
+        <p:txBody>
+          <a:bodyPr rtlCol="0" anchor="ctr"/>
+          <a:lstStyle/>
+          <a:p>
+            <a:pPr algn="ctr"/>
+            <a:r>
+              <a:rPr lang="en-GB" dirty="0"/>
+              <a:t>Feature C</a:t>
+            </a:r>
+            <a:endParaRPr lang="en-US" dirty="0"/>
+          </a:p>
+        </p:txBody>
+      </p:sp>
       <p:pic>
         <p:nvPicPr>
-          <p:cNvPr id="3" name="Picture 2"/>
+          <p:cNvPr id="7" name="Thinking Bill"/>
+          <p:cNvPicPr>
+            <a:picLocks noChangeAspect="1"/>
+          </p:cNvPicPr>
+          <p:nvPr/>
+        </p:nvPicPr>
+        <p:blipFill>
+          <a:blip r:embed="rId3" cstate="email">
+            <a:extLst>
+              <a:ext uri="{28A0092B-C50C-407E-A947-70E740481C1C}">
+                <a14:useLocalDpi xmlns:a14="http://schemas.microsoft.com/office/drawing/2010/main" val="0"/>
+              </a:ext>
+            </a:extLst>
+          </a:blip>
+          <a:stretch>
+            <a:fillRect/>
+          </a:stretch>
+        </p:blipFill>
+        <p:spPr>
+          <a:xfrm>
+            <a:off x="-184830" y="2539686"/>
+            <a:ext cx="3962400" cy="2971800"/>
+          </a:xfrm>
+          <a:prstGeom prst="rect">
+            <a:avLst/>
+          </a:prstGeom>
+        </p:spPr>
+      </p:pic>
+      <p:pic>
+        <p:nvPicPr>
+          <p:cNvPr id="8" name="Success Bill"/>
+          <p:cNvPicPr>
+            <a:picLocks noChangeAspect="1"/>
+          </p:cNvPicPr>
+          <p:nvPr/>
+        </p:nvPicPr>
+        <p:blipFill>
+          <a:blip r:embed="rId4" cstate="email">
+            <a:extLst>
+              <a:ext uri="{28A0092B-C50C-407E-A947-70E740481C1C}">
+                <a14:useLocalDpi xmlns:a14="http://schemas.microsoft.com/office/drawing/2010/main" val="0"/>
+              </a:ext>
+            </a:extLst>
+          </a:blip>
+          <a:stretch>
+            <a:fillRect/>
+          </a:stretch>
+        </p:blipFill>
+        <p:spPr>
+          <a:xfrm>
+            <a:off x="-191343" y="2526030"/>
+            <a:ext cx="3962400" cy="2971800"/>
+          </a:xfrm>
+          <a:prstGeom prst="rect">
+            <a:avLst/>
+          </a:prstGeom>
+        </p:spPr>
+      </p:pic>
+      <p:sp>
+        <p:nvSpPr>
+          <p:cNvPr id="9" name="Controler Layer"/>
+          <p:cNvSpPr/>
+          <p:nvPr/>
+        </p:nvSpPr>
+        <p:spPr>
+          <a:xfrm>
+            <a:off x="3298801" y="2123593"/>
+            <a:ext cx="1414130" cy="583295"/>
+          </a:xfrm>
+          <a:prstGeom prst="rect">
+            <a:avLst/>
+          </a:prstGeom>
+        </p:spPr>
+        <p:style>
+          <a:lnRef idx="1">
+            <a:schemeClr val="accent1"/>
+          </a:lnRef>
+          <a:fillRef idx="3">
+            <a:schemeClr val="accent1"/>
+          </a:fillRef>
+          <a:effectRef idx="2">
+            <a:schemeClr val="accent1"/>
+          </a:effectRef>
+          <a:fontRef idx="minor">
+            <a:schemeClr val="lt1"/>
+          </a:fontRef>
+        </p:style>
+        <p:txBody>
+          <a:bodyPr rtlCol="0" anchor="ctr"/>
+          <a:lstStyle/>
+          <a:p>
+            <a:pPr algn="ctr"/>
+            <a:r>
+              <a:rPr lang="en-GB" dirty="0"/>
+              <a:t>Controller</a:t>
+            </a:r>
+            <a:endParaRPr lang="en-US" dirty="0"/>
+          </a:p>
+        </p:txBody>
+      </p:sp>
+      <p:sp>
+        <p:nvSpPr>
+          <p:cNvPr id="10" name="Controler Layer"/>
+          <p:cNvSpPr/>
+          <p:nvPr/>
+        </p:nvSpPr>
+        <p:spPr>
+          <a:xfrm>
+            <a:off x="5334937" y="2130421"/>
+            <a:ext cx="1414130" cy="583295"/>
+          </a:xfrm>
+          <a:prstGeom prst="rect">
+            <a:avLst/>
+          </a:prstGeom>
+        </p:spPr>
+        <p:style>
+          <a:lnRef idx="1">
+            <a:schemeClr val="accent1"/>
+          </a:lnRef>
+          <a:fillRef idx="3">
+            <a:schemeClr val="accent1"/>
+          </a:fillRef>
+          <a:effectRef idx="2">
+            <a:schemeClr val="accent1"/>
+          </a:effectRef>
+          <a:fontRef idx="minor">
+            <a:schemeClr val="lt1"/>
+          </a:fontRef>
+        </p:style>
+        <p:txBody>
+          <a:bodyPr rtlCol="0" anchor="ctr"/>
+          <a:lstStyle/>
+          <a:p>
+            <a:pPr algn="ctr"/>
+            <a:r>
+              <a:rPr lang="en-GB" dirty="0"/>
+              <a:t>Controller</a:t>
+            </a:r>
+            <a:endParaRPr lang="en-US" dirty="0"/>
+          </a:p>
+        </p:txBody>
+      </p:sp>
+      <p:sp>
+        <p:nvSpPr>
+          <p:cNvPr id="11" name="Controler Layer"/>
+          <p:cNvSpPr/>
+          <p:nvPr/>
+        </p:nvSpPr>
+        <p:spPr>
+          <a:xfrm>
+            <a:off x="7374385" y="2130420"/>
+            <a:ext cx="1414130" cy="583295"/>
+          </a:xfrm>
+          <a:prstGeom prst="rect">
+            <a:avLst/>
+          </a:prstGeom>
+        </p:spPr>
+        <p:style>
+          <a:lnRef idx="1">
+            <a:schemeClr val="accent1"/>
+          </a:lnRef>
+          <a:fillRef idx="3">
+            <a:schemeClr val="accent1"/>
+          </a:fillRef>
+          <a:effectRef idx="2">
+            <a:schemeClr val="accent1"/>
+          </a:effectRef>
+          <a:fontRef idx="minor">
+            <a:schemeClr val="lt1"/>
+          </a:fontRef>
+        </p:style>
+        <p:txBody>
+          <a:bodyPr rtlCol="0" anchor="ctr"/>
+          <a:lstStyle/>
+          <a:p>
+            <a:pPr algn="ctr"/>
+            <a:r>
+              <a:rPr lang="en-GB" dirty="0"/>
+              <a:t>Controller</a:t>
+            </a:r>
+            <a:endParaRPr lang="en-US" dirty="0"/>
+          </a:p>
+        </p:txBody>
+      </p:sp>
+      <p:sp>
+        <p:nvSpPr>
+          <p:cNvPr id="12" name="Data Layer"/>
+          <p:cNvSpPr/>
+          <p:nvPr/>
+        </p:nvSpPr>
+        <p:spPr>
+          <a:xfrm>
+            <a:off x="3298801" y="4911713"/>
+            <a:ext cx="1414130" cy="583295"/>
+          </a:xfrm>
+          <a:prstGeom prst="rect">
+            <a:avLst/>
+          </a:prstGeom>
+        </p:spPr>
+        <p:style>
+          <a:lnRef idx="1">
+            <a:schemeClr val="accent6"/>
+          </a:lnRef>
+          <a:fillRef idx="3">
+            <a:schemeClr val="accent6"/>
+          </a:fillRef>
+          <a:effectRef idx="2">
+            <a:schemeClr val="accent6"/>
+          </a:effectRef>
+          <a:fontRef idx="minor">
+            <a:schemeClr val="lt1"/>
+          </a:fontRef>
+        </p:style>
+        <p:txBody>
+          <a:bodyPr rtlCol="0" anchor="ctr"/>
+          <a:lstStyle/>
+          <a:p>
+            <a:pPr algn="ctr"/>
+            <a:r>
+              <a:rPr lang="en-GB" dirty="0"/>
+              <a:t>Data</a:t>
+            </a:r>
+            <a:endParaRPr lang="en-US" dirty="0"/>
+          </a:p>
+        </p:txBody>
+      </p:sp>
+      <p:sp>
+        <p:nvSpPr>
+          <p:cNvPr id="13" name="Data Layer"/>
+          <p:cNvSpPr/>
+          <p:nvPr/>
+        </p:nvSpPr>
+        <p:spPr>
+          <a:xfrm>
+            <a:off x="5334936" y="4928191"/>
+            <a:ext cx="1414130" cy="583295"/>
+          </a:xfrm>
+          <a:prstGeom prst="rect">
+            <a:avLst/>
+          </a:prstGeom>
+        </p:spPr>
+        <p:style>
+          <a:lnRef idx="1">
+            <a:schemeClr val="accent6"/>
+          </a:lnRef>
+          <a:fillRef idx="3">
+            <a:schemeClr val="accent6"/>
+          </a:fillRef>
+          <a:effectRef idx="2">
+            <a:schemeClr val="accent6"/>
+          </a:effectRef>
+          <a:fontRef idx="minor">
+            <a:schemeClr val="lt1"/>
+          </a:fontRef>
+        </p:style>
+        <p:txBody>
+          <a:bodyPr rtlCol="0" anchor="ctr"/>
+          <a:lstStyle/>
+          <a:p>
+            <a:pPr algn="ctr"/>
+            <a:r>
+              <a:rPr lang="en-GB" dirty="0"/>
+              <a:t>Data</a:t>
+            </a:r>
+            <a:endParaRPr lang="en-US" dirty="0"/>
+          </a:p>
+        </p:txBody>
+      </p:sp>
+      <p:sp>
+        <p:nvSpPr>
+          <p:cNvPr id="14" name="Data Layer"/>
+          <p:cNvSpPr/>
+          <p:nvPr/>
+        </p:nvSpPr>
+        <p:spPr>
+          <a:xfrm>
+            <a:off x="7371071" y="4911712"/>
+            <a:ext cx="1414130" cy="583295"/>
+          </a:xfrm>
+          <a:prstGeom prst="rect">
+            <a:avLst/>
+          </a:prstGeom>
+        </p:spPr>
+        <p:style>
+          <a:lnRef idx="1">
+            <a:schemeClr val="accent6"/>
+          </a:lnRef>
+          <a:fillRef idx="3">
+            <a:schemeClr val="accent6"/>
+          </a:fillRef>
+          <a:effectRef idx="2">
+            <a:schemeClr val="accent6"/>
+          </a:effectRef>
+          <a:fontRef idx="minor">
+            <a:schemeClr val="lt1"/>
+          </a:fontRef>
+        </p:style>
+        <p:txBody>
+          <a:bodyPr rtlCol="0" anchor="ctr"/>
+          <a:lstStyle/>
+          <a:p>
+            <a:pPr algn="ctr"/>
+            <a:r>
+              <a:rPr lang="en-GB" dirty="0"/>
+              <a:t>Data</a:t>
+            </a:r>
+            <a:endParaRPr lang="en-US" dirty="0"/>
+          </a:p>
+        </p:txBody>
+      </p:sp>
+      <p:sp>
+        <p:nvSpPr>
+          <p:cNvPr id="15" name="Breaking Things Title"/>
+          <p:cNvSpPr txBox="1">
+            <a:spLocks/>
+          </p:cNvSpPr>
+          <p:nvPr/>
+        </p:nvSpPr>
+        <p:spPr>
+          <a:xfrm>
+            <a:off x="549275" y="107576"/>
+            <a:ext cx="8042276" cy="1336956"/>
+          </a:xfrm>
+          <a:prstGeom prst="rect">
+            <a:avLst/>
+          </a:prstGeom>
+        </p:spPr>
+        <p:txBody>
+          <a:bodyPr/>
+          <a:lstStyle>
+            <a:lvl1pPr algn="ctr" defTabSz="914400" rtl="0" eaLnBrk="1" latinLnBrk="0" hangingPunct="1">
+              <a:spcBef>
+                <a:spcPct val="0"/>
+              </a:spcBef>
+              <a:buNone/>
+              <a:defRPr sz="4600" kern="1200">
+                <a:solidFill>
+                  <a:schemeClr val="accent1"/>
+                </a:solidFill>
+                <a:latin typeface="+mj-lt"/>
+                <a:ea typeface="+mj-ea"/>
+                <a:cs typeface="+mj-cs"/>
+              </a:defRPr>
+            </a:lvl1pPr>
+          </a:lstStyle>
+          <a:p>
+            <a:r>
+              <a:rPr lang="en-GB" dirty="0"/>
+              <a:t>Breaking Things</a:t>
+            </a:r>
+            <a:endParaRPr lang="en-US" dirty="0"/>
+          </a:p>
+        </p:txBody>
+      </p:sp>
+    </p:spTree>
+    <p:extLst>
+      <p:ext uri="{BB962C8B-B14F-4D97-AF65-F5344CB8AC3E}">
+        <p14:creationId xmlns:p14="http://schemas.microsoft.com/office/powerpoint/2010/main" val="422035820"/>
+      </p:ext>
+    </p:extLst>
+  </p:cSld>
+  <p:clrMapOvr>
+    <a:masterClrMapping/>
+  </p:clrMapOvr>
+  <p:timing>
+    <p:tnLst>
+      <p:par>
+        <p:cTn id="1" dur="indefinite" restart="never" nodeType="tmRoot">
+          <p:childTnLst>
+            <p:seq concurrent="1" nextAc="seek">
+              <p:cTn id="2" dur="indefinite" nodeType="mainSeq">
+                <p:childTnLst>
+                  <p:par>
+                    <p:cTn id="3" fill="hold">
+                      <p:stCondLst>
+                        <p:cond delay="indefinite"/>
+                      </p:stCondLst>
+                      <p:childTnLst>
+                        <p:par>
+                          <p:cTn id="4" fill="hold">
+                            <p:stCondLst>
+                              <p:cond delay="0"/>
+                            </p:stCondLst>
+                            <p:childTnLst>
+                              <p:par>
+                                <p:cTn id="5" presetID="10" presetClass="exit" presetSubtype="0" fill="hold" grpId="0" nodeType="clickEffect">
+                                  <p:stCondLst>
+                                    <p:cond delay="0"/>
+                                  </p:stCondLst>
+                                  <p:childTnLst>
+                                    <p:animEffect transition="out" filter="fade">
+                                      <p:cBhvr>
+                                        <p:cTn id="6" dur="500"/>
+                                        <p:tgtEl>
+                                          <p:spTgt spid="2"/>
+                                        </p:tgtEl>
+                                      </p:cBhvr>
+                                    </p:animEffect>
+                                    <p:set>
+                                      <p:cBhvr>
+                                        <p:cTn id="7" dur="1" fill="hold">
+                                          <p:stCondLst>
+                                            <p:cond delay="499"/>
+                                          </p:stCondLst>
+                                        </p:cTn>
+                                        <p:tgtEl>
+                                          <p:spTgt spid="2"/>
+                                        </p:tgtEl>
+                                        <p:attrNameLst>
+                                          <p:attrName>style.visibility</p:attrName>
+                                        </p:attrNameLst>
+                                      </p:cBhvr>
+                                      <p:to>
+                                        <p:strVal val="hidden"/>
+                                      </p:to>
+                                    </p:set>
+                                  </p:childTnLst>
+                                </p:cTn>
+                              </p:par>
+                            </p:childTnLst>
+                          </p:cTn>
+                        </p:par>
+                        <p:par>
+                          <p:cTn id="8" fill="hold">
+                            <p:stCondLst>
+                              <p:cond delay="500"/>
+                            </p:stCondLst>
+                            <p:childTnLst>
+                              <p:par>
+                                <p:cTn id="9" presetID="14" presetClass="entr" presetSubtype="10" fill="hold" grpId="0" nodeType="afterEffect">
+                                  <p:stCondLst>
+                                    <p:cond delay="250"/>
+                                  </p:stCondLst>
+                                  <p:childTnLst>
+                                    <p:set>
+                                      <p:cBhvr>
+                                        <p:cTn id="10" dur="1" fill="hold">
+                                          <p:stCondLst>
+                                            <p:cond delay="0"/>
+                                          </p:stCondLst>
+                                        </p:cTn>
+                                        <p:tgtEl>
+                                          <p:spTgt spid="9"/>
+                                        </p:tgtEl>
+                                        <p:attrNameLst>
+                                          <p:attrName>style.visibility</p:attrName>
+                                        </p:attrNameLst>
+                                      </p:cBhvr>
+                                      <p:to>
+                                        <p:strVal val="visible"/>
+                                      </p:to>
+                                    </p:set>
+                                    <p:animEffect transition="in" filter="randombar(horizontal)">
+                                      <p:cBhvr>
+                                        <p:cTn id="11" dur="500"/>
+                                        <p:tgtEl>
+                                          <p:spTgt spid="9"/>
+                                        </p:tgtEl>
+                                      </p:cBhvr>
+                                    </p:animEffect>
+                                  </p:childTnLst>
+                                </p:cTn>
+                              </p:par>
+                              <p:par>
+                                <p:cTn id="12" presetID="14" presetClass="entr" presetSubtype="10" fill="hold" grpId="0" nodeType="withEffect">
+                                  <p:stCondLst>
+                                    <p:cond delay="250"/>
+                                  </p:stCondLst>
+                                  <p:childTnLst>
+                                    <p:set>
+                                      <p:cBhvr>
+                                        <p:cTn id="13" dur="1" fill="hold">
+                                          <p:stCondLst>
+                                            <p:cond delay="0"/>
+                                          </p:stCondLst>
+                                        </p:cTn>
+                                        <p:tgtEl>
+                                          <p:spTgt spid="10"/>
+                                        </p:tgtEl>
+                                        <p:attrNameLst>
+                                          <p:attrName>style.visibility</p:attrName>
+                                        </p:attrNameLst>
+                                      </p:cBhvr>
+                                      <p:to>
+                                        <p:strVal val="visible"/>
+                                      </p:to>
+                                    </p:set>
+                                    <p:animEffect transition="in" filter="randombar(horizontal)">
+                                      <p:cBhvr>
+                                        <p:cTn id="14" dur="500"/>
+                                        <p:tgtEl>
+                                          <p:spTgt spid="10"/>
+                                        </p:tgtEl>
+                                      </p:cBhvr>
+                                    </p:animEffect>
+                                  </p:childTnLst>
+                                </p:cTn>
+                              </p:par>
+                              <p:par>
+                                <p:cTn id="15" presetID="14" presetClass="entr" presetSubtype="10" fill="hold" grpId="0" nodeType="withEffect">
+                                  <p:stCondLst>
+                                    <p:cond delay="250"/>
+                                  </p:stCondLst>
+                                  <p:childTnLst>
+                                    <p:set>
+                                      <p:cBhvr>
+                                        <p:cTn id="16" dur="1" fill="hold">
+                                          <p:stCondLst>
+                                            <p:cond delay="0"/>
+                                          </p:stCondLst>
+                                        </p:cTn>
+                                        <p:tgtEl>
+                                          <p:spTgt spid="11"/>
+                                        </p:tgtEl>
+                                        <p:attrNameLst>
+                                          <p:attrName>style.visibility</p:attrName>
+                                        </p:attrNameLst>
+                                      </p:cBhvr>
+                                      <p:to>
+                                        <p:strVal val="visible"/>
+                                      </p:to>
+                                    </p:set>
+                                    <p:animEffect transition="in" filter="randombar(horizontal)">
+                                      <p:cBhvr>
+                                        <p:cTn id="17" dur="500"/>
+                                        <p:tgtEl>
+                                          <p:spTgt spid="11"/>
+                                        </p:tgtEl>
+                                      </p:cBhvr>
+                                    </p:animEffect>
+                                  </p:childTnLst>
+                                </p:cTn>
+                              </p:par>
+                            </p:childTnLst>
+                          </p:cTn>
+                        </p:par>
+                      </p:childTnLst>
+                    </p:cTn>
+                  </p:par>
+                  <p:par>
+                    <p:cTn id="18" fill="hold">
+                      <p:stCondLst>
+                        <p:cond delay="indefinite"/>
+                      </p:stCondLst>
+                      <p:childTnLst>
+                        <p:par>
+                          <p:cTn id="19" fill="hold">
+                            <p:stCondLst>
+                              <p:cond delay="0"/>
+                            </p:stCondLst>
+                            <p:childTnLst>
+                              <p:par>
+                                <p:cTn id="20" presetID="10" presetClass="exit" presetSubtype="0" fill="hold" grpId="0" nodeType="clickEffect">
+                                  <p:stCondLst>
+                                    <p:cond delay="0"/>
+                                  </p:stCondLst>
+                                  <p:childTnLst>
+                                    <p:animEffect transition="out" filter="fade">
+                                      <p:cBhvr>
+                                        <p:cTn id="21" dur="500"/>
+                                        <p:tgtEl>
+                                          <p:spTgt spid="3"/>
+                                        </p:tgtEl>
+                                      </p:cBhvr>
+                                    </p:animEffect>
+                                    <p:set>
+                                      <p:cBhvr>
+                                        <p:cTn id="22" dur="1" fill="hold">
+                                          <p:stCondLst>
+                                            <p:cond delay="499"/>
+                                          </p:stCondLst>
+                                        </p:cTn>
+                                        <p:tgtEl>
+                                          <p:spTgt spid="3"/>
+                                        </p:tgtEl>
+                                        <p:attrNameLst>
+                                          <p:attrName>style.visibility</p:attrName>
+                                        </p:attrNameLst>
+                                      </p:cBhvr>
+                                      <p:to>
+                                        <p:strVal val="hidden"/>
+                                      </p:to>
+                                    </p:set>
+                                  </p:childTnLst>
+                                </p:cTn>
+                              </p:par>
+                            </p:childTnLst>
+                          </p:cTn>
+                        </p:par>
+                        <p:par>
+                          <p:cTn id="23" fill="hold">
+                            <p:stCondLst>
+                              <p:cond delay="500"/>
+                            </p:stCondLst>
+                            <p:childTnLst>
+                              <p:par>
+                                <p:cTn id="24" presetID="14" presetClass="entr" presetSubtype="10" fill="hold" grpId="0" nodeType="afterEffect">
+                                  <p:stCondLst>
+                                    <p:cond delay="250"/>
+                                  </p:stCondLst>
+                                  <p:childTnLst>
+                                    <p:set>
+                                      <p:cBhvr>
+                                        <p:cTn id="25" dur="1" fill="hold">
+                                          <p:stCondLst>
+                                            <p:cond delay="0"/>
+                                          </p:stCondLst>
+                                        </p:cTn>
+                                        <p:tgtEl>
+                                          <p:spTgt spid="12"/>
+                                        </p:tgtEl>
+                                        <p:attrNameLst>
+                                          <p:attrName>style.visibility</p:attrName>
+                                        </p:attrNameLst>
+                                      </p:cBhvr>
+                                      <p:to>
+                                        <p:strVal val="visible"/>
+                                      </p:to>
+                                    </p:set>
+                                    <p:animEffect transition="in" filter="randombar(horizontal)">
+                                      <p:cBhvr>
+                                        <p:cTn id="26" dur="500"/>
+                                        <p:tgtEl>
+                                          <p:spTgt spid="12"/>
+                                        </p:tgtEl>
+                                      </p:cBhvr>
+                                    </p:animEffect>
+                                  </p:childTnLst>
+                                </p:cTn>
+                              </p:par>
+                              <p:par>
+                                <p:cTn id="27" presetID="14" presetClass="entr" presetSubtype="10" fill="hold" grpId="0" nodeType="withEffect">
+                                  <p:stCondLst>
+                                    <p:cond delay="250"/>
+                                  </p:stCondLst>
+                                  <p:childTnLst>
+                                    <p:set>
+                                      <p:cBhvr>
+                                        <p:cTn id="28" dur="1" fill="hold">
+                                          <p:stCondLst>
+                                            <p:cond delay="0"/>
+                                          </p:stCondLst>
+                                        </p:cTn>
+                                        <p:tgtEl>
+                                          <p:spTgt spid="13"/>
+                                        </p:tgtEl>
+                                        <p:attrNameLst>
+                                          <p:attrName>style.visibility</p:attrName>
+                                        </p:attrNameLst>
+                                      </p:cBhvr>
+                                      <p:to>
+                                        <p:strVal val="visible"/>
+                                      </p:to>
+                                    </p:set>
+                                    <p:animEffect transition="in" filter="randombar(horizontal)">
+                                      <p:cBhvr>
+                                        <p:cTn id="29" dur="500"/>
+                                        <p:tgtEl>
+                                          <p:spTgt spid="13"/>
+                                        </p:tgtEl>
+                                      </p:cBhvr>
+                                    </p:animEffect>
+                                  </p:childTnLst>
+                                </p:cTn>
+                              </p:par>
+                              <p:par>
+                                <p:cTn id="30" presetID="14" presetClass="entr" presetSubtype="10" fill="hold" grpId="0" nodeType="withEffect">
+                                  <p:stCondLst>
+                                    <p:cond delay="250"/>
+                                  </p:stCondLst>
+                                  <p:childTnLst>
+                                    <p:set>
+                                      <p:cBhvr>
+                                        <p:cTn id="31" dur="1" fill="hold">
+                                          <p:stCondLst>
+                                            <p:cond delay="0"/>
+                                          </p:stCondLst>
+                                        </p:cTn>
+                                        <p:tgtEl>
+                                          <p:spTgt spid="14"/>
+                                        </p:tgtEl>
+                                        <p:attrNameLst>
+                                          <p:attrName>style.visibility</p:attrName>
+                                        </p:attrNameLst>
+                                      </p:cBhvr>
+                                      <p:to>
+                                        <p:strVal val="visible"/>
+                                      </p:to>
+                                    </p:set>
+                                    <p:animEffect transition="in" filter="randombar(horizontal)">
+                                      <p:cBhvr>
+                                        <p:cTn id="32" dur="500"/>
+                                        <p:tgtEl>
+                                          <p:spTgt spid="14"/>
+                                        </p:tgtEl>
+                                      </p:cBhvr>
+                                    </p:animEffect>
+                                  </p:childTnLst>
+                                </p:cTn>
+                              </p:par>
+                            </p:childTnLst>
+                          </p:cTn>
+                        </p:par>
+                      </p:childTnLst>
+                    </p:cTn>
+                  </p:par>
+                  <p:par>
+                    <p:cTn id="33" fill="hold">
+                      <p:stCondLst>
+                        <p:cond delay="indefinite"/>
+                      </p:stCondLst>
+                      <p:childTnLst>
+                        <p:par>
+                          <p:cTn id="34" fill="hold">
+                            <p:stCondLst>
+                              <p:cond delay="0"/>
+                            </p:stCondLst>
+                            <p:childTnLst>
+                              <p:par>
+                                <p:cTn id="35" presetID="1" presetClass="exit" presetSubtype="0" fill="hold" nodeType="clickEffect">
+                                  <p:stCondLst>
+                                    <p:cond delay="0"/>
+                                  </p:stCondLst>
+                                  <p:childTnLst>
+                                    <p:set>
+                                      <p:cBhvr>
+                                        <p:cTn id="36" dur="1" fill="hold">
+                                          <p:stCondLst>
+                                            <p:cond delay="0"/>
+                                          </p:stCondLst>
+                                        </p:cTn>
+                                        <p:tgtEl>
+                                          <p:spTgt spid="7"/>
+                                        </p:tgtEl>
+                                        <p:attrNameLst>
+                                          <p:attrName>style.visibility</p:attrName>
+                                        </p:attrNameLst>
+                                      </p:cBhvr>
+                                      <p:to>
+                                        <p:strVal val="hidden"/>
+                                      </p:to>
+                                    </p:set>
+                                  </p:childTnLst>
+                                </p:cTn>
+                              </p:par>
+                              <p:par>
+                                <p:cTn id="37" presetID="1" presetClass="entr" presetSubtype="0" fill="hold" nodeType="withEffect">
+                                  <p:stCondLst>
+                                    <p:cond delay="0"/>
+                                  </p:stCondLst>
+                                  <p:childTnLst>
+                                    <p:set>
+                                      <p:cBhvr>
+                                        <p:cTn id="38" dur="1" fill="hold">
+                                          <p:stCondLst>
+                                            <p:cond delay="0"/>
+                                          </p:stCondLst>
+                                        </p:cTn>
+                                        <p:tgtEl>
+                                          <p:spTgt spid="8"/>
+                                        </p:tgtEl>
+                                        <p:attrNameLst>
+                                          <p:attrName>style.visibility</p:attrName>
+                                        </p:attrNameLst>
+                                      </p:cBhvr>
+                                      <p:to>
+                                        <p:strVal val="visible"/>
+                                      </p:to>
+                                    </p:set>
+                                  </p:childTnLst>
+                                </p:cTn>
+                              </p:par>
+                            </p:childTnLst>
+                          </p:cTn>
+                        </p:par>
+                      </p:childTnLst>
+                    </p:cTn>
+                  </p:par>
+                </p:childTnLst>
+              </p:cTn>
+              <p:prevCondLst>
+                <p:cond evt="onPrev" delay="0">
+                  <p:tgtEl>
+                    <p:sldTgt/>
+                  </p:tgtEl>
+                </p:cond>
+              </p:prevCondLst>
+              <p:nextCondLst>
+                <p:cond evt="onNext" delay="0">
+                  <p:tgtEl>
+                    <p:sldTgt/>
+                  </p:tgtEl>
+                </p:cond>
+              </p:nextCondLst>
+            </p:seq>
+          </p:childTnLst>
+        </p:cTn>
+      </p:par>
+    </p:tnLst>
+    <p:bldLst>
+      <p:bldP spid="2" grpId="0" animBg="1"/>
+      <p:bldP spid="3" grpId="0" animBg="1"/>
+      <p:bldP spid="9" grpId="0" animBg="1"/>
+      <p:bldP spid="10" grpId="0" animBg="1"/>
+      <p:bldP spid="11" grpId="0" animBg="1"/>
+      <p:bldP spid="12" grpId="0" animBg="1"/>
+      <p:bldP spid="13" grpId="0" animBg="1"/>
+      <p:bldP spid="14" grpId="0" animBg="1"/>
+    </p:bldLst>
+  </p:timing>
+</p:sld>
+</file>
+
+<file path=ppt/slides/slide17.xml><?xml version="1.0" encoding="utf-8"?>
+<p:sld xmlns:a="http://schemas.openxmlformats.org/drawingml/2006/main" xmlns:r="http://schemas.openxmlformats.org/officeDocument/2006/relationships" xmlns:p="http://schemas.openxmlformats.org/presentationml/2006/main">
+  <p:cSld>
+    <p:spTree>
+      <p:nvGrpSpPr>
+        <p:cNvPr id="1" name=""/>
+        <p:cNvGrpSpPr/>
+        <p:nvPr/>
+      </p:nvGrpSpPr>
+      <p:grpSpPr>
+        <a:xfrm>
+          <a:off x="0" y="0"/>
+          <a:ext cx="0" cy="0"/>
+          <a:chOff x="0" y="0"/>
+          <a:chExt cx="0" cy="0"/>
+        </a:xfrm>
+      </p:grpSpPr>
+      <p:pic>
+        <p:nvPicPr>
+          <p:cNvPr id="3" name="Mini cakes"/>
           <p:cNvPicPr>
             <a:picLocks noChangeAspect="1"/>
           </p:cNvPicPr>
@@ -16903,7 +18845,7 @@
       </p:pic>
       <p:sp>
         <p:nvSpPr>
-          <p:cNvPr id="5" name="TextBox 4"/>
+          <p:cNvPr id="5" name="License"/>
           <p:cNvSpPr txBox="1"/>
           <p:nvPr/>
         </p:nvSpPr>
@@ -16924,22 +18866,21 @@
           <a:lstStyle/>
           <a:p>
             <a:r>
-              <a:rPr lang="en-US" dirty="0" err="1" smtClean="0"/>
+              <a:rPr lang="en-US" dirty="0" err="1"/>
               <a:t>FreeImages.com</a:t>
             </a:r>
             <a:r>
-              <a:rPr lang="en-US" dirty="0" smtClean="0"/>
+              <a:rPr lang="en-US" dirty="0"/>
               <a:t>/</a:t>
             </a:r>
             <a:r>
-              <a:rPr lang="en-US" dirty="0" err="1" smtClean="0"/>
+              <a:rPr lang="en-US" dirty="0" err="1"/>
               <a:t>Nico</a:t>
             </a:r>
             <a:r>
-              <a:rPr lang="en-US" dirty="0" smtClean="0"/>
+              <a:rPr lang="en-US" dirty="0"/>
               <a:t> van Diem</a:t>
             </a:r>
-            <a:endParaRPr lang="en-US" dirty="0"/>
           </a:p>
         </p:txBody>
       </p:sp>
@@ -16953,17 +18894,10 @@
   <p:clrMapOvr>
     <a:masterClrMapping/>
   </p:clrMapOvr>
-  <p:timing>
-    <p:tnLst>
-      <p:par>
-        <p:cTn xmlns:p14="http://schemas.microsoft.com/office/powerpoint/2010/main" id="1" dur="indefinite" restart="never" nodeType="tmRoot"/>
-      </p:par>
-    </p:tnLst>
-  </p:timing>
 </p:sld>
 </file>
 
-<file path=ppt/slides/slide17.xml><?xml version="1.0" encoding="utf-8"?>
+<file path=ppt/slides/slide18.xml><?xml version="1.0" encoding="utf-8"?>
 <p:sld xmlns:a="http://schemas.openxmlformats.org/drawingml/2006/main" xmlns:r="http://schemas.openxmlformats.org/officeDocument/2006/relationships" xmlns:p="http://schemas.openxmlformats.org/presentationml/2006/main">
   <p:cSld>
     <p:spTree>
@@ -16996,10 +18930,9 @@
           <a:lstStyle/>
           <a:p>
             <a:r>
-              <a:rPr lang="en-US" dirty="0" smtClean="0"/>
+              <a:rPr lang="en-US" dirty="0"/>
               <a:t>This is the end</a:t>
             </a:r>
-            <a:endParaRPr lang="en-US" dirty="0"/>
           </a:p>
         </p:txBody>
       </p:sp>
@@ -17057,7 +18990,7 @@
           <a:p>
             <a:pPr algn="ctr"/>
             <a:r>
-              <a:rPr lang="en-US" sz="3600" dirty="0" smtClean="0">
+              <a:rPr lang="en-US" sz="3600" dirty="0">
                 <a:ln w="0"/>
                 <a:solidFill>
                   <a:schemeClr val="accent1"/>
@@ -17073,7 +19006,7 @@
               <a:t>@</a:t>
             </a:r>
             <a:r>
-              <a:rPr lang="en-US" sz="3600" dirty="0" err="1" smtClean="0">
+              <a:rPr lang="en-US" sz="3600" dirty="0" err="1">
                 <a:ln w="0"/>
                 <a:solidFill>
                   <a:schemeClr val="accent1"/>
@@ -17141,26 +19074,10 @@
                   </a:outerShdw>
                 </a:effectLst>
               </a:rPr>
-              <a:t>g</a:t>
+              <a:t>github.com/</a:t>
             </a:r>
             <a:r>
-              <a:rPr lang="en-US" sz="3600" dirty="0" smtClean="0">
-                <a:ln w="0"/>
-                <a:solidFill>
-                  <a:schemeClr val="accent1"/>
-                </a:solidFill>
-                <a:effectLst>
-                  <a:outerShdw blurRad="38100" dist="25400" dir="5400000" algn="ctr" rotWithShape="0">
-                    <a:srgbClr val="6E747A">
-                      <a:alpha val="43000"/>
-                    </a:srgbClr>
-                  </a:outerShdw>
-                </a:effectLst>
-              </a:rPr>
-              <a:t>ithub.com/</a:t>
-            </a:r>
-            <a:r>
-              <a:rPr lang="en-US" sz="3600" dirty="0" err="1" smtClean="0">
+              <a:rPr lang="en-US" sz="3600" dirty="0" err="1">
                 <a:ln w="0"/>
                 <a:solidFill>
                   <a:schemeClr val="accent1"/>
@@ -17215,7 +19132,7 @@
           <a:p>
             <a:pPr algn="ctr"/>
             <a:r>
-              <a:rPr lang="en-US" sz="3600" dirty="0" smtClean="0">
+              <a:rPr lang="en-US" sz="3600" dirty="0">
                 <a:ln w="0"/>
                 <a:solidFill>
                   <a:schemeClr val="accent1"/>
@@ -17230,19 +19147,6 @@
               </a:rPr>
               <a:t>twoormore.eu</a:t>
             </a:r>
-            <a:endParaRPr lang="en-US" sz="3600" dirty="0">
-              <a:ln w="0"/>
-              <a:solidFill>
-                <a:schemeClr val="accent1"/>
-              </a:solidFill>
-              <a:effectLst>
-                <a:outerShdw blurRad="38100" dist="25400" dir="5400000" algn="ctr" rotWithShape="0">
-                  <a:srgbClr val="6E747A">
-                    <a:alpha val="43000"/>
-                  </a:srgbClr>
-                </a:outerShdw>
-              </a:effectLst>
-            </a:endParaRPr>
           </a:p>
         </p:txBody>
       </p:sp>
@@ -17270,7 +19174,7 @@
           <a:p>
             <a:pPr algn="ctr"/>
             <a:r>
-              <a:rPr lang="en-US" sz="3600" dirty="0" smtClean="0">
+              <a:rPr lang="en-US" sz="3600" dirty="0">
                 <a:ln w="0"/>
                 <a:solidFill>
                   <a:schemeClr val="accent1"/>
@@ -17286,7 +19190,7 @@
               <a:t>gitlab.com/</a:t>
             </a:r>
             <a:r>
-              <a:rPr lang="en-US" sz="3600" dirty="0" err="1" smtClean="0">
+              <a:rPr lang="en-US" sz="3600" dirty="0" err="1">
                 <a:ln w="0"/>
                 <a:solidFill>
                   <a:schemeClr val="accent1"/>
@@ -17327,105 +19231,6 @@
   <p:clrMapOvr>
     <a:masterClrMapping/>
   </p:clrMapOvr>
-  <p:timing>
-    <p:tnLst>
-      <p:par>
-        <p:cTn xmlns:p14="http://schemas.microsoft.com/office/powerpoint/2010/main" id="1" dur="indefinite" restart="never" nodeType="tmRoot"/>
-      </p:par>
-    </p:tnLst>
-  </p:timing>
-</p:sld>
-</file>
-
-<file path=ppt/slides/slide18.xml><?xml version="1.0" encoding="utf-8"?>
-<p:sld xmlns:a="http://schemas.openxmlformats.org/drawingml/2006/main" xmlns:r="http://schemas.openxmlformats.org/officeDocument/2006/relationships" xmlns:p="http://schemas.openxmlformats.org/presentationml/2006/main">
-  <p:cSld>
-    <p:spTree>
-      <p:nvGrpSpPr>
-        <p:cNvPr id="1" name=""/>
-        <p:cNvGrpSpPr/>
-        <p:nvPr/>
-      </p:nvGrpSpPr>
-      <p:grpSpPr>
-        <a:xfrm>
-          <a:off x="0" y="0"/>
-          <a:ext cx="0" cy="0"/>
-          <a:chOff x="0" y="0"/>
-          <a:chExt cx="0" cy="0"/>
-        </a:xfrm>
-      </p:grpSpPr>
-      <p:sp>
-        <p:nvSpPr>
-          <p:cNvPr id="2" name="Q&amp;A"/>
-          <p:cNvSpPr/>
-          <p:nvPr/>
-        </p:nvSpPr>
-        <p:spPr>
-          <a:xfrm>
-            <a:off x="3180433" y="299415"/>
-            <a:ext cx="2783134" cy="1569660"/>
-          </a:xfrm>
-          <a:prstGeom prst="rect">
-            <a:avLst/>
-          </a:prstGeom>
-          <a:noFill/>
-        </p:spPr>
-        <p:txBody>
-          <a:bodyPr wrap="none" lIns="91440" tIns="45720" rIns="91440" bIns="45720">
-            <a:spAutoFit/>
-          </a:bodyPr>
-          <a:lstStyle/>
-          <a:p>
-            <a:pPr algn="ctr"/>
-            <a:r>
-              <a:rPr lang="en-US" sz="9600" b="0" cap="none" spc="0" dirty="0" smtClean="0">
-                <a:ln w="0"/>
-                <a:solidFill>
-                  <a:schemeClr val="accent1"/>
-                </a:solidFill>
-                <a:effectLst>
-                  <a:outerShdw blurRad="38100" dist="25400" dir="5400000" algn="ctr" rotWithShape="0">
-                    <a:srgbClr val="6E747A">
-                      <a:alpha val="43000"/>
-                    </a:srgbClr>
-                  </a:outerShdw>
-                </a:effectLst>
-              </a:rPr>
-              <a:t>Q&amp;A</a:t>
-            </a:r>
-            <a:endParaRPr lang="en-US" sz="9600" b="0" cap="none" spc="0" dirty="0">
-              <a:ln w="0"/>
-              <a:solidFill>
-                <a:schemeClr val="accent1"/>
-              </a:solidFill>
-              <a:effectLst>
-                <a:outerShdw blurRad="38100" dist="25400" dir="5400000" algn="ctr" rotWithShape="0">
-                  <a:srgbClr val="6E747A">
-                    <a:alpha val="43000"/>
-                  </a:srgbClr>
-                </a:outerShdw>
-              </a:effectLst>
-            </a:endParaRPr>
-          </a:p>
-        </p:txBody>
-      </p:sp>
-    </p:spTree>
-    <p:extLst>
-      <p:ext uri="{BB962C8B-B14F-4D97-AF65-F5344CB8AC3E}">
-        <p14:creationId xmlns:p14="http://schemas.microsoft.com/office/powerpoint/2010/main" val="860214399"/>
-      </p:ext>
-    </p:extLst>
-  </p:cSld>
-  <p:clrMapOvr>
-    <a:masterClrMapping/>
-  </p:clrMapOvr>
-  <p:timing>
-    <p:tnLst>
-      <p:par>
-        <p:cTn xmlns:p14="http://schemas.microsoft.com/office/powerpoint/2010/main" id="1" dur="indefinite" restart="never" nodeType="tmRoot"/>
-      </p:par>
-    </p:tnLst>
-  </p:timing>
 </p:sld>
 </file>
 
@@ -17454,7 +19259,7 @@
         </p:nvSpPr>
         <p:spPr>
           <a:xfrm>
-            <a:off x="3180433" y="299415"/>
+            <a:off x="3180433" y="2644170"/>
             <a:ext cx="2783134" cy="1569660"/>
           </a:xfrm>
           <a:prstGeom prst="rect">
@@ -17470,7 +19275,7 @@
           <a:p>
             <a:pPr algn="ctr"/>
             <a:r>
-              <a:rPr lang="en-US" sz="9600" b="0" cap="none" spc="0" dirty="0" smtClean="0">
+              <a:rPr lang="en-US" sz="9600" b="0" cap="none" spc="0" dirty="0">
                 <a:ln w="0"/>
                 <a:solidFill>
                   <a:schemeClr val="accent1"/>
@@ -17485,364 +19290,19 @@
               </a:rPr>
               <a:t>Q&amp;A</a:t>
             </a:r>
-            <a:endParaRPr lang="en-US" sz="9600" b="0" cap="none" spc="0" dirty="0">
-              <a:ln w="0"/>
-              <a:solidFill>
-                <a:schemeClr val="accent1"/>
-              </a:solidFill>
-              <a:effectLst>
-                <a:outerShdw blurRad="38100" dist="25400" dir="5400000" algn="ctr" rotWithShape="0">
-                  <a:srgbClr val="6E747A">
-                    <a:alpha val="43000"/>
-                  </a:srgbClr>
-                </a:outerShdw>
-              </a:effectLst>
-            </a:endParaRPr>
           </a:p>
         </p:txBody>
       </p:sp>
-      <p:sp>
-        <p:nvSpPr>
-          <p:cNvPr id="3" name="Ha, Ha"/>
-          <p:cNvSpPr/>
-          <p:nvPr/>
-        </p:nvSpPr>
-        <p:spPr>
-          <a:xfrm>
-            <a:off x="2704473" y="2044005"/>
-            <a:ext cx="3735067" cy="923330"/>
-          </a:xfrm>
-          <a:prstGeom prst="rect">
-            <a:avLst/>
-          </a:prstGeom>
-          <a:noFill/>
-        </p:spPr>
-        <p:txBody>
-          <a:bodyPr wrap="none" lIns="91440" tIns="45720" rIns="91440" bIns="45720">
-            <a:spAutoFit/>
-          </a:bodyPr>
-          <a:lstStyle/>
-          <a:p>
-            <a:pPr algn="ctr"/>
-            <a:r>
-              <a:rPr lang="en-US" sz="5400" b="1" cap="none" spc="0" dirty="0" smtClean="0">
-                <a:ln w="9525">
-                  <a:solidFill>
-                    <a:schemeClr val="bg1"/>
-                  </a:solidFill>
-                  <a:prstDash val="solid"/>
-                </a:ln>
-                <a:solidFill>
-                  <a:schemeClr val="accent5"/>
-                </a:solidFill>
-                <a:effectLst>
-                  <a:outerShdw blurRad="12700" dist="38100" dir="2700000" algn="tl" rotWithShape="0">
-                    <a:schemeClr val="accent5">
-                      <a:lumMod val="60000"/>
-                      <a:lumOff val="40000"/>
-                    </a:schemeClr>
-                  </a:outerShdw>
-                </a:effectLst>
-              </a:rPr>
-              <a:t>Ha, Ha</a:t>
-            </a:r>
-            <a:r>
-              <a:rPr lang="en-US" sz="5400" b="1" cap="none" spc="0" smtClean="0">
-                <a:ln w="9525">
-                  <a:solidFill>
-                    <a:schemeClr val="bg1"/>
-                  </a:solidFill>
-                  <a:prstDash val="solid"/>
-                </a:ln>
-                <a:solidFill>
-                  <a:schemeClr val="accent5"/>
-                </a:solidFill>
-                <a:effectLst>
-                  <a:outerShdw blurRad="12700" dist="38100" dir="2700000" algn="tl" rotWithShape="0">
-                    <a:schemeClr val="accent5">
-                      <a:lumMod val="60000"/>
-                      <a:lumOff val="40000"/>
-                    </a:schemeClr>
-                  </a:outerShdw>
-                </a:effectLst>
-              </a:rPr>
-              <a:t>, 42</a:t>
-            </a:r>
-            <a:endParaRPr lang="en-US" sz="5400" b="1" cap="none" spc="0" dirty="0">
-              <a:ln w="9525">
-                <a:solidFill>
-                  <a:schemeClr val="bg1"/>
-                </a:solidFill>
-                <a:prstDash val="solid"/>
-              </a:ln>
-              <a:solidFill>
-                <a:schemeClr val="accent5"/>
-              </a:solidFill>
-              <a:effectLst>
-                <a:outerShdw blurRad="12700" dist="38100" dir="2700000" algn="tl" rotWithShape="0">
-                  <a:schemeClr val="accent5">
-                    <a:lumMod val="60000"/>
-                    <a:lumOff val="40000"/>
-                  </a:schemeClr>
-                </a:outerShdw>
-              </a:effectLst>
-            </a:endParaRPr>
-          </a:p>
-        </p:txBody>
-      </p:sp>
-      <p:pic>
-        <p:nvPicPr>
-          <p:cNvPr id="4" name="Phil Sebben"/>
-          <p:cNvPicPr>
-            <a:picLocks noChangeAspect="1"/>
-          </p:cNvPicPr>
-          <p:nvPr/>
-        </p:nvPicPr>
-        <p:blipFill>
-          <a:blip r:embed="rId2" cstate="email">
-            <a:extLst>
-              <a:ext uri="{28A0092B-C50C-407E-A947-70E740481C1C}">
-                <a14:useLocalDpi xmlns:a14="http://schemas.microsoft.com/office/drawing/2010/main" val="0"/>
-              </a:ext>
-            </a:extLst>
-          </a:blip>
-          <a:stretch>
-            <a:fillRect/>
-          </a:stretch>
-        </p:blipFill>
-        <p:spPr>
-          <a:xfrm>
-            <a:off x="2514334" y="2967335"/>
-            <a:ext cx="4115331" cy="2574368"/>
-          </a:xfrm>
-          <a:prstGeom prst="rect">
-            <a:avLst/>
-          </a:prstGeom>
-        </p:spPr>
-      </p:pic>
     </p:spTree>
     <p:extLst>
       <p:ext uri="{BB962C8B-B14F-4D97-AF65-F5344CB8AC3E}">
-        <p14:creationId xmlns:p14="http://schemas.microsoft.com/office/powerpoint/2010/main" val="1763858363"/>
+        <p14:creationId xmlns:p14="http://schemas.microsoft.com/office/powerpoint/2010/main" val="860214399"/>
       </p:ext>
     </p:extLst>
   </p:cSld>
   <p:clrMapOvr>
     <a:masterClrMapping/>
   </p:clrMapOvr>
-  <p:timing>
-    <p:tnLst>
-      <p:par>
-        <p:cTn xmlns:p14="http://schemas.microsoft.com/office/powerpoint/2010/main" id="1" dur="indefinite" restart="never" nodeType="tmRoot">
-          <p:childTnLst>
-            <p:seq concurrent="1" nextAc="seek">
-              <p:cTn id="2" dur="indefinite" nodeType="mainSeq">
-                <p:childTnLst>
-                  <p:par>
-                    <p:cTn id="3" fill="hold">
-                      <p:stCondLst>
-                        <p:cond delay="indefinite"/>
-                      </p:stCondLst>
-                      <p:childTnLst>
-                        <p:par>
-                          <p:cTn id="4" fill="hold">
-                            <p:stCondLst>
-                              <p:cond delay="0"/>
-                            </p:stCondLst>
-                            <p:childTnLst>
-                              <p:par>
-                                <p:cTn id="5" presetID="42" presetClass="entr" presetSubtype="0" fill="hold" nodeType="clickEffect">
-                                  <p:stCondLst>
-                                    <p:cond delay="0"/>
-                                  </p:stCondLst>
-                                  <p:childTnLst>
-                                    <p:set>
-                                      <p:cBhvr>
-                                        <p:cTn id="6" dur="1" fill="hold">
-                                          <p:stCondLst>
-                                            <p:cond delay="0"/>
-                                          </p:stCondLst>
-                                        </p:cTn>
-                                        <p:tgtEl>
-                                          <p:spTgt spid="4"/>
-                                        </p:tgtEl>
-                                        <p:attrNameLst>
-                                          <p:attrName>style.visibility</p:attrName>
-                                        </p:attrNameLst>
-                                      </p:cBhvr>
-                                      <p:to>
-                                        <p:strVal val="visible"/>
-                                      </p:to>
-                                    </p:set>
-                                    <p:animEffect transition="in" filter="fade">
-                                      <p:cBhvr>
-                                        <p:cTn id="7" dur="1000"/>
-                                        <p:tgtEl>
-                                          <p:spTgt spid="4"/>
-                                        </p:tgtEl>
-                                      </p:cBhvr>
-                                    </p:animEffect>
-                                    <p:anim calcmode="lin" valueType="num">
-                                      <p:cBhvr>
-                                        <p:cTn id="8" dur="1000" fill="hold"/>
-                                        <p:tgtEl>
-                                          <p:spTgt spid="4"/>
-                                        </p:tgtEl>
-                                        <p:attrNameLst>
-                                          <p:attrName>ppt_x</p:attrName>
-                                        </p:attrNameLst>
-                                      </p:cBhvr>
-                                      <p:tavLst>
-                                        <p:tav tm="0">
-                                          <p:val>
-                                            <p:strVal val="#ppt_x"/>
-                                          </p:val>
-                                        </p:tav>
-                                        <p:tav tm="100000">
-                                          <p:val>
-                                            <p:strVal val="#ppt_x"/>
-                                          </p:val>
-                                        </p:tav>
-                                      </p:tavLst>
-                                    </p:anim>
-                                    <p:anim calcmode="lin" valueType="num">
-                                      <p:cBhvr>
-                                        <p:cTn id="9" dur="1000" fill="hold"/>
-                                        <p:tgtEl>
-                                          <p:spTgt spid="4"/>
-                                        </p:tgtEl>
-                                        <p:attrNameLst>
-                                          <p:attrName>ppt_y</p:attrName>
-                                        </p:attrNameLst>
-                                      </p:cBhvr>
-                                      <p:tavLst>
-                                        <p:tav tm="0">
-                                          <p:val>
-                                            <p:strVal val="#ppt_y+.1"/>
-                                          </p:val>
-                                        </p:tav>
-                                        <p:tav tm="100000">
-                                          <p:val>
-                                            <p:strVal val="#ppt_y"/>
-                                          </p:val>
-                                        </p:tav>
-                                      </p:tavLst>
-                                    </p:anim>
-                                  </p:childTnLst>
-                                </p:cTn>
-                              </p:par>
-                              <p:par>
-                                <p:cTn id="10" presetID="42" presetClass="entr" presetSubtype="0" fill="hold" grpId="0" nodeType="withEffect">
-                                  <p:stCondLst>
-                                    <p:cond delay="0"/>
-                                  </p:stCondLst>
-                                  <p:childTnLst>
-                                    <p:set>
-                                      <p:cBhvr>
-                                        <p:cTn id="11" dur="1" fill="hold">
-                                          <p:stCondLst>
-                                            <p:cond delay="0"/>
-                                          </p:stCondLst>
-                                        </p:cTn>
-                                        <p:tgtEl>
-                                          <p:spTgt spid="3"/>
-                                        </p:tgtEl>
-                                        <p:attrNameLst>
-                                          <p:attrName>style.visibility</p:attrName>
-                                        </p:attrNameLst>
-                                      </p:cBhvr>
-                                      <p:to>
-                                        <p:strVal val="visible"/>
-                                      </p:to>
-                                    </p:set>
-                                    <p:animEffect transition="in" filter="fade">
-                                      <p:cBhvr>
-                                        <p:cTn id="12" dur="1000"/>
-                                        <p:tgtEl>
-                                          <p:spTgt spid="3"/>
-                                        </p:tgtEl>
-                                      </p:cBhvr>
-                                    </p:animEffect>
-                                    <p:anim calcmode="lin" valueType="num">
-                                      <p:cBhvr>
-                                        <p:cTn id="13" dur="1000" fill="hold"/>
-                                        <p:tgtEl>
-                                          <p:spTgt spid="3"/>
-                                        </p:tgtEl>
-                                        <p:attrNameLst>
-                                          <p:attrName>ppt_x</p:attrName>
-                                        </p:attrNameLst>
-                                      </p:cBhvr>
-                                      <p:tavLst>
-                                        <p:tav tm="0">
-                                          <p:val>
-                                            <p:strVal val="#ppt_x"/>
-                                          </p:val>
-                                        </p:tav>
-                                        <p:tav tm="100000">
-                                          <p:val>
-                                            <p:strVal val="#ppt_x"/>
-                                          </p:val>
-                                        </p:tav>
-                                      </p:tavLst>
-                                    </p:anim>
-                                    <p:anim calcmode="lin" valueType="num">
-                                      <p:cBhvr>
-                                        <p:cTn id="14" dur="1000" fill="hold"/>
-                                        <p:tgtEl>
-                                          <p:spTgt spid="3"/>
-                                        </p:tgtEl>
-                                        <p:attrNameLst>
-                                          <p:attrName>ppt_y</p:attrName>
-                                        </p:attrNameLst>
-                                      </p:cBhvr>
-                                      <p:tavLst>
-                                        <p:tav tm="0">
-                                          <p:val>
-                                            <p:strVal val="#ppt_y+.1"/>
-                                          </p:val>
-                                        </p:tav>
-                                        <p:tav tm="100000">
-                                          <p:val>
-                                            <p:strVal val="#ppt_y"/>
-                                          </p:val>
-                                        </p:tav>
-                                      </p:tavLst>
-                                    </p:anim>
-                                  </p:childTnLst>
-                                </p:cTn>
-                              </p:par>
-                            </p:childTnLst>
-                          </p:cTn>
-                        </p:par>
-                      </p:childTnLst>
-                    </p:cTn>
-                  </p:par>
-                </p:childTnLst>
-              </p:cTn>
-              <p:prevCondLst>
-                <p:cond evt="onPrev" delay="0">
-                  <p:tgtEl>
-                    <p:sldTgt/>
-                  </p:tgtEl>
-                </p:cond>
-              </p:prevCondLst>
-              <p:nextCondLst>
-                <p:cond evt="onNext" delay="0">
-                  <p:tgtEl>
-                    <p:sldTgt/>
-                  </p:tgtEl>
-                </p:cond>
-              </p:nextCondLst>
-            </p:seq>
-          </p:childTnLst>
-        </p:cTn>
-      </p:par>
-    </p:tnLst>
-    <p:bldLst>
-      <p:bldP spid="3" grpId="0"/>
-    </p:bldLst>
-  </p:timing>
 </p:sld>
 </file>
 
@@ -17865,7 +19325,7 @@
       </p:grpSpPr>
       <p:pic>
         <p:nvPicPr>
-          <p:cNvPr id="2" name="Picture 1" descr="hot-rod-duck-1533315.jpg"/>
+          <p:cNvPr id="2" name="Hot duck" descr="hot-rod-duck-1533315.jpg"/>
           <p:cNvPicPr>
             <a:picLocks noChangeAspect="1"/>
           </p:cNvPicPr>
@@ -17895,7 +19355,7 @@
       </p:pic>
       <p:sp>
         <p:nvSpPr>
-          <p:cNvPr id="3" name="TextBox 2"/>
+          <p:cNvPr id="3" name="Owner information"/>
           <p:cNvSpPr txBox="1"/>
           <p:nvPr/>
         </p:nvSpPr>
@@ -17916,15 +19376,11 @@
           <a:lstStyle/>
           <a:p>
             <a:r>
-              <a:rPr lang="en-US" dirty="0" err="1" smtClean="0"/>
-              <a:t>FreeImages.com</a:t>
+              <a:rPr lang="en-US" dirty="0"/>
+              <a:t>FreeImages.com/Esther </a:t>
             </a:r>
             <a:r>
-              <a:rPr lang="en-US" dirty="0" smtClean="0"/>
-              <a:t>/Esther </a:t>
-            </a:r>
-            <a:r>
-              <a:rPr lang="en-US" dirty="0" err="1" smtClean="0"/>
+              <a:rPr lang="en-US" dirty="0" err="1"/>
               <a:t>Groen</a:t>
             </a:r>
             <a:endParaRPr lang="en-US" dirty="0"/>
@@ -17941,80 +19397,6 @@
   <p:clrMapOvr>
     <a:masterClrMapping/>
   </p:clrMapOvr>
-  <p:timing>
-    <p:tnLst>
-      <p:par>
-        <p:cTn xmlns:p14="http://schemas.microsoft.com/office/powerpoint/2010/main" id="1" dur="indefinite" restart="never" nodeType="tmRoot"/>
-      </p:par>
-    </p:tnLst>
-  </p:timing>
-</p:sld>
-</file>
-
-<file path=ppt/slides/slide20.xml><?xml version="1.0" encoding="utf-8"?>
-<p:sld xmlns:a="http://schemas.openxmlformats.org/drawingml/2006/main" xmlns:r="http://schemas.openxmlformats.org/officeDocument/2006/relationships" xmlns:p="http://schemas.openxmlformats.org/presentationml/2006/main">
-  <p:cSld>
-    <p:spTree>
-      <p:nvGrpSpPr>
-        <p:cNvPr id="1" name=""/>
-        <p:cNvGrpSpPr/>
-        <p:nvPr/>
-      </p:nvGrpSpPr>
-      <p:grpSpPr>
-        <a:xfrm>
-          <a:off x="0" y="0"/>
-          <a:ext cx="0" cy="0"/>
-          <a:chOff x="0" y="0"/>
-          <a:chExt cx="0" cy="0"/>
-        </a:xfrm>
-      </p:grpSpPr>
-      <p:pic>
-        <p:nvPicPr>
-          <p:cNvPr id="2" name="Picture 1" descr="Dark Helmet.jpg"/>
-          <p:cNvPicPr>
-            <a:picLocks noChangeAspect="1"/>
-          </p:cNvPicPr>
-          <p:nvPr/>
-        </p:nvPicPr>
-        <p:blipFill>
-          <a:blip r:embed="rId3">
-            <a:extLst>
-              <a:ext uri="{28A0092B-C50C-407E-A947-70E740481C1C}">
-                <a14:useLocalDpi xmlns:a14="http://schemas.microsoft.com/office/drawing/2010/main" val="0"/>
-              </a:ext>
-            </a:extLst>
-          </a:blip>
-          <a:stretch>
-            <a:fillRect/>
-          </a:stretch>
-        </p:blipFill>
-        <p:spPr>
-          <a:xfrm>
-            <a:off x="1714500" y="1206500"/>
-            <a:ext cx="5715000" cy="4445000"/>
-          </a:xfrm>
-          <a:prstGeom prst="rect">
-            <a:avLst/>
-          </a:prstGeom>
-        </p:spPr>
-      </p:pic>
-    </p:spTree>
-    <p:extLst>
-      <p:ext uri="{BB962C8B-B14F-4D97-AF65-F5344CB8AC3E}">
-        <p14:creationId xmlns:p14="http://schemas.microsoft.com/office/powerpoint/2010/main" val="524790542"/>
-      </p:ext>
-    </p:extLst>
-  </p:cSld>
-  <p:clrMapOvr>
-    <a:masterClrMapping/>
-  </p:clrMapOvr>
-  <p:timing>
-    <p:tnLst>
-      <p:par>
-        <p:cTn xmlns:p14="http://schemas.microsoft.com/office/powerpoint/2010/main" id="1" dur="indefinite" restart="never" nodeType="tmRoot"/>
-      </p:par>
-    </p:tnLst>
-  </p:timing>
 </p:sld>
 </file>
 
@@ -18037,7 +19419,7 @@
       </p:grpSpPr>
       <p:pic>
         <p:nvPicPr>
-          <p:cNvPr id="2" name="Picture 1" descr="hold-it-like-a-duck-1176602.jpg"/>
+          <p:cNvPr id="2" name="Lots of ducks" descr="hold-it-like-a-duck-1176602.jpg"/>
           <p:cNvPicPr>
             <a:picLocks noChangeAspect="1"/>
           </p:cNvPicPr>
@@ -18067,7 +19449,7 @@
       </p:pic>
       <p:sp>
         <p:nvSpPr>
-          <p:cNvPr id="3" name="TextBox 2"/>
+          <p:cNvPr id="3" name="License Information"/>
           <p:cNvSpPr txBox="1"/>
           <p:nvPr/>
         </p:nvSpPr>
@@ -18088,15 +19470,15 @@
           <a:lstStyle/>
           <a:p>
             <a:r>
-              <a:rPr lang="en-US" dirty="0" err="1" smtClean="0"/>
+              <a:rPr lang="en-US" dirty="0" err="1"/>
               <a:t>FreeImages.com</a:t>
             </a:r>
             <a:r>
-              <a:rPr lang="en-US" dirty="0" smtClean="0"/>
+              <a:rPr lang="en-US" dirty="0"/>
               <a:t>/Matt </a:t>
             </a:r>
             <a:r>
-              <a:rPr lang="en-US" dirty="0" err="1" smtClean="0"/>
+              <a:rPr lang="en-US" dirty="0" err="1"/>
               <a:t>Kitson</a:t>
             </a:r>
             <a:endParaRPr lang="en-US" dirty="0"/>
@@ -18113,13 +19495,6 @@
   <p:clrMapOvr>
     <a:masterClrMapping/>
   </p:clrMapOvr>
-  <p:timing>
-    <p:tnLst>
-      <p:par>
-        <p:cTn xmlns:p14="http://schemas.microsoft.com/office/powerpoint/2010/main" id="1" dur="indefinite" restart="never" nodeType="tmRoot"/>
-      </p:par>
-    </p:tnLst>
-  </p:timing>
 </p:sld>
 </file>
 
@@ -18180,13 +19555,6 @@
   <p:clrMapOvr>
     <a:masterClrMapping/>
   </p:clrMapOvr>
-  <p:timing>
-    <p:tnLst>
-      <p:par>
-        <p:cTn xmlns:p14="http://schemas.microsoft.com/office/powerpoint/2010/main" id="1" dur="indefinite" restart="never" nodeType="tmRoot"/>
-      </p:par>
-    </p:tnLst>
-  </p:timing>
 </p:sld>
 </file>
 
@@ -18310,7 +19678,7 @@
   <p:timing>
     <p:tnLst>
       <p:par>
-        <p:cTn xmlns:p14="http://schemas.microsoft.com/office/powerpoint/2010/main" id="1" dur="indefinite" restart="never" nodeType="tmRoot">
+        <p:cTn id="1" dur="indefinite" restart="never" nodeType="tmRoot">
           <p:childTnLst>
             <p:seq concurrent="1" nextAc="seek">
               <p:cTn id="2" dur="indefinite" nodeType="mainSeq">
@@ -19233,7 +20601,7 @@
           <a:p>
             <a:pPr algn="ctr"/>
             <a:r>
-              <a:rPr lang="en-US" sz="9600" b="1" cap="none" spc="0" dirty="0" smtClean="0">
+              <a:rPr lang="en-US" sz="9600" b="1" cap="none" spc="0" dirty="0">
                 <a:ln w="22225">
                   <a:solidFill>
                     <a:schemeClr val="accent2"/>
@@ -19252,23 +20620,6 @@
               </a:rPr>
               <a:t>Software</a:t>
             </a:r>
-            <a:endParaRPr lang="en-US" sz="9600" b="1" cap="none" spc="0" dirty="0">
-              <a:ln w="22225">
-                <a:solidFill>
-                  <a:schemeClr val="accent2"/>
-                </a:solidFill>
-                <a:prstDash val="solid"/>
-              </a:ln>
-              <a:solidFill>
-                <a:schemeClr val="accent2">
-                  <a:lumMod val="40000"/>
-                  <a:lumOff val="60000"/>
-                </a:schemeClr>
-              </a:solidFill>
-              <a:effectLst>
-                <a:reflection blurRad="6350" stA="60000" endA="900" endPos="60000" dist="29997" dir="5400000" sy="-100000" algn="bl" rotWithShape="0"/>
-              </a:effectLst>
-            </a:endParaRPr>
           </a:p>
         </p:txBody>
       </p:sp>
@@ -19295,15 +20646,15 @@
           <a:lstStyle/>
           <a:p>
             <a:r>
-              <a:rPr lang="en-US" dirty="0" err="1" smtClean="0"/>
+              <a:rPr lang="en-US" dirty="0" err="1"/>
               <a:t>FreeImages.com</a:t>
             </a:r>
             <a:r>
-              <a:rPr lang="en-US" dirty="0" smtClean="0"/>
+              <a:rPr lang="en-US" dirty="0"/>
               <a:t>/Helmut </a:t>
             </a:r>
             <a:r>
-              <a:rPr lang="en-US" dirty="0" err="1" smtClean="0"/>
+              <a:rPr lang="en-US" dirty="0" err="1"/>
               <a:t>Gevert</a:t>
             </a:r>
             <a:endParaRPr lang="en-US" dirty="0"/>
@@ -19323,7 +20674,7 @@
   <p:timing>
     <p:tnLst>
       <p:par>
-        <p:cTn xmlns:p14="http://schemas.microsoft.com/office/powerpoint/2010/main" id="1" dur="indefinite" restart="never" nodeType="tmRoot">
+        <p:cTn id="1" dur="indefinite" restart="never" nodeType="tmRoot">
           <p:childTnLst>
             <p:seq concurrent="1" nextAc="seek">
               <p:cTn id="2" dur="indefinite" nodeType="mainSeq">
@@ -19922,7 +21273,7 @@
           <a:lstStyle/>
           <a:p>
             <a:r>
-              <a:rPr lang="en-GB" dirty="0" smtClean="0"/>
+              <a:rPr lang="en-GB" dirty="0"/>
               <a:t>An Initial Approach</a:t>
             </a:r>
             <a:endParaRPr lang="en-US" dirty="0"/>
@@ -20122,7 +21473,7 @@
           <a:p>
             <a:pPr algn="ctr"/>
             <a:r>
-              <a:rPr lang="en-GB" dirty="0" smtClean="0"/>
+              <a:rPr lang="en-GB" dirty="0"/>
               <a:t>Change</a:t>
             </a:r>
             <a:endParaRPr lang="en-US" dirty="0"/>
@@ -20164,50 +21515,8 @@
           <a:p>
             <a:pPr algn="ctr"/>
             <a:r>
-              <a:rPr lang="en-GB" dirty="0" smtClean="0"/>
+              <a:rPr lang="en-GB" dirty="0"/>
               <a:t>Improve</a:t>
-            </a:r>
-            <a:endParaRPr lang="en-US" dirty="0"/>
-          </a:p>
-        </p:txBody>
-      </p:sp>
-      <p:sp>
-        <p:nvSpPr>
-          <p:cNvPr id="12" name="Change"/>
-          <p:cNvSpPr/>
-          <p:nvPr/>
-        </p:nvSpPr>
-        <p:spPr>
-          <a:xfrm>
-            <a:off x="4251910" y="1937704"/>
-            <a:ext cx="3294743" cy="2496457"/>
-          </a:xfrm>
-          <a:prstGeom prst="irregularSeal2">
-            <a:avLst/>
-          </a:prstGeom>
-        </p:spPr>
-        <p:style>
-          <a:lnRef idx="1">
-            <a:schemeClr val="accent4"/>
-          </a:lnRef>
-          <a:fillRef idx="3">
-            <a:schemeClr val="accent4"/>
-          </a:fillRef>
-          <a:effectRef idx="2">
-            <a:schemeClr val="accent4"/>
-          </a:effectRef>
-          <a:fontRef idx="minor">
-            <a:schemeClr val="lt1"/>
-          </a:fontRef>
-        </p:style>
-        <p:txBody>
-          <a:bodyPr rtlCol="0" anchor="ctr"/>
-          <a:lstStyle/>
-          <a:p>
-            <a:pPr algn="ctr"/>
-            <a:r>
-              <a:rPr lang="en-GB" dirty="0" smtClean="0"/>
-              <a:t>Scale?</a:t>
             </a:r>
             <a:endParaRPr lang="en-US" dirty="0"/>
           </a:p>
@@ -20226,7 +21535,7 @@
   <p:timing>
     <p:tnLst>
       <p:par>
-        <p:cTn xmlns:p14="http://schemas.microsoft.com/office/powerpoint/2010/main" id="1" dur="indefinite" restart="never" nodeType="tmRoot">
+        <p:cTn id="1" dur="indefinite" restart="never" nodeType="tmRoot">
           <p:childTnLst>
             <p:seq concurrent="1" nextAc="seek">
               <p:cTn id="2" dur="indefinite" nodeType="mainSeq">
@@ -20771,7 +22080,7 @@
                             </p:stCondLst>
                             <p:childTnLst>
                               <p:par>
-                                <p:cTn id="45" presetID="31" presetClass="entr" presetSubtype="0" fill="hold" grpId="0" nodeType="clickEffect">
+                                <p:cTn id="45" presetID="1" presetClass="entr" presetSubtype="0" fill="hold" nodeType="clickEffect">
                                   <p:stCondLst>
                                     <p:cond delay="0"/>
                                   </p:stCondLst>
@@ -20779,128 +22088,6 @@
                                     <p:set>
                                       <p:cBhvr>
                                         <p:cTn id="46" dur="1" fill="hold">
-                                          <p:stCondLst>
-                                            <p:cond delay="0"/>
-                                          </p:stCondLst>
-                                        </p:cTn>
-                                        <p:tgtEl>
-                                          <p:spTgt spid="12"/>
-                                        </p:tgtEl>
-                                        <p:attrNameLst>
-                                          <p:attrName>style.visibility</p:attrName>
-                                        </p:attrNameLst>
-                                      </p:cBhvr>
-                                      <p:to>
-                                        <p:strVal val="visible"/>
-                                      </p:to>
-                                    </p:set>
-                                    <p:anim calcmode="lin" valueType="num">
-                                      <p:cBhvr>
-                                        <p:cTn id="47" dur="1000" fill="hold"/>
-                                        <p:tgtEl>
-                                          <p:spTgt spid="12"/>
-                                        </p:tgtEl>
-                                        <p:attrNameLst>
-                                          <p:attrName>ppt_w</p:attrName>
-                                        </p:attrNameLst>
-                                      </p:cBhvr>
-                                      <p:tavLst>
-                                        <p:tav tm="0">
-                                          <p:val>
-                                            <p:fltVal val="0"/>
-                                          </p:val>
-                                        </p:tav>
-                                        <p:tav tm="100000">
-                                          <p:val>
-                                            <p:strVal val="#ppt_w"/>
-                                          </p:val>
-                                        </p:tav>
-                                      </p:tavLst>
-                                    </p:anim>
-                                    <p:anim calcmode="lin" valueType="num">
-                                      <p:cBhvr>
-                                        <p:cTn id="48" dur="1000" fill="hold"/>
-                                        <p:tgtEl>
-                                          <p:spTgt spid="12"/>
-                                        </p:tgtEl>
-                                        <p:attrNameLst>
-                                          <p:attrName>ppt_h</p:attrName>
-                                        </p:attrNameLst>
-                                      </p:cBhvr>
-                                      <p:tavLst>
-                                        <p:tav tm="0">
-                                          <p:val>
-                                            <p:fltVal val="0"/>
-                                          </p:val>
-                                        </p:tav>
-                                        <p:tav tm="100000">
-                                          <p:val>
-                                            <p:strVal val="#ppt_h"/>
-                                          </p:val>
-                                        </p:tav>
-                                      </p:tavLst>
-                                    </p:anim>
-                                    <p:anim calcmode="lin" valueType="num">
-                                      <p:cBhvr>
-                                        <p:cTn id="49" dur="1000" fill="hold"/>
-                                        <p:tgtEl>
-                                          <p:spTgt spid="12"/>
-                                        </p:tgtEl>
-                                        <p:attrNameLst>
-                                          <p:attrName>style.rotation</p:attrName>
-                                        </p:attrNameLst>
-                                      </p:cBhvr>
-                                      <p:tavLst>
-                                        <p:tav tm="0">
-                                          <p:val>
-                                            <p:fltVal val="90"/>
-                                          </p:val>
-                                        </p:tav>
-                                        <p:tav tm="100000">
-                                          <p:val>
-                                            <p:fltVal val="0"/>
-                                          </p:val>
-                                        </p:tav>
-                                      </p:tavLst>
-                                    </p:anim>
-                                    <p:animEffect transition="in" filter="fade">
-                                      <p:cBhvr>
-                                        <p:cTn id="50" dur="1000"/>
-                                        <p:tgtEl>
-                                          <p:spTgt spid="12"/>
-                                        </p:tgtEl>
-                                      </p:cBhvr>
-                                    </p:animEffect>
-                                  </p:childTnLst>
-                                </p:cTn>
-                              </p:par>
-                            </p:childTnLst>
-                          </p:cTn>
-                        </p:par>
-                      </p:childTnLst>
-                    </p:cTn>
-                  </p:par>
-                  <p:par>
-                    <p:cTn id="51" fill="hold">
-                      <p:stCondLst>
-                        <p:cond delay="indefinite"/>
-                      </p:stCondLst>
-                      <p:childTnLst>
-                        <p:par>
-                          <p:cTn id="52" fill="hold">
-                            <p:stCondLst>
-                              <p:cond delay="0"/>
-                            </p:stCondLst>
-                            <p:childTnLst>
-                              <p:par>
-                                <p:cTn id="53" presetID="1" presetClass="entr" presetSubtype="0" fill="hold" nodeType="clickEffect">
-                                  <p:stCondLst>
-                                    <p:cond delay="0"/>
-                                  </p:stCondLst>
-                                  <p:childTnLst>
-                                    <p:set>
-                                      <p:cBhvr>
-                                        <p:cTn id="54" dur="1" fill="hold">
                                           <p:stCondLst>
                                             <p:cond delay="0"/>
                                           </p:stCondLst>
@@ -20920,14 +22107,14 @@
                                 </p:cTn>
                               </p:par>
                               <p:par>
-                                <p:cTn id="55" presetID="1" presetClass="exit" presetSubtype="0" fill="hold" nodeType="withEffect">
+                                <p:cTn id="47" presetID="1" presetClass="exit" presetSubtype="0" fill="hold" nodeType="withEffect">
                                   <p:stCondLst>
                                     <p:cond delay="0"/>
                                   </p:stCondLst>
                                   <p:childTnLst>
                                     <p:set>
                                       <p:cBhvr>
-                                        <p:cTn id="56" dur="1" fill="hold">
+                                        <p:cTn id="48" dur="1" fill="hold">
                                           <p:stCondLst>
                                             <p:cond delay="0"/>
                                           </p:stCondLst>
@@ -20977,7 +22164,6 @@
       <p:bldP spid="5" grpId="1" animBg="1"/>
       <p:bldP spid="13" grpId="0" animBg="1"/>
       <p:bldP spid="11" grpId="0" animBg="1"/>
-      <p:bldP spid="12" grpId="0" animBg="1"/>
     </p:bldLst>
   </p:timing>
 </p:sld>
@@ -21113,14 +22299,13 @@
           <a:lstStyle/>
           <a:p>
             <a:r>
-              <a:rPr lang="en-US" dirty="0" err="1" smtClean="0"/>
+              <a:rPr lang="en-US" dirty="0" err="1"/>
               <a:t>FreeImages.com</a:t>
             </a:r>
             <a:r>
-              <a:rPr lang="en-US" dirty="0" smtClean="0"/>
+              <a:rPr lang="en-US" dirty="0"/>
               <a:t>/Mark Mordecai</a:t>
             </a:r>
-            <a:endParaRPr lang="en-US" dirty="0"/>
           </a:p>
         </p:txBody>
       </p:sp>
@@ -21137,7 +22322,7 @@
   <p:timing>
     <p:tnLst>
       <p:par>
-        <p:cTn xmlns:p14="http://schemas.microsoft.com/office/powerpoint/2010/main" id="1" dur="indefinite" restart="never" nodeType="tmRoot">
+        <p:cTn id="1" dur="indefinite" restart="never" nodeType="tmRoot">
           <p:childTnLst>
             <p:seq concurrent="1" nextAc="seek">
               <p:cTn id="2" dur="indefinite" nodeType="mainSeq">
@@ -21548,13 +22733,6 @@
   <p:clrMapOvr>
     <a:masterClrMapping/>
   </p:clrMapOvr>
-  <p:timing>
-    <p:tnLst>
-      <p:par>
-        <p:cTn xmlns:p14="http://schemas.microsoft.com/office/powerpoint/2010/main" id="1" dur="indefinite" restart="never" nodeType="tmRoot"/>
-      </p:par>
-    </p:tnLst>
-  </p:timing>
 </p:sld>
 </file>
 
